--- a/Trunk/Getting Started Material/DCAF Training/4 Designing an application with DCAF.pptx
+++ b/Trunk/Getting Started Material/DCAF Training/4 Designing an application with DCAF.pptx
@@ -4,9 +4,25 @@
   <p:sldMasterIdLst>
     <p:sldMasterId id="2147483648" r:id="rId1"/>
   </p:sldMasterIdLst>
+  <p:notesMasterIdLst>
+    <p:notesMasterId r:id="rId17"/>
+  </p:notesMasterIdLst>
   <p:sldIdLst>
-    <p:sldId id="256" r:id="rId2"/>
+    <p:sldId id="259" r:id="rId2"/>
     <p:sldId id="257" r:id="rId3"/>
+    <p:sldId id="362" r:id="rId4"/>
+    <p:sldId id="364" r:id="rId5"/>
+    <p:sldId id="365" r:id="rId6"/>
+    <p:sldId id="363" r:id="rId7"/>
+    <p:sldId id="291" r:id="rId8"/>
+    <p:sldId id="300" r:id="rId9"/>
+    <p:sldId id="366" r:id="rId10"/>
+    <p:sldId id="367" r:id="rId11"/>
+    <p:sldId id="368" r:id="rId12"/>
+    <p:sldId id="369" r:id="rId13"/>
+    <p:sldId id="370" r:id="rId14"/>
+    <p:sldId id="373" r:id="rId15"/>
+    <p:sldId id="371" r:id="rId16"/>
   </p:sldIdLst>
   <p:sldSz cx="12192000" cy="6858000"/>
   <p:notesSz cx="6858000" cy="9144000"/>
@@ -105,7 +121,797 @@
       </a:defRPr>
     </a:lvl9pPr>
   </p:defaultTextStyle>
+  <p:extLst>
+    <p:ext uri="{EFAFB233-063F-42B5-8137-9DF3F51BA10A}">
+      <p15:sldGuideLst xmlns:p15="http://schemas.microsoft.com/office/powerpoint/2012/main"/>
+    </p:ext>
+  </p:extLst>
 </p:presentation>
+</file>
+
+<file path=ppt/notesMasters/notesMaster1.xml><?xml version="1.0" encoding="utf-8"?>
+<p:notesMaster xmlns:a="http://schemas.openxmlformats.org/drawingml/2006/main" xmlns:r="http://schemas.openxmlformats.org/officeDocument/2006/relationships" xmlns:p="http://schemas.openxmlformats.org/presentationml/2006/main">
+  <p:cSld>
+    <p:bg>
+      <p:bgRef idx="1001">
+        <a:schemeClr val="bg1"/>
+      </p:bgRef>
+    </p:bg>
+    <p:spTree>
+      <p:nvGrpSpPr>
+        <p:cNvPr id="1" name=""/>
+        <p:cNvGrpSpPr/>
+        <p:nvPr/>
+      </p:nvGrpSpPr>
+      <p:grpSpPr>
+        <a:xfrm>
+          <a:off x="0" y="0"/>
+          <a:ext cx="0" cy="0"/>
+          <a:chOff x="0" y="0"/>
+          <a:chExt cx="0" cy="0"/>
+        </a:xfrm>
+      </p:grpSpPr>
+      <p:sp>
+        <p:nvSpPr>
+          <p:cNvPr id="2" name="Header Placeholder 1"/>
+          <p:cNvSpPr>
+            <a:spLocks noGrp="1"/>
+          </p:cNvSpPr>
+          <p:nvPr>
+            <p:ph type="hdr" sz="quarter"/>
+          </p:nvPr>
+        </p:nvSpPr>
+        <p:spPr>
+          <a:xfrm>
+            <a:off x="0" y="0"/>
+            <a:ext cx="2971800" cy="458788"/>
+          </a:xfrm>
+          <a:prstGeom prst="rect">
+            <a:avLst/>
+          </a:prstGeom>
+        </p:spPr>
+        <p:txBody>
+          <a:bodyPr vert="horz" lIns="91440" tIns="45720" rIns="91440" bIns="45720" rtlCol="0"/>
+          <a:lstStyle>
+            <a:lvl1pPr algn="l">
+              <a:defRPr sz="1200"/>
+            </a:lvl1pPr>
+          </a:lstStyle>
+          <a:p>
+            <a:endParaRPr lang="en-US"/>
+          </a:p>
+        </p:txBody>
+      </p:sp>
+      <p:sp>
+        <p:nvSpPr>
+          <p:cNvPr id="3" name="Date Placeholder 2"/>
+          <p:cNvSpPr>
+            <a:spLocks noGrp="1"/>
+          </p:cNvSpPr>
+          <p:nvPr>
+            <p:ph type="dt" idx="1"/>
+          </p:nvPr>
+        </p:nvSpPr>
+        <p:spPr>
+          <a:xfrm>
+            <a:off x="3884613" y="0"/>
+            <a:ext cx="2971800" cy="458788"/>
+          </a:xfrm>
+          <a:prstGeom prst="rect">
+            <a:avLst/>
+          </a:prstGeom>
+        </p:spPr>
+        <p:txBody>
+          <a:bodyPr vert="horz" lIns="91440" tIns="45720" rIns="91440" bIns="45720" rtlCol="0"/>
+          <a:lstStyle>
+            <a:lvl1pPr algn="r">
+              <a:defRPr sz="1200"/>
+            </a:lvl1pPr>
+          </a:lstStyle>
+          <a:p>
+            <a:fld id="{03CB5878-D5AF-4D91-A4DD-D6DE7AC90AEE}" type="datetimeFigureOut">
+              <a:rPr lang="en-US" smtClean="0"/>
+              <a:t>2018-06-27</a:t>
+            </a:fld>
+            <a:endParaRPr lang="en-US"/>
+          </a:p>
+        </p:txBody>
+      </p:sp>
+      <p:sp>
+        <p:nvSpPr>
+          <p:cNvPr id="4" name="Slide Image Placeholder 3"/>
+          <p:cNvSpPr>
+            <a:spLocks noGrp="1" noRot="1" noChangeAspect="1"/>
+          </p:cNvSpPr>
+          <p:nvPr>
+            <p:ph type="sldImg" idx="2"/>
+          </p:nvPr>
+        </p:nvSpPr>
+        <p:spPr>
+          <a:xfrm>
+            <a:off x="685800" y="1143000"/>
+            <a:ext cx="5486400" cy="3086100"/>
+          </a:xfrm>
+          <a:prstGeom prst="rect">
+            <a:avLst/>
+          </a:prstGeom>
+          <a:noFill/>
+          <a:ln w="12700">
+            <a:solidFill>
+              <a:prstClr val="black"/>
+            </a:solidFill>
+          </a:ln>
+        </p:spPr>
+        <p:txBody>
+          <a:bodyPr vert="horz" lIns="91440" tIns="45720" rIns="91440" bIns="45720" rtlCol="0" anchor="ctr"/>
+          <a:lstStyle/>
+          <a:p>
+            <a:endParaRPr lang="en-US"/>
+          </a:p>
+        </p:txBody>
+      </p:sp>
+      <p:sp>
+        <p:nvSpPr>
+          <p:cNvPr id="5" name="Notes Placeholder 4"/>
+          <p:cNvSpPr>
+            <a:spLocks noGrp="1"/>
+          </p:cNvSpPr>
+          <p:nvPr>
+            <p:ph type="body" sz="quarter" idx="3"/>
+          </p:nvPr>
+        </p:nvSpPr>
+        <p:spPr>
+          <a:xfrm>
+            <a:off x="685800" y="4400550"/>
+            <a:ext cx="5486400" cy="3600450"/>
+          </a:xfrm>
+          <a:prstGeom prst="rect">
+            <a:avLst/>
+          </a:prstGeom>
+        </p:spPr>
+        <p:txBody>
+          <a:bodyPr vert="horz" lIns="91440" tIns="45720" rIns="91440" bIns="45720" rtlCol="0"/>
+          <a:lstStyle/>
+          <a:p>
+            <a:pPr lvl="0"/>
+            <a:r>
+              <a:rPr lang="en-US"/>
+              <a:t>Edit Master text styles</a:t>
+            </a:r>
+          </a:p>
+          <a:p>
+            <a:pPr lvl="1"/>
+            <a:r>
+              <a:rPr lang="en-US"/>
+              <a:t>Second level</a:t>
+            </a:r>
+          </a:p>
+          <a:p>
+            <a:pPr lvl="2"/>
+            <a:r>
+              <a:rPr lang="en-US"/>
+              <a:t>Third level</a:t>
+            </a:r>
+          </a:p>
+          <a:p>
+            <a:pPr lvl="3"/>
+            <a:r>
+              <a:rPr lang="en-US"/>
+              <a:t>Fourth level</a:t>
+            </a:r>
+          </a:p>
+          <a:p>
+            <a:pPr lvl="4"/>
+            <a:r>
+              <a:rPr lang="en-US"/>
+              <a:t>Fifth level</a:t>
+            </a:r>
+          </a:p>
+        </p:txBody>
+      </p:sp>
+      <p:sp>
+        <p:nvSpPr>
+          <p:cNvPr id="6" name="Footer Placeholder 5"/>
+          <p:cNvSpPr>
+            <a:spLocks noGrp="1"/>
+          </p:cNvSpPr>
+          <p:nvPr>
+            <p:ph type="ftr" sz="quarter" idx="4"/>
+          </p:nvPr>
+        </p:nvSpPr>
+        <p:spPr>
+          <a:xfrm>
+            <a:off x="0" y="8685213"/>
+            <a:ext cx="2971800" cy="458787"/>
+          </a:xfrm>
+          <a:prstGeom prst="rect">
+            <a:avLst/>
+          </a:prstGeom>
+        </p:spPr>
+        <p:txBody>
+          <a:bodyPr vert="horz" lIns="91440" tIns="45720" rIns="91440" bIns="45720" rtlCol="0" anchor="b"/>
+          <a:lstStyle>
+            <a:lvl1pPr algn="l">
+              <a:defRPr sz="1200"/>
+            </a:lvl1pPr>
+          </a:lstStyle>
+          <a:p>
+            <a:endParaRPr lang="en-US"/>
+          </a:p>
+        </p:txBody>
+      </p:sp>
+      <p:sp>
+        <p:nvSpPr>
+          <p:cNvPr id="7" name="Slide Number Placeholder 6"/>
+          <p:cNvSpPr>
+            <a:spLocks noGrp="1"/>
+          </p:cNvSpPr>
+          <p:nvPr>
+            <p:ph type="sldNum" sz="quarter" idx="5"/>
+          </p:nvPr>
+        </p:nvSpPr>
+        <p:spPr>
+          <a:xfrm>
+            <a:off x="3884613" y="8685213"/>
+            <a:ext cx="2971800" cy="458787"/>
+          </a:xfrm>
+          <a:prstGeom prst="rect">
+            <a:avLst/>
+          </a:prstGeom>
+        </p:spPr>
+        <p:txBody>
+          <a:bodyPr vert="horz" lIns="91440" tIns="45720" rIns="91440" bIns="45720" rtlCol="0" anchor="b"/>
+          <a:lstStyle>
+            <a:lvl1pPr algn="r">
+              <a:defRPr sz="1200"/>
+            </a:lvl1pPr>
+          </a:lstStyle>
+          <a:p>
+            <a:fld id="{1550AEF5-EC2C-410E-A4F2-BDB69C61FEA1}" type="slidenum">
+              <a:rPr lang="en-US" smtClean="0"/>
+              <a:t>‹#›</a:t>
+            </a:fld>
+            <a:endParaRPr lang="en-US"/>
+          </a:p>
+        </p:txBody>
+      </p:sp>
+    </p:spTree>
+    <p:extLst>
+      <p:ext uri="{BB962C8B-B14F-4D97-AF65-F5344CB8AC3E}">
+        <p14:creationId xmlns:p14="http://schemas.microsoft.com/office/powerpoint/2010/main" val="4192046863"/>
+      </p:ext>
+    </p:extLst>
+  </p:cSld>
+  <p:clrMap bg1="lt1" tx1="dk1" bg2="lt2" tx2="dk2" accent1="accent1" accent2="accent2" accent3="accent3" accent4="accent4" accent5="accent5" accent6="accent6" hlink="hlink" folHlink="folHlink"/>
+  <p:notesStyle>
+    <a:lvl1pPr marL="0" algn="l" defTabSz="914400" rtl="0" eaLnBrk="1" latinLnBrk="0" hangingPunct="1">
+      <a:defRPr sz="1200" kern="1200">
+        <a:solidFill>
+          <a:schemeClr val="tx1"/>
+        </a:solidFill>
+        <a:latin typeface="+mn-lt"/>
+        <a:ea typeface="+mn-ea"/>
+        <a:cs typeface="+mn-cs"/>
+      </a:defRPr>
+    </a:lvl1pPr>
+    <a:lvl2pPr marL="457200" algn="l" defTabSz="914400" rtl="0" eaLnBrk="1" latinLnBrk="0" hangingPunct="1">
+      <a:defRPr sz="1200" kern="1200">
+        <a:solidFill>
+          <a:schemeClr val="tx1"/>
+        </a:solidFill>
+        <a:latin typeface="+mn-lt"/>
+        <a:ea typeface="+mn-ea"/>
+        <a:cs typeface="+mn-cs"/>
+      </a:defRPr>
+    </a:lvl2pPr>
+    <a:lvl3pPr marL="914400" algn="l" defTabSz="914400" rtl="0" eaLnBrk="1" latinLnBrk="0" hangingPunct="1">
+      <a:defRPr sz="1200" kern="1200">
+        <a:solidFill>
+          <a:schemeClr val="tx1"/>
+        </a:solidFill>
+        <a:latin typeface="+mn-lt"/>
+        <a:ea typeface="+mn-ea"/>
+        <a:cs typeface="+mn-cs"/>
+      </a:defRPr>
+    </a:lvl3pPr>
+    <a:lvl4pPr marL="1371600" algn="l" defTabSz="914400" rtl="0" eaLnBrk="1" latinLnBrk="0" hangingPunct="1">
+      <a:defRPr sz="1200" kern="1200">
+        <a:solidFill>
+          <a:schemeClr val="tx1"/>
+        </a:solidFill>
+        <a:latin typeface="+mn-lt"/>
+        <a:ea typeface="+mn-ea"/>
+        <a:cs typeface="+mn-cs"/>
+      </a:defRPr>
+    </a:lvl4pPr>
+    <a:lvl5pPr marL="1828800" algn="l" defTabSz="914400" rtl="0" eaLnBrk="1" latinLnBrk="0" hangingPunct="1">
+      <a:defRPr sz="1200" kern="1200">
+        <a:solidFill>
+          <a:schemeClr val="tx1"/>
+        </a:solidFill>
+        <a:latin typeface="+mn-lt"/>
+        <a:ea typeface="+mn-ea"/>
+        <a:cs typeface="+mn-cs"/>
+      </a:defRPr>
+    </a:lvl5pPr>
+    <a:lvl6pPr marL="2286000" algn="l" defTabSz="914400" rtl="0" eaLnBrk="1" latinLnBrk="0" hangingPunct="1">
+      <a:defRPr sz="1200" kern="1200">
+        <a:solidFill>
+          <a:schemeClr val="tx1"/>
+        </a:solidFill>
+        <a:latin typeface="+mn-lt"/>
+        <a:ea typeface="+mn-ea"/>
+        <a:cs typeface="+mn-cs"/>
+      </a:defRPr>
+    </a:lvl6pPr>
+    <a:lvl7pPr marL="2743200" algn="l" defTabSz="914400" rtl="0" eaLnBrk="1" latinLnBrk="0" hangingPunct="1">
+      <a:defRPr sz="1200" kern="1200">
+        <a:solidFill>
+          <a:schemeClr val="tx1"/>
+        </a:solidFill>
+        <a:latin typeface="+mn-lt"/>
+        <a:ea typeface="+mn-ea"/>
+        <a:cs typeface="+mn-cs"/>
+      </a:defRPr>
+    </a:lvl7pPr>
+    <a:lvl8pPr marL="3200400" algn="l" defTabSz="914400" rtl="0" eaLnBrk="1" latinLnBrk="0" hangingPunct="1">
+      <a:defRPr sz="1200" kern="1200">
+        <a:solidFill>
+          <a:schemeClr val="tx1"/>
+        </a:solidFill>
+        <a:latin typeface="+mn-lt"/>
+        <a:ea typeface="+mn-ea"/>
+        <a:cs typeface="+mn-cs"/>
+      </a:defRPr>
+    </a:lvl8pPr>
+    <a:lvl9pPr marL="3657600" algn="l" defTabSz="914400" rtl="0" eaLnBrk="1" latinLnBrk="0" hangingPunct="1">
+      <a:defRPr sz="1200" kern="1200">
+        <a:solidFill>
+          <a:schemeClr val="tx1"/>
+        </a:solidFill>
+        <a:latin typeface="+mn-lt"/>
+        <a:ea typeface="+mn-ea"/>
+        <a:cs typeface="+mn-cs"/>
+      </a:defRPr>
+    </a:lvl9pPr>
+  </p:notesStyle>
+</p:notesMaster>
+</file>
+
+<file path=ppt/notesSlides/notesSlide1.xml><?xml version="1.0" encoding="utf-8"?>
+<p:notes xmlns:a="http://schemas.openxmlformats.org/drawingml/2006/main" xmlns:r="http://schemas.openxmlformats.org/officeDocument/2006/relationships" xmlns:p="http://schemas.openxmlformats.org/presentationml/2006/main">
+  <p:cSld>
+    <p:spTree>
+      <p:nvGrpSpPr>
+        <p:cNvPr id="1" name=""/>
+        <p:cNvGrpSpPr/>
+        <p:nvPr/>
+      </p:nvGrpSpPr>
+      <p:grpSpPr>
+        <a:xfrm>
+          <a:off x="0" y="0"/>
+          <a:ext cx="0" cy="0"/>
+          <a:chOff x="0" y="0"/>
+          <a:chExt cx="0" cy="0"/>
+        </a:xfrm>
+      </p:grpSpPr>
+      <p:sp>
+        <p:nvSpPr>
+          <p:cNvPr id="2" name="Slide Image Placeholder 1"/>
+          <p:cNvSpPr>
+            <a:spLocks noGrp="1" noRot="1" noChangeAspect="1"/>
+          </p:cNvSpPr>
+          <p:nvPr>
+            <p:ph type="sldImg"/>
+          </p:nvPr>
+        </p:nvSpPr>
+        <p:spPr/>
+      </p:sp>
+      <p:sp>
+        <p:nvSpPr>
+          <p:cNvPr id="3" name="Notes Placeholder 2"/>
+          <p:cNvSpPr>
+            <a:spLocks noGrp="1"/>
+          </p:cNvSpPr>
+          <p:nvPr>
+            <p:ph type="body" idx="1"/>
+          </p:nvPr>
+        </p:nvSpPr>
+        <p:spPr/>
+        <p:txBody>
+          <a:bodyPr/>
+          <a:lstStyle/>
+          <a:p>
+            <a:endParaRPr lang="en-US" dirty="0"/>
+          </a:p>
+        </p:txBody>
+      </p:sp>
+      <p:sp>
+        <p:nvSpPr>
+          <p:cNvPr id="4" name="Slide Number Placeholder 3"/>
+          <p:cNvSpPr>
+            <a:spLocks noGrp="1"/>
+          </p:cNvSpPr>
+          <p:nvPr>
+            <p:ph type="sldNum" sz="quarter" idx="10"/>
+          </p:nvPr>
+        </p:nvSpPr>
+        <p:spPr/>
+        <p:txBody>
+          <a:bodyPr/>
+          <a:lstStyle/>
+          <a:p>
+            <a:fld id="{E78E71CD-9786-4621-AA97-B53C62C3E534}" type="slidenum">
+              <a:rPr lang="en-US" smtClean="0"/>
+              <a:t>3</a:t>
+            </a:fld>
+            <a:endParaRPr lang="en-US"/>
+          </a:p>
+        </p:txBody>
+      </p:sp>
+    </p:spTree>
+    <p:extLst>
+      <p:ext uri="{BB962C8B-B14F-4D97-AF65-F5344CB8AC3E}">
+        <p14:creationId xmlns:p14="http://schemas.microsoft.com/office/powerpoint/2010/main" val="3685550655"/>
+      </p:ext>
+    </p:extLst>
+  </p:cSld>
+  <p:clrMapOvr>
+    <a:masterClrMapping/>
+  </p:clrMapOvr>
+</p:notes>
+</file>
+
+<file path=ppt/notesSlides/notesSlide2.xml><?xml version="1.0" encoding="utf-8"?>
+<p:notes xmlns:a="http://schemas.openxmlformats.org/drawingml/2006/main" xmlns:r="http://schemas.openxmlformats.org/officeDocument/2006/relationships" xmlns:p="http://schemas.openxmlformats.org/presentationml/2006/main">
+  <p:cSld>
+    <p:spTree>
+      <p:nvGrpSpPr>
+        <p:cNvPr id="1" name=""/>
+        <p:cNvGrpSpPr/>
+        <p:nvPr/>
+      </p:nvGrpSpPr>
+      <p:grpSpPr>
+        <a:xfrm>
+          <a:off x="0" y="0"/>
+          <a:ext cx="0" cy="0"/>
+          <a:chOff x="0" y="0"/>
+          <a:chExt cx="0" cy="0"/>
+        </a:xfrm>
+      </p:grpSpPr>
+      <p:sp>
+        <p:nvSpPr>
+          <p:cNvPr id="2" name="Slide Image Placeholder 1"/>
+          <p:cNvSpPr>
+            <a:spLocks noGrp="1" noRot="1" noChangeAspect="1"/>
+          </p:cNvSpPr>
+          <p:nvPr>
+            <p:ph type="sldImg"/>
+          </p:nvPr>
+        </p:nvSpPr>
+        <p:spPr/>
+      </p:sp>
+      <p:sp>
+        <p:nvSpPr>
+          <p:cNvPr id="3" name="Notes Placeholder 2"/>
+          <p:cNvSpPr>
+            <a:spLocks noGrp="1"/>
+          </p:cNvSpPr>
+          <p:nvPr>
+            <p:ph type="body" idx="1"/>
+          </p:nvPr>
+        </p:nvSpPr>
+        <p:spPr/>
+        <p:txBody>
+          <a:bodyPr/>
+          <a:lstStyle/>
+          <a:p>
+            <a:endParaRPr lang="en-US" dirty="0"/>
+          </a:p>
+        </p:txBody>
+      </p:sp>
+      <p:sp>
+        <p:nvSpPr>
+          <p:cNvPr id="4" name="Slide Number Placeholder 3"/>
+          <p:cNvSpPr>
+            <a:spLocks noGrp="1"/>
+          </p:cNvSpPr>
+          <p:nvPr>
+            <p:ph type="sldNum" sz="quarter" idx="10"/>
+          </p:nvPr>
+        </p:nvSpPr>
+        <p:spPr/>
+        <p:txBody>
+          <a:bodyPr/>
+          <a:lstStyle/>
+          <a:p>
+            <a:fld id="{E78E71CD-9786-4621-AA97-B53C62C3E534}" type="slidenum">
+              <a:rPr lang="en-US" smtClean="0"/>
+              <a:t>6</a:t>
+            </a:fld>
+            <a:endParaRPr lang="en-US"/>
+          </a:p>
+        </p:txBody>
+      </p:sp>
+    </p:spTree>
+    <p:extLst>
+      <p:ext uri="{BB962C8B-B14F-4D97-AF65-F5344CB8AC3E}">
+        <p14:creationId xmlns:p14="http://schemas.microsoft.com/office/powerpoint/2010/main" val="2633222074"/>
+      </p:ext>
+    </p:extLst>
+  </p:cSld>
+  <p:clrMapOvr>
+    <a:masterClrMapping/>
+  </p:clrMapOvr>
+</p:notes>
+</file>
+
+<file path=ppt/notesSlides/notesSlide3.xml><?xml version="1.0" encoding="utf-8"?>
+<p:notes xmlns:a="http://schemas.openxmlformats.org/drawingml/2006/main" xmlns:r="http://schemas.openxmlformats.org/officeDocument/2006/relationships" xmlns:p="http://schemas.openxmlformats.org/presentationml/2006/main">
+  <p:cSld>
+    <p:spTree>
+      <p:nvGrpSpPr>
+        <p:cNvPr id="1" name=""/>
+        <p:cNvGrpSpPr/>
+        <p:nvPr/>
+      </p:nvGrpSpPr>
+      <p:grpSpPr>
+        <a:xfrm>
+          <a:off x="0" y="0"/>
+          <a:ext cx="0" cy="0"/>
+          <a:chOff x="0" y="0"/>
+          <a:chExt cx="0" cy="0"/>
+        </a:xfrm>
+      </p:grpSpPr>
+      <p:sp>
+        <p:nvSpPr>
+          <p:cNvPr id="2" name="Slide Image Placeholder 1"/>
+          <p:cNvSpPr>
+            <a:spLocks noGrp="1" noRot="1" noChangeAspect="1"/>
+          </p:cNvSpPr>
+          <p:nvPr>
+            <p:ph type="sldImg"/>
+          </p:nvPr>
+        </p:nvSpPr>
+        <p:spPr/>
+      </p:sp>
+      <p:sp>
+        <p:nvSpPr>
+          <p:cNvPr id="3" name="Notes Placeholder 2"/>
+          <p:cNvSpPr>
+            <a:spLocks noGrp="1"/>
+          </p:cNvSpPr>
+          <p:nvPr>
+            <p:ph type="body" idx="1"/>
+          </p:nvPr>
+        </p:nvSpPr>
+        <p:spPr/>
+        <p:txBody>
+          <a:bodyPr/>
+          <a:lstStyle/>
+          <a:p>
+            <a:r>
+              <a:rPr lang="en-US" dirty="0"/>
+              <a:t>Application</a:t>
+            </a:r>
+            <a:r>
+              <a:rPr lang="en-US" baseline="0" dirty="0"/>
+              <a:t> templates exist in addition to the plugin templates.</a:t>
+            </a:r>
+            <a:endParaRPr lang="en-US" dirty="0"/>
+          </a:p>
+        </p:txBody>
+      </p:sp>
+      <p:sp>
+        <p:nvSpPr>
+          <p:cNvPr id="4" name="Slide Number Placeholder 3"/>
+          <p:cNvSpPr>
+            <a:spLocks noGrp="1"/>
+          </p:cNvSpPr>
+          <p:nvPr>
+            <p:ph type="sldNum" sz="quarter" idx="10"/>
+          </p:nvPr>
+        </p:nvSpPr>
+        <p:spPr/>
+        <p:txBody>
+          <a:bodyPr/>
+          <a:lstStyle/>
+          <a:p>
+            <a:fld id="{15F80049-26F3-4D89-A0B2-4E12138F92A1}" type="slidenum">
+              <a:rPr lang="en-US" smtClean="0"/>
+              <a:t>7</a:t>
+            </a:fld>
+            <a:endParaRPr lang="en-US"/>
+          </a:p>
+        </p:txBody>
+      </p:sp>
+    </p:spTree>
+    <p:extLst>
+      <p:ext uri="{BB962C8B-B14F-4D97-AF65-F5344CB8AC3E}">
+        <p14:creationId xmlns:p14="http://schemas.microsoft.com/office/powerpoint/2010/main" val="1234999618"/>
+      </p:ext>
+    </p:extLst>
+  </p:cSld>
+  <p:clrMapOvr>
+    <a:masterClrMapping/>
+  </p:clrMapOvr>
+</p:notes>
+</file>
+
+<file path=ppt/notesSlides/notesSlide4.xml><?xml version="1.0" encoding="utf-8"?>
+<p:notes xmlns:a="http://schemas.openxmlformats.org/drawingml/2006/main" xmlns:r="http://schemas.openxmlformats.org/officeDocument/2006/relationships" xmlns:p="http://schemas.openxmlformats.org/presentationml/2006/main">
+  <p:cSld>
+    <p:spTree>
+      <p:nvGrpSpPr>
+        <p:cNvPr id="1" name=""/>
+        <p:cNvGrpSpPr/>
+        <p:nvPr/>
+      </p:nvGrpSpPr>
+      <p:grpSpPr>
+        <a:xfrm>
+          <a:off x="0" y="0"/>
+          <a:ext cx="0" cy="0"/>
+          <a:chOff x="0" y="0"/>
+          <a:chExt cx="0" cy="0"/>
+        </a:xfrm>
+      </p:grpSpPr>
+      <p:sp>
+        <p:nvSpPr>
+          <p:cNvPr id="2" name="Slide Image Placeholder 1"/>
+          <p:cNvSpPr>
+            <a:spLocks noGrp="1" noRot="1" noChangeAspect="1"/>
+          </p:cNvSpPr>
+          <p:nvPr>
+            <p:ph type="sldImg"/>
+          </p:nvPr>
+        </p:nvSpPr>
+        <p:spPr/>
+      </p:sp>
+      <p:sp>
+        <p:nvSpPr>
+          <p:cNvPr id="3" name="Notes Placeholder 2"/>
+          <p:cNvSpPr>
+            <a:spLocks noGrp="1"/>
+          </p:cNvSpPr>
+          <p:nvPr>
+            <p:ph type="body" idx="1"/>
+          </p:nvPr>
+        </p:nvSpPr>
+        <p:spPr/>
+        <p:txBody>
+          <a:bodyPr/>
+          <a:lstStyle/>
+          <a:p>
+            <a:endParaRPr lang="en-US" dirty="0"/>
+          </a:p>
+        </p:txBody>
+      </p:sp>
+      <p:sp>
+        <p:nvSpPr>
+          <p:cNvPr id="4" name="Slide Number Placeholder 3"/>
+          <p:cNvSpPr>
+            <a:spLocks noGrp="1"/>
+          </p:cNvSpPr>
+          <p:nvPr>
+            <p:ph type="sldNum" sz="quarter" idx="10"/>
+          </p:nvPr>
+        </p:nvSpPr>
+        <p:spPr/>
+        <p:txBody>
+          <a:bodyPr/>
+          <a:lstStyle/>
+          <a:p>
+            <a:fld id="{E78E71CD-9786-4621-AA97-B53C62C3E534}" type="slidenum">
+              <a:rPr lang="en-US" smtClean="0"/>
+              <a:t>13</a:t>
+            </a:fld>
+            <a:endParaRPr lang="en-US"/>
+          </a:p>
+        </p:txBody>
+      </p:sp>
+    </p:spTree>
+    <p:extLst>
+      <p:ext uri="{BB962C8B-B14F-4D97-AF65-F5344CB8AC3E}">
+        <p14:creationId xmlns:p14="http://schemas.microsoft.com/office/powerpoint/2010/main" val="4040824093"/>
+      </p:ext>
+    </p:extLst>
+  </p:cSld>
+  <p:clrMapOvr>
+    <a:masterClrMapping/>
+  </p:clrMapOvr>
+</p:notes>
+</file>
+
+<file path=ppt/notesSlides/notesSlide5.xml><?xml version="1.0" encoding="utf-8"?>
+<p:notes xmlns:a="http://schemas.openxmlformats.org/drawingml/2006/main" xmlns:r="http://schemas.openxmlformats.org/officeDocument/2006/relationships" xmlns:p="http://schemas.openxmlformats.org/presentationml/2006/main">
+  <p:cSld>
+    <p:spTree>
+      <p:nvGrpSpPr>
+        <p:cNvPr id="1" name=""/>
+        <p:cNvGrpSpPr/>
+        <p:nvPr/>
+      </p:nvGrpSpPr>
+      <p:grpSpPr>
+        <a:xfrm>
+          <a:off x="0" y="0"/>
+          <a:ext cx="0" cy="0"/>
+          <a:chOff x="0" y="0"/>
+          <a:chExt cx="0" cy="0"/>
+        </a:xfrm>
+      </p:grpSpPr>
+      <p:sp>
+        <p:nvSpPr>
+          <p:cNvPr id="2" name="Slide Image Placeholder 1"/>
+          <p:cNvSpPr>
+            <a:spLocks noGrp="1" noRot="1" noChangeAspect="1"/>
+          </p:cNvSpPr>
+          <p:nvPr>
+            <p:ph type="sldImg"/>
+          </p:nvPr>
+        </p:nvSpPr>
+        <p:spPr/>
+      </p:sp>
+      <p:sp>
+        <p:nvSpPr>
+          <p:cNvPr id="3" name="Notes Placeholder 2"/>
+          <p:cNvSpPr>
+            <a:spLocks noGrp="1"/>
+          </p:cNvSpPr>
+          <p:nvPr>
+            <p:ph type="body" idx="1"/>
+          </p:nvPr>
+        </p:nvSpPr>
+        <p:spPr/>
+        <p:txBody>
+          <a:bodyPr/>
+          <a:lstStyle/>
+          <a:p>
+            <a:r>
+              <a:rPr lang="en-US" dirty="0"/>
+              <a:t>Application</a:t>
+            </a:r>
+            <a:r>
+              <a:rPr lang="en-US" baseline="0" dirty="0"/>
+              <a:t> templates exist in addition to the plugin templates.</a:t>
+            </a:r>
+            <a:endParaRPr lang="en-US" dirty="0"/>
+          </a:p>
+        </p:txBody>
+      </p:sp>
+      <p:sp>
+        <p:nvSpPr>
+          <p:cNvPr id="4" name="Slide Number Placeholder 3"/>
+          <p:cNvSpPr>
+            <a:spLocks noGrp="1"/>
+          </p:cNvSpPr>
+          <p:nvPr>
+            <p:ph type="sldNum" sz="quarter" idx="10"/>
+          </p:nvPr>
+        </p:nvSpPr>
+        <p:spPr/>
+        <p:txBody>
+          <a:bodyPr/>
+          <a:lstStyle/>
+          <a:p>
+            <a:fld id="{15F80049-26F3-4D89-A0B2-4E12138F92A1}" type="slidenum">
+              <a:rPr lang="en-US" smtClean="0"/>
+              <a:t>15</a:t>
+            </a:fld>
+            <a:endParaRPr lang="en-US"/>
+          </a:p>
+        </p:txBody>
+      </p:sp>
+    </p:spTree>
+    <p:extLst>
+      <p:ext uri="{BB962C8B-B14F-4D97-AF65-F5344CB8AC3E}">
+        <p14:creationId xmlns:p14="http://schemas.microsoft.com/office/powerpoint/2010/main" val="2836448932"/>
+      </p:ext>
+    </p:extLst>
+  </p:cSld>
+  <p:clrMapOvr>
+    <a:masterClrMapping/>
+  </p:clrMapOvr>
+</p:notes>
 </file>
 
 <file path=ppt/slideLayouts/slideLayout1.xml><?xml version="1.0" encoding="utf-8"?>
@@ -255,7 +1061,7 @@
           <a:p>
             <a:fld id="{8BEBFB54-DD62-4FD2-AABF-1CC163250B3B}" type="datetimeFigureOut">
               <a:rPr lang="en-US" smtClean="0"/>
-              <a:t>6/6/2018</a:t>
+              <a:t>2018-06-27</a:t>
             </a:fld>
             <a:endParaRPr lang="en-US"/>
           </a:p>
@@ -453,7 +1259,7 @@
           <a:p>
             <a:fld id="{8BEBFB54-DD62-4FD2-AABF-1CC163250B3B}" type="datetimeFigureOut">
               <a:rPr lang="en-US" smtClean="0"/>
-              <a:t>6/6/2018</a:t>
+              <a:t>2018-06-27</a:t>
             </a:fld>
             <a:endParaRPr lang="en-US"/>
           </a:p>
@@ -661,7 +1467,7 @@
           <a:p>
             <a:fld id="{8BEBFB54-DD62-4FD2-AABF-1CC163250B3B}" type="datetimeFigureOut">
               <a:rPr lang="en-US" smtClean="0"/>
-              <a:t>6/6/2018</a:t>
+              <a:t>2018-06-27</a:t>
             </a:fld>
             <a:endParaRPr lang="en-US"/>
           </a:p>
@@ -731,6 +1537,1236 @@
   <p:clrMapOvr>
     <a:masterClrMapping/>
   </p:clrMapOvr>
+</p:sldLayout>
+</file>
+
+<file path=ppt/slideLayouts/slideLayout12.xml><?xml version="1.0" encoding="utf-8"?>
+<p:sldLayout xmlns:a="http://schemas.openxmlformats.org/drawingml/2006/main" xmlns:r="http://schemas.openxmlformats.org/officeDocument/2006/relationships" xmlns:p="http://schemas.openxmlformats.org/presentationml/2006/main" showMasterSp="0">
+  <p:cSld name="External_Title Slide">
+    <p:bg>
+      <p:bgPr>
+        <a:solidFill>
+          <a:schemeClr val="bg1"/>
+        </a:solidFill>
+        <a:effectLst/>
+      </p:bgPr>
+    </p:bg>
+    <p:spTree>
+      <p:nvGrpSpPr>
+        <p:cNvPr id="1" name=""/>
+        <p:cNvGrpSpPr/>
+        <p:nvPr/>
+      </p:nvGrpSpPr>
+      <p:grpSpPr>
+        <a:xfrm>
+          <a:off x="0" y="0"/>
+          <a:ext cx="0" cy="0"/>
+          <a:chOff x="0" y="0"/>
+          <a:chExt cx="0" cy="0"/>
+        </a:xfrm>
+      </p:grpSpPr>
+      <p:sp>
+        <p:nvSpPr>
+          <p:cNvPr id="7" name="Rectangle 6"/>
+          <p:cNvSpPr/>
+          <p:nvPr/>
+        </p:nvSpPr>
+        <p:spPr>
+          <a:xfrm>
+            <a:off x="0" y="2"/>
+            <a:ext cx="12203992" cy="4375505"/>
+          </a:xfrm>
+          <a:prstGeom prst="rect">
+            <a:avLst/>
+          </a:prstGeom>
+          <a:solidFill>
+            <a:srgbClr val="0A60A3"/>
+          </a:solidFill>
+          <a:ln>
+            <a:noFill/>
+          </a:ln>
+          <a:effectLst/>
+        </p:spPr>
+        <p:style>
+          <a:lnRef idx="1">
+            <a:schemeClr val="accent1"/>
+          </a:lnRef>
+          <a:fillRef idx="3">
+            <a:schemeClr val="accent1"/>
+          </a:fillRef>
+          <a:effectRef idx="2">
+            <a:schemeClr val="accent1"/>
+          </a:effectRef>
+          <a:fontRef idx="minor">
+            <a:schemeClr val="lt1"/>
+          </a:fontRef>
+        </p:style>
+        <p:txBody>
+          <a:bodyPr lIns="0" rIns="0" rtlCol="0" anchor="ctr"/>
+          <a:lstStyle/>
+          <a:p>
+            <a:pPr algn="ctr"/>
+            <a:endParaRPr lang="en-US" sz="2400"/>
+          </a:p>
+        </p:txBody>
+      </p:sp>
+      <p:sp>
+        <p:nvSpPr>
+          <p:cNvPr id="2" name="Title 1"/>
+          <p:cNvSpPr>
+            <a:spLocks noGrp="1"/>
+          </p:cNvSpPr>
+          <p:nvPr>
+            <p:ph type="ctrTitle" hasCustomPrompt="1"/>
+          </p:nvPr>
+        </p:nvSpPr>
+        <p:spPr>
+          <a:xfrm>
+            <a:off x="605368" y="1121833"/>
+            <a:ext cx="10981265" cy="2387600"/>
+          </a:xfrm>
+        </p:spPr>
+        <p:txBody>
+          <a:bodyPr anchor="b"/>
+          <a:lstStyle>
+            <a:lvl1pPr algn="ctr">
+              <a:defRPr sz="3733" baseline="0">
+                <a:solidFill>
+                  <a:schemeClr val="bg1"/>
+                </a:solidFill>
+              </a:defRPr>
+            </a:lvl1pPr>
+          </a:lstStyle>
+          <a:p>
+            <a:r>
+              <a:rPr lang="en-US" dirty="0"/>
+              <a:t>Presentation Title</a:t>
+            </a:r>
+          </a:p>
+        </p:txBody>
+      </p:sp>
+      <p:sp>
+        <p:nvSpPr>
+          <p:cNvPr id="3" name="Subtitle 2"/>
+          <p:cNvSpPr>
+            <a:spLocks noGrp="1"/>
+          </p:cNvSpPr>
+          <p:nvPr>
+            <p:ph type="subTitle" idx="1" hasCustomPrompt="1"/>
+          </p:nvPr>
+        </p:nvSpPr>
+        <p:spPr>
+          <a:xfrm>
+            <a:off x="605367" y="3509434"/>
+            <a:ext cx="10981267" cy="757767"/>
+          </a:xfrm>
+        </p:spPr>
+        <p:txBody>
+          <a:bodyPr/>
+          <a:lstStyle>
+            <a:lvl1pPr marL="0" marR="0" indent="0" algn="ctr" defTabSz="1219170" rtl="0" eaLnBrk="1" fontAlgn="auto" latinLnBrk="0" hangingPunct="1">
+              <a:lnSpc>
+                <a:spcPts val="2133"/>
+              </a:lnSpc>
+              <a:spcBef>
+                <a:spcPts val="1333"/>
+              </a:spcBef>
+              <a:spcAft>
+                <a:spcPts val="0"/>
+              </a:spcAft>
+              <a:buClrTx/>
+              <a:buSzTx/>
+              <a:buFont typeface="Arial"/>
+              <a:buNone/>
+              <a:tabLst/>
+              <a:defRPr sz="2400" baseline="0">
+                <a:solidFill>
+                  <a:schemeClr val="bg1"/>
+                </a:solidFill>
+              </a:defRPr>
+            </a:lvl1pPr>
+            <a:lvl2pPr marL="609585" indent="0" algn="ctr">
+              <a:buNone/>
+              <a:defRPr sz="2667"/>
+            </a:lvl2pPr>
+            <a:lvl3pPr marL="1219170" indent="0" algn="ctr">
+              <a:buNone/>
+              <a:defRPr sz="2400"/>
+            </a:lvl3pPr>
+            <a:lvl4pPr marL="1828754" indent="0" algn="ctr">
+              <a:buNone/>
+              <a:defRPr sz="2133"/>
+            </a:lvl4pPr>
+            <a:lvl5pPr marL="2438339" indent="0" algn="ctr">
+              <a:buNone/>
+              <a:defRPr sz="2133"/>
+            </a:lvl5pPr>
+            <a:lvl6pPr marL="3047924" indent="0" algn="ctr">
+              <a:buNone/>
+              <a:defRPr sz="2133"/>
+            </a:lvl6pPr>
+            <a:lvl7pPr marL="3657509" indent="0" algn="ctr">
+              <a:buNone/>
+              <a:defRPr sz="2133"/>
+            </a:lvl7pPr>
+            <a:lvl8pPr marL="4267093" indent="0" algn="ctr">
+              <a:buNone/>
+              <a:defRPr sz="2133"/>
+            </a:lvl8pPr>
+            <a:lvl9pPr marL="4876678" indent="0" algn="ctr">
+              <a:buNone/>
+              <a:defRPr sz="2133"/>
+            </a:lvl9pPr>
+          </a:lstStyle>
+          <a:p>
+            <a:r>
+              <a:rPr lang="en-US" dirty="0"/>
+              <a:t>Subhead</a:t>
+            </a:r>
+          </a:p>
+        </p:txBody>
+      </p:sp>
+      <p:sp>
+        <p:nvSpPr>
+          <p:cNvPr id="17" name="Text Placeholder 16"/>
+          <p:cNvSpPr>
+            <a:spLocks noGrp="1"/>
+          </p:cNvSpPr>
+          <p:nvPr>
+            <p:ph type="body" sz="quarter" idx="12" hasCustomPrompt="1"/>
+          </p:nvPr>
+        </p:nvSpPr>
+        <p:spPr>
+          <a:xfrm>
+            <a:off x="605367" y="4631266"/>
+            <a:ext cx="10981267" cy="414868"/>
+          </a:xfrm>
+        </p:spPr>
+        <p:txBody>
+          <a:bodyPr/>
+          <a:lstStyle>
+            <a:lvl1pPr marL="0" marR="0" indent="0" algn="ctr" defTabSz="1219170" rtl="0" eaLnBrk="1" fontAlgn="auto" latinLnBrk="0" hangingPunct="1">
+              <a:lnSpc>
+                <a:spcPct val="100000"/>
+              </a:lnSpc>
+              <a:spcBef>
+                <a:spcPts val="533"/>
+              </a:spcBef>
+              <a:spcAft>
+                <a:spcPts val="800"/>
+              </a:spcAft>
+              <a:buClr>
+                <a:schemeClr val="bg2">
+                  <a:lumMod val="50000"/>
+                </a:schemeClr>
+              </a:buClr>
+              <a:buSzPct val="70000"/>
+              <a:buFont typeface="Wingdings" charset="2"/>
+              <a:buNone/>
+              <a:tabLst>
+                <a:tab pos="243411" algn="l"/>
+                <a:tab pos="4944410" algn="l"/>
+              </a:tabLst>
+              <a:defRPr sz="2133">
+                <a:solidFill>
+                  <a:schemeClr val="bg2">
+                    <a:lumMod val="50000"/>
+                  </a:schemeClr>
+                </a:solidFill>
+              </a:defRPr>
+            </a:lvl1pPr>
+          </a:lstStyle>
+          <a:p>
+            <a:pPr algn="ctr">
+              <a:spcAft>
+                <a:spcPts val="600"/>
+              </a:spcAft>
+            </a:pPr>
+            <a:r>
+              <a:rPr lang="en-US" dirty="0">
+                <a:solidFill>
+                  <a:schemeClr val="tx1">
+                    <a:lumMod val="50000"/>
+                    <a:lumOff val="50000"/>
+                  </a:schemeClr>
+                </a:solidFill>
+              </a:rPr>
+              <a:t>Speaker</a:t>
+            </a:r>
+            <a:endParaRPr lang="en-US" sz="1867" dirty="0">
+              <a:solidFill>
+                <a:schemeClr val="bg1">
+                  <a:lumMod val="65000"/>
+                </a:schemeClr>
+              </a:solidFill>
+            </a:endParaRPr>
+          </a:p>
+        </p:txBody>
+      </p:sp>
+      <p:sp>
+        <p:nvSpPr>
+          <p:cNvPr id="21" name="Text Placeholder 20"/>
+          <p:cNvSpPr>
+            <a:spLocks noGrp="1"/>
+          </p:cNvSpPr>
+          <p:nvPr>
+            <p:ph type="body" sz="quarter" idx="13" hasCustomPrompt="1"/>
+          </p:nvPr>
+        </p:nvSpPr>
+        <p:spPr>
+          <a:xfrm>
+            <a:off x="605367" y="5046134"/>
+            <a:ext cx="10981267" cy="463551"/>
+          </a:xfrm>
+        </p:spPr>
+        <p:txBody>
+          <a:bodyPr/>
+          <a:lstStyle>
+            <a:lvl1pPr marL="0" marR="0" indent="0" algn="ctr" defTabSz="1219170" rtl="0" eaLnBrk="1" fontAlgn="auto" latinLnBrk="0" hangingPunct="1">
+              <a:lnSpc>
+                <a:spcPct val="100000"/>
+              </a:lnSpc>
+              <a:spcBef>
+                <a:spcPts val="533"/>
+              </a:spcBef>
+              <a:spcAft>
+                <a:spcPts val="800"/>
+              </a:spcAft>
+              <a:buClr>
+                <a:schemeClr val="bg2">
+                  <a:lumMod val="50000"/>
+                </a:schemeClr>
+              </a:buClr>
+              <a:buSzPct val="70000"/>
+              <a:buFont typeface="Wingdings" charset="2"/>
+              <a:buNone/>
+              <a:tabLst>
+                <a:tab pos="243834" algn="l"/>
+              </a:tabLst>
+              <a:defRPr sz="1867">
+                <a:solidFill>
+                  <a:schemeClr val="bg2">
+                    <a:lumMod val="50000"/>
+                  </a:schemeClr>
+                </a:solidFill>
+              </a:defRPr>
+            </a:lvl1pPr>
+          </a:lstStyle>
+          <a:p>
+            <a:pPr>
+              <a:spcAft>
+                <a:spcPts val="600"/>
+              </a:spcAft>
+            </a:pPr>
+            <a:r>
+              <a:rPr lang="en-US" dirty="0">
+                <a:solidFill>
+                  <a:schemeClr val="bg1">
+                    <a:lumMod val="65000"/>
+                  </a:schemeClr>
+                </a:solidFill>
+              </a:rPr>
+              <a:t>Title</a:t>
+            </a:r>
+          </a:p>
+        </p:txBody>
+      </p:sp>
+      <p:pic>
+        <p:nvPicPr>
+          <p:cNvPr id="11" name="Picture 10"/>
+          <p:cNvPicPr>
+            <a:picLocks noChangeAspect="1"/>
+          </p:cNvPicPr>
+          <p:nvPr/>
+        </p:nvPicPr>
+        <p:blipFill>
+          <a:blip r:embed="rId2" cstate="screen">
+            <a:extLst>
+              <a:ext uri="{28A0092B-C50C-407E-A947-70E740481C1C}">
+                <a14:useLocalDpi xmlns:a14="http://schemas.microsoft.com/office/drawing/2010/main"/>
+              </a:ext>
+            </a:extLst>
+          </a:blip>
+          <a:stretch>
+            <a:fillRect/>
+          </a:stretch>
+        </p:blipFill>
+        <p:spPr>
+          <a:xfrm>
+            <a:off x="615165" y="6324601"/>
+            <a:ext cx="1418891" cy="343808"/>
+          </a:xfrm>
+          <a:prstGeom prst="rect">
+            <a:avLst/>
+          </a:prstGeom>
+        </p:spPr>
+      </p:pic>
+      <p:sp>
+        <p:nvSpPr>
+          <p:cNvPr id="10" name="Footer Placeholder 3"/>
+          <p:cNvSpPr txBox="1">
+            <a:spLocks/>
+          </p:cNvSpPr>
+          <p:nvPr/>
+        </p:nvSpPr>
+        <p:spPr>
+          <a:xfrm>
+            <a:off x="9593112" y="6392672"/>
+            <a:ext cx="2002985" cy="267608"/>
+          </a:xfrm>
+          <a:prstGeom prst="rect">
+            <a:avLst/>
+          </a:prstGeom>
+        </p:spPr>
+        <p:txBody>
+          <a:bodyPr vert="horz" lIns="0" tIns="60960" rIns="0" bIns="60960" rtlCol="0" anchor="ctr"/>
+          <a:lstStyle>
+            <a:defPPr>
+              <a:defRPr lang="en-US"/>
+            </a:defPPr>
+            <a:lvl1pPr marL="0" algn="r" defTabSz="457174" rtl="0" eaLnBrk="1" latinLnBrk="0" hangingPunct="1">
+              <a:defRPr sz="1200" kern="1200">
+                <a:solidFill>
+                  <a:schemeClr val="tx1">
+                    <a:tint val="75000"/>
+                  </a:schemeClr>
+                </a:solidFill>
+                <a:latin typeface="+mn-lt"/>
+                <a:ea typeface="+mn-ea"/>
+                <a:cs typeface="+mn-cs"/>
+              </a:defRPr>
+            </a:lvl1pPr>
+            <a:lvl2pPr marL="457174" algn="l" defTabSz="457174" rtl="0" eaLnBrk="1" latinLnBrk="0" hangingPunct="1">
+              <a:defRPr sz="1800" kern="1200">
+                <a:solidFill>
+                  <a:schemeClr val="tx1"/>
+                </a:solidFill>
+                <a:latin typeface="+mn-lt"/>
+                <a:ea typeface="+mn-ea"/>
+                <a:cs typeface="+mn-cs"/>
+              </a:defRPr>
+            </a:lvl2pPr>
+            <a:lvl3pPr marL="914348" algn="l" defTabSz="457174" rtl="0" eaLnBrk="1" latinLnBrk="0" hangingPunct="1">
+              <a:defRPr sz="1800" kern="1200">
+                <a:solidFill>
+                  <a:schemeClr val="tx1"/>
+                </a:solidFill>
+                <a:latin typeface="+mn-lt"/>
+                <a:ea typeface="+mn-ea"/>
+                <a:cs typeface="+mn-cs"/>
+              </a:defRPr>
+            </a:lvl3pPr>
+            <a:lvl4pPr marL="1371523" algn="l" defTabSz="457174" rtl="0" eaLnBrk="1" latinLnBrk="0" hangingPunct="1">
+              <a:defRPr sz="1800" kern="1200">
+                <a:solidFill>
+                  <a:schemeClr val="tx1"/>
+                </a:solidFill>
+                <a:latin typeface="+mn-lt"/>
+                <a:ea typeface="+mn-ea"/>
+                <a:cs typeface="+mn-cs"/>
+              </a:defRPr>
+            </a:lvl4pPr>
+            <a:lvl5pPr marL="1828698" algn="l" defTabSz="457174" rtl="0" eaLnBrk="1" latinLnBrk="0" hangingPunct="1">
+              <a:defRPr sz="1800" kern="1200">
+                <a:solidFill>
+                  <a:schemeClr val="tx1"/>
+                </a:solidFill>
+                <a:latin typeface="+mn-lt"/>
+                <a:ea typeface="+mn-ea"/>
+                <a:cs typeface="+mn-cs"/>
+              </a:defRPr>
+            </a:lvl5pPr>
+            <a:lvl6pPr marL="2285872" algn="l" defTabSz="457174" rtl="0" eaLnBrk="1" latinLnBrk="0" hangingPunct="1">
+              <a:defRPr sz="1800" kern="1200">
+                <a:solidFill>
+                  <a:schemeClr val="tx1"/>
+                </a:solidFill>
+                <a:latin typeface="+mn-lt"/>
+                <a:ea typeface="+mn-ea"/>
+                <a:cs typeface="+mn-cs"/>
+              </a:defRPr>
+            </a:lvl6pPr>
+            <a:lvl7pPr marL="2743046" algn="l" defTabSz="457174" rtl="0" eaLnBrk="1" latinLnBrk="0" hangingPunct="1">
+              <a:defRPr sz="1800" kern="1200">
+                <a:solidFill>
+                  <a:schemeClr val="tx1"/>
+                </a:solidFill>
+                <a:latin typeface="+mn-lt"/>
+                <a:ea typeface="+mn-ea"/>
+                <a:cs typeface="+mn-cs"/>
+              </a:defRPr>
+            </a:lvl7pPr>
+            <a:lvl8pPr marL="3200220" algn="l" defTabSz="457174" rtl="0" eaLnBrk="1" latinLnBrk="0" hangingPunct="1">
+              <a:defRPr sz="1800" kern="1200">
+                <a:solidFill>
+                  <a:schemeClr val="tx1"/>
+                </a:solidFill>
+                <a:latin typeface="+mn-lt"/>
+                <a:ea typeface="+mn-ea"/>
+                <a:cs typeface="+mn-cs"/>
+              </a:defRPr>
+            </a:lvl8pPr>
+            <a:lvl9pPr marL="3657394" algn="l" defTabSz="457174" rtl="0" eaLnBrk="1" latinLnBrk="0" hangingPunct="1">
+              <a:defRPr sz="1800" kern="1200">
+                <a:solidFill>
+                  <a:schemeClr val="tx1"/>
+                </a:solidFill>
+                <a:latin typeface="+mn-lt"/>
+                <a:ea typeface="+mn-ea"/>
+                <a:cs typeface="+mn-cs"/>
+              </a:defRPr>
+            </a:lvl9pPr>
+          </a:lstStyle>
+          <a:p>
+            <a:r>
+              <a:rPr lang="en-US" sz="1333" dirty="0" err="1"/>
+              <a:t>ni.com</a:t>
+            </a:r>
+            <a:endParaRPr lang="en-US" sz="1333" dirty="0"/>
+          </a:p>
+        </p:txBody>
+      </p:sp>
+    </p:spTree>
+    <p:extLst>
+      <p:ext uri="{BB962C8B-B14F-4D97-AF65-F5344CB8AC3E}">
+        <p14:creationId xmlns:p14="http://schemas.microsoft.com/office/powerpoint/2010/main" val="3796430766"/>
+      </p:ext>
+    </p:extLst>
+  </p:cSld>
+  <p:clrMapOvr>
+    <a:masterClrMapping/>
+  </p:clrMapOvr>
+</p:sldLayout>
+</file>
+
+<file path=ppt/slideLayouts/slideLayout13.xml><?xml version="1.0" encoding="utf-8"?>
+<p:sldLayout xmlns:a="http://schemas.openxmlformats.org/drawingml/2006/main" xmlns:r="http://schemas.openxmlformats.org/officeDocument/2006/relationships" xmlns:p="http://schemas.openxmlformats.org/presentationml/2006/main" showMasterSp="0">
+  <p:cSld name="1_Title Slide">
+    <p:bg>
+      <p:bgPr>
+        <a:solidFill>
+          <a:schemeClr val="bg1"/>
+        </a:solidFill>
+        <a:effectLst/>
+      </p:bgPr>
+    </p:bg>
+    <p:spTree>
+      <p:nvGrpSpPr>
+        <p:cNvPr id="1" name=""/>
+        <p:cNvGrpSpPr/>
+        <p:nvPr/>
+      </p:nvGrpSpPr>
+      <p:grpSpPr>
+        <a:xfrm>
+          <a:off x="0" y="0"/>
+          <a:ext cx="0" cy="0"/>
+          <a:chOff x="0" y="0"/>
+          <a:chExt cx="0" cy="0"/>
+        </a:xfrm>
+      </p:grpSpPr>
+      <p:sp>
+        <p:nvSpPr>
+          <p:cNvPr id="7" name="Rectangle 6"/>
+          <p:cNvSpPr/>
+          <p:nvPr/>
+        </p:nvSpPr>
+        <p:spPr>
+          <a:xfrm>
+            <a:off x="0" y="2"/>
+            <a:ext cx="12203992" cy="4375505"/>
+          </a:xfrm>
+          <a:prstGeom prst="rect">
+            <a:avLst/>
+          </a:prstGeom>
+          <a:solidFill>
+            <a:srgbClr val="0A60A3"/>
+          </a:solidFill>
+          <a:ln>
+            <a:noFill/>
+          </a:ln>
+          <a:effectLst/>
+        </p:spPr>
+        <p:style>
+          <a:lnRef idx="1">
+            <a:schemeClr val="accent1"/>
+          </a:lnRef>
+          <a:fillRef idx="3">
+            <a:schemeClr val="accent1"/>
+          </a:fillRef>
+          <a:effectRef idx="2">
+            <a:schemeClr val="accent1"/>
+          </a:effectRef>
+          <a:fontRef idx="minor">
+            <a:schemeClr val="lt1"/>
+          </a:fontRef>
+        </p:style>
+        <p:txBody>
+          <a:bodyPr lIns="0" rIns="0" rtlCol="0" anchor="ctr"/>
+          <a:lstStyle/>
+          <a:p>
+            <a:pPr algn="ctr"/>
+            <a:endParaRPr lang="en-US" sz="2400"/>
+          </a:p>
+        </p:txBody>
+      </p:sp>
+      <p:sp>
+        <p:nvSpPr>
+          <p:cNvPr id="2" name="Title 1"/>
+          <p:cNvSpPr>
+            <a:spLocks noGrp="1"/>
+          </p:cNvSpPr>
+          <p:nvPr>
+            <p:ph type="ctrTitle" hasCustomPrompt="1"/>
+          </p:nvPr>
+        </p:nvSpPr>
+        <p:spPr>
+          <a:xfrm>
+            <a:off x="605368" y="1121833"/>
+            <a:ext cx="10981265" cy="2387600"/>
+          </a:xfrm>
+        </p:spPr>
+        <p:txBody>
+          <a:bodyPr anchor="b"/>
+          <a:lstStyle>
+            <a:lvl1pPr algn="ctr">
+              <a:defRPr sz="3733" baseline="0">
+                <a:solidFill>
+                  <a:schemeClr val="bg1"/>
+                </a:solidFill>
+              </a:defRPr>
+            </a:lvl1pPr>
+          </a:lstStyle>
+          <a:p>
+            <a:r>
+              <a:rPr lang="en-US" dirty="0"/>
+              <a:t>Presentation Title</a:t>
+            </a:r>
+          </a:p>
+        </p:txBody>
+      </p:sp>
+      <p:sp>
+        <p:nvSpPr>
+          <p:cNvPr id="3" name="Subtitle 2"/>
+          <p:cNvSpPr>
+            <a:spLocks noGrp="1"/>
+          </p:cNvSpPr>
+          <p:nvPr>
+            <p:ph type="subTitle" idx="1" hasCustomPrompt="1"/>
+          </p:nvPr>
+        </p:nvSpPr>
+        <p:spPr>
+          <a:xfrm>
+            <a:off x="605367" y="3509434"/>
+            <a:ext cx="10981267" cy="757767"/>
+          </a:xfrm>
+        </p:spPr>
+        <p:txBody>
+          <a:bodyPr/>
+          <a:lstStyle>
+            <a:lvl1pPr marL="0" marR="0" indent="0" algn="ctr" defTabSz="1219170" rtl="0" eaLnBrk="1" fontAlgn="auto" latinLnBrk="0" hangingPunct="1">
+              <a:lnSpc>
+                <a:spcPts val="2133"/>
+              </a:lnSpc>
+              <a:spcBef>
+                <a:spcPts val="1333"/>
+              </a:spcBef>
+              <a:spcAft>
+                <a:spcPts val="0"/>
+              </a:spcAft>
+              <a:buClrTx/>
+              <a:buSzTx/>
+              <a:buFont typeface="Arial"/>
+              <a:buNone/>
+              <a:tabLst/>
+              <a:defRPr sz="2400" baseline="0">
+                <a:solidFill>
+                  <a:schemeClr val="bg1"/>
+                </a:solidFill>
+              </a:defRPr>
+            </a:lvl1pPr>
+            <a:lvl2pPr marL="609585" indent="0" algn="ctr">
+              <a:buNone/>
+              <a:defRPr sz="2667"/>
+            </a:lvl2pPr>
+            <a:lvl3pPr marL="1219170" indent="0" algn="ctr">
+              <a:buNone/>
+              <a:defRPr sz="2400"/>
+            </a:lvl3pPr>
+            <a:lvl4pPr marL="1828754" indent="0" algn="ctr">
+              <a:buNone/>
+              <a:defRPr sz="2133"/>
+            </a:lvl4pPr>
+            <a:lvl5pPr marL="2438339" indent="0" algn="ctr">
+              <a:buNone/>
+              <a:defRPr sz="2133"/>
+            </a:lvl5pPr>
+            <a:lvl6pPr marL="3047924" indent="0" algn="ctr">
+              <a:buNone/>
+              <a:defRPr sz="2133"/>
+            </a:lvl6pPr>
+            <a:lvl7pPr marL="3657509" indent="0" algn="ctr">
+              <a:buNone/>
+              <a:defRPr sz="2133"/>
+            </a:lvl7pPr>
+            <a:lvl8pPr marL="4267093" indent="0" algn="ctr">
+              <a:buNone/>
+              <a:defRPr sz="2133"/>
+            </a:lvl8pPr>
+            <a:lvl9pPr marL="4876678" indent="0" algn="ctr">
+              <a:buNone/>
+              <a:defRPr sz="2133"/>
+            </a:lvl9pPr>
+          </a:lstStyle>
+          <a:p>
+            <a:r>
+              <a:rPr lang="en-US" dirty="0"/>
+              <a:t>Subhead</a:t>
+            </a:r>
+          </a:p>
+        </p:txBody>
+      </p:sp>
+      <p:sp>
+        <p:nvSpPr>
+          <p:cNvPr id="17" name="Text Placeholder 16"/>
+          <p:cNvSpPr>
+            <a:spLocks noGrp="1"/>
+          </p:cNvSpPr>
+          <p:nvPr>
+            <p:ph type="body" sz="quarter" idx="12" hasCustomPrompt="1"/>
+          </p:nvPr>
+        </p:nvSpPr>
+        <p:spPr>
+          <a:xfrm>
+            <a:off x="605367" y="4631266"/>
+            <a:ext cx="10981267" cy="414868"/>
+          </a:xfrm>
+        </p:spPr>
+        <p:txBody>
+          <a:bodyPr/>
+          <a:lstStyle>
+            <a:lvl1pPr marL="0" marR="0" indent="0" algn="ctr" defTabSz="1219170" rtl="0" eaLnBrk="1" fontAlgn="auto" latinLnBrk="0" hangingPunct="1">
+              <a:lnSpc>
+                <a:spcPct val="100000"/>
+              </a:lnSpc>
+              <a:spcBef>
+                <a:spcPts val="533"/>
+              </a:spcBef>
+              <a:spcAft>
+                <a:spcPts val="800"/>
+              </a:spcAft>
+              <a:buClr>
+                <a:schemeClr val="bg2">
+                  <a:lumMod val="50000"/>
+                </a:schemeClr>
+              </a:buClr>
+              <a:buSzPct val="70000"/>
+              <a:buFont typeface="Wingdings" charset="2"/>
+              <a:buNone/>
+              <a:tabLst>
+                <a:tab pos="243411" algn="l"/>
+                <a:tab pos="4944410" algn="l"/>
+              </a:tabLst>
+              <a:defRPr sz="2133">
+                <a:solidFill>
+                  <a:schemeClr val="bg2">
+                    <a:lumMod val="50000"/>
+                  </a:schemeClr>
+                </a:solidFill>
+              </a:defRPr>
+            </a:lvl1pPr>
+          </a:lstStyle>
+          <a:p>
+            <a:pPr algn="ctr">
+              <a:spcAft>
+                <a:spcPts val="600"/>
+              </a:spcAft>
+            </a:pPr>
+            <a:r>
+              <a:rPr lang="en-US" dirty="0">
+                <a:solidFill>
+                  <a:schemeClr val="tx1">
+                    <a:lumMod val="50000"/>
+                    <a:lumOff val="50000"/>
+                  </a:schemeClr>
+                </a:solidFill>
+              </a:rPr>
+              <a:t>Speaker</a:t>
+            </a:r>
+            <a:endParaRPr lang="en-US" sz="1867" dirty="0">
+              <a:solidFill>
+                <a:schemeClr val="bg1">
+                  <a:lumMod val="65000"/>
+                </a:schemeClr>
+              </a:solidFill>
+            </a:endParaRPr>
+          </a:p>
+        </p:txBody>
+      </p:sp>
+      <p:sp>
+        <p:nvSpPr>
+          <p:cNvPr id="21" name="Text Placeholder 20"/>
+          <p:cNvSpPr>
+            <a:spLocks noGrp="1"/>
+          </p:cNvSpPr>
+          <p:nvPr>
+            <p:ph type="body" sz="quarter" idx="13" hasCustomPrompt="1"/>
+          </p:nvPr>
+        </p:nvSpPr>
+        <p:spPr>
+          <a:xfrm>
+            <a:off x="605367" y="5046134"/>
+            <a:ext cx="10981267" cy="463551"/>
+          </a:xfrm>
+        </p:spPr>
+        <p:txBody>
+          <a:bodyPr/>
+          <a:lstStyle>
+            <a:lvl1pPr marL="0" marR="0" indent="0" algn="ctr" defTabSz="1219170" rtl="0" eaLnBrk="1" fontAlgn="auto" latinLnBrk="0" hangingPunct="1">
+              <a:lnSpc>
+                <a:spcPct val="100000"/>
+              </a:lnSpc>
+              <a:spcBef>
+                <a:spcPts val="533"/>
+              </a:spcBef>
+              <a:spcAft>
+                <a:spcPts val="800"/>
+              </a:spcAft>
+              <a:buClr>
+                <a:schemeClr val="bg2">
+                  <a:lumMod val="50000"/>
+                </a:schemeClr>
+              </a:buClr>
+              <a:buSzPct val="70000"/>
+              <a:buFont typeface="Wingdings" charset="2"/>
+              <a:buNone/>
+              <a:tabLst>
+                <a:tab pos="243834" algn="l"/>
+              </a:tabLst>
+              <a:defRPr sz="2133">
+                <a:solidFill>
+                  <a:schemeClr val="bg2">
+                    <a:lumMod val="50000"/>
+                  </a:schemeClr>
+                </a:solidFill>
+              </a:defRPr>
+            </a:lvl1pPr>
+          </a:lstStyle>
+          <a:p>
+            <a:pPr>
+              <a:spcAft>
+                <a:spcPts val="600"/>
+              </a:spcAft>
+            </a:pPr>
+            <a:r>
+              <a:rPr lang="en-US" dirty="0">
+                <a:solidFill>
+                  <a:schemeClr val="bg1">
+                    <a:lumMod val="65000"/>
+                  </a:schemeClr>
+                </a:solidFill>
+              </a:rPr>
+              <a:t>Title</a:t>
+            </a:r>
+          </a:p>
+        </p:txBody>
+      </p:sp>
+      <p:pic>
+        <p:nvPicPr>
+          <p:cNvPr id="11" name="Picture 10"/>
+          <p:cNvPicPr>
+            <a:picLocks noChangeAspect="1"/>
+          </p:cNvPicPr>
+          <p:nvPr/>
+        </p:nvPicPr>
+        <p:blipFill>
+          <a:blip r:embed="rId2" cstate="screen">
+            <a:extLst>
+              <a:ext uri="{28A0092B-C50C-407E-A947-70E740481C1C}">
+                <a14:useLocalDpi xmlns:a14="http://schemas.microsoft.com/office/drawing/2010/main"/>
+              </a:ext>
+            </a:extLst>
+          </a:blip>
+          <a:stretch>
+            <a:fillRect/>
+          </a:stretch>
+        </p:blipFill>
+        <p:spPr>
+          <a:xfrm>
+            <a:off x="615165" y="6324601"/>
+            <a:ext cx="1418891" cy="343808"/>
+          </a:xfrm>
+          <a:prstGeom prst="rect">
+            <a:avLst/>
+          </a:prstGeom>
+        </p:spPr>
+      </p:pic>
+      <p:sp>
+        <p:nvSpPr>
+          <p:cNvPr id="10" name="Footer Placeholder 3"/>
+          <p:cNvSpPr txBox="1">
+            <a:spLocks/>
+          </p:cNvSpPr>
+          <p:nvPr/>
+        </p:nvSpPr>
+        <p:spPr>
+          <a:xfrm>
+            <a:off x="9593112" y="6392672"/>
+            <a:ext cx="2002985" cy="267608"/>
+          </a:xfrm>
+          <a:prstGeom prst="rect">
+            <a:avLst/>
+          </a:prstGeom>
+        </p:spPr>
+        <p:txBody>
+          <a:bodyPr vert="horz" lIns="0" tIns="60960" rIns="0" bIns="60960" rtlCol="0" anchor="ctr"/>
+          <a:lstStyle>
+            <a:defPPr>
+              <a:defRPr lang="en-US"/>
+            </a:defPPr>
+            <a:lvl1pPr marL="0" algn="r" defTabSz="457174" rtl="0" eaLnBrk="1" latinLnBrk="0" hangingPunct="1">
+              <a:defRPr sz="1200" kern="1200">
+                <a:solidFill>
+                  <a:schemeClr val="tx1">
+                    <a:tint val="75000"/>
+                  </a:schemeClr>
+                </a:solidFill>
+                <a:latin typeface="+mn-lt"/>
+                <a:ea typeface="+mn-ea"/>
+                <a:cs typeface="+mn-cs"/>
+              </a:defRPr>
+            </a:lvl1pPr>
+            <a:lvl2pPr marL="457174" algn="l" defTabSz="457174" rtl="0" eaLnBrk="1" latinLnBrk="0" hangingPunct="1">
+              <a:defRPr sz="1800" kern="1200">
+                <a:solidFill>
+                  <a:schemeClr val="tx1"/>
+                </a:solidFill>
+                <a:latin typeface="+mn-lt"/>
+                <a:ea typeface="+mn-ea"/>
+                <a:cs typeface="+mn-cs"/>
+              </a:defRPr>
+            </a:lvl2pPr>
+            <a:lvl3pPr marL="914348" algn="l" defTabSz="457174" rtl="0" eaLnBrk="1" latinLnBrk="0" hangingPunct="1">
+              <a:defRPr sz="1800" kern="1200">
+                <a:solidFill>
+                  <a:schemeClr val="tx1"/>
+                </a:solidFill>
+                <a:latin typeface="+mn-lt"/>
+                <a:ea typeface="+mn-ea"/>
+                <a:cs typeface="+mn-cs"/>
+              </a:defRPr>
+            </a:lvl3pPr>
+            <a:lvl4pPr marL="1371523" algn="l" defTabSz="457174" rtl="0" eaLnBrk="1" latinLnBrk="0" hangingPunct="1">
+              <a:defRPr sz="1800" kern="1200">
+                <a:solidFill>
+                  <a:schemeClr val="tx1"/>
+                </a:solidFill>
+                <a:latin typeface="+mn-lt"/>
+                <a:ea typeface="+mn-ea"/>
+                <a:cs typeface="+mn-cs"/>
+              </a:defRPr>
+            </a:lvl4pPr>
+            <a:lvl5pPr marL="1828698" algn="l" defTabSz="457174" rtl="0" eaLnBrk="1" latinLnBrk="0" hangingPunct="1">
+              <a:defRPr sz="1800" kern="1200">
+                <a:solidFill>
+                  <a:schemeClr val="tx1"/>
+                </a:solidFill>
+                <a:latin typeface="+mn-lt"/>
+                <a:ea typeface="+mn-ea"/>
+                <a:cs typeface="+mn-cs"/>
+              </a:defRPr>
+            </a:lvl5pPr>
+            <a:lvl6pPr marL="2285872" algn="l" defTabSz="457174" rtl="0" eaLnBrk="1" latinLnBrk="0" hangingPunct="1">
+              <a:defRPr sz="1800" kern="1200">
+                <a:solidFill>
+                  <a:schemeClr val="tx1"/>
+                </a:solidFill>
+                <a:latin typeface="+mn-lt"/>
+                <a:ea typeface="+mn-ea"/>
+                <a:cs typeface="+mn-cs"/>
+              </a:defRPr>
+            </a:lvl6pPr>
+            <a:lvl7pPr marL="2743046" algn="l" defTabSz="457174" rtl="0" eaLnBrk="1" latinLnBrk="0" hangingPunct="1">
+              <a:defRPr sz="1800" kern="1200">
+                <a:solidFill>
+                  <a:schemeClr val="tx1"/>
+                </a:solidFill>
+                <a:latin typeface="+mn-lt"/>
+                <a:ea typeface="+mn-ea"/>
+                <a:cs typeface="+mn-cs"/>
+              </a:defRPr>
+            </a:lvl7pPr>
+            <a:lvl8pPr marL="3200220" algn="l" defTabSz="457174" rtl="0" eaLnBrk="1" latinLnBrk="0" hangingPunct="1">
+              <a:defRPr sz="1800" kern="1200">
+                <a:solidFill>
+                  <a:schemeClr val="tx1"/>
+                </a:solidFill>
+                <a:latin typeface="+mn-lt"/>
+                <a:ea typeface="+mn-ea"/>
+                <a:cs typeface="+mn-cs"/>
+              </a:defRPr>
+            </a:lvl8pPr>
+            <a:lvl9pPr marL="3657394" algn="l" defTabSz="457174" rtl="0" eaLnBrk="1" latinLnBrk="0" hangingPunct="1">
+              <a:defRPr sz="1800" kern="1200">
+                <a:solidFill>
+                  <a:schemeClr val="tx1"/>
+                </a:solidFill>
+                <a:latin typeface="+mn-lt"/>
+                <a:ea typeface="+mn-ea"/>
+                <a:cs typeface="+mn-cs"/>
+              </a:defRPr>
+            </a:lvl9pPr>
+          </a:lstStyle>
+          <a:p>
+            <a:r>
+              <a:rPr lang="en-US" sz="1333" dirty="0" err="1"/>
+              <a:t>ni.com</a:t>
+            </a:r>
+            <a:endParaRPr lang="en-US" sz="1333" dirty="0"/>
+          </a:p>
+        </p:txBody>
+      </p:sp>
+    </p:spTree>
+    <p:extLst>
+      <p:ext uri="{BB962C8B-B14F-4D97-AF65-F5344CB8AC3E}">
+        <p14:creationId xmlns:p14="http://schemas.microsoft.com/office/powerpoint/2010/main" val="1541256592"/>
+      </p:ext>
+    </p:extLst>
+  </p:cSld>
+  <p:clrMapOvr>
+    <a:masterClrMapping/>
+  </p:clrMapOvr>
+</p:sldLayout>
+</file>
+
+<file path=ppt/slideLayouts/slideLayout14.xml><?xml version="1.0" encoding="utf-8"?>
+<p:sldLayout xmlns:a="http://schemas.openxmlformats.org/drawingml/2006/main" xmlns:r="http://schemas.openxmlformats.org/officeDocument/2006/relationships" xmlns:p="http://schemas.openxmlformats.org/presentationml/2006/main" showMasterSp="0">
+  <p:cSld name="External_1 Line Heading">
+    <p:spTree>
+      <p:nvGrpSpPr>
+        <p:cNvPr id="1" name=""/>
+        <p:cNvGrpSpPr/>
+        <p:nvPr/>
+      </p:nvGrpSpPr>
+      <p:grpSpPr>
+        <a:xfrm>
+          <a:off x="0" y="0"/>
+          <a:ext cx="0" cy="0"/>
+          <a:chOff x="0" y="0"/>
+          <a:chExt cx="0" cy="0"/>
+        </a:xfrm>
+      </p:grpSpPr>
+      <p:sp>
+        <p:nvSpPr>
+          <p:cNvPr id="4" name="Title Placeholder 1"/>
+          <p:cNvSpPr>
+            <a:spLocks noGrp="1"/>
+          </p:cNvSpPr>
+          <p:nvPr>
+            <p:ph type="title" hasCustomPrompt="1"/>
+          </p:nvPr>
+        </p:nvSpPr>
+        <p:spPr>
+          <a:xfrm>
+            <a:off x="605367" y="365760"/>
+            <a:ext cx="10972800" cy="609600"/>
+          </a:xfrm>
+          <a:prstGeom prst="rect">
+            <a:avLst/>
+          </a:prstGeom>
+        </p:spPr>
+        <p:txBody>
+          <a:bodyPr vert="horz" lIns="0" tIns="45720" rIns="0" bIns="45720" rtlCol="0" anchor="ctr">
+            <a:noAutofit/>
+          </a:bodyPr>
+          <a:lstStyle>
+            <a:lvl1pPr>
+              <a:defRPr lang="en-US" dirty="0"/>
+            </a:lvl1pPr>
+          </a:lstStyle>
+          <a:p>
+            <a:pPr lvl="0"/>
+            <a:r>
+              <a:rPr lang="en-US" dirty="0"/>
+              <a:t>Click to Edit Master Title Style</a:t>
+            </a:r>
+          </a:p>
+        </p:txBody>
+      </p:sp>
+      <p:sp>
+        <p:nvSpPr>
+          <p:cNvPr id="5" name="Text Placeholder 2"/>
+          <p:cNvSpPr>
+            <a:spLocks noGrp="1"/>
+          </p:cNvSpPr>
+          <p:nvPr>
+            <p:ph idx="1" hasCustomPrompt="1"/>
+          </p:nvPr>
+        </p:nvSpPr>
+        <p:spPr>
+          <a:xfrm>
+            <a:off x="605367" y="975361"/>
+            <a:ext cx="10972800" cy="4896273"/>
+          </a:xfrm>
+          <a:prstGeom prst="rect">
+            <a:avLst/>
+          </a:prstGeom>
+        </p:spPr>
+        <p:txBody>
+          <a:bodyPr vert="horz" lIns="0" tIns="45717" rIns="0" bIns="45717" rtlCol="0">
+            <a:noAutofit/>
+          </a:bodyPr>
+          <a:lstStyle>
+            <a:lvl1pPr>
+              <a:defRPr lang="en-US" dirty="0" smtClean="0"/>
+            </a:lvl1pPr>
+            <a:lvl2pPr>
+              <a:defRPr lang="en-US" dirty="0" smtClean="0"/>
+            </a:lvl2pPr>
+            <a:lvl3pPr>
+              <a:defRPr lang="en-US" dirty="0" smtClean="0"/>
+            </a:lvl3pPr>
+            <a:lvl4pPr>
+              <a:defRPr lang="en-US" dirty="0" smtClean="0"/>
+            </a:lvl4pPr>
+          </a:lstStyle>
+          <a:p>
+            <a:pPr lvl="0"/>
+            <a:r>
+              <a:rPr lang="en-US" dirty="0"/>
+              <a:t>Master text styles</a:t>
+            </a:r>
+          </a:p>
+          <a:p>
+            <a:pPr lvl="1"/>
+            <a:r>
+              <a:rPr lang="en-US" dirty="0"/>
+              <a:t>Second level</a:t>
+            </a:r>
+          </a:p>
+          <a:p>
+            <a:pPr lvl="2"/>
+            <a:r>
+              <a:rPr lang="en-US" dirty="0"/>
+              <a:t>Third level</a:t>
+            </a:r>
+          </a:p>
+          <a:p>
+            <a:pPr lvl="3"/>
+            <a:r>
+              <a:rPr lang="en-US" dirty="0"/>
+              <a:t>Fourth level</a:t>
+            </a:r>
+          </a:p>
+          <a:p>
+            <a:pPr lvl="3"/>
+            <a:endParaRPr lang="en-US" dirty="0"/>
+          </a:p>
+          <a:p>
+            <a:pPr lvl="0"/>
+            <a:endParaRPr lang="en-US" dirty="0"/>
+          </a:p>
+          <a:p>
+            <a:pPr lvl="0"/>
+            <a:endParaRPr lang="en-US" dirty="0"/>
+          </a:p>
+        </p:txBody>
+      </p:sp>
+      <p:sp>
+        <p:nvSpPr>
+          <p:cNvPr id="16" name="Rectangle 15"/>
+          <p:cNvSpPr/>
+          <p:nvPr/>
+        </p:nvSpPr>
+        <p:spPr>
+          <a:xfrm>
+            <a:off x="0" y="0"/>
+            <a:ext cx="12192000" cy="97536"/>
+          </a:xfrm>
+          <a:prstGeom prst="rect">
+            <a:avLst/>
+          </a:prstGeom>
+          <a:solidFill>
+            <a:srgbClr val="0A60A3"/>
+          </a:solidFill>
+          <a:ln>
+            <a:noFill/>
+          </a:ln>
+          <a:effectLst/>
+        </p:spPr>
+        <p:style>
+          <a:lnRef idx="1">
+            <a:schemeClr val="accent1"/>
+          </a:lnRef>
+          <a:fillRef idx="3">
+            <a:schemeClr val="accent1"/>
+          </a:fillRef>
+          <a:effectRef idx="2">
+            <a:schemeClr val="accent1"/>
+          </a:effectRef>
+          <a:fontRef idx="minor">
+            <a:schemeClr val="lt1"/>
+          </a:fontRef>
+        </p:style>
+        <p:txBody>
+          <a:bodyPr lIns="0" rIns="0" rtlCol="0" anchor="ctr"/>
+          <a:lstStyle/>
+          <a:p>
+            <a:pPr algn="ctr"/>
+            <a:endParaRPr lang="en-US" sz="2400"/>
+          </a:p>
+        </p:txBody>
+      </p:sp>
+      <p:pic>
+        <p:nvPicPr>
+          <p:cNvPr id="8" name="Picture 7"/>
+          <p:cNvPicPr>
+            <a:picLocks noChangeAspect="1"/>
+          </p:cNvPicPr>
+          <p:nvPr/>
+        </p:nvPicPr>
+        <p:blipFill>
+          <a:blip r:embed="rId2" cstate="screen">
+            <a:extLst>
+              <a:ext uri="{28A0092B-C50C-407E-A947-70E740481C1C}">
+                <a14:useLocalDpi xmlns:a14="http://schemas.microsoft.com/office/drawing/2010/main"/>
+              </a:ext>
+            </a:extLst>
+          </a:blip>
+          <a:stretch>
+            <a:fillRect/>
+          </a:stretch>
+        </p:blipFill>
+        <p:spPr>
+          <a:xfrm>
+            <a:off x="615165" y="6324601"/>
+            <a:ext cx="1418891" cy="343808"/>
+          </a:xfrm>
+          <a:prstGeom prst="rect">
+            <a:avLst/>
+          </a:prstGeom>
+        </p:spPr>
+      </p:pic>
+    </p:spTree>
+    <p:extLst>
+      <p:ext uri="{BB962C8B-B14F-4D97-AF65-F5344CB8AC3E}">
+        <p14:creationId xmlns:p14="http://schemas.microsoft.com/office/powerpoint/2010/main" val="3387851974"/>
+      </p:ext>
+    </p:extLst>
+  </p:cSld>
+  <p:clrMapOvr>
+    <a:masterClrMapping/>
+  </p:clrMapOvr>
+  <p:extLst mod="1">
+    <p:ext uri="{DCECCB84-F9BA-43D5-87BE-67443E8EF086}">
+      <p15:sldGuideLst xmlns:p15="http://schemas.microsoft.com/office/powerpoint/2012/main">
+        <p15:guide id="2" pos="2880">
+          <p15:clr>
+            <a:srgbClr val="FBAE40"/>
+          </p15:clr>
+        </p15:guide>
+      </p15:sldGuideLst>
+    </p:ext>
+  </p:extLst>
 </p:sldLayout>
 </file>
 
@@ -859,7 +2895,7 @@
           <a:p>
             <a:fld id="{8BEBFB54-DD62-4FD2-AABF-1CC163250B3B}" type="datetimeFigureOut">
               <a:rPr lang="en-US" smtClean="0"/>
-              <a:t>6/6/2018</a:t>
+              <a:t>2018-06-27</a:t>
             </a:fld>
             <a:endParaRPr lang="en-US"/>
           </a:p>
@@ -1134,7 +3170,7 @@
           <a:p>
             <a:fld id="{8BEBFB54-DD62-4FD2-AABF-1CC163250B3B}" type="datetimeFigureOut">
               <a:rPr lang="en-US" smtClean="0"/>
-              <a:t>6/6/2018</a:t>
+              <a:t>2018-06-27</a:t>
             </a:fld>
             <a:endParaRPr lang="en-US"/>
           </a:p>
@@ -1399,7 +3435,7 @@
           <a:p>
             <a:fld id="{8BEBFB54-DD62-4FD2-AABF-1CC163250B3B}" type="datetimeFigureOut">
               <a:rPr lang="en-US" smtClean="0"/>
-              <a:t>6/6/2018</a:t>
+              <a:t>2018-06-27</a:t>
             </a:fld>
             <a:endParaRPr lang="en-US"/>
           </a:p>
@@ -1811,7 +3847,7 @@
           <a:p>
             <a:fld id="{8BEBFB54-DD62-4FD2-AABF-1CC163250B3B}" type="datetimeFigureOut">
               <a:rPr lang="en-US" smtClean="0"/>
-              <a:t>6/6/2018</a:t>
+              <a:t>2018-06-27</a:t>
             </a:fld>
             <a:endParaRPr lang="en-US"/>
           </a:p>
@@ -1952,7 +3988,7 @@
           <a:p>
             <a:fld id="{8BEBFB54-DD62-4FD2-AABF-1CC163250B3B}" type="datetimeFigureOut">
               <a:rPr lang="en-US" smtClean="0"/>
-              <a:t>6/6/2018</a:t>
+              <a:t>2018-06-27</a:t>
             </a:fld>
             <a:endParaRPr lang="en-US"/>
           </a:p>
@@ -2065,7 +4101,7 @@
           <a:p>
             <a:fld id="{8BEBFB54-DD62-4FD2-AABF-1CC163250B3B}" type="datetimeFigureOut">
               <a:rPr lang="en-US" smtClean="0"/>
-              <a:t>6/6/2018</a:t>
+              <a:t>2018-06-27</a:t>
             </a:fld>
             <a:endParaRPr lang="en-US"/>
           </a:p>
@@ -2376,7 +4412,7 @@
           <a:p>
             <a:fld id="{8BEBFB54-DD62-4FD2-AABF-1CC163250B3B}" type="datetimeFigureOut">
               <a:rPr lang="en-US" smtClean="0"/>
-              <a:t>6/6/2018</a:t>
+              <a:t>2018-06-27</a:t>
             </a:fld>
             <a:endParaRPr lang="en-US"/>
           </a:p>
@@ -2664,7 +4700,7 @@
           <a:p>
             <a:fld id="{8BEBFB54-DD62-4FD2-AABF-1CC163250B3B}" type="datetimeFigureOut">
               <a:rPr lang="en-US" smtClean="0"/>
-              <a:t>6/6/2018</a:t>
+              <a:t>2018-06-27</a:t>
             </a:fld>
             <a:endParaRPr lang="en-US"/>
           </a:p>
@@ -2905,7 +4941,7 @@
           <a:p>
             <a:fld id="{8BEBFB54-DD62-4FD2-AABF-1CC163250B3B}" type="datetimeFigureOut">
               <a:rPr lang="en-US" smtClean="0"/>
-              <a:t>6/6/2018</a:t>
+              <a:t>2018-06-27</a:t>
             </a:fld>
             <a:endParaRPr lang="en-US"/>
           </a:p>
@@ -3021,6 +5057,9 @@
     <p:sldLayoutId id="2147483657" r:id="rId9"/>
     <p:sldLayoutId id="2147483658" r:id="rId10"/>
     <p:sldLayoutId id="2147483659" r:id="rId11"/>
+    <p:sldLayoutId id="2147483660" r:id="rId12"/>
+    <p:sldLayoutId id="2147483661" r:id="rId13"/>
+    <p:sldLayoutId id="2147483662" r:id="rId14"/>
   </p:sldLayoutIdLst>
   <p:txStyles>
     <p:titleStyle>
@@ -3324,13 +5363,7 @@
       </p:grpSpPr>
       <p:sp>
         <p:nvSpPr>
-          <p:cNvPr id="2" name="Title 1">
-            <a:extLst>
-              <a:ext uri="{FF2B5EF4-FFF2-40B4-BE49-F238E27FC236}">
-                <a16:creationId xmlns:a16="http://schemas.microsoft.com/office/drawing/2014/main" id="{B31B8F71-EDDF-44DB-8026-EE6FB2020A4F}"/>
-              </a:ext>
-            </a:extLst>
-          </p:cNvPr>
+          <p:cNvPr id="2" name="Title 1"/>
           <p:cNvSpPr>
             <a:spLocks noGrp="1"/>
           </p:cNvSpPr>
@@ -3343,19 +5376,16 @@
           <a:bodyPr/>
           <a:lstStyle/>
           <a:p>
-            <a:endParaRPr lang="en-US"/>
-          </a:p>
-        </p:txBody>
-      </p:sp>
-      <p:sp>
-        <p:nvSpPr>
-          <p:cNvPr id="3" name="Subtitle 2">
-            <a:extLst>
-              <a:ext uri="{FF2B5EF4-FFF2-40B4-BE49-F238E27FC236}">
-                <a16:creationId xmlns:a16="http://schemas.microsoft.com/office/drawing/2014/main" id="{9CE977BB-ED9E-4805-87E6-E5CA34C5915A}"/>
-              </a:ext>
-            </a:extLst>
-          </p:cNvPr>
+            <a:r>
+              <a:rPr lang="en-US" dirty="0"/>
+              <a:t>Distributed Control and Automation Framework (DCAF)</a:t>
+            </a:r>
+          </a:p>
+        </p:txBody>
+      </p:sp>
+      <p:sp>
+        <p:nvSpPr>
+          <p:cNvPr id="3" name="Subtitle 2"/>
           <p:cNvSpPr>
             <a:spLocks noGrp="1"/>
           </p:cNvSpPr>
@@ -3368,20 +5398,819 @@
           <a:bodyPr/>
           <a:lstStyle/>
           <a:p>
-            <a:endParaRPr lang="en-US"/>
+            <a:r>
+              <a:rPr lang="en-US" dirty="0"/>
+              <a:t>Designing an Application with DCAF</a:t>
+            </a:r>
+          </a:p>
+        </p:txBody>
+      </p:sp>
+      <p:sp>
+        <p:nvSpPr>
+          <p:cNvPr id="4" name="Text Placeholder 3"/>
+          <p:cNvSpPr>
+            <a:spLocks noGrp="1"/>
+          </p:cNvSpPr>
+          <p:nvPr>
+            <p:ph type="body" sz="quarter" idx="12"/>
+          </p:nvPr>
+        </p:nvSpPr>
+        <p:spPr/>
+        <p:txBody>
+          <a:bodyPr>
+            <a:normAutofit lnSpcReduction="10000"/>
+          </a:bodyPr>
+          <a:lstStyle/>
+          <a:p>
+            <a:r>
+              <a:rPr lang="en-US" dirty="0"/>
+              <a:t>Benjamin </a:t>
+            </a:r>
+            <a:r>
+              <a:rPr lang="en-US" dirty="0" err="1"/>
+              <a:t>Celis</a:t>
+            </a:r>
+            <a:r>
+              <a:rPr lang="en-US" dirty="0"/>
+              <a:t>, Mathew Pollock, Simon Perez</a:t>
+            </a:r>
+          </a:p>
+        </p:txBody>
+      </p:sp>
+      <p:sp>
+        <p:nvSpPr>
+          <p:cNvPr id="5" name="Text Placeholder 4"/>
+          <p:cNvSpPr>
+            <a:spLocks noGrp="1"/>
+          </p:cNvSpPr>
+          <p:nvPr>
+            <p:ph type="body" sz="quarter" idx="13"/>
+          </p:nvPr>
+        </p:nvSpPr>
+        <p:spPr/>
+        <p:txBody>
+          <a:bodyPr/>
+          <a:lstStyle/>
+          <a:p>
+            <a:endParaRPr lang="en-US" dirty="0"/>
           </a:p>
         </p:txBody>
       </p:sp>
     </p:spTree>
     <p:extLst>
       <p:ext uri="{BB962C8B-B14F-4D97-AF65-F5344CB8AC3E}">
-        <p14:creationId xmlns:p14="http://schemas.microsoft.com/office/powerpoint/2010/main" val="1401033550"/>
+        <p14:creationId xmlns:p14="http://schemas.microsoft.com/office/powerpoint/2010/main" val="3695697852"/>
       </p:ext>
     </p:extLst>
   </p:cSld>
   <p:clrMapOvr>
     <a:masterClrMapping/>
   </p:clrMapOvr>
+</p:sld>
+</file>
+
+<file path=ppt/slides/slide10.xml><?xml version="1.0" encoding="utf-8"?>
+<p:sld xmlns:a="http://schemas.openxmlformats.org/drawingml/2006/main" xmlns:r="http://schemas.openxmlformats.org/officeDocument/2006/relationships" xmlns:p="http://schemas.openxmlformats.org/presentationml/2006/main">
+  <p:cSld>
+    <p:spTree>
+      <p:nvGrpSpPr>
+        <p:cNvPr id="1" name=""/>
+        <p:cNvGrpSpPr/>
+        <p:nvPr/>
+      </p:nvGrpSpPr>
+      <p:grpSpPr>
+        <a:xfrm>
+          <a:off x="0" y="0"/>
+          <a:ext cx="0" cy="0"/>
+          <a:chOff x="0" y="0"/>
+          <a:chExt cx="0" cy="0"/>
+        </a:xfrm>
+      </p:grpSpPr>
+      <p:sp>
+        <p:nvSpPr>
+          <p:cNvPr id="2" name="Title 1"/>
+          <p:cNvSpPr>
+            <a:spLocks noGrp="1"/>
+          </p:cNvSpPr>
+          <p:nvPr>
+            <p:ph type="title"/>
+          </p:nvPr>
+        </p:nvSpPr>
+        <p:spPr/>
+        <p:txBody>
+          <a:bodyPr/>
+          <a:lstStyle/>
+          <a:p>
+            <a:r>
+              <a:rPr lang="en-US" dirty="0"/>
+              <a:t>Coding outside DCAF - CVT</a:t>
+            </a:r>
+          </a:p>
+        </p:txBody>
+      </p:sp>
+      <p:pic>
+        <p:nvPicPr>
+          <p:cNvPr id="8" name="Picture 7">
+            <a:extLst>
+              <a:ext uri="{FF2B5EF4-FFF2-40B4-BE49-F238E27FC236}">
+                <a16:creationId xmlns:a16="http://schemas.microsoft.com/office/drawing/2014/main" id="{004A8D19-2742-4678-B850-0B4666B56616}"/>
+              </a:ext>
+            </a:extLst>
+          </p:cNvPr>
+          <p:cNvPicPr>
+            <a:picLocks noChangeAspect="1"/>
+          </p:cNvPicPr>
+          <p:nvPr/>
+        </p:nvPicPr>
+        <p:blipFill>
+          <a:blip r:embed="rId2">
+            <a:extLst>
+              <a:ext uri="{28A0092B-C50C-407E-A947-70E740481C1C}">
+                <a14:useLocalDpi xmlns:a14="http://schemas.microsoft.com/office/drawing/2010/main" val="0"/>
+              </a:ext>
+            </a:extLst>
+          </a:blip>
+          <a:stretch>
+            <a:fillRect/>
+          </a:stretch>
+        </p:blipFill>
+        <p:spPr>
+          <a:xfrm>
+            <a:off x="1632969" y="2738437"/>
+            <a:ext cx="9158290" cy="2014538"/>
+          </a:xfrm>
+          <a:prstGeom prst="rect">
+            <a:avLst/>
+          </a:prstGeom>
+        </p:spPr>
+      </p:pic>
+    </p:spTree>
+    <p:extLst>
+      <p:ext uri="{BB962C8B-B14F-4D97-AF65-F5344CB8AC3E}">
+        <p14:creationId xmlns:p14="http://schemas.microsoft.com/office/powerpoint/2010/main" val="686937532"/>
+      </p:ext>
+    </p:extLst>
+  </p:cSld>
+  <p:clrMapOvr>
+    <a:masterClrMapping/>
+  </p:clrMapOvr>
+</p:sld>
+</file>
+
+<file path=ppt/slides/slide11.xml><?xml version="1.0" encoding="utf-8"?>
+<p:sld xmlns:a="http://schemas.openxmlformats.org/drawingml/2006/main" xmlns:r="http://schemas.openxmlformats.org/officeDocument/2006/relationships" xmlns:p="http://schemas.openxmlformats.org/presentationml/2006/main">
+  <p:cSld>
+    <p:spTree>
+      <p:nvGrpSpPr>
+        <p:cNvPr id="1" name=""/>
+        <p:cNvGrpSpPr/>
+        <p:nvPr/>
+      </p:nvGrpSpPr>
+      <p:grpSpPr>
+        <a:xfrm>
+          <a:off x="0" y="0"/>
+          <a:ext cx="0" cy="0"/>
+          <a:chOff x="0" y="0"/>
+          <a:chExt cx="0" cy="0"/>
+        </a:xfrm>
+      </p:grpSpPr>
+      <p:sp>
+        <p:nvSpPr>
+          <p:cNvPr id="2" name="Title 1"/>
+          <p:cNvSpPr>
+            <a:spLocks noGrp="1"/>
+          </p:cNvSpPr>
+          <p:nvPr>
+            <p:ph type="title"/>
+          </p:nvPr>
+        </p:nvSpPr>
+        <p:spPr/>
+        <p:txBody>
+          <a:bodyPr/>
+          <a:lstStyle/>
+          <a:p>
+            <a:r>
+              <a:rPr lang="en-US" dirty="0"/>
+              <a:t>Coding outside DCAF - CVT</a:t>
+            </a:r>
+          </a:p>
+        </p:txBody>
+      </p:sp>
+      <p:sp>
+        <p:nvSpPr>
+          <p:cNvPr id="5" name="Content Placeholder 4">
+            <a:extLst>
+              <a:ext uri="{FF2B5EF4-FFF2-40B4-BE49-F238E27FC236}">
+                <a16:creationId xmlns:a16="http://schemas.microsoft.com/office/drawing/2014/main" id="{CBA9194C-7536-4344-AB1B-CB60A3B7D5F7}"/>
+              </a:ext>
+            </a:extLst>
+          </p:cNvPr>
+          <p:cNvSpPr>
+            <a:spLocks noGrp="1"/>
+          </p:cNvSpPr>
+          <p:nvPr>
+            <p:ph sz="half" idx="2"/>
+          </p:nvPr>
+        </p:nvSpPr>
+        <p:spPr>
+          <a:xfrm>
+            <a:off x="7086600" y="1825625"/>
+            <a:ext cx="4267200" cy="4351338"/>
+          </a:xfrm>
+        </p:spPr>
+        <p:txBody>
+          <a:bodyPr/>
+          <a:lstStyle/>
+          <a:p>
+            <a:r>
+              <a:rPr lang="en-US" dirty="0"/>
+              <a:t>To get Tag Data out of DCAF into the same main application, use CVT</a:t>
+            </a:r>
+          </a:p>
+          <a:p>
+            <a:r>
+              <a:rPr lang="en-US" dirty="0"/>
+              <a:t>Pass the Tag to the CVT Module</a:t>
+            </a:r>
+          </a:p>
+          <a:p>
+            <a:endParaRPr lang="en-US" dirty="0"/>
+          </a:p>
+        </p:txBody>
+      </p:sp>
+      <p:pic>
+        <p:nvPicPr>
+          <p:cNvPr id="2050" name="Picture 2" descr="CVTConfiguration.png">
+            <a:extLst>
+              <a:ext uri="{FF2B5EF4-FFF2-40B4-BE49-F238E27FC236}">
+                <a16:creationId xmlns:a16="http://schemas.microsoft.com/office/drawing/2014/main" id="{530BA930-E2D2-44EC-B44C-FD2B93CD8AF6}"/>
+              </a:ext>
+            </a:extLst>
+          </p:cNvPr>
+          <p:cNvPicPr>
+            <a:picLocks noChangeAspect="1" noChangeArrowheads="1"/>
+          </p:cNvPicPr>
+          <p:nvPr/>
+        </p:nvPicPr>
+        <p:blipFill rotWithShape="1">
+          <a:blip r:embed="rId2">
+            <a:extLst>
+              <a:ext uri="{28A0092B-C50C-407E-A947-70E740481C1C}">
+                <a14:useLocalDpi xmlns:a14="http://schemas.microsoft.com/office/drawing/2010/main" val="0"/>
+              </a:ext>
+            </a:extLst>
+          </a:blip>
+          <a:srcRect b="35450"/>
+          <a:stretch/>
+        </p:blipFill>
+        <p:spPr bwMode="auto">
+          <a:xfrm>
+            <a:off x="10887" y="1825625"/>
+            <a:ext cx="6838270" cy="3508375"/>
+          </a:xfrm>
+          <a:prstGeom prst="rect">
+            <a:avLst/>
+          </a:prstGeom>
+          <a:noFill/>
+          <a:extLst>
+            <a:ext uri="{909E8E84-426E-40DD-AFC4-6F175D3DCCD1}">
+              <a14:hiddenFill xmlns:a14="http://schemas.microsoft.com/office/drawing/2010/main">
+                <a:solidFill>
+                  <a:srgbClr val="FFFFFF"/>
+                </a:solidFill>
+              </a14:hiddenFill>
+            </a:ext>
+          </a:extLst>
+        </p:spPr>
+      </p:pic>
+    </p:spTree>
+    <p:extLst>
+      <p:ext uri="{BB962C8B-B14F-4D97-AF65-F5344CB8AC3E}">
+        <p14:creationId xmlns:p14="http://schemas.microsoft.com/office/powerpoint/2010/main" val="830915356"/>
+      </p:ext>
+    </p:extLst>
+  </p:cSld>
+  <p:clrMapOvr>
+    <a:masterClrMapping/>
+  </p:clrMapOvr>
+</p:sld>
+</file>
+
+<file path=ppt/slides/slide12.xml><?xml version="1.0" encoding="utf-8"?>
+<p:sld xmlns:a="http://schemas.openxmlformats.org/drawingml/2006/main" xmlns:r="http://schemas.openxmlformats.org/officeDocument/2006/relationships" xmlns:p="http://schemas.openxmlformats.org/presentationml/2006/main">
+  <p:cSld>
+    <p:spTree>
+      <p:nvGrpSpPr>
+        <p:cNvPr id="1" name=""/>
+        <p:cNvGrpSpPr/>
+        <p:nvPr/>
+      </p:nvGrpSpPr>
+      <p:grpSpPr>
+        <a:xfrm>
+          <a:off x="0" y="0"/>
+          <a:ext cx="0" cy="0"/>
+          <a:chOff x="0" y="0"/>
+          <a:chExt cx="0" cy="0"/>
+        </a:xfrm>
+      </p:grpSpPr>
+      <p:sp>
+        <p:nvSpPr>
+          <p:cNvPr id="2" name="Title 1"/>
+          <p:cNvSpPr>
+            <a:spLocks noGrp="1"/>
+          </p:cNvSpPr>
+          <p:nvPr>
+            <p:ph type="title"/>
+          </p:nvPr>
+        </p:nvSpPr>
+        <p:spPr/>
+        <p:txBody>
+          <a:bodyPr/>
+          <a:lstStyle/>
+          <a:p>
+            <a:r>
+              <a:rPr lang="en-US" dirty="0"/>
+              <a:t>Coding outside DCAF - CVT</a:t>
+            </a:r>
+          </a:p>
+        </p:txBody>
+      </p:sp>
+      <p:sp>
+        <p:nvSpPr>
+          <p:cNvPr id="5" name="Content Placeholder 4">
+            <a:extLst>
+              <a:ext uri="{FF2B5EF4-FFF2-40B4-BE49-F238E27FC236}">
+                <a16:creationId xmlns:a16="http://schemas.microsoft.com/office/drawing/2014/main" id="{CBA9194C-7536-4344-AB1B-CB60A3B7D5F7}"/>
+              </a:ext>
+            </a:extLst>
+          </p:cNvPr>
+          <p:cNvSpPr>
+            <a:spLocks noGrp="1"/>
+          </p:cNvSpPr>
+          <p:nvPr>
+            <p:ph sz="half" idx="2"/>
+          </p:nvPr>
+        </p:nvSpPr>
+        <p:spPr>
+          <a:xfrm>
+            <a:off x="7086600" y="1825625"/>
+            <a:ext cx="4267200" cy="4351338"/>
+          </a:xfrm>
+        </p:spPr>
+        <p:txBody>
+          <a:bodyPr/>
+          <a:lstStyle/>
+          <a:p>
+            <a:r>
+              <a:rPr lang="en-US" dirty="0"/>
+              <a:t>Read the Tag with the CVT API</a:t>
+            </a:r>
+          </a:p>
+          <a:p>
+            <a:r>
+              <a:rPr lang="en-US" dirty="0"/>
+              <a:t>Use the Tag data in your application</a:t>
+            </a:r>
+          </a:p>
+          <a:p>
+            <a:endParaRPr lang="en-US" dirty="0"/>
+          </a:p>
+        </p:txBody>
+      </p:sp>
+      <p:pic>
+        <p:nvPicPr>
+          <p:cNvPr id="4" name="Picture 3">
+            <a:extLst>
+              <a:ext uri="{FF2B5EF4-FFF2-40B4-BE49-F238E27FC236}">
+                <a16:creationId xmlns:a16="http://schemas.microsoft.com/office/drawing/2014/main" id="{EBBBBF73-6E76-4ED1-858B-CC4050E2C5C0}"/>
+              </a:ext>
+            </a:extLst>
+          </p:cNvPr>
+          <p:cNvPicPr>
+            <a:picLocks noChangeAspect="1"/>
+          </p:cNvPicPr>
+          <p:nvPr/>
+        </p:nvPicPr>
+        <p:blipFill>
+          <a:blip r:embed="rId2">
+            <a:extLst>
+              <a:ext uri="{28A0092B-C50C-407E-A947-70E740481C1C}">
+                <a14:useLocalDpi xmlns:a14="http://schemas.microsoft.com/office/drawing/2010/main" val="0"/>
+              </a:ext>
+            </a:extLst>
+          </a:blip>
+          <a:stretch>
+            <a:fillRect/>
+          </a:stretch>
+        </p:blipFill>
+        <p:spPr>
+          <a:xfrm>
+            <a:off x="2499744" y="3024131"/>
+            <a:ext cx="1648055" cy="809738"/>
+          </a:xfrm>
+          <a:prstGeom prst="rect">
+            <a:avLst/>
+          </a:prstGeom>
+        </p:spPr>
+      </p:pic>
+    </p:spTree>
+    <p:extLst>
+      <p:ext uri="{BB962C8B-B14F-4D97-AF65-F5344CB8AC3E}">
+        <p14:creationId xmlns:p14="http://schemas.microsoft.com/office/powerpoint/2010/main" val="3016126853"/>
+      </p:ext>
+    </p:extLst>
+  </p:cSld>
+  <p:clrMapOvr>
+    <a:masterClrMapping/>
+  </p:clrMapOvr>
+</p:sld>
+</file>
+
+<file path=ppt/slides/slide13.xml><?xml version="1.0" encoding="utf-8"?>
+<p:sld xmlns:a="http://schemas.openxmlformats.org/drawingml/2006/main" xmlns:r="http://schemas.openxmlformats.org/officeDocument/2006/relationships" xmlns:p="http://schemas.openxmlformats.org/presentationml/2006/main">
+  <p:cSld>
+    <p:spTree>
+      <p:nvGrpSpPr>
+        <p:cNvPr id="1" name=""/>
+        <p:cNvGrpSpPr/>
+        <p:nvPr/>
+      </p:nvGrpSpPr>
+      <p:grpSpPr>
+        <a:xfrm>
+          <a:off x="0" y="0"/>
+          <a:ext cx="0" cy="0"/>
+          <a:chOff x="0" y="0"/>
+          <a:chExt cx="0" cy="0"/>
+        </a:xfrm>
+      </p:grpSpPr>
+      <p:sp>
+        <p:nvSpPr>
+          <p:cNvPr id="2" name="Title 1"/>
+          <p:cNvSpPr>
+            <a:spLocks noGrp="1"/>
+          </p:cNvSpPr>
+          <p:nvPr>
+            <p:ph type="ctrTitle"/>
+          </p:nvPr>
+        </p:nvSpPr>
+        <p:spPr/>
+        <p:txBody>
+          <a:bodyPr/>
+          <a:lstStyle/>
+          <a:p>
+            <a:r>
+              <a:rPr lang="en-US" dirty="0"/>
+              <a:t>Interacting with code Outside the Engine</a:t>
+            </a:r>
+          </a:p>
+        </p:txBody>
+      </p:sp>
+      <p:sp>
+        <p:nvSpPr>
+          <p:cNvPr id="4" name="Subtitle 3"/>
+          <p:cNvSpPr>
+            <a:spLocks noGrp="1"/>
+          </p:cNvSpPr>
+          <p:nvPr>
+            <p:ph type="subTitle" idx="1"/>
+          </p:nvPr>
+        </p:nvSpPr>
+        <p:spPr/>
+        <p:txBody>
+          <a:bodyPr/>
+          <a:lstStyle/>
+          <a:p>
+            <a:r>
+              <a:rPr lang="en-US" dirty="0"/>
+              <a:t>Shared Memory</a:t>
+            </a:r>
+          </a:p>
+        </p:txBody>
+      </p:sp>
+      <p:sp>
+        <p:nvSpPr>
+          <p:cNvPr id="5" name="Text Placeholder 4"/>
+          <p:cNvSpPr>
+            <a:spLocks noGrp="1"/>
+          </p:cNvSpPr>
+          <p:nvPr>
+            <p:ph type="body" sz="quarter" idx="12"/>
+          </p:nvPr>
+        </p:nvSpPr>
+        <p:spPr/>
+        <p:txBody>
+          <a:bodyPr>
+            <a:normAutofit lnSpcReduction="10000"/>
+          </a:bodyPr>
+          <a:lstStyle/>
+          <a:p>
+            <a:endParaRPr lang="en-US"/>
+          </a:p>
+        </p:txBody>
+      </p:sp>
+      <p:sp>
+        <p:nvSpPr>
+          <p:cNvPr id="6" name="Text Placeholder 5"/>
+          <p:cNvSpPr>
+            <a:spLocks noGrp="1"/>
+          </p:cNvSpPr>
+          <p:nvPr>
+            <p:ph type="body" sz="quarter" idx="13"/>
+          </p:nvPr>
+        </p:nvSpPr>
+        <p:spPr/>
+        <p:txBody>
+          <a:bodyPr/>
+          <a:lstStyle/>
+          <a:p>
+            <a:endParaRPr lang="en-US"/>
+          </a:p>
+        </p:txBody>
+      </p:sp>
+      <p:sp>
+        <p:nvSpPr>
+          <p:cNvPr id="3" name="Rectangle 2">
+            <a:extLst>
+              <a:ext uri="{FF2B5EF4-FFF2-40B4-BE49-F238E27FC236}">
+                <a16:creationId xmlns:a16="http://schemas.microsoft.com/office/drawing/2014/main" id="{B90BB79C-B63C-441D-809D-C42D6E223CDF}"/>
+              </a:ext>
+            </a:extLst>
+          </p:cNvPr>
+          <p:cNvSpPr/>
+          <p:nvPr/>
+        </p:nvSpPr>
+        <p:spPr>
+          <a:xfrm>
+            <a:off x="4107026" y="3244334"/>
+            <a:ext cx="3977948" cy="369332"/>
+          </a:xfrm>
+          <a:prstGeom prst="rect">
+            <a:avLst/>
+          </a:prstGeom>
+        </p:spPr>
+        <p:txBody>
+          <a:bodyPr wrap="none">
+            <a:spAutoFit/>
+          </a:bodyPr>
+          <a:lstStyle/>
+          <a:p>
+            <a:r>
+              <a:rPr lang="en-US" dirty="0"/>
+              <a:t>http://www.ni.com/tutorial/53773/en/#</a:t>
+            </a:r>
+          </a:p>
+        </p:txBody>
+      </p:sp>
+    </p:spTree>
+    <p:extLst>
+      <p:ext uri="{BB962C8B-B14F-4D97-AF65-F5344CB8AC3E}">
+        <p14:creationId xmlns:p14="http://schemas.microsoft.com/office/powerpoint/2010/main" val="1551243480"/>
+      </p:ext>
+    </p:extLst>
+  </p:cSld>
+  <p:clrMapOvr>
+    <a:masterClrMapping/>
+  </p:clrMapOvr>
+</p:sld>
+</file>
+
+<file path=ppt/slides/slide14.xml><?xml version="1.0" encoding="utf-8"?>
+<p:sld xmlns:a="http://schemas.openxmlformats.org/drawingml/2006/main" xmlns:r="http://schemas.openxmlformats.org/officeDocument/2006/relationships" xmlns:p="http://schemas.openxmlformats.org/presentationml/2006/main">
+  <p:cSld>
+    <p:spTree>
+      <p:nvGrpSpPr>
+        <p:cNvPr id="1" name=""/>
+        <p:cNvGrpSpPr/>
+        <p:nvPr/>
+      </p:nvGrpSpPr>
+      <p:grpSpPr>
+        <a:xfrm>
+          <a:off x="0" y="0"/>
+          <a:ext cx="0" cy="0"/>
+          <a:chOff x="0" y="0"/>
+          <a:chExt cx="0" cy="0"/>
+        </a:xfrm>
+      </p:grpSpPr>
+      <p:sp>
+        <p:nvSpPr>
+          <p:cNvPr id="2" name="Title 1">
+            <a:extLst>
+              <a:ext uri="{FF2B5EF4-FFF2-40B4-BE49-F238E27FC236}">
+                <a16:creationId xmlns:a16="http://schemas.microsoft.com/office/drawing/2014/main" id="{E6C2659F-83BC-4FCB-AEBD-13BE1F760F9A}"/>
+              </a:ext>
+            </a:extLst>
+          </p:cNvPr>
+          <p:cNvSpPr>
+            <a:spLocks noGrp="1"/>
+          </p:cNvSpPr>
+          <p:nvPr>
+            <p:ph type="title"/>
+          </p:nvPr>
+        </p:nvSpPr>
+        <p:spPr/>
+        <p:txBody>
+          <a:bodyPr/>
+          <a:lstStyle/>
+          <a:p>
+            <a:r>
+              <a:rPr lang="en-US" dirty="0"/>
+              <a:t>Shared Memory	</a:t>
+            </a:r>
+          </a:p>
+        </p:txBody>
+      </p:sp>
+      <p:pic>
+        <p:nvPicPr>
+          <p:cNvPr id="3074" name="Picture 2" descr="http://www.ni.com/cms/images/devzone/tut/DCAF_scan_interface.jpg">
+            <a:extLst>
+              <a:ext uri="{FF2B5EF4-FFF2-40B4-BE49-F238E27FC236}">
+                <a16:creationId xmlns:a16="http://schemas.microsoft.com/office/drawing/2014/main" id="{14198C1A-74D4-4147-B1A7-6C385BE8ADF9}"/>
+              </a:ext>
+            </a:extLst>
+          </p:cNvPr>
+          <p:cNvPicPr>
+            <a:picLocks noGrp="1" noChangeAspect="1" noChangeArrowheads="1"/>
+          </p:cNvPicPr>
+          <p:nvPr>
+            <p:ph sz="half" idx="1"/>
+          </p:nvPr>
+        </p:nvPicPr>
+        <p:blipFill>
+          <a:blip r:embed="rId2">
+            <a:extLst>
+              <a:ext uri="{28A0092B-C50C-407E-A947-70E740481C1C}">
+                <a14:useLocalDpi xmlns:a14="http://schemas.microsoft.com/office/drawing/2010/main" val="0"/>
+              </a:ext>
+            </a:extLst>
+          </a:blip>
+          <a:stretch>
+            <a:fillRect/>
+          </a:stretch>
+        </p:blipFill>
+        <p:spPr bwMode="auto">
+          <a:xfrm>
+            <a:off x="254301" y="2220687"/>
+            <a:ext cx="5841699" cy="3251824"/>
+          </a:xfrm>
+          <a:prstGeom prst="rect">
+            <a:avLst/>
+          </a:prstGeom>
+          <a:noFill/>
+          <a:extLst>
+            <a:ext uri="{909E8E84-426E-40DD-AFC4-6F175D3DCCD1}">
+              <a14:hiddenFill xmlns:a14="http://schemas.microsoft.com/office/drawing/2010/main">
+                <a:solidFill>
+                  <a:srgbClr val="FFFFFF"/>
+                </a:solidFill>
+              </a14:hiddenFill>
+            </a:ext>
+          </a:extLst>
+        </p:spPr>
+      </p:pic>
+      <p:sp>
+        <p:nvSpPr>
+          <p:cNvPr id="4" name="Content Placeholder 3">
+            <a:extLst>
+              <a:ext uri="{FF2B5EF4-FFF2-40B4-BE49-F238E27FC236}">
+                <a16:creationId xmlns:a16="http://schemas.microsoft.com/office/drawing/2014/main" id="{8AD0E338-24A1-403E-BD5A-03283ED27684}"/>
+              </a:ext>
+            </a:extLst>
+          </p:cNvPr>
+          <p:cNvSpPr>
+            <a:spLocks noGrp="1"/>
+          </p:cNvSpPr>
+          <p:nvPr>
+            <p:ph sz="half" idx="2"/>
+          </p:nvPr>
+        </p:nvSpPr>
+        <p:spPr/>
+        <p:txBody>
+          <a:bodyPr/>
+          <a:lstStyle/>
+          <a:p>
+            <a:r>
+              <a:rPr lang="en-US" dirty="0"/>
+              <a:t>DCAF can access Linux Shared Memory through a standard Module</a:t>
+            </a:r>
+          </a:p>
+          <a:p>
+            <a:r>
+              <a:rPr lang="en-US" dirty="0"/>
+              <a:t>Tags can then be accessed from LabVIEW or other languages</a:t>
+            </a:r>
+          </a:p>
+        </p:txBody>
+      </p:sp>
+    </p:spTree>
+    <p:extLst>
+      <p:ext uri="{BB962C8B-B14F-4D97-AF65-F5344CB8AC3E}">
+        <p14:creationId xmlns:p14="http://schemas.microsoft.com/office/powerpoint/2010/main" val="222243937"/>
+      </p:ext>
+    </p:extLst>
+  </p:cSld>
+  <p:clrMapOvr>
+    <a:masterClrMapping/>
+  </p:clrMapOvr>
+</p:sld>
+</file>
+
+<file path=ppt/slides/slide15.xml><?xml version="1.0" encoding="utf-8"?>
+<p:sld xmlns:a="http://schemas.openxmlformats.org/drawingml/2006/main" xmlns:r="http://schemas.openxmlformats.org/officeDocument/2006/relationships" xmlns:p="http://schemas.openxmlformats.org/presentationml/2006/main">
+  <p:cSld>
+    <p:spTree>
+      <p:nvGrpSpPr>
+        <p:cNvPr id="1" name=""/>
+        <p:cNvGrpSpPr/>
+        <p:nvPr/>
+      </p:nvGrpSpPr>
+      <p:grpSpPr>
+        <a:xfrm>
+          <a:off x="0" y="0"/>
+          <a:ext cx="0" cy="0"/>
+          <a:chOff x="0" y="0"/>
+          <a:chExt cx="0" cy="0"/>
+        </a:xfrm>
+      </p:grpSpPr>
+      <p:sp>
+        <p:nvSpPr>
+          <p:cNvPr id="2" name="Title 1"/>
+          <p:cNvSpPr>
+            <a:spLocks noGrp="1"/>
+          </p:cNvSpPr>
+          <p:nvPr>
+            <p:ph type="title"/>
+          </p:nvPr>
+        </p:nvSpPr>
+        <p:spPr/>
+        <p:txBody>
+          <a:bodyPr/>
+          <a:lstStyle/>
+          <a:p>
+            <a:r>
+              <a:rPr lang="en-US" dirty="0"/>
+              <a:t>Shared Memory</a:t>
+            </a:r>
+          </a:p>
+        </p:txBody>
+      </p:sp>
+      <p:pic>
+        <p:nvPicPr>
+          <p:cNvPr id="5" name="Picture 4">
+            <a:extLst>
+              <a:ext uri="{FF2B5EF4-FFF2-40B4-BE49-F238E27FC236}">
+                <a16:creationId xmlns:a16="http://schemas.microsoft.com/office/drawing/2014/main" id="{5517B601-1774-4AFC-BABD-FB2813B14EDC}"/>
+              </a:ext>
+            </a:extLst>
+          </p:cNvPr>
+          <p:cNvPicPr>
+            <a:picLocks noChangeAspect="1"/>
+          </p:cNvPicPr>
+          <p:nvPr/>
+        </p:nvPicPr>
+        <p:blipFill>
+          <a:blip r:embed="rId3">
+            <a:extLst>
+              <a:ext uri="{28A0092B-C50C-407E-A947-70E740481C1C}">
+                <a14:useLocalDpi xmlns:a14="http://schemas.microsoft.com/office/drawing/2010/main" val="0"/>
+              </a:ext>
+            </a:extLst>
+          </a:blip>
+          <a:stretch>
+            <a:fillRect/>
+          </a:stretch>
+        </p:blipFill>
+        <p:spPr>
+          <a:xfrm>
+            <a:off x="1033462" y="1397228"/>
+            <a:ext cx="9515475" cy="4895850"/>
+          </a:xfrm>
+          <a:prstGeom prst="rect">
+            <a:avLst/>
+          </a:prstGeom>
+        </p:spPr>
+      </p:pic>
+    </p:spTree>
+    <p:extLst>
+      <p:ext uri="{BB962C8B-B14F-4D97-AF65-F5344CB8AC3E}">
+        <p14:creationId xmlns:p14="http://schemas.microsoft.com/office/powerpoint/2010/main" val="2402830153"/>
+      </p:ext>
+    </p:extLst>
+  </p:cSld>
+  <p:clrMapOvr>
+    <a:masterClrMapping/>
+  </p:clrMapOvr>
+  <mc:AlternateContent xmlns:mc="http://schemas.openxmlformats.org/markup-compatibility/2006" xmlns:p14="http://schemas.microsoft.com/office/powerpoint/2010/main">
+    <mc:Choice Requires="p14">
+      <p:transition spd="med" p14:dur="700">
+        <p:fade/>
+      </p:transition>
+    </mc:Choice>
+    <mc:Fallback xmlns="">
+      <p:transition spd="med">
+        <p:fade/>
+      </p:transition>
+    </mc:Fallback>
+  </mc:AlternateContent>
 </p:sld>
 </file>
 
@@ -3457,6 +6286,7 @@
             </a:r>
           </a:p>
           <a:p>
+            <a:pPr lvl="1"/>
             <a:r>
               <a:rPr lang="en-US" dirty="0"/>
               <a:t>How many Modules do I need?</a:t>
@@ -3465,11 +6295,7 @@
           <a:p>
             <a:r>
               <a:rPr lang="en-US" dirty="0"/>
-              <a:t>Interacting with non </a:t>
-            </a:r>
-            <a:r>
-              <a:rPr lang="en-US"/>
-              <a:t>DCAF Code.</a:t>
+              <a:t>Interacting with code outside the engine</a:t>
             </a:r>
           </a:p>
         </p:txBody>
@@ -3478,6 +6304,873 @@
     <p:extLst>
       <p:ext uri="{BB962C8B-B14F-4D97-AF65-F5344CB8AC3E}">
         <p14:creationId xmlns:p14="http://schemas.microsoft.com/office/powerpoint/2010/main" val="1010696509"/>
+      </p:ext>
+    </p:extLst>
+  </p:cSld>
+  <p:clrMapOvr>
+    <a:masterClrMapping/>
+  </p:clrMapOvr>
+</p:sld>
+</file>
+
+<file path=ppt/slides/slide3.xml><?xml version="1.0" encoding="utf-8"?>
+<p:sld xmlns:a="http://schemas.openxmlformats.org/drawingml/2006/main" xmlns:r="http://schemas.openxmlformats.org/officeDocument/2006/relationships" xmlns:p="http://schemas.openxmlformats.org/presentationml/2006/main">
+  <p:cSld>
+    <p:spTree>
+      <p:nvGrpSpPr>
+        <p:cNvPr id="1" name=""/>
+        <p:cNvGrpSpPr/>
+        <p:nvPr/>
+      </p:nvGrpSpPr>
+      <p:grpSpPr>
+        <a:xfrm>
+          <a:off x="0" y="0"/>
+          <a:ext cx="0" cy="0"/>
+          <a:chOff x="0" y="0"/>
+          <a:chExt cx="0" cy="0"/>
+        </a:xfrm>
+      </p:grpSpPr>
+      <p:sp>
+        <p:nvSpPr>
+          <p:cNvPr id="2" name="Title 1"/>
+          <p:cNvSpPr>
+            <a:spLocks noGrp="1"/>
+          </p:cNvSpPr>
+          <p:nvPr>
+            <p:ph type="ctrTitle"/>
+          </p:nvPr>
+        </p:nvSpPr>
+        <p:spPr/>
+        <p:txBody>
+          <a:bodyPr/>
+          <a:lstStyle/>
+          <a:p>
+            <a:r>
+              <a:rPr lang="en-US" dirty="0"/>
+              <a:t>What should be a Module?</a:t>
+            </a:r>
+          </a:p>
+        </p:txBody>
+      </p:sp>
+      <p:sp>
+        <p:nvSpPr>
+          <p:cNvPr id="4" name="Subtitle 3"/>
+          <p:cNvSpPr>
+            <a:spLocks noGrp="1"/>
+          </p:cNvSpPr>
+          <p:nvPr>
+            <p:ph type="subTitle" idx="1"/>
+          </p:nvPr>
+        </p:nvSpPr>
+        <p:spPr/>
+        <p:txBody>
+          <a:bodyPr/>
+          <a:lstStyle/>
+          <a:p>
+            <a:endParaRPr lang="en-US"/>
+          </a:p>
+        </p:txBody>
+      </p:sp>
+      <p:sp>
+        <p:nvSpPr>
+          <p:cNvPr id="5" name="Text Placeholder 4"/>
+          <p:cNvSpPr>
+            <a:spLocks noGrp="1"/>
+          </p:cNvSpPr>
+          <p:nvPr>
+            <p:ph type="body" sz="quarter" idx="12"/>
+          </p:nvPr>
+        </p:nvSpPr>
+        <p:spPr/>
+        <p:txBody>
+          <a:bodyPr>
+            <a:normAutofit lnSpcReduction="10000"/>
+          </a:bodyPr>
+          <a:lstStyle/>
+          <a:p>
+            <a:endParaRPr lang="en-US"/>
+          </a:p>
+        </p:txBody>
+      </p:sp>
+      <p:sp>
+        <p:nvSpPr>
+          <p:cNvPr id="6" name="Text Placeholder 5"/>
+          <p:cNvSpPr>
+            <a:spLocks noGrp="1"/>
+          </p:cNvSpPr>
+          <p:nvPr>
+            <p:ph type="body" sz="quarter" idx="13"/>
+          </p:nvPr>
+        </p:nvSpPr>
+        <p:spPr/>
+        <p:txBody>
+          <a:bodyPr/>
+          <a:lstStyle/>
+          <a:p>
+            <a:endParaRPr lang="en-US"/>
+          </a:p>
+        </p:txBody>
+      </p:sp>
+    </p:spTree>
+    <p:extLst>
+      <p:ext uri="{BB962C8B-B14F-4D97-AF65-F5344CB8AC3E}">
+        <p14:creationId xmlns:p14="http://schemas.microsoft.com/office/powerpoint/2010/main" val="3734952113"/>
+      </p:ext>
+    </p:extLst>
+  </p:cSld>
+  <p:clrMapOvr>
+    <a:masterClrMapping/>
+  </p:clrMapOvr>
+</p:sld>
+</file>
+
+<file path=ppt/slides/slide4.xml><?xml version="1.0" encoding="utf-8"?>
+<p:sld xmlns:a="http://schemas.openxmlformats.org/drawingml/2006/main" xmlns:r="http://schemas.openxmlformats.org/officeDocument/2006/relationships" xmlns:p="http://schemas.openxmlformats.org/presentationml/2006/main">
+  <p:cSld>
+    <p:spTree>
+      <p:nvGrpSpPr>
+        <p:cNvPr id="1" name=""/>
+        <p:cNvGrpSpPr/>
+        <p:nvPr/>
+      </p:nvGrpSpPr>
+      <p:grpSpPr>
+        <a:xfrm>
+          <a:off x="0" y="0"/>
+          <a:ext cx="0" cy="0"/>
+          <a:chOff x="0" y="0"/>
+          <a:chExt cx="0" cy="0"/>
+        </a:xfrm>
+      </p:grpSpPr>
+      <p:sp>
+        <p:nvSpPr>
+          <p:cNvPr id="2" name="Title 1">
+            <a:extLst>
+              <a:ext uri="{FF2B5EF4-FFF2-40B4-BE49-F238E27FC236}">
+                <a16:creationId xmlns:a16="http://schemas.microsoft.com/office/drawing/2014/main" id="{E6C2659F-83BC-4FCB-AEBD-13BE1F760F9A}"/>
+              </a:ext>
+            </a:extLst>
+          </p:cNvPr>
+          <p:cNvSpPr>
+            <a:spLocks noGrp="1"/>
+          </p:cNvSpPr>
+          <p:nvPr>
+            <p:ph type="title"/>
+          </p:nvPr>
+        </p:nvSpPr>
+        <p:spPr/>
+        <p:txBody>
+          <a:bodyPr/>
+          <a:lstStyle/>
+          <a:p>
+            <a:r>
+              <a:rPr lang="en-US" dirty="0"/>
+              <a:t>What Should be a Module</a:t>
+            </a:r>
+          </a:p>
+        </p:txBody>
+      </p:sp>
+      <p:sp>
+        <p:nvSpPr>
+          <p:cNvPr id="3" name="Content Placeholder 2">
+            <a:extLst>
+              <a:ext uri="{FF2B5EF4-FFF2-40B4-BE49-F238E27FC236}">
+                <a16:creationId xmlns:a16="http://schemas.microsoft.com/office/drawing/2014/main" id="{26495F02-3385-4489-B540-E8477CB2E834}"/>
+              </a:ext>
+            </a:extLst>
+          </p:cNvPr>
+          <p:cNvSpPr>
+            <a:spLocks noGrp="1"/>
+          </p:cNvSpPr>
+          <p:nvPr>
+            <p:ph idx="1"/>
+          </p:nvPr>
+        </p:nvSpPr>
+        <p:spPr/>
+        <p:txBody>
+          <a:bodyPr/>
+          <a:lstStyle/>
+          <a:p>
+            <a:r>
+              <a:rPr lang="en-US" dirty="0"/>
+              <a:t>Modules should operate on latest value (Tag) data</a:t>
+            </a:r>
+          </a:p>
+          <a:p>
+            <a:r>
+              <a:rPr lang="en-US" dirty="0"/>
+              <a:t>They should generate new values, modify existing values, or route values</a:t>
+            </a:r>
+          </a:p>
+          <a:p>
+            <a:r>
+              <a:rPr lang="en-US" dirty="0"/>
+              <a:t>Communicating stream data between modules may not be a good fit</a:t>
+            </a:r>
+          </a:p>
+        </p:txBody>
+      </p:sp>
+    </p:spTree>
+    <p:extLst>
+      <p:ext uri="{BB962C8B-B14F-4D97-AF65-F5344CB8AC3E}">
+        <p14:creationId xmlns:p14="http://schemas.microsoft.com/office/powerpoint/2010/main" val="1736976663"/>
+      </p:ext>
+    </p:extLst>
+  </p:cSld>
+  <p:clrMapOvr>
+    <a:masterClrMapping/>
+  </p:clrMapOvr>
+</p:sld>
+</file>
+
+<file path=ppt/slides/slide5.xml><?xml version="1.0" encoding="utf-8"?>
+<p:sld xmlns:a="http://schemas.openxmlformats.org/drawingml/2006/main" xmlns:r="http://schemas.openxmlformats.org/officeDocument/2006/relationships" xmlns:p="http://schemas.openxmlformats.org/presentationml/2006/main">
+  <p:cSld>
+    <p:spTree>
+      <p:nvGrpSpPr>
+        <p:cNvPr id="1" name=""/>
+        <p:cNvGrpSpPr/>
+        <p:nvPr/>
+      </p:nvGrpSpPr>
+      <p:grpSpPr>
+        <a:xfrm>
+          <a:off x="0" y="0"/>
+          <a:ext cx="0" cy="0"/>
+          <a:chOff x="0" y="0"/>
+          <a:chExt cx="0" cy="0"/>
+        </a:xfrm>
+      </p:grpSpPr>
+      <p:sp>
+        <p:nvSpPr>
+          <p:cNvPr id="2" name="Title 1">
+            <a:extLst>
+              <a:ext uri="{FF2B5EF4-FFF2-40B4-BE49-F238E27FC236}">
+                <a16:creationId xmlns:a16="http://schemas.microsoft.com/office/drawing/2014/main" id="{E6C2659F-83BC-4FCB-AEBD-13BE1F760F9A}"/>
+              </a:ext>
+            </a:extLst>
+          </p:cNvPr>
+          <p:cNvSpPr>
+            <a:spLocks noGrp="1"/>
+          </p:cNvSpPr>
+          <p:nvPr>
+            <p:ph type="title"/>
+          </p:nvPr>
+        </p:nvSpPr>
+        <p:spPr/>
+        <p:txBody>
+          <a:bodyPr/>
+          <a:lstStyle/>
+          <a:p>
+            <a:r>
+              <a:rPr lang="en-US" dirty="0"/>
+              <a:t>What Should be a Module</a:t>
+            </a:r>
+          </a:p>
+        </p:txBody>
+      </p:sp>
+      <p:sp>
+        <p:nvSpPr>
+          <p:cNvPr id="3" name="Content Placeholder 2">
+            <a:extLst>
+              <a:ext uri="{FF2B5EF4-FFF2-40B4-BE49-F238E27FC236}">
+                <a16:creationId xmlns:a16="http://schemas.microsoft.com/office/drawing/2014/main" id="{26495F02-3385-4489-B540-E8477CB2E834}"/>
+              </a:ext>
+            </a:extLst>
+          </p:cNvPr>
+          <p:cNvSpPr>
+            <a:spLocks noGrp="1"/>
+          </p:cNvSpPr>
+          <p:nvPr>
+            <p:ph idx="1"/>
+          </p:nvPr>
+        </p:nvSpPr>
+        <p:spPr/>
+        <p:txBody>
+          <a:bodyPr/>
+          <a:lstStyle/>
+          <a:p>
+            <a:r>
+              <a:rPr lang="en-US" dirty="0"/>
+              <a:t>Application Specific vs Reusable</a:t>
+            </a:r>
+          </a:p>
+          <a:p>
+            <a:pPr lvl="1"/>
+            <a:r>
+              <a:rPr lang="en-US" dirty="0"/>
+              <a:t>Application Logic could be within a module or outside of DCAF</a:t>
+            </a:r>
+          </a:p>
+          <a:p>
+            <a:pPr lvl="1"/>
+            <a:r>
+              <a:rPr lang="en-US" dirty="0"/>
+              <a:t>Consider making a module into a state machine for control</a:t>
+            </a:r>
+          </a:p>
+          <a:p>
+            <a:pPr lvl="1"/>
+            <a:r>
+              <a:rPr lang="en-US" dirty="0"/>
+              <a:t>Remember the state machine should not block</a:t>
+            </a:r>
+          </a:p>
+          <a:p>
+            <a:pPr lvl="1"/>
+            <a:r>
+              <a:rPr lang="en-US" dirty="0"/>
+              <a:t>Do not hold state data in the module unless there can be only </a:t>
+            </a:r>
+            <a:r>
+              <a:rPr lang="en-US"/>
+              <a:t>one instance</a:t>
+            </a:r>
+            <a:endParaRPr lang="en-US" dirty="0"/>
+          </a:p>
+        </p:txBody>
+      </p:sp>
+    </p:spTree>
+    <p:extLst>
+      <p:ext uri="{BB962C8B-B14F-4D97-AF65-F5344CB8AC3E}">
+        <p14:creationId xmlns:p14="http://schemas.microsoft.com/office/powerpoint/2010/main" val="1702721553"/>
+      </p:ext>
+    </p:extLst>
+  </p:cSld>
+  <p:clrMapOvr>
+    <a:masterClrMapping/>
+  </p:clrMapOvr>
+</p:sld>
+</file>
+
+<file path=ppt/slides/slide6.xml><?xml version="1.0" encoding="utf-8"?>
+<p:sld xmlns:a="http://schemas.openxmlformats.org/drawingml/2006/main" xmlns:r="http://schemas.openxmlformats.org/officeDocument/2006/relationships" xmlns:p="http://schemas.openxmlformats.org/presentationml/2006/main">
+  <p:cSld>
+    <p:spTree>
+      <p:nvGrpSpPr>
+        <p:cNvPr id="1" name=""/>
+        <p:cNvGrpSpPr/>
+        <p:nvPr/>
+      </p:nvGrpSpPr>
+      <p:grpSpPr>
+        <a:xfrm>
+          <a:off x="0" y="0"/>
+          <a:ext cx="0" cy="0"/>
+          <a:chOff x="0" y="0"/>
+          <a:chExt cx="0" cy="0"/>
+        </a:xfrm>
+      </p:grpSpPr>
+      <p:sp>
+        <p:nvSpPr>
+          <p:cNvPr id="2" name="Title 1"/>
+          <p:cNvSpPr>
+            <a:spLocks noGrp="1"/>
+          </p:cNvSpPr>
+          <p:nvPr>
+            <p:ph type="ctrTitle"/>
+          </p:nvPr>
+        </p:nvSpPr>
+        <p:spPr/>
+        <p:txBody>
+          <a:bodyPr/>
+          <a:lstStyle/>
+          <a:p>
+            <a:r>
+              <a:rPr lang="en-US" dirty="0"/>
+              <a:t>Interacting with code Outside the Engine</a:t>
+            </a:r>
+          </a:p>
+        </p:txBody>
+      </p:sp>
+      <p:sp>
+        <p:nvSpPr>
+          <p:cNvPr id="4" name="Subtitle 3"/>
+          <p:cNvSpPr>
+            <a:spLocks noGrp="1"/>
+          </p:cNvSpPr>
+          <p:nvPr>
+            <p:ph type="subTitle" idx="1"/>
+          </p:nvPr>
+        </p:nvSpPr>
+        <p:spPr/>
+        <p:txBody>
+          <a:bodyPr/>
+          <a:lstStyle/>
+          <a:p>
+            <a:r>
+              <a:rPr lang="en-US" dirty="0"/>
+              <a:t>CVT</a:t>
+            </a:r>
+          </a:p>
+        </p:txBody>
+      </p:sp>
+      <p:sp>
+        <p:nvSpPr>
+          <p:cNvPr id="5" name="Text Placeholder 4"/>
+          <p:cNvSpPr>
+            <a:spLocks noGrp="1"/>
+          </p:cNvSpPr>
+          <p:nvPr>
+            <p:ph type="body" sz="quarter" idx="12"/>
+          </p:nvPr>
+        </p:nvSpPr>
+        <p:spPr/>
+        <p:txBody>
+          <a:bodyPr>
+            <a:normAutofit lnSpcReduction="10000"/>
+          </a:bodyPr>
+          <a:lstStyle/>
+          <a:p>
+            <a:endParaRPr lang="en-US"/>
+          </a:p>
+        </p:txBody>
+      </p:sp>
+      <p:sp>
+        <p:nvSpPr>
+          <p:cNvPr id="6" name="Text Placeholder 5"/>
+          <p:cNvSpPr>
+            <a:spLocks noGrp="1"/>
+          </p:cNvSpPr>
+          <p:nvPr>
+            <p:ph type="body" sz="quarter" idx="13"/>
+          </p:nvPr>
+        </p:nvSpPr>
+        <p:spPr/>
+        <p:txBody>
+          <a:bodyPr/>
+          <a:lstStyle/>
+          <a:p>
+            <a:endParaRPr lang="en-US"/>
+          </a:p>
+        </p:txBody>
+      </p:sp>
+    </p:spTree>
+    <p:extLst>
+      <p:ext uri="{BB962C8B-B14F-4D97-AF65-F5344CB8AC3E}">
+        <p14:creationId xmlns:p14="http://schemas.microsoft.com/office/powerpoint/2010/main" val="3751644468"/>
+      </p:ext>
+    </p:extLst>
+  </p:cSld>
+  <p:clrMapOvr>
+    <a:masterClrMapping/>
+  </p:clrMapOvr>
+</p:sld>
+</file>
+
+<file path=ppt/slides/slide7.xml><?xml version="1.0" encoding="utf-8"?>
+<p:sld xmlns:a="http://schemas.openxmlformats.org/drawingml/2006/main" xmlns:r="http://schemas.openxmlformats.org/officeDocument/2006/relationships" xmlns:p="http://schemas.openxmlformats.org/presentationml/2006/main">
+  <p:cSld>
+    <p:spTree>
+      <p:nvGrpSpPr>
+        <p:cNvPr id="1" name=""/>
+        <p:cNvGrpSpPr/>
+        <p:nvPr/>
+      </p:nvGrpSpPr>
+      <p:grpSpPr>
+        <a:xfrm>
+          <a:off x="0" y="0"/>
+          <a:ext cx="0" cy="0"/>
+          <a:chOff x="0" y="0"/>
+          <a:chExt cx="0" cy="0"/>
+        </a:xfrm>
+      </p:grpSpPr>
+      <p:sp>
+        <p:nvSpPr>
+          <p:cNvPr id="2" name="Title 1"/>
+          <p:cNvSpPr>
+            <a:spLocks noGrp="1"/>
+          </p:cNvSpPr>
+          <p:nvPr>
+            <p:ph type="title"/>
+          </p:nvPr>
+        </p:nvSpPr>
+        <p:spPr/>
+        <p:txBody>
+          <a:bodyPr/>
+          <a:lstStyle/>
+          <a:p>
+            <a:r>
+              <a:rPr lang="en-US" dirty="0"/>
+              <a:t>DCAF Project Templates</a:t>
+            </a:r>
+          </a:p>
+        </p:txBody>
+      </p:sp>
+      <p:sp>
+        <p:nvSpPr>
+          <p:cNvPr id="3" name="Content Placeholder 2">
+            <a:extLst>
+              <a:ext uri="{FF2B5EF4-FFF2-40B4-BE49-F238E27FC236}">
+                <a16:creationId xmlns:a16="http://schemas.microsoft.com/office/drawing/2014/main" id="{2ECF9B28-DE68-4FA0-9781-EBA7BD4D1FDA}"/>
+              </a:ext>
+            </a:extLst>
+          </p:cNvPr>
+          <p:cNvSpPr>
+            <a:spLocks noGrp="1"/>
+          </p:cNvSpPr>
+          <p:nvPr>
+            <p:ph idx="1"/>
+          </p:nvPr>
+        </p:nvSpPr>
+        <p:spPr/>
+        <p:txBody>
+          <a:bodyPr/>
+          <a:lstStyle/>
+          <a:p>
+            <a:endParaRPr lang="en-US"/>
+          </a:p>
+        </p:txBody>
+      </p:sp>
+      <p:pic>
+        <p:nvPicPr>
+          <p:cNvPr id="8" name="Picture 7">
+            <a:extLst>
+              <a:ext uri="{FF2B5EF4-FFF2-40B4-BE49-F238E27FC236}">
+                <a16:creationId xmlns:a16="http://schemas.microsoft.com/office/drawing/2014/main" id="{0CAD30DF-6589-45E7-BC2E-5AEB380F89C4}"/>
+              </a:ext>
+            </a:extLst>
+          </p:cNvPr>
+          <p:cNvPicPr>
+            <a:picLocks noChangeAspect="1"/>
+          </p:cNvPicPr>
+          <p:nvPr/>
+        </p:nvPicPr>
+        <p:blipFill>
+          <a:blip r:embed="rId3">
+            <a:extLst>
+              <a:ext uri="{28A0092B-C50C-407E-A947-70E740481C1C}">
+                <a14:useLocalDpi xmlns:a14="http://schemas.microsoft.com/office/drawing/2010/main" val="0"/>
+              </a:ext>
+            </a:extLst>
+          </a:blip>
+          <a:stretch>
+            <a:fillRect/>
+          </a:stretch>
+        </p:blipFill>
+        <p:spPr>
+          <a:xfrm>
+            <a:off x="548639" y="1753786"/>
+            <a:ext cx="6048104" cy="4369176"/>
+          </a:xfrm>
+          <a:prstGeom prst="rect">
+            <a:avLst/>
+          </a:prstGeom>
+        </p:spPr>
+      </p:pic>
+      <p:pic>
+        <p:nvPicPr>
+          <p:cNvPr id="9" name="Picture 8">
+            <a:extLst>
+              <a:ext uri="{FF2B5EF4-FFF2-40B4-BE49-F238E27FC236}">
+                <a16:creationId xmlns:a16="http://schemas.microsoft.com/office/drawing/2014/main" id="{41E65BB4-69E1-4C76-B287-62E80991284D}"/>
+              </a:ext>
+            </a:extLst>
+          </p:cNvPr>
+          <p:cNvPicPr>
+            <a:picLocks noChangeAspect="1"/>
+          </p:cNvPicPr>
+          <p:nvPr/>
+        </p:nvPicPr>
+        <p:blipFill>
+          <a:blip r:embed="rId4">
+            <a:extLst>
+              <a:ext uri="{28A0092B-C50C-407E-A947-70E740481C1C}">
+                <a14:useLocalDpi xmlns:a14="http://schemas.microsoft.com/office/drawing/2010/main" val="0"/>
+              </a:ext>
+            </a:extLst>
+          </a:blip>
+          <a:stretch>
+            <a:fillRect/>
+          </a:stretch>
+        </p:blipFill>
+        <p:spPr>
+          <a:xfrm>
+            <a:off x="7404104" y="2427538"/>
+            <a:ext cx="3133310" cy="3021672"/>
+          </a:xfrm>
+          <a:prstGeom prst="rect">
+            <a:avLst/>
+          </a:prstGeom>
+        </p:spPr>
+      </p:pic>
+      <p:cxnSp>
+        <p:nvCxnSpPr>
+          <p:cNvPr id="10" name="Straight Arrow Connector 9">
+            <a:extLst>
+              <a:ext uri="{FF2B5EF4-FFF2-40B4-BE49-F238E27FC236}">
+                <a16:creationId xmlns:a16="http://schemas.microsoft.com/office/drawing/2014/main" id="{4B66E0AE-DE96-4899-A9FA-CE8D97728836}"/>
+              </a:ext>
+            </a:extLst>
+          </p:cNvPr>
+          <p:cNvCxnSpPr>
+            <a:cxnSpLocks/>
+            <a:stCxn id="8" idx="3"/>
+            <a:endCxn id="9" idx="1"/>
+          </p:cNvCxnSpPr>
+          <p:nvPr/>
+        </p:nvCxnSpPr>
+        <p:spPr>
+          <a:xfrm>
+            <a:off x="6596743" y="3938374"/>
+            <a:ext cx="807361" cy="0"/>
+          </a:xfrm>
+          <a:prstGeom prst="straightConnector1">
+            <a:avLst/>
+          </a:prstGeom>
+          <a:ln w="76200">
+            <a:solidFill>
+              <a:schemeClr val="bg2">
+                <a:lumMod val="25000"/>
+              </a:schemeClr>
+            </a:solidFill>
+            <a:headEnd type="none"/>
+            <a:tailEnd type="triangle"/>
+          </a:ln>
+        </p:spPr>
+        <p:style>
+          <a:lnRef idx="1">
+            <a:schemeClr val="accent1"/>
+          </a:lnRef>
+          <a:fillRef idx="0">
+            <a:schemeClr val="accent1"/>
+          </a:fillRef>
+          <a:effectRef idx="0">
+            <a:schemeClr val="accent1"/>
+          </a:effectRef>
+          <a:fontRef idx="minor">
+            <a:schemeClr val="tx1"/>
+          </a:fontRef>
+        </p:style>
+      </p:cxnSp>
+    </p:spTree>
+    <p:extLst>
+      <p:ext uri="{BB962C8B-B14F-4D97-AF65-F5344CB8AC3E}">
+        <p14:creationId xmlns:p14="http://schemas.microsoft.com/office/powerpoint/2010/main" val="1023362139"/>
+      </p:ext>
+    </p:extLst>
+  </p:cSld>
+  <p:clrMapOvr>
+    <a:masterClrMapping/>
+  </p:clrMapOvr>
+  <mc:AlternateContent xmlns:mc="http://schemas.openxmlformats.org/markup-compatibility/2006" xmlns:p14="http://schemas.microsoft.com/office/powerpoint/2010/main">
+    <mc:Choice Requires="p14">
+      <p:transition spd="med" p14:dur="700">
+        <p:fade/>
+      </p:transition>
+    </mc:Choice>
+    <mc:Fallback xmlns="">
+      <p:transition spd="med">
+        <p:fade/>
+      </p:transition>
+    </mc:Fallback>
+  </mc:AlternateContent>
+</p:sld>
+</file>
+
+<file path=ppt/slides/slide8.xml><?xml version="1.0" encoding="utf-8"?>
+<p:sld xmlns:a="http://schemas.openxmlformats.org/drawingml/2006/main" xmlns:r="http://schemas.openxmlformats.org/officeDocument/2006/relationships" xmlns:p="http://schemas.openxmlformats.org/presentationml/2006/main">
+  <p:cSld>
+    <p:spTree>
+      <p:nvGrpSpPr>
+        <p:cNvPr id="1" name=""/>
+        <p:cNvGrpSpPr/>
+        <p:nvPr/>
+      </p:nvGrpSpPr>
+      <p:grpSpPr>
+        <a:xfrm>
+          <a:off x="0" y="0"/>
+          <a:ext cx="0" cy="0"/>
+          <a:chOff x="0" y="0"/>
+          <a:chExt cx="0" cy="0"/>
+        </a:xfrm>
+      </p:grpSpPr>
+      <p:sp>
+        <p:nvSpPr>
+          <p:cNvPr id="2" name="Title 1"/>
+          <p:cNvSpPr>
+            <a:spLocks noGrp="1"/>
+          </p:cNvSpPr>
+          <p:nvPr>
+            <p:ph type="title"/>
+          </p:nvPr>
+        </p:nvSpPr>
+        <p:spPr/>
+        <p:txBody>
+          <a:bodyPr/>
+          <a:lstStyle/>
+          <a:p>
+            <a:r>
+              <a:rPr lang="en-US" dirty="0"/>
+              <a:t>Running the Configuration</a:t>
+            </a:r>
+          </a:p>
+        </p:txBody>
+      </p:sp>
+      <p:pic>
+        <p:nvPicPr>
+          <p:cNvPr id="4" name="Picture 3"/>
+          <p:cNvPicPr>
+            <a:picLocks noChangeAspect="1"/>
+          </p:cNvPicPr>
+          <p:nvPr/>
+        </p:nvPicPr>
+        <p:blipFill>
+          <a:blip r:embed="rId2">
+            <a:extLst>
+              <a:ext uri="{28A0092B-C50C-407E-A947-70E740481C1C}">
+                <a14:useLocalDpi xmlns:a14="http://schemas.microsoft.com/office/drawing/2010/main" val="0"/>
+              </a:ext>
+            </a:extLst>
+          </a:blip>
+          <a:stretch>
+            <a:fillRect/>
+          </a:stretch>
+        </p:blipFill>
+        <p:spPr>
+          <a:xfrm>
+            <a:off x="991032" y="1962057"/>
+            <a:ext cx="10201469" cy="2861988"/>
+          </a:xfrm>
+          <a:prstGeom prst="rect">
+            <a:avLst/>
+          </a:prstGeom>
+        </p:spPr>
+      </p:pic>
+    </p:spTree>
+    <p:extLst>
+      <p:ext uri="{BB962C8B-B14F-4D97-AF65-F5344CB8AC3E}">
+        <p14:creationId xmlns:p14="http://schemas.microsoft.com/office/powerpoint/2010/main" val="698999797"/>
+      </p:ext>
+    </p:extLst>
+  </p:cSld>
+  <p:clrMapOvr>
+    <a:masterClrMapping/>
+  </p:clrMapOvr>
+</p:sld>
+</file>
+
+<file path=ppt/slides/slide9.xml><?xml version="1.0" encoding="utf-8"?>
+<p:sld xmlns:a="http://schemas.openxmlformats.org/drawingml/2006/main" xmlns:r="http://schemas.openxmlformats.org/officeDocument/2006/relationships" xmlns:p="http://schemas.openxmlformats.org/presentationml/2006/main">
+  <p:cSld>
+    <p:spTree>
+      <p:nvGrpSpPr>
+        <p:cNvPr id="1" name=""/>
+        <p:cNvGrpSpPr/>
+        <p:nvPr/>
+      </p:nvGrpSpPr>
+      <p:grpSpPr>
+        <a:xfrm>
+          <a:off x="0" y="0"/>
+          <a:ext cx="0" cy="0"/>
+          <a:chOff x="0" y="0"/>
+          <a:chExt cx="0" cy="0"/>
+        </a:xfrm>
+      </p:grpSpPr>
+      <p:sp>
+        <p:nvSpPr>
+          <p:cNvPr id="2" name="Title 1"/>
+          <p:cNvSpPr>
+            <a:spLocks noGrp="1"/>
+          </p:cNvSpPr>
+          <p:nvPr>
+            <p:ph type="title"/>
+          </p:nvPr>
+        </p:nvSpPr>
+        <p:spPr/>
+        <p:txBody>
+          <a:bodyPr/>
+          <a:lstStyle/>
+          <a:p>
+            <a:r>
+              <a:rPr lang="en-US" dirty="0"/>
+              <a:t>Coding outside DCAF</a:t>
+            </a:r>
+          </a:p>
+        </p:txBody>
+      </p:sp>
+      <p:sp>
+        <p:nvSpPr>
+          <p:cNvPr id="5" name="Content Placeholder 4">
+            <a:extLst>
+              <a:ext uri="{FF2B5EF4-FFF2-40B4-BE49-F238E27FC236}">
+                <a16:creationId xmlns:a16="http://schemas.microsoft.com/office/drawing/2014/main" id="{CBA9194C-7536-4344-AB1B-CB60A3B7D5F7}"/>
+              </a:ext>
+            </a:extLst>
+          </p:cNvPr>
+          <p:cNvSpPr>
+            <a:spLocks noGrp="1"/>
+          </p:cNvSpPr>
+          <p:nvPr>
+            <p:ph sz="half" idx="2"/>
+          </p:nvPr>
+        </p:nvSpPr>
+        <p:spPr/>
+        <p:txBody>
+          <a:bodyPr/>
+          <a:lstStyle/>
+          <a:p>
+            <a:r>
+              <a:rPr lang="en-US" dirty="0"/>
+              <a:t>Example loop from the project template</a:t>
+            </a:r>
+          </a:p>
+          <a:p>
+            <a:r>
+              <a:rPr lang="en-US" dirty="0"/>
+              <a:t>Only need to call the engine and check, other code can run alongside as needed</a:t>
+            </a:r>
+          </a:p>
+        </p:txBody>
+      </p:sp>
+      <p:pic>
+        <p:nvPicPr>
+          <p:cNvPr id="1026" name="Picture 2" descr="ApplicationLoop.png">
+            <a:extLst>
+              <a:ext uri="{FF2B5EF4-FFF2-40B4-BE49-F238E27FC236}">
+                <a16:creationId xmlns:a16="http://schemas.microsoft.com/office/drawing/2014/main" id="{F1E8CF00-2B9C-49D7-A223-5729B16F4B65}"/>
+              </a:ext>
+            </a:extLst>
+          </p:cNvPr>
+          <p:cNvPicPr>
+            <a:picLocks noChangeAspect="1" noChangeArrowheads="1"/>
+          </p:cNvPicPr>
+          <p:nvPr/>
+        </p:nvPicPr>
+        <p:blipFill>
+          <a:blip r:embed="rId2">
+            <a:extLst>
+              <a:ext uri="{28A0092B-C50C-407E-A947-70E740481C1C}">
+                <a14:useLocalDpi xmlns:a14="http://schemas.microsoft.com/office/drawing/2010/main" val="0"/>
+              </a:ext>
+            </a:extLst>
+          </a:blip>
+          <a:srcRect/>
+          <a:stretch>
+            <a:fillRect/>
+          </a:stretch>
+        </p:blipFill>
+        <p:spPr bwMode="auto">
+          <a:xfrm>
+            <a:off x="142875" y="2901156"/>
+            <a:ext cx="5953125" cy="2200275"/>
+          </a:xfrm>
+          <a:prstGeom prst="rect">
+            <a:avLst/>
+          </a:prstGeom>
+          <a:noFill/>
+          <a:extLst>
+            <a:ext uri="{909E8E84-426E-40DD-AFC4-6F175D3DCCD1}">
+              <a14:hiddenFill xmlns:a14="http://schemas.microsoft.com/office/drawing/2010/main">
+                <a:solidFill>
+                  <a:srgbClr val="FFFFFF"/>
+                </a:solidFill>
+              </a14:hiddenFill>
+            </a:ext>
+          </a:extLst>
+        </p:spPr>
+      </p:pic>
+    </p:spTree>
+    <p:extLst>
+      <p:ext uri="{BB962C8B-B14F-4D97-AF65-F5344CB8AC3E}">
+        <p14:creationId xmlns:p14="http://schemas.microsoft.com/office/powerpoint/2010/main" val="2850981985"/>
       </p:ext>
     </p:extLst>
   </p:cSld>
@@ -3780,4 +7473,299 @@
     </a:ext>
   </a:extLst>
 </a:theme>
+</file>
+
+<file path=ppt/theme/theme2.xml><?xml version="1.0" encoding="utf-8"?>
+<a:theme xmlns:a="http://schemas.openxmlformats.org/drawingml/2006/main" name="Office Theme">
+  <a:themeElements>
+    <a:clrScheme name="Office">
+      <a:dk1>
+        <a:sysClr val="windowText" lastClr="000000"/>
+      </a:dk1>
+      <a:lt1>
+        <a:sysClr val="window" lastClr="FFFFFF"/>
+      </a:lt1>
+      <a:dk2>
+        <a:srgbClr val="44546A"/>
+      </a:dk2>
+      <a:lt2>
+        <a:srgbClr val="E7E6E6"/>
+      </a:lt2>
+      <a:accent1>
+        <a:srgbClr val="4472C4"/>
+      </a:accent1>
+      <a:accent2>
+        <a:srgbClr val="ED7D31"/>
+      </a:accent2>
+      <a:accent3>
+        <a:srgbClr val="A5A5A5"/>
+      </a:accent3>
+      <a:accent4>
+        <a:srgbClr val="FFC000"/>
+      </a:accent4>
+      <a:accent5>
+        <a:srgbClr val="5B9BD5"/>
+      </a:accent5>
+      <a:accent6>
+        <a:srgbClr val="70AD47"/>
+      </a:accent6>
+      <a:hlink>
+        <a:srgbClr val="0563C1"/>
+      </a:hlink>
+      <a:folHlink>
+        <a:srgbClr val="954F72"/>
+      </a:folHlink>
+    </a:clrScheme>
+    <a:fontScheme name="Office">
+      <a:majorFont>
+        <a:latin typeface="Calibri Light" panose="020F0302020204030204"/>
+        <a:ea typeface=""/>
+        <a:cs typeface=""/>
+        <a:font script="Jpan" typeface="游ゴシック Light"/>
+        <a:font script="Hang" typeface="맑은 고딕"/>
+        <a:font script="Hans" typeface="等线 Light"/>
+        <a:font script="Hant" typeface="新細明體"/>
+        <a:font script="Arab" typeface="Times New Roman"/>
+        <a:font script="Hebr" typeface="Times New Roman"/>
+        <a:font script="Thai" typeface="Angsana New"/>
+        <a:font script="Ethi" typeface="Nyala"/>
+        <a:font script="Beng" typeface="Vrinda"/>
+        <a:font script="Gujr" typeface="Shruti"/>
+        <a:font script="Khmr" typeface="MoolBoran"/>
+        <a:font script="Knda" typeface="Tunga"/>
+        <a:font script="Guru" typeface="Raavi"/>
+        <a:font script="Cans" typeface="Euphemia"/>
+        <a:font script="Cher" typeface="Plantagenet Cherokee"/>
+        <a:font script="Yiii" typeface="Microsoft Yi Baiti"/>
+        <a:font script="Tibt" typeface="Microsoft Himalaya"/>
+        <a:font script="Thaa" typeface="MV Boli"/>
+        <a:font script="Deva" typeface="Mangal"/>
+        <a:font script="Telu" typeface="Gautami"/>
+        <a:font script="Taml" typeface="Latha"/>
+        <a:font script="Syrc" typeface="Estrangelo Edessa"/>
+        <a:font script="Orya" typeface="Kalinga"/>
+        <a:font script="Mlym" typeface="Kartika"/>
+        <a:font script="Laoo" typeface="DokChampa"/>
+        <a:font script="Sinh" typeface="Iskoola Pota"/>
+        <a:font script="Mong" typeface="Mongolian Baiti"/>
+        <a:font script="Viet" typeface="Times New Roman"/>
+        <a:font script="Uigh" typeface="Microsoft Uighur"/>
+        <a:font script="Geor" typeface="Sylfaen"/>
+        <a:font script="Armn" typeface="Arial"/>
+        <a:font script="Bugi" typeface="Leelawadee UI"/>
+        <a:font script="Bopo" typeface="Microsoft JhengHei"/>
+        <a:font script="Java" typeface="Javanese Text"/>
+        <a:font script="Lisu" typeface="Segoe UI"/>
+        <a:font script="Mymr" typeface="Myanmar Text"/>
+        <a:font script="Nkoo" typeface="Ebrima"/>
+        <a:font script="Olck" typeface="Nirmala UI"/>
+        <a:font script="Osma" typeface="Ebrima"/>
+        <a:font script="Phag" typeface="Phagspa"/>
+        <a:font script="Syrn" typeface="Estrangelo Edessa"/>
+        <a:font script="Syrj" typeface="Estrangelo Edessa"/>
+        <a:font script="Syre" typeface="Estrangelo Edessa"/>
+        <a:font script="Sora" typeface="Nirmala UI"/>
+        <a:font script="Tale" typeface="Microsoft Tai Le"/>
+        <a:font script="Talu" typeface="Microsoft New Tai Lue"/>
+        <a:font script="Tfng" typeface="Ebrima"/>
+      </a:majorFont>
+      <a:minorFont>
+        <a:latin typeface="Calibri" panose="020F0502020204030204"/>
+        <a:ea typeface=""/>
+        <a:cs typeface=""/>
+        <a:font script="Jpan" typeface="游ゴシック"/>
+        <a:font script="Hang" typeface="맑은 고딕"/>
+        <a:font script="Hans" typeface="等线"/>
+        <a:font script="Hant" typeface="新細明體"/>
+        <a:font script="Arab" typeface="Arial"/>
+        <a:font script="Hebr" typeface="Arial"/>
+        <a:font script="Thai" typeface="Cordia New"/>
+        <a:font script="Ethi" typeface="Nyala"/>
+        <a:font script="Beng" typeface="Vrinda"/>
+        <a:font script="Gujr" typeface="Shruti"/>
+        <a:font script="Khmr" typeface="DaunPenh"/>
+        <a:font script="Knda" typeface="Tunga"/>
+        <a:font script="Guru" typeface="Raavi"/>
+        <a:font script="Cans" typeface="Euphemia"/>
+        <a:font script="Cher" typeface="Plantagenet Cherokee"/>
+        <a:font script="Yiii" typeface="Microsoft Yi Baiti"/>
+        <a:font script="Tibt" typeface="Microsoft Himalaya"/>
+        <a:font script="Thaa" typeface="MV Boli"/>
+        <a:font script="Deva" typeface="Mangal"/>
+        <a:font script="Telu" typeface="Gautami"/>
+        <a:font script="Taml" typeface="Latha"/>
+        <a:font script="Syrc" typeface="Estrangelo Edessa"/>
+        <a:font script="Orya" typeface="Kalinga"/>
+        <a:font script="Mlym" typeface="Kartika"/>
+        <a:font script="Laoo" typeface="DokChampa"/>
+        <a:font script="Sinh" typeface="Iskoola Pota"/>
+        <a:font script="Mong" typeface="Mongolian Baiti"/>
+        <a:font script="Viet" typeface="Arial"/>
+        <a:font script="Uigh" typeface="Microsoft Uighur"/>
+        <a:font script="Geor" typeface="Sylfaen"/>
+        <a:font script="Armn" typeface="Arial"/>
+        <a:font script="Bugi" typeface="Leelawadee UI"/>
+        <a:font script="Bopo" typeface="Microsoft JhengHei"/>
+        <a:font script="Java" typeface="Javanese Text"/>
+        <a:font script="Lisu" typeface="Segoe UI"/>
+        <a:font script="Mymr" typeface="Myanmar Text"/>
+        <a:font script="Nkoo" typeface="Ebrima"/>
+        <a:font script="Olck" typeface="Nirmala UI"/>
+        <a:font script="Osma" typeface="Ebrima"/>
+        <a:font script="Phag" typeface="Phagspa"/>
+        <a:font script="Syrn" typeface="Estrangelo Edessa"/>
+        <a:font script="Syrj" typeface="Estrangelo Edessa"/>
+        <a:font script="Syre" typeface="Estrangelo Edessa"/>
+        <a:font script="Sora" typeface="Nirmala UI"/>
+        <a:font script="Tale" typeface="Microsoft Tai Le"/>
+        <a:font script="Talu" typeface="Microsoft New Tai Lue"/>
+        <a:font script="Tfng" typeface="Ebrima"/>
+      </a:minorFont>
+    </a:fontScheme>
+    <a:fmtScheme name="Office">
+      <a:fillStyleLst>
+        <a:solidFill>
+          <a:schemeClr val="phClr"/>
+        </a:solidFill>
+        <a:gradFill rotWithShape="1">
+          <a:gsLst>
+            <a:gs pos="0">
+              <a:schemeClr val="phClr">
+                <a:lumMod val="110000"/>
+                <a:satMod val="105000"/>
+                <a:tint val="67000"/>
+              </a:schemeClr>
+            </a:gs>
+            <a:gs pos="50000">
+              <a:schemeClr val="phClr">
+                <a:lumMod val="105000"/>
+                <a:satMod val="103000"/>
+                <a:tint val="73000"/>
+              </a:schemeClr>
+            </a:gs>
+            <a:gs pos="100000">
+              <a:schemeClr val="phClr">
+                <a:lumMod val="105000"/>
+                <a:satMod val="109000"/>
+                <a:tint val="81000"/>
+              </a:schemeClr>
+            </a:gs>
+          </a:gsLst>
+          <a:lin ang="5400000" scaled="0"/>
+        </a:gradFill>
+        <a:gradFill rotWithShape="1">
+          <a:gsLst>
+            <a:gs pos="0">
+              <a:schemeClr val="phClr">
+                <a:satMod val="103000"/>
+                <a:lumMod val="102000"/>
+                <a:tint val="94000"/>
+              </a:schemeClr>
+            </a:gs>
+            <a:gs pos="50000">
+              <a:schemeClr val="phClr">
+                <a:satMod val="110000"/>
+                <a:lumMod val="100000"/>
+                <a:shade val="100000"/>
+              </a:schemeClr>
+            </a:gs>
+            <a:gs pos="100000">
+              <a:schemeClr val="phClr">
+                <a:lumMod val="99000"/>
+                <a:satMod val="120000"/>
+                <a:shade val="78000"/>
+              </a:schemeClr>
+            </a:gs>
+          </a:gsLst>
+          <a:lin ang="5400000" scaled="0"/>
+        </a:gradFill>
+      </a:fillStyleLst>
+      <a:lnStyleLst>
+        <a:ln w="6350" cap="flat" cmpd="sng" algn="ctr">
+          <a:solidFill>
+            <a:schemeClr val="phClr"/>
+          </a:solidFill>
+          <a:prstDash val="solid"/>
+          <a:miter lim="800000"/>
+        </a:ln>
+        <a:ln w="12700" cap="flat" cmpd="sng" algn="ctr">
+          <a:solidFill>
+            <a:schemeClr val="phClr"/>
+          </a:solidFill>
+          <a:prstDash val="solid"/>
+          <a:miter lim="800000"/>
+        </a:ln>
+        <a:ln w="19050" cap="flat" cmpd="sng" algn="ctr">
+          <a:solidFill>
+            <a:schemeClr val="phClr"/>
+          </a:solidFill>
+          <a:prstDash val="solid"/>
+          <a:miter lim="800000"/>
+        </a:ln>
+      </a:lnStyleLst>
+      <a:effectStyleLst>
+        <a:effectStyle>
+          <a:effectLst/>
+        </a:effectStyle>
+        <a:effectStyle>
+          <a:effectLst/>
+        </a:effectStyle>
+        <a:effectStyle>
+          <a:effectLst>
+            <a:outerShdw blurRad="57150" dist="19050" dir="5400000" algn="ctr" rotWithShape="0">
+              <a:srgbClr val="000000">
+                <a:alpha val="63000"/>
+              </a:srgbClr>
+            </a:outerShdw>
+          </a:effectLst>
+        </a:effectStyle>
+      </a:effectStyleLst>
+      <a:bgFillStyleLst>
+        <a:solidFill>
+          <a:schemeClr val="phClr"/>
+        </a:solidFill>
+        <a:solidFill>
+          <a:schemeClr val="phClr">
+            <a:tint val="95000"/>
+            <a:satMod val="170000"/>
+          </a:schemeClr>
+        </a:solidFill>
+        <a:gradFill rotWithShape="1">
+          <a:gsLst>
+            <a:gs pos="0">
+              <a:schemeClr val="phClr">
+                <a:tint val="93000"/>
+                <a:satMod val="150000"/>
+                <a:shade val="98000"/>
+                <a:lumMod val="102000"/>
+              </a:schemeClr>
+            </a:gs>
+            <a:gs pos="50000">
+              <a:schemeClr val="phClr">
+                <a:tint val="98000"/>
+                <a:satMod val="130000"/>
+                <a:shade val="90000"/>
+                <a:lumMod val="103000"/>
+              </a:schemeClr>
+            </a:gs>
+            <a:gs pos="100000">
+              <a:schemeClr val="phClr">
+                <a:shade val="63000"/>
+                <a:satMod val="120000"/>
+              </a:schemeClr>
+            </a:gs>
+          </a:gsLst>
+          <a:lin ang="5400000" scaled="0"/>
+        </a:gradFill>
+      </a:bgFillStyleLst>
+    </a:fmtScheme>
+  </a:themeElements>
+  <a:objectDefaults/>
+  <a:extraClrSchemeLst/>
+  <a:extLst>
+    <a:ext uri="{05A4C25C-085E-4340-85A3-A5531E510DB2}">
+      <thm15:themeFamily xmlns:thm15="http://schemas.microsoft.com/office/thememl/2012/main" name="Office Theme" id="{62F939B6-93AF-4DB8-9C6B-D6C7DFDC589F}" vid="{4A3C46E8-61CC-4603-A589-7422A47A8E4A}"/>
+    </a:ext>
+  </a:extLst>
+</a:theme>
 </file>
--- a/Trunk/Getting Started Material/DCAF Training/4 Designing an application with DCAF.pptx
+++ b/Trunk/Getting Started Material/DCAF Training/4 Designing an application with DCAF.pptx
@@ -5,7 +5,7 @@
     <p:sldMasterId id="2147483780" r:id="rId1"/>
   </p:sldMasterIdLst>
   <p:notesMasterIdLst>
-    <p:notesMasterId r:id="rId20"/>
+    <p:notesMasterId r:id="rId19"/>
   </p:notesMasterIdLst>
   <p:sldIdLst>
     <p:sldId id="259" r:id="rId2"/>
@@ -15,17 +15,16 @@
     <p:sldId id="365" r:id="rId6"/>
     <p:sldId id="374" r:id="rId7"/>
     <p:sldId id="376" r:id="rId8"/>
-    <p:sldId id="375" r:id="rId9"/>
-    <p:sldId id="363" r:id="rId10"/>
-    <p:sldId id="291" r:id="rId11"/>
-    <p:sldId id="300" r:id="rId12"/>
-    <p:sldId id="366" r:id="rId13"/>
-    <p:sldId id="367" r:id="rId14"/>
-    <p:sldId id="368" r:id="rId15"/>
-    <p:sldId id="369" r:id="rId16"/>
-    <p:sldId id="370" r:id="rId17"/>
-    <p:sldId id="373" r:id="rId18"/>
-    <p:sldId id="371" r:id="rId19"/>
+    <p:sldId id="363" r:id="rId9"/>
+    <p:sldId id="291" r:id="rId10"/>
+    <p:sldId id="300" r:id="rId11"/>
+    <p:sldId id="366" r:id="rId12"/>
+    <p:sldId id="377" r:id="rId13"/>
+    <p:sldId id="368" r:id="rId14"/>
+    <p:sldId id="369" r:id="rId15"/>
+    <p:sldId id="370" r:id="rId16"/>
+    <p:sldId id="373" r:id="rId17"/>
+    <p:sldId id="371" r:id="rId18"/>
   </p:sldIdLst>
   <p:sldSz cx="12192000" cy="6858000"/>
   <p:notesSz cx="6858000" cy="9144000"/>
@@ -630,7 +629,7 @@
           <a:p>
             <a:fld id="{E78E71CD-9786-4621-AA97-B53C62C3E534}" type="slidenum">
               <a:rPr lang="en-US" smtClean="0"/>
-              <a:t>9</a:t>
+              <a:t>8</a:t>
             </a:fld>
             <a:endParaRPr lang="en-US"/>
           </a:p>
@@ -722,7 +721,7 @@
           <a:p>
             <a:fld id="{15F80049-26F3-4D89-A0B2-4E12138F92A1}" type="slidenum">
               <a:rPr lang="en-US" smtClean="0"/>
-              <a:t>10</a:t>
+              <a:t>9</a:t>
             </a:fld>
             <a:endParaRPr lang="en-US"/>
           </a:p>
@@ -806,7 +805,7 @@
           <a:p>
             <a:fld id="{E78E71CD-9786-4621-AA97-B53C62C3E534}" type="slidenum">
               <a:rPr lang="en-US" smtClean="0"/>
-              <a:t>16</a:t>
+              <a:t>15</a:t>
             </a:fld>
             <a:endParaRPr lang="en-US"/>
           </a:p>
@@ -898,7 +897,7 @@
           <a:p>
             <a:fld id="{15F80049-26F3-4D89-A0B2-4E12138F92A1}" type="slidenum">
               <a:rPr lang="en-US" smtClean="0"/>
-              <a:t>18</a:t>
+              <a:t>17</a:t>
             </a:fld>
             <a:endParaRPr lang="en-US"/>
           </a:p>
@@ -7671,52 +7670,21 @@
           <a:p>
             <a:r>
               <a:rPr lang="en-US" dirty="0"/>
-              <a:t>DCAF Project Templates</a:t>
-            </a:r>
-          </a:p>
-        </p:txBody>
-      </p:sp>
-      <p:sp>
-        <p:nvSpPr>
-          <p:cNvPr id="3" name="Content Placeholder 2">
-            <a:extLst>
-              <a:ext uri="{FF2B5EF4-FFF2-40B4-BE49-F238E27FC236}">
-                <a16:creationId xmlns:a16="http://schemas.microsoft.com/office/drawing/2014/main" id="{2ECF9B28-DE68-4FA0-9781-EBA7BD4D1FDA}"/>
-              </a:ext>
-            </a:extLst>
-          </p:cNvPr>
-          <p:cNvSpPr>
-            <a:spLocks noGrp="1"/>
-          </p:cNvSpPr>
-          <p:nvPr>
-            <p:ph idx="1"/>
-          </p:nvPr>
-        </p:nvSpPr>
-        <p:spPr/>
-        <p:txBody>
-          <a:bodyPr/>
-          <a:lstStyle/>
-          <a:p>
-            <a:endParaRPr lang="en-US"/>
+              <a:t>Running the Configuration</a:t>
+            </a:r>
           </a:p>
         </p:txBody>
       </p:sp>
       <p:pic>
         <p:nvPicPr>
-          <p:cNvPr id="8" name="Picture 7">
-            <a:extLst>
-              <a:ext uri="{FF2B5EF4-FFF2-40B4-BE49-F238E27FC236}">
-                <a16:creationId xmlns:a16="http://schemas.microsoft.com/office/drawing/2014/main" id="{0CAD30DF-6589-45E7-BC2E-5AEB380F89C4}"/>
-              </a:ext>
-            </a:extLst>
-          </p:cNvPr>
+          <p:cNvPr id="4" name="Picture 3"/>
           <p:cNvPicPr>
             <a:picLocks noChangeAspect="1"/>
           </p:cNvPicPr>
           <p:nvPr/>
         </p:nvPicPr>
         <p:blipFill>
-          <a:blip r:embed="rId3">
+          <a:blip r:embed="rId2">
             <a:extLst>
               <a:ext uri="{28A0092B-C50C-407E-A947-70E740481C1C}">
                 <a14:useLocalDpi xmlns:a14="http://schemas.microsoft.com/office/drawing/2010/main" val="0"/>
@@ -7729,121 +7697,24 @@
         </p:blipFill>
         <p:spPr>
           <a:xfrm>
-            <a:off x="548639" y="1753786"/>
-            <a:ext cx="6048104" cy="4369176"/>
+            <a:off x="991032" y="1962057"/>
+            <a:ext cx="10201469" cy="2861988"/>
           </a:xfrm>
           <a:prstGeom prst="rect">
             <a:avLst/>
           </a:prstGeom>
         </p:spPr>
       </p:pic>
-      <p:pic>
-        <p:nvPicPr>
-          <p:cNvPr id="9" name="Picture 8">
-            <a:extLst>
-              <a:ext uri="{FF2B5EF4-FFF2-40B4-BE49-F238E27FC236}">
-                <a16:creationId xmlns:a16="http://schemas.microsoft.com/office/drawing/2014/main" id="{41E65BB4-69E1-4C76-B287-62E80991284D}"/>
-              </a:ext>
-            </a:extLst>
-          </p:cNvPr>
-          <p:cNvPicPr>
-            <a:picLocks noChangeAspect="1"/>
-          </p:cNvPicPr>
-          <p:nvPr/>
-        </p:nvPicPr>
-        <p:blipFill>
-          <a:blip r:embed="rId4">
-            <a:extLst>
-              <a:ext uri="{28A0092B-C50C-407E-A947-70E740481C1C}">
-                <a14:useLocalDpi xmlns:a14="http://schemas.microsoft.com/office/drawing/2010/main" val="0"/>
-              </a:ext>
-            </a:extLst>
-          </a:blip>
-          <a:stretch>
-            <a:fillRect/>
-          </a:stretch>
-        </p:blipFill>
-        <p:spPr>
-          <a:xfrm>
-            <a:off x="7404104" y="2427538"/>
-            <a:ext cx="3133310" cy="3021672"/>
-          </a:xfrm>
-          <a:prstGeom prst="rect">
-            <a:avLst/>
-          </a:prstGeom>
-        </p:spPr>
-      </p:pic>
-      <p:cxnSp>
-        <p:nvCxnSpPr>
-          <p:cNvPr id="10" name="Straight Arrow Connector 9">
-            <a:extLst>
-              <a:ext uri="{FF2B5EF4-FFF2-40B4-BE49-F238E27FC236}">
-                <a16:creationId xmlns:a16="http://schemas.microsoft.com/office/drawing/2014/main" id="{4B66E0AE-DE96-4899-A9FA-CE8D97728836}"/>
-              </a:ext>
-            </a:extLst>
-          </p:cNvPr>
-          <p:cNvCxnSpPr>
-            <a:cxnSpLocks/>
-            <a:stCxn id="8" idx="3"/>
-            <a:endCxn id="9" idx="1"/>
-          </p:cNvCxnSpPr>
-          <p:nvPr/>
-        </p:nvCxnSpPr>
-        <p:spPr>
-          <a:xfrm>
-            <a:off x="6596743" y="3938374"/>
-            <a:ext cx="807361" cy="0"/>
-          </a:xfrm>
-          <a:prstGeom prst="straightConnector1">
-            <a:avLst/>
-          </a:prstGeom>
-          <a:ln w="76200">
-            <a:solidFill>
-              <a:schemeClr val="bg2">
-                <a:lumMod val="25000"/>
-              </a:schemeClr>
-            </a:solidFill>
-            <a:headEnd type="none"/>
-            <a:tailEnd type="triangle"/>
-          </a:ln>
-        </p:spPr>
-        <p:style>
-          <a:lnRef idx="1">
-            <a:schemeClr val="accent1"/>
-          </a:lnRef>
-          <a:fillRef idx="0">
-            <a:schemeClr val="accent1"/>
-          </a:fillRef>
-          <a:effectRef idx="0">
-            <a:schemeClr val="accent1"/>
-          </a:effectRef>
-          <a:fontRef idx="minor">
-            <a:schemeClr val="tx1"/>
-          </a:fontRef>
-        </p:style>
-      </p:cxnSp>
     </p:spTree>
     <p:extLst>
       <p:ext uri="{BB962C8B-B14F-4D97-AF65-F5344CB8AC3E}">
-        <p14:creationId xmlns:p14="http://schemas.microsoft.com/office/powerpoint/2010/main" val="1023362139"/>
+        <p14:creationId xmlns:p14="http://schemas.microsoft.com/office/powerpoint/2010/main" val="698999797"/>
       </p:ext>
     </p:extLst>
   </p:cSld>
   <p:clrMapOvr>
     <a:masterClrMapping/>
   </p:clrMapOvr>
-  <mc:AlternateContent xmlns:mc="http://schemas.openxmlformats.org/markup-compatibility/2006" xmlns:p14="http://schemas.microsoft.com/office/powerpoint/2010/main">
-    <mc:Choice Requires="p14">
-      <p:transition spd="med" p14:dur="700">
-        <p:fade/>
-      </p:transition>
-    </mc:Choice>
-    <mc:Fallback xmlns="">
-      <p:transition spd="med">
-        <p:fade/>
-      </p:transition>
-    </mc:Fallback>
-  </mc:AlternateContent>
 </p:sld>
 </file>
 
@@ -7881,88 +7752,6 @@
           <a:p>
             <a:r>
               <a:rPr lang="en-US" dirty="0"/>
-              <a:t>Running the Configuration</a:t>
-            </a:r>
-          </a:p>
-        </p:txBody>
-      </p:sp>
-      <p:pic>
-        <p:nvPicPr>
-          <p:cNvPr id="4" name="Picture 3"/>
-          <p:cNvPicPr>
-            <a:picLocks noChangeAspect="1"/>
-          </p:cNvPicPr>
-          <p:nvPr/>
-        </p:nvPicPr>
-        <p:blipFill>
-          <a:blip r:embed="rId2">
-            <a:extLst>
-              <a:ext uri="{28A0092B-C50C-407E-A947-70E740481C1C}">
-                <a14:useLocalDpi xmlns:a14="http://schemas.microsoft.com/office/drawing/2010/main" val="0"/>
-              </a:ext>
-            </a:extLst>
-          </a:blip>
-          <a:stretch>
-            <a:fillRect/>
-          </a:stretch>
-        </p:blipFill>
-        <p:spPr>
-          <a:xfrm>
-            <a:off x="991032" y="1962057"/>
-            <a:ext cx="10201469" cy="2861988"/>
-          </a:xfrm>
-          <a:prstGeom prst="rect">
-            <a:avLst/>
-          </a:prstGeom>
-        </p:spPr>
-      </p:pic>
-    </p:spTree>
-    <p:extLst>
-      <p:ext uri="{BB962C8B-B14F-4D97-AF65-F5344CB8AC3E}">
-        <p14:creationId xmlns:p14="http://schemas.microsoft.com/office/powerpoint/2010/main" val="698999797"/>
-      </p:ext>
-    </p:extLst>
-  </p:cSld>
-  <p:clrMapOvr>
-    <a:masterClrMapping/>
-  </p:clrMapOvr>
-</p:sld>
-</file>
-
-<file path=ppt/slides/slide12.xml><?xml version="1.0" encoding="utf-8"?>
-<p:sld xmlns:a="http://schemas.openxmlformats.org/drawingml/2006/main" xmlns:r="http://schemas.openxmlformats.org/officeDocument/2006/relationships" xmlns:p="http://schemas.openxmlformats.org/presentationml/2006/main">
-  <p:cSld>
-    <p:spTree>
-      <p:nvGrpSpPr>
-        <p:cNvPr id="1" name=""/>
-        <p:cNvGrpSpPr/>
-        <p:nvPr/>
-      </p:nvGrpSpPr>
-      <p:grpSpPr>
-        <a:xfrm>
-          <a:off x="0" y="0"/>
-          <a:ext cx="0" cy="0"/>
-          <a:chOff x="0" y="0"/>
-          <a:chExt cx="0" cy="0"/>
-        </a:xfrm>
-      </p:grpSpPr>
-      <p:sp>
-        <p:nvSpPr>
-          <p:cNvPr id="2" name="Title 1"/>
-          <p:cNvSpPr>
-            <a:spLocks noGrp="1"/>
-          </p:cNvSpPr>
-          <p:nvPr>
-            <p:ph type="title"/>
-          </p:nvPr>
-        </p:nvSpPr>
-        <p:spPr/>
-        <p:txBody>
-          <a:bodyPr/>
-          <a:lstStyle/>
-          <a:p>
-            <a:r>
-              <a:rPr lang="en-US" dirty="0"/>
               <a:t>Coding outside DCAF</a:t>
             </a:r>
           </a:p>
@@ -7984,7 +7773,12 @@
             <p:ph sz="half" idx="1"/>
           </p:nvPr>
         </p:nvSpPr>
-        <p:spPr/>
+        <p:spPr>
+          <a:xfrm>
+            <a:off x="605367" y="975361"/>
+            <a:ext cx="11272597" cy="2200275"/>
+          </a:xfrm>
+        </p:spPr>
         <p:txBody>
           <a:bodyPr/>
           <a:lstStyle/>
@@ -8031,7 +7825,7 @@
         </p:blipFill>
         <p:spPr bwMode="auto">
           <a:xfrm>
-            <a:off x="142875" y="2901156"/>
+            <a:off x="2992679" y="3298680"/>
             <a:ext cx="5953125" cy="2200275"/>
           </a:xfrm>
           <a:prstGeom prst="rect">
@@ -8053,6 +7847,1072 @@
     <p:extLst>
       <p:ext uri="{BB962C8B-B14F-4D97-AF65-F5344CB8AC3E}">
         <p14:creationId xmlns:p14="http://schemas.microsoft.com/office/powerpoint/2010/main" val="2850981985"/>
+      </p:ext>
+    </p:extLst>
+  </p:cSld>
+  <p:clrMapOvr>
+    <a:masterClrMapping/>
+  </p:clrMapOvr>
+</p:sld>
+</file>
+
+<file path=ppt/slides/slide12.xml><?xml version="1.0" encoding="utf-8"?>
+<p:sld xmlns:a="http://schemas.openxmlformats.org/drawingml/2006/main" xmlns:r="http://schemas.openxmlformats.org/officeDocument/2006/relationships" xmlns:p="http://schemas.openxmlformats.org/presentationml/2006/main">
+  <p:cSld>
+    <p:spTree>
+      <p:nvGrpSpPr>
+        <p:cNvPr id="1" name=""/>
+        <p:cNvGrpSpPr/>
+        <p:nvPr/>
+      </p:nvGrpSpPr>
+      <p:grpSpPr>
+        <a:xfrm>
+          <a:off x="0" y="0"/>
+          <a:ext cx="0" cy="0"/>
+          <a:chOff x="0" y="0"/>
+          <a:chExt cx="0" cy="0"/>
+        </a:xfrm>
+      </p:grpSpPr>
+      <p:sp>
+        <p:nvSpPr>
+          <p:cNvPr id="2" name="Title 1">
+            <a:extLst>
+              <a:ext uri="{FF2B5EF4-FFF2-40B4-BE49-F238E27FC236}">
+                <a16:creationId xmlns:a16="http://schemas.microsoft.com/office/drawing/2014/main" id="{E6C2659F-83BC-4FCB-AEBD-13BE1F760F9A}"/>
+              </a:ext>
+            </a:extLst>
+          </p:cNvPr>
+          <p:cNvSpPr>
+            <a:spLocks noGrp="1"/>
+          </p:cNvSpPr>
+          <p:nvPr>
+            <p:ph type="title"/>
+          </p:nvPr>
+        </p:nvSpPr>
+        <p:spPr/>
+        <p:txBody>
+          <a:bodyPr/>
+          <a:lstStyle/>
+          <a:p>
+            <a:r>
+              <a:rPr lang="en-US" dirty="0"/>
+              <a:t>Coding outside DCAF - CVT</a:t>
+            </a:r>
+          </a:p>
+        </p:txBody>
+      </p:sp>
+      <p:sp>
+        <p:nvSpPr>
+          <p:cNvPr id="20" name="Rounded Rectangle 3">
+            <a:extLst>
+              <a:ext uri="{FF2B5EF4-FFF2-40B4-BE49-F238E27FC236}">
+                <a16:creationId xmlns:a16="http://schemas.microsoft.com/office/drawing/2014/main" id="{FA949F27-7D41-463A-B6B6-D81D1AF6DE9F}"/>
+              </a:ext>
+            </a:extLst>
+          </p:cNvPr>
+          <p:cNvSpPr/>
+          <p:nvPr/>
+        </p:nvSpPr>
+        <p:spPr>
+          <a:xfrm>
+            <a:off x="367933" y="3878412"/>
+            <a:ext cx="1828800" cy="771787"/>
+          </a:xfrm>
+          <a:prstGeom prst="roundRect">
+            <a:avLst/>
+          </a:prstGeom>
+          <a:solidFill>
+            <a:srgbClr val="C00000"/>
+          </a:solidFill>
+          <a:ln w="28575">
+            <a:solidFill>
+              <a:schemeClr val="tx1"/>
+            </a:solidFill>
+          </a:ln>
+          <a:effectLst>
+            <a:outerShdw blurRad="50800" dist="38100" dir="2700000" algn="tl" rotWithShape="0">
+              <a:prstClr val="black">
+                <a:alpha val="40000"/>
+              </a:prstClr>
+            </a:outerShdw>
+          </a:effectLst>
+        </p:spPr>
+        <p:style>
+          <a:lnRef idx="1">
+            <a:schemeClr val="accent1"/>
+          </a:lnRef>
+          <a:fillRef idx="3">
+            <a:schemeClr val="accent1"/>
+          </a:fillRef>
+          <a:effectRef idx="2">
+            <a:schemeClr val="accent1"/>
+          </a:effectRef>
+          <a:fontRef idx="minor">
+            <a:schemeClr val="lt1"/>
+          </a:fontRef>
+        </p:style>
+        <p:txBody>
+          <a:bodyPr rtlCol="0" anchor="ctr"/>
+          <a:lstStyle/>
+          <a:p>
+            <a:pPr algn="ctr"/>
+            <a:r>
+              <a:rPr lang="en-US" dirty="0"/>
+              <a:t>Input</a:t>
+            </a:r>
+          </a:p>
+        </p:txBody>
+      </p:sp>
+      <p:sp>
+        <p:nvSpPr>
+          <p:cNvPr id="25" name="Rounded Rectangle 4">
+            <a:extLst>
+              <a:ext uri="{FF2B5EF4-FFF2-40B4-BE49-F238E27FC236}">
+                <a16:creationId xmlns:a16="http://schemas.microsoft.com/office/drawing/2014/main" id="{D5F9C736-E9C8-4F5E-B04D-1C64141E2790}"/>
+              </a:ext>
+            </a:extLst>
+          </p:cNvPr>
+          <p:cNvSpPr/>
+          <p:nvPr/>
+        </p:nvSpPr>
+        <p:spPr>
+          <a:xfrm>
+            <a:off x="2737274" y="3857169"/>
+            <a:ext cx="1828800" cy="771787"/>
+          </a:xfrm>
+          <a:prstGeom prst="roundRect">
+            <a:avLst/>
+          </a:prstGeom>
+          <a:solidFill>
+            <a:srgbClr val="C00000"/>
+          </a:solidFill>
+          <a:ln w="28575">
+            <a:solidFill>
+              <a:schemeClr val="tx1"/>
+            </a:solidFill>
+          </a:ln>
+          <a:effectLst>
+            <a:outerShdw blurRad="50800" dist="38100" dir="2700000" algn="tl" rotWithShape="0">
+              <a:prstClr val="black">
+                <a:alpha val="40000"/>
+              </a:prstClr>
+            </a:outerShdw>
+          </a:effectLst>
+        </p:spPr>
+        <p:style>
+          <a:lnRef idx="1">
+            <a:schemeClr val="accent1"/>
+          </a:lnRef>
+          <a:fillRef idx="3">
+            <a:schemeClr val="accent1"/>
+          </a:fillRef>
+          <a:effectRef idx="2">
+            <a:schemeClr val="accent1"/>
+          </a:effectRef>
+          <a:fontRef idx="minor">
+            <a:schemeClr val="lt1"/>
+          </a:fontRef>
+        </p:style>
+        <p:txBody>
+          <a:bodyPr rtlCol="0" anchor="ctr"/>
+          <a:lstStyle/>
+          <a:p>
+            <a:pPr algn="ctr"/>
+            <a:r>
+              <a:rPr lang="en-US" dirty="0"/>
+              <a:t>CVT</a:t>
+            </a:r>
+          </a:p>
+        </p:txBody>
+      </p:sp>
+      <p:sp>
+        <p:nvSpPr>
+          <p:cNvPr id="26" name="Rounded Rectangle 5">
+            <a:extLst>
+              <a:ext uri="{FF2B5EF4-FFF2-40B4-BE49-F238E27FC236}">
+                <a16:creationId xmlns:a16="http://schemas.microsoft.com/office/drawing/2014/main" id="{C2DA55EE-BE62-49DE-9C21-D43FCB46B57D}"/>
+              </a:ext>
+            </a:extLst>
+          </p:cNvPr>
+          <p:cNvSpPr/>
+          <p:nvPr/>
+        </p:nvSpPr>
+        <p:spPr>
+          <a:xfrm>
+            <a:off x="4989495" y="3857167"/>
+            <a:ext cx="1828800" cy="771787"/>
+          </a:xfrm>
+          <a:prstGeom prst="roundRect">
+            <a:avLst/>
+          </a:prstGeom>
+          <a:solidFill>
+            <a:srgbClr val="C00000"/>
+          </a:solidFill>
+          <a:ln w="28575">
+            <a:solidFill>
+              <a:schemeClr val="tx1"/>
+            </a:solidFill>
+          </a:ln>
+          <a:effectLst>
+            <a:outerShdw blurRad="50800" dist="38100" dir="2700000" algn="tl" rotWithShape="0">
+              <a:prstClr val="black">
+                <a:alpha val="40000"/>
+              </a:prstClr>
+            </a:outerShdw>
+          </a:effectLst>
+        </p:spPr>
+        <p:style>
+          <a:lnRef idx="1">
+            <a:schemeClr val="accent1"/>
+          </a:lnRef>
+          <a:fillRef idx="3">
+            <a:schemeClr val="accent1"/>
+          </a:fillRef>
+          <a:effectRef idx="2">
+            <a:schemeClr val="accent1"/>
+          </a:effectRef>
+          <a:fontRef idx="minor">
+            <a:schemeClr val="lt1"/>
+          </a:fontRef>
+        </p:style>
+        <p:txBody>
+          <a:bodyPr rtlCol="0" anchor="ctr"/>
+          <a:lstStyle/>
+          <a:p>
+            <a:pPr algn="ctr"/>
+            <a:r>
+              <a:rPr lang="en-US" dirty="0"/>
+              <a:t>Output</a:t>
+            </a:r>
+          </a:p>
+        </p:txBody>
+      </p:sp>
+      <p:sp>
+        <p:nvSpPr>
+          <p:cNvPr id="28" name="Rounded Rectangle 6">
+            <a:extLst>
+              <a:ext uri="{FF2B5EF4-FFF2-40B4-BE49-F238E27FC236}">
+                <a16:creationId xmlns:a16="http://schemas.microsoft.com/office/drawing/2014/main" id="{44083B78-598D-4438-9546-223C6A491ADC}"/>
+              </a:ext>
+            </a:extLst>
+          </p:cNvPr>
+          <p:cNvSpPr/>
+          <p:nvPr/>
+        </p:nvSpPr>
+        <p:spPr>
+          <a:xfrm>
+            <a:off x="356406" y="2969364"/>
+            <a:ext cx="6450362" cy="771787"/>
+          </a:xfrm>
+          <a:prstGeom prst="roundRect">
+            <a:avLst/>
+          </a:prstGeom>
+          <a:solidFill>
+            <a:srgbClr val="007200"/>
+          </a:solidFill>
+          <a:ln w="28575">
+            <a:solidFill>
+              <a:schemeClr val="tx1"/>
+            </a:solidFill>
+          </a:ln>
+          <a:effectLst>
+            <a:outerShdw blurRad="50800" dist="38100" dir="2700000" algn="tl" rotWithShape="0">
+              <a:prstClr val="black">
+                <a:alpha val="40000"/>
+              </a:prstClr>
+            </a:outerShdw>
+          </a:effectLst>
+        </p:spPr>
+        <p:style>
+          <a:lnRef idx="1">
+            <a:schemeClr val="accent1"/>
+          </a:lnRef>
+          <a:fillRef idx="3">
+            <a:schemeClr val="accent1"/>
+          </a:fillRef>
+          <a:effectRef idx="2">
+            <a:schemeClr val="accent1"/>
+          </a:effectRef>
+          <a:fontRef idx="minor">
+            <a:schemeClr val="lt1"/>
+          </a:fontRef>
+        </p:style>
+        <p:txBody>
+          <a:bodyPr rtlCol="0" anchor="ctr"/>
+          <a:lstStyle/>
+          <a:p>
+            <a:pPr algn="ctr"/>
+            <a:r>
+              <a:rPr lang="en-US" dirty="0"/>
+              <a:t>Engine</a:t>
+            </a:r>
+          </a:p>
+        </p:txBody>
+      </p:sp>
+      <p:sp>
+        <p:nvSpPr>
+          <p:cNvPr id="30" name="Up Arrow 10">
+            <a:extLst>
+              <a:ext uri="{FF2B5EF4-FFF2-40B4-BE49-F238E27FC236}">
+                <a16:creationId xmlns:a16="http://schemas.microsoft.com/office/drawing/2014/main" id="{E24294EA-1F5C-43C6-8A0A-CE893447F67B}"/>
+              </a:ext>
+            </a:extLst>
+          </p:cNvPr>
+          <p:cNvSpPr/>
+          <p:nvPr/>
+        </p:nvSpPr>
+        <p:spPr>
+          <a:xfrm rot="5400000">
+            <a:off x="2495255" y="3907269"/>
+            <a:ext cx="251671" cy="680885"/>
+          </a:xfrm>
+          <a:prstGeom prst="upArrow">
+            <a:avLst/>
+          </a:prstGeom>
+          <a:solidFill>
+            <a:schemeClr val="accent1"/>
+          </a:solidFill>
+          <a:ln>
+            <a:noFill/>
+          </a:ln>
+          <a:effectLst>
+            <a:outerShdw blurRad="50800" dist="38100" dir="2700000" algn="tl" rotWithShape="0">
+              <a:prstClr val="black">
+                <a:alpha val="40000"/>
+              </a:prstClr>
+            </a:outerShdw>
+          </a:effectLst>
+        </p:spPr>
+        <p:style>
+          <a:lnRef idx="1">
+            <a:schemeClr val="accent1"/>
+          </a:lnRef>
+          <a:fillRef idx="3">
+            <a:schemeClr val="accent1"/>
+          </a:fillRef>
+          <a:effectRef idx="2">
+            <a:schemeClr val="accent1"/>
+          </a:effectRef>
+          <a:fontRef idx="minor">
+            <a:schemeClr val="lt1"/>
+          </a:fontRef>
+        </p:style>
+        <p:txBody>
+          <a:bodyPr rtlCol="0" anchor="ctr"/>
+          <a:lstStyle/>
+          <a:p>
+            <a:pPr algn="ctr"/>
+            <a:endParaRPr lang="en-US"/>
+          </a:p>
+        </p:txBody>
+      </p:sp>
+      <p:sp>
+        <p:nvSpPr>
+          <p:cNvPr id="35" name="Up Arrow 10">
+            <a:extLst>
+              <a:ext uri="{FF2B5EF4-FFF2-40B4-BE49-F238E27FC236}">
+                <a16:creationId xmlns:a16="http://schemas.microsoft.com/office/drawing/2014/main" id="{BB87EE45-A40A-4D78-B498-E8509B4E59A4}"/>
+              </a:ext>
+            </a:extLst>
+          </p:cNvPr>
+          <p:cNvSpPr/>
+          <p:nvPr/>
+        </p:nvSpPr>
+        <p:spPr>
+          <a:xfrm rot="5400000">
+            <a:off x="4780681" y="3902619"/>
+            <a:ext cx="251671" cy="680885"/>
+          </a:xfrm>
+          <a:prstGeom prst="upArrow">
+            <a:avLst/>
+          </a:prstGeom>
+          <a:solidFill>
+            <a:schemeClr val="accent1"/>
+          </a:solidFill>
+          <a:ln>
+            <a:noFill/>
+          </a:ln>
+          <a:effectLst>
+            <a:outerShdw blurRad="50800" dist="38100" dir="2700000" algn="tl" rotWithShape="0">
+              <a:prstClr val="black">
+                <a:alpha val="40000"/>
+              </a:prstClr>
+            </a:outerShdw>
+          </a:effectLst>
+        </p:spPr>
+        <p:style>
+          <a:lnRef idx="1">
+            <a:schemeClr val="accent1"/>
+          </a:lnRef>
+          <a:fillRef idx="3">
+            <a:schemeClr val="accent1"/>
+          </a:fillRef>
+          <a:effectRef idx="2">
+            <a:schemeClr val="accent1"/>
+          </a:effectRef>
+          <a:fontRef idx="minor">
+            <a:schemeClr val="lt1"/>
+          </a:fontRef>
+        </p:style>
+        <p:txBody>
+          <a:bodyPr rtlCol="0" anchor="ctr"/>
+          <a:lstStyle/>
+          <a:p>
+            <a:pPr algn="ctr"/>
+            <a:endParaRPr lang="en-US"/>
+          </a:p>
+        </p:txBody>
+      </p:sp>
+      <p:sp>
+        <p:nvSpPr>
+          <p:cNvPr id="40" name="Rounded Rectangle 6">
+            <a:extLst>
+              <a:ext uri="{FF2B5EF4-FFF2-40B4-BE49-F238E27FC236}">
+                <a16:creationId xmlns:a16="http://schemas.microsoft.com/office/drawing/2014/main" id="{6B5CD03C-FE8A-4ED3-BB24-E7684BDE7B0C}"/>
+              </a:ext>
+            </a:extLst>
+          </p:cNvPr>
+          <p:cNvSpPr/>
+          <p:nvPr/>
+        </p:nvSpPr>
+        <p:spPr>
+          <a:xfrm>
+            <a:off x="356405" y="1146870"/>
+            <a:ext cx="11447667" cy="1703752"/>
+          </a:xfrm>
+          <a:prstGeom prst="roundRect">
+            <a:avLst/>
+          </a:prstGeom>
+          <a:solidFill>
+            <a:schemeClr val="bg1">
+              <a:lumMod val="50000"/>
+            </a:schemeClr>
+          </a:solidFill>
+          <a:ln w="28575">
+            <a:solidFill>
+              <a:schemeClr val="tx1"/>
+            </a:solidFill>
+          </a:ln>
+          <a:effectLst>
+            <a:outerShdw blurRad="50800" dist="38100" dir="2700000" algn="tl" rotWithShape="0">
+              <a:prstClr val="black">
+                <a:alpha val="40000"/>
+              </a:prstClr>
+            </a:outerShdw>
+          </a:effectLst>
+        </p:spPr>
+        <p:style>
+          <a:lnRef idx="1">
+            <a:schemeClr val="accent1"/>
+          </a:lnRef>
+          <a:fillRef idx="3">
+            <a:schemeClr val="accent1"/>
+          </a:fillRef>
+          <a:effectRef idx="2">
+            <a:schemeClr val="accent1"/>
+          </a:effectRef>
+          <a:fontRef idx="minor">
+            <a:schemeClr val="lt1"/>
+          </a:fontRef>
+        </p:style>
+        <p:txBody>
+          <a:bodyPr rtlCol="0" anchor="ctr"/>
+          <a:lstStyle/>
+          <a:p>
+            <a:pPr algn="ctr"/>
+            <a:endParaRPr lang="en-US" dirty="0"/>
+          </a:p>
+        </p:txBody>
+      </p:sp>
+      <p:sp>
+        <p:nvSpPr>
+          <p:cNvPr id="47" name="Rounded Rectangle 6">
+            <a:extLst>
+              <a:ext uri="{FF2B5EF4-FFF2-40B4-BE49-F238E27FC236}">
+                <a16:creationId xmlns:a16="http://schemas.microsoft.com/office/drawing/2014/main" id="{384FA566-7FA0-4DC1-B3FD-A77F6BC4111E}"/>
+              </a:ext>
+            </a:extLst>
+          </p:cNvPr>
+          <p:cNvSpPr/>
+          <p:nvPr/>
+        </p:nvSpPr>
+        <p:spPr>
+          <a:xfrm>
+            <a:off x="727760" y="1811683"/>
+            <a:ext cx="5455978" cy="771787"/>
+          </a:xfrm>
+          <a:prstGeom prst="roundRect">
+            <a:avLst/>
+          </a:prstGeom>
+          <a:solidFill>
+            <a:schemeClr val="bg2">
+              <a:lumMod val="50000"/>
+            </a:schemeClr>
+          </a:solidFill>
+          <a:ln w="28575">
+            <a:solidFill>
+              <a:schemeClr val="tx1"/>
+            </a:solidFill>
+          </a:ln>
+          <a:effectLst>
+            <a:outerShdw blurRad="50800" dist="38100" dir="2700000" algn="tl" rotWithShape="0">
+              <a:prstClr val="black">
+                <a:alpha val="40000"/>
+              </a:prstClr>
+            </a:outerShdw>
+          </a:effectLst>
+        </p:spPr>
+        <p:style>
+          <a:lnRef idx="1">
+            <a:schemeClr val="accent1"/>
+          </a:lnRef>
+          <a:fillRef idx="3">
+            <a:schemeClr val="accent1"/>
+          </a:fillRef>
+          <a:effectRef idx="2">
+            <a:schemeClr val="accent1"/>
+          </a:effectRef>
+          <a:fontRef idx="minor">
+            <a:schemeClr val="lt1"/>
+          </a:fontRef>
+        </p:style>
+        <p:txBody>
+          <a:bodyPr rtlCol="0" anchor="ctr"/>
+          <a:lstStyle/>
+          <a:p>
+            <a:pPr algn="ctr"/>
+            <a:r>
+              <a:rPr lang="en-US" dirty="0"/>
+              <a:t>Engine API</a:t>
+            </a:r>
+          </a:p>
+        </p:txBody>
+      </p:sp>
+      <p:sp>
+        <p:nvSpPr>
+          <p:cNvPr id="50" name="Rounded Rectangle 6">
+            <a:extLst>
+              <a:ext uri="{FF2B5EF4-FFF2-40B4-BE49-F238E27FC236}">
+                <a16:creationId xmlns:a16="http://schemas.microsoft.com/office/drawing/2014/main" id="{33C63E4A-CB22-4D69-B51B-8AF638015EA1}"/>
+              </a:ext>
+            </a:extLst>
+          </p:cNvPr>
+          <p:cNvSpPr/>
+          <p:nvPr/>
+        </p:nvSpPr>
+        <p:spPr>
+          <a:xfrm>
+            <a:off x="6784143" y="1798677"/>
+            <a:ext cx="4846184" cy="771787"/>
+          </a:xfrm>
+          <a:prstGeom prst="roundRect">
+            <a:avLst/>
+          </a:prstGeom>
+          <a:solidFill>
+            <a:schemeClr val="bg1">
+              <a:lumMod val="50000"/>
+            </a:schemeClr>
+          </a:solidFill>
+          <a:ln w="28575">
+            <a:solidFill>
+              <a:schemeClr val="tx1"/>
+            </a:solidFill>
+          </a:ln>
+          <a:effectLst>
+            <a:outerShdw blurRad="50800" dist="38100" dir="2700000" algn="tl" rotWithShape="0">
+              <a:prstClr val="black">
+                <a:alpha val="40000"/>
+              </a:prstClr>
+            </a:outerShdw>
+          </a:effectLst>
+        </p:spPr>
+        <p:style>
+          <a:lnRef idx="1">
+            <a:schemeClr val="accent1"/>
+          </a:lnRef>
+          <a:fillRef idx="3">
+            <a:schemeClr val="accent1"/>
+          </a:fillRef>
+          <a:effectRef idx="2">
+            <a:schemeClr val="accent1"/>
+          </a:effectRef>
+          <a:fontRef idx="minor">
+            <a:schemeClr val="lt1"/>
+          </a:fontRef>
+        </p:style>
+        <p:txBody>
+          <a:bodyPr rtlCol="0" anchor="ctr"/>
+          <a:lstStyle/>
+          <a:p>
+            <a:pPr algn="ctr"/>
+            <a:r>
+              <a:rPr lang="en-US" dirty="0"/>
+              <a:t>Other LabVIEW Code</a:t>
+            </a:r>
+          </a:p>
+        </p:txBody>
+      </p:sp>
+      <p:sp>
+        <p:nvSpPr>
+          <p:cNvPr id="51" name="Rounded Rectangle 6">
+            <a:extLst>
+              <a:ext uri="{FF2B5EF4-FFF2-40B4-BE49-F238E27FC236}">
+                <a16:creationId xmlns:a16="http://schemas.microsoft.com/office/drawing/2014/main" id="{8E60CF52-6FE0-4F6D-AC9D-F5A3B105A9E2}"/>
+              </a:ext>
+            </a:extLst>
+          </p:cNvPr>
+          <p:cNvSpPr/>
+          <p:nvPr/>
+        </p:nvSpPr>
+        <p:spPr>
+          <a:xfrm>
+            <a:off x="367933" y="4771663"/>
+            <a:ext cx="11447667" cy="771787"/>
+          </a:xfrm>
+          <a:prstGeom prst="roundRect">
+            <a:avLst/>
+          </a:prstGeom>
+          <a:solidFill>
+            <a:schemeClr val="bg1">
+              <a:lumMod val="50000"/>
+            </a:schemeClr>
+          </a:solidFill>
+          <a:ln w="28575">
+            <a:solidFill>
+              <a:schemeClr val="tx1"/>
+            </a:solidFill>
+          </a:ln>
+          <a:effectLst>
+            <a:outerShdw blurRad="50800" dist="38100" dir="2700000" algn="tl" rotWithShape="0">
+              <a:prstClr val="black">
+                <a:alpha val="40000"/>
+              </a:prstClr>
+            </a:outerShdw>
+          </a:effectLst>
+        </p:spPr>
+        <p:style>
+          <a:lnRef idx="1">
+            <a:schemeClr val="accent1"/>
+          </a:lnRef>
+          <a:fillRef idx="3">
+            <a:schemeClr val="accent1"/>
+          </a:fillRef>
+          <a:effectRef idx="2">
+            <a:schemeClr val="accent1"/>
+          </a:effectRef>
+          <a:fontRef idx="minor">
+            <a:schemeClr val="lt1"/>
+          </a:fontRef>
+        </p:style>
+        <p:txBody>
+          <a:bodyPr rtlCol="0" anchor="ctr"/>
+          <a:lstStyle/>
+          <a:p>
+            <a:pPr algn="ctr"/>
+            <a:r>
+              <a:rPr lang="en-US" dirty="0"/>
+              <a:t>CVT Variables</a:t>
+            </a:r>
+          </a:p>
+        </p:txBody>
+      </p:sp>
+      <p:sp>
+        <p:nvSpPr>
+          <p:cNvPr id="52" name="Up Arrow 21">
+            <a:extLst>
+              <a:ext uri="{FF2B5EF4-FFF2-40B4-BE49-F238E27FC236}">
+                <a16:creationId xmlns:a16="http://schemas.microsoft.com/office/drawing/2014/main" id="{0F9EED4B-EF0F-48CD-85F4-E2682169F398}"/>
+              </a:ext>
+            </a:extLst>
+          </p:cNvPr>
+          <p:cNvSpPr/>
+          <p:nvPr/>
+        </p:nvSpPr>
+        <p:spPr>
+          <a:xfrm rot="10800000">
+            <a:off x="3324852" y="4431220"/>
+            <a:ext cx="251671" cy="680885"/>
+          </a:xfrm>
+          <a:prstGeom prst="upArrow">
+            <a:avLst/>
+          </a:prstGeom>
+          <a:solidFill>
+            <a:schemeClr val="bg2">
+              <a:lumMod val="75000"/>
+            </a:schemeClr>
+          </a:solidFill>
+          <a:ln>
+            <a:noFill/>
+          </a:ln>
+          <a:effectLst>
+            <a:outerShdw blurRad="50800" dist="38100" dir="2700000" algn="tl" rotWithShape="0">
+              <a:prstClr val="black">
+                <a:alpha val="40000"/>
+              </a:prstClr>
+            </a:outerShdw>
+          </a:effectLst>
+        </p:spPr>
+        <p:style>
+          <a:lnRef idx="1">
+            <a:schemeClr val="accent1"/>
+          </a:lnRef>
+          <a:fillRef idx="3">
+            <a:schemeClr val="accent1"/>
+          </a:fillRef>
+          <a:effectRef idx="2">
+            <a:schemeClr val="accent1"/>
+          </a:effectRef>
+          <a:fontRef idx="minor">
+            <a:schemeClr val="lt1"/>
+          </a:fontRef>
+        </p:style>
+        <p:txBody>
+          <a:bodyPr rtlCol="0" anchor="ctr"/>
+          <a:lstStyle/>
+          <a:p>
+            <a:pPr algn="ctr"/>
+            <a:endParaRPr lang="en-US"/>
+          </a:p>
+        </p:txBody>
+      </p:sp>
+      <p:sp>
+        <p:nvSpPr>
+          <p:cNvPr id="53" name="Up Arrow 21">
+            <a:extLst>
+              <a:ext uri="{FF2B5EF4-FFF2-40B4-BE49-F238E27FC236}">
+                <a16:creationId xmlns:a16="http://schemas.microsoft.com/office/drawing/2014/main" id="{231A7D2F-8A2C-494B-BDA0-1DBE9ADD01E0}"/>
+              </a:ext>
+            </a:extLst>
+          </p:cNvPr>
+          <p:cNvSpPr/>
+          <p:nvPr/>
+        </p:nvSpPr>
+        <p:spPr>
+          <a:xfrm rot="10800000">
+            <a:off x="8708672" y="2392093"/>
+            <a:ext cx="251671" cy="2720012"/>
+          </a:xfrm>
+          <a:prstGeom prst="upArrow">
+            <a:avLst/>
+          </a:prstGeom>
+          <a:solidFill>
+            <a:schemeClr val="bg2">
+              <a:lumMod val="75000"/>
+            </a:schemeClr>
+          </a:solidFill>
+          <a:ln>
+            <a:noFill/>
+          </a:ln>
+          <a:effectLst>
+            <a:outerShdw blurRad="50800" dist="38100" dir="2700000" algn="tl" rotWithShape="0">
+              <a:prstClr val="black">
+                <a:alpha val="40000"/>
+              </a:prstClr>
+            </a:outerShdw>
+          </a:effectLst>
+        </p:spPr>
+        <p:style>
+          <a:lnRef idx="1">
+            <a:schemeClr val="accent1"/>
+          </a:lnRef>
+          <a:fillRef idx="3">
+            <a:schemeClr val="accent1"/>
+          </a:fillRef>
+          <a:effectRef idx="2">
+            <a:schemeClr val="accent1"/>
+          </a:effectRef>
+          <a:fontRef idx="minor">
+            <a:schemeClr val="lt1"/>
+          </a:fontRef>
+        </p:style>
+        <p:txBody>
+          <a:bodyPr rtlCol="0" anchor="ctr"/>
+          <a:lstStyle/>
+          <a:p>
+            <a:pPr algn="ctr"/>
+            <a:endParaRPr lang="en-US"/>
+          </a:p>
+        </p:txBody>
+      </p:sp>
+      <p:sp>
+        <p:nvSpPr>
+          <p:cNvPr id="54" name="Up Arrow 20">
+            <a:extLst>
+              <a:ext uri="{FF2B5EF4-FFF2-40B4-BE49-F238E27FC236}">
+                <a16:creationId xmlns:a16="http://schemas.microsoft.com/office/drawing/2014/main" id="{F9AFD232-E7FF-4BD5-B724-3B61BD2D7F94}"/>
+              </a:ext>
+            </a:extLst>
+          </p:cNvPr>
+          <p:cNvSpPr/>
+          <p:nvPr/>
+        </p:nvSpPr>
+        <p:spPr>
+          <a:xfrm>
+            <a:off x="3748171" y="4419136"/>
+            <a:ext cx="251671" cy="680885"/>
+          </a:xfrm>
+          <a:prstGeom prst="upArrow">
+            <a:avLst/>
+          </a:prstGeom>
+          <a:solidFill>
+            <a:schemeClr val="bg2">
+              <a:lumMod val="75000"/>
+            </a:schemeClr>
+          </a:solidFill>
+          <a:ln>
+            <a:noFill/>
+          </a:ln>
+          <a:effectLst>
+            <a:outerShdw blurRad="50800" dist="38100" dir="2700000" algn="tl" rotWithShape="0">
+              <a:prstClr val="black">
+                <a:alpha val="40000"/>
+              </a:prstClr>
+            </a:outerShdw>
+          </a:effectLst>
+        </p:spPr>
+        <p:style>
+          <a:lnRef idx="1">
+            <a:schemeClr val="accent1"/>
+          </a:lnRef>
+          <a:fillRef idx="3">
+            <a:schemeClr val="accent1"/>
+          </a:fillRef>
+          <a:effectRef idx="2">
+            <a:schemeClr val="accent1"/>
+          </a:effectRef>
+          <a:fontRef idx="minor">
+            <a:schemeClr val="lt1"/>
+          </a:fontRef>
+        </p:style>
+        <p:txBody>
+          <a:bodyPr rtlCol="0" anchor="ctr"/>
+          <a:lstStyle/>
+          <a:p>
+            <a:pPr algn="ctr"/>
+            <a:endParaRPr lang="en-US"/>
+          </a:p>
+        </p:txBody>
+      </p:sp>
+      <p:sp>
+        <p:nvSpPr>
+          <p:cNvPr id="55" name="Up Arrow 20">
+            <a:extLst>
+              <a:ext uri="{FF2B5EF4-FFF2-40B4-BE49-F238E27FC236}">
+                <a16:creationId xmlns:a16="http://schemas.microsoft.com/office/drawing/2014/main" id="{DC5A400B-39FA-418C-8F99-E58A902C4ABC}"/>
+              </a:ext>
+            </a:extLst>
+          </p:cNvPr>
+          <p:cNvSpPr/>
+          <p:nvPr/>
+        </p:nvSpPr>
+        <p:spPr>
+          <a:xfrm>
+            <a:off x="9157249" y="2367267"/>
+            <a:ext cx="251671" cy="2724049"/>
+          </a:xfrm>
+          <a:prstGeom prst="upArrow">
+            <a:avLst/>
+          </a:prstGeom>
+          <a:solidFill>
+            <a:schemeClr val="bg2">
+              <a:lumMod val="75000"/>
+            </a:schemeClr>
+          </a:solidFill>
+          <a:ln>
+            <a:noFill/>
+          </a:ln>
+          <a:effectLst>
+            <a:outerShdw blurRad="50800" dist="38100" dir="2700000" algn="tl" rotWithShape="0">
+              <a:prstClr val="black">
+                <a:alpha val="40000"/>
+              </a:prstClr>
+            </a:outerShdw>
+          </a:effectLst>
+        </p:spPr>
+        <p:style>
+          <a:lnRef idx="1">
+            <a:schemeClr val="accent1"/>
+          </a:lnRef>
+          <a:fillRef idx="3">
+            <a:schemeClr val="accent1"/>
+          </a:fillRef>
+          <a:effectRef idx="2">
+            <a:schemeClr val="accent1"/>
+          </a:effectRef>
+          <a:fontRef idx="minor">
+            <a:schemeClr val="lt1"/>
+          </a:fontRef>
+        </p:style>
+        <p:txBody>
+          <a:bodyPr rtlCol="0" anchor="ctr"/>
+          <a:lstStyle/>
+          <a:p>
+            <a:pPr algn="ctr"/>
+            <a:endParaRPr lang="en-US"/>
+          </a:p>
+        </p:txBody>
+      </p:sp>
+      <p:sp>
+        <p:nvSpPr>
+          <p:cNvPr id="56" name="Up Arrow 21">
+            <a:extLst>
+              <a:ext uri="{FF2B5EF4-FFF2-40B4-BE49-F238E27FC236}">
+                <a16:creationId xmlns:a16="http://schemas.microsoft.com/office/drawing/2014/main" id="{2758D850-8C17-49F4-B21F-6C51F23F7E9C}"/>
+              </a:ext>
+            </a:extLst>
+          </p:cNvPr>
+          <p:cNvSpPr/>
+          <p:nvPr/>
+        </p:nvSpPr>
+        <p:spPr>
+          <a:xfrm rot="10800000">
+            <a:off x="3329916" y="2523923"/>
+            <a:ext cx="251671" cy="568256"/>
+          </a:xfrm>
+          <a:prstGeom prst="upArrow">
+            <a:avLst/>
+          </a:prstGeom>
+          <a:solidFill>
+            <a:schemeClr val="bg2">
+              <a:lumMod val="75000"/>
+            </a:schemeClr>
+          </a:solidFill>
+          <a:ln>
+            <a:noFill/>
+          </a:ln>
+          <a:effectLst>
+            <a:outerShdw blurRad="50800" dist="38100" dir="2700000" algn="tl" rotWithShape="0">
+              <a:prstClr val="black">
+                <a:alpha val="40000"/>
+              </a:prstClr>
+            </a:outerShdw>
+          </a:effectLst>
+        </p:spPr>
+        <p:style>
+          <a:lnRef idx="1">
+            <a:schemeClr val="accent1"/>
+          </a:lnRef>
+          <a:fillRef idx="3">
+            <a:schemeClr val="accent1"/>
+          </a:fillRef>
+          <a:effectRef idx="2">
+            <a:schemeClr val="accent1"/>
+          </a:effectRef>
+          <a:fontRef idx="minor">
+            <a:schemeClr val="lt1"/>
+          </a:fontRef>
+        </p:style>
+        <p:txBody>
+          <a:bodyPr rtlCol="0" anchor="ctr"/>
+          <a:lstStyle/>
+          <a:p>
+            <a:pPr algn="ctr"/>
+            <a:endParaRPr lang="en-US"/>
+          </a:p>
+        </p:txBody>
+      </p:sp>
+      <p:sp>
+        <p:nvSpPr>
+          <p:cNvPr id="59" name="Up Arrow 20">
+            <a:extLst>
+              <a:ext uri="{FF2B5EF4-FFF2-40B4-BE49-F238E27FC236}">
+                <a16:creationId xmlns:a16="http://schemas.microsoft.com/office/drawing/2014/main" id="{9256A4F3-3227-4308-8312-BF3E54B963D6}"/>
+              </a:ext>
+            </a:extLst>
+          </p:cNvPr>
+          <p:cNvSpPr/>
+          <p:nvPr/>
+        </p:nvSpPr>
+        <p:spPr>
+          <a:xfrm>
+            <a:off x="3748171" y="2507824"/>
+            <a:ext cx="251671" cy="597829"/>
+          </a:xfrm>
+          <a:prstGeom prst="upArrow">
+            <a:avLst/>
+          </a:prstGeom>
+          <a:solidFill>
+            <a:schemeClr val="bg2">
+              <a:lumMod val="75000"/>
+            </a:schemeClr>
+          </a:solidFill>
+          <a:ln>
+            <a:noFill/>
+          </a:ln>
+          <a:effectLst>
+            <a:outerShdw blurRad="50800" dist="38100" dir="2700000" algn="tl" rotWithShape="0">
+              <a:prstClr val="black">
+                <a:alpha val="40000"/>
+              </a:prstClr>
+            </a:outerShdw>
+          </a:effectLst>
+        </p:spPr>
+        <p:style>
+          <a:lnRef idx="1">
+            <a:schemeClr val="accent1"/>
+          </a:lnRef>
+          <a:fillRef idx="3">
+            <a:schemeClr val="accent1"/>
+          </a:fillRef>
+          <a:effectRef idx="2">
+            <a:schemeClr val="accent1"/>
+          </a:effectRef>
+          <a:fontRef idx="minor">
+            <a:schemeClr val="lt1"/>
+          </a:fontRef>
+        </p:style>
+        <p:txBody>
+          <a:bodyPr rtlCol="0" anchor="ctr"/>
+          <a:lstStyle/>
+          <a:p>
+            <a:pPr algn="ctr"/>
+            <a:endParaRPr lang="en-US"/>
+          </a:p>
+        </p:txBody>
+      </p:sp>
+      <p:sp>
+        <p:nvSpPr>
+          <p:cNvPr id="60" name="TextBox 59">
+            <a:extLst>
+              <a:ext uri="{FF2B5EF4-FFF2-40B4-BE49-F238E27FC236}">
+                <a16:creationId xmlns:a16="http://schemas.microsoft.com/office/drawing/2014/main" id="{A6F2036A-4B74-4B7F-9AE3-E132E6667D00}"/>
+              </a:ext>
+            </a:extLst>
+          </p:cNvPr>
+          <p:cNvSpPr txBox="1"/>
+          <p:nvPr/>
+        </p:nvSpPr>
+        <p:spPr>
+          <a:xfrm>
+            <a:off x="608972" y="1251834"/>
+            <a:ext cx="1684796" cy="523220"/>
+          </a:xfrm>
+          <a:prstGeom prst="rect">
+            <a:avLst/>
+          </a:prstGeom>
+          <a:noFill/>
+        </p:spPr>
+        <p:txBody>
+          <a:bodyPr wrap="square" lIns="0" rIns="0" rtlCol="0">
+            <a:spAutoFit/>
+          </a:bodyPr>
+          <a:lstStyle/>
+          <a:p>
+            <a:r>
+              <a:rPr lang="en-US" sz="2800" b="1" dirty="0">
+                <a:solidFill>
+                  <a:schemeClr val="bg1"/>
+                </a:solidFill>
+              </a:rPr>
+              <a:t>Main VI</a:t>
+            </a:r>
+          </a:p>
+        </p:txBody>
+      </p:sp>
+    </p:spTree>
+    <p:extLst>
+      <p:ext uri="{BB962C8B-B14F-4D97-AF65-F5344CB8AC3E}">
+        <p14:creationId xmlns:p14="http://schemas.microsoft.com/office/powerpoint/2010/main" val="136967400"/>
       </p:ext>
     </p:extLst>
   </p:cSld>
@@ -8101,21 +8961,63 @@
           </a:p>
         </p:txBody>
       </p:sp>
+      <p:sp>
+        <p:nvSpPr>
+          <p:cNvPr id="5" name="Content Placeholder 4">
+            <a:extLst>
+              <a:ext uri="{FF2B5EF4-FFF2-40B4-BE49-F238E27FC236}">
+                <a16:creationId xmlns:a16="http://schemas.microsoft.com/office/drawing/2014/main" id="{CBA9194C-7536-4344-AB1B-CB60A3B7D5F7}"/>
+              </a:ext>
+            </a:extLst>
+          </p:cNvPr>
+          <p:cNvSpPr>
+            <a:spLocks noGrp="1"/>
+          </p:cNvSpPr>
+          <p:nvPr>
+            <p:ph sz="half" idx="1"/>
+          </p:nvPr>
+        </p:nvSpPr>
+        <p:spPr>
+          <a:xfrm>
+            <a:off x="7086600" y="1825625"/>
+            <a:ext cx="4267200" cy="4351338"/>
+          </a:xfrm>
+        </p:spPr>
+        <p:txBody>
+          <a:bodyPr/>
+          <a:lstStyle/>
+          <a:p>
+            <a:r>
+              <a:rPr lang="en-US" dirty="0"/>
+              <a:t>To get Tag Data out of DCAF into the same main application, use CVT</a:t>
+            </a:r>
+          </a:p>
+          <a:p>
+            <a:r>
+              <a:rPr lang="en-US" dirty="0"/>
+              <a:t>Pass the Tag to the CVT Module</a:t>
+            </a:r>
+          </a:p>
+          <a:p>
+            <a:endParaRPr lang="en-US" dirty="0"/>
+          </a:p>
+        </p:txBody>
+      </p:sp>
       <p:pic>
         <p:nvPicPr>
-          <p:cNvPr id="8" name="Picture 7">
+          <p:cNvPr id="2050" name="Picture 2" descr="CVTConfiguration.png">
             <a:extLst>
               <a:ext uri="{FF2B5EF4-FFF2-40B4-BE49-F238E27FC236}">
-                <a16:creationId xmlns:a16="http://schemas.microsoft.com/office/drawing/2014/main" id="{004A8D19-2742-4678-B850-0B4666B56616}"/>
+                <a16:creationId xmlns:a16="http://schemas.microsoft.com/office/drawing/2014/main" id="{530BA930-E2D2-44EC-B44C-FD2B93CD8AF6}"/>
               </a:ext>
             </a:extLst>
           </p:cNvPr>
           <p:cNvPicPr>
-            <a:picLocks noChangeAspect="1"/>
+            <a:picLocks noChangeAspect="1" noChangeArrowheads="1"/>
           </p:cNvPicPr>
           <p:nvPr/>
         </p:nvPicPr>
-        <p:blipFill>
+        <p:blipFill rotWithShape="1">
           <a:blip r:embed="rId2">
             <a:extLst>
               <a:ext uri="{28A0092B-C50C-407E-A947-70E740481C1C}">
@@ -8123,24 +9025,33 @@
               </a:ext>
             </a:extLst>
           </a:blip>
-          <a:stretch>
-            <a:fillRect/>
-          </a:stretch>
+          <a:srcRect b="35450"/>
+          <a:stretch/>
         </p:blipFill>
-        <p:spPr>
-          <a:xfrm>
-            <a:off x="1632969" y="2738437"/>
-            <a:ext cx="9158290" cy="2014538"/>
+        <p:spPr bwMode="auto">
+          <a:xfrm>
+            <a:off x="10887" y="1825625"/>
+            <a:ext cx="6838270" cy="3508375"/>
           </a:xfrm>
           <a:prstGeom prst="rect">
             <a:avLst/>
           </a:prstGeom>
+          <a:noFill/>
+          <a:extLst>
+            <a:ext uri="{909E8E84-426E-40DD-AFC4-6F175D3DCCD1}">
+              <a14:hiddenFill xmlns:a14="http://schemas.microsoft.com/office/drawing/2010/main">
+                <a:solidFill>
+                  <a:srgbClr val="FFFFFF"/>
+                </a:solidFill>
+              </a14:hiddenFill>
+            </a:ext>
+          </a:extLst>
         </p:spPr>
       </p:pic>
     </p:spTree>
     <p:extLst>
       <p:ext uri="{BB962C8B-B14F-4D97-AF65-F5344CB8AC3E}">
-        <p14:creationId xmlns:p14="http://schemas.microsoft.com/office/powerpoint/2010/main" val="686937532"/>
+        <p14:creationId xmlns:p14="http://schemas.microsoft.com/office/powerpoint/2010/main" val="830915356"/>
       </p:ext>
     </p:extLst>
   </p:cSld>
@@ -8217,13 +9128,13 @@
           <a:p>
             <a:r>
               <a:rPr lang="en-US" dirty="0"/>
-              <a:t>To get Tag Data out of DCAF into the same main application, use CVT</a:t>
-            </a:r>
-          </a:p>
-          <a:p>
-            <a:r>
-              <a:rPr lang="en-US" dirty="0"/>
-              <a:t>Pass the Tag to the CVT Module</a:t>
+              <a:t>Read the Tag with the CVT API</a:t>
+            </a:r>
+          </a:p>
+          <a:p>
+            <a:r>
+              <a:rPr lang="en-US" dirty="0"/>
+              <a:t>Use the Tag data in your application</a:t>
             </a:r>
           </a:p>
           <a:p>
@@ -8233,19 +9144,19 @@
       </p:sp>
       <p:pic>
         <p:nvPicPr>
-          <p:cNvPr id="2050" name="Picture 2" descr="CVTConfiguration.png">
+          <p:cNvPr id="4" name="Picture 3">
             <a:extLst>
               <a:ext uri="{FF2B5EF4-FFF2-40B4-BE49-F238E27FC236}">
-                <a16:creationId xmlns:a16="http://schemas.microsoft.com/office/drawing/2014/main" id="{530BA930-E2D2-44EC-B44C-FD2B93CD8AF6}"/>
+                <a16:creationId xmlns:a16="http://schemas.microsoft.com/office/drawing/2014/main" id="{EBBBBF73-6E76-4ED1-858B-CC4050E2C5C0}"/>
               </a:ext>
             </a:extLst>
           </p:cNvPr>
           <p:cNvPicPr>
-            <a:picLocks noChangeAspect="1" noChangeArrowheads="1"/>
+            <a:picLocks noChangeAspect="1"/>
           </p:cNvPicPr>
           <p:nvPr/>
         </p:nvPicPr>
-        <p:blipFill rotWithShape="1">
+        <p:blipFill>
           <a:blip r:embed="rId2">
             <a:extLst>
               <a:ext uri="{28A0092B-C50C-407E-A947-70E740481C1C}">
@@ -8253,33 +9164,24 @@
               </a:ext>
             </a:extLst>
           </a:blip>
-          <a:srcRect b="35450"/>
-          <a:stretch/>
+          <a:stretch>
+            <a:fillRect/>
+          </a:stretch>
         </p:blipFill>
-        <p:spPr bwMode="auto">
-          <a:xfrm>
-            <a:off x="10887" y="1825625"/>
-            <a:ext cx="6838270" cy="3508375"/>
+        <p:spPr>
+          <a:xfrm>
+            <a:off x="2499744" y="3024131"/>
+            <a:ext cx="1648055" cy="809738"/>
           </a:xfrm>
           <a:prstGeom prst="rect">
             <a:avLst/>
           </a:prstGeom>
-          <a:noFill/>
-          <a:extLst>
-            <a:ext uri="{909E8E84-426E-40DD-AFC4-6F175D3DCCD1}">
-              <a14:hiddenFill xmlns:a14="http://schemas.microsoft.com/office/drawing/2010/main">
-                <a:solidFill>
-                  <a:srgbClr val="FFFFFF"/>
-                </a:solidFill>
-              </a14:hiddenFill>
-            </a:ext>
-          </a:extLst>
         </p:spPr>
       </p:pic>
     </p:spTree>
     <p:extLst>
       <p:ext uri="{BB962C8B-B14F-4D97-AF65-F5344CB8AC3E}">
-        <p14:creationId xmlns:p14="http://schemas.microsoft.com/office/powerpoint/2010/main" val="830915356"/>
+        <p14:creationId xmlns:p14="http://schemas.microsoft.com/office/powerpoint/2010/main" val="3016126853"/>
       </p:ext>
     </p:extLst>
   </p:cSld>
@@ -8308,136 +9210,6 @@
       </p:grpSpPr>
       <p:sp>
         <p:nvSpPr>
-          <p:cNvPr id="2" name="Title 1"/>
-          <p:cNvSpPr>
-            <a:spLocks noGrp="1"/>
-          </p:cNvSpPr>
-          <p:nvPr>
-            <p:ph type="title"/>
-          </p:nvPr>
-        </p:nvSpPr>
-        <p:spPr/>
-        <p:txBody>
-          <a:bodyPr/>
-          <a:lstStyle/>
-          <a:p>
-            <a:r>
-              <a:rPr lang="en-US" dirty="0"/>
-              <a:t>Coding outside DCAF - CVT</a:t>
-            </a:r>
-          </a:p>
-        </p:txBody>
-      </p:sp>
-      <p:sp>
-        <p:nvSpPr>
-          <p:cNvPr id="5" name="Content Placeholder 4">
-            <a:extLst>
-              <a:ext uri="{FF2B5EF4-FFF2-40B4-BE49-F238E27FC236}">
-                <a16:creationId xmlns:a16="http://schemas.microsoft.com/office/drawing/2014/main" id="{CBA9194C-7536-4344-AB1B-CB60A3B7D5F7}"/>
-              </a:ext>
-            </a:extLst>
-          </p:cNvPr>
-          <p:cNvSpPr>
-            <a:spLocks noGrp="1"/>
-          </p:cNvSpPr>
-          <p:nvPr>
-            <p:ph sz="half" idx="1"/>
-          </p:nvPr>
-        </p:nvSpPr>
-        <p:spPr>
-          <a:xfrm>
-            <a:off x="7086600" y="1825625"/>
-            <a:ext cx="4267200" cy="4351338"/>
-          </a:xfrm>
-        </p:spPr>
-        <p:txBody>
-          <a:bodyPr/>
-          <a:lstStyle/>
-          <a:p>
-            <a:r>
-              <a:rPr lang="en-US" dirty="0"/>
-              <a:t>Read the Tag with the CVT API</a:t>
-            </a:r>
-          </a:p>
-          <a:p>
-            <a:r>
-              <a:rPr lang="en-US" dirty="0"/>
-              <a:t>Use the Tag data in your application</a:t>
-            </a:r>
-          </a:p>
-          <a:p>
-            <a:endParaRPr lang="en-US" dirty="0"/>
-          </a:p>
-        </p:txBody>
-      </p:sp>
-      <p:pic>
-        <p:nvPicPr>
-          <p:cNvPr id="4" name="Picture 3">
-            <a:extLst>
-              <a:ext uri="{FF2B5EF4-FFF2-40B4-BE49-F238E27FC236}">
-                <a16:creationId xmlns:a16="http://schemas.microsoft.com/office/drawing/2014/main" id="{EBBBBF73-6E76-4ED1-858B-CC4050E2C5C0}"/>
-              </a:ext>
-            </a:extLst>
-          </p:cNvPr>
-          <p:cNvPicPr>
-            <a:picLocks noChangeAspect="1"/>
-          </p:cNvPicPr>
-          <p:nvPr/>
-        </p:nvPicPr>
-        <p:blipFill>
-          <a:blip r:embed="rId2">
-            <a:extLst>
-              <a:ext uri="{28A0092B-C50C-407E-A947-70E740481C1C}">
-                <a14:useLocalDpi xmlns:a14="http://schemas.microsoft.com/office/drawing/2010/main" val="0"/>
-              </a:ext>
-            </a:extLst>
-          </a:blip>
-          <a:stretch>
-            <a:fillRect/>
-          </a:stretch>
-        </p:blipFill>
-        <p:spPr>
-          <a:xfrm>
-            <a:off x="2499744" y="3024131"/>
-            <a:ext cx="1648055" cy="809738"/>
-          </a:xfrm>
-          <a:prstGeom prst="rect">
-            <a:avLst/>
-          </a:prstGeom>
-        </p:spPr>
-      </p:pic>
-    </p:spTree>
-    <p:extLst>
-      <p:ext uri="{BB962C8B-B14F-4D97-AF65-F5344CB8AC3E}">
-        <p14:creationId xmlns:p14="http://schemas.microsoft.com/office/powerpoint/2010/main" val="3016126853"/>
-      </p:ext>
-    </p:extLst>
-  </p:cSld>
-  <p:clrMapOvr>
-    <a:masterClrMapping/>
-  </p:clrMapOvr>
-</p:sld>
-</file>
-
-<file path=ppt/slides/slide16.xml><?xml version="1.0" encoding="utf-8"?>
-<p:sld xmlns:a="http://schemas.openxmlformats.org/drawingml/2006/main" xmlns:r="http://schemas.openxmlformats.org/officeDocument/2006/relationships" xmlns:p="http://schemas.openxmlformats.org/presentationml/2006/main">
-  <p:cSld>
-    <p:spTree>
-      <p:nvGrpSpPr>
-        <p:cNvPr id="1" name=""/>
-        <p:cNvGrpSpPr/>
-        <p:nvPr/>
-      </p:nvGrpSpPr>
-      <p:grpSpPr>
-        <a:xfrm>
-          <a:off x="0" y="0"/>
-          <a:ext cx="0" cy="0"/>
-          <a:chOff x="0" y="0"/>
-          <a:chExt cx="0" cy="0"/>
-        </a:xfrm>
-      </p:grpSpPr>
-      <p:sp>
-        <p:nvSpPr>
           <p:cNvPr id="4" name="Subtitle 3"/>
           <p:cNvSpPr>
             <a:spLocks noGrp="1"/>
@@ -8471,7 +9243,7 @@
 </p:sld>
 </file>
 
-<file path=ppt/slides/slide17.xml><?xml version="1.0" encoding="utf-8"?>
+<file path=ppt/slides/slide16.xml><?xml version="1.0" encoding="utf-8"?>
 <p:sld xmlns:a="http://schemas.openxmlformats.org/drawingml/2006/main" xmlns:r="http://schemas.openxmlformats.org/officeDocument/2006/relationships" xmlns:p="http://schemas.openxmlformats.org/presentationml/2006/main">
   <p:cSld>
     <p:spTree>
@@ -8611,7 +9383,7 @@
 </p:sld>
 </file>
 
-<file path=ppt/slides/slide18.xml><?xml version="1.0" encoding="utf-8"?>
+<file path=ppt/slides/slide17.xml><?xml version="1.0" encoding="utf-8"?>
 <p:sld xmlns:a="http://schemas.openxmlformats.org/drawingml/2006/main" xmlns:r="http://schemas.openxmlformats.org/officeDocument/2006/relationships" xmlns:p="http://schemas.openxmlformats.org/presentationml/2006/main">
   <p:cSld>
     <p:spTree>
@@ -9194,7 +9966,7 @@
             <a:avLst/>
           </a:prstGeom>
           <a:solidFill>
-            <a:schemeClr val="accent1"/>
+            <a:srgbClr val="C00000"/>
           </a:solidFill>
           <a:ln w="28575">
             <a:solidFill>
@@ -9256,7 +10028,7 @@
             <a:avLst/>
           </a:prstGeom>
           <a:solidFill>
-            <a:schemeClr val="accent2"/>
+            <a:srgbClr val="C00000"/>
           </a:solidFill>
           <a:ln w="28575">
             <a:solidFill>
@@ -9318,7 +10090,7 @@
             <a:avLst/>
           </a:prstGeom>
           <a:solidFill>
-            <a:schemeClr val="accent3"/>
+            <a:srgbClr val="C00000"/>
           </a:solidFill>
           <a:ln w="28575">
             <a:solidFill>
@@ -9380,9 +10152,7 @@
             <a:avLst/>
           </a:prstGeom>
           <a:solidFill>
-            <a:schemeClr val="bg1">
-              <a:lumMod val="50000"/>
-            </a:schemeClr>
+            <a:srgbClr val="007200"/>
           </a:solidFill>
           <a:ln w="28575">
             <a:solidFill>
@@ -9437,7 +10207,7 @@
         </p:nvSpPr>
         <p:spPr>
           <a:xfrm rot="5400000">
-            <a:off x="2422189" y="4242502"/>
+            <a:off x="2326662" y="4237852"/>
             <a:ext cx="251671" cy="680885"/>
           </a:xfrm>
           <a:prstGeom prst="upArrow">
@@ -9792,7 +10562,7 @@
             <a:avLst/>
           </a:prstGeom>
           <a:solidFill>
-            <a:schemeClr val="accent1"/>
+            <a:srgbClr val="C00000"/>
           </a:solidFill>
           <a:ln w="28575">
             <a:solidFill>
@@ -9854,7 +10624,7 @@
             <a:avLst/>
           </a:prstGeom>
           <a:solidFill>
-            <a:schemeClr val="accent3"/>
+            <a:srgbClr val="C00000"/>
           </a:solidFill>
           <a:ln w="28575">
             <a:solidFill>
@@ -9916,9 +10686,7 @@
             <a:avLst/>
           </a:prstGeom>
           <a:solidFill>
-            <a:schemeClr val="bg1">
-              <a:lumMod val="50000"/>
-            </a:schemeClr>
+            <a:srgbClr val="007200"/>
           </a:solidFill>
           <a:ln w="28575">
             <a:solidFill>
@@ -9973,7 +10741,7 @@
         </p:nvSpPr>
         <p:spPr>
           <a:xfrm rot="5400000">
-            <a:off x="9686776" y="4246917"/>
+            <a:off x="9463609" y="4254118"/>
             <a:ext cx="251671" cy="680885"/>
           </a:xfrm>
           <a:prstGeom prst="upArrow">
@@ -10327,7 +11095,7 @@
         <p:spPr>
           <a:xfrm>
             <a:off x="838200" y="1825625"/>
-            <a:ext cx="10515600" cy="1053976"/>
+            <a:ext cx="10515600" cy="1864702"/>
           </a:xfrm>
         </p:spPr>
         <p:txBody>
@@ -10377,7 +11145,7 @@
             <a:avLst/>
           </a:prstGeom>
           <a:solidFill>
-            <a:schemeClr val="accent1"/>
+            <a:srgbClr val="C00000"/>
           </a:solidFill>
           <a:ln w="28575">
             <a:solidFill>
@@ -10439,7 +11207,7 @@
             <a:avLst/>
           </a:prstGeom>
           <a:solidFill>
-            <a:schemeClr val="accent2"/>
+            <a:srgbClr val="C00000"/>
           </a:solidFill>
           <a:ln w="28575">
             <a:solidFill>
@@ -10501,7 +11269,7 @@
             <a:avLst/>
           </a:prstGeom>
           <a:solidFill>
-            <a:schemeClr val="accent3"/>
+            <a:srgbClr val="C00000"/>
           </a:solidFill>
           <a:ln w="28575">
             <a:solidFill>
@@ -10563,9 +11331,7 @@
             <a:avLst/>
           </a:prstGeom>
           <a:solidFill>
-            <a:schemeClr val="bg1">
-              <a:lumMod val="50000"/>
-            </a:schemeClr>
+            <a:srgbClr val="007200"/>
           </a:solidFill>
           <a:ln w="28575">
             <a:solidFill>
@@ -10916,7 +11682,7 @@
             <a:avLst/>
           </a:prstGeom>
           <a:solidFill>
-            <a:schemeClr val="accent1"/>
+            <a:srgbClr val="C00000"/>
           </a:solidFill>
           <a:ln w="28575">
             <a:solidFill>
@@ -10978,7 +11744,7 @@
             <a:avLst/>
           </a:prstGeom>
           <a:solidFill>
-            <a:schemeClr val="accent2"/>
+            <a:srgbClr val="C00000"/>
           </a:solidFill>
           <a:ln w="28575">
             <a:solidFill>
@@ -11224,18 +11990,12 @@
       </p:grpSpPr>
       <p:sp>
         <p:nvSpPr>
-          <p:cNvPr id="2" name="Title 1">
-            <a:extLst>
-              <a:ext uri="{FF2B5EF4-FFF2-40B4-BE49-F238E27FC236}">
-                <a16:creationId xmlns:a16="http://schemas.microsoft.com/office/drawing/2014/main" id="{E6C2659F-83BC-4FCB-AEBD-13BE1F760F9A}"/>
-              </a:ext>
-            </a:extLst>
-          </p:cNvPr>
+          <p:cNvPr id="4" name="Subtitle 3"/>
           <p:cNvSpPr>
             <a:spLocks noGrp="1"/>
           </p:cNvSpPr>
           <p:nvPr>
-            <p:ph type="title"/>
+            <p:ph type="body" sz="quarter" idx="10"/>
           </p:nvPr>
         </p:nvSpPr>
         <p:spPr/>
@@ -11245,58 +12005,15 @@
           <a:p>
             <a:r>
               <a:rPr lang="en-US" dirty="0"/>
-              <a:t>How many modules?</a:t>
-            </a:r>
-          </a:p>
-        </p:txBody>
-      </p:sp>
-      <p:sp>
-        <p:nvSpPr>
-          <p:cNvPr id="3" name="Content Placeholder 2">
-            <a:extLst>
-              <a:ext uri="{FF2B5EF4-FFF2-40B4-BE49-F238E27FC236}">
-                <a16:creationId xmlns:a16="http://schemas.microsoft.com/office/drawing/2014/main" id="{26495F02-3385-4489-B540-E8477CB2E834}"/>
-              </a:ext>
-            </a:extLst>
-          </p:cNvPr>
-          <p:cNvSpPr>
-            <a:spLocks noGrp="1"/>
-          </p:cNvSpPr>
-          <p:nvPr>
-            <p:ph idx="1"/>
-          </p:nvPr>
-        </p:nvSpPr>
-        <p:spPr/>
-        <p:txBody>
-          <a:bodyPr/>
-          <a:lstStyle/>
-          <a:p>
-            <a:r>
-              <a:rPr lang="en-US" dirty="0"/>
-              <a:t>If multiple configurations are possible, consider keeping them separate</a:t>
-            </a:r>
-          </a:p>
-          <a:p>
-            <a:endParaRPr lang="en-US" dirty="0"/>
-          </a:p>
-          <a:p>
-            <a:endParaRPr lang="en-US" dirty="0"/>
-          </a:p>
-          <a:p>
-            <a:endParaRPr lang="en-US" dirty="0"/>
-          </a:p>
-          <a:p>
-            <a:pPr marL="0" indent="0">
-              <a:buNone/>
-            </a:pPr>
-            <a:endParaRPr lang="en-US" dirty="0"/>
+              <a:t>CVT</a:t>
+            </a:r>
           </a:p>
         </p:txBody>
       </p:sp>
     </p:spTree>
     <p:extLst>
       <p:ext uri="{BB962C8B-B14F-4D97-AF65-F5344CB8AC3E}">
-        <p14:creationId xmlns:p14="http://schemas.microsoft.com/office/powerpoint/2010/main" val="3165973602"/>
+        <p14:creationId xmlns:p14="http://schemas.microsoft.com/office/powerpoint/2010/main" val="3751644468"/>
       </p:ext>
     </p:extLst>
   </p:cSld>
@@ -11325,12 +12042,12 @@
       </p:grpSpPr>
       <p:sp>
         <p:nvSpPr>
-          <p:cNvPr id="4" name="Subtitle 3"/>
+          <p:cNvPr id="2" name="Title 1"/>
           <p:cNvSpPr>
             <a:spLocks noGrp="1"/>
           </p:cNvSpPr>
           <p:nvPr>
-            <p:ph type="body" sz="quarter" idx="10"/>
+            <p:ph type="title"/>
           </p:nvPr>
         </p:nvSpPr>
         <p:spPr/>
@@ -11340,21 +12057,179 @@
           <a:p>
             <a:r>
               <a:rPr lang="en-US" dirty="0"/>
-              <a:t>CVT</a:t>
-            </a:r>
-          </a:p>
-        </p:txBody>
-      </p:sp>
+              <a:t>DCAF Project Templates</a:t>
+            </a:r>
+          </a:p>
+        </p:txBody>
+      </p:sp>
+      <p:sp>
+        <p:nvSpPr>
+          <p:cNvPr id="3" name="Content Placeholder 2">
+            <a:extLst>
+              <a:ext uri="{FF2B5EF4-FFF2-40B4-BE49-F238E27FC236}">
+                <a16:creationId xmlns:a16="http://schemas.microsoft.com/office/drawing/2014/main" id="{2ECF9B28-DE68-4FA0-9781-EBA7BD4D1FDA}"/>
+              </a:ext>
+            </a:extLst>
+          </p:cNvPr>
+          <p:cNvSpPr>
+            <a:spLocks noGrp="1"/>
+          </p:cNvSpPr>
+          <p:nvPr>
+            <p:ph idx="1"/>
+          </p:nvPr>
+        </p:nvSpPr>
+        <p:spPr/>
+        <p:txBody>
+          <a:bodyPr/>
+          <a:lstStyle/>
+          <a:p>
+            <a:endParaRPr lang="en-US"/>
+          </a:p>
+        </p:txBody>
+      </p:sp>
+      <p:pic>
+        <p:nvPicPr>
+          <p:cNvPr id="8" name="Picture 7">
+            <a:extLst>
+              <a:ext uri="{FF2B5EF4-FFF2-40B4-BE49-F238E27FC236}">
+                <a16:creationId xmlns:a16="http://schemas.microsoft.com/office/drawing/2014/main" id="{0CAD30DF-6589-45E7-BC2E-5AEB380F89C4}"/>
+              </a:ext>
+            </a:extLst>
+          </p:cNvPr>
+          <p:cNvPicPr>
+            <a:picLocks noChangeAspect="1"/>
+          </p:cNvPicPr>
+          <p:nvPr/>
+        </p:nvPicPr>
+        <p:blipFill>
+          <a:blip r:embed="rId3">
+            <a:extLst>
+              <a:ext uri="{28A0092B-C50C-407E-A947-70E740481C1C}">
+                <a14:useLocalDpi xmlns:a14="http://schemas.microsoft.com/office/drawing/2010/main" val="0"/>
+              </a:ext>
+            </a:extLst>
+          </a:blip>
+          <a:stretch>
+            <a:fillRect/>
+          </a:stretch>
+        </p:blipFill>
+        <p:spPr>
+          <a:xfrm>
+            <a:off x="548639" y="1753786"/>
+            <a:ext cx="6048104" cy="4369176"/>
+          </a:xfrm>
+          <a:prstGeom prst="rect">
+            <a:avLst/>
+          </a:prstGeom>
+        </p:spPr>
+      </p:pic>
+      <p:pic>
+        <p:nvPicPr>
+          <p:cNvPr id="9" name="Picture 8">
+            <a:extLst>
+              <a:ext uri="{FF2B5EF4-FFF2-40B4-BE49-F238E27FC236}">
+                <a16:creationId xmlns:a16="http://schemas.microsoft.com/office/drawing/2014/main" id="{41E65BB4-69E1-4C76-B287-62E80991284D}"/>
+              </a:ext>
+            </a:extLst>
+          </p:cNvPr>
+          <p:cNvPicPr>
+            <a:picLocks noChangeAspect="1"/>
+          </p:cNvPicPr>
+          <p:nvPr/>
+        </p:nvPicPr>
+        <p:blipFill>
+          <a:blip r:embed="rId4">
+            <a:extLst>
+              <a:ext uri="{28A0092B-C50C-407E-A947-70E740481C1C}">
+                <a14:useLocalDpi xmlns:a14="http://schemas.microsoft.com/office/drawing/2010/main" val="0"/>
+              </a:ext>
+            </a:extLst>
+          </a:blip>
+          <a:stretch>
+            <a:fillRect/>
+          </a:stretch>
+        </p:blipFill>
+        <p:spPr>
+          <a:xfrm>
+            <a:off x="7404104" y="2427538"/>
+            <a:ext cx="3133310" cy="3021672"/>
+          </a:xfrm>
+          <a:prstGeom prst="rect">
+            <a:avLst/>
+          </a:prstGeom>
+        </p:spPr>
+      </p:pic>
+      <p:cxnSp>
+        <p:nvCxnSpPr>
+          <p:cNvPr id="10" name="Straight Arrow Connector 9">
+            <a:extLst>
+              <a:ext uri="{FF2B5EF4-FFF2-40B4-BE49-F238E27FC236}">
+                <a16:creationId xmlns:a16="http://schemas.microsoft.com/office/drawing/2014/main" id="{4B66E0AE-DE96-4899-A9FA-CE8D97728836}"/>
+              </a:ext>
+            </a:extLst>
+          </p:cNvPr>
+          <p:cNvCxnSpPr>
+            <a:cxnSpLocks/>
+            <a:stCxn id="8" idx="3"/>
+            <a:endCxn id="9" idx="1"/>
+          </p:cNvCxnSpPr>
+          <p:nvPr/>
+        </p:nvCxnSpPr>
+        <p:spPr>
+          <a:xfrm>
+            <a:off x="6596743" y="3938374"/>
+            <a:ext cx="807361" cy="0"/>
+          </a:xfrm>
+          <a:prstGeom prst="straightConnector1">
+            <a:avLst/>
+          </a:prstGeom>
+          <a:ln w="76200">
+            <a:solidFill>
+              <a:schemeClr val="bg2">
+                <a:lumMod val="25000"/>
+              </a:schemeClr>
+            </a:solidFill>
+            <a:headEnd type="none"/>
+            <a:tailEnd type="triangle"/>
+          </a:ln>
+        </p:spPr>
+        <p:style>
+          <a:lnRef idx="1">
+            <a:schemeClr val="accent1"/>
+          </a:lnRef>
+          <a:fillRef idx="0">
+            <a:schemeClr val="accent1"/>
+          </a:fillRef>
+          <a:effectRef idx="0">
+            <a:schemeClr val="accent1"/>
+          </a:effectRef>
+          <a:fontRef idx="minor">
+            <a:schemeClr val="tx1"/>
+          </a:fontRef>
+        </p:style>
+      </p:cxnSp>
     </p:spTree>
     <p:extLst>
       <p:ext uri="{BB962C8B-B14F-4D97-AF65-F5344CB8AC3E}">
-        <p14:creationId xmlns:p14="http://schemas.microsoft.com/office/powerpoint/2010/main" val="3751644468"/>
+        <p14:creationId xmlns:p14="http://schemas.microsoft.com/office/powerpoint/2010/main" val="1023362139"/>
       </p:ext>
     </p:extLst>
   </p:cSld>
   <p:clrMapOvr>
     <a:masterClrMapping/>
   </p:clrMapOvr>
+  <mc:AlternateContent xmlns:mc="http://schemas.openxmlformats.org/markup-compatibility/2006" xmlns:p14="http://schemas.microsoft.com/office/powerpoint/2010/main">
+    <mc:Choice Requires="p14">
+      <p:transition spd="med" p14:dur="700">
+        <p:fade/>
+      </p:transition>
+    </mc:Choice>
+    <mc:Fallback xmlns="">
+      <p:transition spd="med">
+        <p:fade/>
+      </p:transition>
+    </mc:Fallback>
+  </mc:AlternateContent>
 </p:sld>
 </file>
 

--- a/Trunk/Getting Started Material/DCAF Training/4 Designing an application with DCAF.pptx
+++ b/Trunk/Getting Started Material/DCAF Training/4 Designing an application with DCAF.pptx
@@ -213,7 +213,7 @@
           <a:p>
             <a:fld id="{03CB5878-D5AF-4D91-A4DD-D6DE7AC90AEE}" type="datetimeFigureOut">
               <a:rPr lang="en-US" smtClean="0"/>
-              <a:t>2018-06-27</a:t>
+              <a:t>2018-07-03</a:t>
             </a:fld>
             <a:endParaRPr lang="en-US"/>
           </a:p>
@@ -4051,7 +4051,7 @@
           <a:p>
             <a:fld id="{8BEBFB54-DD62-4FD2-AABF-1CC163250B3B}" type="datetimeFigureOut">
               <a:rPr lang="en-US" smtClean="0"/>
-              <a:t>2018-06-27</a:t>
+              <a:t>2018-07-03</a:t>
             </a:fld>
             <a:endParaRPr lang="en-US"/>
           </a:p>
@@ -7922,7 +7922,9 @@
             <a:avLst/>
           </a:prstGeom>
           <a:solidFill>
-            <a:srgbClr val="C00000"/>
+            <a:schemeClr val="tx2">
+              <a:lumMod val="50000"/>
+            </a:schemeClr>
           </a:solidFill>
           <a:ln w="28575">
             <a:solidFill>
@@ -7984,7 +7986,9 @@
             <a:avLst/>
           </a:prstGeom>
           <a:solidFill>
-            <a:srgbClr val="C00000"/>
+            <a:schemeClr val="accent6">
+              <a:lumMod val="75000"/>
+            </a:schemeClr>
           </a:solidFill>
           <a:ln w="28575">
             <a:solidFill>
@@ -8046,7 +8050,9 @@
             <a:avLst/>
           </a:prstGeom>
           <a:solidFill>
-            <a:srgbClr val="C00000"/>
+            <a:schemeClr val="tx2">
+              <a:lumMod val="50000"/>
+            </a:schemeClr>
           </a:solidFill>
           <a:ln w="28575">
             <a:solidFill>
@@ -8108,7 +8114,7 @@
             <a:avLst/>
           </a:prstGeom>
           <a:solidFill>
-            <a:srgbClr val="007200"/>
+            <a:srgbClr val="C00000"/>
           </a:solidFill>
           <a:ln w="28575">
             <a:solidFill>
@@ -9262,6 +9268,67 @@
       </p:grpSpPr>
       <p:sp>
         <p:nvSpPr>
+          <p:cNvPr id="29" name="Rounded Rectangle 6">
+            <a:extLst>
+              <a:ext uri="{FF2B5EF4-FFF2-40B4-BE49-F238E27FC236}">
+                <a16:creationId xmlns:a16="http://schemas.microsoft.com/office/drawing/2014/main" id="{9895420F-0717-4E72-9B0E-BED9012CF041}"/>
+              </a:ext>
+            </a:extLst>
+          </p:cNvPr>
+          <p:cNvSpPr/>
+          <p:nvPr/>
+        </p:nvSpPr>
+        <p:spPr>
+          <a:xfrm>
+            <a:off x="5832247" y="1099634"/>
+            <a:ext cx="2320066" cy="4735769"/>
+          </a:xfrm>
+          <a:prstGeom prst="roundRect">
+            <a:avLst/>
+          </a:prstGeom>
+          <a:solidFill>
+            <a:schemeClr val="bg1">
+              <a:lumMod val="85000"/>
+            </a:schemeClr>
+          </a:solidFill>
+          <a:ln w="28575">
+            <a:solidFill>
+              <a:schemeClr val="tx1"/>
+            </a:solidFill>
+          </a:ln>
+          <a:effectLst>
+            <a:outerShdw blurRad="50800" dist="38100" dir="2700000" algn="tl" rotWithShape="0">
+              <a:prstClr val="black">
+                <a:alpha val="40000"/>
+              </a:prstClr>
+            </a:outerShdw>
+          </a:effectLst>
+        </p:spPr>
+        <p:style>
+          <a:lnRef idx="1">
+            <a:schemeClr val="accent1"/>
+          </a:lnRef>
+          <a:fillRef idx="3">
+            <a:schemeClr val="accent1"/>
+          </a:fillRef>
+          <a:effectRef idx="2">
+            <a:schemeClr val="accent1"/>
+          </a:effectRef>
+          <a:fontRef idx="minor">
+            <a:schemeClr val="lt1"/>
+          </a:fontRef>
+        </p:style>
+        <p:txBody>
+          <a:bodyPr rtlCol="0" anchor="ctr"/>
+          <a:lstStyle/>
+          <a:p>
+            <a:pPr algn="ctr"/>
+            <a:endParaRPr lang="en-US" dirty="0"/>
+          </a:p>
+        </p:txBody>
+      </p:sp>
+      <p:sp>
+        <p:nvSpPr>
           <p:cNvPr id="2" name="Title 1">
             <a:extLst>
               <a:ext uri="{FF2B5EF4-FFF2-40B4-BE49-F238E27FC236}">
@@ -9288,74 +9355,1286 @@
           </a:p>
         </p:txBody>
       </p:sp>
-      <p:pic>
-        <p:nvPicPr>
-          <p:cNvPr id="3074" name="Picture 2" descr="http://www.ni.com/cms/images/devzone/tut/DCAF_scan_interface.jpg">
+      <p:sp>
+        <p:nvSpPr>
+          <p:cNvPr id="7" name="Rounded Rectangle 3">
             <a:extLst>
               <a:ext uri="{FF2B5EF4-FFF2-40B4-BE49-F238E27FC236}">
-                <a16:creationId xmlns:a16="http://schemas.microsoft.com/office/drawing/2014/main" id="{14198C1A-74D4-4147-B1A7-6C385BE8ADF9}"/>
+                <a16:creationId xmlns:a16="http://schemas.microsoft.com/office/drawing/2014/main" id="{E6BB9B82-E565-41CB-B677-6042766064CC}"/>
               </a:ext>
             </a:extLst>
           </p:cNvPr>
-          <p:cNvPicPr>
-            <a:picLocks noGrp="1" noChangeAspect="1" noChangeArrowheads="1"/>
-          </p:cNvPicPr>
-          <p:nvPr>
-            <p:ph sz="half" idx="1"/>
-          </p:nvPr>
-        </p:nvPicPr>
-        <p:blipFill>
-          <a:blip r:embed="rId2">
-            <a:extLst>
-              <a:ext uri="{28A0092B-C50C-407E-A947-70E740481C1C}">
-                <a14:useLocalDpi xmlns:a14="http://schemas.microsoft.com/office/drawing/2010/main" val="0"/>
-              </a:ext>
-            </a:extLst>
-          </a:blip>
-          <a:stretch>
-            <a:fillRect/>
-          </a:stretch>
-        </p:blipFill>
-        <p:spPr bwMode="auto">
-          <a:xfrm>
-            <a:off x="254301" y="2220687"/>
-            <a:ext cx="5841699" cy="3251824"/>
-          </a:xfrm>
-          <a:prstGeom prst="rect">
-            <a:avLst/>
-          </a:prstGeom>
-          <a:noFill/>
-          <a:extLst>
-            <a:ext uri="{909E8E84-426E-40DD-AFC4-6F175D3DCCD1}">
-              <a14:hiddenFill xmlns:a14="http://schemas.microsoft.com/office/drawing/2010/main">
-                <a:solidFill>
-                  <a:srgbClr val="FFFFFF"/>
-                </a:solidFill>
-              </a14:hiddenFill>
-            </a:ext>
-          </a:extLst>
-        </p:spPr>
-      </p:pic>
-      <p:sp>
-        <p:nvSpPr>
-          <p:cNvPr id="4" name="Content Placeholder 3">
+          <p:cNvSpPr/>
+          <p:nvPr/>
+        </p:nvSpPr>
+        <p:spPr>
+          <a:xfrm>
+            <a:off x="8785646" y="4756189"/>
+            <a:ext cx="1828800" cy="771787"/>
+          </a:xfrm>
+          <a:prstGeom prst="roundRect">
+            <a:avLst/>
+          </a:prstGeom>
+          <a:solidFill>
+            <a:schemeClr val="tx2">
+              <a:lumMod val="50000"/>
+            </a:schemeClr>
+          </a:solidFill>
+          <a:ln w="28575">
+            <a:solidFill>
+              <a:schemeClr val="tx1"/>
+            </a:solidFill>
+          </a:ln>
+          <a:effectLst>
+            <a:outerShdw blurRad="50800" dist="38100" dir="2700000" algn="tl" rotWithShape="0">
+              <a:prstClr val="black">
+                <a:alpha val="40000"/>
+              </a:prstClr>
+            </a:outerShdw>
+          </a:effectLst>
+        </p:spPr>
+        <p:style>
+          <a:lnRef idx="1">
+            <a:schemeClr val="accent1"/>
+          </a:lnRef>
+          <a:fillRef idx="3">
+            <a:schemeClr val="accent1"/>
+          </a:fillRef>
+          <a:effectRef idx="2">
+            <a:schemeClr val="accent1"/>
+          </a:effectRef>
+          <a:fontRef idx="minor">
+            <a:schemeClr val="lt1"/>
+          </a:fontRef>
+        </p:style>
+        <p:txBody>
+          <a:bodyPr rtlCol="0" anchor="ctr"/>
+          <a:lstStyle/>
+          <a:p>
+            <a:pPr algn="ctr"/>
+            <a:r>
+              <a:rPr lang="en-US" dirty="0"/>
+              <a:t>I/O</a:t>
+            </a:r>
+          </a:p>
+        </p:txBody>
+      </p:sp>
+      <p:sp>
+        <p:nvSpPr>
+          <p:cNvPr id="13" name="Rounded Rectangle 6">
             <a:extLst>
               <a:ext uri="{FF2B5EF4-FFF2-40B4-BE49-F238E27FC236}">
-                <a16:creationId xmlns:a16="http://schemas.microsoft.com/office/drawing/2014/main" id="{8AD0E338-24A1-403E-BD5A-03283ED27684}"/>
+                <a16:creationId xmlns:a16="http://schemas.microsoft.com/office/drawing/2014/main" id="{0F53775A-E950-4A7C-8709-54A18E7D6106}"/>
               </a:ext>
             </a:extLst>
           </p:cNvPr>
-          <p:cNvSpPr>
-            <a:spLocks noGrp="1"/>
+          <p:cNvSpPr/>
+          <p:nvPr/>
+        </p:nvSpPr>
+        <p:spPr>
+          <a:xfrm>
+            <a:off x="181946" y="1099635"/>
+            <a:ext cx="3949958" cy="4735769"/>
+          </a:xfrm>
+          <a:prstGeom prst="roundRect">
+            <a:avLst/>
+          </a:prstGeom>
+          <a:solidFill>
+            <a:schemeClr val="bg1">
+              <a:lumMod val="85000"/>
+            </a:schemeClr>
+          </a:solidFill>
+          <a:ln w="28575">
+            <a:solidFill>
+              <a:schemeClr val="tx1"/>
+            </a:solidFill>
+          </a:ln>
+          <a:effectLst>
+            <a:outerShdw blurRad="50800" dist="38100" dir="2700000" algn="tl" rotWithShape="0">
+              <a:prstClr val="black">
+                <a:alpha val="40000"/>
+              </a:prstClr>
+            </a:outerShdw>
+          </a:effectLst>
+        </p:spPr>
+        <p:style>
+          <a:lnRef idx="1">
+            <a:schemeClr val="accent1"/>
+          </a:lnRef>
+          <a:fillRef idx="3">
+            <a:schemeClr val="accent1"/>
+          </a:fillRef>
+          <a:effectRef idx="2">
+            <a:schemeClr val="accent1"/>
+          </a:effectRef>
+          <a:fontRef idx="minor">
+            <a:schemeClr val="lt1"/>
+          </a:fontRef>
+        </p:style>
+        <p:txBody>
+          <a:bodyPr rtlCol="0" anchor="ctr"/>
+          <a:lstStyle/>
+          <a:p>
+            <a:pPr algn="ctr"/>
+            <a:endParaRPr lang="en-US" dirty="0"/>
+          </a:p>
+        </p:txBody>
+      </p:sp>
+      <p:sp>
+        <p:nvSpPr>
+          <p:cNvPr id="14" name="Rounded Rectangle 6">
+            <a:extLst>
+              <a:ext uri="{FF2B5EF4-FFF2-40B4-BE49-F238E27FC236}">
+                <a16:creationId xmlns:a16="http://schemas.microsoft.com/office/drawing/2014/main" id="{5618E771-9DCE-4E67-9186-E71632A26A98}"/>
+              </a:ext>
+            </a:extLst>
+          </p:cNvPr>
+          <p:cNvSpPr/>
+          <p:nvPr/>
+        </p:nvSpPr>
+        <p:spPr>
+          <a:xfrm>
+            <a:off x="367275" y="1809006"/>
+            <a:ext cx="1646659" cy="771787"/>
+          </a:xfrm>
+          <a:prstGeom prst="roundRect">
+            <a:avLst/>
+          </a:prstGeom>
+          <a:solidFill>
+            <a:schemeClr val="bg2">
+              <a:lumMod val="50000"/>
+            </a:schemeClr>
+          </a:solidFill>
+          <a:ln w="28575">
+            <a:solidFill>
+              <a:schemeClr val="tx1"/>
+            </a:solidFill>
+          </a:ln>
+          <a:effectLst>
+            <a:outerShdw blurRad="50800" dist="38100" dir="2700000" algn="tl" rotWithShape="0">
+              <a:prstClr val="black">
+                <a:alpha val="40000"/>
+              </a:prstClr>
+            </a:outerShdw>
+          </a:effectLst>
+        </p:spPr>
+        <p:style>
+          <a:lnRef idx="1">
+            <a:schemeClr val="accent1"/>
+          </a:lnRef>
+          <a:fillRef idx="3">
+            <a:schemeClr val="accent1"/>
+          </a:fillRef>
+          <a:effectRef idx="2">
+            <a:schemeClr val="accent1"/>
+          </a:effectRef>
+          <a:fontRef idx="minor">
+            <a:schemeClr val="lt1"/>
+          </a:fontRef>
+        </p:style>
+        <p:txBody>
+          <a:bodyPr rtlCol="0" anchor="ctr"/>
+          <a:lstStyle/>
+          <a:p>
+            <a:pPr algn="ctr"/>
+            <a:r>
+              <a:rPr lang="en-US" dirty="0"/>
+              <a:t>C/C++</a:t>
+            </a:r>
+          </a:p>
+        </p:txBody>
+      </p:sp>
+      <p:sp>
+        <p:nvSpPr>
+          <p:cNvPr id="16" name="Rounded Rectangle 6">
+            <a:extLst>
+              <a:ext uri="{FF2B5EF4-FFF2-40B4-BE49-F238E27FC236}">
+                <a16:creationId xmlns:a16="http://schemas.microsoft.com/office/drawing/2014/main" id="{E31C11E3-2ECF-448A-A631-9CD9588940CE}"/>
+              </a:ext>
+            </a:extLst>
+          </p:cNvPr>
+          <p:cNvSpPr/>
+          <p:nvPr/>
+        </p:nvSpPr>
+        <p:spPr>
+          <a:xfrm>
+            <a:off x="367275" y="3290164"/>
+            <a:ext cx="1646412" cy="771787"/>
+          </a:xfrm>
+          <a:prstGeom prst="roundRect">
+            <a:avLst/>
+          </a:prstGeom>
+          <a:solidFill>
+            <a:schemeClr val="bg1">
+              <a:lumMod val="50000"/>
+            </a:schemeClr>
+          </a:solidFill>
+          <a:ln w="28575">
+            <a:solidFill>
+              <a:schemeClr val="tx1"/>
+            </a:solidFill>
+          </a:ln>
+          <a:effectLst>
+            <a:outerShdw blurRad="50800" dist="38100" dir="2700000" algn="tl" rotWithShape="0">
+              <a:prstClr val="black">
+                <a:alpha val="40000"/>
+              </a:prstClr>
+            </a:outerShdw>
+          </a:effectLst>
+        </p:spPr>
+        <p:style>
+          <a:lnRef idx="1">
+            <a:schemeClr val="accent1"/>
+          </a:lnRef>
+          <a:fillRef idx="3">
+            <a:schemeClr val="accent1"/>
+          </a:fillRef>
+          <a:effectRef idx="2">
+            <a:schemeClr val="accent1"/>
+          </a:effectRef>
+          <a:fontRef idx="minor">
+            <a:schemeClr val="lt1"/>
+          </a:fontRef>
+        </p:style>
+        <p:txBody>
+          <a:bodyPr rtlCol="0" anchor="ctr"/>
+          <a:lstStyle/>
+          <a:p>
+            <a:pPr algn="ctr"/>
+            <a:r>
+              <a:rPr lang="en-US" dirty="0"/>
+              <a:t>Shared Memory</a:t>
+            </a:r>
+          </a:p>
+        </p:txBody>
+      </p:sp>
+      <p:sp>
+        <p:nvSpPr>
+          <p:cNvPr id="21" name="Up Arrow 21">
+            <a:extLst>
+              <a:ext uri="{FF2B5EF4-FFF2-40B4-BE49-F238E27FC236}">
+                <a16:creationId xmlns:a16="http://schemas.microsoft.com/office/drawing/2014/main" id="{08EC5600-7FA9-4AF9-B28E-5FE68A20FDD0}"/>
+              </a:ext>
+            </a:extLst>
+          </p:cNvPr>
+          <p:cNvSpPr/>
+          <p:nvPr/>
+        </p:nvSpPr>
+        <p:spPr>
+          <a:xfrm rot="10800000">
+            <a:off x="893891" y="2647731"/>
+            <a:ext cx="251671" cy="568256"/>
+          </a:xfrm>
+          <a:prstGeom prst="upArrow">
+            <a:avLst/>
+          </a:prstGeom>
+          <a:solidFill>
+            <a:schemeClr val="tx2"/>
+          </a:solidFill>
+          <a:ln>
+            <a:noFill/>
+          </a:ln>
+          <a:effectLst>
+            <a:outerShdw blurRad="50800" dist="38100" dir="2700000" algn="tl" rotWithShape="0">
+              <a:prstClr val="black">
+                <a:alpha val="40000"/>
+              </a:prstClr>
+            </a:outerShdw>
+          </a:effectLst>
+        </p:spPr>
+        <p:style>
+          <a:lnRef idx="1">
+            <a:schemeClr val="accent1"/>
+          </a:lnRef>
+          <a:fillRef idx="3">
+            <a:schemeClr val="accent1"/>
+          </a:fillRef>
+          <a:effectRef idx="2">
+            <a:schemeClr val="accent1"/>
+          </a:effectRef>
+          <a:fontRef idx="minor">
+            <a:schemeClr val="lt1"/>
+          </a:fontRef>
+        </p:style>
+        <p:txBody>
+          <a:bodyPr rtlCol="0" anchor="ctr"/>
+          <a:lstStyle/>
+          <a:p>
+            <a:pPr algn="ctr"/>
+            <a:endParaRPr lang="en-US"/>
+          </a:p>
+        </p:txBody>
+      </p:sp>
+      <p:sp>
+        <p:nvSpPr>
+          <p:cNvPr id="22" name="Up Arrow 20">
+            <a:extLst>
+              <a:ext uri="{FF2B5EF4-FFF2-40B4-BE49-F238E27FC236}">
+                <a16:creationId xmlns:a16="http://schemas.microsoft.com/office/drawing/2014/main" id="{A35760C9-61AC-4A5A-BD24-31DBE5B7E402}"/>
+              </a:ext>
+            </a:extLst>
+          </p:cNvPr>
+          <p:cNvSpPr/>
+          <p:nvPr/>
+        </p:nvSpPr>
+        <p:spPr>
+          <a:xfrm>
+            <a:off x="1321929" y="2630197"/>
+            <a:ext cx="251671" cy="597829"/>
+          </a:xfrm>
+          <a:prstGeom prst="upArrow">
+            <a:avLst/>
+          </a:prstGeom>
+          <a:solidFill>
+            <a:schemeClr val="tx2"/>
+          </a:solidFill>
+          <a:ln>
+            <a:noFill/>
+          </a:ln>
+          <a:effectLst>
+            <a:outerShdw blurRad="50800" dist="38100" dir="2700000" algn="tl" rotWithShape="0">
+              <a:prstClr val="black">
+                <a:alpha val="40000"/>
+              </a:prstClr>
+            </a:outerShdw>
+          </a:effectLst>
+        </p:spPr>
+        <p:style>
+          <a:lnRef idx="1">
+            <a:schemeClr val="accent1"/>
+          </a:lnRef>
+          <a:fillRef idx="3">
+            <a:schemeClr val="accent1"/>
+          </a:fillRef>
+          <a:effectRef idx="2">
+            <a:schemeClr val="accent1"/>
+          </a:effectRef>
+          <a:fontRef idx="minor">
+            <a:schemeClr val="lt1"/>
+          </a:fontRef>
+        </p:style>
+        <p:txBody>
+          <a:bodyPr rtlCol="0" anchor="ctr"/>
+          <a:lstStyle/>
+          <a:p>
+            <a:pPr algn="ctr"/>
+            <a:endParaRPr lang="en-US"/>
+          </a:p>
+        </p:txBody>
+      </p:sp>
+      <p:sp>
+        <p:nvSpPr>
+          <p:cNvPr id="23" name="TextBox 22">
+            <a:extLst>
+              <a:ext uri="{FF2B5EF4-FFF2-40B4-BE49-F238E27FC236}">
+                <a16:creationId xmlns:a16="http://schemas.microsoft.com/office/drawing/2014/main" id="{B2F7C82B-0D1F-498C-92D9-55E4512A0C3B}"/>
+              </a:ext>
+            </a:extLst>
+          </p:cNvPr>
+          <p:cNvSpPr txBox="1"/>
+          <p:nvPr/>
+        </p:nvSpPr>
+        <p:spPr>
+          <a:xfrm>
+            <a:off x="608972" y="1251834"/>
+            <a:ext cx="1684796" cy="523220"/>
+          </a:xfrm>
+          <a:prstGeom prst="rect">
+            <a:avLst/>
+          </a:prstGeom>
+          <a:noFill/>
+        </p:spPr>
+        <p:txBody>
+          <a:bodyPr wrap="square" lIns="0" rIns="0" rtlCol="0">
+            <a:spAutoFit/>
+          </a:bodyPr>
+          <a:lstStyle/>
+          <a:p>
+            <a:r>
+              <a:rPr lang="en-US" sz="2800" b="1" dirty="0">
+                <a:solidFill>
+                  <a:schemeClr val="bg1"/>
+                </a:solidFill>
+              </a:rPr>
+              <a:t>RT</a:t>
+            </a:r>
+          </a:p>
+        </p:txBody>
+      </p:sp>
+      <p:sp>
+        <p:nvSpPr>
+          <p:cNvPr id="24" name="Rounded Rectangle 6">
+            <a:extLst>
+              <a:ext uri="{FF2B5EF4-FFF2-40B4-BE49-F238E27FC236}">
+                <a16:creationId xmlns:a16="http://schemas.microsoft.com/office/drawing/2014/main" id="{319D76E7-4C5F-404A-A705-8B3ECE99711E}"/>
+              </a:ext>
+            </a:extLst>
+          </p:cNvPr>
+          <p:cNvSpPr/>
+          <p:nvPr/>
+        </p:nvSpPr>
+        <p:spPr>
+          <a:xfrm>
+            <a:off x="382598" y="4756233"/>
+            <a:ext cx="1668174" cy="771787"/>
+          </a:xfrm>
+          <a:prstGeom prst="roundRect">
+            <a:avLst/>
+          </a:prstGeom>
+          <a:solidFill>
+            <a:schemeClr val="bg1">
+              <a:lumMod val="50000"/>
+            </a:schemeClr>
+          </a:solidFill>
+          <a:ln w="28575">
+            <a:solidFill>
+              <a:schemeClr val="tx1"/>
+            </a:solidFill>
+          </a:ln>
+          <a:effectLst>
+            <a:outerShdw blurRad="50800" dist="38100" dir="2700000" algn="tl" rotWithShape="0">
+              <a:prstClr val="black">
+                <a:alpha val="40000"/>
+              </a:prstClr>
+            </a:outerShdw>
+          </a:effectLst>
+        </p:spPr>
+        <p:style>
+          <a:lnRef idx="1">
+            <a:schemeClr val="accent1"/>
+          </a:lnRef>
+          <a:fillRef idx="3">
+            <a:schemeClr val="accent1"/>
+          </a:fillRef>
+          <a:effectRef idx="2">
+            <a:schemeClr val="accent1"/>
+          </a:effectRef>
+          <a:fontRef idx="minor">
+            <a:schemeClr val="lt1"/>
+          </a:fontRef>
+        </p:style>
+        <p:txBody>
+          <a:bodyPr rtlCol="0" anchor="ctr"/>
+          <a:lstStyle/>
+          <a:p>
+            <a:pPr algn="ctr"/>
+            <a:r>
+              <a:rPr lang="en-US" dirty="0"/>
+              <a:t>LabVIEW (DCAF)</a:t>
+            </a:r>
+          </a:p>
+        </p:txBody>
+      </p:sp>
+      <p:sp>
+        <p:nvSpPr>
+          <p:cNvPr id="25" name="Rounded Rectangle 6">
+            <a:extLst>
+              <a:ext uri="{FF2B5EF4-FFF2-40B4-BE49-F238E27FC236}">
+                <a16:creationId xmlns:a16="http://schemas.microsoft.com/office/drawing/2014/main" id="{7BBCB0F6-26DC-4384-8149-FA06201834DD}"/>
+              </a:ext>
+            </a:extLst>
+          </p:cNvPr>
+          <p:cNvSpPr/>
+          <p:nvPr/>
+        </p:nvSpPr>
+        <p:spPr>
+          <a:xfrm>
+            <a:off x="4287688" y="1099634"/>
+            <a:ext cx="1388775" cy="4735769"/>
+          </a:xfrm>
+          <a:prstGeom prst="roundRect">
+            <a:avLst/>
+          </a:prstGeom>
+          <a:solidFill>
+            <a:schemeClr val="bg1">
+              <a:lumMod val="85000"/>
+            </a:schemeClr>
+          </a:solidFill>
+          <a:ln w="28575">
+            <a:solidFill>
+              <a:schemeClr val="tx1"/>
+            </a:solidFill>
+          </a:ln>
+          <a:effectLst>
+            <a:outerShdw blurRad="50800" dist="38100" dir="2700000" algn="tl" rotWithShape="0">
+              <a:prstClr val="black">
+                <a:alpha val="40000"/>
+              </a:prstClr>
+            </a:outerShdw>
+          </a:effectLst>
+        </p:spPr>
+        <p:style>
+          <a:lnRef idx="1">
+            <a:schemeClr val="accent1"/>
+          </a:lnRef>
+          <a:fillRef idx="3">
+            <a:schemeClr val="accent1"/>
+          </a:fillRef>
+          <a:effectRef idx="2">
+            <a:schemeClr val="accent1"/>
+          </a:effectRef>
+          <a:fontRef idx="minor">
+            <a:schemeClr val="lt1"/>
+          </a:fontRef>
+        </p:style>
+        <p:txBody>
+          <a:bodyPr rtlCol="0" anchor="ctr"/>
+          <a:lstStyle/>
+          <a:p>
+            <a:pPr algn="ctr"/>
+            <a:endParaRPr lang="en-US" dirty="0"/>
+          </a:p>
+        </p:txBody>
+      </p:sp>
+      <p:sp>
+        <p:nvSpPr>
+          <p:cNvPr id="26" name="TextBox 25">
+            <a:extLst>
+              <a:ext uri="{FF2B5EF4-FFF2-40B4-BE49-F238E27FC236}">
+                <a16:creationId xmlns:a16="http://schemas.microsoft.com/office/drawing/2014/main" id="{81D4346F-BB08-4677-B94E-FCA7D3C3B77D}"/>
+              </a:ext>
+            </a:extLst>
+          </p:cNvPr>
+          <p:cNvSpPr txBox="1"/>
+          <p:nvPr/>
+        </p:nvSpPr>
+        <p:spPr>
+          <a:xfrm>
+            <a:off x="605367" y="1250132"/>
+            <a:ext cx="1684796" cy="523220"/>
+          </a:xfrm>
+          <a:prstGeom prst="rect">
+            <a:avLst/>
+          </a:prstGeom>
+          <a:noFill/>
+        </p:spPr>
+        <p:txBody>
+          <a:bodyPr wrap="square" lIns="0" rIns="0" rtlCol="0">
+            <a:spAutoFit/>
+          </a:bodyPr>
+          <a:lstStyle/>
+          <a:p>
+            <a:r>
+              <a:rPr lang="en-US" sz="2800" b="1" dirty="0"/>
+              <a:t>RT</a:t>
+            </a:r>
+          </a:p>
+        </p:txBody>
+      </p:sp>
+      <p:sp>
+        <p:nvSpPr>
+          <p:cNvPr id="27" name="TextBox 26">
+            <a:extLst>
+              <a:ext uri="{FF2B5EF4-FFF2-40B4-BE49-F238E27FC236}">
+                <a16:creationId xmlns:a16="http://schemas.microsoft.com/office/drawing/2014/main" id="{BCE8B61B-5840-4B8C-B50B-90518F982003}"/>
+              </a:ext>
+            </a:extLst>
+          </p:cNvPr>
+          <p:cNvSpPr txBox="1"/>
+          <p:nvPr/>
+        </p:nvSpPr>
+        <p:spPr>
+          <a:xfrm>
+            <a:off x="4429802" y="1285786"/>
+            <a:ext cx="1246661" cy="523220"/>
+          </a:xfrm>
+          <a:prstGeom prst="rect">
+            <a:avLst/>
+          </a:prstGeom>
+          <a:noFill/>
+        </p:spPr>
+        <p:txBody>
+          <a:bodyPr wrap="square" lIns="0" rIns="0" rtlCol="0">
+            <a:spAutoFit/>
+          </a:bodyPr>
+          <a:lstStyle/>
+          <a:p>
+            <a:r>
+              <a:rPr lang="en-US" sz="2800" b="1" dirty="0"/>
+              <a:t>NI-RIO</a:t>
+            </a:r>
+          </a:p>
+        </p:txBody>
+      </p:sp>
+      <p:sp>
+        <p:nvSpPr>
+          <p:cNvPr id="28" name="Rounded Rectangle 6">
+            <a:extLst>
+              <a:ext uri="{FF2B5EF4-FFF2-40B4-BE49-F238E27FC236}">
+                <a16:creationId xmlns:a16="http://schemas.microsoft.com/office/drawing/2014/main" id="{0C7D9907-18E0-4625-9623-EC3BE90CA8B4}"/>
+              </a:ext>
+            </a:extLst>
+          </p:cNvPr>
+          <p:cNvSpPr/>
+          <p:nvPr/>
+        </p:nvSpPr>
+        <p:spPr>
+          <a:xfrm>
+            <a:off x="2251424" y="4756233"/>
+            <a:ext cx="1668174" cy="771787"/>
+          </a:xfrm>
+          <a:prstGeom prst="roundRect">
+            <a:avLst/>
+          </a:prstGeom>
+          <a:solidFill>
+            <a:schemeClr val="bg1">
+              <a:lumMod val="50000"/>
+            </a:schemeClr>
+          </a:solidFill>
+          <a:ln w="28575">
+            <a:solidFill>
+              <a:schemeClr val="tx1"/>
+            </a:solidFill>
+          </a:ln>
+          <a:effectLst>
+            <a:outerShdw blurRad="50800" dist="38100" dir="2700000" algn="tl" rotWithShape="0">
+              <a:prstClr val="black">
+                <a:alpha val="40000"/>
+              </a:prstClr>
+            </a:outerShdw>
+          </a:effectLst>
+        </p:spPr>
+        <p:style>
+          <a:lnRef idx="1">
+            <a:schemeClr val="accent1"/>
+          </a:lnRef>
+          <a:fillRef idx="3">
+            <a:schemeClr val="accent1"/>
+          </a:fillRef>
+          <a:effectRef idx="2">
+            <a:schemeClr val="accent1"/>
+          </a:effectRef>
+          <a:fontRef idx="minor">
+            <a:schemeClr val="lt1"/>
+          </a:fontRef>
+        </p:style>
+        <p:txBody>
+          <a:bodyPr rtlCol="0" anchor="ctr"/>
+          <a:lstStyle/>
+          <a:p>
+            <a:pPr algn="ctr"/>
+            <a:r>
+              <a:rPr lang="en-US" dirty="0"/>
+              <a:t>Scan Engine</a:t>
+            </a:r>
+          </a:p>
+        </p:txBody>
+      </p:sp>
+      <p:sp>
+        <p:nvSpPr>
+          <p:cNvPr id="30" name="TextBox 29">
+            <a:extLst>
+              <a:ext uri="{FF2B5EF4-FFF2-40B4-BE49-F238E27FC236}">
+                <a16:creationId xmlns:a16="http://schemas.microsoft.com/office/drawing/2014/main" id="{38BC5DD7-354A-42BE-BF48-56604EDBACF2}"/>
+              </a:ext>
+            </a:extLst>
+          </p:cNvPr>
+          <p:cNvSpPr txBox="1"/>
+          <p:nvPr/>
+        </p:nvSpPr>
+        <p:spPr>
+          <a:xfrm>
+            <a:off x="6305545" y="1275818"/>
+            <a:ext cx="1684796" cy="523220"/>
+          </a:xfrm>
+          <a:prstGeom prst="rect">
+            <a:avLst/>
+          </a:prstGeom>
+          <a:noFill/>
+        </p:spPr>
+        <p:txBody>
+          <a:bodyPr wrap="square" lIns="0" rIns="0" rtlCol="0">
+            <a:spAutoFit/>
+          </a:bodyPr>
+          <a:lstStyle/>
+          <a:p>
+            <a:r>
+              <a:rPr lang="en-US" sz="2800" b="1" dirty="0"/>
+              <a:t>FPGA</a:t>
+            </a:r>
+          </a:p>
+        </p:txBody>
+      </p:sp>
+      <p:sp>
+        <p:nvSpPr>
+          <p:cNvPr id="33" name="Rounded Rectangle 6">
+            <a:extLst>
+              <a:ext uri="{FF2B5EF4-FFF2-40B4-BE49-F238E27FC236}">
+                <a16:creationId xmlns:a16="http://schemas.microsoft.com/office/drawing/2014/main" id="{9373CD64-F078-41EF-845D-2AB33764611C}"/>
+              </a:ext>
+            </a:extLst>
+          </p:cNvPr>
+          <p:cNvSpPr/>
+          <p:nvPr/>
+        </p:nvSpPr>
+        <p:spPr>
+          <a:xfrm>
+            <a:off x="6208022" y="4756190"/>
+            <a:ext cx="1668174" cy="771787"/>
+          </a:xfrm>
+          <a:prstGeom prst="roundRect">
+            <a:avLst/>
+          </a:prstGeom>
+          <a:solidFill>
+            <a:schemeClr val="bg1">
+              <a:lumMod val="50000"/>
+            </a:schemeClr>
+          </a:solidFill>
+          <a:ln w="28575">
+            <a:solidFill>
+              <a:schemeClr val="tx1"/>
+            </a:solidFill>
+          </a:ln>
+          <a:effectLst>
+            <a:outerShdw blurRad="50800" dist="38100" dir="2700000" algn="tl" rotWithShape="0">
+              <a:prstClr val="black">
+                <a:alpha val="40000"/>
+              </a:prstClr>
+            </a:outerShdw>
+          </a:effectLst>
+        </p:spPr>
+        <p:style>
+          <a:lnRef idx="1">
+            <a:schemeClr val="accent1"/>
+          </a:lnRef>
+          <a:fillRef idx="3">
+            <a:schemeClr val="accent1"/>
+          </a:fillRef>
+          <a:effectRef idx="2">
+            <a:schemeClr val="accent1"/>
+          </a:effectRef>
+          <a:fontRef idx="minor">
+            <a:schemeClr val="lt1"/>
+          </a:fontRef>
+        </p:style>
+        <p:txBody>
+          <a:bodyPr rtlCol="0" anchor="ctr"/>
+          <a:lstStyle/>
+          <a:p>
+            <a:pPr algn="ctr"/>
+            <a:r>
+              <a:rPr lang="en-US" dirty="0"/>
+              <a:t>RIO Scan Interface</a:t>
+            </a:r>
+          </a:p>
+        </p:txBody>
+      </p:sp>
+      <p:sp>
+        <p:nvSpPr>
+          <p:cNvPr id="35" name="Up Arrow 20">
+            <a:extLst>
+              <a:ext uri="{FF2B5EF4-FFF2-40B4-BE49-F238E27FC236}">
+                <a16:creationId xmlns:a16="http://schemas.microsoft.com/office/drawing/2014/main" id="{E582EC7F-1849-4976-8977-DD6399F3F551}"/>
+              </a:ext>
+            </a:extLst>
+          </p:cNvPr>
+          <p:cNvSpPr/>
+          <p:nvPr/>
+        </p:nvSpPr>
+        <p:spPr>
+          <a:xfrm>
+            <a:off x="1342520" y="4114103"/>
+            <a:ext cx="251671" cy="597829"/>
+          </a:xfrm>
+          <a:prstGeom prst="upArrow">
+            <a:avLst/>
+          </a:prstGeom>
+          <a:solidFill>
+            <a:schemeClr val="tx2"/>
+          </a:solidFill>
+          <a:ln>
+            <a:noFill/>
+          </a:ln>
+          <a:effectLst>
+            <a:outerShdw blurRad="50800" dist="38100" dir="2700000" algn="tl" rotWithShape="0">
+              <a:prstClr val="black">
+                <a:alpha val="40000"/>
+              </a:prstClr>
+            </a:outerShdw>
+          </a:effectLst>
+        </p:spPr>
+        <p:style>
+          <a:lnRef idx="1">
+            <a:schemeClr val="accent1"/>
+          </a:lnRef>
+          <a:fillRef idx="3">
+            <a:schemeClr val="accent1"/>
+          </a:fillRef>
+          <a:effectRef idx="2">
+            <a:schemeClr val="accent1"/>
+          </a:effectRef>
+          <a:fontRef idx="minor">
+            <a:schemeClr val="lt1"/>
+          </a:fontRef>
+        </p:style>
+        <p:txBody>
+          <a:bodyPr rtlCol="0" anchor="ctr"/>
+          <a:lstStyle/>
+          <a:p>
+            <a:pPr algn="ctr"/>
+            <a:endParaRPr lang="en-US"/>
+          </a:p>
+        </p:txBody>
+      </p:sp>
+      <p:sp>
+        <p:nvSpPr>
+          <p:cNvPr id="38" name="Up Arrow 21">
+            <a:extLst>
+              <a:ext uri="{FF2B5EF4-FFF2-40B4-BE49-F238E27FC236}">
+                <a16:creationId xmlns:a16="http://schemas.microsoft.com/office/drawing/2014/main" id="{C61B8614-BF0A-45E4-B7D4-750199B9F1C1}"/>
+              </a:ext>
+            </a:extLst>
+          </p:cNvPr>
+          <p:cNvSpPr/>
+          <p:nvPr/>
+        </p:nvSpPr>
+        <p:spPr>
+          <a:xfrm rot="10800000">
+            <a:off x="893892" y="4128889"/>
+            <a:ext cx="251671" cy="568256"/>
+          </a:xfrm>
+          <a:prstGeom prst="upArrow">
+            <a:avLst/>
+          </a:prstGeom>
+          <a:solidFill>
+            <a:schemeClr val="tx2"/>
+          </a:solidFill>
+          <a:ln>
+            <a:noFill/>
+          </a:ln>
+          <a:effectLst>
+            <a:outerShdw blurRad="50800" dist="38100" dir="2700000" algn="tl" rotWithShape="0">
+              <a:prstClr val="black">
+                <a:alpha val="40000"/>
+              </a:prstClr>
+            </a:outerShdw>
+          </a:effectLst>
+        </p:spPr>
+        <p:style>
+          <a:lnRef idx="1">
+            <a:schemeClr val="accent1"/>
+          </a:lnRef>
+          <a:fillRef idx="3">
+            <a:schemeClr val="accent1"/>
+          </a:fillRef>
+          <a:effectRef idx="2">
+            <a:schemeClr val="accent1"/>
+          </a:effectRef>
+          <a:fontRef idx="minor">
+            <a:schemeClr val="lt1"/>
+          </a:fontRef>
+        </p:style>
+        <p:txBody>
+          <a:bodyPr rtlCol="0" anchor="ctr"/>
+          <a:lstStyle/>
+          <a:p>
+            <a:pPr algn="ctr"/>
+            <a:endParaRPr lang="en-US"/>
+          </a:p>
+        </p:txBody>
+      </p:sp>
+      <p:sp>
+        <p:nvSpPr>
+          <p:cNvPr id="39" name="Up Arrow 20">
+            <a:extLst>
+              <a:ext uri="{FF2B5EF4-FFF2-40B4-BE49-F238E27FC236}">
+                <a16:creationId xmlns:a16="http://schemas.microsoft.com/office/drawing/2014/main" id="{B5968EDD-31CE-49B9-85C2-41063DE49553}"/>
+              </a:ext>
+            </a:extLst>
+          </p:cNvPr>
+          <p:cNvSpPr/>
+          <p:nvPr/>
+        </p:nvSpPr>
+        <p:spPr>
+          <a:xfrm rot="5400000">
+            <a:off x="4892824" y="4064746"/>
+            <a:ext cx="251671" cy="2154680"/>
+          </a:xfrm>
+          <a:prstGeom prst="upArrow">
+            <a:avLst/>
+          </a:prstGeom>
+          <a:solidFill>
+            <a:schemeClr val="tx2"/>
+          </a:solidFill>
+          <a:ln>
+            <a:noFill/>
+          </a:ln>
+          <a:effectLst>
+            <a:outerShdw blurRad="50800" dist="38100" dir="2700000" algn="tl" rotWithShape="0">
+              <a:prstClr val="black">
+                <a:alpha val="40000"/>
+              </a:prstClr>
+            </a:outerShdw>
+          </a:effectLst>
+        </p:spPr>
+        <p:style>
+          <a:lnRef idx="1">
+            <a:schemeClr val="accent1"/>
+          </a:lnRef>
+          <a:fillRef idx="3">
+            <a:schemeClr val="accent1"/>
+          </a:fillRef>
+          <a:effectRef idx="2">
+            <a:schemeClr val="accent1"/>
+          </a:effectRef>
+          <a:fontRef idx="minor">
+            <a:schemeClr val="lt1"/>
+          </a:fontRef>
+        </p:style>
+        <p:txBody>
+          <a:bodyPr rtlCol="0" anchor="ctr"/>
+          <a:lstStyle/>
+          <a:p>
+            <a:pPr algn="ctr"/>
+            <a:endParaRPr lang="en-US"/>
+          </a:p>
+        </p:txBody>
+      </p:sp>
+      <p:sp>
+        <p:nvSpPr>
+          <p:cNvPr id="40" name="Up Arrow 20">
+            <a:extLst>
+              <a:ext uri="{FF2B5EF4-FFF2-40B4-BE49-F238E27FC236}">
+                <a16:creationId xmlns:a16="http://schemas.microsoft.com/office/drawing/2014/main" id="{0E9F75DD-7157-4081-B2B2-38AE1BF5A6F3}"/>
+              </a:ext>
+            </a:extLst>
+          </p:cNvPr>
+          <p:cNvSpPr/>
+          <p:nvPr/>
+        </p:nvSpPr>
+        <p:spPr>
+          <a:xfrm rot="5400000">
+            <a:off x="1999920" y="4843170"/>
+            <a:ext cx="251671" cy="597829"/>
+          </a:xfrm>
+          <a:prstGeom prst="upArrow">
+            <a:avLst/>
+          </a:prstGeom>
+          <a:solidFill>
+            <a:schemeClr val="tx2"/>
+          </a:solidFill>
+          <a:ln>
+            <a:noFill/>
+          </a:ln>
+          <a:effectLst>
+            <a:outerShdw blurRad="50800" dist="38100" dir="2700000" algn="tl" rotWithShape="0">
+              <a:prstClr val="black">
+                <a:alpha val="40000"/>
+              </a:prstClr>
+            </a:outerShdw>
+          </a:effectLst>
+        </p:spPr>
+        <p:style>
+          <a:lnRef idx="1">
+            <a:schemeClr val="accent1"/>
+          </a:lnRef>
+          <a:fillRef idx="3">
+            <a:schemeClr val="accent1"/>
+          </a:fillRef>
+          <a:effectRef idx="2">
+            <a:schemeClr val="accent1"/>
+          </a:effectRef>
+          <a:fontRef idx="minor">
+            <a:schemeClr val="lt1"/>
+          </a:fontRef>
+        </p:style>
+        <p:txBody>
+          <a:bodyPr rtlCol="0" anchor="ctr"/>
+          <a:lstStyle/>
+          <a:p>
+            <a:pPr algn="ctr"/>
+            <a:endParaRPr lang="en-US"/>
+          </a:p>
+        </p:txBody>
+      </p:sp>
+      <p:sp>
+        <p:nvSpPr>
+          <p:cNvPr id="43" name="Up Arrow 20">
+            <a:extLst>
+              <a:ext uri="{FF2B5EF4-FFF2-40B4-BE49-F238E27FC236}">
+                <a16:creationId xmlns:a16="http://schemas.microsoft.com/office/drawing/2014/main" id="{B7F83BDE-9377-4437-99E5-247F3D3AC628}"/>
+              </a:ext>
+            </a:extLst>
+          </p:cNvPr>
+          <p:cNvSpPr/>
+          <p:nvPr/>
+        </p:nvSpPr>
+        <p:spPr>
+          <a:xfrm rot="5400000">
+            <a:off x="8222879" y="4705154"/>
+            <a:ext cx="251671" cy="873862"/>
+          </a:xfrm>
+          <a:prstGeom prst="upArrow">
+            <a:avLst/>
+          </a:prstGeom>
+          <a:solidFill>
+            <a:schemeClr val="tx2"/>
+          </a:solidFill>
+          <a:ln>
+            <a:noFill/>
+          </a:ln>
+          <a:effectLst>
+            <a:outerShdw blurRad="50800" dist="38100" dir="2700000" algn="tl" rotWithShape="0">
+              <a:prstClr val="black">
+                <a:alpha val="40000"/>
+              </a:prstClr>
+            </a:outerShdw>
+          </a:effectLst>
+        </p:spPr>
+        <p:style>
+          <a:lnRef idx="1">
+            <a:schemeClr val="accent1"/>
+          </a:lnRef>
+          <a:fillRef idx="3">
+            <a:schemeClr val="accent1"/>
+          </a:fillRef>
+          <a:effectRef idx="2">
+            <a:schemeClr val="accent1"/>
+          </a:effectRef>
+          <a:fontRef idx="minor">
+            <a:schemeClr val="lt1"/>
+          </a:fontRef>
+        </p:style>
+        <p:txBody>
+          <a:bodyPr rtlCol="0" anchor="ctr"/>
+          <a:lstStyle/>
+          <a:p>
+            <a:pPr algn="ctr"/>
+            <a:endParaRPr lang="en-US"/>
+          </a:p>
+        </p:txBody>
+      </p:sp>
+      <p:sp>
+        <p:nvSpPr>
+          <p:cNvPr id="44" name="Content Placeholder 3">
+            <a:extLst>
+              <a:ext uri="{FF2B5EF4-FFF2-40B4-BE49-F238E27FC236}">
+                <a16:creationId xmlns:a16="http://schemas.microsoft.com/office/drawing/2014/main" id="{C92D10F8-371D-4CE5-AC65-B314F1696AE5}"/>
+              </a:ext>
+            </a:extLst>
+          </p:cNvPr>
+          <p:cNvSpPr txBox="1">
+            <a:spLocks/>
           </p:cNvSpPr>
-          <p:nvPr>
-            <p:ph sz="half" idx="2"/>
-          </p:nvPr>
-        </p:nvSpPr>
-        <p:spPr/>
-        <p:txBody>
-          <a:bodyPr/>
-          <a:lstStyle/>
+          <p:nvPr/>
+        </p:nvSpPr>
+        <p:spPr>
+          <a:xfrm>
+            <a:off x="8349494" y="1440666"/>
+            <a:ext cx="3660559" cy="2845008"/>
+          </a:xfrm>
+          <a:prstGeom prst="rect">
+            <a:avLst/>
+          </a:prstGeom>
+        </p:spPr>
+        <p:txBody>
+          <a:bodyPr vert="horz" lIns="0" tIns="45717" rIns="0" bIns="45717" rtlCol="0">
+            <a:noAutofit/>
+          </a:bodyPr>
+          <a:lstStyle>
+            <a:lvl1pPr marL="0" marR="0" indent="0" algn="l" defTabSz="1219170" rtl="0" eaLnBrk="1" fontAlgn="auto" latinLnBrk="0" hangingPunct="1">
+              <a:lnSpc>
+                <a:spcPct val="100000"/>
+              </a:lnSpc>
+              <a:spcBef>
+                <a:spcPts val="533"/>
+              </a:spcBef>
+              <a:spcAft>
+                <a:spcPts val="0"/>
+              </a:spcAft>
+              <a:buClr>
+                <a:schemeClr val="bg2">
+                  <a:lumMod val="50000"/>
+                </a:schemeClr>
+              </a:buClr>
+              <a:buSzPct val="70000"/>
+              <a:buFont typeface="Wingdings" charset="2"/>
+              <a:buNone/>
+              <a:tabLst>
+                <a:tab pos="243834" algn="l"/>
+              </a:tabLst>
+              <a:defRPr lang="en-US" sz="2400" b="0" i="0" kern="1200" baseline="0" dirty="0" smtClean="0">
+                <a:solidFill>
+                  <a:schemeClr val="bg2">
+                    <a:lumMod val="25000"/>
+                  </a:schemeClr>
+                </a:solidFill>
+                <a:latin typeface="+mn-lt"/>
+                <a:ea typeface="Arial" charset="0"/>
+                <a:cs typeface="Arial" charset="0"/>
+              </a:defRPr>
+            </a:lvl1pPr>
+            <a:lvl2pPr marL="609585" indent="-243834" algn="l" defTabSz="1219170" rtl="0" eaLnBrk="1" latinLnBrk="0" hangingPunct="1">
+              <a:lnSpc>
+                <a:spcPct val="90000"/>
+              </a:lnSpc>
+              <a:spcBef>
+                <a:spcPts val="667"/>
+              </a:spcBef>
+              <a:buClr>
+                <a:schemeClr val="bg2">
+                  <a:lumMod val="50000"/>
+                </a:schemeClr>
+              </a:buClr>
+              <a:buSzPct val="70000"/>
+              <a:buFont typeface="Wingdings" charset="2"/>
+              <a:buChar char="§"/>
+              <a:defRPr lang="en-US" sz="2133" b="0" i="0" kern="1200" baseline="0" dirty="0" smtClean="0">
+                <a:solidFill>
+                  <a:schemeClr val="bg2">
+                    <a:lumMod val="25000"/>
+                  </a:schemeClr>
+                </a:solidFill>
+                <a:latin typeface="+mn-lt"/>
+                <a:ea typeface="+mn-ea"/>
+                <a:cs typeface="Univers LT Std 45 Light"/>
+              </a:defRPr>
+            </a:lvl2pPr>
+            <a:lvl3pPr marL="975336" indent="-243834" algn="l" defTabSz="1219170" rtl="0" eaLnBrk="1" latinLnBrk="0" hangingPunct="1">
+              <a:lnSpc>
+                <a:spcPct val="90000"/>
+              </a:lnSpc>
+              <a:spcBef>
+                <a:spcPts val="667"/>
+              </a:spcBef>
+              <a:buClr>
+                <a:schemeClr val="bg2">
+                  <a:lumMod val="50000"/>
+                </a:schemeClr>
+              </a:buClr>
+              <a:buSzPct val="70000"/>
+              <a:buFont typeface="Wingdings" charset="2"/>
+              <a:buChar char="§"/>
+              <a:defRPr lang="en-US" sz="1867" b="0" i="0" kern="1200" baseline="0" dirty="0" smtClean="0">
+                <a:solidFill>
+                  <a:schemeClr val="bg2">
+                    <a:lumMod val="25000"/>
+                  </a:schemeClr>
+                </a:solidFill>
+                <a:latin typeface="+mn-lt"/>
+                <a:ea typeface="+mn-ea"/>
+                <a:cs typeface="Univers LT Std 45 Light"/>
+              </a:defRPr>
+            </a:lvl3pPr>
+            <a:lvl4pPr marL="1219170" indent="-243834" algn="l" defTabSz="1219170" rtl="0" eaLnBrk="1" latinLnBrk="0" hangingPunct="1">
+              <a:lnSpc>
+                <a:spcPct val="90000"/>
+              </a:lnSpc>
+              <a:spcBef>
+                <a:spcPts val="667"/>
+              </a:spcBef>
+              <a:buClr>
+                <a:schemeClr val="bg2">
+                  <a:lumMod val="50000"/>
+                </a:schemeClr>
+              </a:buClr>
+              <a:buSzPct val="70000"/>
+              <a:buFont typeface="Wingdings" charset="2"/>
+              <a:buChar char="§"/>
+              <a:defRPr lang="en-US" sz="1600" b="0" i="0" kern="1200" baseline="0" dirty="0" smtClean="0">
+                <a:solidFill>
+                  <a:schemeClr val="bg2">
+                    <a:lumMod val="25000"/>
+                  </a:schemeClr>
+                </a:solidFill>
+                <a:latin typeface="+mn-lt"/>
+                <a:ea typeface="+mn-ea"/>
+                <a:cs typeface="Univers LT Std 45 Light"/>
+              </a:defRPr>
+            </a:lvl4pPr>
+            <a:lvl5pPr marL="2438339" indent="0" algn="l" defTabSz="1219170" rtl="0" eaLnBrk="1" latinLnBrk="0" hangingPunct="1">
+              <a:lnSpc>
+                <a:spcPct val="90000"/>
+              </a:lnSpc>
+              <a:spcBef>
+                <a:spcPts val="667"/>
+              </a:spcBef>
+              <a:buFont typeface="Arial"/>
+              <a:buNone/>
+              <a:defRPr sz="2133" b="0" i="0" kern="1200" baseline="0">
+                <a:solidFill>
+                  <a:schemeClr val="bg2">
+                    <a:lumMod val="25000"/>
+                  </a:schemeClr>
+                </a:solidFill>
+                <a:latin typeface="Helvetica Neue Light" charset="0"/>
+                <a:ea typeface="Helvetica Neue Light" charset="0"/>
+                <a:cs typeface="Helvetica Neue Light" charset="0"/>
+              </a:defRPr>
+            </a:lvl5pPr>
+            <a:lvl6pPr marL="3352716" indent="-304792" algn="l" defTabSz="1219170" rtl="0" eaLnBrk="1" latinLnBrk="0" hangingPunct="1">
+              <a:lnSpc>
+                <a:spcPct val="90000"/>
+              </a:lnSpc>
+              <a:spcBef>
+                <a:spcPts val="667"/>
+              </a:spcBef>
+              <a:buFont typeface="Arial"/>
+              <a:buChar char="•"/>
+              <a:defRPr sz="2400" kern="1200">
+                <a:solidFill>
+                  <a:schemeClr val="tx1"/>
+                </a:solidFill>
+                <a:latin typeface="+mn-lt"/>
+                <a:ea typeface="+mn-ea"/>
+                <a:cs typeface="+mn-cs"/>
+              </a:defRPr>
+            </a:lvl6pPr>
+            <a:lvl7pPr marL="3962301" indent="-304792" algn="l" defTabSz="1219170" rtl="0" eaLnBrk="1" latinLnBrk="0" hangingPunct="1">
+              <a:lnSpc>
+                <a:spcPct val="90000"/>
+              </a:lnSpc>
+              <a:spcBef>
+                <a:spcPts val="667"/>
+              </a:spcBef>
+              <a:buFont typeface="Arial"/>
+              <a:buChar char="•"/>
+              <a:defRPr sz="2400" kern="1200">
+                <a:solidFill>
+                  <a:schemeClr val="tx1"/>
+                </a:solidFill>
+                <a:latin typeface="+mn-lt"/>
+                <a:ea typeface="+mn-ea"/>
+                <a:cs typeface="+mn-cs"/>
+              </a:defRPr>
+            </a:lvl7pPr>
+            <a:lvl8pPr marL="4571886" indent="-304792" algn="l" defTabSz="1219170" rtl="0" eaLnBrk="1" latinLnBrk="0" hangingPunct="1">
+              <a:lnSpc>
+                <a:spcPct val="90000"/>
+              </a:lnSpc>
+              <a:spcBef>
+                <a:spcPts val="667"/>
+              </a:spcBef>
+              <a:buFont typeface="Arial"/>
+              <a:buChar char="•"/>
+              <a:defRPr sz="2400" kern="1200">
+                <a:solidFill>
+                  <a:schemeClr val="tx1"/>
+                </a:solidFill>
+                <a:latin typeface="+mn-lt"/>
+                <a:ea typeface="+mn-ea"/>
+                <a:cs typeface="+mn-cs"/>
+              </a:defRPr>
+            </a:lvl8pPr>
+            <a:lvl9pPr marL="5181470" indent="-304792" algn="l" defTabSz="1219170" rtl="0" eaLnBrk="1" latinLnBrk="0" hangingPunct="1">
+              <a:lnSpc>
+                <a:spcPct val="90000"/>
+              </a:lnSpc>
+              <a:spcBef>
+                <a:spcPts val="667"/>
+              </a:spcBef>
+              <a:buFont typeface="Arial"/>
+              <a:buChar char="•"/>
+              <a:defRPr sz="2400" kern="1200">
+                <a:solidFill>
+                  <a:schemeClr val="tx1"/>
+                </a:solidFill>
+                <a:latin typeface="+mn-lt"/>
+                <a:ea typeface="+mn-ea"/>
+                <a:cs typeface="+mn-cs"/>
+              </a:defRPr>
+            </a:lvl9pPr>
+          </a:lstStyle>
           <a:p>
             <a:r>
               <a:rPr lang="en-US" dirty="0"/>
@@ -9915,8 +11194,8 @@
         </p:nvSpPr>
         <p:spPr>
           <a:xfrm>
-            <a:off x="838200" y="1825625"/>
-            <a:ext cx="10515600" cy="1053976"/>
+            <a:off x="605367" y="975360"/>
+            <a:ext cx="10972800" cy="1185949"/>
           </a:xfrm>
         </p:spPr>
         <p:txBody>
@@ -9959,8 +11238,200 @@
         </p:nvSpPr>
         <p:spPr>
           <a:xfrm>
-            <a:off x="294867" y="4213645"/>
+            <a:off x="276394" y="3073081"/>
             <a:ext cx="1828800" cy="771787"/>
+          </a:xfrm>
+          <a:prstGeom prst="roundRect">
+            <a:avLst/>
+          </a:prstGeom>
+          <a:solidFill>
+            <a:schemeClr val="tx2">
+              <a:lumMod val="50000"/>
+            </a:schemeClr>
+          </a:solidFill>
+          <a:ln w="28575">
+            <a:solidFill>
+              <a:schemeClr val="tx1"/>
+            </a:solidFill>
+          </a:ln>
+          <a:effectLst>
+            <a:outerShdw blurRad="50800" dist="38100" dir="2700000" algn="tl" rotWithShape="0">
+              <a:prstClr val="black">
+                <a:alpha val="40000"/>
+              </a:prstClr>
+            </a:outerShdw>
+          </a:effectLst>
+        </p:spPr>
+        <p:style>
+          <a:lnRef idx="1">
+            <a:schemeClr val="accent1"/>
+          </a:lnRef>
+          <a:fillRef idx="3">
+            <a:schemeClr val="accent1"/>
+          </a:fillRef>
+          <a:effectRef idx="2">
+            <a:schemeClr val="accent1"/>
+          </a:effectRef>
+          <a:fontRef idx="minor">
+            <a:schemeClr val="lt1"/>
+          </a:fontRef>
+        </p:style>
+        <p:txBody>
+          <a:bodyPr rtlCol="0" anchor="ctr"/>
+          <a:lstStyle/>
+          <a:p>
+            <a:pPr algn="ctr"/>
+            <a:r>
+              <a:rPr lang="en-US" dirty="0"/>
+              <a:t>Custom Input Module 1</a:t>
+            </a:r>
+          </a:p>
+        </p:txBody>
+      </p:sp>
+      <p:sp>
+        <p:nvSpPr>
+          <p:cNvPr id="13" name="Rounded Rectangle 4">
+            <a:extLst>
+              <a:ext uri="{FF2B5EF4-FFF2-40B4-BE49-F238E27FC236}">
+                <a16:creationId xmlns:a16="http://schemas.microsoft.com/office/drawing/2014/main" id="{DF97D33A-496D-415C-9003-D9090F872DE8}"/>
+              </a:ext>
+            </a:extLst>
+          </p:cNvPr>
+          <p:cNvSpPr/>
+          <p:nvPr/>
+        </p:nvSpPr>
+        <p:spPr>
+          <a:xfrm>
+            <a:off x="2645735" y="3051838"/>
+            <a:ext cx="1828800" cy="771787"/>
+          </a:xfrm>
+          <a:prstGeom prst="roundRect">
+            <a:avLst/>
+          </a:prstGeom>
+          <a:solidFill>
+            <a:schemeClr val="accent6">
+              <a:lumMod val="75000"/>
+            </a:schemeClr>
+          </a:solidFill>
+          <a:ln w="28575">
+            <a:solidFill>
+              <a:schemeClr val="tx1"/>
+            </a:solidFill>
+          </a:ln>
+          <a:effectLst>
+            <a:outerShdw blurRad="50800" dist="38100" dir="2700000" algn="tl" rotWithShape="0">
+              <a:prstClr val="black">
+                <a:alpha val="40000"/>
+              </a:prstClr>
+            </a:outerShdw>
+          </a:effectLst>
+        </p:spPr>
+        <p:style>
+          <a:lnRef idx="1">
+            <a:schemeClr val="accent1"/>
+          </a:lnRef>
+          <a:fillRef idx="3">
+            <a:schemeClr val="accent1"/>
+          </a:fillRef>
+          <a:effectRef idx="2">
+            <a:schemeClr val="accent1"/>
+          </a:effectRef>
+          <a:fontRef idx="minor">
+            <a:schemeClr val="lt1"/>
+          </a:fontRef>
+        </p:style>
+        <p:txBody>
+          <a:bodyPr rtlCol="0" anchor="ctr"/>
+          <a:lstStyle/>
+          <a:p>
+            <a:pPr algn="ctr"/>
+            <a:r>
+              <a:rPr lang="en-US" dirty="0"/>
+              <a:t>Custom Process Module 1</a:t>
+            </a:r>
+          </a:p>
+        </p:txBody>
+      </p:sp>
+      <p:sp>
+        <p:nvSpPr>
+          <p:cNvPr id="14" name="Rounded Rectangle 5">
+            <a:extLst>
+              <a:ext uri="{FF2B5EF4-FFF2-40B4-BE49-F238E27FC236}">
+                <a16:creationId xmlns:a16="http://schemas.microsoft.com/office/drawing/2014/main" id="{AC7AE688-9FA1-4E17-8726-8DE82A9C07BB}"/>
+              </a:ext>
+            </a:extLst>
+          </p:cNvPr>
+          <p:cNvSpPr/>
+          <p:nvPr/>
+        </p:nvSpPr>
+        <p:spPr>
+          <a:xfrm>
+            <a:off x="4897956" y="3051836"/>
+            <a:ext cx="1828800" cy="771787"/>
+          </a:xfrm>
+          <a:prstGeom prst="roundRect">
+            <a:avLst/>
+          </a:prstGeom>
+          <a:solidFill>
+            <a:schemeClr val="tx2">
+              <a:lumMod val="50000"/>
+            </a:schemeClr>
+          </a:solidFill>
+          <a:ln w="28575">
+            <a:solidFill>
+              <a:schemeClr val="tx1"/>
+            </a:solidFill>
+          </a:ln>
+          <a:effectLst>
+            <a:outerShdw blurRad="50800" dist="38100" dir="2700000" algn="tl" rotWithShape="0">
+              <a:prstClr val="black">
+                <a:alpha val="40000"/>
+              </a:prstClr>
+            </a:outerShdw>
+          </a:effectLst>
+        </p:spPr>
+        <p:style>
+          <a:lnRef idx="1">
+            <a:schemeClr val="accent1"/>
+          </a:lnRef>
+          <a:fillRef idx="3">
+            <a:schemeClr val="accent1"/>
+          </a:fillRef>
+          <a:effectRef idx="2">
+            <a:schemeClr val="accent1"/>
+          </a:effectRef>
+          <a:fontRef idx="minor">
+            <a:schemeClr val="lt1"/>
+          </a:fontRef>
+        </p:style>
+        <p:txBody>
+          <a:bodyPr rtlCol="0" anchor="ctr"/>
+          <a:lstStyle/>
+          <a:p>
+            <a:pPr algn="ctr"/>
+            <a:r>
+              <a:rPr lang="en-US" dirty="0"/>
+              <a:t>Scan Engine Module</a:t>
+            </a:r>
+          </a:p>
+        </p:txBody>
+      </p:sp>
+      <p:sp>
+        <p:nvSpPr>
+          <p:cNvPr id="15" name="Rounded Rectangle 6">
+            <a:extLst>
+              <a:ext uri="{FF2B5EF4-FFF2-40B4-BE49-F238E27FC236}">
+                <a16:creationId xmlns:a16="http://schemas.microsoft.com/office/drawing/2014/main" id="{175EFA03-0F68-4E83-A963-597CBB5A67DF}"/>
+              </a:ext>
+            </a:extLst>
+          </p:cNvPr>
+          <p:cNvSpPr/>
+          <p:nvPr/>
+        </p:nvSpPr>
+        <p:spPr>
+          <a:xfrm>
+            <a:off x="276395" y="2161309"/>
+            <a:ext cx="6450362" cy="771787"/>
           </a:xfrm>
           <a:prstGeom prst="roundRect">
             <a:avLst/>
@@ -10002,17 +11473,17 @@
             <a:pPr algn="ctr"/>
             <a:r>
               <a:rPr lang="en-US" dirty="0"/>
-              <a:t>Custom Input Module 1</a:t>
-            </a:r>
-          </a:p>
-        </p:txBody>
-      </p:sp>
-      <p:sp>
-        <p:nvSpPr>
-          <p:cNvPr id="13" name="Rounded Rectangle 4">
+              <a:t>Engine</a:t>
+            </a:r>
+          </a:p>
+        </p:txBody>
+      </p:sp>
+      <p:sp>
+        <p:nvSpPr>
+          <p:cNvPr id="19" name="Up Arrow 10">
             <a:extLst>
               <a:ext uri="{FF2B5EF4-FFF2-40B4-BE49-F238E27FC236}">
-                <a16:creationId xmlns:a16="http://schemas.microsoft.com/office/drawing/2014/main" id="{DF97D33A-496D-415C-9003-D9090F872DE8}"/>
+                <a16:creationId xmlns:a16="http://schemas.microsoft.com/office/drawing/2014/main" id="{2607A99D-61B4-467E-BBED-0AA7D97CB935}"/>
               </a:ext>
             </a:extLst>
           </p:cNvPr>
@@ -10020,9 +11491,485 @@
           <p:nvPr/>
         </p:nvSpPr>
         <p:spPr>
-          <a:xfrm>
-            <a:off x="2664208" y="4192402"/>
+          <a:xfrm rot="5400000">
+            <a:off x="2308189" y="3097288"/>
+            <a:ext cx="251671" cy="680885"/>
+          </a:xfrm>
+          <a:prstGeom prst="upArrow">
+            <a:avLst/>
+          </a:prstGeom>
+          <a:solidFill>
+            <a:schemeClr val="accent1"/>
+          </a:solidFill>
+          <a:ln>
+            <a:noFill/>
+          </a:ln>
+          <a:effectLst>
+            <a:outerShdw blurRad="50800" dist="38100" dir="2700000" algn="tl" rotWithShape="0">
+              <a:prstClr val="black">
+                <a:alpha val="40000"/>
+              </a:prstClr>
+            </a:outerShdw>
+          </a:effectLst>
+        </p:spPr>
+        <p:style>
+          <a:lnRef idx="1">
+            <a:schemeClr val="accent1"/>
+          </a:lnRef>
+          <a:fillRef idx="3">
+            <a:schemeClr val="accent1"/>
+          </a:fillRef>
+          <a:effectRef idx="2">
+            <a:schemeClr val="accent1"/>
+          </a:effectRef>
+          <a:fontRef idx="minor">
+            <a:schemeClr val="lt1"/>
+          </a:fontRef>
+        </p:style>
+        <p:txBody>
+          <a:bodyPr rtlCol="0" anchor="ctr"/>
+          <a:lstStyle/>
+          <a:p>
+            <a:pPr algn="ctr"/>
+            <a:endParaRPr lang="en-US"/>
+          </a:p>
+        </p:txBody>
+      </p:sp>
+      <p:sp>
+        <p:nvSpPr>
+          <p:cNvPr id="21" name="Cloud 20">
+            <a:extLst>
+              <a:ext uri="{FF2B5EF4-FFF2-40B4-BE49-F238E27FC236}">
+                <a16:creationId xmlns:a16="http://schemas.microsoft.com/office/drawing/2014/main" id="{90E59BB9-204E-4888-8718-CEF2A224153E}"/>
+              </a:ext>
+            </a:extLst>
+          </p:cNvPr>
+          <p:cNvSpPr/>
+          <p:nvPr/>
+        </p:nvSpPr>
+        <p:spPr>
+          <a:xfrm>
+            <a:off x="504067" y="4361383"/>
+            <a:ext cx="1373453" cy="839972"/>
+          </a:xfrm>
+          <a:prstGeom prst="cloud">
+            <a:avLst/>
+          </a:prstGeom>
+          <a:noFill/>
+          <a:ln w="12700">
+            <a:solidFill>
+              <a:srgbClr val="0A60A3"/>
+            </a:solidFill>
+          </a:ln>
+          <a:effectLst/>
+        </p:spPr>
+        <p:style>
+          <a:lnRef idx="1">
+            <a:schemeClr val="accent1"/>
+          </a:lnRef>
+          <a:fillRef idx="3">
+            <a:schemeClr val="accent1"/>
+          </a:fillRef>
+          <a:effectRef idx="2">
+            <a:schemeClr val="accent1"/>
+          </a:effectRef>
+          <a:fontRef idx="minor">
+            <a:schemeClr val="lt1"/>
+          </a:fontRef>
+        </p:style>
+        <p:txBody>
+          <a:bodyPr lIns="0" rIns="0" rtlCol="0" anchor="ctr"/>
+          <a:lstStyle/>
+          <a:p>
+            <a:pPr algn="ctr"/>
+            <a:r>
+              <a:rPr lang="en-US" dirty="0">
+                <a:solidFill>
+                  <a:schemeClr val="tx1"/>
+                </a:solidFill>
+              </a:rPr>
+              <a:t>Outside</a:t>
+            </a:r>
+          </a:p>
+        </p:txBody>
+      </p:sp>
+      <p:sp>
+        <p:nvSpPr>
+          <p:cNvPr id="22" name="Cloud 21">
+            <a:extLst>
+              <a:ext uri="{FF2B5EF4-FFF2-40B4-BE49-F238E27FC236}">
+                <a16:creationId xmlns:a16="http://schemas.microsoft.com/office/drawing/2014/main" id="{09B02587-D073-4F9A-BCEA-01621FBAE694}"/>
+              </a:ext>
+            </a:extLst>
+          </p:cNvPr>
+          <p:cNvSpPr/>
+          <p:nvPr/>
+        </p:nvSpPr>
+        <p:spPr>
+          <a:xfrm>
+            <a:off x="5117922" y="4361383"/>
+            <a:ext cx="1373453" cy="839972"/>
+          </a:xfrm>
+          <a:prstGeom prst="cloud">
+            <a:avLst/>
+          </a:prstGeom>
+          <a:noFill/>
+          <a:ln w="12700">
+            <a:solidFill>
+              <a:srgbClr val="0A60A3"/>
+            </a:solidFill>
+          </a:ln>
+          <a:effectLst/>
+        </p:spPr>
+        <p:style>
+          <a:lnRef idx="1">
+            <a:schemeClr val="accent1"/>
+          </a:lnRef>
+          <a:fillRef idx="3">
+            <a:schemeClr val="accent1"/>
+          </a:fillRef>
+          <a:effectRef idx="2">
+            <a:schemeClr val="accent1"/>
+          </a:effectRef>
+          <a:fontRef idx="minor">
+            <a:schemeClr val="lt1"/>
+          </a:fontRef>
+        </p:style>
+        <p:txBody>
+          <a:bodyPr lIns="0" rIns="0" rtlCol="0" anchor="ctr"/>
+          <a:lstStyle/>
+          <a:p>
+            <a:pPr algn="ctr"/>
+            <a:r>
+              <a:rPr lang="en-US" dirty="0">
+                <a:solidFill>
+                  <a:schemeClr val="tx1"/>
+                </a:solidFill>
+              </a:rPr>
+              <a:t>Outside</a:t>
+            </a:r>
+          </a:p>
+        </p:txBody>
+      </p:sp>
+      <p:sp>
+        <p:nvSpPr>
+          <p:cNvPr id="23" name="Up Arrow 20">
+            <a:extLst>
+              <a:ext uri="{FF2B5EF4-FFF2-40B4-BE49-F238E27FC236}">
+                <a16:creationId xmlns:a16="http://schemas.microsoft.com/office/drawing/2014/main" id="{A68F2FA6-0C89-4906-9937-FED90954453C}"/>
+              </a:ext>
+            </a:extLst>
+          </p:cNvPr>
+          <p:cNvSpPr/>
+          <p:nvPr/>
+        </p:nvSpPr>
+        <p:spPr>
+          <a:xfrm>
+            <a:off x="1128865" y="3826648"/>
+            <a:ext cx="251671" cy="680885"/>
+          </a:xfrm>
+          <a:prstGeom prst="upArrow">
+            <a:avLst/>
+          </a:prstGeom>
+          <a:solidFill>
+            <a:schemeClr val="bg2">
+              <a:lumMod val="75000"/>
+            </a:schemeClr>
+          </a:solidFill>
+          <a:ln>
+            <a:noFill/>
+          </a:ln>
+          <a:effectLst>
+            <a:outerShdw blurRad="50800" dist="38100" dir="2700000" algn="tl" rotWithShape="0">
+              <a:prstClr val="black">
+                <a:alpha val="40000"/>
+              </a:prstClr>
+            </a:outerShdw>
+          </a:effectLst>
+        </p:spPr>
+        <p:style>
+          <a:lnRef idx="1">
+            <a:schemeClr val="accent1"/>
+          </a:lnRef>
+          <a:fillRef idx="3">
+            <a:schemeClr val="accent1"/>
+          </a:fillRef>
+          <a:effectRef idx="2">
+            <a:schemeClr val="accent1"/>
+          </a:effectRef>
+          <a:fontRef idx="minor">
+            <a:schemeClr val="lt1"/>
+          </a:fontRef>
+        </p:style>
+        <p:txBody>
+          <a:bodyPr rtlCol="0" anchor="ctr"/>
+          <a:lstStyle/>
+          <a:p>
+            <a:pPr algn="ctr"/>
+            <a:endParaRPr lang="en-US"/>
+          </a:p>
+        </p:txBody>
+      </p:sp>
+      <p:sp>
+        <p:nvSpPr>
+          <p:cNvPr id="24" name="Up Arrow 21">
+            <a:extLst>
+              <a:ext uri="{FF2B5EF4-FFF2-40B4-BE49-F238E27FC236}">
+                <a16:creationId xmlns:a16="http://schemas.microsoft.com/office/drawing/2014/main" id="{D68BCC7F-FC49-40A6-AF7A-82C4B8783470}"/>
+              </a:ext>
+            </a:extLst>
+          </p:cNvPr>
+          <p:cNvSpPr/>
+          <p:nvPr/>
+        </p:nvSpPr>
+        <p:spPr>
+          <a:xfrm rot="10800000">
+            <a:off x="5762484" y="3823623"/>
+            <a:ext cx="251671" cy="680885"/>
+          </a:xfrm>
+          <a:prstGeom prst="upArrow">
+            <a:avLst/>
+          </a:prstGeom>
+          <a:solidFill>
+            <a:schemeClr val="bg2">
+              <a:lumMod val="75000"/>
+            </a:schemeClr>
+          </a:solidFill>
+          <a:ln>
+            <a:noFill/>
+          </a:ln>
+          <a:effectLst>
+            <a:outerShdw blurRad="50800" dist="38100" dir="2700000" algn="tl" rotWithShape="0">
+              <a:prstClr val="black">
+                <a:alpha val="40000"/>
+              </a:prstClr>
+            </a:outerShdw>
+          </a:effectLst>
+        </p:spPr>
+        <p:style>
+          <a:lnRef idx="1">
+            <a:schemeClr val="accent1"/>
+          </a:lnRef>
+          <a:fillRef idx="3">
+            <a:schemeClr val="accent1"/>
+          </a:fillRef>
+          <a:effectRef idx="2">
+            <a:schemeClr val="accent1"/>
+          </a:effectRef>
+          <a:fontRef idx="minor">
+            <a:schemeClr val="lt1"/>
+          </a:fontRef>
+        </p:style>
+        <p:txBody>
+          <a:bodyPr rtlCol="0" anchor="ctr"/>
+          <a:lstStyle/>
+          <a:p>
+            <a:pPr algn="ctr"/>
+            <a:endParaRPr lang="en-US"/>
+          </a:p>
+        </p:txBody>
+      </p:sp>
+      <p:sp>
+        <p:nvSpPr>
+          <p:cNvPr id="27" name="Up Arrow 10">
+            <a:extLst>
+              <a:ext uri="{FF2B5EF4-FFF2-40B4-BE49-F238E27FC236}">
+                <a16:creationId xmlns:a16="http://schemas.microsoft.com/office/drawing/2014/main" id="{62E99CE7-AF3E-42A9-AE95-2940A292B10F}"/>
+              </a:ext>
+            </a:extLst>
+          </p:cNvPr>
+          <p:cNvSpPr/>
+          <p:nvPr/>
+        </p:nvSpPr>
+        <p:spPr>
+          <a:xfrm rot="5400000">
+            <a:off x="4689142" y="3097288"/>
+            <a:ext cx="251671" cy="680885"/>
+          </a:xfrm>
+          <a:prstGeom prst="upArrow">
+            <a:avLst/>
+          </a:prstGeom>
+          <a:solidFill>
+            <a:schemeClr val="accent1"/>
+          </a:solidFill>
+          <a:ln>
+            <a:noFill/>
+          </a:ln>
+          <a:effectLst>
+            <a:outerShdw blurRad="50800" dist="38100" dir="2700000" algn="tl" rotWithShape="0">
+              <a:prstClr val="black">
+                <a:alpha val="40000"/>
+              </a:prstClr>
+            </a:outerShdw>
+          </a:effectLst>
+        </p:spPr>
+        <p:style>
+          <a:lnRef idx="1">
+            <a:schemeClr val="accent1"/>
+          </a:lnRef>
+          <a:fillRef idx="3">
+            <a:schemeClr val="accent1"/>
+          </a:fillRef>
+          <a:effectRef idx="2">
+            <a:schemeClr val="accent1"/>
+          </a:effectRef>
+          <a:fontRef idx="minor">
+            <a:schemeClr val="lt1"/>
+          </a:fontRef>
+        </p:style>
+        <p:txBody>
+          <a:bodyPr rtlCol="0" anchor="ctr"/>
+          <a:lstStyle/>
+          <a:p>
+            <a:pPr algn="ctr"/>
+            <a:endParaRPr lang="en-US"/>
+          </a:p>
+        </p:txBody>
+      </p:sp>
+      <p:sp>
+        <p:nvSpPr>
+          <p:cNvPr id="28" name="Rounded Rectangle 3">
+            <a:extLst>
+              <a:ext uri="{FF2B5EF4-FFF2-40B4-BE49-F238E27FC236}">
+                <a16:creationId xmlns:a16="http://schemas.microsoft.com/office/drawing/2014/main" id="{7CC7B42D-4BD3-4843-B649-D1D2C51AC315}"/>
+              </a:ext>
+            </a:extLst>
+          </p:cNvPr>
+          <p:cNvSpPr/>
+          <p:nvPr/>
+        </p:nvSpPr>
+        <p:spPr>
+          <a:xfrm>
+            <a:off x="7490956" y="3068104"/>
             <a:ext cx="1828800" cy="771787"/>
+          </a:xfrm>
+          <a:prstGeom prst="roundRect">
+            <a:avLst/>
+          </a:prstGeom>
+          <a:solidFill>
+            <a:schemeClr val="tx2">
+              <a:lumMod val="50000"/>
+            </a:schemeClr>
+          </a:solidFill>
+          <a:ln w="28575">
+            <a:solidFill>
+              <a:schemeClr val="tx1"/>
+            </a:solidFill>
+          </a:ln>
+          <a:effectLst>
+            <a:outerShdw blurRad="50800" dist="38100" dir="2700000" algn="tl" rotWithShape="0">
+              <a:prstClr val="black">
+                <a:alpha val="40000"/>
+              </a:prstClr>
+            </a:outerShdw>
+          </a:effectLst>
+        </p:spPr>
+        <p:style>
+          <a:lnRef idx="1">
+            <a:schemeClr val="accent1"/>
+          </a:lnRef>
+          <a:fillRef idx="3">
+            <a:schemeClr val="accent1"/>
+          </a:fillRef>
+          <a:effectRef idx="2">
+            <a:schemeClr val="accent1"/>
+          </a:effectRef>
+          <a:fontRef idx="minor">
+            <a:schemeClr val="lt1"/>
+          </a:fontRef>
+        </p:style>
+        <p:txBody>
+          <a:bodyPr rtlCol="0" anchor="ctr"/>
+          <a:lstStyle/>
+          <a:p>
+            <a:pPr algn="ctr"/>
+            <a:r>
+              <a:rPr lang="en-US" dirty="0"/>
+              <a:t>Custom Input And Process</a:t>
+            </a:r>
+          </a:p>
+        </p:txBody>
+      </p:sp>
+      <p:sp>
+        <p:nvSpPr>
+          <p:cNvPr id="30" name="Rounded Rectangle 5">
+            <a:extLst>
+              <a:ext uri="{FF2B5EF4-FFF2-40B4-BE49-F238E27FC236}">
+                <a16:creationId xmlns:a16="http://schemas.microsoft.com/office/drawing/2014/main" id="{0B903C28-4763-4F90-A3ED-ECBCE2F72FF9}"/>
+              </a:ext>
+            </a:extLst>
+          </p:cNvPr>
+          <p:cNvSpPr/>
+          <p:nvPr/>
+        </p:nvSpPr>
+        <p:spPr>
+          <a:xfrm>
+            <a:off x="9822187" y="3051835"/>
+            <a:ext cx="1828800" cy="771787"/>
+          </a:xfrm>
+          <a:prstGeom prst="roundRect">
+            <a:avLst/>
+          </a:prstGeom>
+          <a:solidFill>
+            <a:schemeClr val="tx2">
+              <a:lumMod val="50000"/>
+            </a:schemeClr>
+          </a:solidFill>
+          <a:ln w="28575">
+            <a:solidFill>
+              <a:schemeClr val="tx1"/>
+            </a:solidFill>
+          </a:ln>
+          <a:effectLst>
+            <a:outerShdw blurRad="50800" dist="38100" dir="2700000" algn="tl" rotWithShape="0">
+              <a:prstClr val="black">
+                <a:alpha val="40000"/>
+              </a:prstClr>
+            </a:outerShdw>
+          </a:effectLst>
+        </p:spPr>
+        <p:style>
+          <a:lnRef idx="1">
+            <a:schemeClr val="accent1"/>
+          </a:lnRef>
+          <a:fillRef idx="3">
+            <a:schemeClr val="accent1"/>
+          </a:fillRef>
+          <a:effectRef idx="2">
+            <a:schemeClr val="accent1"/>
+          </a:effectRef>
+          <a:fontRef idx="minor">
+            <a:schemeClr val="lt1"/>
+          </a:fontRef>
+        </p:style>
+        <p:txBody>
+          <a:bodyPr rtlCol="0" anchor="ctr"/>
+          <a:lstStyle/>
+          <a:p>
+            <a:pPr algn="ctr"/>
+            <a:r>
+              <a:rPr lang="en-US" dirty="0"/>
+              <a:t>Scan Engine Module</a:t>
+            </a:r>
+          </a:p>
+        </p:txBody>
+      </p:sp>
+      <p:sp>
+        <p:nvSpPr>
+          <p:cNvPr id="31" name="Rounded Rectangle 6">
+            <a:extLst>
+              <a:ext uri="{FF2B5EF4-FFF2-40B4-BE49-F238E27FC236}">
+                <a16:creationId xmlns:a16="http://schemas.microsoft.com/office/drawing/2014/main" id="{AFF795A6-D376-453A-A277-8A8D3F27E28E}"/>
+              </a:ext>
+            </a:extLst>
+          </p:cNvPr>
+          <p:cNvSpPr/>
+          <p:nvPr/>
+        </p:nvSpPr>
+        <p:spPr>
+          <a:xfrm>
+            <a:off x="7468203" y="2161309"/>
+            <a:ext cx="4182784" cy="771787"/>
           </a:xfrm>
           <a:prstGeom prst="roundRect">
             <a:avLst/>
@@ -10064,17 +12011,17 @@
             <a:pPr algn="ctr"/>
             <a:r>
               <a:rPr lang="en-US" dirty="0"/>
-              <a:t>Custom Process Module 1</a:t>
-            </a:r>
-          </a:p>
-        </p:txBody>
-      </p:sp>
-      <p:sp>
-        <p:nvSpPr>
-          <p:cNvPr id="14" name="Rounded Rectangle 5">
+              <a:t>Engine</a:t>
+            </a:r>
+          </a:p>
+        </p:txBody>
+      </p:sp>
+      <p:sp>
+        <p:nvSpPr>
+          <p:cNvPr id="32" name="Up Arrow 10">
             <a:extLst>
               <a:ext uri="{FF2B5EF4-FFF2-40B4-BE49-F238E27FC236}">
-                <a16:creationId xmlns:a16="http://schemas.microsoft.com/office/drawing/2014/main" id="{AC7AE688-9FA1-4E17-8726-8DE82A9C07BB}"/>
+                <a16:creationId xmlns:a16="http://schemas.microsoft.com/office/drawing/2014/main" id="{E1A389EB-BBC6-4B8E-810F-A0D4A178D4BB}"/>
               </a:ext>
             </a:extLst>
           </p:cNvPr>
@@ -10082,132 +12029,8 @@
           <p:nvPr/>
         </p:nvSpPr>
         <p:spPr>
-          <a:xfrm>
-            <a:off x="4916429" y="4192400"/>
-            <a:ext cx="1828800" cy="771787"/>
-          </a:xfrm>
-          <a:prstGeom prst="roundRect">
-            <a:avLst/>
-          </a:prstGeom>
-          <a:solidFill>
-            <a:srgbClr val="C00000"/>
-          </a:solidFill>
-          <a:ln w="28575">
-            <a:solidFill>
-              <a:schemeClr val="tx1"/>
-            </a:solidFill>
-          </a:ln>
-          <a:effectLst>
-            <a:outerShdw blurRad="50800" dist="38100" dir="2700000" algn="tl" rotWithShape="0">
-              <a:prstClr val="black">
-                <a:alpha val="40000"/>
-              </a:prstClr>
-            </a:outerShdw>
-          </a:effectLst>
-        </p:spPr>
-        <p:style>
-          <a:lnRef idx="1">
-            <a:schemeClr val="accent1"/>
-          </a:lnRef>
-          <a:fillRef idx="3">
-            <a:schemeClr val="accent1"/>
-          </a:fillRef>
-          <a:effectRef idx="2">
-            <a:schemeClr val="accent1"/>
-          </a:effectRef>
-          <a:fontRef idx="minor">
-            <a:schemeClr val="lt1"/>
-          </a:fontRef>
-        </p:style>
-        <p:txBody>
-          <a:bodyPr rtlCol="0" anchor="ctr"/>
-          <a:lstStyle/>
-          <a:p>
-            <a:pPr algn="ctr"/>
-            <a:r>
-              <a:rPr lang="en-US" dirty="0"/>
-              <a:t>Scan Engine Module</a:t>
-            </a:r>
-          </a:p>
-        </p:txBody>
-      </p:sp>
-      <p:sp>
-        <p:nvSpPr>
-          <p:cNvPr id="15" name="Rounded Rectangle 6">
-            <a:extLst>
-              <a:ext uri="{FF2B5EF4-FFF2-40B4-BE49-F238E27FC236}">
-                <a16:creationId xmlns:a16="http://schemas.microsoft.com/office/drawing/2014/main" id="{175EFA03-0F68-4E83-A963-597CBB5A67DF}"/>
-              </a:ext>
-            </a:extLst>
-          </p:cNvPr>
-          <p:cNvSpPr/>
-          <p:nvPr/>
-        </p:nvSpPr>
-        <p:spPr>
-          <a:xfrm>
-            <a:off x="294868" y="3301873"/>
-            <a:ext cx="6450362" cy="771787"/>
-          </a:xfrm>
-          <a:prstGeom prst="roundRect">
-            <a:avLst/>
-          </a:prstGeom>
-          <a:solidFill>
-            <a:srgbClr val="007200"/>
-          </a:solidFill>
-          <a:ln w="28575">
-            <a:solidFill>
-              <a:schemeClr val="tx1"/>
-            </a:solidFill>
-          </a:ln>
-          <a:effectLst>
-            <a:outerShdw blurRad="50800" dist="38100" dir="2700000" algn="tl" rotWithShape="0">
-              <a:prstClr val="black">
-                <a:alpha val="40000"/>
-              </a:prstClr>
-            </a:outerShdw>
-          </a:effectLst>
-        </p:spPr>
-        <p:style>
-          <a:lnRef idx="1">
-            <a:schemeClr val="accent1"/>
-          </a:lnRef>
-          <a:fillRef idx="3">
-            <a:schemeClr val="accent1"/>
-          </a:fillRef>
-          <a:effectRef idx="2">
-            <a:schemeClr val="accent1"/>
-          </a:effectRef>
-          <a:fontRef idx="minor">
-            <a:schemeClr val="lt1"/>
-          </a:fontRef>
-        </p:style>
-        <p:txBody>
-          <a:bodyPr rtlCol="0" anchor="ctr"/>
-          <a:lstStyle/>
-          <a:p>
-            <a:pPr algn="ctr"/>
-            <a:r>
-              <a:rPr lang="en-US" dirty="0"/>
-              <a:t>Engine</a:t>
-            </a:r>
-          </a:p>
-        </p:txBody>
-      </p:sp>
-      <p:sp>
-        <p:nvSpPr>
-          <p:cNvPr id="19" name="Up Arrow 10">
-            <a:extLst>
-              <a:ext uri="{FF2B5EF4-FFF2-40B4-BE49-F238E27FC236}">
-                <a16:creationId xmlns:a16="http://schemas.microsoft.com/office/drawing/2014/main" id="{2607A99D-61B4-467E-BBED-0AA7D97CB935}"/>
-              </a:ext>
-            </a:extLst>
-          </p:cNvPr>
-          <p:cNvSpPr/>
-          <p:nvPr/>
-        </p:nvSpPr>
-        <p:spPr>
           <a:xfrm rot="5400000">
-            <a:off x="2326662" y="4237852"/>
+            <a:off x="9445136" y="3113554"/>
             <a:ext cx="251671" cy="680885"/>
           </a:xfrm>
           <a:prstGeom prst="upArrow">
@@ -10252,10 +12075,10 @@
       </p:sp>
       <p:sp>
         <p:nvSpPr>
-          <p:cNvPr id="21" name="Cloud 20">
+          <p:cNvPr id="33" name="Cloud 32">
             <a:extLst>
               <a:ext uri="{FF2B5EF4-FFF2-40B4-BE49-F238E27FC236}">
-                <a16:creationId xmlns:a16="http://schemas.microsoft.com/office/drawing/2014/main" id="{90E59BB9-204E-4888-8718-CEF2A224153E}"/>
+                <a16:creationId xmlns:a16="http://schemas.microsoft.com/office/drawing/2014/main" id="{C2E753F2-BEB5-4C4A-AEDC-FA5ACD0D966C}"/>
               </a:ext>
             </a:extLst>
           </p:cNvPr>
@@ -10264,7 +12087,7 @@
         </p:nvSpPr>
         <p:spPr>
           <a:xfrm>
-            <a:off x="522540" y="5501947"/>
+            <a:off x="7695876" y="4361383"/>
             <a:ext cx="1373453" cy="839972"/>
           </a:xfrm>
           <a:prstGeom prst="cloud">
@@ -10310,10 +12133,10 @@
       </p:sp>
       <p:sp>
         <p:nvSpPr>
-          <p:cNvPr id="22" name="Cloud 21">
+          <p:cNvPr id="34" name="Cloud 33">
             <a:extLst>
               <a:ext uri="{FF2B5EF4-FFF2-40B4-BE49-F238E27FC236}">
-                <a16:creationId xmlns:a16="http://schemas.microsoft.com/office/drawing/2014/main" id="{09B02587-D073-4F9A-BCEA-01621FBAE694}"/>
+                <a16:creationId xmlns:a16="http://schemas.microsoft.com/office/drawing/2014/main" id="{FEC2E4AB-6521-481F-ADFC-4964E1CACE33}"/>
               </a:ext>
             </a:extLst>
           </p:cNvPr>
@@ -10322,7 +12145,7 @@
         </p:nvSpPr>
         <p:spPr>
           <a:xfrm>
-            <a:off x="5136395" y="5501947"/>
+            <a:off x="10049860" y="4344418"/>
             <a:ext cx="1373453" cy="839972"/>
           </a:xfrm>
           <a:prstGeom prst="cloud">
@@ -10368,10 +12191,10 @@
       </p:sp>
       <p:sp>
         <p:nvSpPr>
-          <p:cNvPr id="23" name="Up Arrow 20">
+          <p:cNvPr id="35" name="Up Arrow 20">
             <a:extLst>
               <a:ext uri="{FF2B5EF4-FFF2-40B4-BE49-F238E27FC236}">
-                <a16:creationId xmlns:a16="http://schemas.microsoft.com/office/drawing/2014/main" id="{A68F2FA6-0C89-4906-9937-FED90954453C}"/>
+                <a16:creationId xmlns:a16="http://schemas.microsoft.com/office/drawing/2014/main" id="{2A061AF9-629F-47D4-9B2F-43A12A96C8D4}"/>
               </a:ext>
             </a:extLst>
           </p:cNvPr>
@@ -10380,7 +12203,7 @@
         </p:nvSpPr>
         <p:spPr>
           <a:xfrm>
-            <a:off x="1147338" y="4967212"/>
+            <a:off x="8320674" y="3826648"/>
             <a:ext cx="251671" cy="680885"/>
           </a:xfrm>
           <a:prstGeom prst="upArrow">
@@ -10427,540 +12250,6 @@
       </p:sp>
       <p:sp>
         <p:nvSpPr>
-          <p:cNvPr id="24" name="Up Arrow 21">
-            <a:extLst>
-              <a:ext uri="{FF2B5EF4-FFF2-40B4-BE49-F238E27FC236}">
-                <a16:creationId xmlns:a16="http://schemas.microsoft.com/office/drawing/2014/main" id="{D68BCC7F-FC49-40A6-AF7A-82C4B8783470}"/>
-              </a:ext>
-            </a:extLst>
-          </p:cNvPr>
-          <p:cNvSpPr/>
-          <p:nvPr/>
-        </p:nvSpPr>
-        <p:spPr>
-          <a:xfrm rot="10800000">
-            <a:off x="5780957" y="4964187"/>
-            <a:ext cx="251671" cy="680885"/>
-          </a:xfrm>
-          <a:prstGeom prst="upArrow">
-            <a:avLst/>
-          </a:prstGeom>
-          <a:solidFill>
-            <a:schemeClr val="bg2">
-              <a:lumMod val="75000"/>
-            </a:schemeClr>
-          </a:solidFill>
-          <a:ln>
-            <a:noFill/>
-          </a:ln>
-          <a:effectLst>
-            <a:outerShdw blurRad="50800" dist="38100" dir="2700000" algn="tl" rotWithShape="0">
-              <a:prstClr val="black">
-                <a:alpha val="40000"/>
-              </a:prstClr>
-            </a:outerShdw>
-          </a:effectLst>
-        </p:spPr>
-        <p:style>
-          <a:lnRef idx="1">
-            <a:schemeClr val="accent1"/>
-          </a:lnRef>
-          <a:fillRef idx="3">
-            <a:schemeClr val="accent1"/>
-          </a:fillRef>
-          <a:effectRef idx="2">
-            <a:schemeClr val="accent1"/>
-          </a:effectRef>
-          <a:fontRef idx="minor">
-            <a:schemeClr val="lt1"/>
-          </a:fontRef>
-        </p:style>
-        <p:txBody>
-          <a:bodyPr rtlCol="0" anchor="ctr"/>
-          <a:lstStyle/>
-          <a:p>
-            <a:pPr algn="ctr"/>
-            <a:endParaRPr lang="en-US"/>
-          </a:p>
-        </p:txBody>
-      </p:sp>
-      <p:sp>
-        <p:nvSpPr>
-          <p:cNvPr id="27" name="Up Arrow 10">
-            <a:extLst>
-              <a:ext uri="{FF2B5EF4-FFF2-40B4-BE49-F238E27FC236}">
-                <a16:creationId xmlns:a16="http://schemas.microsoft.com/office/drawing/2014/main" id="{62E99CE7-AF3E-42A9-AE95-2940A292B10F}"/>
-              </a:ext>
-            </a:extLst>
-          </p:cNvPr>
-          <p:cNvSpPr/>
-          <p:nvPr/>
-        </p:nvSpPr>
-        <p:spPr>
-          <a:xfrm rot="5400000">
-            <a:off x="4707615" y="4237852"/>
-            <a:ext cx="251671" cy="680885"/>
-          </a:xfrm>
-          <a:prstGeom prst="upArrow">
-            <a:avLst/>
-          </a:prstGeom>
-          <a:solidFill>
-            <a:schemeClr val="accent1"/>
-          </a:solidFill>
-          <a:ln>
-            <a:noFill/>
-          </a:ln>
-          <a:effectLst>
-            <a:outerShdw blurRad="50800" dist="38100" dir="2700000" algn="tl" rotWithShape="0">
-              <a:prstClr val="black">
-                <a:alpha val="40000"/>
-              </a:prstClr>
-            </a:outerShdw>
-          </a:effectLst>
-        </p:spPr>
-        <p:style>
-          <a:lnRef idx="1">
-            <a:schemeClr val="accent1"/>
-          </a:lnRef>
-          <a:fillRef idx="3">
-            <a:schemeClr val="accent1"/>
-          </a:fillRef>
-          <a:effectRef idx="2">
-            <a:schemeClr val="accent1"/>
-          </a:effectRef>
-          <a:fontRef idx="minor">
-            <a:schemeClr val="lt1"/>
-          </a:fontRef>
-        </p:style>
-        <p:txBody>
-          <a:bodyPr rtlCol="0" anchor="ctr"/>
-          <a:lstStyle/>
-          <a:p>
-            <a:pPr algn="ctr"/>
-            <a:endParaRPr lang="en-US"/>
-          </a:p>
-        </p:txBody>
-      </p:sp>
-      <p:sp>
-        <p:nvSpPr>
-          <p:cNvPr id="28" name="Rounded Rectangle 3">
-            <a:extLst>
-              <a:ext uri="{FF2B5EF4-FFF2-40B4-BE49-F238E27FC236}">
-                <a16:creationId xmlns:a16="http://schemas.microsoft.com/office/drawing/2014/main" id="{7CC7B42D-4BD3-4843-B649-D1D2C51AC315}"/>
-              </a:ext>
-            </a:extLst>
-          </p:cNvPr>
-          <p:cNvSpPr/>
-          <p:nvPr/>
-        </p:nvSpPr>
-        <p:spPr>
-          <a:xfrm>
-            <a:off x="7509429" y="4208668"/>
-            <a:ext cx="1828800" cy="771787"/>
-          </a:xfrm>
-          <a:prstGeom prst="roundRect">
-            <a:avLst/>
-          </a:prstGeom>
-          <a:solidFill>
-            <a:srgbClr val="C00000"/>
-          </a:solidFill>
-          <a:ln w="28575">
-            <a:solidFill>
-              <a:schemeClr val="tx1"/>
-            </a:solidFill>
-          </a:ln>
-          <a:effectLst>
-            <a:outerShdw blurRad="50800" dist="38100" dir="2700000" algn="tl" rotWithShape="0">
-              <a:prstClr val="black">
-                <a:alpha val="40000"/>
-              </a:prstClr>
-            </a:outerShdw>
-          </a:effectLst>
-        </p:spPr>
-        <p:style>
-          <a:lnRef idx="1">
-            <a:schemeClr val="accent1"/>
-          </a:lnRef>
-          <a:fillRef idx="3">
-            <a:schemeClr val="accent1"/>
-          </a:fillRef>
-          <a:effectRef idx="2">
-            <a:schemeClr val="accent1"/>
-          </a:effectRef>
-          <a:fontRef idx="minor">
-            <a:schemeClr val="lt1"/>
-          </a:fontRef>
-        </p:style>
-        <p:txBody>
-          <a:bodyPr rtlCol="0" anchor="ctr"/>
-          <a:lstStyle/>
-          <a:p>
-            <a:pPr algn="ctr"/>
-            <a:r>
-              <a:rPr lang="en-US" dirty="0"/>
-              <a:t>Custom Input And Process</a:t>
-            </a:r>
-          </a:p>
-        </p:txBody>
-      </p:sp>
-      <p:sp>
-        <p:nvSpPr>
-          <p:cNvPr id="30" name="Rounded Rectangle 5">
-            <a:extLst>
-              <a:ext uri="{FF2B5EF4-FFF2-40B4-BE49-F238E27FC236}">
-                <a16:creationId xmlns:a16="http://schemas.microsoft.com/office/drawing/2014/main" id="{0B903C28-4763-4F90-A3ED-ECBCE2F72FF9}"/>
-              </a:ext>
-            </a:extLst>
-          </p:cNvPr>
-          <p:cNvSpPr/>
-          <p:nvPr/>
-        </p:nvSpPr>
-        <p:spPr>
-          <a:xfrm>
-            <a:off x="9840660" y="4192399"/>
-            <a:ext cx="1828800" cy="771787"/>
-          </a:xfrm>
-          <a:prstGeom prst="roundRect">
-            <a:avLst/>
-          </a:prstGeom>
-          <a:solidFill>
-            <a:srgbClr val="C00000"/>
-          </a:solidFill>
-          <a:ln w="28575">
-            <a:solidFill>
-              <a:schemeClr val="tx1"/>
-            </a:solidFill>
-          </a:ln>
-          <a:effectLst>
-            <a:outerShdw blurRad="50800" dist="38100" dir="2700000" algn="tl" rotWithShape="0">
-              <a:prstClr val="black">
-                <a:alpha val="40000"/>
-              </a:prstClr>
-            </a:outerShdw>
-          </a:effectLst>
-        </p:spPr>
-        <p:style>
-          <a:lnRef idx="1">
-            <a:schemeClr val="accent1"/>
-          </a:lnRef>
-          <a:fillRef idx="3">
-            <a:schemeClr val="accent1"/>
-          </a:fillRef>
-          <a:effectRef idx="2">
-            <a:schemeClr val="accent1"/>
-          </a:effectRef>
-          <a:fontRef idx="minor">
-            <a:schemeClr val="lt1"/>
-          </a:fontRef>
-        </p:style>
-        <p:txBody>
-          <a:bodyPr rtlCol="0" anchor="ctr"/>
-          <a:lstStyle/>
-          <a:p>
-            <a:pPr algn="ctr"/>
-            <a:r>
-              <a:rPr lang="en-US" dirty="0"/>
-              <a:t>Scan Engine Module</a:t>
-            </a:r>
-          </a:p>
-        </p:txBody>
-      </p:sp>
-      <p:sp>
-        <p:nvSpPr>
-          <p:cNvPr id="31" name="Rounded Rectangle 6">
-            <a:extLst>
-              <a:ext uri="{FF2B5EF4-FFF2-40B4-BE49-F238E27FC236}">
-                <a16:creationId xmlns:a16="http://schemas.microsoft.com/office/drawing/2014/main" id="{AFF795A6-D376-453A-A277-8A8D3F27E28E}"/>
-              </a:ext>
-            </a:extLst>
-          </p:cNvPr>
-          <p:cNvSpPr/>
-          <p:nvPr/>
-        </p:nvSpPr>
-        <p:spPr>
-          <a:xfrm>
-            <a:off x="7486676" y="3301873"/>
-            <a:ext cx="4182784" cy="771787"/>
-          </a:xfrm>
-          <a:prstGeom prst="roundRect">
-            <a:avLst/>
-          </a:prstGeom>
-          <a:solidFill>
-            <a:srgbClr val="007200"/>
-          </a:solidFill>
-          <a:ln w="28575">
-            <a:solidFill>
-              <a:schemeClr val="tx1"/>
-            </a:solidFill>
-          </a:ln>
-          <a:effectLst>
-            <a:outerShdw blurRad="50800" dist="38100" dir="2700000" algn="tl" rotWithShape="0">
-              <a:prstClr val="black">
-                <a:alpha val="40000"/>
-              </a:prstClr>
-            </a:outerShdw>
-          </a:effectLst>
-        </p:spPr>
-        <p:style>
-          <a:lnRef idx="1">
-            <a:schemeClr val="accent1"/>
-          </a:lnRef>
-          <a:fillRef idx="3">
-            <a:schemeClr val="accent1"/>
-          </a:fillRef>
-          <a:effectRef idx="2">
-            <a:schemeClr val="accent1"/>
-          </a:effectRef>
-          <a:fontRef idx="minor">
-            <a:schemeClr val="lt1"/>
-          </a:fontRef>
-        </p:style>
-        <p:txBody>
-          <a:bodyPr rtlCol="0" anchor="ctr"/>
-          <a:lstStyle/>
-          <a:p>
-            <a:pPr algn="ctr"/>
-            <a:r>
-              <a:rPr lang="en-US" dirty="0"/>
-              <a:t>Engine</a:t>
-            </a:r>
-          </a:p>
-        </p:txBody>
-      </p:sp>
-      <p:sp>
-        <p:nvSpPr>
-          <p:cNvPr id="32" name="Up Arrow 10">
-            <a:extLst>
-              <a:ext uri="{FF2B5EF4-FFF2-40B4-BE49-F238E27FC236}">
-                <a16:creationId xmlns:a16="http://schemas.microsoft.com/office/drawing/2014/main" id="{E1A389EB-BBC6-4B8E-810F-A0D4A178D4BB}"/>
-              </a:ext>
-            </a:extLst>
-          </p:cNvPr>
-          <p:cNvSpPr/>
-          <p:nvPr/>
-        </p:nvSpPr>
-        <p:spPr>
-          <a:xfrm rot="5400000">
-            <a:off x="9463609" y="4254118"/>
-            <a:ext cx="251671" cy="680885"/>
-          </a:xfrm>
-          <a:prstGeom prst="upArrow">
-            <a:avLst/>
-          </a:prstGeom>
-          <a:solidFill>
-            <a:schemeClr val="accent1"/>
-          </a:solidFill>
-          <a:ln>
-            <a:noFill/>
-          </a:ln>
-          <a:effectLst>
-            <a:outerShdw blurRad="50800" dist="38100" dir="2700000" algn="tl" rotWithShape="0">
-              <a:prstClr val="black">
-                <a:alpha val="40000"/>
-              </a:prstClr>
-            </a:outerShdw>
-          </a:effectLst>
-        </p:spPr>
-        <p:style>
-          <a:lnRef idx="1">
-            <a:schemeClr val="accent1"/>
-          </a:lnRef>
-          <a:fillRef idx="3">
-            <a:schemeClr val="accent1"/>
-          </a:fillRef>
-          <a:effectRef idx="2">
-            <a:schemeClr val="accent1"/>
-          </a:effectRef>
-          <a:fontRef idx="minor">
-            <a:schemeClr val="lt1"/>
-          </a:fontRef>
-        </p:style>
-        <p:txBody>
-          <a:bodyPr rtlCol="0" anchor="ctr"/>
-          <a:lstStyle/>
-          <a:p>
-            <a:pPr algn="ctr"/>
-            <a:endParaRPr lang="en-US"/>
-          </a:p>
-        </p:txBody>
-      </p:sp>
-      <p:sp>
-        <p:nvSpPr>
-          <p:cNvPr id="33" name="Cloud 32">
-            <a:extLst>
-              <a:ext uri="{FF2B5EF4-FFF2-40B4-BE49-F238E27FC236}">
-                <a16:creationId xmlns:a16="http://schemas.microsoft.com/office/drawing/2014/main" id="{C2E753F2-BEB5-4C4A-AEDC-FA5ACD0D966C}"/>
-              </a:ext>
-            </a:extLst>
-          </p:cNvPr>
-          <p:cNvSpPr/>
-          <p:nvPr/>
-        </p:nvSpPr>
-        <p:spPr>
-          <a:xfrm>
-            <a:off x="7714349" y="5501947"/>
-            <a:ext cx="1373453" cy="839972"/>
-          </a:xfrm>
-          <a:prstGeom prst="cloud">
-            <a:avLst/>
-          </a:prstGeom>
-          <a:noFill/>
-          <a:ln w="12700">
-            <a:solidFill>
-              <a:srgbClr val="0A60A3"/>
-            </a:solidFill>
-          </a:ln>
-          <a:effectLst/>
-        </p:spPr>
-        <p:style>
-          <a:lnRef idx="1">
-            <a:schemeClr val="accent1"/>
-          </a:lnRef>
-          <a:fillRef idx="3">
-            <a:schemeClr val="accent1"/>
-          </a:fillRef>
-          <a:effectRef idx="2">
-            <a:schemeClr val="accent1"/>
-          </a:effectRef>
-          <a:fontRef idx="minor">
-            <a:schemeClr val="lt1"/>
-          </a:fontRef>
-        </p:style>
-        <p:txBody>
-          <a:bodyPr lIns="0" rIns="0" rtlCol="0" anchor="ctr"/>
-          <a:lstStyle/>
-          <a:p>
-            <a:pPr algn="ctr"/>
-            <a:r>
-              <a:rPr lang="en-US" dirty="0">
-                <a:solidFill>
-                  <a:schemeClr val="tx1"/>
-                </a:solidFill>
-              </a:rPr>
-              <a:t>Outside</a:t>
-            </a:r>
-          </a:p>
-        </p:txBody>
-      </p:sp>
-      <p:sp>
-        <p:nvSpPr>
-          <p:cNvPr id="34" name="Cloud 33">
-            <a:extLst>
-              <a:ext uri="{FF2B5EF4-FFF2-40B4-BE49-F238E27FC236}">
-                <a16:creationId xmlns:a16="http://schemas.microsoft.com/office/drawing/2014/main" id="{FEC2E4AB-6521-481F-ADFC-4964E1CACE33}"/>
-              </a:ext>
-            </a:extLst>
-          </p:cNvPr>
-          <p:cNvSpPr/>
-          <p:nvPr/>
-        </p:nvSpPr>
-        <p:spPr>
-          <a:xfrm>
-            <a:off x="10068333" y="5484982"/>
-            <a:ext cx="1373453" cy="839972"/>
-          </a:xfrm>
-          <a:prstGeom prst="cloud">
-            <a:avLst/>
-          </a:prstGeom>
-          <a:noFill/>
-          <a:ln w="12700">
-            <a:solidFill>
-              <a:srgbClr val="0A60A3"/>
-            </a:solidFill>
-          </a:ln>
-          <a:effectLst/>
-        </p:spPr>
-        <p:style>
-          <a:lnRef idx="1">
-            <a:schemeClr val="accent1"/>
-          </a:lnRef>
-          <a:fillRef idx="3">
-            <a:schemeClr val="accent1"/>
-          </a:fillRef>
-          <a:effectRef idx="2">
-            <a:schemeClr val="accent1"/>
-          </a:effectRef>
-          <a:fontRef idx="minor">
-            <a:schemeClr val="lt1"/>
-          </a:fontRef>
-        </p:style>
-        <p:txBody>
-          <a:bodyPr lIns="0" rIns="0" rtlCol="0" anchor="ctr"/>
-          <a:lstStyle/>
-          <a:p>
-            <a:pPr algn="ctr"/>
-            <a:r>
-              <a:rPr lang="en-US" dirty="0">
-                <a:solidFill>
-                  <a:schemeClr val="tx1"/>
-                </a:solidFill>
-              </a:rPr>
-              <a:t>Outside</a:t>
-            </a:r>
-          </a:p>
-        </p:txBody>
-      </p:sp>
-      <p:sp>
-        <p:nvSpPr>
-          <p:cNvPr id="35" name="Up Arrow 20">
-            <a:extLst>
-              <a:ext uri="{FF2B5EF4-FFF2-40B4-BE49-F238E27FC236}">
-                <a16:creationId xmlns:a16="http://schemas.microsoft.com/office/drawing/2014/main" id="{2A061AF9-629F-47D4-9B2F-43A12A96C8D4}"/>
-              </a:ext>
-            </a:extLst>
-          </p:cNvPr>
-          <p:cNvSpPr/>
-          <p:nvPr/>
-        </p:nvSpPr>
-        <p:spPr>
-          <a:xfrm>
-            <a:off x="8339147" y="4967212"/>
-            <a:ext cx="251671" cy="680885"/>
-          </a:xfrm>
-          <a:prstGeom prst="upArrow">
-            <a:avLst/>
-          </a:prstGeom>
-          <a:solidFill>
-            <a:schemeClr val="bg2">
-              <a:lumMod val="75000"/>
-            </a:schemeClr>
-          </a:solidFill>
-          <a:ln>
-            <a:noFill/>
-          </a:ln>
-          <a:effectLst>
-            <a:outerShdw blurRad="50800" dist="38100" dir="2700000" algn="tl" rotWithShape="0">
-              <a:prstClr val="black">
-                <a:alpha val="40000"/>
-              </a:prstClr>
-            </a:outerShdw>
-          </a:effectLst>
-        </p:spPr>
-        <p:style>
-          <a:lnRef idx="1">
-            <a:schemeClr val="accent1"/>
-          </a:lnRef>
-          <a:fillRef idx="3">
-            <a:schemeClr val="accent1"/>
-          </a:fillRef>
-          <a:effectRef idx="2">
-            <a:schemeClr val="accent1"/>
-          </a:effectRef>
-          <a:fontRef idx="minor">
-            <a:schemeClr val="lt1"/>
-          </a:fontRef>
-        </p:style>
-        <p:txBody>
-          <a:bodyPr rtlCol="0" anchor="ctr"/>
-          <a:lstStyle/>
-          <a:p>
-            <a:pPr algn="ctr"/>
-            <a:endParaRPr lang="en-US"/>
-          </a:p>
-        </p:txBody>
-      </p:sp>
-      <p:sp>
-        <p:nvSpPr>
           <p:cNvPr id="36" name="Up Arrow 21">
             <a:extLst>
               <a:ext uri="{FF2B5EF4-FFF2-40B4-BE49-F238E27FC236}">
@@ -10973,7 +12262,7 @@
         </p:nvSpPr>
         <p:spPr>
           <a:xfrm rot="10800000">
-            <a:off x="10693704" y="4964186"/>
+            <a:off x="10675231" y="3823622"/>
             <a:ext cx="251671" cy="680885"/>
           </a:xfrm>
           <a:prstGeom prst="upArrow">
@@ -11094,8 +12383,8 @@
         </p:nvSpPr>
         <p:spPr>
           <a:xfrm>
-            <a:off x="838200" y="1825625"/>
-            <a:ext cx="10515600" cy="1864702"/>
+            <a:off x="605367" y="975360"/>
+            <a:ext cx="10972800" cy="971931"/>
           </a:xfrm>
         </p:spPr>
         <p:txBody>
@@ -11138,8 +12427,200 @@
         </p:nvSpPr>
         <p:spPr>
           <a:xfrm>
-            <a:off x="2870818" y="3270985"/>
+            <a:off x="2870818" y="2696876"/>
             <a:ext cx="1828800" cy="771787"/>
+          </a:xfrm>
+          <a:prstGeom prst="roundRect">
+            <a:avLst/>
+          </a:prstGeom>
+          <a:solidFill>
+            <a:schemeClr val="tx2">
+              <a:lumMod val="50000"/>
+            </a:schemeClr>
+          </a:solidFill>
+          <a:ln w="28575">
+            <a:solidFill>
+              <a:schemeClr val="tx1"/>
+            </a:solidFill>
+          </a:ln>
+          <a:effectLst>
+            <a:outerShdw blurRad="50800" dist="38100" dir="2700000" algn="tl" rotWithShape="0">
+              <a:prstClr val="black">
+                <a:alpha val="40000"/>
+              </a:prstClr>
+            </a:outerShdw>
+          </a:effectLst>
+        </p:spPr>
+        <p:style>
+          <a:lnRef idx="1">
+            <a:schemeClr val="accent1"/>
+          </a:lnRef>
+          <a:fillRef idx="3">
+            <a:schemeClr val="accent1"/>
+          </a:fillRef>
+          <a:effectRef idx="2">
+            <a:schemeClr val="accent1"/>
+          </a:effectRef>
+          <a:fontRef idx="minor">
+            <a:schemeClr val="lt1"/>
+          </a:fontRef>
+        </p:style>
+        <p:txBody>
+          <a:bodyPr rtlCol="0" anchor="ctr"/>
+          <a:lstStyle/>
+          <a:p>
+            <a:pPr algn="ctr"/>
+            <a:r>
+              <a:rPr lang="en-US" dirty="0"/>
+              <a:t>Custom Input Module 1</a:t>
+            </a:r>
+          </a:p>
+        </p:txBody>
+      </p:sp>
+      <p:sp>
+        <p:nvSpPr>
+          <p:cNvPr id="13" name="Rounded Rectangle 4">
+            <a:extLst>
+              <a:ext uri="{FF2B5EF4-FFF2-40B4-BE49-F238E27FC236}">
+                <a16:creationId xmlns:a16="http://schemas.microsoft.com/office/drawing/2014/main" id="{DF97D33A-496D-415C-9003-D9090F872DE8}"/>
+              </a:ext>
+            </a:extLst>
+          </p:cNvPr>
+          <p:cNvSpPr/>
+          <p:nvPr/>
+        </p:nvSpPr>
+        <p:spPr>
+          <a:xfrm>
+            <a:off x="5240159" y="2675633"/>
+            <a:ext cx="1828800" cy="771787"/>
+          </a:xfrm>
+          <a:prstGeom prst="roundRect">
+            <a:avLst/>
+          </a:prstGeom>
+          <a:solidFill>
+            <a:schemeClr val="accent6">
+              <a:lumMod val="75000"/>
+            </a:schemeClr>
+          </a:solidFill>
+          <a:ln w="28575">
+            <a:solidFill>
+              <a:schemeClr val="tx1"/>
+            </a:solidFill>
+          </a:ln>
+          <a:effectLst>
+            <a:outerShdw blurRad="50800" dist="38100" dir="2700000" algn="tl" rotWithShape="0">
+              <a:prstClr val="black">
+                <a:alpha val="40000"/>
+              </a:prstClr>
+            </a:outerShdw>
+          </a:effectLst>
+        </p:spPr>
+        <p:style>
+          <a:lnRef idx="1">
+            <a:schemeClr val="accent1"/>
+          </a:lnRef>
+          <a:fillRef idx="3">
+            <a:schemeClr val="accent1"/>
+          </a:fillRef>
+          <a:effectRef idx="2">
+            <a:schemeClr val="accent1"/>
+          </a:effectRef>
+          <a:fontRef idx="minor">
+            <a:schemeClr val="lt1"/>
+          </a:fontRef>
+        </p:style>
+        <p:txBody>
+          <a:bodyPr rtlCol="0" anchor="ctr"/>
+          <a:lstStyle/>
+          <a:p>
+            <a:pPr algn="ctr"/>
+            <a:r>
+              <a:rPr lang="en-US" dirty="0"/>
+              <a:t>Custom Process Module 1</a:t>
+            </a:r>
+          </a:p>
+        </p:txBody>
+      </p:sp>
+      <p:sp>
+        <p:nvSpPr>
+          <p:cNvPr id="14" name="Rounded Rectangle 5">
+            <a:extLst>
+              <a:ext uri="{FF2B5EF4-FFF2-40B4-BE49-F238E27FC236}">
+                <a16:creationId xmlns:a16="http://schemas.microsoft.com/office/drawing/2014/main" id="{AC7AE688-9FA1-4E17-8726-8DE82A9C07BB}"/>
+              </a:ext>
+            </a:extLst>
+          </p:cNvPr>
+          <p:cNvSpPr/>
+          <p:nvPr/>
+        </p:nvSpPr>
+        <p:spPr>
+          <a:xfrm>
+            <a:off x="7492380" y="2675631"/>
+            <a:ext cx="1828800" cy="1695439"/>
+          </a:xfrm>
+          <a:prstGeom prst="roundRect">
+            <a:avLst/>
+          </a:prstGeom>
+          <a:solidFill>
+            <a:schemeClr val="tx2">
+              <a:lumMod val="50000"/>
+            </a:schemeClr>
+          </a:solidFill>
+          <a:ln w="28575">
+            <a:solidFill>
+              <a:schemeClr val="tx1"/>
+            </a:solidFill>
+          </a:ln>
+          <a:effectLst>
+            <a:outerShdw blurRad="50800" dist="38100" dir="2700000" algn="tl" rotWithShape="0">
+              <a:prstClr val="black">
+                <a:alpha val="40000"/>
+              </a:prstClr>
+            </a:outerShdw>
+          </a:effectLst>
+        </p:spPr>
+        <p:style>
+          <a:lnRef idx="1">
+            <a:schemeClr val="accent1"/>
+          </a:lnRef>
+          <a:fillRef idx="3">
+            <a:schemeClr val="accent1"/>
+          </a:fillRef>
+          <a:effectRef idx="2">
+            <a:schemeClr val="accent1"/>
+          </a:effectRef>
+          <a:fontRef idx="minor">
+            <a:schemeClr val="lt1"/>
+          </a:fontRef>
+        </p:style>
+        <p:txBody>
+          <a:bodyPr rtlCol="0" anchor="ctr"/>
+          <a:lstStyle/>
+          <a:p>
+            <a:pPr algn="ctr"/>
+            <a:r>
+              <a:rPr lang="en-US" dirty="0"/>
+              <a:t>Scan Engine Module</a:t>
+            </a:r>
+          </a:p>
+        </p:txBody>
+      </p:sp>
+      <p:sp>
+        <p:nvSpPr>
+          <p:cNvPr id="15" name="Rounded Rectangle 6">
+            <a:extLst>
+              <a:ext uri="{FF2B5EF4-FFF2-40B4-BE49-F238E27FC236}">
+                <a16:creationId xmlns:a16="http://schemas.microsoft.com/office/drawing/2014/main" id="{175EFA03-0F68-4E83-A963-597CBB5A67DF}"/>
+              </a:ext>
+            </a:extLst>
+          </p:cNvPr>
+          <p:cNvSpPr/>
+          <p:nvPr/>
+        </p:nvSpPr>
+        <p:spPr>
+          <a:xfrm>
+            <a:off x="2870819" y="1785104"/>
+            <a:ext cx="6450362" cy="771787"/>
           </a:xfrm>
           <a:prstGeom prst="roundRect">
             <a:avLst/>
@@ -11181,192 +12662,6 @@
             <a:pPr algn="ctr"/>
             <a:r>
               <a:rPr lang="en-US" dirty="0"/>
-              <a:t>Custom Input Module 1</a:t>
-            </a:r>
-          </a:p>
-        </p:txBody>
-      </p:sp>
-      <p:sp>
-        <p:nvSpPr>
-          <p:cNvPr id="13" name="Rounded Rectangle 4">
-            <a:extLst>
-              <a:ext uri="{FF2B5EF4-FFF2-40B4-BE49-F238E27FC236}">
-                <a16:creationId xmlns:a16="http://schemas.microsoft.com/office/drawing/2014/main" id="{DF97D33A-496D-415C-9003-D9090F872DE8}"/>
-              </a:ext>
-            </a:extLst>
-          </p:cNvPr>
-          <p:cNvSpPr/>
-          <p:nvPr/>
-        </p:nvSpPr>
-        <p:spPr>
-          <a:xfrm>
-            <a:off x="5240159" y="3249742"/>
-            <a:ext cx="1828800" cy="771787"/>
-          </a:xfrm>
-          <a:prstGeom prst="roundRect">
-            <a:avLst/>
-          </a:prstGeom>
-          <a:solidFill>
-            <a:srgbClr val="C00000"/>
-          </a:solidFill>
-          <a:ln w="28575">
-            <a:solidFill>
-              <a:schemeClr val="tx1"/>
-            </a:solidFill>
-          </a:ln>
-          <a:effectLst>
-            <a:outerShdw blurRad="50800" dist="38100" dir="2700000" algn="tl" rotWithShape="0">
-              <a:prstClr val="black">
-                <a:alpha val="40000"/>
-              </a:prstClr>
-            </a:outerShdw>
-          </a:effectLst>
-        </p:spPr>
-        <p:style>
-          <a:lnRef idx="1">
-            <a:schemeClr val="accent1"/>
-          </a:lnRef>
-          <a:fillRef idx="3">
-            <a:schemeClr val="accent1"/>
-          </a:fillRef>
-          <a:effectRef idx="2">
-            <a:schemeClr val="accent1"/>
-          </a:effectRef>
-          <a:fontRef idx="minor">
-            <a:schemeClr val="lt1"/>
-          </a:fontRef>
-        </p:style>
-        <p:txBody>
-          <a:bodyPr rtlCol="0" anchor="ctr"/>
-          <a:lstStyle/>
-          <a:p>
-            <a:pPr algn="ctr"/>
-            <a:r>
-              <a:rPr lang="en-US" dirty="0"/>
-              <a:t>Custom Process Module 1</a:t>
-            </a:r>
-          </a:p>
-        </p:txBody>
-      </p:sp>
-      <p:sp>
-        <p:nvSpPr>
-          <p:cNvPr id="14" name="Rounded Rectangle 5">
-            <a:extLst>
-              <a:ext uri="{FF2B5EF4-FFF2-40B4-BE49-F238E27FC236}">
-                <a16:creationId xmlns:a16="http://schemas.microsoft.com/office/drawing/2014/main" id="{AC7AE688-9FA1-4E17-8726-8DE82A9C07BB}"/>
-              </a:ext>
-            </a:extLst>
-          </p:cNvPr>
-          <p:cNvSpPr/>
-          <p:nvPr/>
-        </p:nvSpPr>
-        <p:spPr>
-          <a:xfrm>
-            <a:off x="7492380" y="3249740"/>
-            <a:ext cx="1828800" cy="1695439"/>
-          </a:xfrm>
-          <a:prstGeom prst="roundRect">
-            <a:avLst/>
-          </a:prstGeom>
-          <a:solidFill>
-            <a:srgbClr val="C00000"/>
-          </a:solidFill>
-          <a:ln w="28575">
-            <a:solidFill>
-              <a:schemeClr val="tx1"/>
-            </a:solidFill>
-          </a:ln>
-          <a:effectLst>
-            <a:outerShdw blurRad="50800" dist="38100" dir="2700000" algn="tl" rotWithShape="0">
-              <a:prstClr val="black">
-                <a:alpha val="40000"/>
-              </a:prstClr>
-            </a:outerShdw>
-          </a:effectLst>
-        </p:spPr>
-        <p:style>
-          <a:lnRef idx="1">
-            <a:schemeClr val="accent1"/>
-          </a:lnRef>
-          <a:fillRef idx="3">
-            <a:schemeClr val="accent1"/>
-          </a:fillRef>
-          <a:effectRef idx="2">
-            <a:schemeClr val="accent1"/>
-          </a:effectRef>
-          <a:fontRef idx="minor">
-            <a:schemeClr val="lt1"/>
-          </a:fontRef>
-        </p:style>
-        <p:txBody>
-          <a:bodyPr rtlCol="0" anchor="ctr"/>
-          <a:lstStyle/>
-          <a:p>
-            <a:pPr algn="ctr"/>
-            <a:r>
-              <a:rPr lang="en-US" dirty="0"/>
-              <a:t>Scan Engine Module</a:t>
-            </a:r>
-          </a:p>
-        </p:txBody>
-      </p:sp>
-      <p:sp>
-        <p:nvSpPr>
-          <p:cNvPr id="15" name="Rounded Rectangle 6">
-            <a:extLst>
-              <a:ext uri="{FF2B5EF4-FFF2-40B4-BE49-F238E27FC236}">
-                <a16:creationId xmlns:a16="http://schemas.microsoft.com/office/drawing/2014/main" id="{175EFA03-0F68-4E83-A963-597CBB5A67DF}"/>
-              </a:ext>
-            </a:extLst>
-          </p:cNvPr>
-          <p:cNvSpPr/>
-          <p:nvPr/>
-        </p:nvSpPr>
-        <p:spPr>
-          <a:xfrm>
-            <a:off x="2870819" y="2359213"/>
-            <a:ext cx="6450362" cy="771787"/>
-          </a:xfrm>
-          <a:prstGeom prst="roundRect">
-            <a:avLst/>
-          </a:prstGeom>
-          <a:solidFill>
-            <a:srgbClr val="007200"/>
-          </a:solidFill>
-          <a:ln w="28575">
-            <a:solidFill>
-              <a:schemeClr val="tx1"/>
-            </a:solidFill>
-          </a:ln>
-          <a:effectLst>
-            <a:outerShdw blurRad="50800" dist="38100" dir="2700000" algn="tl" rotWithShape="0">
-              <a:prstClr val="black">
-                <a:alpha val="40000"/>
-              </a:prstClr>
-            </a:outerShdw>
-          </a:effectLst>
-        </p:spPr>
-        <p:style>
-          <a:lnRef idx="1">
-            <a:schemeClr val="accent1"/>
-          </a:lnRef>
-          <a:fillRef idx="3">
-            <a:schemeClr val="accent1"/>
-          </a:fillRef>
-          <a:effectRef idx="2">
-            <a:schemeClr val="accent1"/>
-          </a:effectRef>
-          <a:fontRef idx="minor">
-            <a:schemeClr val="lt1"/>
-          </a:fontRef>
-        </p:style>
-        <p:txBody>
-          <a:bodyPr rtlCol="0" anchor="ctr"/>
-          <a:lstStyle/>
-          <a:p>
-            <a:pPr algn="ctr"/>
-            <a:r>
-              <a:rPr lang="en-US" dirty="0"/>
               <a:t>Engine</a:t>
             </a:r>
           </a:p>
@@ -11386,7 +12681,7 @@
         </p:nvSpPr>
         <p:spPr>
           <a:xfrm rot="5400000">
-            <a:off x="4998140" y="3299842"/>
+            <a:off x="4998140" y="2725733"/>
             <a:ext cx="251671" cy="680885"/>
           </a:xfrm>
           <a:prstGeom prst="upArrow">
@@ -11443,7 +12738,7 @@
         </p:nvSpPr>
         <p:spPr>
           <a:xfrm>
-            <a:off x="3015770" y="5428244"/>
+            <a:off x="3015770" y="4854135"/>
             <a:ext cx="1373453" cy="839972"/>
           </a:xfrm>
           <a:prstGeom prst="cloud">
@@ -11501,7 +12796,7 @@
         </p:nvSpPr>
         <p:spPr>
           <a:xfrm>
-            <a:off x="7802777" y="5428244"/>
+            <a:off x="7802777" y="4854135"/>
             <a:ext cx="1373453" cy="839972"/>
           </a:xfrm>
           <a:prstGeom prst="cloud">
@@ -11559,7 +12854,7 @@
         </p:nvSpPr>
         <p:spPr>
           <a:xfrm rot="10800000">
-            <a:off x="8328008" y="4945178"/>
+            <a:off x="8328008" y="4371069"/>
             <a:ext cx="251671" cy="680885"/>
           </a:xfrm>
           <a:prstGeom prst="upArrow">
@@ -11618,7 +12913,7 @@
         </p:nvSpPr>
         <p:spPr>
           <a:xfrm rot="5400000">
-            <a:off x="7283566" y="3295192"/>
+            <a:off x="7283566" y="2721083"/>
             <a:ext cx="251671" cy="680885"/>
           </a:xfrm>
           <a:prstGeom prst="upArrow">
@@ -11675,14 +12970,16 @@
         </p:nvSpPr>
         <p:spPr>
           <a:xfrm>
-            <a:off x="2870818" y="4182757"/>
+            <a:off x="2870818" y="3608648"/>
             <a:ext cx="1828800" cy="771787"/>
           </a:xfrm>
           <a:prstGeom prst="roundRect">
             <a:avLst/>
           </a:prstGeom>
           <a:solidFill>
-            <a:srgbClr val="C00000"/>
+            <a:schemeClr val="tx2">
+              <a:lumMod val="50000"/>
+            </a:schemeClr>
           </a:solidFill>
           <a:ln w="28575">
             <a:solidFill>
@@ -11737,14 +13034,16 @@
         </p:nvSpPr>
         <p:spPr>
           <a:xfrm>
-            <a:off x="5239572" y="4173392"/>
+            <a:off x="5239572" y="3599283"/>
             <a:ext cx="1828800" cy="771787"/>
           </a:xfrm>
           <a:prstGeom prst="roundRect">
             <a:avLst/>
           </a:prstGeom>
           <a:solidFill>
-            <a:srgbClr val="C00000"/>
+            <a:schemeClr val="accent6">
+              <a:lumMod val="75000"/>
+            </a:schemeClr>
           </a:solidFill>
           <a:ln w="28575">
             <a:solidFill>
@@ -11799,7 +13098,7 @@
         </p:nvSpPr>
         <p:spPr>
           <a:xfrm rot="5400000">
-            <a:off x="4957510" y="4236985"/>
+            <a:off x="4957510" y="3662876"/>
             <a:ext cx="251671" cy="680885"/>
           </a:xfrm>
           <a:prstGeom prst="upArrow">
@@ -11856,7 +13155,7 @@
         </p:nvSpPr>
         <p:spPr>
           <a:xfrm rot="5400000">
-            <a:off x="7283566" y="4246210"/>
+            <a:off x="7283566" y="3672101"/>
             <a:ext cx="251671" cy="680885"/>
           </a:xfrm>
           <a:prstGeom prst="upArrow">
@@ -11913,7 +13212,7 @@
         </p:nvSpPr>
         <p:spPr>
           <a:xfrm>
-            <a:off x="3576662" y="4945179"/>
+            <a:off x="3576662" y="4371070"/>
             <a:ext cx="251671" cy="680885"/>
           </a:xfrm>
           <a:prstGeom prst="upArrow">

--- a/Trunk/Getting Started Material/DCAF Training/4 Designing an application with DCAF.pptx
+++ b/Trunk/Getting Started Material/DCAF Training/4 Designing an application with DCAF.pptx
@@ -131,6 +131,85 @@
 </p:presentation>
 </file>
 
+<file path=ppt/ink/ink1.xml><?xml version="1.0" encoding="utf-8"?>
+<inkml:ink xmlns:inkml="http://www.w3.org/2003/InkML">
+  <inkml:definitions>
+    <inkml:context xml:id="ctx0">
+      <inkml:inkSource xml:id="inkSrc0">
+        <inkml:traceFormat>
+          <inkml:channel name="X" type="integer" max="9600" units="cm"/>
+          <inkml:channel name="Y" type="integer" max="7200" units="cm"/>
+          <inkml:channel name="F" type="integer" max="4096" units="dev"/>
+          <inkml:channel name="T" type="integer" max="2.14748E9" units="dev"/>
+        </inkml:traceFormat>
+        <inkml:channelProperties>
+          <inkml:channelProperty channel="X" name="resolution" value="302.74362" units="1/cm"/>
+          <inkml:channelProperty channel="Y" name="resolution" value="340.58658" units="1/cm"/>
+          <inkml:channelProperty channel="F" name="resolution" value="0" units="1/dev"/>
+          <inkml:channelProperty channel="T" name="resolution" value="1" units="1/dev"/>
+        </inkml:channelProperties>
+      </inkml:inkSource>
+      <inkml:timestamp xml:id="ts0" timeString="2018-07-16T20:29:13.104"/>
+    </inkml:context>
+    <inkml:brush xml:id="br0">
+      <inkml:brushProperty name="width" value="0.05292" units="cm"/>
+      <inkml:brushProperty name="height" value="0.05292" units="cm"/>
+      <inkml:brushProperty name="color" value="#FF0000"/>
+    </inkml:brush>
+  </inkml:definitions>
+  <inkml:trace contextRef="#ctx0" brushRef="#br0">5274 9108 2217 0,'0'0'63'0,"0"0"13"0,0 0-60 0,0 0-16 0,0 0 0 15,0 10 0-15,4-1 0 0,-1 0-16 0,1 4 3 0,-1-4 1 16,4 7-6-16,0-6-1 0,0 2 0 0,0 1 0 15,0-1 19-15,4 1-12 0,-4-1 12 0,4 1-10 16,-1-1 18-16,-3 1 4 0,7 3 1 0,-7-1 0 16,4 4-1-16,0 0 0 0,-4 3 0 0,0 3 0 15,3 3-12 1,-6 0 9-16,3 4-9 0,0 2 8 0,0 1-8 0,0 2 0 0,0 1 0 0,0 0 0 31,-3-1 0-31,3 1 0 0,-4-4 9 0,4 4-1 16,-3-7-8-16,3 1-12 0,0-1 4 0,0-3 0 15,-3-3-75-15,3 0-14 0,0 0-3 0</inkml:trace>
+  <inkml:trace contextRef="#ctx0" brushRef="#br0" timeOffset="597.368">5817 9002 2352 0,'0'6'49'0,"0"3"11"15,0-2-48-15,0 2-12 0,4-3 0 0,-1 7 0 16,4-1 0-16,-3 1 0 0,7-1 9 0,-4 4-9 15,0 0 0-15,0-1 0 0,0 1 0 0,0 3 0 16,0 0 0-16,0 3-8 0,0-3 8 0,0 3-12 16,-3 3 12-16,-1-3 0 0,-3 6 0 0,0-3 0 15,0 0 0-15,4 3 8 0,-4 0-8 0,0 1 11 16,0-1-11-16,0 0 0 0,0-3 0 0,-4 3 0 16,4 1 0-16,0-4 8 0,0 0-8 0,0-3 0 0,4 0 0 0,-4-4 0 15,3-2 0-15</inkml:trace>
+  <inkml:trace contextRef="#ctx0" brushRef="#br0" timeOffset="861.33">5500 9666 2716 0,'7'0'56'0,"3"0"14"0,5 4-56 16,6-1-14-16,-4 0 0 0,8 0 0 0,-4 0 0 0,7 0 0 0,-3 3 8 0,3-6-8 16,4 4-24-16,-4-8-8 0,8 4-2 0,-5-3 0 15,1-3-110-15,0 0-21 0,0 0-5 0</inkml:trace>
+  <inkml:trace contextRef="#ctx0" brushRef="#br0" timeOffset="1517.691">6332 10011 2960 0,'0'0'62'0,"0"-6"13"15,-3 0-60-15,-1-1-15 0,1-2 0 0,3 0 0 16,0-1 35-16,0 1 4 0,3-1 1 0,1 1 0 16,-4-3-64-16,3-1-13 0,-3 0-3 0,4-5 0 15,-1 2 2-15,-3-6 0 0,4 0 0 0,-4 0 0 16,0-3 5-16,3-3 1 0,-3-4 0 0,0 1 0 15,0-3 32-15,0-4 9 0,4-3 1 0,-4 4 0 16,0-1-10-16,0 0 0 0,0 4 0 0,0-4 8 16,0 7 12-16,0-1 1 0,0 1 1 0,-4 6 0 15,4 0-9-15,-3 6-1 0,-1 0-1 0,4 4 0 16,-3 5-25-16,3 1-5 0,0 3-1 0,0 6 0 16,0 0 2-16,0 0 0 0,0 9 0 0,0 0 0 0,0 4 18 0,0 6-12 15,0 0 12-15,0 3-10 0,-4-1 10 0,4 1-13 0,0 0 5 16,0 0 8-16,0 0 0 0,0 0 0 0,0 3 0 0,4-6 0 15,-4-3 0-15,3-1 0 0,1-2 11 0,-1 0-11 16,5-7 16-16,-5 0-4 0,8-3 0 0,-4-3 0 16,7-3 16-16,0-3 4 0,0-4 0 0,4-2 0 0,-1-4-7 0,4-3-1 15,-3-3 0-15,3-3 0 16,0 3-14-16,1-3-10 0,-1 0 12 0,-4-3-12 16,5 0 8-1,-1 0-8-15,0-4 0 0,0 4 0 0,0 0 0 0,-3 3 0 0,3 0-12 0,0 3 3 16,-3 3 9-16,0 0 0 0,-1 6 0 0,1 1 0 15,-4 3 0-15,0 2-8 0,-3 4 8 0,3 3-8 0,-4 3 0 0,1 0 0 16,-4 7 0-16,4-1 0 16,-4 4 8-16,3 2 0 0,-3 1 0 0,-3 3 0 15,3 3 0-15,-4 0-8 0,1 0 8 0,-1 0-8 16,-3 3 8-16,4 0-8 0,-1 3 8 0,-3 0-8 0,4 1 8 16,-1-1 0-16,1 3 0 0,3-3 8 0,-3 4-8 15,3-4 9-15,0 3-9 0,-4-3 10 16,4 1-10-16,0-4 12 0,0 0-12 0,0-6 12 15,1-4-12-15,-1-2 0 0,3-4 0 0,-3-2 0 0,0-4-12 0,4-6 12 0,-1-1-10 16,1-5 10 0,-4-3-180-16,0-4-31 0,0-6-5 0</inkml:trace>
+  <inkml:trace contextRef="#ctx0" brushRef="#br0" timeOffset="1804.005">7627 8861 3134 0,'4'22'65'0,"-4"-13"15"0,0 3-64 0,0 4-16 0,3 0 0 0,-3 3 0 32,4 6 16-32,-4 0-1 0,3 6 0 0,-3 4 0 15,0 2-15-15,-3 1 0 0,3 3 0 0,-4-1-10 16,-3 1 10-16,0 0-13 0,0 3 5 0,-4-3 8 0,4 6-8 0,0-3 8 0,-3 3 0 0,3 0 0 15,0-3 0-15,0-4 0 0,3 1 0 0,0-3 0 16,-3-4 12-16,7 1-4 0,0-4 0 0,0-3 0 16,0 0-96 15,4-6-20-31,3-3-4 0</inkml:trace>
+  <inkml:trace contextRef="#ctx0" brushRef="#br0" timeOffset="5495.242">4180 10939 2026 0,'-3'-6'57'0,"-1"0"14"0,1 0-57 0,3-1-14 0,0 7 0 0,0-6 0 16,0 6 35-16,0 0 4 0,0 0 1 16,0 0 0-16,10-3-29 0,-6 6-11 0,3-3 8 0,0 3-8 15,0 3 12-15,0 7-4 0,-3-4 0 0,3 7 0 16,0 3 20-16,0 0 3 0,3 3 1 15,-2 6 0-15,-1 0-32 0,-4 7-13 0,4-1 1 0,4 7 0 16,-11-4 12-16,3 7 16 0,-3 0-3 0,0-3-1 16,0-3-24-16,0-7-6 0,0 4-1 0,-3-7 0 15,3-3 29-15,-7-3 6 0,3-3 0 0,1-1 1 16,-4-5-7-16,3-1-2 0,-3-2 0 0,3-7 0 16,-10 0 2-16,4-3 0 0,-1-3 0 0,-3-6 0 15,0-1-20-15,0-5-4 0,0-4-1 0,-4 0 0 16,4-6-9-16,0-3-3 0,3-1 0 0,-3-5 0 15,4 3 43-15,-1-7 8 0,7 0 1 0,-3 1 1 16,4-1-11-16,3 0-3 0,3-2 0 0,4 2 0 16,1 0-4-16,6 1 0 0,3 2-8 0,4 4 12 0,1 0-12 0,6 2 0 0,-3 4 0 15,3 3 0-15,0 7 0 0,4 2 0 0,-8 1-13 16,1 5 4 0,7 4-23-16,-11 0-5 0,0 3-1 0,0 3 0 15,-3 3-1-15,0 4 0 0,-1-1 0 0,-10 1 0 16,4 2 15-16,-4-2 4 0,4 5 0 0,-11-2 0 15,3 2 20-15,-6 4 8 0,3 0 0 0,-7-3 0 16,-1 6 4-16,-2-3 1 0,-1-1 0 0,1 1 0 16,-1-3-1-16,-3 3 0 0,0-7 0 0,0 4 0 15,0-4 28-15,0 1 6 0,-1-1 1 0,5 1 0 0,-4 0-8 0,0-4-2 16,0 0 0-16,3-2 0 0,0 2-5 0,1-3-2 0,3 4 0 0,0-4 0 0,3-3-30 16,4 3-20-16,-3 1 4 0,3-7 0 15,3 3-7-15,1 0-1 0,3 3 0 0,-4-3 0 16,8 1-84-1,-4-1-18-15,0 3-3 0</inkml:trace>
+  <inkml:trace contextRef="#ctx0" brushRef="#br0" timeOffset="5942.526">4890 11065 2115 0,'-11'12'44'0,"0"-2"11"0,4-1-44 16,0 4-11-16,0-4 0 0,4 4 0 0,-4-4 0 16,3 4 0-16,1-1 0 0,-5 1-11 0,5-1 11 0,-1 4-12 0,-3 0 12 0,4-1-12 15,-4 1 12-15,3 3-8 0,-3-4 8 0,0 4-8 16,0 3 8-16,0 0 0 0,0 3 0 0,0-6 0 16,0 3 0-16,3-3 0 0,1-3 0 0,-1-4 0 15,1 1 16-15,6-4-2 0,1 0 0 0,6-5 0 16,1-1 30-16,3-6 5 0,7 3 2 0,4-7 0 15,3-2-9 1,4-4-2-16,7 1 0 0,3-4 0 0,0 0-40 0,4 1 0 0,0-4-8 0,0 3 8 31,-4-3-49-31,-6 4-3 0,-1-1 0 0,0 0 0 16,-3 4-33-16,-4-1-7 0,0 7-2 0,-3-3 0 0,-4-1-58 0,-7 4-11 0,0-3-2 0</inkml:trace>
+  <inkml:trace contextRef="#ctx0" brushRef="#br0" timeOffset="6351.733">6152 10958 2960 0,'4'-25'62'0,"-4"16"13"16,4-1-60-16,-4 1-15 0,3 0 0 0,-3-1 0 16,4 4 0-16,-4-4 0 0,0 1 0 0,-4 3 0 31,4 6-42-31,-7-3-11 0,0-1-3 0,-7 4 0 16,3 0 20-16,-6 4 3 0,-1-1 1 0,-7 3 0 0,1 0 32 0,-5 1 0 0,-2 5 0 0,-1 1 0 15,-3-1 12-15,-4 7 10 0,3-3 2 0,-2-1 0 16,6 4 19-16,0 0 4 0,4-3 1 0,0 2 0 15,3 1 6-15,0 0 2 0,4 0 0 0,4 0 0 16,2 6-71-16,8 0-13 16,4 3-4-16,3 0 0 0,7 1 32 0,7 2 0 0,0 0 0 0,7 1 0 15,8-1-16-15,2-3 4 0,5 0 0 16,2-6 0 0,8-3-24-16,0-3-4 0,3-4 0 0,1-2-1 0,-4-7-31 0,-4-3-7 15,0-3-1-15,-3-3 0 0,-4-4-136 16,1-2-27-16</inkml:trace>
+  <inkml:trace contextRef="#ctx0" brushRef="#br0" timeOffset="7282.347">7419 10933 2264 0,'0'-6'96'0,"0"6"-77"16,0-6 29-16,-4-1 5 0,1 1 2 0,-4 3 0 31,0 0-47-31,-4 0-8 0,1 0 0 0,-1-1 0 16,-7 4 0-16,4-3 0 0,-7 3 0 0,0 0 0 0,0 0 8 0,0 7 0 0,-4-1 0 16,0 0 0-16,1 7 7 0,-1 2 1 0,0 1 1 0,0 0 0 15,4 2-7-15,0 1-2 0,0 3 0 0,3-3 0 16,1 3-8-16,3-3 0 0,-1 0 0 0,5-1 8 15,3 1-8-15,3-3 0 0,1 0-10 16,6-4 10-16,-3-2-16 0,7-1 2 0,-3 0 1 0,6-2 0 16,-3-1-1-1,4-3 0-15,0 0 0 0,3-3 0 0,-4 0-2 0,4-3 0 0,1-3 0 0,-1-1 0 16,0 1 7-16,-4 3 1 0,1 0 0 0,0-3 0 16,-1 3 8-16,-3-4 0 0,0 1 0 0,-3 3-8 15,-1-3-16-15,-3 6-4 0,0 0 0 0,-7-4 0 0,0 1 53 0,-3 0 11 16,-1 3 1-16,-3 3 1 0,0 4 22 0,-4-1 5 15,1 0 1-15,-1 4 0 16,-3 2-24-16,0 4-5 0,-1 3-1 0,5-1 0 16,-4 7-16-16,-1 1-3 0,5 5-1 0,3 0 0 15,-4 1-26-15,7-1-6 0,1 3 0 0,3 1-1 16,0-4 26-16,7-2 6 0,0-1 1 0,3-3 0 16,4-3-38-16,4-3-7 0,3-1-2 0,4-5 0 15,3-7 31-15,4 0 12 0,-1-6-1 0,4-3 0 16,1 0 5-16,6-3 2 0,0-3 0 0,0-4 0 15,4 0-18-15,-3 1 0 0,6-4 0 0,-7 1 0 16,-3-1-127-16,0 3-25 0,-8-2-6 0,1-1-1 16,-4 3-75-16,-3-2-15 0</inkml:trace>
+  <inkml:trace contextRef="#ctx0" brushRef="#br0" timeOffset="7781.684">7662 10836 2370 0,'0'0'67'0,"0"0"15"16,0 0-66-16,0 0-16 0,0 0 0 0,4 6 0 0,-1 0 0 0,-3 4 0 0,4 6 0 0,-4-1 0 31,-4 4-27-31,4 3-9 0,-3 0-1 0,-1 3-1 16,1 0 19-16,3 0 4 0,-4 0 1 0,1 4 0 0,3-1 22 0,-4 3 5 0,4 0 1 15,0 1 0-15,0-1 22 0,0 1 5 0,0 2 1 0,0-3 0 16,0-6-27-16,0 1-6 0,0-1-1 0,0-3 0 15,4-7-8-15,-1 1 0 0,1-4 0 0,-4 1 0 16,3-7-52-16,1 1-13 0,-1-1-3 0</inkml:trace>
+  <inkml:trace contextRef="#ctx0" brushRef="#br0" timeOffset="8017.886">7281 10917 2470 0,'0'0'52'0,"0"0"10"15,0 0-50-15,0 0-12 0,0 0 0 0,7-3 0 16,4 0 55-16,7 0 8 0,-1 3 1 0,4-3 1 16,1 0-45-16,2 0-10 0,1-4-2 0,7 1 0 15,-4 0-8-15,7-4 0 0,1 1-10 0,-5 0 10 16,1 5-51-16,-4 1-4 0,-3 6-1 0,-4-3 0 15,0 4-18-15,-7-1-4 0,0 3-1 0,-3-3 0 16,0 0 12-16,-4 4 3 0,-4-4 0 0,1 3 0 16,-4-6-16-16,3 3-4 0,-3-3 0 0</inkml:trace>
+  <inkml:trace contextRef="#ctx0" brushRef="#br0" timeOffset="8229.483">7631 11683 3076 0,'0'0'88'0,"0"0"17"15,0 0-84-15,0 0-21 0,7-4 0 0,0-2 0 0,0 3 0 0,0-3 8 0,7-1-8 16,-3 1 0 0,3-3-85-16,0-1-22 0,3 1-4 0,-3-4-1 15,4 7-113-15,-4-3-23 0,-3 2-5 0</inkml:trace>
+  <inkml:trace contextRef="#ctx0" brushRef="#br0" timeOffset="8764.616">8135 10848 2739 0,'0'19'116'16,"0"3"-93"-16,4 3 18 0,-4 0 4 0,7 4 1 0,-4-1 0 31,4 3-72-31,0-3-14 0,0 4-4 0,-3-1 0 0,3 0-16 0,-7 1-3 0,3 2-1 0,-3-2 0 31,-3-1 26-31,3 0 5 0,-4 1 1 0,1-7 0 0,-1 0 22 0,1-3 10 0,-1 0-8 0,1-6 8 16,-1-4 8-16,4 1 8 0,0-4 0 0,-3-6 1 15,3-3 27-15,0 0 6 0,0 0 1 0,0 0 0 16,0-6-31-16,0-4-7 0,0-2-1 0,0-1 0 16,0-9-12-16,3 0 0 0,1 1 0 0,-1-8-10 15,1 1 10-15,3-3 0 0,-4-1 0 0,4-2 0 16,4-4 0-16,0 1 16 0,3-1-4 0,-4 0-1 16,4-2 27-16,4-1 6 0,-4 3 0 0,7 1 1 15,-3 2-29-15,3 4-7 0,4-1-1 0,0 7 0 0,-1 3-8 16,1 7-11-16,3-1 3 0,-3 3 0 0,3 7-12 0,-3 0-1 15,-1 6-1-15,-2 3 0 16,-1 0-6-16,-7 3-2 0,0 1 0 0,0 2 0 0,-7 1 30 0,-3-1 0 0,-1 0 0 16,1 4 0-16,-4-1 0 0,-4 1 0 0,1 0 11 15,-1 2-3 1,-3 1 4-16,-3 0 0 0,-1 2 1 0,-3-2 0 16,-4 3-13-16,-3 0 0 0,0 3 0 0,-7-4 0 15,-1 4 32-15,-6 0 4 0,3 0 1 0,-6-3 0 16,-1 3 2-16,-7-3 0 0,0 0 0 0,0-4 0 15,-3 1-39-15,3 0 0 0,-7-4 0 0,7 1 0 16,4-4-133-16,0 1-31 0,6-1-7 0</inkml:trace>
+  <inkml:trace contextRef="#ctx0" brushRef="#br0" timeOffset="13737.877">4988 14100 2016 0,'-3'22'57'0,"-4"-3"12"15,0 0-55-15,3-1-14 0,1-2 0 0,-1 0 0 16,1-1 21-16,3-2 2 0,0 0 0 0,-4-4 0 16,4-3-23-16,0-6 0 0,0 0-10 0,0 0 10 15,0 0 0-15,0 0 14 0,0 0-1 0,-4-6 0 16,1-7 15-16,-1 1 2 0,1-1 1 0,-1-6 0 15,1 1 2-15,-1-7 1 0,-3 0 0 0,4-4 0 16,-1 1-21-16,-3-3-4 0,4-1-1 0,-1 1 0 16,1-3-8-16,-4-4 0 0,3-3 0 0,0 0 8 15,1 1-8-15,3-1-9 0,-4-3 9 0,4 0-13 0,0 0-1 0,-3-3 0 16,3 3 0-16,0 3 0 16,0 1-15-16,0 2-3 15,3 4-1-15,-3-1 0 0,4 4 22 0,-4 6 11 0,0 0-10 0,0 3 10 16,0 3-12-16,0 6 12 0,-4 4-13 0,4-4 5 0,0 10-7 0,0 3-1 0,0 0 0 0,0 0 0 31,4 6-24-31,-4 4-4 0,3 2-2 0,-3 4 0 16,4 3 36-16,0 0 10 0,-1 3 0 0,1 0 0 15,3 0 0-15,-4 3 13 0,4-3-1 0,0 3-1 0,-3-3 4 0,3 0 1 16,0 0 0-16,0-4 0 0,0 1 19 0,0-3 4 0,-3-4 1 0,3 1 0 16,3-7 3-16,-3 0 1 0,0-2 0 0,4-1 0 15,-4-6-10-15,4-4-2 0,-1-2 0 0,1-7 0 16,3 1 7-16,0-4 1 0,0-3 0 0,0 0 0 15,0-3-13-15,0 0-3 0,1 0 0 0,-5-1 0 16,4-2-3-16,-3 3-1 0,-1 0 0 0,4 0 0 16,-3 3-7-16,-4 0-1 0,4 3-1 0,-4 0 0 0,3 4-11 15,-3 2 0-15,0 1 0 0,1 2 0 0,-5 4 0 16,4-3 0 0,0 2 0-16,0 4 0 15,-3 0-20-15,3 3-10 0,0 0-2 0,0 6 0 0,0-2 8 16,0 2 2-16,0 3 0 0,0 1 0 0,-3 5 10 0,3 1 1 0,-4 3 1 0,1 6 0 15,3-3 10-15,-7 6 0 0,3 3 0 0,-3 4 0 16,0-1 0-16,0 4 0 0,0 0 0 0,-3 2 0 16,3-2 15-16,0 3 8 0,0 0 1 0,0-4 1 15,0 1-1-15,3-1-1 0,-3-2 0 0,4-1 0 16,-1-2-5-16,-3-4-1 0,4-3 0 0,-1 0 0 16,1 0-17-16,0-3 0 0,-1 0 0 0,1-6 0 15,-1-1-22-15,1-2-8 0,3-4-2 0,-4-2 0 16,1-1-180-16,-1 0-36 0,1-3-7 0</inkml:trace>
+  <inkml:trace contextRef="#ctx0" brushRef="#br0" timeOffset="14219.103">5888 13746 2810 0,'-14'0'80'0,"-4"0"17"15,8 0-77-15,-5 3-20 0,1 0 0 0,0-3 0 16,4 3-27-16,-4-3-9 0,-1 0-1 0,5 0-1 15,-4-3 27-15,3 6 11 0,1-3-8 0,-5 0 8 16,1 3-18-16,0-3 2 0,0 3 0 0,0 1 0 16,-4 5 16-16,4 0-10 0,-3 4 10 0,2-1-8 15,-2 7-4-15,3-3-1 0,0 3 0 0,3 0 0 16,4-1-5-16,0-2-1 0,7 3 0 0,0-3 0 16,3-1 3-16,8 4 0 0,3-3 0 0,0-4 0 0,4-2 0 0,3-1 1 15,0-3 0-15,4-6 0 16,3 0 15-16,-3-6 0 0,7 0 0 0,-4-7 10 0,4 1-2 0,-1-1-8 15,1-3 12-15,-4-2-4 16,-3-1-8-16,0 0 0 0,-4-3 0 0,-7 3 0 0,0 0 13 16,-3 4 1-16,-4-4 0 0,-4 3 0 15,-3 1 25-15,-3-4 5 0,-4 3 0 0,0-3 1 16,0 4-17-16,-4-1-4 0,0 3-1 0,1-2 0 16,-1-1-8-16,-3 0-2 0,0 4 0 0,0-4 0 0,3 7-28 0,1-1-5 15,-1 1-2-15,1 3 0 16,2 3-154-16,1-1-30 0,7 4-6 0</inkml:trace>
+  <inkml:trace contextRef="#ctx0" brushRef="#br0" timeOffset="14745.831">6851 12639 2663 0,'-7'19'112'0,"3"-1"-89"32,1 4-3-32,-1 4 0 0,1-1 0 0,3 3 0 15,-4 0-48-15,1 0-9 0,3 4-3 0,-4-1 0 16,4 3 4-16,0 4 0 0,-3 3 0 0,3 0 0 15,-4 3 12-15,4 3 2 0,-3 3 1 0,3-3 0 0,-4-3 2 0,4 0 1 0,-3-1 0 16,6 1 0-16,-3-9 46 0,0-1 10 0,4-2 2 16,-4-7 0-16,3-3 4 0,-3-3 0 0,4-7 1 0,-1-3 0 15,1 1-29-15,-4-10-7 0,0 0-1 0,0 0 0 16,0-10-8-16,-4-2-11 0,1-7 3 0,-1 0 0 16,-3 0-125-1,-3-6-25-15,-5 0-5 0,1 0-1 0,0 3 66 0,-3 0 13 0,-1 4 2 0,-3 2 1 16,0 0 102-16,-4 4 21 0,0 5 4 0,4 1 1 15,-4 3 53-15,1 3 10 0,2 0 3 0,-2 6 0 16,-1 4-36-16,4 2-8 0,-4 4 0 0,4 6-1 16,0 0-37-16,3 6-7 0,1 3-2 0,2-2 0 15,1 5-21-15,7 1 0 0,4-1 0 0,-1 1 0 16,8-1 0-16,-1-3 0 0,4 1 0 0,4-4 0 16,7 0 0-16,3-3 0 0,3-3 0 0,5 0 0 15,2-6 0-15,1-4 0 0,7-2 0 0,0-4 0 16,7-3-25-16,0-6-10 0,3-3-1 0,0-4-1 15,1 1 16-15,3-10 3 0,3 0 1 0</inkml:trace>
+  <inkml:trace contextRef="#ctx0" brushRef="#br0" timeOffset="15340.205">7475 12601 2747 0,'0'7'116'16,"-3"2"-93"-16,3 3 23 0,0 4 5 0,0 6 1 0,-4 0 0 15,4 3-52-15,0 3-22 0,0 1 2 0,0 2 0 32,0 3-36-32,-3 1-6 0,-1-1-2 0,4 4 0 0,-7 3 24 0,4 3 5 0,-4 3 1 0,0 3 0 15,0 0 34-15,-4 3 0 0,4 1 0 0,-4-1 0 16,4 3 23-16,0-2 8 0,0-1 1 0,0 0 1 16,0-9 25-16,3 0 5 0,1-6 1 0,-1-7 0 15,4-3-32-15,0-9-7 0,0-3-1 0,4-4 0 16,-4-5-24-16,7-4-14 0,-7-3 2 0,7-7 0 15,0-5-26-15,7-7-5 0,0-6-1 0,0-3 0 0,1-7 20 16,2 1 3-16,1-7 1 0,-1 3 0 0,1 4 4 0,7 6 0 16,-4 0 1-16,4 2 0 0,-4 8 24 0,0 2 5 15,0 7 1-15,4-1 0 16,0 10-15-16,-1 3 0 0,1 4 0 0,3 2 0 16,-7 3 0-16,4 7 0 0,-4 3 0 0,-3 0-10 15,-1 3 2-15,-6-3 0 0,3 3 0 0,-7 0 0 0,-3 0 8 0,-1-3 0 0,-6 4 0 16,-4-5 0-1,-4 1-28-15,-10 0-3 0,0 0-1 16,-11 0 0-16,-3-3 10 0,-8 0 2 0,-2 0 0 0,-5 0 0 0,4-4 10 0,0 1 10 16,1 0-13-16,2-4 5 0,-3 4 53 0,4-4 11 0,0 4 3 15,3-7 0-15,7 1 4 0,0-4 1 0,4 0 0 0,7 1 0 32,3-4-105-32,4 3-21 0,4 3-4 0,6-5-1 15,4-4-193-15,0 0-40 0</inkml:trace>
+  <inkml:trace contextRef="#ctx0" brushRef="#br0" timeOffset="15808.587">8491 13175 3168 0,'-14'9'66'0,"0"1"15"16,4-1-65-16,-5 1-16 0,5-1 0 0,-1 0 0 16,1 1 10-16,-1 2-2 0,1 4 0 0,2 0 0 15,-2-1-8-15,-1 4-17 0,1 0 4 0,-1 3 1 32,4 6-19-32,0 0-3 0,-4 7-1 0,8-1 0 0,-1 1 3 0,1 6 0 0,-1-1 0 0,8-2 0 0,-4 0 19 15,7-4 4-15,0-2 1 0,4-7 0 16,3 0 8-16,0-6 0 0,3-4 0 0,1-5 0 0,3-1 0 0,4-3 11 0,0 1-3 0,3-7 0 31,0-7-8-31,0 1 0 0,4-3 9 0,-4-4-9 16,0-3 12-16,1-2-3 0,-1-4 0 0,0 0 0 15,-3-10-23-15,3 1-5 0,0-10-1 0,-3 0 0 0,3 1-25 0,-3-4-6 0,0 0-1 0,-4 3 0 32,0 0 39-32,-3 7 13 0,-1 3-9 0,-3 5 9 15,-7 1 40-15,4 7 12 0,-8-1 4 0,1 6 0 0,0 4 6 16,-4 3 2-16,3-1 0 0,-3 7 0 0,0 0-49 0,0 0-15 0,0 7 8 0,0 2-8 15,-3 7 0-15,3 2 0 0,-8 1 0 0,5 9-9 16,-8 4-18 0,4 2-3-16,-3 4-1 0,-4 3 0 0,0 3-10 0,-1-1-3 0,-2 1 0 0,-1-3 0 15,0-3-150-15,1-1-30 0,3-2-7 0</inkml:trace>
+  <inkml:trace contextRef="#ctx0" brushRef="#br0" timeOffset="16019.121">9204 13363 1197 0,'25'-19'50'16,"-4"1"-40"0,0 5 158-16,0 4 32 0,0-1 7 0,-3 7 1 15,0 0-48-15,-4 0-10 0,0 3-2 0,-4 3 0 16,1 0-32-16,0 3-6 0,-1 1-2 0,1-1 0 0,-8 3-51 0,1 1-10 16,-1-1-3-16,-6 4 0 0,-1 2-24 0,1 7-4 0,-4-3-2 0,-7 6 0 31,-4 3-14-31,-7 7 0 0,-3-1-12 0,-4 1 12 15,-3 2 0-15,-4 4 0 0,-3-3 0 0,-4-1 0 16,-3 1-9-16,-8 0 9 0,1-1 0 0</inkml:trace>
+  <inkml:trace contextRef="#ctx0" brushRef="#br0" timeOffset="22869.777">12404 9478 1516 0,'0'-12'32'0,"-4"-1"6"0,1 4-30 0,3 3-8 0,0-1 0 0,-4 1 0 16,4 6 12-16,0 0 2 0,0-6 0 0,0 6 0 15,0 0-14-15,0 0-8 0,-7-3 8 0,7 3-13 16,-3-4 30-16,-8 1 7 15,11 3 0-15,-7 0 1 0,3 0 35 16,-6-3 6-16,3 6 2 0,0-3 0 16,0 3-29-16,-4 1-6 0,0 2-1 0,1 0 0 15,-4 0 19-15,-4 4 3 0,0-1 1 0,1 4 0 0,-4-4-1 0,-1 1 0 16,1 2 0-16,-3 1 0 0,-1 2-5 0,0 1-1 16,-3 0 0-16,3 2 0 0,-3 4-30 0,3 0-6 15,-3 3-2-15,0 4 0 0,3 2-10 0,-3-3 0 0,3 7-10 16,-3-4 10-16,3 4 0 0,1-1 0 0,-1 4 0 0,4-4 0 15,0 1 0-15,7-1 0 0,-4-2 8 0,7 2-8 16,1-6 0-16,3 0 0 0,0 1 0 0,7-4 0 16,0 3 0-16,0-3 20 0,7 0-4 0,3 0 0 15,4 3-16-15,1 1 10 0,6-4-10 0,3 6 8 16,5-6-8-16,-1 0 0 0,4 0 0 0,-1 0 0 0,5-6 0 0,2-3 0 0,1-4 0 16,0 1 0-1,3-7-12-15,-3 4 1 0,0-7 1 0,0 0 0 31,-4 0-18-31,-3-6-4 0,0 3-1 0,-4-3 0 0,-4-3-96 0,-2-4-19 0,-1 1-4 0</inkml:trace>
+  <inkml:trace contextRef="#ctx0" brushRef="#br0" timeOffset="23428.841">12577 10134 1858 0,'0'0'52'0,"-4"6"13"16,-3 0-52 0,0 0-13-16,0 4 0 0,0-4 0 0,0 3-20 0,0-2-6 0,-4 2-2 15,4-3 0-15,-4 1 72 0,4-1 15 0,-3 0 2 0,3 1 1 16,-4-1 40-16,-3-3 8 0,3 3 2 0,1 0 0 16,-4 1-52-16,0-1-9 0,3 0-3 0,1 1 0 15,-1 5-28-15,0 1-7 0,1-1-1 0,-1 4 0 16,4 3-12-16,0 3 0 0,4 3-12 0,-1-3 12 15,0 6-16-15,1-3 3 0,3 3 1 0,0-6 0 16,3 3-11-16,1-6-1 0,3-3-1 0,0-1 0 16,0-5-1-16,0-1 0 0,4-6 0 0,-1 0 0 0,5-3 26 15,2-3-8-15,1 0 8 0,-1-6 0 16,5-4 0-16,-1-2 17 0,0-4-2 0,0 0-1 16,-3-3-2-16,-1-3-1 0,1 0 0 0,-4 0 0 0,0-3 24 0,0 2 5 0,-3-2 0 0,-4 0 1 31,0 3-29-31,-3 0-12 0,-1 0 11 0,-3 0-11 15,-3 6 15-15,-1-3-3 0,1 6-1 0,-5 1 0 0,1 2-3 0,-3 0 0 0,3 7 0 0,-4 0 0 32,1 6-8-32,-1 3-11 0,-3 0 3 0,3 7 0 0,-3 2-45 15,0 1-9-15,4 5-2 0,-1-2 0 0,0 0-121 0,4 0-25 16,4-4-5-16</inkml:trace>
+  <inkml:trace contextRef="#ctx0" brushRef="#br0" timeOffset="23827.155">12792 10287 2546 0,'0'10'53'0,"0"-10"11"0,-4 6-51 0,1 0-13 0,-1 0 0 0,4 1 0 16,-3 2 25-16,-1 1 3 0,1 2 0 0,-4 1 0 0,3-1-28 0,-3 1 0 0,0-1-9 0,3 4 9 31,-3-7 0-31,4 4 11 0,-1-4 0 0,1 1 0 15,-1-7-1-15,4-3 0 0,0 0 0 0,0 0 0 16,0-10-2-16,4-2 0 0,-1-4 0 0,1-3 0 0,-1-3-22 0,8-3-5 0,-4 0-1 0,4 0 0 31,-4-3 6-31,3 6 1 0,1-3 0 0,3 3 0 16,-4 3 13-16,1 0 0 0,0 4 0 0,-1 2 0 16,4 4 0-16,-3 2 0 0,3 4 0 0,-3 0 0 15,3 6 0-15,0 4 0 0,0-1 0 0,0 6 0 16,0 1-10-16,0-1-9 0,4 7-1 0,-8-3-1 0,5 0 8 0,-5 2 1 0,1 1 1 0,-4 0 0 15,0 3 23-15,0-3 5 0,-4 3 1 0,1-3 0 16,-1-1-3-16,-3 4-1 0,-3-3 0 0,3 3 0 16,-4-6-2-16,1-4 0 0,3 1 0 0,-4-4 0 15,8-6-12-15,-4-3-16 0,0 0 3 0,3-6 1 16,8-13-196 0,-4-3-38-16,4-3-8 0</inkml:trace>
+  <inkml:trace contextRef="#ctx0" brushRef="#br0" timeOffset="24045.024">13437 9550 1683 0,'21'-34'71'0,"1"3"-57"16,-1 5 54-16,-4 5 12 0,5 2 1 0,-1 0 1 15,-4 9-26-15,1 4-4 0,0 0-2 0,-1 3 0 0,1 9 11 0,0 3 3 0,-4 4 0 0,0 6 0 32,-7 6-42-32,3 9-8 0,-6 4-2 0,-4 3 0 15,0 3 11-15,-4 0 1 0,1 6 1 0,-8 3 0 16,1-3 11-16,-1 4 3 0,-3 2 0 0,4-6 0 15,-5 0 1-15,5-6 0 0,-4 0 0 0,3-3 0 0,1-4-40 0,-5-2 0 16,5-1 0 0,-4-5-8-1,3-4-57-15,1-6-11 0,-5-1-3 0,5-5 0 0,-8-4-221 0,4-2-45 16</inkml:trace>
+  <inkml:trace contextRef="#ctx0" brushRef="#br0" timeOffset="24219.351">13212 10146 2245 0,'-8'-19'95'0,"5"-3"-76"15,3 4 75-15,0-1 15 0,0 0 3 0,7 3 1 0,0 1-95 0,4 2-18 0,3-3 0 0,0 4-11 16,4 2 11-16,3-2 0 0,0-1 0 0,0 1 0 16,7 2 0-16,-3 1 8 0,7 3-8 0,-8-1 8 15,5 1-32-15,-1 3-7 0,-3 3-1 16,-1 0 0-16,-3 0-134 0,1 3-27 0,-8 3-6 0,0 1-1 31,0-1 90-31,-4 0 18 0,1 1 3 0,0-1 1 16,-8 3-16-16,1 1-4 0,-1-1 0 0</inkml:trace>
+  <inkml:trace contextRef="#ctx0" brushRef="#br0" timeOffset="24699.726">13663 10579 2761 0,'-3'31'57'0,"-1"-25"15"15,1 4-58-15,3-7-14 0,-4 3 0 0,4-6 0 16,0 0 48-16,0 0 6 0,0 0 2 0,0 0 0 0,0-9-32 0,0-4-7 0,4-2-1 0,-1-4 0 31,1 0-16-31,3-3-16 0,3 0 4 0,-3 0 0 16,0 0-96-16,4 7-20 0,-4-4-3 0,0 3-1 15,0 4-70-15,0-1-14 0,-3 0-4 0,-1 1 0 16,4-1 116-16,4 1 22 0,-1-1 5 0,1-2 1 16,3-1-28-16,4 0-4 0,3-3-2 0,0 4 0 15,0-1 34-15,0 0 6 0,1 1 2 0,-1 2 0 16,0-3 123-16,-3 7 25 0,-1 0 4 0,1-1 2 0,-4 7 34 0,-3 0 6 0,-1 3 2 0,1 3 0 15,-4 3-64-15,-4 1-13 0,1 2-3 0,-4 0 0 16,-4 7 7-16,1-3 1 0,-1 2 0 0,-3 1 0 31,0 0 35-31,-3 3 7 0,2-4 2 0,-2 1 0 0,3 0 0 0,0-1 0 0,0 4 0 0,3-3 0 16,1-1-52-16,-1 4-9 0,1-3-3 0,3 3 0 16,0 0-12-16,0-4-4 0,3 1 0 0,1 0 0 31,-1-7-20-31,4 4 0 0,0-7 0 0,4 3 0 15,-4-6 0-15,4-3 0 0,-1-3 0 0,4-6 0 0,0-4 0 0,4-2 0 0,0-11 0 0,3 1 0 16,0-6 0-16,4 0 0 0,-1-7 0 0,-3 0 0 16,4 1-72-16,-4 2-20 0,-3 1-3 0,-4-1-1 31,-3 4-102-31,-4 3-21 0,-4 3-4 0,-3 3-1 0,-7 0 25 0,-3 0 5 0</inkml:trace>
+  <inkml:trace contextRef="#ctx0" brushRef="#br0" timeOffset="24966.891">14489 9215 2977 0,'3'6'132'0,"1"4"27"15,3 2-127-15,0 1-32 0,3 5 0 0,1 1 0 16,0 3 0-16,-1 6-15 0,1 4 2 0,-1 2 0 15,-3 4-10-15,0 3-1 0,0 3-1 0,-3-1 0 32,-4 5-1-32,0-1 0 0,-4 3 0 0,1-3 0 15,-1 0 26-15,-3 0 0 0,4 0 0 0,-4 0 8 16,3-3 12-16,-3-3 4 0,4-1 0 0,-1-2 0 16,4 0 3-16,0-1 1 0,0-5 0 0,4-1 0 15,3 0-48-15,0-3-10 0,0-2-2 0</inkml:trace>
+  <inkml:trace contextRef="#ctx0" brushRef="#br0" timeOffset="25718.089">16044 9328 3012 0,'-17'41'85'0,"-1"-1"19"0,0 1-83 0,4 6-21 0,0 3 0 0,4-3 0 31,-4 3-22-31,3-3-9 0,0 1-1 0,4-1-1 15,-3-7-10-15,6-2-1 0,1-4-1 0,-1-8 0 16,4-1 15-16,-3-7 3 0,3-5 1 0,0-1 0 0,0-5 26 0,0-1 0 0,0-6 0 0,0 0 0 31,-7-6 45-31,3-1 11 0,-7-2 3 0,1-3 0 16,-1-1-38-16,-3-3-7 0,4-2-2 0,-5 2 0 16,-6-3-36-16,4 0-8 0,-5 0-2 0,1 1 0 15,-3 2-13-15,-5 3-2 0,5 1-1 0,-5 2 0 16,5 4 21-16,-4 3 4 0,3 0 1 0,-3 6 0 15,3 3 24-15,0 1 17 0,1 2-2 0,2 7-1 16,-2 2 14-16,-1 8 2 0,0-5 1 0,4 11 0 0,0-4-16 0,0 3-3 16,3 1-1-16,4-1 0 0,3 4 1 0,4-4 1 0,4-3 0 0,3 4 0 15,7-4-13-15,4-3-18 0,3 0 4 0,3-3 1 0,4-3 0 0,1-4 0 16,2 1 0-16,5-7 0 16,2-5 2-16,1-1 1 0,0-3 0 0,0-3 0 15,3-4 20-15,-3 1 4 0,3-3 1 0,-3-1 0 16,-1-2-7-16,1-1 0 0,0 1-8 0,-4-4 12 15,0-3-12-15,1 0 0 0,-1-3 0 0,-4 0 0 16,1 0 0-16,0-3 0 0,-4-3 0 0,4 3 0 16,-8 0 0-16,1 0 0 0,0 0 0 15,-8 3 0-15,-3 0 16 0,0 0-4 0,0 0 0 0,-7 3 0 16,0 0 23-16,-3 1 4 0,-1 5 1 0,-3 0 0 16,-3 1 2-16,-1 3 1 0,-3 2 0 0,0 4 0 15,0 3-34-15,-7 0-9 0,3 6 0 0,-3 1 0 16,3 8 0-16,-7 1 0 0,4 3 0 0,4 3 0 15,-5 3-21-15,5 3-9 0,-1 3-2 16,4 1 0-16,3-1 32 0,1 4 0 0,3-1 0 0,3 1 0 16,4-1 0-16,4 1 0 0,3-1 0 0,7-3 0 15,4 1-12-15,6-4 3 0,5 0 1 0,6-6 0 16,4-3 8-16,10-3-10 0,4-7 10 0,3-3-10 16,-3-6-7-16,7-3-2 0,-3-3 0 0,-1-3 0 15,1-7-89-15,-1 0-17 0,1-3-4 0</inkml:trace>
+  <inkml:trace contextRef="#ctx0" brushRef="#br0" timeOffset="26436.184">17367 10265 2757 0,'0'0'122'0,"0"0"26"32,0 0-119-32,0 0-29 0,0 0 0 0,0 0 0 0,0-6 16 15,4 0-2-15,-1-7-1 0,1-2 0 0,3-4 2 16,0-6 0-16,4-4 0 0,-1-5 0 0,1-10 14 0,3-3 3 0,0-3 1 0,0-10 0 16,-3 1-33-16,3-7 0 0,-4-3-15 0,1 0 5 15,-1-3-33-15,-2 0-6 0,-5-4-2 0,4 7 0 16,-7 0 11-16,4 7 1 0,-4-1 1 0,3 7 0 15,-3 5 26-15,0 7 12 0,0 4-12 0,4 5 12 32,-4 7 8-32,0 3 10 0,3 6 2 0,1 7 0 0,-4 2-42 15,3 4-8-15,-3 6-2 0,4 6 0 0,-1 13-20 16,-3 3-4-16,4 9 0 0,-4 7-1 0,0 9 38 0,0 3 8 0,0 7 2 0,-4 2 0 16,4-2 28-16,0 2 5 0,0 1 2 0,0-7 0 15,4-3 46-15,-4-3 10 0,3-3 2 0,1-6 0 16,3-7-16-16,0-6-4 0,4-6 0 0,-1-6 0 15,4-7-51-15,0-3-13 0,1-3 0 0,2-6 0 16,4-7 0-16,-3-6 0 0,3-3 0 0,0-6 0 16,0 0 0-16,-3-3 0 0,0-4 0 15,-1 1 0-15,1-1-13 0,0 1-6 0,-4-1-1 16,0 4 0-16,-4-1 32 0,1 1 7 0,-7 3 1 0,3 3 0 16,-4 0-20-16,1 3 0 0,-1 0 0 0,1 6 0 0,-4 7-16 0,3-1-6 0,1 4-2 0,-4 6 0 31,0 6 4-31,3 4 0 0,1 5 0 0,-1 7 0 15,-3 7 6-15,4 5 2 0,-4 4 0 0,0 2 0 16,0 11 12-16,0-1 0 0,0 6 0 0,0 1 0 16,0-1 0-16,3 1 16 0,1 2-3 0,0-2-1 15,3-7-4-15,0 0-8 0,0-3 11 0,3-3-11 16,1-7-65-16,3-2-20 0,4-7-4 0</inkml:trace>
+  <inkml:trace contextRef="#ctx0" brushRef="#br0" timeOffset="26751.081">18588 9651 2428 0,'-28'19'51'0,"14"-13"10"0,-1 0-49 0,-2 3-12 0,-1-2 0 0,-3 5 0 16,-4 1 20-16,1 6 2 0,-1 3 0 0,-3 0 0 15,3 3 6-15,0 3 2 0,1 0 0 0,-1 3 0 16,4 4 27-16,0-1 6 0,6 4 1 0,-2-3 0 15,3-1-42-15,3 1-8 0,1 2-2 0,2-6 0 16,5-2-12-16,-1-7 0 0,4 3 0 0,4-10 0 16,-1-2 0-16,5-4 0 0,2-2 0 0,4-7 0 15,0-7 0-15,4-5-13 0,3-4 4 0,4-6 1 16,-4-3 8-16,4-9 0 0,-1-1-9 0,-2-2 9 16,-1-1-134-16,-7-3-22 0,-4 3-5 15,1 1-1-15,-7-1 54 0,-4 7 12 0,0 0 1 16,-4-1 1-16,-3 4-11 0,-4 0-3 0,1-4 0 0,-4 4 0 15,3 0 29-15,-3 0 6 0</inkml:trace>
+  <inkml:trace contextRef="#ctx0" brushRef="#br0" timeOffset="27112.64">18704 8999 3112 0,'7'18'65'0,"4"7"14"15,-4 4-63-15,4 5-16 0,-1 4 0 0,1 6 0 16,-4 3-29-16,0 6-9 0,0 0-2 0,-4 4 0 16,-3 2 29-16,0-2 11 15,-3 2-8-15,-1-5 8 0,1-1 0 0,-4-3 0 16,0-3 0-16,0-6 0 0,3-3 0 0,-3-10 0 0,4-3 0 0,-1-6 8 16,4-4-8-16,0-2 0 0,0-7 0 0,0-6 0 15,7-6-8-15,4-7-4 0,3-5 0 16,0-1 0-16,7-10 0 0,0 1 0 0,4-3 0 0,0 0 0 15,3 2-41-15,4-2-9 0,-1 6-2 0,1 0 0 16,0 3 24-16,-4 3 5 0,4 7 1 0,-7 2 0 0,-1 4 54 16,-3 9 12-16,-3 3 1 0,-7 7 1 0,-1 2-18 15,-3 4-3-15,-3 6-1 0,-8 4 0 0,-3 2 28 0,-7 3 4 0,-4 7 2 0,-6-3 0 16,-1 3-6-16,-7-1-2 0,-3 1 0 0,-4-3 0 31,0-4-5-31,1 1-1 0,-5-4 0 0,1-3 0 16,-4-3-157-16,0 0-32 15</inkml:trace>
+  <inkml:trace contextRef="#ctx0" brushRef="#br0" timeOffset="32041.375">22348 12310 2370 0,'-14'-3'49'0,"14"3"12"0,-7-4-49 0,4 1-12 0,3 3 0 0,-7-3 0 16,0-3 35-16,7 6 4 0,-4-3 1 0,4 3 0 16,0 0-40-16,0 0 0 15,0 0-12-15,0 0 4 0,0 0-2 0,0 0 0 0,0 0 0 0,-7 0 0 16,0 3 10-16,4 3-10 0,-5 4 10 16,1-1-10-16,0 7 10 0,0-1 0 15,-3 4 10-15,-1 3-10 0,1 0 10 0,-5 0-10 0,5 3 10 0,-4-3-10 16,0 3 16-16,3-6-4 0,0 3 0 0,1-3 0 0,3-7 13 15,0 1 3-15,0-4 0 0,3 1 0 0,1-4-16 16,3-6-4-16,0 0 0 0,0 0 0 0,0 0 20 0,0-10 4 16,0-5 1-16,3-1 0 0,1-6 2 15,3-6 0-15,0-7 0 0,3 1 0 16,5-10-15-16,-1 0-4 0,3-6 0 0,4-3 0 16,1-1-16-16,-1 1 10 0,3-7-10 0,-2 7 8 15,2 3-8-15,-3 0-11 0,1 6 3 0,-1 3 0 16,-4 7 8-16,5 2 0 0,-5 7 0 0,1 3-8 0,-4 7 8 15,4 2 0-15,-4 4 0 0,0 5-8 0,0 8 0 16,0 2 0-16,0 6 0 0,0 1 0 0,-3 9 8 0,3 3-8 16,0 6 8-16,-3-2-8 0,3 2 8 0,0-3-8 0,0 4 8 15,-3-1-8-15,3-3 8 0,-4-3-8 0,1 0 8 16,3-6-8-16,-3-3 16 16,-1-4 3-16,4 1 1 0,-3-7 0 15,3-3 6-15,0-3 2 0,0-6 0 0,0-3 0 16,4-1 9-16,0-6 3 0,-4-5 0 0,3 2 0 15,-3-3-24-15,1 0-8 0,-1 0 0 0,0-3 9 16,-4 3-1-16,1-3 0 0,0 0 0 0,-1 3 0 16,1 0 8-16,-1 0 2 0,1 3 0 0,-1 0 0 0,1 0-5 0,-4 7-1 0,4-1 0 0,-1 7 0 15,1 0-12-15,-4 6 0 0,0 6-9 0,-4 3 9 16,5 4-22-16,-5 6 2 0,1 3 0 0,-1 6 0 16,1 3 11-16,-4 4 9 0,3 6-12 0,-3-1 12 15,4 7 0-15,-4 0 0 0,3 4 0 0,1-1 0 16,-1 3 0-16,-3-3 0 0,4 0 0 0,3-3 0 15,-4-3 0-15,4-3 9 0,1 0-9 16,-1-4 12-16,3-5-12 0,4-1 0 0,0 1 0 0,0-7 8 16,4 0-95-16,0-7-19 0,-1 1-4 0</inkml:trace>
+  <inkml:trace contextRef="#ctx0" brushRef="#br0" timeOffset="32403.888">23675 12335 3326 0,'-21'3'95'0,"0"-3"19"16,-1 3-91-16,1-3-23 0,0 3 0 0,-4 3 0 15,4 4 0-15,-3-1-13 0,2 7 1 0,-2 3 1 16,3 3-35-16,3 6-7 0,-3 0-2 0,3 3 0 15,4 7 19-15,0-3 4 0,3 2 1 0,4 1 0 16,4-4 3-16,-1-2 1 0,1-4 0 0,6-3 0 16,1-6 12-16,-1-4 3 0,4-2 0 0,4-4 0 0,3-5 12 0,-3-1 8 15,6-3 0-15,1-7-8 0,-1 1 27 16,5-10-2-16,2 1 0 0,-3-7 0 31,1 0 12-31,-1-6 3 0,0-1 0 0,-3 1 0 16,-8 0-62-16,1 3-12 0,-4-3-2 0,-4 6-1 0,-6 0-15 0,-1 0-2 0,-3 3-1 0,-7 3 0 0,-3 4 25 15,-1 2 5-15,-7 7 1 0,-3 0 0 16,3 3 2-16,-3 3 1 0,3 4 0 0,1-1 0 16,2 0-79-16,5 0-16 0,6 1-4 0</inkml:trace>
+  <inkml:trace contextRef="#ctx0" brushRef="#br0" timeOffset="32685.711">24564 12012 2325 0,'-7'6'98'0,"-4"0"-78"15,4 1 98-15,-3 2 20 0,-4 0 4 0,3 4 1 16,-3-4-108-16,0 4-22 0,0 3-4 0,0-1-1 16,3-2-8-16,0-1 0 0,1 4 0 0,3 0 0 15,7-1-32-15,0 4-8 0,0 0-1 0,7 3-1 16,0 0 10-16,7 3 1 0,4 0 1 0,-1 0 0 15,4-3-10-15,8 3-3 16,-5-3 0-16,8 0 0 0,-4 0 31 0,8 0 12 0,-5 0-11 0,1 0 11 16,0-3-9-16,-4 3 9 0,0-4-8 0,-3 1 8 15,0 0-24-15,-4 3 0 0,-4-3 0 0</inkml:trace>
+  <inkml:trace contextRef="#ctx0" brushRef="#br0" timeOffset="33661.274">23146 10250 1698 0,'-7'-7'72'15,"3"1"-58"-15,1 0 85 0,-1 0 17 0,1 2 3 16,3 4 1-16,-7-6-83 0,3 0-16 15,4 6-3-15,-4-6-1 0,1 2-17 0,3 4 0 0,-4-6 0 0,-3 0 0 16,7 6 0-16,-7-3 0 0,0 0 0 0,0-1 0 16,0 1 24-16,-3 3 7 0,-1 0 1 0,-3 3 1 15,-4-3 11-15,1 4 1 0,-5-1 1 0,-2 0 0 16,-4 0-10-16,-1 3-3 0,-2-3 0 0,-5 4 0 16,1-1-9-16,-4 0-3 0,0 4 0 0,1-1 0 31,-1 4-1-31,0-1 0 0,0 1 0 0,4 2 0 0,0 4-12 15,-1 0-8-15,5 3 8 0,2 0-8 16,-2 0-8-16,6 3-7 0,4 3-1 0,3-3 0 0,4 3 16 0,3-2 0 0,4 2 0 0,4-3 0 16,6 0 0-16,1-6-9 0,6 3 9 0,5-7-8 15,2-2 8-15,1-1-8 0,3-2 8 0,4-4-8 16,-1 0 8-16,5-6 0 0,-1 0 0 0,0-3 0 16,0 0 0-16,-3-3 0 0,0 0 0 0,-4-4-8 15,-4 1-6-15,-2-4-1 0,-5 4 0 0,1-1 0 16,-4-2-1-16,-4 2-1 0,-3 1 0 0,0 3 0 15,-3-4 17-15,-1 4 0 0,-3 0 0 0,0 3 0 16,0 0 8-16,-3-1 4 0,-5 4 2 0,1 4 0 0,4-1-5 16,-4 3-1-16,0 3 0 0,-1 4 0 15,5-1-8-15,3 1 12 0,-4 3-12 0,4 2 12 16,0 1-1-16,7 0 0 0,-3 3 0 0,3 3 0 16,7 0 20-16,0 0 4 0,3 0 1 0,4 4 0 0,4-1-24 0,3-3-4 0,4 3 0 0,3-3-8 15,4 0 8-15,3-3-8 0,4 0 0 0,0-6 0 16,3-4 11-16,4-2-2 15,0-4 0-15,3-3 0 0,-3-3-9 0,3-3 0 0,1 0 0 0,-4-3 0 32,-8-7-143-32,-2 1-21 0,-5-1-4 0</inkml:trace>
+  <inkml:trace contextRef="#ctx0" brushRef="#br0" timeOffset="33884.586">23417 10369 2052 0,'18'-22'43'0,"-14"12"9"0,-1 4-42 16,-3 6-10-16,0 0 0 0,0 0 0 0,0 0 84 0,0 0 16 0,0 0 2 0,0 6 1 16,0 4-47-16,0 5-8 0,0 1-3 0,0 3 0 15,0 6-17-15,-3 0-3 0,3 3-1 0,-4 4 0 16,1-1-13-16,-1 4-3 0,0 2-8 0,-3 1 12 16,4-1-12-16,-4 1 0 0,3 3 8 15,-3 0-8-15,0-1 0 0,0-2 11 0,4 3-11 0,-4-7 10 16,3-2-10-16,-3-7 0 0,3 0 0 0,1-3 8 15,-4-7-98-15,7-2-20 0,-4-4-4 0</inkml:trace>
+  <inkml:trace contextRef="#ctx0" brushRef="#br0" timeOffset="34037.717">22952 10488 2944 0,'0'0'61'0,"10"-3"15"0,1 0-61 15,3 3-15-15,4-4 0 0,3 4 0 16,4 4 0-16,6-4-10 0,5 6 2 0,2-3 0 0,1-3 8 0,3 0-10 0,4 0 10 0,0 0-10 31,0 0-145-31,-4 0-29 0,4 3-5 0</inkml:trace>
+  <inkml:trace contextRef="#ctx0" brushRef="#br0" timeOffset="34225.796">23403 11062 2010 0,'-7'25'84'16,"4"-3"-67"-1,3 3 102-15,3-6 20 0,4 3 4 0,4 0 1 0,7-4-76 0,3 1-14 16,7 0-3-16,4-3-1 0,-1-1-8 0,8-5-2 0,4-1 0 0,2-6 0 16,1 0-112-1,4-3-24-15,-1-6-4 0,-3 0 0 0,3-4-153 0,-6 1-31 0,2-3-5 0</inkml:trace>
+  <inkml:trace contextRef="#ctx0" brushRef="#br0" timeOffset="34841.183">22419 8729 3013 0,'0'3'133'0,"4"6"28"0,-1 1-129 16,4 2-32-16,0 4 0 0,4 3 0 15,-4 3 0-15,0 3-22 0,3 6 3 0,1 1 1 16,0 2-21-16,-4 4-4 0,3 2-1 0,1 1 0 16,-4 3 1-16,-4 6 0 0,1 0 0 0,0 1 0 15,-1-4-4-15,-3 3-1 0,4-3 0 0,-1-3 0 16,1-3-8-16,-1-7-1 0,1 1-1 0,3-10 0 0,0-7-15 0,0 1-3 0,0-9-1 0,3-4 0 16,1-9-81-16,3-3-16 0</inkml:trace>
+  <inkml:trace contextRef="#ctx0" brushRef="#br0" timeOffset="35071.766">23347 8434 2989 0,'0'16'62'0,"-4"6"15"0,4 3-61 0,0 9-16 0,0 1 0 0,0 9 0 16,-3 3 0-16,-1 6 0 0,1 0 0 0,-4 7-10 15,3 0-8-15,-6-1-2 0,3 4 0 0,-1 0 0 16,1-4-21-16,4-2-5 16,-4-1-1-16,3-3 0 0,1-3 34 0,3-6 13 0,0 0-11 0,0-6 11 15,0-7-12-15,0-3 3 0,0 1 1 0,-4-7 0 16,4-7-100-16,-3 1-20 0,-1-10-4 16</inkml:trace>
+  <inkml:trace contextRef="#ctx0" brushRef="#br0" timeOffset="35241.452">22278 9121 2914 0,'0'0'123'16,"0"0"-99"-16,7 6 4 0,4-3 0 0,3 0 0 0,7 4 0 15,7-4-28-15,7 0-20 0,4-3 3 0,11 3 1 31,-1-3-36-31,11-3-6 0,3 0-2 0</inkml:trace>
+  <inkml:trace contextRef="#ctx0" brushRef="#br0" timeOffset="35810.314">23717 9691 3298 0,'0'0'139'15,"4"-9"-111"1,-1-3 8-16,4-4 3 0,-3-6 0 0,6-3 0 16,-2-7-39-16,2-2-20 0,1-1 3 0,-1-8 0 15,4-1-30-15,-3-6-5 0,3-4-2 0,0-5 0 16,0 2 4-16,0-2 1 15,1-4 0-15,-1 6 0 0,0 4 34 0,0 3 15 0,0 6-12 0,0 3 12 16,-3 7 0-16,3 6 0 0,-4-1 14 0,1 11-4 0,-4 2-10 0,0 7 0 0,0 5 0 0,0 4 0 16,-3 10-24-16,3 5 4 0,0 4 0 0,-4 6 0 15,1 7-17 1,-1 5-3-16,1 4-1 0,-1 3 0 0,-3 0 24 0,4 3 5 0,0 0 0 0,-1-3 1 31,1-7 11-31,-1 1 11 0,1-3-3 0,6-7 0 0,-3-6 18 0,7-3 3 0,0-7 1 0,1-6 0 16,6-6 0-16,3-6 0 0,5-6 0 0,-1-7 0 31,7-9 5-31,4-4 1 0,3-9 0 0,1 1 0 16,-1-1-36-16,0-3 0 0,1-3 0 0,-5 3 0 15,-2-3-11-15,-5 3-9 0,-2-3-1 0,-1 0-1 16,-3 3 10-16,-4 3 1 0,0 1 1 0,0 2 0 0,-7 7 10 0,4 2 0 16,0 4 0-16,-4 10 0 0,-4-1 0 15,4 10-8-15,-3 3 8 0,-4 6-8 16,4 9-17-16,-4 4-3 0,0 3-1 0,0 9 0 0,-4 3 29 0,4 7 0 0,-3 3 0 0,-1 3 0 15,1 0 0 1,-4 3 10-16,3 3-2 0,-3 0 0 0,4 0-8 0,-1-3 0 0,1 3 0 0,3-6 0 16,0 0 0-16,0-6-11 0,4-4 3 0,-4-2 0 15,3-10-127-15,1-1-25 0,3-5-4 0</inkml:trace>
+  <inkml:trace contextRef="#ctx0" brushRef="#br0" timeOffset="36014.884">25520 8494 1751 0,'11'-10'74'16,"-1"7"-59"-1,1 3 58-15,-4 6 12 0,3 4 3 0,-3 2 0 16,0 10-39-16,-3 3-7 0,0 4-2 0,-4 5 0 16,3 4-11-16,-6 3-2 0,3 2-1 0,-4 4 0 15,0 0-11-15,-3 1-3 0,0-1 0 0,0 0 0 16,0 0-3-16,-3-3-1 0,-1-1 0 0,-3-2 0 15,0-3-44-15,-4-4-8 0,-3-5-3 16,0-1 0-16,0-9-187 0,-4-4-38 0</inkml:trace>
+  <inkml:trace contextRef="#ctx0" brushRef="#br0" timeOffset="36187.099">24927 8704 2184 0,'4'-28'45'0,"-4"2"11"0,7 8-44 0,-4-1-12 0,8 3 0 15,-4 4 0 1,4 2 24-16,-4 4 4 0,7 6 0 0,-4 0 0 0,4 3 54 0,4 3 11 0,3 1 3 0,0-1 0 16,4 3-49-16,3 1-10 0,8-1-1 0,-5 4-1 0,5-1-45 0,-1 1-9 0,0 2-1 0,1 1-1 47,-12 0-234-47,1-1-46 0</inkml:trace>
+  <inkml:trace contextRef="#ctx0" brushRef="#br0" timeOffset="36334.267">25167 9140 1839 0,'-10'28'77'16,"-1"-3"-61"0,7 3 56-16,1 0 11 0,3 1 2 15,0-4 1-15,7 0-68 0,4-3-18 0,-1 3 0 0,8-6 0 16,-1-1-24 0,5-2-12-16,2-3-1 0,5-4-1 15,2 0-40-15,1-5-8 0,3-4-2 0</inkml:trace>
+  <inkml:trace contextRef="#ctx0" brushRef="#br0" timeOffset="49820.644">8911 8005 1682 0,'-95'-51'35'0,"56"33"9"15,-10-4-36-15,-4 0-8 0,-4 0 0 0,-6 0 0 0,-1 3 11 16,1 6 0-16,-4 1 0 0,-4-1 0 16,1-2-47-16,-1-1-10 0,1-3-2 0,-1 0 0 15,1 4 11-15,2-1 1 0,1 0 1 0,0 1 0 0,4-4 55 0,-1-3 10 0,1 0 2 0,-4 0 1 16,-4 3 27-16,1-3 4 0,-1 3 2 0,-3 4 0 16,-3-1-10-16,-1 0-3 0,-3 4 0 0,0 2 0 15,0 1-39-15,-1 6-14 0,-2 0 9 0,3 3-9 16,-1 3 0-16,-2 3 0 0,3 4-14 0,-4-1 5 15,4 4 9-15,-7-1-13 0,3 1 5 0,0 2 8 16,1 1-9-16,-1 6 9 0,0 0 0 0,1 6 0 16,2-3-8-16,1 7 8 0,0 2 0 0,4 1 0 15,-8 8 0-15,4 1-8 0,0 6 8 0,3 1 0 16,-3 5 0-16,3 7 0 0,1 0 0 0,6 2 0 0,1 7-12 16,3 7 2-16,7-1 0 0,0 4 0 15,3 2 10-15,4 4-12 0,4 0 12 0,-1 0-12 16,5 3-16-16,2 3-4 0,4 3-1 0,1 3 0 0,2 1 24 0,-2 5 9 15,2 4 0-15,8-3-9 0,-7 6 9 16,3-1 16-16,4 1-4 0,7 0-1 0,-1-3 22 16,8 3 5-16,4 0 1 0,3 0 0 0,3-4-29 0,8 1-10 0,3-3 0 0,3-4 9 15,-3 1-9-15,8-7 0 0,2 0 9 16,1 3-9 0,7-2 11-16,-4 2-3 0,3 3 0 0,5-2 0 15,-1 5-8-15,4 1 0 0,-1 3 0 0,1-4 0 16,7 4 0-16,0 0 0 0,3-1 0 0,0 1 0 15,4 0 0-15,4 3-9 0,-1 0 9 0,0 0 0 16,4-4-37-16,4 4-1 0,-1-3 0 0,4 0 0 16,0-4-28-16,0-2-6 0,7-1 0 0,-3-6-1 0,6-3 5 0,1-6 0 15,6-3 1-15,1-4 0 16,-4-2 50-16,7-4 17 0,-7 0-12 0,11 1 12 0,0-4-9 0,-1 0 9 0,8 0-8 0,-4-3 8 16,0-9 0-16,1-4 14 0,-1-6-2 15,0-3 0-15,0-9 66 0,0-4 13 0,4-5 2 0,-4-4 1 16,4-7 2-16,0-5 0 0,3-4 0 0,-3-6 0 15,3 1-21-15,0-11-4 0,-3 4-1 0,0-6 0 16,-1-4-25-16,-2-2-5 0,-1-4 0 0,-4-3-1 16,1-3 11-16,0-3 2 0,-4-4 1 0,4-5 0 15,-4-7-17-15,3-3-3 0,-3-4-1 0,4-8 0 16,0-4 0-16,3-9-1 0,-3-3 0 0,3-4 0 16,0-2-31-16,0-1-18 0,0-2 2 0,-3-1 1 15,-4-6-1-15,-3-3 0 0,-4-6 0 0,-3 3 0 16,-1-1 16-16,-6-2 0 0,-1 3 0 0,-6 0 0 0,-1-1 0 0,-3 1 0 15,-4 0 9-15,1 0-9 16,-1 0 11-16,4-4-11 0,-4 1 12 0,1 0-12 16,-8-4 0-16,0-3 0 0,1-2 0 0,-8 2-9 15,0-3-11-15,-6 4-1 0,-1-4-1 0,-4 3 0 16,-2 4 22-16,-5-1 0 0,1 7 0 0,-8 0 0 16,1 0 44-16,-4 3 3 0,0 0 1 0,-3-3 0 15,-4 2 10-15,-4-5 2 0,-3 3 1 0,0-3 0 16,-4-4-25-16,1 4-6 0,-1-4-1 0,-3-2 0 0,-7-4 5 0,0-6 1 0,-4 0 0 0,-7 0 0 31,-3-3-48-31,0 0-10 0,-7-4-1 0,-1 4-1 0,-3 0 14 0,0 3 11 16,-3 0-13-16,3 3 5 0,-3 3 8 0,-1 4 0 0,5-1 10 0,-5 10-10 15,1 6 0-15,-1 10 0 0,1 2 0 0,-11 7-10 16,-18 9-59-16,-10 4-12 16,-14 2-3-16</inkml:trace>
+  <inkml:trace contextRef="#ctx0" brushRef="#br0" timeOffset="51537.143">27330 10237 3112 0,'7'-38'131'16,"3"1"-105"0,-3 2 8-16,4-2 2 0,-4 2 0 0,0-2 0 15,0 2-36-15,0-3-22 0,0 1 3 0,-3-4 1 0,3-3 0 0,-7-3 0 16,3 0 0 0,1-6 0-16,-1 0 18 0,-3-1 0 15,4-5 0-15,-4-1 0 0,-4-3 0 0,4 1 12 0,-7-7-1 0,4 3-1 16,-8-3 13-16,1 0 2 0,-4 3 1 0,-4-6 0 15,0 0-26-15,1-7 0 0,-5 4 0 0,-2-3 0 16,-4-1-19-16,-4 4 4 0,0 0 1 0,-7 3 0 16,-3 3-4-16,0 0-1 0,-8 3 0 0,1 3 0 31,-4 0-16-31,-4 4-3 0,1 2-1 0,-7-2 0 0,-1 2 12 0,-3-2 3 0,-4-1 0 0,-6-2 0 16,-1 2-23-16,-3-3-4 0,-4 1-1 0,-3 2 0 31,0 4 7-31,0 2 1 0,0 1 0 0,3 6 0 0,-3 3 60 0,7 3 13 0,-1 4 3 0,1 5 0 15,0 4-11-15,0 6-1 0,3 3-1 0,-6 10 0 16,3 3-5-16,-4 9-1 0,-3 0 0 0,-4 6 0 16,0 4-13-16,-3 3 0 0,0 2 0 0,-4 4 0 15,0 3 0-15,-3 7 9 0,3-1-9 0,-3 4 8 16,-4 5-8-16,4 4 0 0,3 3 0 0,-7 0-11 16,0 3 19-16,-3 4 3 0,0-1 1 0,3 0 0 0,0-2 3 0,7 2 1 15,-3 3 0-15,7-2 0 16,-4-1 0-16,7 3 0 0,-3 1 0 0,7-1 0 0,-4 10-7 15,7 6-1-15,1 0 0 0,-1 10 0 0,0-1-8 16,4 7 8-16,-4 3-8 0,-3 0 8 0,4 3-8 0,-8 3 0 0,0 0 9 16,0 1-9-16,8 2 0 0,3 3 0 0,-1 1 0 0,12 6 0 15,10-4 0-15,7 7 8 0,11-3 0 0,-1 6 0 16,1 0-8-16,3 0 0 0,0 6 0 0,4-3 0 31,0 7 0-31,7-1-8 0,-1 4 8 0,15-38-12 16,4 9 12-16,3 7-12 0,7 2 12 0,3 7-12 0,4 7 4 0,-3 5 0 0,-18-2 0 0,0-4 0 15,7 7 8-15,7-1-8 0,14 7 8 0,3 0-8 16,8-4 8-16,0 4 0 0,21 57 0 0,-1-20 0 16,1-18-8-16,4-7 0 0,3-9 0 0,7-6 0 15,14-7 8-15,10-3 0 0,12-2 0 0,-1-8 0 16,4-11 0-16,3-10 0 0,0-7 0 0,0-5 0 0,4-10 0 0,0 0 11 16,3-7-3-16,8-8 0 0,3-7-8 0,7-3 0 0,7-10-10 15,3-3 10-15,5-5 0 0,6-11 12 0,3 1-1 16,8-7 0-16,0-9 1 0,7-9 1 15,3-4 0-15,0-2 0 0,-3-7-4 0,4-3-1 0,-5-4 0 0,1-2 0 16,-7 0 17-16,0-4 3 0,-8-2 1 0,1-1 0 16,-11-3-1-16,-3-3 0 0,-1-3 0 0,-6-3 0 15,-8-3 14-15,-3 0 2 0,0-7 1 0,-7-3 0 32,0 1-17-32,-4-7-4 0,-3 0-1 0,0-7 0 15,-4-2-15-15,-3-4-8 0,0-2 8 0,-7-4-8 0,-1-3 0 0,-2-3 0 0,-1-3 0 16,-7-4 0-1,0-5 0-15,-7-1 0 0,-3-3 0 0,-4-2 0 16,-4-8 0-16,-3 1 0 0,-3-6 0 0,-8-1 0 16,-3-5 0-16,-4-1 0 0,1-6 0 0,-8 0 0 0,-3-3 0 0,-4 0 0 15,0-3 0-15,-3-4 0 0,-4 1-9 0,-4-4 9 0,-2 4-10 0,-1-3 10 16,0-1-14-16,-4-3 3 16,-3 4 1-16,1-1 0 0,-5 1 10 0,1-1 0 0,-4 4 0 0,-4 3 0 15,-3 3-13-15,-4 9-1 0,-3 0 0 0,-3 7 0 16,-5 3 14-16,-6-1-11 0,0 4 11 0,-11 6-10 15,-10 0 10-15,-8 7 0 0,-10-1 0 0,-10 1 0 16,-15 2-119-16,-14 1-18 0,-7-1-4 0,-14 10-1 16,-7 9 3-16,-7 7 1 0,-3 6 0 0</inkml:trace>
+  <inkml:trace contextRef="#ctx0" brushRef="#br0" timeOffset="57319.742">3690 10607 2336 0,'-14'0'48'0,"14"0"12"0,-4 0-48 0,4 0-12 16,0 0 0-16,0 0 0 0,0 0 38 0,0 0 5 0,0 0 1 0,0 0 0 16,11-3-34-16,0 0-10 0,6 0 0 15,-3-4 0-15,8 4 8 0,-1-3-8 0,3 3 0 16,1 0 0-16,0 0 0 0,-1 3 0 0,1 0 0 0,0 0 0 16,3 0 0-16,0 0 0 0,4 0 0 0,0 3-9 15,3-3 9-15,4 3-8 0,3 3 8 16,-3-3-8-16,3 4 8 15,1-4 0-15,3 0 0 0,-1 0 0 0,5 0 0 0,3 0 0 0,7-3 0 0,-4 0 0 16,8 3 0-16,-1-3 0 0,1 0 0 0,3 0 0 16,3 0 0-16,1 3 0 0,3-3 0 0,0 4 0 15,0-1 0-15,4 0-10 0,-4 0 10 0,3 3 0 16,-3 1-11-16,0-1 11 0,1-3-10 0,2 3 10 16,-3 0 0-16,4-2-9 0,-1 2 9 0,1-3 0 15,3 3 0-15,-3-3 8 0,3 1 0 0,0-4 0 0,4 0 23 16,-4-4 5-16,4-2 0 0,-1 0 1 0,1 3-26 0,3-4-11 15,-3 4 8-15,3-3-8 16,-7 0 20-16,0 0 0 0,0-4-1 0,1 4 0 16,-5-4-19-16,1 4 0 0,-1 0 8 0,-3 0-8 15,-3 3 0-15,-4-4 0 0,0 4 8 0,-7 0-8 16,4 3 0-16,-4 0 0 0,-1 0 0 0,-2 0 0 16,-1 0 9-16,-3 0-1 0,0 0-8 0,-3 0 12 15,-1 0 17-15,4 0 3 0,-4 0 1 0,4-3 0 16,-7 3-20-16,0-3-4 0,-4 0-1 0,1-4 0 15,-1 4 2-15,0-3 0 0,1 0 0 0,-5 2 0 0,1-2 3 0,-4 3 1 16,1 0 0-16,-4 0 0 0,-4 0-14 0,0 0 0 16,-3-1 0-16,-4 1 0 0,-4 3 0 0,5-3 0 0,-5 3 0 15,1 0 0-15,0 0 0 0,-1 0 9 0,-3-3-9 0,4 3 8 32,-4 0-8-32,4 3 0 0,-4-3 0 0,0 3-11 15,-4-3 11-15,1 3 0 0,3 1 0 0,-3-1 0 16,-4 0 0-16,-4 0 9 0,4 0-1 0,0 0-8 0,-3 3 0 0,3-2 0 0,-3 2 0 15,3-3 0 1,-7 3 0-16,3 1 0 0,1-1 0 0,-1 0 0 16,-3 0 11-16,4 4-11 0,-4-4 10 0,3 3-10 0,1 1 12 15,-4 2-3-15,0-2-1 0,3-1 0 0,-3 1-8 16,4 2 0-16,3-2 0 0,-7 2-11 0,3 1 11 0,1 2 0 0,-1 1 0 16,1 0 0-16,0-1 0 0,3 4-10 0,-4 0 10 15,1 6 0-15,-1-3-16 16,1 6 3-16,-1 4 1 0,1-1 0 15,-4 0 12-15,7-2 16 0,-4 2-3 0,1 0-1 0,-4-3 7 0,3 4 1 0,-3-4 0 16,-3 0 0-16,3 0-20 0,-4 1 0 16,1 2 0-16,-1-3 0 15,1 0 10-15,3 1-2 0,-4-1 0 0,4-3 0 16,-3 0-8-16,-1 0 0 0,1 0 0 0,-1-3 0 0,1 0 0 0,-1 0 16 0,4 0-2 0,-3 0-1 16,-1 0-13-16,0-3 11 0,1 0-11 0,-1 3 10 15,1-7-2-15,3 1-8 0,-4 0 12 0,1-4-4 16,-1 4-8-16,-3-4 0 0,0-2 0 0,0 2 8 15,4-2-8-15,-4-1 0 0,0 0 9 0,-1-2-9 16,-2-1 8-16,3 0-8 0,-4 1 8 0,-3-1-8 16,0-3 8-16,-4 3-8 0,1 1 8 0,-1-1-8 15,-3-3 0-15,0 0 8 0,3 3-8 0,-7-3 0 16,1 1 0-16,-1-1 0 0,-3 0 0 0,-4 0 0 16,-3 0 0-16,0 0 0 0,-4 0 0 0,-4-3 0 15,5 0 0-15,-5 4 0 0,4-4 0 0,-3 0 0 0,0 3 0 0,-1-3 0 0,-2 0 0 0,-1-3 0 16,-4 3 0-16,1-4 8 0,0 1-8 0,-4 0 8 15,0 3-8-15,0-3 12 0,-4 3-4 0,-3 0 0 16,0 3-8-16,0-3 0 0,0 3 0 0,-7 0 0 16,0 1 0-16,-3-1 0 0,-1 0 0 0,1 0 0 15,-4 0-12-15,3 0 4 16,1 0 0-16,-1 1 0 0,-7-1 8 16,4-3 0-16,-3 0-9 0,-1 0 9 0,0 0 0 15,-3-3 0-15,0 3 0 0,4-4 0 16,-1 1 0-16,0 3 0 0,1-3 0 0,-1 3 8 0,1 0-8 15,-1 0 0-15,4 0 0 0,-7 0 8 0,0 0 6 0,-1 0 1 0,-6 0 0 16,4-3 0-16,-5 3-23 0,1 0-5 0,0 0-1 0,3 0 0 16,1 0 14-16,2-3 0 0,5 3 0 0,-1-3 0 15,1 0 0-15,-1-1 0 0,0-2 8 0,1 3-8 16,-1 0 0-16,4 0 8 0,-3 0-8 0,-1 3 0 16,4-4 10-16,3 4-10 0,-3 0 8 0,7 0-8 15,0 0 0-15,0 4 0 0,4-1 0 0,3 0 0 16,-11 3 0-16,8 0 0 0,-1 1 0 0,-3-4 0 15,11 3 0-15,-1-3 0 0,8 4 0 0,-4-4 0 0,3 3 0 0,8-3 0 0,-4-3 0 0,4 3 0 16,3-3 0-16,4-3 8 0,3 3-8 16,4-3 8-16,0 0-8 0,3 3 0 0,4 0 0 0,3-3 0 15,1 3 0-15,2-3 0 0,1 3 0 0,0-4 0 16,7 1 0-16,-3 0 8 0,6 3-8 0,-7-3 8 31,4 0-8-31,4 0 0 0,-4 0 9 0,3-4-9 16,1 1 8-16,3 0-8 0,-7-1 10 0,3 1-10 15,4-3 8-15,0-1-8 0,0-2 0 0,0-1 0 16,4-2 10-16,-4-4-10 0,7 3 10 0,-4-6-10 0,4 0 0 0,-3 3 0 0,6-6 0 0,1 0 0 16,-7 0 0-1,6 0 0-15,1-3 0 0,-1 0 0 0,1-4 13 0,-1 1-3 0,5-4-1 16,-1-2 0-16,0-1-9 0,3-3 0 0,-6 4 0 0,7-4 0 16,-1 0 0-16,-6-3 0 0,7 4 0 0,-8-4 0 15,4 0 0-15,4-3 0 0,-8 3 0 0,5 0-11 16,-1 3 11-16,-4 4 0 0,4 2 0 0,-3 4 0 15,0-1 0-15,-1 4 0 0,4 3 0 0,-3 0 0 0,3 0 0 16,4 0 0-16,-8 3-12 0,1-3 4 16,6 3-35-16,-3-3-6 0,4 3-2 0,-4 3 0 15,0 0 21-15,-3 7 4 16,-4 5 1-16,-4 1 0 0,-3 6-107 0,0 6-22 0,-3 4-4 0</inkml:trace>
+  <inkml:trace contextRef="#ctx0" brushRef="#br0" timeOffset="65501.741">21802 10087 1964 0,'3'-19'83'0,"1"0"-67"16,-1 0-16-16,-3 0 0 0,7 4-11 15,-3-1 11-15,-4 0 0 0,3 4 0 0,1-4 0 0,-1 4 0 16,-3-1 0-16,4 0 12 0,-4 1 0 0,3-1 0 15,-3 1 28-15,0 2 6 0,0 1 1 0,0 3 0 16,0 6 14-16,0 0 3 16,0-7 1-16,0 7 0 0,0 0-9 0,0 0-1 0,0 0-1 15,0 0 0-15,0 0-46 0,0 0-8 0,-7 0 0 0,0 4 0 16,0 2 0-16,4 3 0 16,-4 4 0-16,0-1 11 0,0 4-11 0,0 3 0 0,0 0 0 0,-4 3 0 15,0 6-14-15,1 0-5 0,-4 7-1 0,3-1 0 16,-3 4 32-16,0 6 7 0,0-1 1 0,0 4 0 0,-4 4-10 0,4-1-2 0,0 3 0 15,0 0 0 1,0 1-8-16,-1-1 8 0,1 0-8 0,0 1 8 16,0-4-8-16,4 3 0 0,-5-3 0 0,1 0 0 15,4-3 0-15,-4 1 0 0,3-1 9 0,0-4-9 0,1-2 26 16,6 0 1-16,-3-3 0 0,4-4 0 16,3-3 2-16,0 1 1 0,3-4 0 15,1-3 0-15,3-3-30 0,0 0 0 0,0-3 0 16,4-7 0-16,-1-2-40 0,1-4-13 0,3 0-3 0,0-6-1 15,0-9-110-15,0-1-21 0,4-5-5 0</inkml:trace>
+  <inkml:trace contextRef="#ctx0" brushRef="#br0" timeOffset="66599.008">21382 9914 2682 0,'-7'-3'119'0,"0"0"24"0,7 3-115 15,0 0-28-15,0 0 0 0,0 0 0 16,7 3-28-16,7 0-11 0,0 3-2 0,7-2-1 0,4 2 30 0,3 0 12 0,4-3-8 0,0 3 8 15,3-2 0-15,0-1 0 0,0-3 0 0,1 0 0 16,3 0 13-16,-1 3 8 0,-2-3 2 0,6 0 0 16,4 0 14-16,0 0 3 0,3 0 1 0,8 0 0 0,6 0-17 0,4-3-4 15,7 3-1-15,7-3 0 16,0-1-10-16,8 1-1 0,2 0-8 0,5 0 12 0,2 0-12 0,1 3 0 0,3 0 8 16,4 0-8-16,4 0 0 0,-1 3 0 0,0 3-12 0,4 1 12 15,0-1 0-15,4 3 0 0,-5-2 0 0,5 2 0 31,-1 0-12-31,-3 4 12 0,4-1-12 0,-1-2 12 16,-3-1-14-16,3 1 4 0,-6-1 1 0,3-3 0 16,3-3 9-16,4 1-8 0,0-1 8 0,3-3-8 15,-3-3 8-15,4-1 9 0,3-2-1 0,-7 0-8 16,3 0 12-16,-3 3-12 0,0-4 12 0,-7 4-12 16,0 3 13-16,-4 0-4 0,1 0-1 0,-8 3 0 15,-3 0 4-15,-8 4 0 0,-2 2 0 0,-5 0 0 16,-6 1-12-16,-4-1-17 0,-4 1 4 0,-3-1 1 15,-7 4 12-15,-7-4 0 0,0 4 0 0,-7-1 0 16,-4-2 0-16,-3-1 0 0,-7 0 0 0,0 1 0 16,-4-1 23-16,-3-3 7 0,-4 4 2 0,0-1 0 0,-7 1-15 15,0-1-2-15,-7 0-1 0,0 4 0 0,0 3-3 16,-3 3-1-16,-4 2 0 0,0 1 0 16,-4 7-10-16,1-1 12 0,-4 3-12 0,-4 7 12 0,1-4-12 0,-1 1 0 0,-3 6 0 15,-4-4 0-15,4 1 0 0,-3-1 0 0,-1 1 0 0,4 0 8 16,-4 2-8-16,1 1 0 0,-1 0 0 0,0-3 0 15,1-1 26-15,-1 1 3 0,4-4 1 0,-4 1 0 16,-3-1-30-16,3 4-13 0,1-4 1 0,-4 4 0 16,3-3 12-16,0 2 0 0,1-2 9 0,-1-1-9 15,0-2 8-15,-3-4-8 0,4 0 0 0,-1-3 9 16,4-3-9-16,0-3 12 0,0 0-12 0,0-4 12 16,3-2-12-16,-3-4 0 0,3 1 0 0,1-4 0 15,-1 0 0-15,4-3 0 0,-4 0 0 0,4-3 0 16,-3 0 0-16,-1 0 0 0,1-3 0 0,-4-3 8 0,3 3 1 0,-3-6 0 15,0 2 0-15,0-2 0 0,-4-1 0 0,-3 1 0 0,-4-4 0 0,0 1 0 16,1 3-1-16,-4-4 0 0,-1 0 0 0,1 1 0 16,-4-1-8-16,-3-2 0 0,0 2 0 0,-4-3 0 15,-3 1 0-15,-1 2-9 0,-6-2 9 0,0-1-13 32,-4 0 13-32,0 4 0 0,0-1 0 0,-7 1 0 0,-4-4 0 0,1 3 0 0,-4-2-8 0,-4 2 8 31,4-3 0-31,0 4 0 0,0-1 0 0,-7 1 0 15,0-4 0-15,-4 4 0 0,-3-1 0 0,-3 1 0 16,-1-4 0-16,-7 6 0 0,0 1 0 0,-3 0 0 0,-4-1 0 16,1 1 0-16,-1 3 0 0,-7-1 0 0,0 4 0 0,0 0 0 0,-3 3 0 0,0-3 0 15,-1 3 0-15,4-3 0 0,4 3 9 0,-4-3-9 16,4 3 12-16,3-4-3 0,0 1-1 16,1 0 0-16,2-3 0 0,1 0-8 0,0-1 12 0,3-2-4 15,4 0 14-15,-4-1 2 0,4 1 1 0,0-1 0 16,0-2-25-16,0 2 0 0,3 1 0 0,-3 0 0 15,3-1 0-15,0-2 0 0,1 2 0 0,3 1 0 16,6-1 0-16,1 4 0 0,7 0 0 0,-3 0 0 16,3-1 0-16,0 4 0 0,3-3 0 0,1 3-11 0,-1-3 11 15,1 2-13-15,3-1623 5 0,0 3245 8 0,3-1621-25 0,4 0 2 16,0 0 1-16,8-1 0 16,2 4-3-16,4 0-1 0,4-3 0 0,0 6 0 15,7 4-114-15,3-1-22 0,0 7-5 16</inkml:trace>
+  <inkml:trace contextRef="#ctx0" brushRef="#br0" timeOffset="78543.101">12111 8541 2476 0,'-14'6'110'0,"0"0"22"0,0 1-105 0,-4-1-27 0,4 0 0 0,0 0 0 15,0-2 8-15,-1-4-8 0,1 0 0 0,0-4 8 16,-3-5 0-16,2 0-8 0,-2-4 12 0,-4-6-4 16,0-3 11-16,-4 0 1 0,-3-3 1 0,-1-3 0 15,-6-3-21-15,0-4 0 0,0 1 0 0,-1-1 0 16,1 7 9-16,-4 9-9 0,4 0 12 0,0 4-12 15,3 2 38-15,0 4 1 0,0-1 0 0,4 4 0 0,3 3-23 0,-3 0-4 16,4 6 0-16,2 0-1 0,5 3-11 0,3 1-17 16,0 2 4-16,6 4 1 15,5-4-41-15,3 7-8 0,7-4-2 0,0 1 0 16,7 2 11-16,4 1 1 0,3 0 1 0,0-4 0 0,4 4 32 16,0-4 6-16,3 1 2 0,3-4 0 0,-2 4 10 0,6 0 0 0,-3-4 0 15,3 0 0-15,-3 1 0 0,3-1 0 0,-3 1 10 0,0-4-10 16,-4 3 8-16,-4 1-8 0,-2-1 0 0,-5 4 9 15,-3-1-9-15,-3 1-9 0,-4 2 9 0,-3 1-13 16,-12 6-7-16,1 0 0 0,-7 3-1 0,-7 3 0 0,-7 4 21 0,-7 2 0 0,-8 4 0 0,-3 2 0 16,-6 1 10-16,-1 6 0 0,-7 0 0 0,-4 3 0 15,-3 4-2-15,-7-1-8 0,0 7 12 0,3-4-4 16,1-3-8-16,3 1 8 0,0-1-8 0,10-6 8 16,8-3 16-16,10-3 4 0,4-4 0 0,10-5 0 31,8-7-7-31,9-3-1 0,1-7 0 0,14-2 0 15,4-1-32-15,3-2-8 0,11-4 0 0,3-3-1 16,4-3 33-16,3-3 8 0,4 0 0 0,0-3 1 0,0-1-10 16,-1-2-3-16,1 3 0 0,0-4 0 15,0 1 0-15,-4 3 0 0,4-1 0 0,-4 1 0 0,0 3 14 16,-3 3 2-16,0 0 1 0,-7 3 0 0,-1 7-1 0,-6 2-1 16,0 4 0-16,-8 3 0 15,-6 6-23-15,-4 6 0 0,-4 4 0 0,-6 5 0 16,-8 7 0-16,-10 7 0 0,-4 2-12 0,-7 4 4 0,-7 2 8 0,-3 7 0 0,-4 0 0 0,-7 3 0 15,0 7 8-15,-3-4-8 0,-4 7 10 0,7-4-10 16,3 0 9 0,4-2-9-16,4-4 8 0,6-6-8 15,12-4 21-15,2-5-1 0,5-10 0 0,10 0 0 16,3-6-9-16,8-7-3 0,6 1 0 0,4-4 0 0,11-6-8 0,-1 0 0 0,8-6 0 0,7-3 0 16,7-4 0-16,10-3 0 0,4-2 0 0,3-4 0 15,8 0 0-15,3-6 0 0,4 0 0 0,3-4 0 0,0-2 0 16,0 0-11-16,3-4 3 0,5 1 0 15,-1-1-6-15,3 1-1 0,1-1 0 0,-4 0 0 16,0 4 15-16,0-4-9 0,-3 7 9 0,-4 3-8 16,-3 3 18-16,-11 3 4 0,0 3 1 0,-4 4 0 15,-3-1-15-15,-7 7 0 0,0 3 0 0,-4 3 0 16,-3 3 16-16,-4 3 0 0,-3 7 0 0,0-4 0 16,-4 3-7-16,-3 4-1 0,-1-4 0 0,1 4 0 0,0-3 10 0,-1-1 2 31,1 1 0-31,3-1 0 0,4-3-20 0,3-5 0 0,4 2-8 0,3-6 8 15,4-7 0-15,0-2 0 0,3-4 0 0,4-2 0 16,0-7 12-16,4-4-4 0,-1 1 0 0,4-3-8 16,-3-3 12-16,-1-1-12 0,4-2 12 0,-4 2-12 15,4-2 9-15,4 2-9 0,-4-2 0 0,3 2 9 0,-6 4-9 0,-1 0 0 0,-3 3 9 0,0 0-9 32,-7 6 0-32,0 0-18 0,0 3 3 0,-7 4 1 15,-4 2 14-15,0 1-11 0,-3 2 11 0,-4 1-10 16,-3 3 10-16,-1-4 0 0,1 4 0 0,-4 0 0 15,0-3 0-15,1-1 0 0,-1-2 0 0,4 0 0 16,-1-4 0-16,8 0 0 0,0 1-11 0,3-4 11 16,0-3 0-16,8 0 0 0,-1 0 0 0,4-6 0 0,0 0 0 15,3-3 16-15,4-4-3 0,-4 1-1 0,8 0-12 0,-1-4 0 16,1 4 0-16,-1 2 0 0,-6 1 0 0,-5 0-10 16,1 3 2-16,-7 3 0 15,-4 3 8-15,-3 0 0 0,-4 6 0 0,-3 1 0 0,0 2 0 0,-4 4 0 0,-4 0 0 0,1 3 0 16,0-1 0-16,-4 4 16 15,4 0-4-15,-4 0-1 0,3 0 15 16,1 0 3-16,3 0 1 0,0-3 0 0,7-3-10 0,4-7-3 0,3 0 0 0,4-6 0 0,11-6-17 16,6-6 10-16,8-4-10 0,3-5 8 15,3-7-40-15,4-7-8 0,7-5-1 0,-6-1-1 0,2 0 22 0,-6 4 4 0,-1-4 0 0,-3 7 1 32,-3 3 27-32,3-1 6 0,-7 4 1 0,0 6 0 15,-4 1 4-15,-6 2 1 0,2 3 0 0,-2 4 0 16,-4 3-24-16,0 3 8 0,-1 3-8 0,-6 0 0 15,4 9 13-15,-8 0-1 0,0 1-1 0,0 6 0 16,-3-1-32-16,-4 4-7 0,1 3 0 0,2 0-1 16,-2 0 46-16,2 0 10 0,1 0 1 0,3 0 1 15,-3-3-21-15,3-1-8 0,4-2 0 0,0-3 0 0,3-4 12 0,1-3-3 0,3-3-1 16,6-6 0-16,5-6-8 0,6-4 0 0,4-9 0 16,8-6 0-1,2-6-11-15,8-10 3 0,3-3 0 0,4-3 0 16,-1-1-25-16,8 1-5 0,0 0-1 0,-11 6 0 15,-7 6-7-15,-7 4-2 0,-10 3 0 0,-8 6 0 0,-10 6 31 0,-11 6 5 16,-6 4 2-16,-5 3 0 0,-9 9 10 16,-5 6 0-16,-6 4 0 0,-4 2 0 0,-4 7 8 15,-3 3 3-15,-4 4 1 0,-3-1 0 0,4 3 25 0,-4-3 6 0,3 4 1 0,0-4 0 32,4-3-20-32,0-6-3 0,7 0-1 0,-3-7 0 0,6-2 2 0,1-4 0 0,3-3 0 0,0-9 0 15,11-4 0-15,-1-5 0 0,8-4 0 0,0-9 0 16,6-4-13-16,1-5-9 0,3-7 12 0,4-6-12 0,-3-1 0 0,2-5 0 0,1-1 0 15,3-5-12 1,1-4 12-16,3-3 0 0,3 0 0 0,0-3-9 16,-3-7 1-16,0 1 0 0,0 0 0 0,7-20-20 31,-7 4 13-31,3-3 3 0,-3 3-28 0,0 0-6 0,-21 9-1 16,-11 7 0-16,0 6 21 0,7 0 4 0,7 3 1 15,-7 6 0-15,-3 4 36 0,0 5 7 0,-4-12 2 16,-7 10 0-16,-4 12 17 0,-10 6 4 0,0 7 1 0,0 12 0 15,-3 0-21-15,-4 4-4 0,3-1-1 0,-3 4 0 0,-18-1-10 16,-3 0-2-16,7 7-8 0,-4-3 12 16,0 3-2-16,0-1-1 0,-3-2 0 0,3 3 0 0,-14-7 11 0,11-3 3 0,-4-2 0 0,8-1 0 31,2-9-10-31,1-1-1 0,3-5-1 0,8-7 0 0,-1-3-23 0,8-3-5 0,-1-3-1 0,0-3 0 16,8-1-17-16,-4-5-3 0,3 2-1 0,-3 1 0 31,0-1-5-31,-7 7-2 0,0 0 0 0,-4 6 0 15,-3 7 25-15,-7 2 5 0,0 4 0 0,-8 6 1 0,-9 6 15 0,-5 6 0 16,-6 1 12-16,-4 5-12 0,0 4 8 0,-4 6-8 0,-3 1 0 16,-3-1 0-16,-1 6 9 0,1 4-9 0,-4-1 0 0,3 4 9 15,0 0-9-15,1-1 0 0,3 1 0 0,0 0 0 16,3 2 16-16,1-2-3 0,3 0 0 0,0-1 0 16,0-2 5-1,3 0 1-15,5-4 0 0,-1-3 0 16,7-3-11-16,0-3-8 0,4-3 9 0,-4 0-9 0,3-3 12 0,-2-4-4 0,-1 1-8 15,0 0 12-15,-4-4-12 0,5 1-13 16,-1-1 2-16,-4-3 1 0,4 4 2 0,1-1 0 0,-1 1 0 0,-4-4 0 16,4 3-12-16,1 1-3 0,-5-1 0 0,4 1 0 15,4-4 3-15,0 7 1 0,3-4 0 0,-3 1 0 16,3-1-77-16,-4-3-15 0,5-2-3 0,-5 5-1 16,1 4 38-16,0 2 7 0,-1 1 2 0,-6 3 0 15,-1 0 30-15,-2 3 6 16,-1 0 2-16,-4 3 0 0,-3 6 85 0,-3 4 17 0,-4 6 3 0,0 0 1 15,0-1 19-15,-4 1 4 0,-3-3 1 0,3 3 0 16,4 0-44-16,4-1-9 0,-1 1-2 0,8-3 0 16,0-1-19-16,6-5-4 0,-3-1-1 0,7-6 0 15,4-3 0-15,7-6 0 0,-1-6 0 0,5-1 0 16,3-6-21-16,-1-6 8 0,1-3-8 0,3-7 0 0,1 1 0 0,-5-4 0 0,5-2 0 0,-4 2 0 16,-1 3-28-1,-6 4-1-15,0 0 0 0,-4 6 0 0,-7 0 16 0,-7 3 3 0,-3 3 1 0,-4 6 0 16,-7 7 9-16,-7 6-8 0,0 3 8 0,-4 3-8 15,-3 1 8-15,0 5 0 0,3 1 8 0,0-1-8 16,4 1 9-16,7 3-9 0,4-1 12 0,3-2-12 16,7-4 0-16,0-3 0 0,7-2 0 0,4-1 0 15,3-6 8-15,4-1-8 0,3 1 0 0,4-3 0 32,0-6 8-32,3-4-8 0,0 0 0 0,0-3 0 0,4-3 0 0,4-3 0 0,-4 0 0 0,-1 0 0 15,-2 3 0-15,-1 3 0 0,0 1 0 0,-6-1 0 0,2 6 0 0,-6 1 0 16,0 2 0-1,-4 1 0-15,0 6 0 0,-3 3 0 0,-1 0 0 0,5 3 0 16,-5-3 0-16,5-3 0 0,2 3 0 0,1 0 0 0,0 0 0 16,6 0 0-16,-2 0 0 0,2 0 0 0,1-3 0 15,0-4-9-15,0 1 1 0,-4 0 0 0,0 3 8 16,1 3 0-16,-1 0 0 0,-3 3 0 0,-1 3 0 0,-3 0 0 16,4 4-9-16,-4-1 9 0,4 1 0 15,0-1 10-15,3 3-1 0,-3 1 0 0,3 0 20 16,0 2 4-16,4 1 1 0,-4 0 0 0,4-4-34 0,3 1 0 0,1-1 0 0,-1-2 0 31,0 2-26-31,1 4-2 0,2-4-1 0,-2 7 0 16,-1 0-79-16,-3 3-16 0,0 0-4 0,-4 0 0 0,0 6-128 0,-3 3-25 15</inkml:trace>
+</inkml:ink>
+</file>
+
 <file path=ppt/notesMasters/notesMaster1.xml><?xml version="1.0" encoding="utf-8"?>
 <p:notesMaster xmlns:a="http://schemas.openxmlformats.org/drawingml/2006/main" xmlns:r="http://schemas.openxmlformats.org/officeDocument/2006/relationships" xmlns:p="http://schemas.openxmlformats.org/presentationml/2006/main">
   <p:cSld>
@@ -213,7 +292,7 @@
           <a:p>
             <a:fld id="{03CB5878-D5AF-4D91-A4DD-D6DE7AC90AEE}" type="datetimeFigureOut">
               <a:rPr lang="en-US" smtClean="0"/>
-              <a:t>2018-07-03</a:t>
+              <a:t>7/16/2018</a:t>
             </a:fld>
             <a:endParaRPr lang="en-US"/>
           </a:p>
@@ -4051,7 +4130,7 @@
           <a:p>
             <a:fld id="{8BEBFB54-DD62-4FD2-AABF-1CC163250B3B}" type="datetimeFigureOut">
               <a:rPr lang="en-US" smtClean="0"/>
-              <a:t>2018-07-03</a:t>
+              <a:t>7/16/2018</a:t>
             </a:fld>
             <a:endParaRPr lang="en-US"/>
           </a:p>
@@ -11118,6 +11197,57 @@
           </a:p>
         </p:txBody>
       </p:sp>
+      <mc:AlternateContent xmlns:mc="http://schemas.openxmlformats.org/markup-compatibility/2006">
+        <mc:Choice xmlns:p14="http://schemas.microsoft.com/office/powerpoint/2010/main" Requires="p14">
+          <p:contentPart p14:bwMode="auto" r:id="rId2">
+            <p14:nvContentPartPr>
+              <p14:cNvPr id="4" name="Ink 3">
+                <a:extLst>
+                  <a:ext uri="{FF2B5EF4-FFF2-40B4-BE49-F238E27FC236}">
+                    <a16:creationId xmlns:a16="http://schemas.microsoft.com/office/drawing/2014/main" id="{5EB1F0B3-559A-43D8-8014-26F045DB04F6}"/>
+                  </a:ext>
+                </a:extLst>
+              </p14:cNvPr>
+              <p14:cNvContentPartPr/>
+              <p14:nvPr/>
+            </p14:nvContentPartPr>
+            <p14:xfrm>
+              <a:off x="1080720" y="2474280"/>
+              <a:ext cx="9095040" cy="3015360"/>
+            </p14:xfrm>
+          </p:contentPart>
+        </mc:Choice>
+        <mc:Fallback>
+          <p:pic>
+            <p:nvPicPr>
+              <p:cNvPr id="4" name="Ink 3">
+                <a:extLst>
+                  <a:ext uri="{FF2B5EF4-FFF2-40B4-BE49-F238E27FC236}">
+                    <a16:creationId xmlns:a16="http://schemas.microsoft.com/office/drawing/2014/main" id="{5EB1F0B3-559A-43D8-8014-26F045DB04F6}"/>
+                  </a:ext>
+                </a:extLst>
+              </p:cNvPr>
+              <p:cNvPicPr/>
+              <p:nvPr/>
+            </p:nvPicPr>
+            <p:blipFill>
+              <a:blip r:embed="rId3"/>
+              <a:stretch>
+                <a:fillRect/>
+              </a:stretch>
+            </p:blipFill>
+            <p:spPr>
+              <a:xfrm>
+                <a:off x="1071360" y="2464920"/>
+                <a:ext cx="9113760" cy="3034080"/>
+              </a:xfrm>
+              <a:prstGeom prst="rect">
+                <a:avLst/>
+              </a:prstGeom>
+            </p:spPr>
+          </p:pic>
+        </mc:Fallback>
+      </mc:AlternateContent>
     </p:spTree>
     <p:extLst>
       <p:ext uri="{BB962C8B-B14F-4D97-AF65-F5344CB8AC3E}">

--- a/Trunk/Getting Started Material/DCAF Training/4 Designing an application with DCAF.pptx
+++ b/Trunk/Getting Started Material/DCAF Training/4 Designing an application with DCAF.pptx
@@ -5,26 +5,38 @@
     <p:sldMasterId id="2147483780" r:id="rId1"/>
   </p:sldMasterIdLst>
   <p:notesMasterIdLst>
-    <p:notesMasterId r:id="rId19"/>
+    <p:notesMasterId r:id="rId31"/>
   </p:notesMasterIdLst>
   <p:sldIdLst>
     <p:sldId id="259" r:id="rId2"/>
     <p:sldId id="257" r:id="rId3"/>
-    <p:sldId id="362" r:id="rId4"/>
-    <p:sldId id="364" r:id="rId5"/>
-    <p:sldId id="365" r:id="rId6"/>
-    <p:sldId id="374" r:id="rId7"/>
-    <p:sldId id="376" r:id="rId8"/>
-    <p:sldId id="363" r:id="rId9"/>
-    <p:sldId id="291" r:id="rId10"/>
-    <p:sldId id="300" r:id="rId11"/>
-    <p:sldId id="366" r:id="rId12"/>
-    <p:sldId id="377" r:id="rId13"/>
-    <p:sldId id="368" r:id="rId14"/>
-    <p:sldId id="369" r:id="rId15"/>
-    <p:sldId id="370" r:id="rId16"/>
-    <p:sldId id="373" r:id="rId17"/>
-    <p:sldId id="371" r:id="rId18"/>
+    <p:sldId id="379" r:id="rId4"/>
+    <p:sldId id="411" r:id="rId5"/>
+    <p:sldId id="381" r:id="rId6"/>
+    <p:sldId id="385" r:id="rId7"/>
+    <p:sldId id="334" r:id="rId8"/>
+    <p:sldId id="386" r:id="rId9"/>
+    <p:sldId id="382" r:id="rId10"/>
+    <p:sldId id="364" r:id="rId11"/>
+    <p:sldId id="365" r:id="rId12"/>
+    <p:sldId id="374" r:id="rId13"/>
+    <p:sldId id="376" r:id="rId14"/>
+    <p:sldId id="383" r:id="rId15"/>
+    <p:sldId id="300" r:id="rId16"/>
+    <p:sldId id="366" r:id="rId17"/>
+    <p:sldId id="363" r:id="rId18"/>
+    <p:sldId id="377" r:id="rId19"/>
+    <p:sldId id="368" r:id="rId20"/>
+    <p:sldId id="369" r:id="rId21"/>
+    <p:sldId id="370" r:id="rId22"/>
+    <p:sldId id="373" r:id="rId23"/>
+    <p:sldId id="371" r:id="rId24"/>
+    <p:sldId id="384" r:id="rId25"/>
+    <p:sldId id="387" r:id="rId26"/>
+    <p:sldId id="388" r:id="rId27"/>
+    <p:sldId id="389" r:id="rId28"/>
+    <p:sldId id="393" r:id="rId29"/>
+    <p:sldId id="410" r:id="rId30"/>
   </p:sldIdLst>
   <p:sldSz cx="12192000" cy="6858000"/>
   <p:notesSz cx="6858000" cy="9144000"/>
@@ -131,83 +143,414 @@
 </p:presentation>
 </file>
 
-<file path=ppt/ink/ink1.xml><?xml version="1.0" encoding="utf-8"?>
-<inkml:ink xmlns:inkml="http://www.w3.org/2003/InkML">
-  <inkml:definitions>
-    <inkml:context xml:id="ctx0">
-      <inkml:inkSource xml:id="inkSrc0">
-        <inkml:traceFormat>
-          <inkml:channel name="X" type="integer" max="9600" units="cm"/>
-          <inkml:channel name="Y" type="integer" max="7200" units="cm"/>
-          <inkml:channel name="F" type="integer" max="4096" units="dev"/>
-          <inkml:channel name="T" type="integer" max="2.14748E9" units="dev"/>
-        </inkml:traceFormat>
-        <inkml:channelProperties>
-          <inkml:channelProperty channel="X" name="resolution" value="302.74362" units="1/cm"/>
-          <inkml:channelProperty channel="Y" name="resolution" value="340.58658" units="1/cm"/>
-          <inkml:channelProperty channel="F" name="resolution" value="0" units="1/dev"/>
-          <inkml:channelProperty channel="T" name="resolution" value="1" units="1/dev"/>
-        </inkml:channelProperties>
-      </inkml:inkSource>
-      <inkml:timestamp xml:id="ts0" timeString="2018-07-16T20:29:13.104"/>
-    </inkml:context>
-    <inkml:brush xml:id="br0">
-      <inkml:brushProperty name="width" value="0.05292" units="cm"/>
-      <inkml:brushProperty name="height" value="0.05292" units="cm"/>
-      <inkml:brushProperty name="color" value="#FF0000"/>
-    </inkml:brush>
-  </inkml:definitions>
-  <inkml:trace contextRef="#ctx0" brushRef="#br0">5274 9108 2217 0,'0'0'63'0,"0"0"13"0,0 0-60 0,0 0-16 0,0 0 0 15,0 10 0-15,4-1 0 0,-1 0-16 0,1 4 3 0,-1-4 1 16,4 7-6-16,0-6-1 0,0 2 0 0,0 1 0 15,0-1 19-15,4 1-12 0,-4-1 12 0,4 1-10 16,-1-1 18-16,-3 1 4 0,7 3 1 0,-7-1 0 16,4 4-1-16,0 0 0 0,-4 3 0 0,0 3 0 15,3 3-12 1,-6 0 9-16,3 4-9 0,0 2 8 0,0 1-8 0,0 2 0 0,0 1 0 0,0 0 0 31,-3-1 0-31,3 1 0 0,-4-4 9 0,4 4-1 16,-3-7-8-16,3 1-12 0,0-1 4 0,0-3 0 15,-3-3-75-15,3 0-14 0,0 0-3 0</inkml:trace>
-  <inkml:trace contextRef="#ctx0" brushRef="#br0" timeOffset="597.368">5817 9002 2352 0,'0'6'49'0,"0"3"11"15,0-2-48-15,0 2-12 0,4-3 0 0,-1 7 0 16,4-1 0-16,-3 1 0 0,7-1 9 0,-4 4-9 15,0 0 0-15,0-1 0 0,0 1 0 0,0 3 0 16,0 0 0-16,0 3-8 0,0-3 8 0,0 3-12 16,-3 3 12-16,-1-3 0 0,-3 6 0 0,0-3 0 15,0 0 0-15,4 3 8 0,-4 0-8 0,0 1 11 16,0-1-11-16,0 0 0 0,0-3 0 0,-4 3 0 16,4 1 0-16,0-4 8 0,0 0-8 0,0-3 0 0,4 0 0 0,-4-4 0 15,3-2 0-15</inkml:trace>
-  <inkml:trace contextRef="#ctx0" brushRef="#br0" timeOffset="861.33">5500 9666 2716 0,'7'0'56'0,"3"0"14"0,5 4-56 16,6-1-14-16,-4 0 0 0,8 0 0 0,-4 0 0 0,7 0 0 0,-3 3 8 0,3-6-8 16,4 4-24-16,-4-8-8 0,8 4-2 0,-5-3 0 15,1-3-110-15,0 0-21 0,0 0-5 0</inkml:trace>
-  <inkml:trace contextRef="#ctx0" brushRef="#br0" timeOffset="1517.691">6332 10011 2960 0,'0'0'62'0,"0"-6"13"15,-3 0-60-15,-1-1-15 0,1-2 0 0,3 0 0 16,0-1 35-16,0 1 4 0,3-1 1 0,1 1 0 16,-4-3-64-16,3-1-13 0,-3 0-3 0,4-5 0 15,-1 2 2-15,-3-6 0 0,4 0 0 0,-4 0 0 16,0-3 5-16,3-3 1 0,-3-4 0 0,0 1 0 15,0-3 32-15,0-4 9 0,4-3 1 0,-4 4 0 16,0-1-10-16,0 0 0 0,0 4 0 0,0-4 8 16,0 7 12-16,0-1 1 0,0 1 1 0,-4 6 0 15,4 0-9-15,-3 6-1 0,-1 0-1 0,4 4 0 16,-3 5-25-16,3 1-5 0,0 3-1 0,0 6 0 16,0 0 2-16,0 0 0 0,0 9 0 0,0 0 0 0,0 4 18 0,0 6-12 15,0 0 12-15,0 3-10 0,-4-1 10 0,4 1-13 0,0 0 5 16,0 0 8-16,0 0 0 0,0 0 0 0,0 3 0 0,4-6 0 15,-4-3 0-15,3-1 0 0,1-2 11 0,-1 0-11 16,5-7 16-16,-5 0-4 0,8-3 0 0,-4-3 0 16,7-3 16-16,0-3 4 0,0-4 0 0,4-2 0 0,-1-4-7 0,4-3-1 15,-3-3 0-15,3-3 0 16,0 3-14-16,1-3-10 0,-1 0 12 0,-4-3-12 16,5 0 8-1,-1 0-8-15,0-4 0 0,0 4 0 0,0 0 0 0,-3 3 0 0,3 0-12 0,0 3 3 16,-3 3 9-16,0 0 0 0,-1 6 0 0,1 1 0 15,-4 3 0-15,0 2-8 0,-3 4 8 0,3 3-8 0,-4 3 0 0,1 0 0 16,-4 7 0-16,4-1 0 16,-4 4 8-16,3 2 0 0,-3 1 0 0,-3 3 0 15,3 3 0-15,-4 0-8 0,1 0 8 0,-1 0-8 16,-3 3 8-16,4 0-8 0,-1 3 8 0,-3 0-8 0,4 1 8 16,-1-1 0-16,1 3 0 0,3-3 8 0,-3 4-8 15,3-4 9-15,0 3-9 0,-4-3 10 16,4 1-10-16,0-4 12 0,0 0-12 0,0-6 12 15,1-4-12-15,-1-2 0 0,3-4 0 0,-3-2 0 0,0-4-12 0,4-6 12 0,-1-1-10 16,1-5 10 0,-4-3-180-16,0-4-31 0,0-6-5 0</inkml:trace>
-  <inkml:trace contextRef="#ctx0" brushRef="#br0" timeOffset="1804.005">7627 8861 3134 0,'4'22'65'0,"-4"-13"15"0,0 3-64 0,0 4-16 0,3 0 0 0,-3 3 0 32,4 6 16-32,-4 0-1 0,3 6 0 0,-3 4 0 15,0 2-15-15,-3 1 0 0,3 3 0 0,-4-1-10 16,-3 1 10-16,0 0-13 0,0 3 5 0,-4-3 8 0,4 6-8 0,0-3 8 0,-3 3 0 0,3 0 0 15,0-3 0-15,0-4 0 0,3 1 0 0,0-3 0 16,-3-4 12-16,7 1-4 0,0-4 0 0,0-3 0 16,0 0-96 15,4-6-20-31,3-3-4 0</inkml:trace>
-  <inkml:trace contextRef="#ctx0" brushRef="#br0" timeOffset="5495.242">4180 10939 2026 0,'-3'-6'57'0,"-1"0"14"0,1 0-57 0,3-1-14 0,0 7 0 0,0-6 0 16,0 6 35-16,0 0 4 0,0 0 1 16,0 0 0-16,10-3-29 0,-6 6-11 0,3-3 8 0,0 3-8 15,0 3 12-15,0 7-4 0,-3-4 0 0,3 7 0 16,0 3 20-16,0 0 3 0,3 3 1 15,-2 6 0-15,-1 0-32 0,-4 7-13 0,4-1 1 0,4 7 0 16,-11-4 12-16,3 7 16 0,-3 0-3 0,0-3-1 16,0-3-24-16,0-7-6 0,0 4-1 0,-3-7 0 15,3-3 29-15,-7-3 6 0,3-3 0 0,1-1 1 16,-4-5-7-16,3-1-2 0,-3-2 0 0,3-7 0 16,-10 0 2-16,4-3 0 0,-1-3 0 0,-3-6 0 15,0-1-20-15,0-5-4 0,0-4-1 0,-4 0 0 16,4-6-9-16,0-3-3 0,3-1 0 0,-3-5 0 15,4 3 43-15,-1-7 8 0,7 0 1 0,-3 1 1 16,4-1-11-16,3 0-3 0,3-2 0 0,4 2 0 16,1 0-4-16,6 1 0 0,3 2-8 0,4 4 12 0,1 0-12 0,6 2 0 0,-3 4 0 15,3 3 0-15,0 7 0 0,4 2 0 0,-8 1-13 16,1 5 4 0,7 4-23-16,-11 0-5 0,0 3-1 0,0 3 0 15,-3 3-1-15,0 4 0 0,-1-1 0 0,-10 1 0 16,4 2 15-16,-4-2 4 0,4 5 0 0,-11-2 0 15,3 2 20-15,-6 4 8 0,3 0 0 0,-7-3 0 16,-1 6 4-16,-2-3 1 0,-1-1 0 0,1 1 0 16,-1-3-1-16,-3 3 0 0,0-7 0 0,0 4 0 15,0-4 28-15,0 1 6 0,-1-1 1 0,5 1 0 0,-4 0-8 0,0-4-2 16,0 0 0-16,3-2 0 0,0 2-5 0,1-3-2 0,3 4 0 0,0-4 0 0,3-3-30 16,4 3-20-16,-3 1 4 0,3-7 0 15,3 3-7-15,1 0-1 0,3 3 0 0,-4-3 0 16,8 1-84-1,-4-1-18-15,0 3-3 0</inkml:trace>
-  <inkml:trace contextRef="#ctx0" brushRef="#br0" timeOffset="5942.526">4890 11065 2115 0,'-11'12'44'0,"0"-2"11"0,4-1-44 16,0 4-11-16,0-4 0 0,4 4 0 0,-4-4 0 16,3 4 0-16,1-1 0 0,-5 1-11 0,5-1 11 0,-1 4-12 0,-3 0 12 0,4-1-12 15,-4 1 12-15,3 3-8 0,-3-4 8 0,0 4-8 16,0 3 8-16,0 0 0 0,0 3 0 0,0-6 0 16,0 3 0-16,3-3 0 0,1-3 0 0,-1-4 0 15,1 1 16-15,6-4-2 0,1 0 0 0,6-5 0 16,1-1 30-16,3-6 5 0,7 3 2 0,4-7 0 15,3-2-9 1,4-4-2-16,7 1 0 0,3-4 0 0,0 0-40 0,4 1 0 0,0-4-8 0,0 3 8 31,-4-3-49-31,-6 4-3 0,-1-1 0 0,0 0 0 16,-3 4-33-16,-4-1-7 0,0 7-2 0,-3-3 0 0,-4-1-58 0,-7 4-11 0,0-3-2 0</inkml:trace>
-  <inkml:trace contextRef="#ctx0" brushRef="#br0" timeOffset="6351.733">6152 10958 2960 0,'4'-25'62'0,"-4"16"13"16,4-1-60-16,-4 1-15 0,3 0 0 0,-3-1 0 16,4 4 0-16,-4-4 0 0,0 1 0 0,-4 3 0 31,4 6-42-31,-7-3-11 0,0-1-3 0,-7 4 0 16,3 0 20-16,-6 4 3 0,-1-1 1 0,-7 3 0 0,1 0 32 0,-5 1 0 0,-2 5 0 0,-1 1 0 15,-3-1 12-15,-4 7 10 0,3-3 2 0,-2-1 0 16,6 4 19-16,0 0 4 0,4-3 1 0,0 2 0 15,3 1 6-15,0 0 2 0,4 0 0 0,4 0 0 16,2 6-71-16,8 0-13 16,4 3-4-16,3 0 0 0,7 1 32 0,7 2 0 0,0 0 0 0,7 1 0 15,8-1-16-15,2-3 4 0,5 0 0 16,2-6 0 0,8-3-24-16,0-3-4 0,3-4 0 0,1-2-1 0,-4-7-31 0,-4-3-7 15,0-3-1-15,-3-3 0 0,-4-4-136 16,1-2-27-16</inkml:trace>
-  <inkml:trace contextRef="#ctx0" brushRef="#br0" timeOffset="7282.347">7419 10933 2264 0,'0'-6'96'0,"0"6"-77"16,0-6 29-16,-4-1 5 0,1 1 2 0,-4 3 0 31,0 0-47-31,-4 0-8 0,1 0 0 0,-1-1 0 16,-7 4 0-16,4-3 0 0,-7 3 0 0,0 0 0 0,0 0 8 0,0 7 0 0,-4-1 0 16,0 0 0-16,1 7 7 0,-1 2 1 0,0 1 1 0,0 0 0 15,4 2-7-15,0 1-2 0,0 3 0 0,3-3 0 16,1 3-8-16,3-3 0 0,-1 0 0 0,5-1 8 15,3 1-8-15,3-3 0 0,1 0-10 16,6-4 10-16,-3-2-16 0,7-1 2 0,-3 0 1 0,6-2 0 16,-3-1-1-1,4-3 0-15,0 0 0 0,3-3 0 0,-4 0-2 0,4-3 0 0,1-3 0 0,-1-1 0 16,0 1 7-16,-4 3 1 0,1 0 0 0,0-3 0 16,-1 3 8-16,-3-4 0 0,0 1 0 0,-3 3-8 15,-1-3-16-15,-3 6-4 0,0 0 0 0,-7-4 0 0,0 1 53 0,-3 0 11 16,-1 3 1-16,-3 3 1 0,0 4 22 0,-4-1 5 15,1 0 1-15,-1 4 0 16,-3 2-24-16,0 4-5 0,-1 3-1 0,5-1 0 16,-4 7-16-16,-1 1-3 0,5 5-1 0,3 0 0 15,-4 1-26-15,7-1-6 0,1 3 0 0,3 1-1 16,0-4 26-16,7-2 6 0,0-1 1 0,3-3 0 16,4-3-38-16,4-3-7 0,3-1-2 0,4-5 0 15,3-7 31-15,4 0 12 0,-1-6-1 0,4-3 0 16,1 0 5-16,6-3 2 0,0-3 0 0,0-4 0 15,4 0-18-15,-3 1 0 0,6-4 0 0,-7 1 0 16,-3-1-127-16,0 3-25 0,-8-2-6 0,1-1-1 16,-4 3-75-16,-3-2-15 0</inkml:trace>
-  <inkml:trace contextRef="#ctx0" brushRef="#br0" timeOffset="7781.684">7662 10836 2370 0,'0'0'67'0,"0"0"15"16,0 0-66-16,0 0-16 0,0 0 0 0,4 6 0 0,-1 0 0 0,-3 4 0 0,4 6 0 0,-4-1 0 31,-4 4-27-31,4 3-9 0,-3 0-1 0,-1 3-1 16,1 0 19-16,3 0 4 0,-4 0 1 0,1 4 0 0,3-1 22 0,-4 3 5 0,4 0 1 15,0 1 0-15,0-1 22 0,0 1 5 0,0 2 1 0,0-3 0 16,0-6-27-16,0 1-6 0,0-1-1 0,0-3 0 15,4-7-8-15,-1 1 0 0,1-4 0 0,-4 1 0 16,3-7-52-16,1 1-13 0,-1-1-3 0</inkml:trace>
-  <inkml:trace contextRef="#ctx0" brushRef="#br0" timeOffset="8017.886">7281 10917 2470 0,'0'0'52'0,"0"0"10"15,0 0-50-15,0 0-12 0,0 0 0 0,7-3 0 16,4 0 55-16,7 0 8 0,-1 3 1 0,4-3 1 16,1 0-45-16,2 0-10 0,1-4-2 0,7 1 0 15,-4 0-8-15,7-4 0 0,1 1-10 0,-5 0 10 16,1 5-51-16,-4 1-4 0,-3 6-1 0,-4-3 0 15,0 4-18-15,-7-1-4 0,0 3-1 0,-3-3 0 16,0 0 12-16,-4 4 3 0,-4-4 0 0,1 3 0 16,-4-6-16-16,3 3-4 0,-3-3 0 0</inkml:trace>
-  <inkml:trace contextRef="#ctx0" brushRef="#br0" timeOffset="8229.483">7631 11683 3076 0,'0'0'88'0,"0"0"17"15,0 0-84-15,0 0-21 0,7-4 0 0,0-2 0 0,0 3 0 0,0-3 8 0,7-1-8 16,-3 1 0 0,3-3-85-16,0-1-22 0,3 1-4 0,-3-4-1 15,4 7-113-15,-4-3-23 0,-3 2-5 0</inkml:trace>
-  <inkml:trace contextRef="#ctx0" brushRef="#br0" timeOffset="8764.616">8135 10848 2739 0,'0'19'116'16,"0"3"-93"-16,4 3 18 0,-4 0 4 0,7 4 1 0,-4-1 0 31,4 3-72-31,0-3-14 0,0 4-4 0,-3-1 0 0,3 0-16 0,-7 1-3 0,3 2-1 0,-3-2 0 31,-3-1 26-31,3 0 5 0,-4 1 1 0,1-7 0 0,-1 0 22 0,1-3 10 0,-1 0-8 0,1-6 8 16,-1-4 8-16,4 1 8 0,0-4 0 0,-3-6 1 15,3-3 27-15,0 0 6 0,0 0 1 0,0 0 0 16,0-6-31-16,0-4-7 0,0-2-1 0,0-1 0 16,0-9-12-16,3 0 0 0,1 1 0 0,-1-8-10 15,1 1 10-15,3-3 0 0,-4-1 0 0,4-2 0 16,4-4 0-16,0 1 16 0,3-1-4 0,-4 0-1 16,4-2 27-16,4-1 6 0,-4 3 0 0,7 1 1 15,-3 2-29-15,3 4-7 0,4-1-1 0,0 7 0 0,-1 3-8 16,1 7-11-16,3-1 3 0,-3 3 0 0,3 7-12 0,-3 0-1 15,-1 6-1-15,-2 3 0 16,-1 0-6-16,-7 3-2 0,0 1 0 0,0 2 0 0,-7 1 30 0,-3-1 0 0,-1 0 0 16,1 4 0-16,-4-1 0 0,-4 1 0 0,1 0 11 15,-1 2-3 1,-3 1 4-16,-3 0 0 0,-1 2 1 0,-3-2 0 16,-4 3-13-16,-3 0 0 0,0 3 0 0,-7-4 0 15,-1 4 32-15,-6 0 4 0,3 0 1 0,-6-3 0 16,-1 3 2-16,-7-3 0 0,0 0 0 0,0-4 0 15,-3 1-39-15,3 0 0 0,-7-4 0 0,7 1 0 16,4-4-133-16,0 1-31 0,6-1-7 0</inkml:trace>
-  <inkml:trace contextRef="#ctx0" brushRef="#br0" timeOffset="13737.877">4988 14100 2016 0,'-3'22'57'0,"-4"-3"12"15,0 0-55-15,3-1-14 0,1-2 0 0,-1 0 0 16,1-1 21-16,3-2 2 0,0 0 0 0,-4-4 0 16,4-3-23-16,0-6 0 0,0 0-10 0,0 0 10 15,0 0 0-15,0 0 14 0,0 0-1 0,-4-6 0 16,1-7 15-16,-1 1 2 0,1-1 1 0,-1-6 0 15,1 1 2-15,-1-7 1 0,-3 0 0 0,4-4 0 16,-1 1-21-16,-3-3-4 0,4-1-1 0,-1 1 0 16,1-3-8-16,-4-4 0 0,3-3 0 0,0 0 8 15,1 1-8-15,3-1-9 0,-4-3 9 0,4 0-13 0,0 0-1 0,-3-3 0 16,3 3 0-16,0 3 0 16,0 1-15-16,0 2-3 15,3 4-1-15,-3-1 0 0,4 4 22 0,-4 6 11 0,0 0-10 0,0 3 10 16,0 3-12-16,0 6 12 0,-4 4-13 0,4-4 5 0,0 10-7 0,0 3-1 0,0 0 0 0,0 0 0 31,4 6-24-31,-4 4-4 0,3 2-2 0,-3 4 0 16,4 3 36-16,0 0 10 0,-1 3 0 0,1 0 0 15,3 0 0-15,-4 3 13 0,4-3-1 0,0 3-1 0,-3-3 4 0,3 0 1 16,0 0 0-16,0-4 0 0,0 1 19 0,0-3 4 0,-3-4 1 0,3 1 0 16,3-7 3-16,-3 0 1 0,0-2 0 0,4-1 0 15,-4-6-10-15,4-4-2 0,-1-2 0 0,1-7 0 16,3 1 7-16,0-4 1 0,0-3 0 0,0 0 0 15,0-3-13-15,0 0-3 0,1 0 0 0,-5-1 0 16,4-2-3-16,-3 3-1 0,-1 0 0 0,4 0 0 16,-3 3-7-16,-4 0-1 0,4 3-1 0,-4 0 0 0,3 4-11 15,-3 2 0-15,0 1 0 0,1 2 0 0,-5 4 0 16,4-3 0 0,0 2 0-16,0 4 0 15,-3 0-20-15,3 3-10 0,0 0-2 0,0 6 0 0,0-2 8 16,0 2 2-16,0 3 0 0,0 1 0 0,-3 5 10 0,3 1 1 0,-4 3 1 0,1 6 0 15,3-3 10-15,-7 6 0 0,3 3 0 0,-3 4 0 16,0-1 0-16,0 4 0 0,0 0 0 0,-3 2 0 16,3-2 15-16,0 3 8 0,0 0 1 0,0-4 1 15,0 1-1-15,3-1-1 0,-3-2 0 0,4-1 0 16,-1-2-5-16,-3-4-1 0,4-3 0 0,-1 0 0 16,1 0-17-16,0-3 0 0,-1 0 0 0,1-6 0 15,-1-1-22-15,1-2-8 0,3-4-2 0,-4-2 0 16,1-1-180-16,-1 0-36 0,1-3-7 0</inkml:trace>
-  <inkml:trace contextRef="#ctx0" brushRef="#br0" timeOffset="14219.103">5888 13746 2810 0,'-14'0'80'0,"-4"0"17"15,8 0-77-15,-5 3-20 0,1 0 0 0,0-3 0 16,4 3-27-16,-4-3-9 0,-1 0-1 0,5 0-1 15,-4-3 27-15,3 6 11 0,1-3-8 0,-5 0 8 16,1 3-18-16,0-3 2 0,0 3 0 0,0 1 0 16,-4 5 16-16,4 0-10 0,-3 4 10 0,2-1-8 15,-2 7-4-15,3-3-1 0,0 3 0 0,3 0 0 16,4-1-5-16,0-2-1 0,7 3 0 0,0-3 0 16,3-1 3-16,8 4 0 0,3-3 0 0,0-4 0 0,4-2 0 0,3-1 1 15,0-3 0-15,4-6 0 16,3 0 15-16,-3-6 0 0,7 0 0 0,-4-7 10 0,4 1-2 0,-1-1-8 15,1-3 12-15,-4-2-4 16,-3-1-8-16,0 0 0 0,-4-3 0 0,-7 3 0 0,0 0 13 16,-3 4 1-16,-4-4 0 0,-4 3 0 15,-3 1 25-15,-3-4 5 0,-4 3 0 0,0-3 1 16,0 4-17-16,-4-1-4 0,0 3-1 0,1-2 0 16,-1-1-8-16,-3 0-2 0,0 4 0 0,0-4 0 0,3 7-28 0,1-1-5 15,-1 1-2-15,1 3 0 16,2 3-154-16,1-1-30 0,7 4-6 0</inkml:trace>
-  <inkml:trace contextRef="#ctx0" brushRef="#br0" timeOffset="14745.831">6851 12639 2663 0,'-7'19'112'0,"3"-1"-89"32,1 4-3-32,-1 4 0 0,1-1 0 0,3 3 0 15,-4 0-48-15,1 0-9 0,3 4-3 0,-4-1 0 16,4 3 4-16,0 4 0 0,-3 3 0 0,3 0 0 15,-4 3 12-15,4 3 2 0,-3 3 1 0,3-3 0 0,-4-3 2 0,4 0 1 0,-3-1 0 16,6 1 0-16,-3-9 46 0,0-1 10 0,4-2 2 16,-4-7 0-16,3-3 4 0,-3-3 0 0,4-7 1 0,-1-3 0 15,1 1-29-15,-4-10-7 0,0 0-1 0,0 0 0 16,0-10-8-16,-4-2-11 0,1-7 3 0,-1 0 0 16,-3 0-125-1,-3-6-25-15,-5 0-5 0,1 0-1 0,0 3 66 0,-3 0 13 0,-1 4 2 0,-3 2 1 16,0 0 102-16,-4 4 21 0,0 5 4 0,4 1 1 15,-4 3 53-15,1 3 10 0,2 0 3 0,-2 6 0 16,-1 4-36-16,4 2-8 0,-4 4 0 0,4 6-1 16,0 0-37-16,3 6-7 0,1 3-2 0,2-2 0 15,1 5-21-15,7 1 0 0,4-1 0 0,-1 1 0 16,8-1 0-16,-1-3 0 0,4 1 0 0,4-4 0 16,7 0 0-16,3-3 0 0,3-3 0 0,5 0 0 15,2-6 0-15,1-4 0 0,7-2 0 0,0-4 0 16,7-3-25-16,0-6-10 0,3-3-1 0,0-4-1 15,1 1 16-15,3-10 3 0,3 0 1 0</inkml:trace>
-  <inkml:trace contextRef="#ctx0" brushRef="#br0" timeOffset="15340.205">7475 12601 2747 0,'0'7'116'16,"-3"2"-93"-16,3 3 23 0,0 4 5 0,0 6 1 0,-4 0 0 15,4 3-52-15,0 3-22 0,0 1 2 0,0 2 0 32,0 3-36-32,-3 1-6 0,-1-1-2 0,4 4 0 0,-7 3 24 0,4 3 5 0,-4 3 1 0,0 3 0 15,0 0 34-15,-4 3 0 0,4 1 0 0,-4-1 0 16,4 3 23-16,0-2 8 0,0-1 1 0,0 0 1 16,0-9 25-16,3 0 5 0,1-6 1 0,-1-7 0 15,4-3-32-15,0-9-7 0,0-3-1 0,4-4 0 16,-4-5-24-16,7-4-14 0,-7-3 2 0,7-7 0 15,0-5-26-15,7-7-5 0,0-6-1 0,0-3 0 0,1-7 20 16,2 1 3-16,1-7 1 0,-1 3 0 0,1 4 4 0,7 6 0 16,-4 0 1-16,4 2 0 0,-4 8 24 0,0 2 5 15,0 7 1-15,4-1 0 16,0 10-15-16,-1 3 0 0,1 4 0 0,3 2 0 16,-7 3 0-16,4 7 0 0,-4 3 0 0,-3 0-10 15,-1 3 2-15,-6-3 0 0,3 3 0 0,-7 0 0 0,-3 0 8 0,-1-3 0 0,-6 4 0 16,-4-5 0-1,-4 1-28-15,-10 0-3 0,0 0-1 16,-11 0 0-16,-3-3 10 0,-8 0 2 0,-2 0 0 0,-5 0 0 0,4-4 10 0,0 1 10 16,1 0-13-16,2-4 5 0,-3 4 53 0,4-4 11 0,0 4 3 15,3-7 0-15,7 1 4 0,0-4 1 0,4 0 0 0,7 1 0 32,3-4-105-32,4 3-21 0,4 3-4 0,6-5-1 15,4-4-193-15,0 0-40 0</inkml:trace>
-  <inkml:trace contextRef="#ctx0" brushRef="#br0" timeOffset="15808.587">8491 13175 3168 0,'-14'9'66'0,"0"1"15"16,4-1-65-16,-5 1-16 0,5-1 0 0,-1 0 0 16,1 1 10-16,-1 2-2 0,1 4 0 0,2 0 0 15,-2-1-8-15,-1 4-17 0,1 0 4 0,-1 3 1 32,4 6-19-32,0 0-3 0,-4 7-1 0,8-1 0 0,-1 1 3 0,1 6 0 0,-1-1 0 0,8-2 0 0,-4 0 19 15,7-4 4-15,0-2 1 0,4-7 0 16,3 0 8-16,0-6 0 0,3-4 0 0,1-5 0 0,3-1 0 0,4-3 11 0,0 1-3 0,3-7 0 31,0-7-8-31,0 1 0 0,4-3 9 0,-4-4-9 16,0-3 12-16,1-2-3 0,-1-4 0 0,0 0 0 15,-3-10-23-15,3 1-5 0,0-10-1 0,-3 0 0 0,3 1-25 0,-3-4-6 0,0 0-1 0,-4 3 0 32,0 0 39-32,-3 7 13 0,-1 3-9 0,-3 5 9 15,-7 1 40-15,4 7 12 0,-8-1 4 0,1 6 0 0,0 4 6 16,-4 3 2-16,3-1 0 0,-3 7 0 0,0 0-49 0,0 0-15 0,0 7 8 0,0 2-8 15,-3 7 0-15,3 2 0 0,-8 1 0 0,5 9-9 16,-8 4-18 0,4 2-3-16,-3 4-1 0,-4 3 0 0,0 3-10 0,-1-1-3 0,-2 1 0 0,-1-3 0 15,0-3-150-15,1-1-30 0,3-2-7 0</inkml:trace>
-  <inkml:trace contextRef="#ctx0" brushRef="#br0" timeOffset="16019.121">9204 13363 1197 0,'25'-19'50'16,"-4"1"-40"0,0 5 158-16,0 4 32 0,0-1 7 0,-3 7 1 15,0 0-48-15,-4 0-10 0,0 3-2 0,-4 3 0 16,1 0-32-16,0 3-6 0,-1 1-2 0,1-1 0 0,-8 3-51 0,1 1-10 16,-1-1-3-16,-6 4 0 0,-1 2-24 0,1 7-4 0,-4-3-2 0,-7 6 0 31,-4 3-14-31,-7 7 0 0,-3-1-12 0,-4 1 12 15,-3 2 0-15,-4 4 0 0,-3-3 0 0,-4-1 0 16,-3 1-9-16,-8 0 9 0,1-1 0 0</inkml:trace>
-  <inkml:trace contextRef="#ctx0" brushRef="#br0" timeOffset="22869.777">12404 9478 1516 0,'0'-12'32'0,"-4"-1"6"0,1 4-30 0,3 3-8 0,0-1 0 0,-4 1 0 16,4 6 12-16,0 0 2 0,0-6 0 0,0 6 0 15,0 0-14-15,0 0-8 0,-7-3 8 0,7 3-13 16,-3-4 30-16,-8 1 7 15,11 3 0-15,-7 0 1 0,3 0 35 16,-6-3 6-16,3 6 2 0,0-3 0 16,0 3-29-16,-4 1-6 0,0 2-1 0,1 0 0 15,-4 0 19-15,-4 4 3 0,0-1 1 0,1 4 0 0,-4-4-1 0,-1 1 0 16,1 2 0-16,-3 1 0 0,-1 2-5 0,0 1-1 16,-3 0 0-16,3 2 0 0,-3 4-30 0,3 0-6 15,-3 3-2-15,0 4 0 0,3 2-10 0,-3-3 0 0,3 7-10 16,-3-4 10-16,3 4 0 0,1-1 0 0,-1 4 0 0,4-4 0 15,0 1 0-15,7-1 0 0,-4-2 8 0,7 2-8 16,1-6 0-16,3 0 0 0,0 1 0 0,7-4 0 16,0 3 0-16,0-3 20 0,7 0-4 0,3 0 0 15,4 3-16-15,1 1 10 0,6-4-10 0,3 6 8 16,5-6-8-16,-1 0 0 0,4 0 0 0,-1 0 0 0,5-6 0 0,2-3 0 0,1-4 0 16,0 1 0-1,3-7-12-15,-3 4 1 0,0-7 1 0,0 0 0 31,-4 0-18-31,-3-6-4 0,0 3-1 0,-4-3 0 0,-4-3-96 0,-2-4-19 0,-1 1-4 0</inkml:trace>
-  <inkml:trace contextRef="#ctx0" brushRef="#br0" timeOffset="23428.841">12577 10134 1858 0,'0'0'52'0,"-4"6"13"16,-3 0-52 0,0 0-13-16,0 4 0 0,0-4 0 0,0 3-20 0,0-2-6 0,-4 2-2 15,4-3 0-15,-4 1 72 0,4-1 15 0,-3 0 2 0,3 1 1 16,-4-1 40-16,-3-3 8 0,3 3 2 0,1 0 0 16,-4 1-52-16,0-1-9 0,3 0-3 0,1 1 0 15,-1 5-28-15,0 1-7 0,1-1-1 0,-1 4 0 16,4 3-12-16,0 3 0 0,4 3-12 0,-1-3 12 15,0 6-16-15,1-3 3 0,3 3 1 0,0-6 0 16,3 3-11-16,1-6-1 0,3-3-1 0,0-1 0 16,0-5-1-16,0-1 0 0,4-6 0 0,-1 0 0 0,5-3 26 15,2-3-8-15,1 0 8 0,-1-6 0 16,5-4 0-16,-1-2 17 0,0-4-2 0,0 0-1 16,-3-3-2-16,-1-3-1 0,1 0 0 0,-4 0 0 0,0-3 24 0,0 2 5 0,-3-2 0 0,-4 0 1 31,0 3-29-31,-3 0-12 0,-1 0 11 0,-3 0-11 15,-3 6 15-15,-1-3-3 0,1 6-1 0,-5 1 0 0,1 2-3 0,-3 0 0 0,3 7 0 0,-4 0 0 32,1 6-8-32,-1 3-11 0,-3 0 3 0,3 7 0 0,-3 2-45 15,0 1-9-15,4 5-2 0,-1-2 0 0,0 0-121 0,4 0-25 16,4-4-5-16</inkml:trace>
-  <inkml:trace contextRef="#ctx0" brushRef="#br0" timeOffset="23827.155">12792 10287 2546 0,'0'10'53'0,"0"-10"11"0,-4 6-51 0,1 0-13 0,-1 0 0 0,4 1 0 16,-3 2 25-16,-1 1 3 0,1 2 0 0,-4 1 0 0,3-1-28 0,-3 1 0 0,0-1-9 0,3 4 9 31,-3-7 0-31,4 4 11 0,-1-4 0 0,1 1 0 15,-1-7-1-15,4-3 0 0,0 0 0 0,0 0 0 16,0-10-2-16,4-2 0 0,-1-4 0 0,1-3 0 0,-1-3-22 0,8-3-5 0,-4 0-1 0,4 0 0 31,-4-3 6-31,3 6 1 0,1-3 0 0,3 3 0 16,-4 3 13-16,1 0 0 0,0 4 0 0,-1 2 0 16,4 4 0-16,-3 2 0 0,3 4 0 0,-3 0 0 15,3 6 0-15,0 4 0 0,0-1 0 0,0 6 0 16,0 1-10-16,0-1-9 0,4 7-1 0,-8-3-1 0,5 0 8 0,-5 2 1 0,1 1 1 0,-4 0 0 15,0 3 23-15,0-3 5 0,-4 3 1 0,1-3 0 16,-1-1-3-16,-3 4-1 0,-3-3 0 0,3 3 0 16,-4-6-2-16,1-4 0 0,3 1 0 0,-4-4 0 15,8-6-12-15,-4-3-16 0,0 0 3 0,3-6 1 16,8-13-196 0,-4-3-38-16,4-3-8 0</inkml:trace>
-  <inkml:trace contextRef="#ctx0" brushRef="#br0" timeOffset="24045.024">13437 9550 1683 0,'21'-34'71'0,"1"3"-57"16,-1 5 54-16,-4 5 12 0,5 2 1 0,-1 0 1 15,-4 9-26-15,1 4-4 0,0 0-2 0,-1 3 0 0,1 9 11 0,0 3 3 0,-4 4 0 0,0 6 0 32,-7 6-42-32,3 9-8 0,-6 4-2 0,-4 3 0 15,0 3 11-15,-4 0 1 0,1 6 1 0,-8 3 0 16,1-3 11-16,-1 4 3 0,-3 2 0 0,4-6 0 15,-5 0 1-15,5-6 0 0,-4 0 0 0,3-3 0 0,1-4-40 0,-5-2 0 16,5-1 0 0,-4-5-8-1,3-4-57-15,1-6-11 0,-5-1-3 0,5-5 0 0,-8-4-221 0,4-2-45 16</inkml:trace>
-  <inkml:trace contextRef="#ctx0" brushRef="#br0" timeOffset="24219.351">13212 10146 2245 0,'-8'-19'95'0,"5"-3"-76"15,3 4 75-15,0-1 15 0,0 0 3 0,7 3 1 0,0 1-95 0,4 2-18 0,3-3 0 0,0 4-11 16,4 2 11-16,3-2 0 0,0-1 0 0,0 1 0 16,7 2 0-16,-3 1 8 0,7 3-8 0,-8-1 8 15,5 1-32-15,-1 3-7 0,-3 3-1 16,-1 0 0-16,-3 0-134 0,1 3-27 0,-8 3-6 0,0 1-1 31,0-1 90-31,-4 0 18 0,1 1 3 0,0-1 1 16,-8 3-16-16,1 1-4 0,-1-1 0 0</inkml:trace>
-  <inkml:trace contextRef="#ctx0" brushRef="#br0" timeOffset="24699.726">13663 10579 2761 0,'-3'31'57'0,"-1"-25"15"15,1 4-58-15,3-7-14 0,-4 3 0 0,4-6 0 16,0 0 48-16,0 0 6 0,0 0 2 0,0 0 0 0,0-9-32 0,0-4-7 0,4-2-1 0,-1-4 0 31,1 0-16-31,3-3-16 0,3 0 4 0,-3 0 0 16,0 0-96-16,4 7-20 0,-4-4-3 0,0 3-1 15,0 4-70-15,0-1-14 0,-3 0-4 0,-1 1 0 16,4-1 116-16,4 1 22 0,-1-1 5 0,1-2 1 16,3-1-28-16,4 0-4 0,3-3-2 0,0 4 0 15,0-1 34-15,0 0 6 0,1 1 2 0,-1 2 0 16,0-3 123-16,-3 7 25 0,-1 0 4 0,1-1 2 0,-4 7 34 0,-3 0 6 0,-1 3 2 0,1 3 0 15,-4 3-64-15,-4 1-13 0,1 2-3 0,-4 0 0 16,-4 7 7-16,1-3 1 0,-1 2 0 0,-3 1 0 31,0 0 35-31,-3 3 7 0,2-4 2 0,-2 1 0 0,3 0 0 0,0-1 0 0,0 4 0 0,3-3 0 16,1-1-52-16,-1 4-9 0,1-3-3 0,3 3 0 16,0 0-12-16,0-4-4 0,3 1 0 0,1 0 0 31,-1-7-20-31,4 4 0 0,0-7 0 0,4 3 0 15,-4-6 0-15,4-3 0 0,-1-3 0 0,4-6 0 0,0-4 0 0,4-2 0 0,0-11 0 0,3 1 0 16,0-6 0-16,4 0 0 0,-1-7 0 0,-3 0 0 16,4 1-72-16,-4 2-20 0,-3 1-3 0,-4-1-1 31,-3 4-102-31,-4 3-21 0,-4 3-4 0,-3 3-1 0,-7 0 25 0,-3 0 5 0</inkml:trace>
-  <inkml:trace contextRef="#ctx0" brushRef="#br0" timeOffset="24966.891">14489 9215 2977 0,'3'6'132'0,"1"4"27"15,3 2-127-15,0 1-32 0,3 5 0 0,1 1 0 16,0 3 0-16,-1 6-15 0,1 4 2 0,-1 2 0 15,-3 4-10-15,0 3-1 0,0 3-1 0,-3-1 0 32,-4 5-1-32,0-1 0 0,-4 3 0 0,1-3 0 15,-1 0 26-15,-3 0 0 0,4 0 0 0,-4 0 8 16,3-3 12-16,-3-3 4 0,4-1 0 0,-1-2 0 16,4 0 3-16,0-1 1 0,0-5 0 0,4-1 0 15,3 0-48-15,0-3-10 0,0-2-2 0</inkml:trace>
-  <inkml:trace contextRef="#ctx0" brushRef="#br0" timeOffset="25718.089">16044 9328 3012 0,'-17'41'85'0,"-1"-1"19"0,0 1-83 0,4 6-21 0,0 3 0 0,4-3 0 31,-4 3-22-31,3-3-9 0,0 1-1 0,4-1-1 15,-3-7-10-15,6-2-1 0,1-4-1 0,-1-8 0 16,4-1 15-16,-3-7 3 0,3-5 1 0,0-1 0 0,0-5 26 0,0-1 0 0,0-6 0 0,0 0 0 31,-7-6 45-31,3-1 11 0,-7-2 3 0,1-3 0 16,-1-1-38-16,-3-3-7 0,4-2-2 0,-5 2 0 16,-6-3-36-16,4 0-8 0,-5 0-2 0,1 1 0 15,-3 2-13-15,-5 3-2 0,5 1-1 0,-5 2 0 16,5 4 21-16,-4 3 4 0,3 0 1 0,-3 6 0 15,3 3 24-15,0 1 17 0,1 2-2 0,2 7-1 16,-2 2 14-16,-1 8 2 0,0-5 1 0,4 11 0 0,0-4-16 0,0 3-3 16,3 1-1-16,4-1 0 0,3 4 1 0,4-4 1 0,4-3 0 0,3 4 0 15,7-4-13-15,4-3-18 0,3 0 4 0,3-3 1 0,4-3 0 0,1-4 0 16,2 1 0-16,5-7 0 16,2-5 2-16,1-1 1 0,0-3 0 0,0-3 0 15,3-4 20-15,-3 1 4 0,3-3 1 0,-3-1 0 16,-1-2-7-16,1-1 0 0,0 1-8 0,-4-4 12 15,0-3-12-15,1 0 0 0,-1-3 0 0,-4 0 0 16,1 0 0-16,0-3 0 0,-4-3 0 0,4 3 0 16,-8 0 0-16,1 0 0 0,0 0 0 15,-8 3 0-15,-3 0 16 0,0 0-4 0,0 0 0 0,-7 3 0 16,0 0 23-16,-3 1 4 0,-1 5 1 0,-3 0 0 16,-3 1 2-16,-1 3 1 0,-3 2 0 0,0 4 0 15,0 3-34-15,-7 0-9 0,3 6 0 0,-3 1 0 16,3 8 0-16,-7 1 0 0,4 3 0 0,4 3 0 15,-5 3-21-15,5 3-9 0,-1 3-2 16,4 1 0-16,3-1 32 0,1 4 0 0,3-1 0 0,3 1 0 16,4-1 0-16,4 1 0 0,3-1 0 0,7-3 0 15,4 1-12-15,6-4 3 0,5 0 1 0,6-6 0 16,4-3 8-16,10-3-10 0,4-7 10 0,3-3-10 16,-3-6-7-16,7-3-2 0,-3-3 0 0,-1-3 0 15,1-7-89-15,-1 0-17 0,1-3-4 0</inkml:trace>
-  <inkml:trace contextRef="#ctx0" brushRef="#br0" timeOffset="26436.184">17367 10265 2757 0,'0'0'122'0,"0"0"26"32,0 0-119-32,0 0-29 0,0 0 0 0,0 0 0 0,0-6 16 15,4 0-2-15,-1-7-1 0,1-2 0 0,3-4 2 16,0-6 0-16,4-4 0 0,-1-5 0 0,1-10 14 0,3-3 3 0,0-3 1 0,0-10 0 16,-3 1-33-16,3-7 0 0,-4-3-15 0,1 0 5 15,-1-3-33-15,-2 0-6 0,-5-4-2 0,4 7 0 16,-7 0 11-16,4 7 1 0,-4-1 1 0,3 7 0 15,-3 5 26-15,0 7 12 0,0 4-12 0,4 5 12 32,-4 7 8-32,0 3 10 0,3 6 2 0,1 7 0 0,-4 2-42 15,3 4-8-15,-3 6-2 0,4 6 0 0,-1 13-20 16,-3 3-4-16,4 9 0 0,-4 7-1 0,0 9 38 0,0 3 8 0,0 7 2 0,-4 2 0 16,4-2 28-16,0 2 5 0,0 1 2 0,0-7 0 15,4-3 46-15,-4-3 10 0,3-3 2 0,1-6 0 16,3-7-16-16,0-6-4 0,4-6 0 0,-1-6 0 15,4-7-51-15,0-3-13 0,1-3 0 0,2-6 0 16,4-7 0-16,-3-6 0 0,3-3 0 0,0-6 0 16,0 0 0-16,-3-3 0 0,0-4 0 15,-1 1 0-15,1-1-13 0,0 1-6 0,-4-1-1 16,0 4 0-16,-4-1 32 0,1 1 7 0,-7 3 1 0,3 3 0 16,-4 0-20-16,1 3 0 0,-1 0 0 0,1 6 0 0,-4 7-16 0,3-1-6 0,1 4-2 0,-4 6 0 31,0 6 4-31,3 4 0 0,1 5 0 0,-1 7 0 15,-3 7 6-15,4 5 2 0,-4 4 0 0,0 2 0 16,0 11 12-16,0-1 0 0,0 6 0 0,0 1 0 16,0-1 0-16,3 1 16 0,1 2-3 0,0-2-1 15,3-7-4-15,0 0-8 0,0-3 11 0,3-3-11 16,1-7-65-16,3-2-20 0,4-7-4 0</inkml:trace>
-  <inkml:trace contextRef="#ctx0" brushRef="#br0" timeOffset="26751.081">18588 9651 2428 0,'-28'19'51'0,"14"-13"10"0,-1 0-49 0,-2 3-12 0,-1-2 0 0,-3 5 0 16,-4 1 20-16,1 6 2 0,-1 3 0 0,-3 0 0 15,3 3 6-15,0 3 2 0,1 0 0 0,-1 3 0 16,4 4 27-16,0-1 6 0,6 4 1 0,-2-3 0 15,3-1-42-15,3 1-8 0,1 2-2 0,2-6 0 16,5-2-12-16,-1-7 0 0,4 3 0 0,4-10 0 16,-1-2 0-16,5-4 0 0,2-2 0 0,4-7 0 15,0-7 0-15,4-5-13 0,3-4 4 0,4-6 1 16,-4-3 8-16,4-9 0 0,-1-1-9 0,-2-2 9 16,-1-1-134-16,-7-3-22 0,-4 3-5 15,1 1-1-15,-7-1 54 0,-4 7 12 0,0 0 1 16,-4-1 1-16,-3 4-11 0,-4 0-3 0,1-4 0 0,-4 4 0 15,3 0 29-15,-3 0 6 0</inkml:trace>
-  <inkml:trace contextRef="#ctx0" brushRef="#br0" timeOffset="27112.64">18704 8999 3112 0,'7'18'65'0,"4"7"14"15,-4 4-63-15,4 5-16 0,-1 4 0 0,1 6 0 16,-4 3-29-16,0 6-9 0,0 0-2 0,-4 4 0 16,-3 2 29-16,0-2 11 15,-3 2-8-15,-1-5 8 0,1-1 0 0,-4-3 0 16,0-3 0-16,0-6 0 0,3-3 0 0,-3-10 0 0,4-3 0 0,-1-6 8 16,4-4-8-16,0-2 0 0,0-7 0 0,0-6 0 15,7-6-8-15,4-7-4 0,3-5 0 16,0-1 0-16,7-10 0 0,0 1 0 0,4-3 0 0,0 0 0 15,3 2-41-15,4-2-9 0,-1 6-2 0,1 0 0 16,0 3 24-16,-4 3 5 0,4 7 1 0,-7 2 0 0,-1 4 54 16,-3 9 12-16,-3 3 1 0,-7 7 1 0,-1 2-18 15,-3 4-3-15,-3 6-1 0,-8 4 0 0,-3 2 28 0,-7 3 4 0,-4 7 2 0,-6-3 0 16,-1 3-6-16,-7-1-2 0,-3 1 0 0,-4-3 0 31,0-4-5-31,1 1-1 0,-5-4 0 0,1-3 0 16,-4-3-157-16,0 0-32 15</inkml:trace>
-  <inkml:trace contextRef="#ctx0" brushRef="#br0" timeOffset="32041.375">22348 12310 2370 0,'-14'-3'49'0,"14"3"12"0,-7-4-49 0,4 1-12 0,3 3 0 0,-7-3 0 16,0-3 35-16,7 6 4 0,-4-3 1 0,4 3 0 16,0 0-40-16,0 0 0 15,0 0-12-15,0 0 4 0,0 0-2 0,0 0 0 0,0 0 0 0,-7 0 0 16,0 3 10-16,4 3-10 0,-5 4 10 16,1-1-10-16,0 7 10 0,0-1 0 15,-3 4 10-15,-1 3-10 0,1 0 10 0,-5 0-10 0,5 3 10 0,-4-3-10 16,0 3 16-16,3-6-4 0,0 3 0 0,1-3 0 0,3-7 13 15,0 1 3-15,0-4 0 0,3 1 0 0,1-4-16 16,3-6-4-16,0 0 0 0,0 0 0 0,0 0 20 0,0-10 4 16,0-5 1-16,3-1 0 0,1-6 2 15,3-6 0-15,0-7 0 0,3 1 0 16,5-10-15-16,-1 0-4 0,3-6 0 0,4-3 0 16,1-1-16-16,-1 1 10 0,3-7-10 0,-2 7 8 15,2 3-8-15,-3 0-11 0,1 6 3 0,-1 3 0 16,-4 7 8-16,5 2 0 0,-5 7 0 0,1 3-8 0,-4 7 8 15,4 2 0-15,-4 4 0 0,0 5-8 0,0 8 0 16,0 2 0-16,0 6 0 0,0 1 0 0,-3 9 8 0,3 3-8 16,0 6 8-16,-3-2-8 0,3 2 8 0,0-3-8 0,0 4 8 15,-3-1-8-15,3-3 8 0,-4-3-8 0,1 0 8 16,3-6-8-16,-3-3 16 16,-1-4 3-16,4 1 1 0,-3-7 0 15,3-3 6-15,0-3 2 0,0-6 0 0,0-3 0 16,4-1 9-16,0-6 3 0,-4-5 0 0,3 2 0 15,-3-3-24-15,1 0-8 0,-1 0 0 0,0-3 9 16,-4 3-1-16,1-3 0 0,0 0 0 0,-1 3 0 16,1 0 8-16,-1 0 2 0,1 3 0 0,-1 0 0 0,1 0-5 0,-4 7-1 0,4-1 0 0,-1 7 0 15,1 0-12-15,-4 6 0 0,0 6-9 0,-4 3 9 16,5 4-22-16,-5 6 2 0,1 3 0 0,-1 6 0 16,1 3 11-16,-4 4 9 0,3 6-12 0,-3-1 12 15,4 7 0-15,-4 0 0 0,3 4 0 0,1-1 0 16,-1 3 0-16,-3-3 0 0,4 0 0 0,3-3 0 15,-4-3 0-15,4-3 9 0,1 0-9 16,-1-4 12-16,3-5-12 0,4-1 0 0,0 1 0 0,0-7 8 16,4 0-95-16,0-7-19 0,-1 1-4 0</inkml:trace>
-  <inkml:trace contextRef="#ctx0" brushRef="#br0" timeOffset="32403.888">23675 12335 3326 0,'-21'3'95'0,"0"-3"19"16,-1 3-91-16,1-3-23 0,0 3 0 0,-4 3 0 15,4 4 0-15,-3-1-13 0,2 7 1 0,-2 3 1 16,3 3-35-16,3 6-7 0,-3 0-2 0,3 3 0 15,4 7 19-15,0-3 4 0,3 2 1 0,4 1 0 16,4-4 3-16,-1-2 1 0,1-4 0 0,6-3 0 16,1-6 12-16,-1-4 3 0,4-2 0 0,4-4 0 0,3-5 12 0,-3-1 8 15,6-3 0-15,1-7-8 0,-1 1 27 16,5-10-2-16,2 1 0 0,-3-7 0 31,1 0 12-31,-1-6 3 0,0-1 0 0,-3 1 0 16,-8 0-62-16,1 3-12 0,-4-3-2 0,-4 6-1 0,-6 0-15 0,-1 0-2 0,-3 3-1 0,-7 3 0 0,-3 4 25 15,-1 2 5-15,-7 7 1 0,-3 0 0 16,3 3 2-16,-3 3 1 0,3 4 0 0,1-1 0 16,2 0-79-16,5 0-16 0,6 1-4 0</inkml:trace>
-  <inkml:trace contextRef="#ctx0" brushRef="#br0" timeOffset="32685.711">24564 12012 2325 0,'-7'6'98'0,"-4"0"-78"15,4 1 98-15,-3 2 20 0,-4 0 4 0,3 4 1 16,-3-4-108-16,0 4-22 0,0 3-4 0,0-1-1 16,3-2-8-16,0-1 0 0,1 4 0 0,3 0 0 15,7-1-32-15,0 4-8 0,0 0-1 0,7 3-1 16,0 0 10-16,7 3 1 0,4 0 1 0,-1 0 0 15,4-3-10-15,8 3-3 16,-5-3 0-16,8 0 0 0,-4 0 31 0,8 0 12 0,-5 0-11 0,1 0 11 16,0-3-9-16,-4 3 9 0,0-4-8 0,-3 1 8 15,0 0-24-15,-4 3 0 0,-4-3 0 0</inkml:trace>
-  <inkml:trace contextRef="#ctx0" brushRef="#br0" timeOffset="33661.274">23146 10250 1698 0,'-7'-7'72'15,"3"1"-58"-15,1 0 85 0,-1 0 17 0,1 2 3 16,3 4 1-16,-7-6-83 0,3 0-16 15,4 6-3-15,-4-6-1 0,1 2-17 0,3 4 0 0,-4-6 0 0,-3 0 0 16,7 6 0-16,-7-3 0 0,0 0 0 0,0-1 0 16,0 1 24-16,-3 3 7 0,-1 0 1 0,-3 3 1 15,-4-3 11-15,1 4 1 0,-5-1 1 0,-2 0 0 16,-4 0-10-16,-1 3-3 0,-2-3 0 0,-5 4 0 16,1-1-9-16,-4 0-3 0,0 4 0 0,1-1 0 31,-1 4-1-31,0-1 0 0,0 1 0 0,4 2 0 0,0 4-12 15,-1 0-8-15,5 3 8 0,2 0-8 16,-2 0-8-16,6 3-7 0,4 3-1 0,3-3 0 0,4 3 16 0,3-2 0 0,4 2 0 0,4-3 0 16,6 0 0-16,1-6-9 0,6 3 9 0,5-7-8 15,2-2 8-15,1-1-8 0,3-2 8 0,4-4-8 16,-1 0 8-16,5-6 0 0,-1 0 0 0,0-3 0 16,0 0 0-16,-3-3 0 0,0 0 0 0,-4-4-8 15,-4 1-6-15,-2-4-1 0,-5 4 0 0,1-1 0 16,-4-2-1-16,-4 2-1 0,-3 1 0 0,0 3 0 15,-3-4 17-15,-1 4 0 0,-3 0 0 0,0 3 0 16,0 0 8-16,-3-1 4 0,-5 4 2 0,1 4 0 0,4-1-5 16,-4 3-1-16,0 3 0 0,-1 4 0 15,5-1-8-15,3 1 12 0,-4 3-12 0,4 2 12 16,0 1-1-16,7 0 0 0,-3 3 0 0,3 3 0 16,7 0 20-16,0 0 4 0,3 0 1 0,4 4 0 0,4-1-24 0,3-3-4 0,4 3 0 0,3-3-8 15,4 0 8-15,3-3-8 0,4 0 0 0,0-6 0 16,3-4 11-16,4-2-2 15,0-4 0-15,3-3 0 0,-3-3-9 0,3-3 0 0,1 0 0 0,-4-3 0 32,-8-7-143-32,-2 1-21 0,-5-1-4 0</inkml:trace>
-  <inkml:trace contextRef="#ctx0" brushRef="#br0" timeOffset="33884.586">23417 10369 2052 0,'18'-22'43'0,"-14"12"9"0,-1 4-42 16,-3 6-10-16,0 0 0 0,0 0 0 0,0 0 84 0,0 0 16 0,0 0 2 0,0 6 1 16,0 4-47-16,0 5-8 0,0 1-3 0,0 3 0 15,0 6-17-15,-3 0-3 0,3 3-1 0,-4 4 0 16,1-1-13-16,-1 4-3 0,0 2-8 0,-3 1 12 16,4-1-12-16,-4 1 0 0,3 3 8 15,-3 0-8-15,0-1 0 0,0-2 11 0,4 3-11 0,-4-7 10 16,3-2-10-16,-3-7 0 0,3 0 0 0,1-3 8 15,-4-7-98-15,7-2-20 0,-4-4-4 0</inkml:trace>
-  <inkml:trace contextRef="#ctx0" brushRef="#br0" timeOffset="34037.717">22952 10488 2944 0,'0'0'61'0,"10"-3"15"0,1 0-61 15,3 3-15-15,4-4 0 0,3 4 0 16,4 4 0-16,6-4-10 0,5 6 2 0,2-3 0 0,1-3 8 0,3 0-10 0,4 0 10 0,0 0-10 31,0 0-145-31,-4 0-29 0,4 3-5 0</inkml:trace>
-  <inkml:trace contextRef="#ctx0" brushRef="#br0" timeOffset="34225.796">23403 11062 2010 0,'-7'25'84'16,"4"-3"-67"-1,3 3 102-15,3-6 20 0,4 3 4 0,4 0 1 0,7-4-76 0,3 1-14 16,7 0-3-16,4-3-1 0,-1-1-8 0,8-5-2 0,4-1 0 0,2-6 0 16,1 0-112-1,4-3-24-15,-1-6-4 0,-3 0 0 0,3-4-153 0,-6 1-31 0,2-3-5 0</inkml:trace>
-  <inkml:trace contextRef="#ctx0" brushRef="#br0" timeOffset="34841.183">22419 8729 3013 0,'0'3'133'0,"4"6"28"0,-1 1-129 16,4 2-32-16,0 4 0 0,4 3 0 15,-4 3 0-15,0 3-22 0,3 6 3 0,1 1 1 16,0 2-21-16,-4 4-4 0,3 2-1 0,1 1 0 16,-4 3 1-16,-4 6 0 0,1 0 0 0,0 1 0 15,-1-4-4-15,-3 3-1 0,4-3 0 0,-1-3 0 16,1-3-8-16,-1-7-1 0,1 1-1 0,3-10 0 0,0-7-15 0,0 1-3 0,0-9-1 0,3-4 0 16,1-9-81-16,3-3-16 0</inkml:trace>
-  <inkml:trace contextRef="#ctx0" brushRef="#br0" timeOffset="35071.766">23347 8434 2989 0,'0'16'62'0,"-4"6"15"0,4 3-61 0,0 9-16 0,0 1 0 0,0 9 0 16,-3 3 0-16,-1 6 0 0,1 0 0 0,-4 7-10 15,3 0-8-15,-6-1-2 0,3 4 0 0,-1 0 0 16,1-4-21-16,4-2-5 16,-4-1-1-16,3-3 0 0,1-3 34 0,3-6 13 0,0 0-11 0,0-6 11 15,0-7-12-15,0-3 3 0,0 1 1 0,-4-7 0 16,4-7-100-16,-3 1-20 0,-1-10-4 16</inkml:trace>
-  <inkml:trace contextRef="#ctx0" brushRef="#br0" timeOffset="35241.452">22278 9121 2914 0,'0'0'123'16,"0"0"-99"-16,7 6 4 0,4-3 0 0,3 0 0 0,7 4 0 15,7-4-28-15,7 0-20 0,4-3 3 0,11 3 1 31,-1-3-36-31,11-3-6 0,3 0-2 0</inkml:trace>
-  <inkml:trace contextRef="#ctx0" brushRef="#br0" timeOffset="35810.314">23717 9691 3298 0,'0'0'139'15,"4"-9"-111"1,-1-3 8-16,4-4 3 0,-3-6 0 0,6-3 0 16,-2-7-39-16,2-2-20 0,1-1 3 0,-1-8 0 15,4-1-30-15,-3-6-5 0,3-4-2 0,0-5 0 16,0 2 4-16,0-2 1 15,1-4 0-15,-1 6 0 0,0 4 34 0,0 3 15 0,0 6-12 0,0 3 12 16,-3 7 0-16,3 6 0 0,-4-1 14 0,1 11-4 0,-4 2-10 0,0 7 0 0,0 5 0 0,0 4 0 16,-3 10-24-16,3 5 4 0,0 4 0 0,-4 6 0 15,1 7-17 1,-1 5-3-16,1 4-1 0,-1 3 0 0,-3 0 24 0,4 3 5 0,0 0 0 0,-1-3 1 31,1-7 11-31,-1 1 11 0,1-3-3 0,6-7 0 0,-3-6 18 0,7-3 3 0,0-7 1 0,1-6 0 16,6-6 0-16,3-6 0 0,5-6 0 0,-1-7 0 31,7-9 5-31,4-4 1 0,3-9 0 0,1 1 0 16,-1-1-36-16,0-3 0 0,1-3 0 0,-5 3 0 15,-2-3-11-15,-5 3-9 0,-2-3-1 0,-1 0-1 16,-3 3 10-16,-4 3 1 0,0 1 1 0,0 2 0 0,-7 7 10 0,4 2 0 16,0 4 0-16,-4 10 0 0,-4-1 0 15,4 10-8-15,-3 3 8 0,-4 6-8 16,4 9-17-16,-4 4-3 0,0 3-1 0,0 9 0 0,-4 3 29 0,4 7 0 0,-3 3 0 0,-1 3 0 15,1 0 0 1,-4 3 10-16,3 3-2 0,-3 0 0 0,4 0-8 0,-1-3 0 0,1 3 0 0,3-6 0 16,0 0 0-16,0-6-11 0,4-4 3 0,-4-2 0 15,3-10-127-15,1-1-25 0,3-5-4 0</inkml:trace>
-  <inkml:trace contextRef="#ctx0" brushRef="#br0" timeOffset="36014.884">25520 8494 1751 0,'11'-10'74'16,"-1"7"-59"-1,1 3 58-15,-4 6 12 0,3 4 3 0,-3 2 0 16,0 10-39-16,-3 3-7 0,0 4-2 0,-4 5 0 16,3 4-11-16,-6 3-2 0,3 2-1 0,-4 4 0 15,0 0-11-15,-3 1-3 0,0-1 0 0,0 0 0 16,0 0-3-16,-3-3-1 0,-1-1 0 0,-3-2 0 15,0-3-44-15,-4-4-8 0,-3-5-3 16,0-1 0-16,0-9-187 0,-4-4-38 0</inkml:trace>
-  <inkml:trace contextRef="#ctx0" brushRef="#br0" timeOffset="36187.099">24927 8704 2184 0,'4'-28'45'0,"-4"2"11"0,7 8-44 0,-4-1-12 0,8 3 0 15,-4 4 0 1,4 2 24-16,-4 4 4 0,7 6 0 0,-4 0 0 0,4 3 54 0,4 3 11 0,3 1 3 0,0-1 0 16,4 3-49-16,3 1-10 0,8-1-1 0,-5 4-1 0,5-1-45 0,-1 1-9 0,0 2-1 0,1 1-1 47,-12 0-234-47,1-1-46 0</inkml:trace>
-  <inkml:trace contextRef="#ctx0" brushRef="#br0" timeOffset="36334.267">25167 9140 1839 0,'-10'28'77'16,"-1"-3"-61"0,7 3 56-16,1 0 11 0,3 1 2 15,0-4 1-15,7 0-68 0,4-3-18 0,-1 3 0 0,8-6 0 16,-1-1-24 0,5-2-12-16,2-3-1 0,5-4-1 15,2 0-40-15,1-5-8 0,3-4-2 0</inkml:trace>
-  <inkml:trace contextRef="#ctx0" brushRef="#br0" timeOffset="49820.644">8911 8005 1682 0,'-95'-51'35'0,"56"33"9"15,-10-4-36-15,-4 0-8 0,-4 0 0 0,-6 0 0 0,-1 3 11 16,1 6 0-16,-4 1 0 0,-4-1 0 16,1-2-47-16,-1-1-10 0,1-3-2 0,-1 0 0 15,1 4 11-15,2-1 1 0,1 0 1 0,0 1 0 0,4-4 55 0,-1-3 10 0,1 0 2 0,-4 0 1 16,-4 3 27-16,1-3 4 0,-1 3 2 0,-3 4 0 16,-3-1-10-16,-1 0-3 0,-3 4 0 0,0 2 0 15,0 1-39-15,-1 6-14 0,-2 0 9 0,3 3-9 16,-1 3 0-16,-2 3 0 0,3 4-14 0,-4-1 5 15,4 4 9-15,-7-1-13 0,3 1 5 0,0 2 8 16,1 1-9-16,-1 6 9 0,0 0 0 0,1 6 0 16,2-3-8-16,1 7 8 0,0 2 0 0,4 1 0 15,-8 8 0-15,4 1-8 0,0 6 8 0,3 1 0 16,-3 5 0-16,3 7 0 0,1 0 0 0,6 2 0 0,1 7-12 16,3 7 2-16,7-1 0 0,0 4 0 15,3 2 10-15,4 4-12 0,4 0 12 0,-1 0-12 16,5 3-16-16,2 3-4 0,4 3-1 0,1 3 0 0,2 1 24 0,-2 5 9 15,2 4 0-15,8-3-9 0,-7 6 9 16,3-1 16-16,4 1-4 0,7 0-1 0,-1-3 22 16,8 3 5-16,4 0 1 0,3 0 0 0,3-4-29 0,8 1-10 0,3-3 0 0,3-4 9 15,-3 1-9-15,8-7 0 0,2 0 9 16,1 3-9 0,7-2 11-16,-4 2-3 0,3 3 0 0,5-2 0 15,-1 5-8-15,4 1 0 0,-1 3 0 0,1-4 0 16,7 4 0-16,0 0 0 0,3-1 0 0,0 1 0 15,4 0 0-15,4 3-9 0,-1 0 9 0,0 0 0 16,4-4-37-16,4 4-1 0,-1-3 0 0,4 0 0 16,0-4-28-16,0-2-6 0,7-1 0 0,-3-6-1 0,6-3 5 0,1-6 0 15,6-3 1-15,1-4 0 16,-4-2 50-16,7-4 17 0,-7 0-12 0,11 1 12 0,0-4-9 0,-1 0 9 0,8 0-8 0,-4-3 8 16,0-9 0-16,1-4 14 0,-1-6-2 15,0-3 0-15,0-9 66 0,0-4 13 0,4-5 2 0,-4-4 1 16,4-7 2-16,0-5 0 0,3-4 0 0,-3-6 0 15,3 1-21-15,0-11-4 0,-3 4-1 0,0-6 0 16,-1-4-25-16,-2-2-5 0,-1-4 0 0,-4-3-1 16,1-3 11-16,0-3 2 0,-4-4 1 0,4-5 0 15,-4-7-17-15,3-3-3 0,-3-4-1 0,4-8 0 16,0-4 0-16,3-9-1 0,-3-3 0 0,3-4 0 16,0-2-31-16,0-1-18 0,0-2 2 0,-3-1 1 15,-4-6-1-15,-3-3 0 0,-4-6 0 0,-3 3 0 16,-1-1 16-16,-6-2 0 0,-1 3 0 0,-6 0 0 0,-1-1 0 0,-3 1 0 15,-4 0 9-15,1 0-9 16,-1 0 11-16,4-4-11 0,-4 1 12 0,1 0-12 16,-8-4 0-16,0-3 0 0,1-2 0 0,-8 2-9 15,0-3-11-15,-6 4-1 0,-1-4-1 0,-4 3 0 16,-2 4 22-16,-5-1 0 0,1 7 0 0,-8 0 0 16,1 0 44-16,-4 3 3 0,0 0 1 0,-3-3 0 15,-4 2 10-15,-4-5 2 0,-3 3 1 0,0-3 0 16,-4-4-25-16,1 4-6 0,-1-4-1 0,-3-2 0 0,-7-4 5 0,0-6 1 0,-4 0 0 0,-7 0 0 31,-3-3-48-31,0 0-10 0,-7-4-1 0,-1 4-1 0,-3 0 14 0,0 3 11 16,-3 0-13-16,3 3 5 0,-3 3 8 0,-1 4 0 0,5-1 10 0,-5 10-10 15,1 6 0-15,-1 10 0 0,1 2 0 0,-11 7-10 16,-18 9-59-16,-10 4-12 16,-14 2-3-16</inkml:trace>
-  <inkml:trace contextRef="#ctx0" brushRef="#br0" timeOffset="51537.143">27330 10237 3112 0,'7'-38'131'16,"3"1"-105"0,-3 2 8-16,4-2 2 0,-4 2 0 0,0-2 0 15,0 2-36-15,0-3-22 0,0 1 3 0,-3-4 1 0,3-3 0 0,-7-3 0 16,3 0 0 0,1-6 0-16,-1 0 18 0,-3-1 0 15,4-5 0-15,-4-1 0 0,-4-3 0 0,4 1 12 0,-7-7-1 0,4 3-1 16,-8-3 13-16,1 0 2 0,-4 3 1 0,-4-6 0 15,0 0-26-15,1-7 0 0,-5 4 0 0,-2-3 0 16,-4-1-19-16,-4 4 4 0,0 0 1 0,-7 3 0 16,-3 3-4-16,0 0-1 0,-8 3 0 0,1 3 0 31,-4 0-16-31,-4 4-3 0,1 2-1 0,-7-2 0 0,-1 2 12 0,-3-2 3 0,-4-1 0 0,-6-2 0 16,-1 2-23-16,-3-3-4 0,-4 1-1 0,-3 2 0 31,0 4 7-31,0 2 1 0,0 1 0 0,3 6 0 0,-3 3 60 0,7 3 13 0,-1 4 3 0,1 5 0 15,0 4-11-15,0 6-1 0,3 3-1 0,-6 10 0 16,3 3-5-16,-4 9-1 0,-3 0 0 0,-4 6 0 16,0 4-13-16,-3 3 0 0,0 2 0 0,-4 4 0 15,0 3 0-15,-3 7 9 0,3-1-9 0,-3 4 8 16,-4 5-8-16,4 4 0 0,3 3 0 0,-7 0-11 16,0 3 19-16,-3 4 3 0,0-1 1 0,3 0 0 0,0-2 3 0,7 2 1 15,-3 3 0-15,7-2 0 16,-4-1 0-16,7 3 0 0,-3 1 0 0,7-1 0 0,-4 10-7 15,7 6-1-15,1 0 0 0,-1 10 0 0,0-1-8 16,4 7 8-16,-4 3-8 0,-3 0 8 0,4 3-8 0,-8 3 0 0,0 0 9 16,0 1-9-16,8 2 0 0,3 3 0 0,-1 1 0 0,12 6 0 15,10-4 0-15,7 7 8 0,11-3 0 0,-1 6 0 16,1 0-8-16,3 0 0 0,0 6 0 0,4-3 0 31,0 7 0-31,7-1-8 0,-1 4 8 0,15-38-12 16,4 9 12-16,3 7-12 0,7 2 12 0,3 7-12 0,4 7 4 0,-3 5 0 0,-18-2 0 0,0-4 0 15,7 7 8-15,7-1-8 0,14 7 8 0,3 0-8 16,8-4 8-16,0 4 0 0,21 57 0 0,-1-20 0 16,1-18-8-16,4-7 0 0,3-9 0 0,7-6 0 15,14-7 8-15,10-3 0 0,12-2 0 0,-1-8 0 16,4-11 0-16,3-10 0 0,0-7 0 0,0-5 0 0,4-10 0 0,0 0 11 16,3-7-3-16,8-8 0 0,3-7-8 0,7-3 0 0,7-10-10 15,3-3 10-15,5-5 0 0,6-11 12 0,3 1-1 16,8-7 0-16,0-9 1 0,7-9 1 15,3-4 0-15,0-2 0 0,-3-7-4 0,4-3-1 0,-5-4 0 0,1-2 0 16,-7 0 17-16,0-4 3 0,-8-2 1 0,1-1 0 16,-11-3-1-16,-3-3 0 0,-1-3 0 0,-6-3 0 15,-8-3 14-15,-3 0 2 0,0-7 1 0,-7-3 0 32,0 1-17-32,-4-7-4 0,-3 0-1 0,0-7 0 15,-4-2-15-15,-3-4-8 0,0-2 8 0,-7-4-8 0,-1-3 0 0,-2-3 0 0,-1-3 0 16,-7-4 0-1,0-5 0-15,-7-1 0 0,-3-3 0 0,-4-2 0 16,-4-8 0-16,-3 1 0 0,-3-6 0 0,-8-1 0 16,-3-5 0-16,-4-1 0 0,1-6 0 0,-8 0 0 0,-3-3 0 0,-4 0 0 15,0-3 0-15,-3-4 0 0,-4 1-9 0,-4-4 9 0,-2 4-10 0,-1-3 10 16,0-1-14-16,-4-3 3 16,-3 4 1-16,1-1 0 0,-5 1 10 0,1-1 0 0,-4 4 0 0,-4 3 0 15,-3 3-13-15,-4 9-1 0,-3 0 0 0,-3 7 0 16,-5 3 14-16,-6-1-11 0,0 4 11 0,-11 6-10 15,-10 0 10-15,-8 7 0 0,-10-1 0 0,-10 1 0 16,-15 2-119-16,-14 1-18 0,-7-1-4 0,-14 10-1 16,-7 9 3-16,-7 7 1 0,-3 6 0 0</inkml:trace>
-  <inkml:trace contextRef="#ctx0" brushRef="#br0" timeOffset="57319.742">3690 10607 2336 0,'-14'0'48'0,"14"0"12"0,-4 0-48 0,4 0-12 16,0 0 0-16,0 0 0 0,0 0 38 0,0 0 5 0,0 0 1 0,0 0 0 16,11-3-34-16,0 0-10 0,6 0 0 15,-3-4 0-15,8 4 8 0,-1-3-8 0,3 3 0 16,1 0 0-16,0 0 0 0,-1 3 0 0,1 0 0 0,0 0 0 16,3 0 0-16,0 0 0 0,4 0 0 0,0 3-9 15,3-3 9-15,4 3-8 0,3 3 8 16,-3-3-8-16,3 4 8 15,1-4 0-15,3 0 0 0,-1 0 0 0,5 0 0 0,3 0 0 0,7-3 0 0,-4 0 0 16,8 3 0-16,-1-3 0 0,1 0 0 0,3 0 0 16,3 0 0-16,1 3 0 0,3-3 0 0,0 4 0 15,0-1 0-15,4 0-10 0,-4 0 10 0,3 3 0 16,-3 1-11-16,0-1 11 0,1-3-10 0,2 3 10 16,-3 0 0-16,4-2-9 0,-1 2 9 0,1-3 0 15,3 3 0-15,-3-3 8 0,3 1 0 0,0-4 0 0,4 0 23 16,-4-4 5-16,4-2 0 0,-1 0 1 0,1 3-26 0,3-4-11 15,-3 4 8-15,3-3-8 16,-7 0 20-16,0 0 0 0,0-4-1 0,1 4 0 16,-5-4-19-16,1 4 0 0,-1 0 8 0,-3 0-8 15,-3 3 0-15,-4-4 0 0,0 4 8 0,-7 0-8 16,4 3 0-16,-4 0 0 0,-1 0 0 0,-2 0 0 16,-1 0 9-16,-3 0-1 0,0 0-8 0,-3 0 12 15,-1 0 17-15,4 0 3 0,-4 0 1 0,4-3 0 16,-7 3-20-16,0-3-4 0,-4 0-1 0,1-4 0 15,-1 4 2-15,0-3 0 0,1 0 0 0,-5 2 0 0,1-2 3 0,-4 3 1 16,1 0 0-16,-4 0 0 0,-4 0-14 0,0 0 0 16,-3-1 0-16,-4 1 0 0,-4 3 0 0,5-3 0 0,-5 3 0 15,1 0 0-15,0 0 0 0,-1 0 9 0,-3-3-9 0,4 3 8 32,-4 0-8-32,4 3 0 0,-4-3 0 0,0 3-11 15,-4-3 11-15,1 3 0 0,3 1 0 0,-3-1 0 16,-4 0 0-16,-4 0 9 0,4 0-1 0,0 0-8 0,-3 3 0 0,3-2 0 0,-3 2 0 15,3-3 0 1,-7 3 0-16,3 1 0 0,1-1 0 0,-1 0 0 16,-3 0 11-16,4 4-11 0,-4-4 10 0,3 3-10 0,1 1 12 15,-4 2-3-15,0-2-1 0,3-1 0 0,-3 1-8 16,4 2 0-16,3-2 0 0,-7 2-11 0,3 1 11 0,1 2 0 0,-1 1 0 16,1 0 0-16,0-1 0 0,3 4-10 0,-4 0 10 15,1 6 0-15,-1-3-16 16,1 6 3-16,-1 4 1 0,1-1 0 15,-4 0 12-15,7-2 16 0,-4 2-3 0,1 0-1 0,-4-3 7 0,3 4 1 0,-3-4 0 16,-3 0 0-16,3 0-20 0,-4 1 0 16,1 2 0-16,-1-3 0 15,1 0 10-15,3 1-2 0,-4-1 0 0,4-3 0 16,-3 0-8-16,-1 0 0 0,1 0 0 0,-1-3 0 0,1 0 0 0,-1 0 16 0,4 0-2 0,-3 0-1 16,-1 0-13-16,0-3 11 0,1 0-11 0,-1 3 10 15,1-7-2-15,3 1-8 0,-4 0 12 0,1-4-4 16,-1 4-8-16,-3-4 0 0,0-2 0 0,0 2 8 15,4-2-8-15,-4-1 0 0,0 0 9 0,-1-2-9 16,-2-1 8-16,3 0-8 0,-4 1 8 0,-3-1-8 16,0-3 8-16,-4 3-8 0,1 1 8 0,-1-1-8 15,-3-3 0-15,0 0 8 0,3 3-8 0,-7-3 0 16,1 1 0-16,-1-1 0 0,-3 0 0 0,-4 0 0 16,-3 0 0-16,0 0 0 0,-4 0 0 0,-4-3 0 15,5 0 0-15,-5 4 0 0,4-4 0 0,-3 0 0 0,0 3 0 0,-1-3 0 0,-2 0 0 0,-1-3 0 16,-4 3 0-16,1-4 8 0,0 1-8 0,-4 0 8 15,0 3-8-15,0-3 12 0,-4 3-4 0,-3 0 0 16,0 3-8-16,0-3 0 0,0 3 0 0,-7 0 0 16,0 1 0-16,-3-1 0 0,-1 0 0 0,1 0 0 15,-4 0-12-15,3 0 4 16,1 0 0-16,-1 1 0 0,-7-1 8 16,4-3 0-16,-3 0-9 0,-1 0 9 0,0 0 0 15,-3-3 0-15,0 3 0 0,4-4 0 16,-1 1 0-16,0 3 0 0,1-3 0 0,-1 3 8 0,1 0-8 15,-1 0 0-15,4 0 0 0,-7 0 8 0,0 0 6 0,-1 0 1 0,-6 0 0 16,4-3 0-16,-5 3-23 0,1 0-5 0,0 0-1 0,3 0 0 16,1 0 14-16,2-3 0 0,5 3 0 0,-1-3 0 15,1 0 0-15,-1-1 0 0,0-2 8 0,1 3-8 16,-1 0 0-16,4 0 8 0,-3 0-8 0,-1 3 0 16,4-4 10-16,3 4-10 0,-3 0 8 0,7 0-8 15,0 0 0-15,0 4 0 0,4-1 0 0,3 0 0 16,-11 3 0-16,8 0 0 0,-1 1 0 0,-3-4 0 15,11 3 0-15,-1-3 0 0,8 4 0 0,-4-4 0 0,3 3 0 0,8-3 0 0,-4-3 0 0,4 3 0 16,3-3 0-16,4-3 8 0,3 3-8 16,4-3 8-16,0 0-8 0,3 3 0 0,4 0 0 0,3-3 0 15,1 3 0-15,2-3 0 0,1 3 0 0,0-4 0 16,7 1 0-16,-3 0 8 0,6 3-8 0,-7-3 8 31,4 0-8-31,4 0 0 0,-4 0 9 0,3-4-9 16,1 1 8-16,3 0-8 0,-7-1 10 0,3 1-10 15,4-3 8-15,0-1-8 0,0-2 0 0,0-1 0 16,4-2 10-16,-4-4-10 0,7 3 10 0,-4-6-10 0,4 0 0 0,-3 3 0 0,6-6 0 0,1 0 0 16,-7 0 0-1,6 0 0-15,1-3 0 0,-1 0 0 0,1-4 13 0,-1 1-3 0,5-4-1 16,-1-2 0-16,0-1-9 0,3-3 0 0,-6 4 0 0,7-4 0 16,-1 0 0-16,-6-3 0 0,7 4 0 0,-8-4 0 15,4 0 0-15,4-3 0 0,-8 3 0 0,5 0-11 16,-1 3 11-16,-4 4 0 0,4 2 0 0,-3 4 0 15,0-1 0-15,-1 4 0 0,4 3 0 0,-3 0 0 0,3 0 0 16,4 0 0-16,-8 3-12 0,1-3 4 16,6 3-35-16,-3-3-6 0,4 3-2 0,-4 3 0 15,0 0 21-15,-3 7 4 16,-4 5 1-16,-4 1 0 0,-3 6-107 0,0 6-22 0,-3 4-4 0</inkml:trace>
-  <inkml:trace contextRef="#ctx0" brushRef="#br0" timeOffset="65501.741">21802 10087 1964 0,'3'-19'83'0,"1"0"-67"16,-1 0-16-16,-3 0 0 0,7 4-11 15,-3-1 11-15,-4 0 0 0,3 4 0 0,1-4 0 0,-1 4 0 16,-3-1 0-16,4 0 12 0,-4 1 0 0,3-1 0 15,-3 1 28-15,0 2 6 0,0 1 1 0,0 3 0 16,0 6 14-16,0 0 3 16,0-7 1-16,0 7 0 0,0 0-9 0,0 0-1 0,0 0-1 15,0 0 0-15,0 0-46 0,0 0-8 0,-7 0 0 0,0 4 0 16,0 2 0-16,4 3 0 16,-4 4 0-16,0-1 11 0,0 4-11 0,0 3 0 0,0 0 0 0,-4 3 0 15,0 6-14-15,1 0-5 0,-4 7-1 0,3-1 0 16,-3 4 32-16,0 6 7 0,0-1 1 0,0 4 0 0,-4 4-10 0,4-1-2 0,0 3 0 15,0 0 0 1,0 1-8-16,-1-1 8 0,1 0-8 0,0 1 8 16,0-4-8-16,4 3 0 0,-5-3 0 0,1 0 0 15,4-3 0-15,-4 1 0 0,3-1 9 0,0-4-9 0,1-2 26 16,6 0 1-16,-3-3 0 0,4-4 0 16,3-3 2-16,0 1 1 0,3-4 0 15,1-3 0-15,3-3-30 0,0 0 0 0,0-3 0 16,4-7 0-16,-1-2-40 0,1-4-13 0,3 0-3 0,0-6-1 15,0-9-110-15,0-1-21 0,4-5-5 0</inkml:trace>
-  <inkml:trace contextRef="#ctx0" brushRef="#br0" timeOffset="66599.008">21382 9914 2682 0,'-7'-3'119'0,"0"0"24"0,7 3-115 15,0 0-28-15,0 0 0 0,0 0 0 16,7 3-28-16,7 0-11 0,0 3-2 0,7-2-1 0,4 2 30 0,3 0 12 0,4-3-8 0,0 3 8 15,3-2 0-15,0-1 0 0,0-3 0 0,1 0 0 16,3 0 13-16,-1 3 8 0,-2-3 2 0,6 0 0 16,4 0 14-16,0 0 3 0,3 0 1 0,8 0 0 0,6 0-17 0,4-3-4 15,7 3-1-15,7-3 0 16,0-1-10-16,8 1-1 0,2 0-8 0,5 0 12 0,2 0-12 0,1 3 0 0,3 0 8 16,4 0-8-16,4 0 0 0,-1 3 0 0,0 3-12 0,4 1 12 15,0-1 0-15,4 3 0 0,-5-2 0 0,5 2 0 31,-1 0-12-31,-3 4 12 0,4-1-12 0,-1-2 12 16,-3-1-14-16,3 1 4 0,-6-1 1 0,3-3 0 16,3-3 9-16,4 1-8 0,0-1 8 0,3-3-8 15,-3-3 8-15,4-1 9 0,3-2-1 0,-7 0-8 16,3 0 12-16,-3 3-12 0,0-4 12 0,-7 4-12 16,0 3 13-16,-4 0-4 0,1 0-1 0,-8 3 0 15,-3 0 4-15,-8 4 0 0,-2 2 0 0,-5 0 0 16,-6 1-12-16,-4-1-17 0,-4 1 4 0,-3-1 1 15,-7 4 12-15,-7-4 0 0,0 4 0 0,-7-1 0 16,-4-2 0-16,-3-1 0 0,-7 0 0 0,0 1 0 16,-4-1 23-16,-3-3 7 0,-4 4 2 0,0-1 0 0,-7 1-15 15,0-1-2-15,-7 0-1 0,0 4 0 0,0 3-3 16,-3 3-1-16,-4 2 0 0,0 1 0 16,-4 7-10-16,1-1 12 0,-4 3-12 0,-4 7 12 0,1-4-12 0,-1 1 0 0,-3 6 0 15,-4-4 0-15,4 1 0 0,-3-1 0 0,-1 1 0 0,4 0 8 16,-4 2-8-16,1 1 0 0,-1 0 0 0,0-3 0 15,1-1 26-15,-1 1 3 0,4-4 1 0,-4 1 0 16,-3-1-30-16,3 4-13 0,1-4 1 0,-4 4 0 16,3-3 12-16,0 2 0 0,1-2 9 0,-1-1-9 15,0-2 8-15,-3-4-8 0,4 0 0 0,-1-3 9 16,4-3-9-16,0-3 12 0,0 0-12 0,0-4 12 16,3-2-12-16,-3-4 0 0,3 1 0 0,1-4 0 15,-1 0 0-15,4-3 0 0,-4 0 0 0,4-3 0 16,-3 0 0-16,-1 0 0 0,1-3 0 0,-4-3 8 0,3 3 1 0,-3-6 0 15,0 2 0-15,0-2 0 0,-4-1 0 0,-3 1 0 0,-4-4 0 0,0 1 0 16,1 3-1-16,-4-4 0 0,-1 0 0 0,1 1 0 16,-4-1-8-16,-3-2 0 0,0 2 0 0,-4-3 0 15,-3 1 0-15,-1 2-9 0,-6-2 9 0,0-1-13 32,-4 0 13-32,0 4 0 0,0-1 0 0,-7 1 0 0,-4-4 0 0,1 3 0 0,-4-2-8 0,-4 2 8 31,4-3 0-31,0 4 0 0,0-1 0 0,-7 1 0 15,0-4 0-15,-4 4 0 0,-3-1 0 0,-3 1 0 16,-1-4 0-16,-7 6 0 0,0 1 0 0,-3 0 0 0,-4-1 0 16,1 1 0-16,-1 3 0 0,-7-1 0 0,0 4 0 0,0 0 0 0,-3 3 0 0,0-3 0 15,-1 3 0-15,4-3 0 0,4 3 9 0,-4-3-9 16,4 3 12-16,3-4-3 0,0 1-1 16,1 0 0-16,2-3 0 0,1 0-8 0,0-1 12 0,3-2-4 15,4 0 14-15,-4-1 2 0,4 1 1 0,0-1 0 16,0-2-25-16,0 2 0 0,3 1 0 0,-3 0 0 15,3-1 0-15,0-2 0 0,1 2 0 0,3 1 0 16,6-1 0-16,1 4 0 0,7 0 0 0,-3 0 0 16,3-1 0-16,0 4 0 0,3-3 0 0,1 3-11 0,-1-3 11 15,1 2-13-15,3-1623 5 0,0 3245 8 0,3-1621-25 0,4 0 2 16,0 0 1-16,8-1 0 16,2 4-3-16,4 0-1 0,4-3 0 0,0 6 0 15,7 4-114-15,3-1-22 0,0 7-5 16</inkml:trace>
-  <inkml:trace contextRef="#ctx0" brushRef="#br0" timeOffset="78543.101">12111 8541 2476 0,'-14'6'110'0,"0"0"22"0,0 1-105 0,-4-1-27 0,4 0 0 0,0 0 0 15,0-2 8-15,-1-4-8 0,1 0 0 0,0-4 8 16,-3-5 0-16,2 0-8 0,-2-4 12 0,-4-6-4 16,0-3 11-16,-4 0 1 0,-3-3 1 0,-1-3 0 15,-6-3-21-15,0-4 0 0,0 1 0 0,-1-1 0 16,1 7 9-16,-4 9-9 0,4 0 12 0,0 4-12 15,3 2 38-15,0 4 1 0,0-1 0 0,4 4 0 0,3 3-23 0,-3 0-4 16,4 6 0-16,2 0-1 0,5 3-11 0,3 1-17 16,0 2 4-16,6 4 1 15,5-4-41-15,3 7-8 0,7-4-2 0,0 1 0 16,7 2 11-16,4 1 1 0,3 0 1 0,0-4 0 0,4 4 32 16,0-4 6-16,3 1 2 0,3-4 0 0,-2 4 10 0,6 0 0 0,-3-4 0 15,3 0 0-15,-3 1 0 0,3-1 0 0,-3 1 10 0,0-4-10 16,-4 3 8-16,-4 1-8 0,-2-1 0 0,-5 4 9 15,-3-1-9-15,-3 1-9 0,-4 2 9 0,-3 1-13 16,-12 6-7-16,1 0 0 0,-7 3-1 0,-7 3 0 0,-7 4 21 0,-7 2 0 0,-8 4 0 0,-3 2 0 16,-6 1 10-16,-1 6 0 0,-7 0 0 0,-4 3 0 15,-3 4-2-15,-7-1-8 0,0 7 12 0,3-4-4 16,1-3-8-16,3 1 8 0,0-1-8 0,10-6 8 16,8-3 16-16,10-3 4 0,4-4 0 0,10-5 0 31,8-7-7-31,9-3-1 0,1-7 0 0,14-2 0 15,4-1-32-15,3-2-8 0,11-4 0 0,3-3-1 16,4-3 33-16,3-3 8 0,4 0 0 0,0-3 1 0,0-1-10 16,-1-2-3-16,1 3 0 0,0-4 0 15,0 1 0-15,-4 3 0 0,4-1 0 0,-4 1 0 0,0 3 14 16,-3 3 2-16,0 0 1 0,-7 3 0 0,-1 7-1 0,-6 2-1 16,0 4 0-16,-8 3 0 15,-6 6-23-15,-4 6 0 0,-4 4 0 0,-6 5 0 16,-8 7 0-16,-10 7 0 0,-4 2-12 0,-7 4 4 0,-7 2 8 0,-3 7 0 0,-4 0 0 0,-7 3 0 15,0 7 8-15,-3-4-8 0,-4 7 10 0,7-4-10 16,3 0 9 0,4-2-9-16,4-4 8 0,6-6-8 15,12-4 21-15,2-5-1 0,5-10 0 0,10 0 0 16,3-6-9-16,8-7-3 0,6 1 0 0,4-4 0 0,11-6-8 0,-1 0 0 0,8-6 0 0,7-3 0 16,7-4 0-16,10-3 0 0,4-2 0 0,3-4 0 15,8 0 0-15,3-6 0 0,4 0 0 0,3-4 0 0,0-2 0 16,0 0-11-16,3-4 3 0,5 1 0 15,-1-1-6-15,3 1-1 0,1-1 0 0,-4 0 0 16,0 4 15-16,0-4-9 0,-3 7 9 0,-4 3-8 16,-3 3 18-16,-11 3 4 0,0 3 1 0,-4 4 0 15,-3-1-15-15,-7 7 0 0,0 3 0 0,-4 3 0 16,-3 3 16-16,-4 3 0 0,-3 7 0 0,0-4 0 16,-4 3-7-16,-3 4-1 0,-1-4 0 0,1 4 0 0,0-3 10 0,-1-1 2 31,1 1 0-31,3-1 0 0,4-3-20 0,3-5 0 0,4 2-8 0,3-6 8 15,4-7 0-15,0-2 0 0,3-4 0 0,4-2 0 16,0-7 12-16,4-4-4 0,-1 1 0 0,4-3-8 16,-3-3 12-16,-1-1-12 0,4-2 12 0,-4 2-12 15,4-2 9-15,4 2-9 0,-4-2 0 0,3 2 9 0,-6 4-9 0,-1 0 0 0,-3 3 9 0,0 0-9 32,-7 6 0-32,0 0-18 0,0 3 3 0,-7 4 1 15,-4 2 14-15,0 1-11 0,-3 2 11 0,-4 1-10 16,-3 3 10-16,-1-4 0 0,1 4 0 0,-4 0 0 15,0-3 0-15,1-1 0 0,-1-2 0 0,4 0 0 16,-1-4 0-16,8 0 0 0,0 1-11 0,3-4 11 16,0-3 0-16,8 0 0 0,-1 0 0 0,4-6 0 0,0 0 0 15,3-3 16-15,4-4-3 0,-4 1-1 0,8 0-12 0,-1-4 0 16,1 4 0-16,-1 2 0 0,-6 1 0 0,-5 0-10 16,1 3 2-16,-7 3 0 15,-4 3 8-15,-3 0 0 0,-4 6 0 0,-3 1 0 0,0 2 0 0,-4 4 0 0,-4 0 0 0,1 3 0 16,0-1 0-16,-4 4 16 15,4 0-4-15,-4 0-1 0,3 0 15 16,1 0 3-16,3 0 1 0,0-3 0 0,7-3-10 0,4-7-3 0,3 0 0 0,4-6 0 0,11-6-17 16,6-6 10-16,8-4-10 0,3-5 8 15,3-7-40-15,4-7-8 0,7-5-1 0,-6-1-1 0,2 0 22 0,-6 4 4 0,-1-4 0 0,-3 7 1 32,-3 3 27-32,3-1 6 0,-7 4 1 0,0 6 0 15,-4 1 4-15,-6 2 1 0,2 3 0 0,-2 4 0 16,-4 3-24-16,0 3 8 0,-1 3-8 0,-6 0 0 15,4 9 13-15,-8 0-1 0,0 1-1 0,0 6 0 16,-3-1-32-16,-4 4-7 0,1 3 0 0,2 0-1 16,-2 0 46-16,2 0 10 0,1 0 1 0,3 0 1 15,-3-3-21-15,3-1-8 0,4-2 0 0,0-3 0 0,3-4 12 0,1-3-3 0,3-3-1 16,6-6 0-16,5-6-8 0,6-4 0 0,4-9 0 16,8-6 0-1,2-6-11-15,8-10 3 0,3-3 0 0,4-3 0 16,-1-1-25-16,8 1-5 0,0 0-1 0,-11 6 0 15,-7 6-7-15,-7 4-2 0,-10 3 0 0,-8 6 0 0,-10 6 31 0,-11 6 5 16,-6 4 2-16,-5 3 0 0,-9 9 10 16,-5 6 0-16,-6 4 0 0,-4 2 0 0,-4 7 8 15,-3 3 3-15,-4 4 1 0,-3-1 0 0,4 3 25 0,-4-3 6 0,3 4 1 0,0-4 0 32,4-3-20-32,0-6-3 0,7 0-1 0,-3-7 0 0,6-2 2 0,1-4 0 0,3-3 0 0,0-9 0 15,11-4 0-15,-1-5 0 0,8-4 0 0,0-9 0 16,6-4-13-16,1-5-9 0,3-7 12 0,4-6-12 0,-3-1 0 0,2-5 0 0,1-1 0 15,3-5-12 1,1-4 12-16,3-3 0 0,3 0 0 0,0-3-9 16,-3-7 1-16,0 1 0 0,0 0 0 0,7-20-20 31,-7 4 13-31,3-3 3 0,-3 3-28 0,0 0-6 0,-21 9-1 16,-11 7 0-16,0 6 21 0,7 0 4 0,7 3 1 15,-7 6 0-15,-3 4 36 0,0 5 7 0,-4-12 2 16,-7 10 0-16,-4 12 17 0,-10 6 4 0,0 7 1 0,0 12 0 15,-3 0-21-15,-4 4-4 0,3-1-1 0,-3 4 0 0,-18-1-10 16,-3 0-2-16,7 7-8 0,-4-3 12 16,0 3-2-16,0-1-1 0,-3-2 0 0,3 3 0 0,-14-7 11 0,11-3 3 0,-4-2 0 0,8-1 0 31,2-9-10-31,1-1-1 0,3-5-1 0,8-7 0 0,-1-3-23 0,8-3-5 0,-1-3-1 0,0-3 0 16,8-1-17-16,-4-5-3 0,3 2-1 0,-3 1 0 31,0-1-5-31,-7 7-2 0,0 0 0 0,-4 6 0 15,-3 7 25-15,-7 2 5 0,0 4 0 0,-8 6 1 0,-9 6 15 0,-5 6 0 16,-6 1 12-16,-4 5-12 0,0 4 8 0,-4 6-8 0,-3 1 0 16,-3-1 0-16,-1 6 9 0,1 4-9 0,-4-1 0 0,3 4 9 15,0 0-9-15,1-1 0 0,3 1 0 0,0 0 0 16,3 2 16-16,1-2-3 0,3 0 0 0,0-1 0 16,0-2 5-1,3 0 1-15,5-4 0 0,-1-3 0 16,7-3-11-16,0-3-8 0,4-3 9 0,-4 0-9 0,3-3 12 0,-2-4-4 0,-1 1-8 15,0 0 12-15,-4-4-12 0,5 1-13 16,-1-1 2-16,-4-3 1 0,4 4 2 0,1-1 0 0,-1 1 0 0,-4-4 0 16,4 3-12-16,1 1-3 0,-5-1 0 0,4 1 0 15,4-4 3-15,0 7 1 0,3-4 0 0,-3 1 0 16,3-1-77-16,-4-3-15 0,5-2-3 0,-5 5-1 16,1 4 38-16,0 2 7 0,-1 1 2 0,-6 3 0 15,-1 0 30-15,-2 3 6 16,-1 0 2-16,-4 3 0 0,-3 6 85 0,-3 4 17 0,-4 6 3 0,0 0 1 15,0-1 19-15,-4 1 4 0,-3-3 1 0,3 3 0 16,4 0-44-16,4-1-9 0,-1 1-2 0,8-3 0 16,0-1-19-16,6-5-4 0,-3-1-1 0,7-6 0 15,4-3 0-15,7-6 0 0,-1-6 0 0,5-1 0 16,3-6-21-16,-1-6 8 0,1-3-8 0,3-7 0 0,1 1 0 0,-5-4 0 0,5-2 0 0,-4 2 0 16,-1 3-28-1,-6 4-1-15,0 0 0 0,-4 6 0 0,-7 0 16 0,-7 3 3 0,-3 3 1 0,-4 6 0 16,-7 7 9-16,-7 6-8 0,0 3 8 0,-4 3-8 15,-3 1 8-15,0 5 0 0,3 1 8 0,0-1-8 16,4 1 9-16,7 3-9 0,4-1 12 0,3-2-12 16,7-4 0-16,0-3 0 0,7-2 0 0,4-1 0 15,3-6 8-15,4-1-8 0,3 1 0 0,4-3 0 32,0-6 8-32,3-4-8 0,0 0 0 0,0-3 0 0,4-3 0 0,4-3 0 0,-4 0 0 0,-1 0 0 15,-2 3 0-15,-1 3 0 0,0 1 0 0,-6-1 0 0,2 6 0 0,-6 1 0 16,0 2 0-1,-4 1 0-15,0 6 0 0,-3 3 0 0,-1 0 0 0,5 3 0 16,-5-3 0-16,5-3 0 0,2 3 0 0,1 0 0 0,0 0 0 16,6 0 0-16,-2 0 0 0,2 0 0 0,1-3 0 15,0-4-9-15,0 1 1 0,-4 0 0 0,0 3 8 16,1 3 0-16,-1 0 0 0,-3 3 0 0,-1 3 0 0,-3 0 0 16,4 4-9-16,-4-1 9 0,4 1 0 15,0-1 10-15,3 3-1 0,-3 1 0 0,3 0 20 16,0 2 4-16,4 1 1 0,-4 0 0 0,4-4-34 0,3 1 0 0,1-1 0 0,-1-2 0 31,0 2-26-31,1 4-2 0,2-4-1 0,-2 7 0 16,-1 0-79-16,-3 3-16 0,0 0-4 0,-4 0 0 0,0 6-128 0,-3 3-25 15</inkml:trace>
-</inkml:ink>
+<file path=ppt/revisionInfo.xml><?xml version="1.0" encoding="utf-8"?>
+<p1510:revInfo xmlns:a="http://schemas.openxmlformats.org/drawingml/2006/main" xmlns:r="http://schemas.openxmlformats.org/officeDocument/2006/relationships" xmlns:p1510="http://schemas.microsoft.com/office/powerpoint/2015/10/main">
+  <p1510:revLst>
+    <p1510:client id="{C86F1208-3B27-4425-8F0A-1E2BB1074B7A}" v="59" dt="2018-11-06T03:57:40.509"/>
+  </p1510:revLst>
+</p1510:revInfo>
+</file>
+
+<file path=ppt/changesInfos/changesInfo1.xml><?xml version="1.0" encoding="utf-8"?>
+<pc:chgInfo xmlns:a="http://schemas.openxmlformats.org/drawingml/2006/main" xmlns:r="http://schemas.openxmlformats.org/officeDocument/2006/relationships" xmlns:ac="http://schemas.microsoft.com/office/drawing/2013/main/command" xmlns:pc="http://schemas.microsoft.com/office/powerpoint/2013/main/command">
+  <pc:docChgLst>
+    <pc:chgData name="Andres Gomez" userId="27a7e418-eea3-44e2-8a77-fa457853b3b2" providerId="ADAL" clId="{C86F1208-3B27-4425-8F0A-1E2BB1074B7A}"/>
+    <pc:docChg chg="undo custSel addSld delSld modSld sldOrd">
+      <pc:chgData name="Andres Gomez" userId="27a7e418-eea3-44e2-8a77-fa457853b3b2" providerId="ADAL" clId="{C86F1208-3B27-4425-8F0A-1E2BB1074B7A}" dt="2018-11-06T03:57:42.380" v="2469" actId="2696"/>
+      <pc:docMkLst>
+        <pc:docMk/>
+      </pc:docMkLst>
+      <pc:sldChg chg="modSp">
+        <pc:chgData name="Andres Gomez" userId="27a7e418-eea3-44e2-8a77-fa457853b3b2" providerId="ADAL" clId="{C86F1208-3B27-4425-8F0A-1E2BB1074B7A}" dt="2018-10-29T20:30:07.757" v="616" actId="20577"/>
+        <pc:sldMkLst>
+          <pc:docMk/>
+          <pc:sldMk cId="1010696509" sldId="257"/>
+        </pc:sldMkLst>
+        <pc:spChg chg="mod">
+          <ac:chgData name="Andres Gomez" userId="27a7e418-eea3-44e2-8a77-fa457853b3b2" providerId="ADAL" clId="{C86F1208-3B27-4425-8F0A-1E2BB1074B7A}" dt="2018-10-29T20:30:07.757" v="616" actId="20577"/>
+          <ac:spMkLst>
+            <pc:docMk/>
+            <pc:sldMk cId="1010696509" sldId="257"/>
+            <ac:spMk id="3" creationId="{26495F02-3385-4489-B540-E8477CB2E834}"/>
+          </ac:spMkLst>
+        </pc:spChg>
+      </pc:sldChg>
+      <pc:sldChg chg="modSp">
+        <pc:chgData name="Andres Gomez" userId="27a7e418-eea3-44e2-8a77-fa457853b3b2" providerId="ADAL" clId="{C86F1208-3B27-4425-8F0A-1E2BB1074B7A}" dt="2018-10-29T18:49:17.491" v="1"/>
+        <pc:sldMkLst>
+          <pc:docMk/>
+          <pc:sldMk cId="3695697852" sldId="259"/>
+        </pc:sldMkLst>
+        <pc:spChg chg="mod">
+          <ac:chgData name="Andres Gomez" userId="27a7e418-eea3-44e2-8a77-fa457853b3b2" providerId="ADAL" clId="{C86F1208-3B27-4425-8F0A-1E2BB1074B7A}" dt="2018-10-29T18:49:12.641" v="0"/>
+          <ac:spMkLst>
+            <pc:docMk/>
+            <pc:sldMk cId="3695697852" sldId="259"/>
+            <ac:spMk id="4" creationId="{00000000-0000-0000-0000-000000000000}"/>
+          </ac:spMkLst>
+        </pc:spChg>
+        <pc:spChg chg="mod">
+          <ac:chgData name="Andres Gomez" userId="27a7e418-eea3-44e2-8a77-fa457853b3b2" providerId="ADAL" clId="{C86F1208-3B27-4425-8F0A-1E2BB1074B7A}" dt="2018-10-29T18:49:17.491" v="1"/>
+          <ac:spMkLst>
+            <pc:docMk/>
+            <pc:sldMk cId="3695697852" sldId="259"/>
+            <ac:spMk id="5" creationId="{00000000-0000-0000-0000-000000000000}"/>
+          </ac:spMkLst>
+        </pc:spChg>
+      </pc:sldChg>
+      <pc:sldChg chg="ord">
+        <pc:chgData name="Andres Gomez" userId="27a7e418-eea3-44e2-8a77-fa457853b3b2" providerId="ADAL" clId="{C86F1208-3B27-4425-8F0A-1E2BB1074B7A}" dt="2018-10-29T20:44:25.209" v="1047"/>
+        <pc:sldMkLst>
+          <pc:docMk/>
+          <pc:sldMk cId="698999797" sldId="300"/>
+        </pc:sldMkLst>
+      </pc:sldChg>
+      <pc:sldChg chg="add">
+        <pc:chgData name="Andres Gomez" userId="27a7e418-eea3-44e2-8a77-fa457853b3b2" providerId="ADAL" clId="{C86F1208-3B27-4425-8F0A-1E2BB1074B7A}" dt="2018-10-29T23:30:06.517" v="2467"/>
+        <pc:sldMkLst>
+          <pc:docMk/>
+          <pc:sldMk cId="3539825084" sldId="334"/>
+        </pc:sldMkLst>
+      </pc:sldChg>
+      <pc:sldChg chg="delSp">
+        <pc:chgData name="Andres Gomez" userId="27a7e418-eea3-44e2-8a77-fa457853b3b2" providerId="ADAL" clId="{C86F1208-3B27-4425-8F0A-1E2BB1074B7A}" dt="2018-10-29T20:39:10.164" v="1027" actId="478"/>
+        <pc:sldMkLst>
+          <pc:docMk/>
+          <pc:sldMk cId="1702721553" sldId="365"/>
+        </pc:sldMkLst>
+        <pc:inkChg chg="del">
+          <ac:chgData name="Andres Gomez" userId="27a7e418-eea3-44e2-8a77-fa457853b3b2" providerId="ADAL" clId="{C86F1208-3B27-4425-8F0A-1E2BB1074B7A}" dt="2018-10-29T20:39:10.164" v="1027" actId="478"/>
+          <ac:inkMkLst>
+            <pc:docMk/>
+            <pc:sldMk cId="1702721553" sldId="365"/>
+            <ac:inkMk id="4" creationId="{5EB1F0B3-559A-43D8-8014-26F045DB04F6}"/>
+          </ac:inkMkLst>
+        </pc:inkChg>
+      </pc:sldChg>
+      <pc:sldChg chg="ord">
+        <pc:chgData name="Andres Gomez" userId="27a7e418-eea3-44e2-8a77-fa457853b3b2" providerId="ADAL" clId="{C86F1208-3B27-4425-8F0A-1E2BB1074B7A}" dt="2018-10-29T20:44:43.243" v="1048"/>
+        <pc:sldMkLst>
+          <pc:docMk/>
+          <pc:sldMk cId="2850981985" sldId="366"/>
+        </pc:sldMkLst>
+      </pc:sldChg>
+      <pc:sldChg chg="modSp add">
+        <pc:chgData name="Andres Gomez" userId="27a7e418-eea3-44e2-8a77-fa457853b3b2" providerId="ADAL" clId="{C86F1208-3B27-4425-8F0A-1E2BB1074B7A}" dt="2018-10-29T19:06:50.190" v="258" actId="20577"/>
+        <pc:sldMkLst>
+          <pc:docMk/>
+          <pc:sldMk cId="2960674094" sldId="379"/>
+        </pc:sldMkLst>
+        <pc:spChg chg="mod">
+          <ac:chgData name="Andres Gomez" userId="27a7e418-eea3-44e2-8a77-fa457853b3b2" providerId="ADAL" clId="{C86F1208-3B27-4425-8F0A-1E2BB1074B7A}" dt="2018-10-29T19:06:50.190" v="258" actId="20577"/>
+          <ac:spMkLst>
+            <pc:docMk/>
+            <pc:sldMk cId="2960674094" sldId="379"/>
+            <ac:spMk id="3" creationId="{6A3734B9-6B96-42EE-BB2D-F6E92255F65C}"/>
+          </ac:spMkLst>
+        </pc:spChg>
+      </pc:sldChg>
+      <pc:sldChg chg="addSp delSp modSp add del">
+        <pc:chgData name="Andres Gomez" userId="27a7e418-eea3-44e2-8a77-fa457853b3b2" providerId="ADAL" clId="{C86F1208-3B27-4425-8F0A-1E2BB1074B7A}" dt="2018-11-06T03:57:42.380" v="2469" actId="2696"/>
+        <pc:sldMkLst>
+          <pc:docMk/>
+          <pc:sldMk cId="3800131900" sldId="380"/>
+        </pc:sldMkLst>
+        <pc:spChg chg="del">
+          <ac:chgData name="Andres Gomez" userId="27a7e418-eea3-44e2-8a77-fa457853b3b2" providerId="ADAL" clId="{C86F1208-3B27-4425-8F0A-1E2BB1074B7A}" dt="2018-10-29T19:06:23.357" v="221"/>
+          <ac:spMkLst>
+            <pc:docMk/>
+            <pc:sldMk cId="3800131900" sldId="380"/>
+            <ac:spMk id="2" creationId="{6E92BEED-E62B-4139-9E1A-5C3D473DCF1D}"/>
+          </ac:spMkLst>
+        </pc:spChg>
+        <pc:spChg chg="add mod">
+          <ac:chgData name="Andres Gomez" userId="27a7e418-eea3-44e2-8a77-fa457853b3b2" providerId="ADAL" clId="{C86F1208-3B27-4425-8F0A-1E2BB1074B7A}" dt="2018-10-29T20:27:26.747" v="536" actId="1036"/>
+          <ac:spMkLst>
+            <pc:docMk/>
+            <pc:sldMk cId="3800131900" sldId="380"/>
+            <ac:spMk id="2" creationId="{7FBB2DBD-DC31-4C8E-9C39-909ED708D18F}"/>
+          </ac:spMkLst>
+        </pc:spChg>
+        <pc:spChg chg="add del mod">
+          <ac:chgData name="Andres Gomez" userId="27a7e418-eea3-44e2-8a77-fa457853b3b2" providerId="ADAL" clId="{C86F1208-3B27-4425-8F0A-1E2BB1074B7A}" dt="2018-10-29T19:06:28.135" v="222"/>
+          <ac:spMkLst>
+            <pc:docMk/>
+            <pc:sldMk cId="3800131900" sldId="380"/>
+            <ac:spMk id="3" creationId="{12D44CBB-3204-478D-AEBB-313C7340019C}"/>
+          </ac:spMkLst>
+        </pc:spChg>
+        <pc:spChg chg="add mod ord">
+          <ac:chgData name="Andres Gomez" userId="27a7e418-eea3-44e2-8a77-fa457853b3b2" providerId="ADAL" clId="{C86F1208-3B27-4425-8F0A-1E2BB1074B7A}" dt="2018-10-29T20:31:52.651" v="620" actId="20577"/>
+          <ac:spMkLst>
+            <pc:docMk/>
+            <pc:sldMk cId="3800131900" sldId="380"/>
+            <ac:spMk id="3" creationId="{403E0C17-3966-499B-A50F-C3AAC180BCBA}"/>
+          </ac:spMkLst>
+        </pc:spChg>
+        <pc:spChg chg="add del mod">
+          <ac:chgData name="Andres Gomez" userId="27a7e418-eea3-44e2-8a77-fa457853b3b2" providerId="ADAL" clId="{C86F1208-3B27-4425-8F0A-1E2BB1074B7A}" dt="2018-10-29T19:06:28.135" v="222"/>
+          <ac:spMkLst>
+            <pc:docMk/>
+            <pc:sldMk cId="3800131900" sldId="380"/>
+            <ac:spMk id="4" creationId="{B1806A22-9517-4607-8909-5815DF278706}"/>
+          </ac:spMkLst>
+        </pc:spChg>
+        <pc:spChg chg="add mod">
+          <ac:chgData name="Andres Gomez" userId="27a7e418-eea3-44e2-8a77-fa457853b3b2" providerId="ADAL" clId="{C86F1208-3B27-4425-8F0A-1E2BB1074B7A}" dt="2018-10-29T20:27:25.173" v="529" actId="1036"/>
+          <ac:spMkLst>
+            <pc:docMk/>
+            <pc:sldMk cId="3800131900" sldId="380"/>
+            <ac:spMk id="5" creationId="{787685F0-9DC2-4EA7-BD02-5A0F0A1D6C92}"/>
+          </ac:spMkLst>
+        </pc:spChg>
+        <pc:spChg chg="add del mod">
+          <ac:chgData name="Andres Gomez" userId="27a7e418-eea3-44e2-8a77-fa457853b3b2" providerId="ADAL" clId="{C86F1208-3B27-4425-8F0A-1E2BB1074B7A}" dt="2018-10-29T19:06:28.135" v="222"/>
+          <ac:spMkLst>
+            <pc:docMk/>
+            <pc:sldMk cId="3800131900" sldId="380"/>
+            <ac:spMk id="5" creationId="{C31F57AF-7274-48E0-90F1-16DD298811C3}"/>
+          </ac:spMkLst>
+        </pc:spChg>
+        <pc:spChg chg="add mod">
+          <ac:chgData name="Andres Gomez" userId="27a7e418-eea3-44e2-8a77-fa457853b3b2" providerId="ADAL" clId="{C86F1208-3B27-4425-8F0A-1E2BB1074B7A}" dt="2018-10-29T19:06:38.176" v="247" actId="20577"/>
+          <ac:spMkLst>
+            <pc:docMk/>
+            <pc:sldMk cId="3800131900" sldId="380"/>
+            <ac:spMk id="6" creationId="{046A29F1-A15A-418B-AE41-2BDFC4FB34BA}"/>
+          </ac:spMkLst>
+        </pc:spChg>
+        <pc:spChg chg="add del mod">
+          <ac:chgData name="Andres Gomez" userId="27a7e418-eea3-44e2-8a77-fa457853b3b2" providerId="ADAL" clId="{C86F1208-3B27-4425-8F0A-1E2BB1074B7A}" dt="2018-10-29T19:06:41.490" v="248" actId="478"/>
+          <ac:spMkLst>
+            <pc:docMk/>
+            <pc:sldMk cId="3800131900" sldId="380"/>
+            <ac:spMk id="7" creationId="{5CA1F56F-CD1C-457B-9B72-CEE3E08C613F}"/>
+          </ac:spMkLst>
+        </pc:spChg>
+        <pc:spChg chg="add mod">
+          <ac:chgData name="Andres Gomez" userId="27a7e418-eea3-44e2-8a77-fa457853b3b2" providerId="ADAL" clId="{C86F1208-3B27-4425-8F0A-1E2BB1074B7A}" dt="2018-10-29T20:27:32.070" v="544" actId="1038"/>
+          <ac:spMkLst>
+            <pc:docMk/>
+            <pc:sldMk cId="3800131900" sldId="380"/>
+            <ac:spMk id="7" creationId="{86055B09-1816-4A8D-AB38-AFE46C33D922}"/>
+          </ac:spMkLst>
+        </pc:spChg>
+        <pc:spChg chg="add mod">
+          <ac:chgData name="Andres Gomez" userId="27a7e418-eea3-44e2-8a77-fa457853b3b2" providerId="ADAL" clId="{C86F1208-3B27-4425-8F0A-1E2BB1074B7A}" dt="2018-10-29T20:27:29.980" v="537" actId="14100"/>
+          <ac:spMkLst>
+            <pc:docMk/>
+            <pc:sldMk cId="3800131900" sldId="380"/>
+            <ac:spMk id="8" creationId="{0E3158AE-80CD-4A3F-B160-C363FDD16FBF}"/>
+          </ac:spMkLst>
+        </pc:spChg>
+      </pc:sldChg>
+      <pc:sldChg chg="modSp add ord">
+        <pc:chgData name="Andres Gomez" userId="27a7e418-eea3-44e2-8a77-fa457853b3b2" providerId="ADAL" clId="{C86F1208-3B27-4425-8F0A-1E2BB1074B7A}" dt="2018-10-29T20:29:22.206" v="600"/>
+        <pc:sldMkLst>
+          <pc:docMk/>
+          <pc:sldMk cId="529932726" sldId="381"/>
+        </pc:sldMkLst>
+        <pc:spChg chg="mod">
+          <ac:chgData name="Andres Gomez" userId="27a7e418-eea3-44e2-8a77-fa457853b3b2" providerId="ADAL" clId="{C86F1208-3B27-4425-8F0A-1E2BB1074B7A}" dt="2018-10-29T20:28:16.086" v="585" actId="20577"/>
+          <ac:spMkLst>
+            <pc:docMk/>
+            <pc:sldMk cId="529932726" sldId="381"/>
+            <ac:spMk id="3" creationId="{6A3734B9-6B96-42EE-BB2D-F6E92255F65C}"/>
+          </ac:spMkLst>
+        </pc:spChg>
+      </pc:sldChg>
+      <pc:sldChg chg="modSp add ord">
+        <pc:chgData name="Andres Gomez" userId="27a7e418-eea3-44e2-8a77-fa457853b3b2" providerId="ADAL" clId="{C86F1208-3B27-4425-8F0A-1E2BB1074B7A}" dt="2018-10-29T20:29:22.206" v="600"/>
+        <pc:sldMkLst>
+          <pc:docMk/>
+          <pc:sldMk cId="1601507416" sldId="382"/>
+        </pc:sldMkLst>
+        <pc:spChg chg="mod">
+          <ac:chgData name="Andres Gomez" userId="27a7e418-eea3-44e2-8a77-fa457853b3b2" providerId="ADAL" clId="{C86F1208-3B27-4425-8F0A-1E2BB1074B7A}" dt="2018-10-29T20:28:31.933" v="587"/>
+          <ac:spMkLst>
+            <pc:docMk/>
+            <pc:sldMk cId="1601507416" sldId="382"/>
+            <ac:spMk id="3" creationId="{6A3734B9-6B96-42EE-BB2D-F6E92255F65C}"/>
+          </ac:spMkLst>
+        </pc:spChg>
+      </pc:sldChg>
+      <pc:sldChg chg="add">
+        <pc:chgData name="Andres Gomez" userId="27a7e418-eea3-44e2-8a77-fa457853b3b2" providerId="ADAL" clId="{C86F1208-3B27-4425-8F0A-1E2BB1074B7A}" dt="2018-10-29T20:29:47.563" v="604"/>
+        <pc:sldMkLst>
+          <pc:docMk/>
+          <pc:sldMk cId="2419809793" sldId="383"/>
+        </pc:sldMkLst>
+      </pc:sldChg>
+      <pc:sldChg chg="modSp add">
+        <pc:chgData name="Andres Gomez" userId="27a7e418-eea3-44e2-8a77-fa457853b3b2" providerId="ADAL" clId="{C86F1208-3B27-4425-8F0A-1E2BB1074B7A}" dt="2018-10-29T20:46:00.869" v="1061" actId="20577"/>
+        <pc:sldMkLst>
+          <pc:docMk/>
+          <pc:sldMk cId="3305590106" sldId="384"/>
+        </pc:sldMkLst>
+        <pc:spChg chg="mod">
+          <ac:chgData name="Andres Gomez" userId="27a7e418-eea3-44e2-8a77-fa457853b3b2" providerId="ADAL" clId="{C86F1208-3B27-4425-8F0A-1E2BB1074B7A}" dt="2018-10-29T20:46:00.869" v="1061" actId="20577"/>
+          <ac:spMkLst>
+            <pc:docMk/>
+            <pc:sldMk cId="3305590106" sldId="384"/>
+            <ac:spMk id="3" creationId="{6A3734B9-6B96-42EE-BB2D-F6E92255F65C}"/>
+          </ac:spMkLst>
+        </pc:spChg>
+      </pc:sldChg>
+      <pc:sldChg chg="addSp delSp modSp add">
+        <pc:chgData name="Andres Gomez" userId="27a7e418-eea3-44e2-8a77-fa457853b3b2" providerId="ADAL" clId="{C86F1208-3B27-4425-8F0A-1E2BB1074B7A}" dt="2018-10-29T20:34:15.520" v="747" actId="313"/>
+        <pc:sldMkLst>
+          <pc:docMk/>
+          <pc:sldMk cId="898300131" sldId="385"/>
+        </pc:sldMkLst>
+        <pc:spChg chg="del">
+          <ac:chgData name="Andres Gomez" userId="27a7e418-eea3-44e2-8a77-fa457853b3b2" providerId="ADAL" clId="{C86F1208-3B27-4425-8F0A-1E2BB1074B7A}" dt="2018-10-29T20:30:47.675" v="618"/>
+          <ac:spMkLst>
+            <pc:docMk/>
+            <pc:sldMk cId="898300131" sldId="385"/>
+            <ac:spMk id="2" creationId="{0FF034BC-5F04-4B2B-8B26-3335F988F13B}"/>
+          </ac:spMkLst>
+        </pc:spChg>
+        <pc:spChg chg="add mod">
+          <ac:chgData name="Andres Gomez" userId="27a7e418-eea3-44e2-8a77-fa457853b3b2" providerId="ADAL" clId="{C86F1208-3B27-4425-8F0A-1E2BB1074B7A}" dt="2018-10-29T20:32:05.953" v="622" actId="20577"/>
+          <ac:spMkLst>
+            <pc:docMk/>
+            <pc:sldMk cId="898300131" sldId="385"/>
+            <ac:spMk id="3" creationId="{192302D0-EB06-4EAF-9AA8-168E404E18FF}"/>
+          </ac:spMkLst>
+        </pc:spChg>
+        <pc:spChg chg="add mod">
+          <ac:chgData name="Andres Gomez" userId="27a7e418-eea3-44e2-8a77-fa457853b3b2" providerId="ADAL" clId="{C86F1208-3B27-4425-8F0A-1E2BB1074B7A}" dt="2018-10-29T20:34:15.520" v="747" actId="313"/>
+          <ac:spMkLst>
+            <pc:docMk/>
+            <pc:sldMk cId="898300131" sldId="385"/>
+            <ac:spMk id="4" creationId="{4A6860E9-7233-4986-B3ED-04CFAEFCF072}"/>
+          </ac:spMkLst>
+        </pc:spChg>
+        <pc:picChg chg="add mod">
+          <ac:chgData name="Andres Gomez" userId="27a7e418-eea3-44e2-8a77-fa457853b3b2" providerId="ADAL" clId="{C86F1208-3B27-4425-8F0A-1E2BB1074B7A}" dt="2018-10-29T20:33:39.553" v="697" actId="1076"/>
+          <ac:picMkLst>
+            <pc:docMk/>
+            <pc:sldMk cId="898300131" sldId="385"/>
+            <ac:picMk id="5" creationId="{372500CF-47E5-497F-A95C-46AE4C6BEC84}"/>
+          </ac:picMkLst>
+        </pc:picChg>
+      </pc:sldChg>
+      <pc:sldChg chg="addSp delSp modSp add">
+        <pc:chgData name="Andres Gomez" userId="27a7e418-eea3-44e2-8a77-fa457853b3b2" providerId="ADAL" clId="{C86F1208-3B27-4425-8F0A-1E2BB1074B7A}" dt="2018-10-29T20:38:08.317" v="1026" actId="1076"/>
+        <pc:sldMkLst>
+          <pc:docMk/>
+          <pc:sldMk cId="3704159020" sldId="386"/>
+        </pc:sldMkLst>
+        <pc:spChg chg="mod">
+          <ac:chgData name="Andres Gomez" userId="27a7e418-eea3-44e2-8a77-fa457853b3b2" providerId="ADAL" clId="{C86F1208-3B27-4425-8F0A-1E2BB1074B7A}" dt="2018-10-29T20:38:00.629" v="1023" actId="14100"/>
+          <ac:spMkLst>
+            <pc:docMk/>
+            <pc:sldMk cId="3704159020" sldId="386"/>
+            <ac:spMk id="4" creationId="{4A6860E9-7233-4986-B3ED-04CFAEFCF072}"/>
+          </ac:spMkLst>
+        </pc:spChg>
+        <pc:picChg chg="add mod">
+          <ac:chgData name="Andres Gomez" userId="27a7e418-eea3-44e2-8a77-fa457853b3b2" providerId="ADAL" clId="{C86F1208-3B27-4425-8F0A-1E2BB1074B7A}" dt="2018-10-29T20:38:08.317" v="1026" actId="1076"/>
+          <ac:picMkLst>
+            <pc:docMk/>
+            <pc:sldMk cId="3704159020" sldId="386"/>
+            <ac:picMk id="2" creationId="{C9C6EFBA-ADD1-43D6-AA1A-C5564831A165}"/>
+          </ac:picMkLst>
+        </pc:picChg>
+        <pc:picChg chg="del">
+          <ac:chgData name="Andres Gomez" userId="27a7e418-eea3-44e2-8a77-fa457853b3b2" providerId="ADAL" clId="{C86F1208-3B27-4425-8F0A-1E2BB1074B7A}" dt="2018-10-29T20:34:50.514" v="749" actId="478"/>
+          <ac:picMkLst>
+            <pc:docMk/>
+            <pc:sldMk cId="3704159020" sldId="386"/>
+            <ac:picMk id="5" creationId="{372500CF-47E5-497F-A95C-46AE4C6BEC84}"/>
+          </ac:picMkLst>
+        </pc:picChg>
+      </pc:sldChg>
+      <pc:sldChg chg="addSp delSp modSp add">
+        <pc:chgData name="Andres Gomez" userId="27a7e418-eea3-44e2-8a77-fa457853b3b2" providerId="ADAL" clId="{C86F1208-3B27-4425-8F0A-1E2BB1074B7A}" dt="2018-10-29T21:02:28.753" v="2275" actId="20577"/>
+        <pc:sldMkLst>
+          <pc:docMk/>
+          <pc:sldMk cId="3916731433" sldId="387"/>
+        </pc:sldMkLst>
+        <pc:spChg chg="del">
+          <ac:chgData name="Andres Gomez" userId="27a7e418-eea3-44e2-8a77-fa457853b3b2" providerId="ADAL" clId="{C86F1208-3B27-4425-8F0A-1E2BB1074B7A}" dt="2018-10-29T20:45:47.328" v="1051"/>
+          <ac:spMkLst>
+            <pc:docMk/>
+            <pc:sldMk cId="3916731433" sldId="387"/>
+            <ac:spMk id="2" creationId="{FE71189C-EF07-43A8-8621-E511F972A21C}"/>
+          </ac:spMkLst>
+        </pc:spChg>
+        <pc:spChg chg="add mod">
+          <ac:chgData name="Andres Gomez" userId="27a7e418-eea3-44e2-8a77-fa457853b3b2" providerId="ADAL" clId="{C86F1208-3B27-4425-8F0A-1E2BB1074B7A}" dt="2018-10-29T20:46:14.419" v="1079" actId="20577"/>
+          <ac:spMkLst>
+            <pc:docMk/>
+            <pc:sldMk cId="3916731433" sldId="387"/>
+            <ac:spMk id="3" creationId="{A180AC5B-3960-41B1-A387-740025AF1C34}"/>
+          </ac:spMkLst>
+        </pc:spChg>
+        <pc:spChg chg="add mod">
+          <ac:chgData name="Andres Gomez" userId="27a7e418-eea3-44e2-8a77-fa457853b3b2" providerId="ADAL" clId="{C86F1208-3B27-4425-8F0A-1E2BB1074B7A}" dt="2018-10-29T21:02:28.753" v="2275" actId="20577"/>
+          <ac:spMkLst>
+            <pc:docMk/>
+            <pc:sldMk cId="3916731433" sldId="387"/>
+            <ac:spMk id="4" creationId="{00E1BADE-2342-4FB9-B94A-6DCB1099D117}"/>
+          </ac:spMkLst>
+        </pc:spChg>
+      </pc:sldChg>
+      <pc:sldChg chg="modSp add">
+        <pc:chgData name="Andres Gomez" userId="27a7e418-eea3-44e2-8a77-fa457853b3b2" providerId="ADAL" clId="{C86F1208-3B27-4425-8F0A-1E2BB1074B7A}" dt="2018-10-29T21:01:02.460" v="2152" actId="14100"/>
+        <pc:sldMkLst>
+          <pc:docMk/>
+          <pc:sldMk cId="1819785093" sldId="388"/>
+        </pc:sldMkLst>
+        <pc:spChg chg="mod">
+          <ac:chgData name="Andres Gomez" userId="27a7e418-eea3-44e2-8a77-fa457853b3b2" providerId="ADAL" clId="{C86F1208-3B27-4425-8F0A-1E2BB1074B7A}" dt="2018-10-29T21:01:02.460" v="2152" actId="14100"/>
+          <ac:spMkLst>
+            <pc:docMk/>
+            <pc:sldMk cId="1819785093" sldId="388"/>
+            <ac:spMk id="4" creationId="{00E1BADE-2342-4FB9-B94A-6DCB1099D117}"/>
+          </ac:spMkLst>
+        </pc:spChg>
+      </pc:sldChg>
+      <pc:sldChg chg="modSp add">
+        <pc:chgData name="Andres Gomez" userId="27a7e418-eea3-44e2-8a77-fa457853b3b2" providerId="ADAL" clId="{C86F1208-3B27-4425-8F0A-1E2BB1074B7A}" dt="2018-10-29T21:04:30.425" v="2464" actId="20577"/>
+        <pc:sldMkLst>
+          <pc:docMk/>
+          <pc:sldMk cId="406164453" sldId="389"/>
+        </pc:sldMkLst>
+        <pc:spChg chg="mod">
+          <ac:chgData name="Andres Gomez" userId="27a7e418-eea3-44e2-8a77-fa457853b3b2" providerId="ADAL" clId="{C86F1208-3B27-4425-8F0A-1E2BB1074B7A}" dt="2018-10-29T21:04:30.425" v="2464" actId="20577"/>
+          <ac:spMkLst>
+            <pc:docMk/>
+            <pc:sldMk cId="406164453" sldId="389"/>
+            <ac:spMk id="4" creationId="{00E1BADE-2342-4FB9-B94A-6DCB1099D117}"/>
+          </ac:spMkLst>
+        </pc:spChg>
+      </pc:sldChg>
+      <pc:sldChg chg="add">
+        <pc:chgData name="Andres Gomez" userId="27a7e418-eea3-44e2-8a77-fa457853b3b2" providerId="ADAL" clId="{C86F1208-3B27-4425-8F0A-1E2BB1074B7A}" dt="2018-10-29T22:36:11.621" v="2465"/>
+        <pc:sldMkLst>
+          <pc:docMk/>
+          <pc:sldMk cId="3536216739" sldId="393"/>
+        </pc:sldMkLst>
+      </pc:sldChg>
+      <pc:sldChg chg="add">
+        <pc:chgData name="Andres Gomez" userId="27a7e418-eea3-44e2-8a77-fa457853b3b2" providerId="ADAL" clId="{C86F1208-3B27-4425-8F0A-1E2BB1074B7A}" dt="2018-10-29T22:36:11.621" v="2465"/>
+        <pc:sldMkLst>
+          <pc:docMk/>
+          <pc:sldMk cId="3019542153" sldId="410"/>
+        </pc:sldMkLst>
+      </pc:sldChg>
+      <pc:sldChg chg="add">
+        <pc:chgData name="Andres Gomez" userId="27a7e418-eea3-44e2-8a77-fa457853b3b2" providerId="ADAL" clId="{C86F1208-3B27-4425-8F0A-1E2BB1074B7A}" dt="2018-11-06T03:57:40.507" v="2468"/>
+        <pc:sldMkLst>
+          <pc:docMk/>
+          <pc:sldMk cId="3951690349" sldId="411"/>
+        </pc:sldMkLst>
+      </pc:sldChg>
+    </pc:docChg>
+  </pc:docChgLst>
+</pc:chgInfo>
 </file>
 
 <file path=ppt/notesMasters/notesMaster1.xml><?xml version="1.0" encoding="utf-8"?>
@@ -292,7 +635,7 @@
           <a:p>
             <a:fld id="{03CB5878-D5AF-4D91-A4DD-D6DE7AC90AEE}" type="datetimeFigureOut">
               <a:rPr lang="en-US" smtClean="0"/>
-              <a:t>7/16/2018</a:t>
+              <a:t>11/5/2018</a:t>
             </a:fld>
             <a:endParaRPr lang="en-US"/>
           </a:p>
@@ -603,6 +946,136 @@
           <a:bodyPr/>
           <a:lstStyle/>
           <a:p>
+            <a:r>
+              <a:rPr lang="en-US" dirty="0"/>
+              <a:t>People that contributed with this content:</a:t>
+            </a:r>
+          </a:p>
+          <a:p>
+            <a:pPr marL="171450" indent="-171450">
+              <a:buFont typeface="Arial" panose="020B0604020202020204" pitchFamily="34" charset="0"/>
+              <a:buChar char="•"/>
+            </a:pPr>
+            <a:r>
+              <a:rPr lang="en-US" dirty="0"/>
+              <a:t>Benjamin Celis</a:t>
+            </a:r>
+          </a:p>
+          <a:p>
+            <a:pPr marL="171450" indent="-171450">
+              <a:buFont typeface="Arial" panose="020B0604020202020204" pitchFamily="34" charset="0"/>
+              <a:buChar char="•"/>
+            </a:pPr>
+            <a:r>
+              <a:rPr lang="en-US" dirty="0"/>
+              <a:t>Mathew Pollock</a:t>
+            </a:r>
+          </a:p>
+          <a:p>
+            <a:pPr marL="171450" indent="-171450">
+              <a:buFont typeface="Arial" panose="020B0604020202020204" pitchFamily="34" charset="0"/>
+              <a:buChar char="•"/>
+            </a:pPr>
+            <a:r>
+              <a:rPr lang="en-US" dirty="0"/>
+              <a:t>Simon Perez</a:t>
+            </a:r>
+          </a:p>
+          <a:p>
+            <a:pPr marL="171450" indent="-171450">
+              <a:buFont typeface="Arial" panose="020B0604020202020204" pitchFamily="34" charset="0"/>
+              <a:buChar char="•"/>
+            </a:pPr>
+            <a:r>
+              <a:rPr lang="en-US" dirty="0"/>
+              <a:t>Andres Gomez</a:t>
+            </a:r>
+          </a:p>
+          <a:p>
+            <a:endParaRPr lang="en-US" dirty="0"/>
+          </a:p>
+        </p:txBody>
+      </p:sp>
+      <p:sp>
+        <p:nvSpPr>
+          <p:cNvPr id="4" name="Slide Number Placeholder 3"/>
+          <p:cNvSpPr>
+            <a:spLocks noGrp="1"/>
+          </p:cNvSpPr>
+          <p:nvPr>
+            <p:ph type="sldNum" sz="quarter" idx="5"/>
+          </p:nvPr>
+        </p:nvSpPr>
+        <p:spPr/>
+        <p:txBody>
+          <a:bodyPr/>
+          <a:lstStyle/>
+          <a:p>
+            <a:fld id="{1550AEF5-EC2C-410E-A4F2-BDB69C61FEA1}" type="slidenum">
+              <a:rPr lang="en-US" smtClean="0"/>
+              <a:t>1</a:t>
+            </a:fld>
+            <a:endParaRPr lang="en-US"/>
+          </a:p>
+        </p:txBody>
+      </p:sp>
+    </p:spTree>
+    <p:extLst>
+      <p:ext uri="{BB962C8B-B14F-4D97-AF65-F5344CB8AC3E}">
+        <p14:creationId xmlns:p14="http://schemas.microsoft.com/office/powerpoint/2010/main" val="851195889"/>
+      </p:ext>
+    </p:extLst>
+  </p:cSld>
+  <p:clrMapOvr>
+    <a:masterClrMapping/>
+  </p:clrMapOvr>
+</p:notes>
+</file>
+
+<file path=ppt/notesSlides/notesSlide10.xml><?xml version="1.0" encoding="utf-8"?>
+<p:notes xmlns:a="http://schemas.openxmlformats.org/drawingml/2006/main" xmlns:r="http://schemas.openxmlformats.org/officeDocument/2006/relationships" xmlns:p="http://schemas.openxmlformats.org/presentationml/2006/main">
+  <p:cSld>
+    <p:spTree>
+      <p:nvGrpSpPr>
+        <p:cNvPr id="1" name=""/>
+        <p:cNvGrpSpPr/>
+        <p:nvPr/>
+      </p:nvGrpSpPr>
+      <p:grpSpPr>
+        <a:xfrm>
+          <a:off x="0" y="0"/>
+          <a:ext cx="0" cy="0"/>
+          <a:chOff x="0" y="0"/>
+          <a:chExt cx="0" cy="0"/>
+        </a:xfrm>
+      </p:grpSpPr>
+      <p:sp>
+        <p:nvSpPr>
+          <p:cNvPr id="2" name="Slide Image Placeholder 1"/>
+          <p:cNvSpPr>
+            <a:spLocks noGrp="1" noRot="1" noChangeAspect="1"/>
+          </p:cNvSpPr>
+          <p:nvPr>
+            <p:ph type="sldImg"/>
+          </p:nvPr>
+        </p:nvSpPr>
+        <p:spPr/>
+      </p:sp>
+      <p:sp>
+        <p:nvSpPr>
+          <p:cNvPr id="3" name="Notes Placeholder 2"/>
+          <p:cNvSpPr>
+            <a:spLocks noGrp="1"/>
+          </p:cNvSpPr>
+          <p:nvPr>
+            <p:ph type="body" idx="1"/>
+          </p:nvPr>
+        </p:nvSpPr>
+        <p:spPr/>
+        <p:txBody>
+          <a:bodyPr/>
+          <a:lstStyle/>
+          <a:p>
             <a:endParaRPr lang="en-US" dirty="0"/>
           </a:p>
         </p:txBody>
@@ -624,7 +1097,7 @@
           <a:p>
             <a:fld id="{E78E71CD-9786-4621-AA97-B53C62C3E534}" type="slidenum">
               <a:rPr lang="en-US" smtClean="0"/>
-              <a:t>3</a:t>
+              <a:t>21</a:t>
             </a:fld>
             <a:endParaRPr lang="en-US"/>
           </a:p>
@@ -633,7 +1106,438 @@
     </p:spTree>
     <p:extLst>
       <p:ext uri="{BB962C8B-B14F-4D97-AF65-F5344CB8AC3E}">
-        <p14:creationId xmlns:p14="http://schemas.microsoft.com/office/powerpoint/2010/main" val="3685550655"/>
+        <p14:creationId xmlns:p14="http://schemas.microsoft.com/office/powerpoint/2010/main" val="4040824093"/>
+      </p:ext>
+    </p:extLst>
+  </p:cSld>
+  <p:clrMapOvr>
+    <a:masterClrMapping/>
+  </p:clrMapOvr>
+</p:notes>
+</file>
+
+<file path=ppt/notesSlides/notesSlide11.xml><?xml version="1.0" encoding="utf-8"?>
+<p:notes xmlns:a="http://schemas.openxmlformats.org/drawingml/2006/main" xmlns:r="http://schemas.openxmlformats.org/officeDocument/2006/relationships" xmlns:p="http://schemas.openxmlformats.org/presentationml/2006/main">
+  <p:cSld>
+    <p:spTree>
+      <p:nvGrpSpPr>
+        <p:cNvPr id="1" name=""/>
+        <p:cNvGrpSpPr/>
+        <p:nvPr/>
+      </p:nvGrpSpPr>
+      <p:grpSpPr>
+        <a:xfrm>
+          <a:off x="0" y="0"/>
+          <a:ext cx="0" cy="0"/>
+          <a:chOff x="0" y="0"/>
+          <a:chExt cx="0" cy="0"/>
+        </a:xfrm>
+      </p:grpSpPr>
+      <p:sp>
+        <p:nvSpPr>
+          <p:cNvPr id="2" name="Slide Image Placeholder 1"/>
+          <p:cNvSpPr>
+            <a:spLocks noGrp="1" noRot="1" noChangeAspect="1"/>
+          </p:cNvSpPr>
+          <p:nvPr>
+            <p:ph type="sldImg"/>
+          </p:nvPr>
+        </p:nvSpPr>
+        <p:spPr/>
+      </p:sp>
+      <p:sp>
+        <p:nvSpPr>
+          <p:cNvPr id="3" name="Notes Placeholder 2"/>
+          <p:cNvSpPr>
+            <a:spLocks noGrp="1"/>
+          </p:cNvSpPr>
+          <p:nvPr>
+            <p:ph type="body" idx="1"/>
+          </p:nvPr>
+        </p:nvSpPr>
+        <p:spPr/>
+        <p:txBody>
+          <a:bodyPr/>
+          <a:lstStyle/>
+          <a:p>
+            <a:r>
+              <a:rPr lang="en-US" dirty="0"/>
+              <a:t>Application</a:t>
+            </a:r>
+            <a:r>
+              <a:rPr lang="en-US" baseline="0" dirty="0"/>
+              <a:t> templates exist in addition to the plugin templates.</a:t>
+            </a:r>
+            <a:endParaRPr lang="en-US" dirty="0"/>
+          </a:p>
+        </p:txBody>
+      </p:sp>
+      <p:sp>
+        <p:nvSpPr>
+          <p:cNvPr id="4" name="Slide Number Placeholder 3"/>
+          <p:cNvSpPr>
+            <a:spLocks noGrp="1"/>
+          </p:cNvSpPr>
+          <p:nvPr>
+            <p:ph type="sldNum" sz="quarter" idx="10"/>
+          </p:nvPr>
+        </p:nvSpPr>
+        <p:spPr/>
+        <p:txBody>
+          <a:bodyPr/>
+          <a:lstStyle/>
+          <a:p>
+            <a:fld id="{15F80049-26F3-4D89-A0B2-4E12138F92A1}" type="slidenum">
+              <a:rPr lang="en-US" smtClean="0"/>
+              <a:t>23</a:t>
+            </a:fld>
+            <a:endParaRPr lang="en-US"/>
+          </a:p>
+        </p:txBody>
+      </p:sp>
+    </p:spTree>
+    <p:extLst>
+      <p:ext uri="{BB962C8B-B14F-4D97-AF65-F5344CB8AC3E}">
+        <p14:creationId xmlns:p14="http://schemas.microsoft.com/office/powerpoint/2010/main" val="2836448932"/>
+      </p:ext>
+    </p:extLst>
+  </p:cSld>
+  <p:clrMapOvr>
+    <a:masterClrMapping/>
+  </p:clrMapOvr>
+</p:notes>
+</file>
+
+<file path=ppt/notesSlides/notesSlide12.xml><?xml version="1.0" encoding="utf-8"?>
+<p:notes xmlns:a="http://schemas.openxmlformats.org/drawingml/2006/main" xmlns:r="http://schemas.openxmlformats.org/officeDocument/2006/relationships" xmlns:p="http://schemas.openxmlformats.org/presentationml/2006/main">
+  <p:cSld>
+    <p:spTree>
+      <p:nvGrpSpPr>
+        <p:cNvPr id="1" name=""/>
+        <p:cNvGrpSpPr/>
+        <p:nvPr/>
+      </p:nvGrpSpPr>
+      <p:grpSpPr>
+        <a:xfrm>
+          <a:off x="0" y="0"/>
+          <a:ext cx="0" cy="0"/>
+          <a:chOff x="0" y="0"/>
+          <a:chExt cx="0" cy="0"/>
+        </a:xfrm>
+      </p:grpSpPr>
+      <p:sp>
+        <p:nvSpPr>
+          <p:cNvPr id="2" name="Slide Image Placeholder 1"/>
+          <p:cNvSpPr>
+            <a:spLocks noGrp="1" noRot="1" noChangeAspect="1"/>
+          </p:cNvSpPr>
+          <p:nvPr>
+            <p:ph type="sldImg"/>
+          </p:nvPr>
+        </p:nvSpPr>
+        <p:spPr/>
+      </p:sp>
+      <p:sp>
+        <p:nvSpPr>
+          <p:cNvPr id="3" name="Notes Placeholder 2"/>
+          <p:cNvSpPr>
+            <a:spLocks noGrp="1"/>
+          </p:cNvSpPr>
+          <p:nvPr>
+            <p:ph type="body" idx="1"/>
+          </p:nvPr>
+        </p:nvSpPr>
+        <p:spPr/>
+        <p:txBody>
+          <a:bodyPr/>
+          <a:lstStyle/>
+          <a:p>
+            <a:endParaRPr lang="en-US" dirty="0"/>
+          </a:p>
+        </p:txBody>
+      </p:sp>
+      <p:sp>
+        <p:nvSpPr>
+          <p:cNvPr id="4" name="Slide Number Placeholder 3"/>
+          <p:cNvSpPr>
+            <a:spLocks noGrp="1"/>
+          </p:cNvSpPr>
+          <p:nvPr>
+            <p:ph type="sldNum" sz="quarter" idx="10"/>
+          </p:nvPr>
+        </p:nvSpPr>
+        <p:spPr/>
+        <p:txBody>
+          <a:bodyPr/>
+          <a:lstStyle/>
+          <a:p>
+            <a:fld id="{E78E71CD-9786-4621-AA97-B53C62C3E534}" type="slidenum">
+              <a:rPr lang="en-US" smtClean="0"/>
+              <a:t>24</a:t>
+            </a:fld>
+            <a:endParaRPr lang="en-US"/>
+          </a:p>
+        </p:txBody>
+      </p:sp>
+    </p:spTree>
+    <p:extLst>
+      <p:ext uri="{BB962C8B-B14F-4D97-AF65-F5344CB8AC3E}">
+        <p14:creationId xmlns:p14="http://schemas.microsoft.com/office/powerpoint/2010/main" val="3217533435"/>
+      </p:ext>
+    </p:extLst>
+  </p:cSld>
+  <p:clrMapOvr>
+    <a:masterClrMapping/>
+  </p:clrMapOvr>
+</p:notes>
+</file>
+
+<file path=ppt/notesSlides/notesSlide13.xml><?xml version="1.0" encoding="utf-8"?>
+<p:notes xmlns:a="http://schemas.openxmlformats.org/drawingml/2006/main" xmlns:r="http://schemas.openxmlformats.org/officeDocument/2006/relationships" xmlns:p="http://schemas.openxmlformats.org/presentationml/2006/main">
+  <p:cSld>
+    <p:spTree>
+      <p:nvGrpSpPr>
+        <p:cNvPr id="1" name=""/>
+        <p:cNvGrpSpPr/>
+        <p:nvPr/>
+      </p:nvGrpSpPr>
+      <p:grpSpPr>
+        <a:xfrm>
+          <a:off x="0" y="0"/>
+          <a:ext cx="0" cy="0"/>
+          <a:chOff x="0" y="0"/>
+          <a:chExt cx="0" cy="0"/>
+        </a:xfrm>
+      </p:grpSpPr>
+      <p:sp>
+        <p:nvSpPr>
+          <p:cNvPr id="2" name="Slide Image Placeholder 1"/>
+          <p:cNvSpPr>
+            <a:spLocks noGrp="1" noRot="1" noChangeAspect="1"/>
+          </p:cNvSpPr>
+          <p:nvPr>
+            <p:ph type="sldImg"/>
+          </p:nvPr>
+        </p:nvSpPr>
+        <p:spPr/>
+      </p:sp>
+      <p:sp>
+        <p:nvSpPr>
+          <p:cNvPr id="3" name="Notes Placeholder 2"/>
+          <p:cNvSpPr>
+            <a:spLocks noGrp="1"/>
+          </p:cNvSpPr>
+          <p:nvPr>
+            <p:ph type="body" idx="1"/>
+          </p:nvPr>
+        </p:nvSpPr>
+        <p:spPr/>
+        <p:txBody>
+          <a:bodyPr/>
+          <a:lstStyle/>
+          <a:p>
+            <a:endParaRPr lang="en-US" dirty="0"/>
+          </a:p>
+        </p:txBody>
+      </p:sp>
+      <p:sp>
+        <p:nvSpPr>
+          <p:cNvPr id="4" name="Slide Number Placeholder 3"/>
+          <p:cNvSpPr>
+            <a:spLocks noGrp="1"/>
+          </p:cNvSpPr>
+          <p:nvPr>
+            <p:ph type="sldNum" sz="quarter" idx="5"/>
+          </p:nvPr>
+        </p:nvSpPr>
+        <p:spPr/>
+        <p:txBody>
+          <a:bodyPr/>
+          <a:lstStyle/>
+          <a:p>
+            <a:fld id="{1550AEF5-EC2C-410E-A4F2-BDB69C61FEA1}" type="slidenum">
+              <a:rPr lang="en-US" smtClean="0"/>
+              <a:t>27</a:t>
+            </a:fld>
+            <a:endParaRPr lang="en-US"/>
+          </a:p>
+        </p:txBody>
+      </p:sp>
+    </p:spTree>
+    <p:extLst>
+      <p:ext uri="{BB962C8B-B14F-4D97-AF65-F5344CB8AC3E}">
+        <p14:creationId xmlns:p14="http://schemas.microsoft.com/office/powerpoint/2010/main" val="3946944138"/>
+      </p:ext>
+    </p:extLst>
+  </p:cSld>
+  <p:clrMapOvr>
+    <a:masterClrMapping/>
+  </p:clrMapOvr>
+</p:notes>
+</file>
+
+<file path=ppt/notesSlides/notesSlide14.xml><?xml version="1.0" encoding="utf-8"?>
+<p:notes xmlns:a="http://schemas.openxmlformats.org/drawingml/2006/main" xmlns:r="http://schemas.openxmlformats.org/officeDocument/2006/relationships" xmlns:p="http://schemas.openxmlformats.org/presentationml/2006/main">
+  <p:cSld>
+    <p:spTree>
+      <p:nvGrpSpPr>
+        <p:cNvPr id="1" name=""/>
+        <p:cNvGrpSpPr/>
+        <p:nvPr/>
+      </p:nvGrpSpPr>
+      <p:grpSpPr>
+        <a:xfrm>
+          <a:off x="0" y="0"/>
+          <a:ext cx="0" cy="0"/>
+          <a:chOff x="0" y="0"/>
+          <a:chExt cx="0" cy="0"/>
+        </a:xfrm>
+      </p:grpSpPr>
+      <p:sp>
+        <p:nvSpPr>
+          <p:cNvPr id="2" name="Slide Image Placeholder 1"/>
+          <p:cNvSpPr>
+            <a:spLocks noGrp="1" noRot="1" noChangeAspect="1"/>
+          </p:cNvSpPr>
+          <p:nvPr>
+            <p:ph type="sldImg"/>
+          </p:nvPr>
+        </p:nvSpPr>
+        <p:spPr/>
+      </p:sp>
+      <p:sp>
+        <p:nvSpPr>
+          <p:cNvPr id="3" name="Notes Placeholder 2"/>
+          <p:cNvSpPr>
+            <a:spLocks noGrp="1"/>
+          </p:cNvSpPr>
+          <p:nvPr>
+            <p:ph type="body" idx="1"/>
+          </p:nvPr>
+        </p:nvSpPr>
+        <p:spPr/>
+        <p:txBody>
+          <a:bodyPr/>
+          <a:lstStyle/>
+          <a:p>
+            <a:endParaRPr lang="en-US" dirty="0"/>
+          </a:p>
+        </p:txBody>
+      </p:sp>
+      <p:sp>
+        <p:nvSpPr>
+          <p:cNvPr id="4" name="Slide Number Placeholder 3"/>
+          <p:cNvSpPr>
+            <a:spLocks noGrp="1"/>
+          </p:cNvSpPr>
+          <p:nvPr>
+            <p:ph type="sldNum" sz="quarter" idx="10"/>
+          </p:nvPr>
+        </p:nvSpPr>
+        <p:spPr/>
+        <p:txBody>
+          <a:bodyPr/>
+          <a:lstStyle/>
+          <a:p>
+            <a:fld id="{E78E71CD-9786-4621-AA97-B53C62C3E534}" type="slidenum">
+              <a:rPr lang="en-US" smtClean="0"/>
+              <a:t>28</a:t>
+            </a:fld>
+            <a:endParaRPr lang="en-US"/>
+          </a:p>
+        </p:txBody>
+      </p:sp>
+    </p:spTree>
+    <p:extLst>
+      <p:ext uri="{BB962C8B-B14F-4D97-AF65-F5344CB8AC3E}">
+        <p14:creationId xmlns:p14="http://schemas.microsoft.com/office/powerpoint/2010/main" val="2199057935"/>
+      </p:ext>
+    </p:extLst>
+  </p:cSld>
+  <p:clrMapOvr>
+    <a:masterClrMapping/>
+  </p:clrMapOvr>
+</p:notes>
+</file>
+
+<file path=ppt/notesSlides/notesSlide15.xml><?xml version="1.0" encoding="utf-8"?>
+<p:notes xmlns:a="http://schemas.openxmlformats.org/drawingml/2006/main" xmlns:r="http://schemas.openxmlformats.org/officeDocument/2006/relationships" xmlns:p="http://schemas.openxmlformats.org/presentationml/2006/main">
+  <p:cSld>
+    <p:spTree>
+      <p:nvGrpSpPr>
+        <p:cNvPr id="1" name=""/>
+        <p:cNvGrpSpPr/>
+        <p:nvPr/>
+      </p:nvGrpSpPr>
+      <p:grpSpPr>
+        <a:xfrm>
+          <a:off x="0" y="0"/>
+          <a:ext cx="0" cy="0"/>
+          <a:chOff x="0" y="0"/>
+          <a:chExt cx="0" cy="0"/>
+        </a:xfrm>
+      </p:grpSpPr>
+      <p:sp>
+        <p:nvSpPr>
+          <p:cNvPr id="2" name="Slide Image Placeholder 1"/>
+          <p:cNvSpPr>
+            <a:spLocks noGrp="1" noRot="1" noChangeAspect="1"/>
+          </p:cNvSpPr>
+          <p:nvPr>
+            <p:ph type="sldImg"/>
+          </p:nvPr>
+        </p:nvSpPr>
+        <p:spPr/>
+      </p:sp>
+      <p:sp>
+        <p:nvSpPr>
+          <p:cNvPr id="3" name="Notes Placeholder 2"/>
+          <p:cNvSpPr>
+            <a:spLocks noGrp="1"/>
+          </p:cNvSpPr>
+          <p:nvPr>
+            <p:ph type="body" idx="1"/>
+          </p:nvPr>
+        </p:nvSpPr>
+        <p:spPr/>
+        <p:txBody>
+          <a:bodyPr/>
+          <a:lstStyle/>
+          <a:p>
+            <a:r>
+              <a:rPr lang="en-US" dirty="0"/>
+              <a:t>https://github.com/LabVIEW-DCAF/Documentation/blob/master/Trunk/Getting%20Started%20Material/devguide/ch2_Application%20Design.md</a:t>
+            </a:r>
+          </a:p>
+        </p:txBody>
+      </p:sp>
+      <p:sp>
+        <p:nvSpPr>
+          <p:cNvPr id="4" name="Slide Number Placeholder 3"/>
+          <p:cNvSpPr>
+            <a:spLocks noGrp="1"/>
+          </p:cNvSpPr>
+          <p:nvPr>
+            <p:ph type="sldNum" sz="quarter" idx="5"/>
+          </p:nvPr>
+        </p:nvSpPr>
+        <p:spPr/>
+        <p:txBody>
+          <a:bodyPr/>
+          <a:lstStyle/>
+          <a:p>
+            <a:fld id="{9C567973-8969-4909-962E-7A773C79C2B0}" type="slidenum">
+              <a:rPr lang="en-US" smtClean="0"/>
+              <a:t>29</a:t>
+            </a:fld>
+            <a:endParaRPr lang="en-US"/>
+          </a:p>
+        </p:txBody>
+      </p:sp>
+    </p:spTree>
+    <p:extLst>
+      <p:ext uri="{BB962C8B-B14F-4D97-AF65-F5344CB8AC3E}">
+        <p14:creationId xmlns:p14="http://schemas.microsoft.com/office/powerpoint/2010/main" val="2129377543"/>
       </p:ext>
     </p:extLst>
   </p:cSld>
@@ -708,7 +1612,7 @@
           <a:p>
             <a:fld id="{E78E71CD-9786-4621-AA97-B53C62C3E534}" type="slidenum">
               <a:rPr lang="en-US" smtClean="0"/>
-              <a:t>8</a:t>
+              <a:t>3</a:t>
             </a:fld>
             <a:endParaRPr lang="en-US"/>
           </a:p>
@@ -717,7 +1621,7 @@
     </p:spTree>
     <p:extLst>
       <p:ext uri="{BB962C8B-B14F-4D97-AF65-F5344CB8AC3E}">
-        <p14:creationId xmlns:p14="http://schemas.microsoft.com/office/powerpoint/2010/main" val="2633222074"/>
+        <p14:creationId xmlns:p14="http://schemas.microsoft.com/office/powerpoint/2010/main" val="1822104462"/>
       </p:ext>
     </p:extLst>
   </p:cSld>
@@ -773,13 +1677,8 @@
           <a:p>
             <a:r>
               <a:rPr lang="en-US" dirty="0"/>
-              <a:t>Application</a:t>
-            </a:r>
-            <a:r>
-              <a:rPr lang="en-US" baseline="0" dirty="0"/>
-              <a:t> templates exist in addition to the plugin templates.</a:t>
-            </a:r>
-            <a:endParaRPr lang="en-US" dirty="0"/>
+              <a:t>*We may have more than one engine per target</a:t>
+            </a:r>
           </a:p>
         </p:txBody>
       </p:sp>
@@ -790,7 +1689,7 @@
             <a:spLocks noGrp="1"/>
           </p:cNvSpPr>
           <p:nvPr>
-            <p:ph type="sldNum" sz="quarter" idx="10"/>
+            <p:ph type="sldNum" sz="quarter" idx="5"/>
           </p:nvPr>
         </p:nvSpPr>
         <p:spPr/>
@@ -798,9 +1697,9 @@
           <a:bodyPr/>
           <a:lstStyle/>
           <a:p>
-            <a:fld id="{15F80049-26F3-4D89-A0B2-4E12138F92A1}" type="slidenum">
+            <a:fld id="{1550AEF5-EC2C-410E-A4F2-BDB69C61FEA1}" type="slidenum">
               <a:rPr lang="en-US" smtClean="0"/>
-              <a:t>9</a:t>
+              <a:t>4</a:t>
             </a:fld>
             <a:endParaRPr lang="en-US"/>
           </a:p>
@@ -809,7 +1708,7 @@
     </p:spTree>
     <p:extLst>
       <p:ext uri="{BB962C8B-B14F-4D97-AF65-F5344CB8AC3E}">
-        <p14:creationId xmlns:p14="http://schemas.microsoft.com/office/powerpoint/2010/main" val="1234999618"/>
+        <p14:creationId xmlns:p14="http://schemas.microsoft.com/office/powerpoint/2010/main" val="3615673774"/>
       </p:ext>
     </p:extLst>
   </p:cSld>
@@ -884,7 +1783,7 @@
           <a:p>
             <a:fld id="{E78E71CD-9786-4621-AA97-B53C62C3E534}" type="slidenum">
               <a:rPr lang="en-US" smtClean="0"/>
-              <a:t>15</a:t>
+              <a:t>5</a:t>
             </a:fld>
             <a:endParaRPr lang="en-US"/>
           </a:p>
@@ -893,7 +1792,7 @@
     </p:spTree>
     <p:extLst>
       <p:ext uri="{BB962C8B-B14F-4D97-AF65-F5344CB8AC3E}">
-        <p14:creationId xmlns:p14="http://schemas.microsoft.com/office/powerpoint/2010/main" val="4040824093"/>
+        <p14:creationId xmlns:p14="http://schemas.microsoft.com/office/powerpoint/2010/main" val="517966504"/>
       </p:ext>
     </p:extLst>
   </p:cSld>
@@ -947,14 +1846,6 @@
           <a:bodyPr/>
           <a:lstStyle/>
           <a:p>
-            <a:r>
-              <a:rPr lang="en-US" dirty="0"/>
-              <a:t>Application</a:t>
-            </a:r>
-            <a:r>
-              <a:rPr lang="en-US" baseline="0" dirty="0"/>
-              <a:t> templates exist in addition to the plugin templates.</a:t>
-            </a:r>
             <a:endParaRPr lang="en-US" dirty="0"/>
           </a:p>
         </p:txBody>
@@ -974,7 +1865,372 @@
           <a:bodyPr/>
           <a:lstStyle/>
           <a:p>
-            <a:fld id="{15F80049-26F3-4D89-A0B2-4E12138F92A1}" type="slidenum">
+            <a:fld id="{E78E71CD-9786-4621-AA97-B53C62C3E534}" type="slidenum">
+              <a:rPr lang="en-US" smtClean="0"/>
+              <a:t>9</a:t>
+            </a:fld>
+            <a:endParaRPr lang="en-US"/>
+          </a:p>
+        </p:txBody>
+      </p:sp>
+    </p:spTree>
+    <p:extLst>
+      <p:ext uri="{BB962C8B-B14F-4D97-AF65-F5344CB8AC3E}">
+        <p14:creationId xmlns:p14="http://schemas.microsoft.com/office/powerpoint/2010/main" val="2825959661"/>
+      </p:ext>
+    </p:extLst>
+  </p:cSld>
+  <p:clrMapOvr>
+    <a:masterClrMapping/>
+  </p:clrMapOvr>
+</p:notes>
+</file>
+
+<file path=ppt/notesSlides/notesSlide6.xml><?xml version="1.0" encoding="utf-8"?>
+<p:notes xmlns:a="http://schemas.openxmlformats.org/drawingml/2006/main" xmlns:r="http://schemas.openxmlformats.org/officeDocument/2006/relationships" xmlns:p="http://schemas.openxmlformats.org/presentationml/2006/main">
+  <p:cSld>
+    <p:spTree>
+      <p:nvGrpSpPr>
+        <p:cNvPr id="1" name=""/>
+        <p:cNvGrpSpPr/>
+        <p:nvPr/>
+      </p:nvGrpSpPr>
+      <p:grpSpPr>
+        <a:xfrm>
+          <a:off x="0" y="0"/>
+          <a:ext cx="0" cy="0"/>
+          <a:chOff x="0" y="0"/>
+          <a:chExt cx="0" cy="0"/>
+        </a:xfrm>
+      </p:grpSpPr>
+      <p:sp>
+        <p:nvSpPr>
+          <p:cNvPr id="2" name="Slide Image Placeholder 1"/>
+          <p:cNvSpPr>
+            <a:spLocks noGrp="1" noRot="1" noChangeAspect="1"/>
+          </p:cNvSpPr>
+          <p:nvPr>
+            <p:ph type="sldImg"/>
+          </p:nvPr>
+        </p:nvSpPr>
+        <p:spPr/>
+      </p:sp>
+      <p:sp>
+        <p:nvSpPr>
+          <p:cNvPr id="3" name="Notes Placeholder 2"/>
+          <p:cNvSpPr>
+            <a:spLocks noGrp="1"/>
+          </p:cNvSpPr>
+          <p:nvPr>
+            <p:ph type="body" idx="1"/>
+          </p:nvPr>
+        </p:nvSpPr>
+        <p:spPr/>
+        <p:txBody>
+          <a:bodyPr/>
+          <a:lstStyle/>
+          <a:p>
+            <a:endParaRPr lang="en-US" dirty="0"/>
+          </a:p>
+        </p:txBody>
+      </p:sp>
+      <p:sp>
+        <p:nvSpPr>
+          <p:cNvPr id="4" name="Slide Number Placeholder 3"/>
+          <p:cNvSpPr>
+            <a:spLocks noGrp="1"/>
+          </p:cNvSpPr>
+          <p:nvPr>
+            <p:ph type="sldNum" sz="quarter" idx="10"/>
+          </p:nvPr>
+        </p:nvSpPr>
+        <p:spPr/>
+        <p:txBody>
+          <a:bodyPr/>
+          <a:lstStyle/>
+          <a:p>
+            <a:fld id="{E78E71CD-9786-4621-AA97-B53C62C3E534}" type="slidenum">
+              <a:rPr lang="en-US" smtClean="0"/>
+              <a:t>14</a:t>
+            </a:fld>
+            <a:endParaRPr lang="en-US"/>
+          </a:p>
+        </p:txBody>
+      </p:sp>
+    </p:spTree>
+    <p:extLst>
+      <p:ext uri="{BB962C8B-B14F-4D97-AF65-F5344CB8AC3E}">
+        <p14:creationId xmlns:p14="http://schemas.microsoft.com/office/powerpoint/2010/main" val="3342527774"/>
+      </p:ext>
+    </p:extLst>
+  </p:cSld>
+  <p:clrMapOvr>
+    <a:masterClrMapping/>
+  </p:clrMapOvr>
+</p:notes>
+</file>
+
+<file path=ppt/notesSlides/notesSlide7.xml><?xml version="1.0" encoding="utf-8"?>
+<p:notes xmlns:a="http://schemas.openxmlformats.org/drawingml/2006/main" xmlns:r="http://schemas.openxmlformats.org/officeDocument/2006/relationships" xmlns:p="http://schemas.openxmlformats.org/presentationml/2006/main">
+  <p:cSld>
+    <p:spTree>
+      <p:nvGrpSpPr>
+        <p:cNvPr id="1" name=""/>
+        <p:cNvGrpSpPr/>
+        <p:nvPr/>
+      </p:nvGrpSpPr>
+      <p:grpSpPr>
+        <a:xfrm>
+          <a:off x="0" y="0"/>
+          <a:ext cx="0" cy="0"/>
+          <a:chOff x="0" y="0"/>
+          <a:chExt cx="0" cy="0"/>
+        </a:xfrm>
+      </p:grpSpPr>
+      <p:sp>
+        <p:nvSpPr>
+          <p:cNvPr id="2" name="Slide Image Placeholder 1"/>
+          <p:cNvSpPr>
+            <a:spLocks noGrp="1" noRot="1" noChangeAspect="1"/>
+          </p:cNvSpPr>
+          <p:nvPr>
+            <p:ph type="sldImg"/>
+          </p:nvPr>
+        </p:nvSpPr>
+        <p:spPr/>
+      </p:sp>
+      <p:sp>
+        <p:nvSpPr>
+          <p:cNvPr id="3" name="Notes Placeholder 2"/>
+          <p:cNvSpPr>
+            <a:spLocks noGrp="1"/>
+          </p:cNvSpPr>
+          <p:nvPr>
+            <p:ph type="body" idx="1"/>
+          </p:nvPr>
+        </p:nvSpPr>
+        <p:spPr/>
+        <p:txBody>
+          <a:bodyPr/>
+          <a:lstStyle/>
+          <a:p>
+            <a:endParaRPr lang="en-US" dirty="0"/>
+          </a:p>
+        </p:txBody>
+      </p:sp>
+      <p:sp>
+        <p:nvSpPr>
+          <p:cNvPr id="4" name="Slide Number Placeholder 3"/>
+          <p:cNvSpPr>
+            <a:spLocks noGrp="1"/>
+          </p:cNvSpPr>
+          <p:nvPr>
+            <p:ph type="sldNum" sz="quarter" idx="5"/>
+          </p:nvPr>
+        </p:nvSpPr>
+        <p:spPr/>
+        <p:txBody>
+          <a:bodyPr/>
+          <a:lstStyle/>
+          <a:p>
+            <a:fld id="{1550AEF5-EC2C-410E-A4F2-BDB69C61FEA1}" type="slidenum">
+              <a:rPr lang="en-US" smtClean="0"/>
+              <a:t>15</a:t>
+            </a:fld>
+            <a:endParaRPr lang="en-US"/>
+          </a:p>
+        </p:txBody>
+      </p:sp>
+    </p:spTree>
+    <p:extLst>
+      <p:ext uri="{BB962C8B-B14F-4D97-AF65-F5344CB8AC3E}">
+        <p14:creationId xmlns:p14="http://schemas.microsoft.com/office/powerpoint/2010/main" val="1442390332"/>
+      </p:ext>
+    </p:extLst>
+  </p:cSld>
+  <p:clrMapOvr>
+    <a:masterClrMapping/>
+  </p:clrMapOvr>
+</p:notes>
+</file>
+
+<file path=ppt/notesSlides/notesSlide8.xml><?xml version="1.0" encoding="utf-8"?>
+<p:notes xmlns:a="http://schemas.openxmlformats.org/drawingml/2006/main" xmlns:r="http://schemas.openxmlformats.org/officeDocument/2006/relationships" xmlns:p="http://schemas.openxmlformats.org/presentationml/2006/main">
+  <p:cSld>
+    <p:spTree>
+      <p:nvGrpSpPr>
+        <p:cNvPr id="1" name=""/>
+        <p:cNvGrpSpPr/>
+        <p:nvPr/>
+      </p:nvGrpSpPr>
+      <p:grpSpPr>
+        <a:xfrm>
+          <a:off x="0" y="0"/>
+          <a:ext cx="0" cy="0"/>
+          <a:chOff x="0" y="0"/>
+          <a:chExt cx="0" cy="0"/>
+        </a:xfrm>
+      </p:grpSpPr>
+      <p:sp>
+        <p:nvSpPr>
+          <p:cNvPr id="2" name="Slide Image Placeholder 1"/>
+          <p:cNvSpPr>
+            <a:spLocks noGrp="1" noRot="1" noChangeAspect="1"/>
+          </p:cNvSpPr>
+          <p:nvPr>
+            <p:ph type="sldImg"/>
+          </p:nvPr>
+        </p:nvSpPr>
+        <p:spPr/>
+      </p:sp>
+      <p:sp>
+        <p:nvSpPr>
+          <p:cNvPr id="3" name="Notes Placeholder 2"/>
+          <p:cNvSpPr>
+            <a:spLocks noGrp="1"/>
+          </p:cNvSpPr>
+          <p:nvPr>
+            <p:ph type="body" idx="1"/>
+          </p:nvPr>
+        </p:nvSpPr>
+        <p:spPr/>
+        <p:txBody>
+          <a:bodyPr/>
+          <a:lstStyle/>
+          <a:p>
+            <a:r>
+              <a:rPr lang="en-US" sz="1200" b="0" i="0" kern="1200" dirty="0">
+                <a:solidFill>
+                  <a:schemeClr val="tx1"/>
+                </a:solidFill>
+                <a:effectLst/>
+                <a:latin typeface="+mn-lt"/>
+                <a:ea typeface="+mn-ea"/>
+                <a:cs typeface="+mn-cs"/>
+              </a:rPr>
+              <a:t>If functionality is not provided out of the box, and isn't a good fit for a new DCAF module, it can still be added to the application's Main VI. All DCAF applications must contain code to gather the configuration data and start up the engines to execute that data. The template also creates an empty loop where application specific code can be added.</a:t>
+            </a:r>
+          </a:p>
+          <a:p>
+            <a:r>
+              <a:rPr lang="en-US" sz="1200" b="0" i="0" kern="1200" dirty="0">
+                <a:solidFill>
+                  <a:schemeClr val="tx1"/>
+                </a:solidFill>
+                <a:effectLst/>
+                <a:latin typeface="+mn-lt"/>
+                <a:ea typeface="+mn-ea"/>
+                <a:cs typeface="+mn-cs"/>
+              </a:rPr>
+              <a:t>If a DCAF engine can't do something well, the functionality can still be added to the main application using standard LabVIEW programming practices. For example, the loop above could contain code to read a high-resolution stream of buffered data from an FPGA and stream that data over the network (something DCAF is not designed to do well). Meanwhile DCAF can still be used to handle the more standard control functionality.</a:t>
+            </a:r>
+            <a:endParaRPr lang="en-US" dirty="0"/>
+          </a:p>
+          <a:p>
+            <a:endParaRPr lang="en-US" dirty="0"/>
+          </a:p>
+        </p:txBody>
+      </p:sp>
+      <p:sp>
+        <p:nvSpPr>
+          <p:cNvPr id="4" name="Slide Number Placeholder 3"/>
+          <p:cNvSpPr>
+            <a:spLocks noGrp="1"/>
+          </p:cNvSpPr>
+          <p:nvPr>
+            <p:ph type="sldNum" sz="quarter" idx="5"/>
+          </p:nvPr>
+        </p:nvSpPr>
+        <p:spPr/>
+        <p:txBody>
+          <a:bodyPr/>
+          <a:lstStyle/>
+          <a:p>
+            <a:fld id="{1550AEF5-EC2C-410E-A4F2-BDB69C61FEA1}" type="slidenum">
+              <a:rPr lang="en-US" smtClean="0"/>
+              <a:t>16</a:t>
+            </a:fld>
+            <a:endParaRPr lang="en-US"/>
+          </a:p>
+        </p:txBody>
+      </p:sp>
+    </p:spTree>
+    <p:extLst>
+      <p:ext uri="{BB962C8B-B14F-4D97-AF65-F5344CB8AC3E}">
+        <p14:creationId xmlns:p14="http://schemas.microsoft.com/office/powerpoint/2010/main" val="2152400138"/>
+      </p:ext>
+    </p:extLst>
+  </p:cSld>
+  <p:clrMapOvr>
+    <a:masterClrMapping/>
+  </p:clrMapOvr>
+</p:notes>
+</file>
+
+<file path=ppt/notesSlides/notesSlide9.xml><?xml version="1.0" encoding="utf-8"?>
+<p:notes xmlns:a="http://schemas.openxmlformats.org/drawingml/2006/main" xmlns:r="http://schemas.openxmlformats.org/officeDocument/2006/relationships" xmlns:p="http://schemas.openxmlformats.org/presentationml/2006/main">
+  <p:cSld>
+    <p:spTree>
+      <p:nvGrpSpPr>
+        <p:cNvPr id="1" name=""/>
+        <p:cNvGrpSpPr/>
+        <p:nvPr/>
+      </p:nvGrpSpPr>
+      <p:grpSpPr>
+        <a:xfrm>
+          <a:off x="0" y="0"/>
+          <a:ext cx="0" cy="0"/>
+          <a:chOff x="0" y="0"/>
+          <a:chExt cx="0" cy="0"/>
+        </a:xfrm>
+      </p:grpSpPr>
+      <p:sp>
+        <p:nvSpPr>
+          <p:cNvPr id="2" name="Slide Image Placeholder 1"/>
+          <p:cNvSpPr>
+            <a:spLocks noGrp="1" noRot="1" noChangeAspect="1"/>
+          </p:cNvSpPr>
+          <p:nvPr>
+            <p:ph type="sldImg"/>
+          </p:nvPr>
+        </p:nvSpPr>
+        <p:spPr/>
+      </p:sp>
+      <p:sp>
+        <p:nvSpPr>
+          <p:cNvPr id="3" name="Notes Placeholder 2"/>
+          <p:cNvSpPr>
+            <a:spLocks noGrp="1"/>
+          </p:cNvSpPr>
+          <p:nvPr>
+            <p:ph type="body" idx="1"/>
+          </p:nvPr>
+        </p:nvSpPr>
+        <p:spPr/>
+        <p:txBody>
+          <a:bodyPr/>
+          <a:lstStyle/>
+          <a:p>
+            <a:endParaRPr lang="en-US" dirty="0"/>
+          </a:p>
+        </p:txBody>
+      </p:sp>
+      <p:sp>
+        <p:nvSpPr>
+          <p:cNvPr id="4" name="Slide Number Placeholder 3"/>
+          <p:cNvSpPr>
+            <a:spLocks noGrp="1"/>
+          </p:cNvSpPr>
+          <p:nvPr>
+            <p:ph type="sldNum" sz="quarter" idx="10"/>
+          </p:nvPr>
+        </p:nvSpPr>
+        <p:spPr/>
+        <p:txBody>
+          <a:bodyPr/>
+          <a:lstStyle/>
+          <a:p>
+            <a:fld id="{E78E71CD-9786-4621-AA97-B53C62C3E534}" type="slidenum">
               <a:rPr lang="en-US" smtClean="0"/>
               <a:t>17</a:t>
             </a:fld>
@@ -985,7 +2241,7 @@
     </p:spTree>
     <p:extLst>
       <p:ext uri="{BB962C8B-B14F-4D97-AF65-F5344CB8AC3E}">
-        <p14:creationId xmlns:p14="http://schemas.microsoft.com/office/powerpoint/2010/main" val="2836448932"/>
+        <p14:creationId xmlns:p14="http://schemas.microsoft.com/office/powerpoint/2010/main" val="2633222074"/>
       </p:ext>
     </p:extLst>
   </p:cSld>
@@ -4130,7 +5386,7 @@
           <a:p>
             <a:fld id="{8BEBFB54-DD62-4FD2-AABF-1CC163250B3B}" type="datetimeFigureOut">
               <a:rPr lang="en-US" smtClean="0"/>
-              <a:t>7/16/2018</a:t>
+              <a:t>11/5/2018</a:t>
             </a:fld>
             <a:endParaRPr lang="en-US"/>
           </a:p>
@@ -7670,15 +8926,7 @@
           <a:p>
             <a:r>
               <a:rPr lang="en-US" dirty="0"/>
-              <a:t>Benjamin </a:t>
-            </a:r>
-            <a:r>
-              <a:rPr lang="en-US" dirty="0" err="1"/>
-              <a:t>Celis</a:t>
-            </a:r>
-            <a:r>
-              <a:rPr lang="en-US" dirty="0"/>
-              <a:t>, Mathew Pollock, Simon Perez</a:t>
+              <a:t>Instructor Name</a:t>
             </a:r>
           </a:p>
         </p:txBody>
@@ -7697,6 +8945,12 @@
         <p:txBody>
           <a:bodyPr/>
           <a:lstStyle/>
+          <a:p>
+            <a:r>
+              <a:rPr lang="en-US" dirty="0"/>
+              <a:t>Instructor's role</a:t>
+            </a:r>
+          </a:p>
           <a:p>
             <a:endParaRPr lang="en-US" dirty="0"/>
           </a:p>
@@ -7734,7 +8988,13 @@
       </p:grpSpPr>
       <p:sp>
         <p:nvSpPr>
-          <p:cNvPr id="2" name="Title 1"/>
+          <p:cNvPr id="2" name="Title 1">
+            <a:extLst>
+              <a:ext uri="{FF2B5EF4-FFF2-40B4-BE49-F238E27FC236}">
+                <a16:creationId xmlns:a16="http://schemas.microsoft.com/office/drawing/2014/main" id="{E6C2659F-83BC-4FCB-AEBD-13BE1F760F9A}"/>
+              </a:ext>
+            </a:extLst>
+          </p:cNvPr>
           <p:cNvSpPr>
             <a:spLocks noGrp="1"/>
           </p:cNvSpPr>
@@ -7749,45 +9009,55 @@
           <a:p>
             <a:r>
               <a:rPr lang="en-US" dirty="0"/>
-              <a:t>Running the Configuration</a:t>
-            </a:r>
-          </a:p>
-        </p:txBody>
-      </p:sp>
-      <p:pic>
-        <p:nvPicPr>
-          <p:cNvPr id="4" name="Picture 3"/>
-          <p:cNvPicPr>
-            <a:picLocks noChangeAspect="1"/>
-          </p:cNvPicPr>
-          <p:nvPr/>
-        </p:nvPicPr>
-        <p:blipFill>
-          <a:blip r:embed="rId2">
+              <a:t>What Should be a Module</a:t>
+            </a:r>
+          </a:p>
+        </p:txBody>
+      </p:sp>
+      <p:sp>
+        <p:nvSpPr>
+          <p:cNvPr id="3" name="Content Placeholder 2">
             <a:extLst>
-              <a:ext uri="{28A0092B-C50C-407E-A947-70E740481C1C}">
-                <a14:useLocalDpi xmlns:a14="http://schemas.microsoft.com/office/drawing/2010/main" val="0"/>
+              <a:ext uri="{FF2B5EF4-FFF2-40B4-BE49-F238E27FC236}">
+                <a16:creationId xmlns:a16="http://schemas.microsoft.com/office/drawing/2014/main" id="{26495F02-3385-4489-B540-E8477CB2E834}"/>
               </a:ext>
             </a:extLst>
-          </a:blip>
-          <a:stretch>
-            <a:fillRect/>
-          </a:stretch>
-        </p:blipFill>
-        <p:spPr>
-          <a:xfrm>
-            <a:off x="991032" y="1962057"/>
-            <a:ext cx="10201469" cy="2861988"/>
-          </a:xfrm>
-          <a:prstGeom prst="rect">
-            <a:avLst/>
-          </a:prstGeom>
-        </p:spPr>
-      </p:pic>
+          </p:cNvPr>
+          <p:cNvSpPr>
+            <a:spLocks noGrp="1"/>
+          </p:cNvSpPr>
+          <p:nvPr>
+            <p:ph idx="1"/>
+          </p:nvPr>
+        </p:nvSpPr>
+        <p:spPr/>
+        <p:txBody>
+          <a:bodyPr/>
+          <a:lstStyle/>
+          <a:p>
+            <a:r>
+              <a:rPr lang="en-US" dirty="0"/>
+              <a:t>Modules should operate on latest value (Tag) data</a:t>
+            </a:r>
+          </a:p>
+          <a:p>
+            <a:r>
+              <a:rPr lang="en-US" dirty="0"/>
+              <a:t>They should generate new values, modify existing values, or route values</a:t>
+            </a:r>
+          </a:p>
+          <a:p>
+            <a:r>
+              <a:rPr lang="en-US" dirty="0"/>
+              <a:t>Communicating stream data between modules may not be a good fit</a:t>
+            </a:r>
+          </a:p>
+        </p:txBody>
+      </p:sp>
     </p:spTree>
     <p:extLst>
       <p:ext uri="{BB962C8B-B14F-4D97-AF65-F5344CB8AC3E}">
-        <p14:creationId xmlns:p14="http://schemas.microsoft.com/office/powerpoint/2010/main" val="698999797"/>
+        <p14:creationId xmlns:p14="http://schemas.microsoft.com/office/powerpoint/2010/main" val="1736976663"/>
       </p:ext>
     </p:extLst>
   </p:cSld>
@@ -7816,32 +9086,10 @@
       </p:grpSpPr>
       <p:sp>
         <p:nvSpPr>
-          <p:cNvPr id="2" name="Title 1"/>
-          <p:cNvSpPr>
-            <a:spLocks noGrp="1"/>
-          </p:cNvSpPr>
-          <p:nvPr>
-            <p:ph type="title"/>
-          </p:nvPr>
-        </p:nvSpPr>
-        <p:spPr/>
-        <p:txBody>
-          <a:bodyPr/>
-          <a:lstStyle/>
-          <a:p>
-            <a:r>
-              <a:rPr lang="en-US" dirty="0"/>
-              <a:t>Coding outside DCAF</a:t>
-            </a:r>
-          </a:p>
-        </p:txBody>
-      </p:sp>
-      <p:sp>
-        <p:nvSpPr>
-          <p:cNvPr id="5" name="Content Placeholder 4">
+          <p:cNvPr id="2" name="Title 1">
             <a:extLst>
               <a:ext uri="{FF2B5EF4-FFF2-40B4-BE49-F238E27FC236}">
-                <a16:creationId xmlns:a16="http://schemas.microsoft.com/office/drawing/2014/main" id="{CBA9194C-7536-4344-AB1B-CB60A3B7D5F7}"/>
+                <a16:creationId xmlns:a16="http://schemas.microsoft.com/office/drawing/2014/main" id="{E6C2659F-83BC-4FCB-AEBD-13BE1F760F9A}"/>
               </a:ext>
             </a:extLst>
           </p:cNvPr>
@@ -7849,83 +9097,81 @@
             <a:spLocks noGrp="1"/>
           </p:cNvSpPr>
           <p:nvPr>
-            <p:ph sz="half" idx="1"/>
+            <p:ph type="title"/>
           </p:nvPr>
         </p:nvSpPr>
-        <p:spPr>
-          <a:xfrm>
-            <a:off x="605367" y="975361"/>
-            <a:ext cx="11272597" cy="2200275"/>
-          </a:xfrm>
-        </p:spPr>
+        <p:spPr/>
         <p:txBody>
           <a:bodyPr/>
           <a:lstStyle/>
           <a:p>
             <a:r>
               <a:rPr lang="en-US" dirty="0"/>
-              <a:t>Example loop from the project template</a:t>
-            </a:r>
-          </a:p>
-          <a:p>
-            <a:r>
-              <a:rPr lang="en-US" dirty="0"/>
-              <a:t>Only need to call the engine and check, other code can run alongside as needed</a:t>
-            </a:r>
-          </a:p>
-        </p:txBody>
-      </p:sp>
-      <p:pic>
-        <p:nvPicPr>
-          <p:cNvPr id="1026" name="Picture 2" descr="ApplicationLoop.png">
+              <a:t>What Should be a Module</a:t>
+            </a:r>
+          </a:p>
+        </p:txBody>
+      </p:sp>
+      <p:sp>
+        <p:nvSpPr>
+          <p:cNvPr id="3" name="Content Placeholder 2">
             <a:extLst>
               <a:ext uri="{FF2B5EF4-FFF2-40B4-BE49-F238E27FC236}">
-                <a16:creationId xmlns:a16="http://schemas.microsoft.com/office/drawing/2014/main" id="{F1E8CF00-2B9C-49D7-A223-5729B16F4B65}"/>
+                <a16:creationId xmlns:a16="http://schemas.microsoft.com/office/drawing/2014/main" id="{26495F02-3385-4489-B540-E8477CB2E834}"/>
               </a:ext>
             </a:extLst>
           </p:cNvPr>
-          <p:cNvPicPr>
-            <a:picLocks noChangeAspect="1" noChangeArrowheads="1"/>
-          </p:cNvPicPr>
-          <p:nvPr/>
-        </p:nvPicPr>
-        <p:blipFill>
-          <a:blip r:embed="rId2">
-            <a:extLst>
-              <a:ext uri="{28A0092B-C50C-407E-A947-70E740481C1C}">
-                <a14:useLocalDpi xmlns:a14="http://schemas.microsoft.com/office/drawing/2010/main" val="0"/>
-              </a:ext>
-            </a:extLst>
-          </a:blip>
-          <a:srcRect/>
-          <a:stretch>
-            <a:fillRect/>
-          </a:stretch>
-        </p:blipFill>
-        <p:spPr bwMode="auto">
-          <a:xfrm>
-            <a:off x="2992679" y="3298680"/>
-            <a:ext cx="5953125" cy="2200275"/>
-          </a:xfrm>
-          <a:prstGeom prst="rect">
-            <a:avLst/>
-          </a:prstGeom>
-          <a:noFill/>
-          <a:extLst>
-            <a:ext uri="{909E8E84-426E-40DD-AFC4-6F175D3DCCD1}">
-              <a14:hiddenFill xmlns:a14="http://schemas.microsoft.com/office/drawing/2010/main">
-                <a:solidFill>
-                  <a:srgbClr val="FFFFFF"/>
-                </a:solidFill>
-              </a14:hiddenFill>
-            </a:ext>
-          </a:extLst>
-        </p:spPr>
-      </p:pic>
+          <p:cNvSpPr>
+            <a:spLocks noGrp="1"/>
+          </p:cNvSpPr>
+          <p:nvPr>
+            <p:ph idx="1"/>
+          </p:nvPr>
+        </p:nvSpPr>
+        <p:spPr/>
+        <p:txBody>
+          <a:bodyPr/>
+          <a:lstStyle/>
+          <a:p>
+            <a:r>
+              <a:rPr lang="en-US" dirty="0"/>
+              <a:t>Application Specific vs Reusable</a:t>
+            </a:r>
+          </a:p>
+          <a:p>
+            <a:pPr lvl="1"/>
+            <a:r>
+              <a:rPr lang="en-US" dirty="0"/>
+              <a:t>Application Logic could be within a module or outside of DCAF</a:t>
+            </a:r>
+          </a:p>
+          <a:p>
+            <a:pPr lvl="1"/>
+            <a:r>
+              <a:rPr lang="en-US" dirty="0"/>
+              <a:t>Consider making a module into a state machine for control</a:t>
+            </a:r>
+          </a:p>
+          <a:p>
+            <a:pPr lvl="1"/>
+            <a:r>
+              <a:rPr lang="en-US" dirty="0"/>
+              <a:t>Remember the state machine should not block</a:t>
+            </a:r>
+          </a:p>
+          <a:p>
+            <a:pPr lvl="1"/>
+            <a:r>
+              <a:rPr lang="en-US" dirty="0"/>
+              <a:t>Do not hold state data in the module unless there can be only one instance</a:t>
+            </a:r>
+          </a:p>
+        </p:txBody>
+      </p:sp>
     </p:spTree>
     <p:extLst>
       <p:ext uri="{BB962C8B-B14F-4D97-AF65-F5344CB8AC3E}">
-        <p14:creationId xmlns:p14="http://schemas.microsoft.com/office/powerpoint/2010/main" val="2850981985"/>
+        <p14:creationId xmlns:p14="http://schemas.microsoft.com/office/powerpoint/2010/main" val="1702721553"/>
       </p:ext>
     </p:extLst>
   </p:cSld>
@@ -7975,17 +9221,65 @@
           <a:p>
             <a:r>
               <a:rPr lang="en-US" dirty="0"/>
-              <a:t>Coding outside DCAF - CVT</a:t>
-            </a:r>
-          </a:p>
-        </p:txBody>
-      </p:sp>
-      <p:sp>
-        <p:nvSpPr>
-          <p:cNvPr id="20" name="Rounded Rectangle 3">
+              <a:t>How many modules?</a:t>
+            </a:r>
+          </a:p>
+        </p:txBody>
+      </p:sp>
+      <p:sp>
+        <p:nvSpPr>
+          <p:cNvPr id="3" name="Content Placeholder 2">
             <a:extLst>
               <a:ext uri="{FF2B5EF4-FFF2-40B4-BE49-F238E27FC236}">
-                <a16:creationId xmlns:a16="http://schemas.microsoft.com/office/drawing/2014/main" id="{FA949F27-7D41-463A-B6B6-D81D1AF6DE9F}"/>
+                <a16:creationId xmlns:a16="http://schemas.microsoft.com/office/drawing/2014/main" id="{26495F02-3385-4489-B540-E8477CB2E834}"/>
+              </a:ext>
+            </a:extLst>
+          </p:cNvPr>
+          <p:cNvSpPr>
+            <a:spLocks noGrp="1"/>
+          </p:cNvSpPr>
+          <p:nvPr>
+            <p:ph idx="1"/>
+          </p:nvPr>
+        </p:nvSpPr>
+        <p:spPr>
+          <a:xfrm>
+            <a:off x="605367" y="975360"/>
+            <a:ext cx="10972800" cy="1185949"/>
+          </a:xfrm>
+        </p:spPr>
+        <p:txBody>
+          <a:bodyPr/>
+          <a:lstStyle/>
+          <a:p>
+            <a:r>
+              <a:rPr lang="en-US" dirty="0"/>
+              <a:t>If two modules must always be used with each other, consider combining them. </a:t>
+            </a:r>
+          </a:p>
+          <a:p>
+            <a:endParaRPr lang="en-US" dirty="0"/>
+          </a:p>
+          <a:p>
+            <a:endParaRPr lang="en-US" dirty="0"/>
+          </a:p>
+          <a:p>
+            <a:endParaRPr lang="en-US" dirty="0"/>
+          </a:p>
+          <a:p>
+            <a:pPr marL="0" indent="0">
+              <a:buNone/>
+            </a:pPr>
+            <a:endParaRPr lang="en-US" dirty="0"/>
+          </a:p>
+        </p:txBody>
+      </p:sp>
+      <p:sp>
+        <p:nvSpPr>
+          <p:cNvPr id="12" name="Rounded Rectangle 3">
+            <a:extLst>
+              <a:ext uri="{FF2B5EF4-FFF2-40B4-BE49-F238E27FC236}">
+                <a16:creationId xmlns:a16="http://schemas.microsoft.com/office/drawing/2014/main" id="{071EB096-6C5A-4742-AB6E-310B48A5462D}"/>
               </a:ext>
             </a:extLst>
           </p:cNvPr>
@@ -7994,7 +9288,7 @@
         </p:nvSpPr>
         <p:spPr>
           <a:xfrm>
-            <a:off x="367933" y="3878412"/>
+            <a:off x="276394" y="3073081"/>
             <a:ext cx="1828800" cy="771787"/>
           </a:xfrm>
           <a:prstGeom prst="roundRect">
@@ -8039,17 +9333,17 @@
             <a:pPr algn="ctr"/>
             <a:r>
               <a:rPr lang="en-US" dirty="0"/>
-              <a:t>Input</a:t>
-            </a:r>
-          </a:p>
-        </p:txBody>
-      </p:sp>
-      <p:sp>
-        <p:nvSpPr>
-          <p:cNvPr id="25" name="Rounded Rectangle 4">
+              <a:t>Custom Input Module 1</a:t>
+            </a:r>
+          </a:p>
+        </p:txBody>
+      </p:sp>
+      <p:sp>
+        <p:nvSpPr>
+          <p:cNvPr id="13" name="Rounded Rectangle 4">
             <a:extLst>
               <a:ext uri="{FF2B5EF4-FFF2-40B4-BE49-F238E27FC236}">
-                <a16:creationId xmlns:a16="http://schemas.microsoft.com/office/drawing/2014/main" id="{D5F9C736-E9C8-4F5E-B04D-1C64141E2790}"/>
+                <a16:creationId xmlns:a16="http://schemas.microsoft.com/office/drawing/2014/main" id="{DF97D33A-496D-415C-9003-D9090F872DE8}"/>
               </a:ext>
             </a:extLst>
           </p:cNvPr>
@@ -8058,7 +9352,7 @@
         </p:nvSpPr>
         <p:spPr>
           <a:xfrm>
-            <a:off x="2737274" y="3857169"/>
+            <a:off x="2645735" y="3051838"/>
             <a:ext cx="1828800" cy="771787"/>
           </a:xfrm>
           <a:prstGeom prst="roundRect">
@@ -8103,17 +9397,17 @@
             <a:pPr algn="ctr"/>
             <a:r>
               <a:rPr lang="en-US" dirty="0"/>
-              <a:t>CVT</a:t>
-            </a:r>
-          </a:p>
-        </p:txBody>
-      </p:sp>
-      <p:sp>
-        <p:nvSpPr>
-          <p:cNvPr id="26" name="Rounded Rectangle 5">
+              <a:t>Custom Process Module 1</a:t>
+            </a:r>
+          </a:p>
+        </p:txBody>
+      </p:sp>
+      <p:sp>
+        <p:nvSpPr>
+          <p:cNvPr id="14" name="Rounded Rectangle 5">
             <a:extLst>
               <a:ext uri="{FF2B5EF4-FFF2-40B4-BE49-F238E27FC236}">
-                <a16:creationId xmlns:a16="http://schemas.microsoft.com/office/drawing/2014/main" id="{C2DA55EE-BE62-49DE-9C21-D43FCB46B57D}"/>
+                <a16:creationId xmlns:a16="http://schemas.microsoft.com/office/drawing/2014/main" id="{AC7AE688-9FA1-4E17-8726-8DE82A9C07BB}"/>
               </a:ext>
             </a:extLst>
           </p:cNvPr>
@@ -8122,7 +9416,7 @@
         </p:nvSpPr>
         <p:spPr>
           <a:xfrm>
-            <a:off x="4989495" y="3857167"/>
+            <a:off x="4897956" y="3051836"/>
             <a:ext cx="1828800" cy="771787"/>
           </a:xfrm>
           <a:prstGeom prst="roundRect">
@@ -8167,6 +9461,2427 @@
             <a:pPr algn="ctr"/>
             <a:r>
               <a:rPr lang="en-US" dirty="0"/>
+              <a:t>Scan Engine Module</a:t>
+            </a:r>
+          </a:p>
+        </p:txBody>
+      </p:sp>
+      <p:sp>
+        <p:nvSpPr>
+          <p:cNvPr id="15" name="Rounded Rectangle 6">
+            <a:extLst>
+              <a:ext uri="{FF2B5EF4-FFF2-40B4-BE49-F238E27FC236}">
+                <a16:creationId xmlns:a16="http://schemas.microsoft.com/office/drawing/2014/main" id="{175EFA03-0F68-4E83-A963-597CBB5A67DF}"/>
+              </a:ext>
+            </a:extLst>
+          </p:cNvPr>
+          <p:cNvSpPr/>
+          <p:nvPr/>
+        </p:nvSpPr>
+        <p:spPr>
+          <a:xfrm>
+            <a:off x="276395" y="2161309"/>
+            <a:ext cx="6450362" cy="771787"/>
+          </a:xfrm>
+          <a:prstGeom prst="roundRect">
+            <a:avLst/>
+          </a:prstGeom>
+          <a:solidFill>
+            <a:srgbClr val="C00000"/>
+          </a:solidFill>
+          <a:ln w="28575">
+            <a:solidFill>
+              <a:schemeClr val="tx1"/>
+            </a:solidFill>
+          </a:ln>
+          <a:effectLst>
+            <a:outerShdw blurRad="50800" dist="38100" dir="2700000" algn="tl" rotWithShape="0">
+              <a:prstClr val="black">
+                <a:alpha val="40000"/>
+              </a:prstClr>
+            </a:outerShdw>
+          </a:effectLst>
+        </p:spPr>
+        <p:style>
+          <a:lnRef idx="1">
+            <a:schemeClr val="accent1"/>
+          </a:lnRef>
+          <a:fillRef idx="3">
+            <a:schemeClr val="accent1"/>
+          </a:fillRef>
+          <a:effectRef idx="2">
+            <a:schemeClr val="accent1"/>
+          </a:effectRef>
+          <a:fontRef idx="minor">
+            <a:schemeClr val="lt1"/>
+          </a:fontRef>
+        </p:style>
+        <p:txBody>
+          <a:bodyPr rtlCol="0" anchor="ctr"/>
+          <a:lstStyle/>
+          <a:p>
+            <a:pPr algn="ctr"/>
+            <a:r>
+              <a:rPr lang="en-US" dirty="0"/>
+              <a:t>Engine</a:t>
+            </a:r>
+          </a:p>
+        </p:txBody>
+      </p:sp>
+      <p:sp>
+        <p:nvSpPr>
+          <p:cNvPr id="19" name="Up Arrow 10">
+            <a:extLst>
+              <a:ext uri="{FF2B5EF4-FFF2-40B4-BE49-F238E27FC236}">
+                <a16:creationId xmlns:a16="http://schemas.microsoft.com/office/drawing/2014/main" id="{2607A99D-61B4-467E-BBED-0AA7D97CB935}"/>
+              </a:ext>
+            </a:extLst>
+          </p:cNvPr>
+          <p:cNvSpPr/>
+          <p:nvPr/>
+        </p:nvSpPr>
+        <p:spPr>
+          <a:xfrm rot="5400000">
+            <a:off x="2308189" y="3097288"/>
+            <a:ext cx="251671" cy="680885"/>
+          </a:xfrm>
+          <a:prstGeom prst="upArrow">
+            <a:avLst/>
+          </a:prstGeom>
+          <a:solidFill>
+            <a:schemeClr val="accent1"/>
+          </a:solidFill>
+          <a:ln>
+            <a:noFill/>
+          </a:ln>
+          <a:effectLst>
+            <a:outerShdw blurRad="50800" dist="38100" dir="2700000" algn="tl" rotWithShape="0">
+              <a:prstClr val="black">
+                <a:alpha val="40000"/>
+              </a:prstClr>
+            </a:outerShdw>
+          </a:effectLst>
+        </p:spPr>
+        <p:style>
+          <a:lnRef idx="1">
+            <a:schemeClr val="accent1"/>
+          </a:lnRef>
+          <a:fillRef idx="3">
+            <a:schemeClr val="accent1"/>
+          </a:fillRef>
+          <a:effectRef idx="2">
+            <a:schemeClr val="accent1"/>
+          </a:effectRef>
+          <a:fontRef idx="minor">
+            <a:schemeClr val="lt1"/>
+          </a:fontRef>
+        </p:style>
+        <p:txBody>
+          <a:bodyPr rtlCol="0" anchor="ctr"/>
+          <a:lstStyle/>
+          <a:p>
+            <a:pPr algn="ctr"/>
+            <a:endParaRPr lang="en-US"/>
+          </a:p>
+        </p:txBody>
+      </p:sp>
+      <p:sp>
+        <p:nvSpPr>
+          <p:cNvPr id="21" name="Cloud 20">
+            <a:extLst>
+              <a:ext uri="{FF2B5EF4-FFF2-40B4-BE49-F238E27FC236}">
+                <a16:creationId xmlns:a16="http://schemas.microsoft.com/office/drawing/2014/main" id="{90E59BB9-204E-4888-8718-CEF2A224153E}"/>
+              </a:ext>
+            </a:extLst>
+          </p:cNvPr>
+          <p:cNvSpPr/>
+          <p:nvPr/>
+        </p:nvSpPr>
+        <p:spPr>
+          <a:xfrm>
+            <a:off x="504067" y="4361383"/>
+            <a:ext cx="1373453" cy="839972"/>
+          </a:xfrm>
+          <a:prstGeom prst="cloud">
+            <a:avLst/>
+          </a:prstGeom>
+          <a:noFill/>
+          <a:ln w="12700">
+            <a:solidFill>
+              <a:srgbClr val="0A60A3"/>
+            </a:solidFill>
+          </a:ln>
+          <a:effectLst/>
+        </p:spPr>
+        <p:style>
+          <a:lnRef idx="1">
+            <a:schemeClr val="accent1"/>
+          </a:lnRef>
+          <a:fillRef idx="3">
+            <a:schemeClr val="accent1"/>
+          </a:fillRef>
+          <a:effectRef idx="2">
+            <a:schemeClr val="accent1"/>
+          </a:effectRef>
+          <a:fontRef idx="minor">
+            <a:schemeClr val="lt1"/>
+          </a:fontRef>
+        </p:style>
+        <p:txBody>
+          <a:bodyPr lIns="0" rIns="0" rtlCol="0" anchor="ctr"/>
+          <a:lstStyle/>
+          <a:p>
+            <a:pPr algn="ctr"/>
+            <a:r>
+              <a:rPr lang="en-US" dirty="0">
+                <a:solidFill>
+                  <a:schemeClr val="tx1"/>
+                </a:solidFill>
+              </a:rPr>
+              <a:t>Outside</a:t>
+            </a:r>
+          </a:p>
+        </p:txBody>
+      </p:sp>
+      <p:sp>
+        <p:nvSpPr>
+          <p:cNvPr id="22" name="Cloud 21">
+            <a:extLst>
+              <a:ext uri="{FF2B5EF4-FFF2-40B4-BE49-F238E27FC236}">
+                <a16:creationId xmlns:a16="http://schemas.microsoft.com/office/drawing/2014/main" id="{09B02587-D073-4F9A-BCEA-01621FBAE694}"/>
+              </a:ext>
+            </a:extLst>
+          </p:cNvPr>
+          <p:cNvSpPr/>
+          <p:nvPr/>
+        </p:nvSpPr>
+        <p:spPr>
+          <a:xfrm>
+            <a:off x="5117922" y="4361383"/>
+            <a:ext cx="1373453" cy="839972"/>
+          </a:xfrm>
+          <a:prstGeom prst="cloud">
+            <a:avLst/>
+          </a:prstGeom>
+          <a:noFill/>
+          <a:ln w="12700">
+            <a:solidFill>
+              <a:srgbClr val="0A60A3"/>
+            </a:solidFill>
+          </a:ln>
+          <a:effectLst/>
+        </p:spPr>
+        <p:style>
+          <a:lnRef idx="1">
+            <a:schemeClr val="accent1"/>
+          </a:lnRef>
+          <a:fillRef idx="3">
+            <a:schemeClr val="accent1"/>
+          </a:fillRef>
+          <a:effectRef idx="2">
+            <a:schemeClr val="accent1"/>
+          </a:effectRef>
+          <a:fontRef idx="minor">
+            <a:schemeClr val="lt1"/>
+          </a:fontRef>
+        </p:style>
+        <p:txBody>
+          <a:bodyPr lIns="0" rIns="0" rtlCol="0" anchor="ctr"/>
+          <a:lstStyle/>
+          <a:p>
+            <a:pPr algn="ctr"/>
+            <a:r>
+              <a:rPr lang="en-US" dirty="0">
+                <a:solidFill>
+                  <a:schemeClr val="tx1"/>
+                </a:solidFill>
+              </a:rPr>
+              <a:t>Outside</a:t>
+            </a:r>
+          </a:p>
+        </p:txBody>
+      </p:sp>
+      <p:sp>
+        <p:nvSpPr>
+          <p:cNvPr id="23" name="Up Arrow 20">
+            <a:extLst>
+              <a:ext uri="{FF2B5EF4-FFF2-40B4-BE49-F238E27FC236}">
+                <a16:creationId xmlns:a16="http://schemas.microsoft.com/office/drawing/2014/main" id="{A68F2FA6-0C89-4906-9937-FED90954453C}"/>
+              </a:ext>
+            </a:extLst>
+          </p:cNvPr>
+          <p:cNvSpPr/>
+          <p:nvPr/>
+        </p:nvSpPr>
+        <p:spPr>
+          <a:xfrm>
+            <a:off x="1128865" y="3826648"/>
+            <a:ext cx="251671" cy="680885"/>
+          </a:xfrm>
+          <a:prstGeom prst="upArrow">
+            <a:avLst/>
+          </a:prstGeom>
+          <a:solidFill>
+            <a:schemeClr val="bg2">
+              <a:lumMod val="75000"/>
+            </a:schemeClr>
+          </a:solidFill>
+          <a:ln>
+            <a:noFill/>
+          </a:ln>
+          <a:effectLst>
+            <a:outerShdw blurRad="50800" dist="38100" dir="2700000" algn="tl" rotWithShape="0">
+              <a:prstClr val="black">
+                <a:alpha val="40000"/>
+              </a:prstClr>
+            </a:outerShdw>
+          </a:effectLst>
+        </p:spPr>
+        <p:style>
+          <a:lnRef idx="1">
+            <a:schemeClr val="accent1"/>
+          </a:lnRef>
+          <a:fillRef idx="3">
+            <a:schemeClr val="accent1"/>
+          </a:fillRef>
+          <a:effectRef idx="2">
+            <a:schemeClr val="accent1"/>
+          </a:effectRef>
+          <a:fontRef idx="minor">
+            <a:schemeClr val="lt1"/>
+          </a:fontRef>
+        </p:style>
+        <p:txBody>
+          <a:bodyPr rtlCol="0" anchor="ctr"/>
+          <a:lstStyle/>
+          <a:p>
+            <a:pPr algn="ctr"/>
+            <a:endParaRPr lang="en-US"/>
+          </a:p>
+        </p:txBody>
+      </p:sp>
+      <p:sp>
+        <p:nvSpPr>
+          <p:cNvPr id="24" name="Up Arrow 21">
+            <a:extLst>
+              <a:ext uri="{FF2B5EF4-FFF2-40B4-BE49-F238E27FC236}">
+                <a16:creationId xmlns:a16="http://schemas.microsoft.com/office/drawing/2014/main" id="{D68BCC7F-FC49-40A6-AF7A-82C4B8783470}"/>
+              </a:ext>
+            </a:extLst>
+          </p:cNvPr>
+          <p:cNvSpPr/>
+          <p:nvPr/>
+        </p:nvSpPr>
+        <p:spPr>
+          <a:xfrm rot="10800000">
+            <a:off x="5762484" y="3823623"/>
+            <a:ext cx="251671" cy="680885"/>
+          </a:xfrm>
+          <a:prstGeom prst="upArrow">
+            <a:avLst/>
+          </a:prstGeom>
+          <a:solidFill>
+            <a:schemeClr val="bg2">
+              <a:lumMod val="75000"/>
+            </a:schemeClr>
+          </a:solidFill>
+          <a:ln>
+            <a:noFill/>
+          </a:ln>
+          <a:effectLst>
+            <a:outerShdw blurRad="50800" dist="38100" dir="2700000" algn="tl" rotWithShape="0">
+              <a:prstClr val="black">
+                <a:alpha val="40000"/>
+              </a:prstClr>
+            </a:outerShdw>
+          </a:effectLst>
+        </p:spPr>
+        <p:style>
+          <a:lnRef idx="1">
+            <a:schemeClr val="accent1"/>
+          </a:lnRef>
+          <a:fillRef idx="3">
+            <a:schemeClr val="accent1"/>
+          </a:fillRef>
+          <a:effectRef idx="2">
+            <a:schemeClr val="accent1"/>
+          </a:effectRef>
+          <a:fontRef idx="minor">
+            <a:schemeClr val="lt1"/>
+          </a:fontRef>
+        </p:style>
+        <p:txBody>
+          <a:bodyPr rtlCol="0" anchor="ctr"/>
+          <a:lstStyle/>
+          <a:p>
+            <a:pPr algn="ctr"/>
+            <a:endParaRPr lang="en-US"/>
+          </a:p>
+        </p:txBody>
+      </p:sp>
+      <p:sp>
+        <p:nvSpPr>
+          <p:cNvPr id="27" name="Up Arrow 10">
+            <a:extLst>
+              <a:ext uri="{FF2B5EF4-FFF2-40B4-BE49-F238E27FC236}">
+                <a16:creationId xmlns:a16="http://schemas.microsoft.com/office/drawing/2014/main" id="{62E99CE7-AF3E-42A9-AE95-2940A292B10F}"/>
+              </a:ext>
+            </a:extLst>
+          </p:cNvPr>
+          <p:cNvSpPr/>
+          <p:nvPr/>
+        </p:nvSpPr>
+        <p:spPr>
+          <a:xfrm rot="5400000">
+            <a:off x="4689142" y="3097288"/>
+            <a:ext cx="251671" cy="680885"/>
+          </a:xfrm>
+          <a:prstGeom prst="upArrow">
+            <a:avLst/>
+          </a:prstGeom>
+          <a:solidFill>
+            <a:schemeClr val="accent1"/>
+          </a:solidFill>
+          <a:ln>
+            <a:noFill/>
+          </a:ln>
+          <a:effectLst>
+            <a:outerShdw blurRad="50800" dist="38100" dir="2700000" algn="tl" rotWithShape="0">
+              <a:prstClr val="black">
+                <a:alpha val="40000"/>
+              </a:prstClr>
+            </a:outerShdw>
+          </a:effectLst>
+        </p:spPr>
+        <p:style>
+          <a:lnRef idx="1">
+            <a:schemeClr val="accent1"/>
+          </a:lnRef>
+          <a:fillRef idx="3">
+            <a:schemeClr val="accent1"/>
+          </a:fillRef>
+          <a:effectRef idx="2">
+            <a:schemeClr val="accent1"/>
+          </a:effectRef>
+          <a:fontRef idx="minor">
+            <a:schemeClr val="lt1"/>
+          </a:fontRef>
+        </p:style>
+        <p:txBody>
+          <a:bodyPr rtlCol="0" anchor="ctr"/>
+          <a:lstStyle/>
+          <a:p>
+            <a:pPr algn="ctr"/>
+            <a:endParaRPr lang="en-US"/>
+          </a:p>
+        </p:txBody>
+      </p:sp>
+      <p:sp>
+        <p:nvSpPr>
+          <p:cNvPr id="28" name="Rounded Rectangle 3">
+            <a:extLst>
+              <a:ext uri="{FF2B5EF4-FFF2-40B4-BE49-F238E27FC236}">
+                <a16:creationId xmlns:a16="http://schemas.microsoft.com/office/drawing/2014/main" id="{7CC7B42D-4BD3-4843-B649-D1D2C51AC315}"/>
+              </a:ext>
+            </a:extLst>
+          </p:cNvPr>
+          <p:cNvSpPr/>
+          <p:nvPr/>
+        </p:nvSpPr>
+        <p:spPr>
+          <a:xfrm>
+            <a:off x="7490956" y="3068104"/>
+            <a:ext cx="1828800" cy="771787"/>
+          </a:xfrm>
+          <a:prstGeom prst="roundRect">
+            <a:avLst/>
+          </a:prstGeom>
+          <a:solidFill>
+            <a:schemeClr val="tx2">
+              <a:lumMod val="50000"/>
+            </a:schemeClr>
+          </a:solidFill>
+          <a:ln w="28575">
+            <a:solidFill>
+              <a:schemeClr val="tx1"/>
+            </a:solidFill>
+          </a:ln>
+          <a:effectLst>
+            <a:outerShdw blurRad="50800" dist="38100" dir="2700000" algn="tl" rotWithShape="0">
+              <a:prstClr val="black">
+                <a:alpha val="40000"/>
+              </a:prstClr>
+            </a:outerShdw>
+          </a:effectLst>
+        </p:spPr>
+        <p:style>
+          <a:lnRef idx="1">
+            <a:schemeClr val="accent1"/>
+          </a:lnRef>
+          <a:fillRef idx="3">
+            <a:schemeClr val="accent1"/>
+          </a:fillRef>
+          <a:effectRef idx="2">
+            <a:schemeClr val="accent1"/>
+          </a:effectRef>
+          <a:fontRef idx="minor">
+            <a:schemeClr val="lt1"/>
+          </a:fontRef>
+        </p:style>
+        <p:txBody>
+          <a:bodyPr rtlCol="0" anchor="ctr"/>
+          <a:lstStyle/>
+          <a:p>
+            <a:pPr algn="ctr"/>
+            <a:r>
+              <a:rPr lang="en-US" dirty="0"/>
+              <a:t>Custom Input And Process</a:t>
+            </a:r>
+          </a:p>
+        </p:txBody>
+      </p:sp>
+      <p:sp>
+        <p:nvSpPr>
+          <p:cNvPr id="30" name="Rounded Rectangle 5">
+            <a:extLst>
+              <a:ext uri="{FF2B5EF4-FFF2-40B4-BE49-F238E27FC236}">
+                <a16:creationId xmlns:a16="http://schemas.microsoft.com/office/drawing/2014/main" id="{0B903C28-4763-4F90-A3ED-ECBCE2F72FF9}"/>
+              </a:ext>
+            </a:extLst>
+          </p:cNvPr>
+          <p:cNvSpPr/>
+          <p:nvPr/>
+        </p:nvSpPr>
+        <p:spPr>
+          <a:xfrm>
+            <a:off x="9822187" y="3051835"/>
+            <a:ext cx="1828800" cy="771787"/>
+          </a:xfrm>
+          <a:prstGeom prst="roundRect">
+            <a:avLst/>
+          </a:prstGeom>
+          <a:solidFill>
+            <a:schemeClr val="tx2">
+              <a:lumMod val="50000"/>
+            </a:schemeClr>
+          </a:solidFill>
+          <a:ln w="28575">
+            <a:solidFill>
+              <a:schemeClr val="tx1"/>
+            </a:solidFill>
+          </a:ln>
+          <a:effectLst>
+            <a:outerShdw blurRad="50800" dist="38100" dir="2700000" algn="tl" rotWithShape="0">
+              <a:prstClr val="black">
+                <a:alpha val="40000"/>
+              </a:prstClr>
+            </a:outerShdw>
+          </a:effectLst>
+        </p:spPr>
+        <p:style>
+          <a:lnRef idx="1">
+            <a:schemeClr val="accent1"/>
+          </a:lnRef>
+          <a:fillRef idx="3">
+            <a:schemeClr val="accent1"/>
+          </a:fillRef>
+          <a:effectRef idx="2">
+            <a:schemeClr val="accent1"/>
+          </a:effectRef>
+          <a:fontRef idx="minor">
+            <a:schemeClr val="lt1"/>
+          </a:fontRef>
+        </p:style>
+        <p:txBody>
+          <a:bodyPr rtlCol="0" anchor="ctr"/>
+          <a:lstStyle/>
+          <a:p>
+            <a:pPr algn="ctr"/>
+            <a:r>
+              <a:rPr lang="en-US" dirty="0"/>
+              <a:t>Scan Engine Module</a:t>
+            </a:r>
+          </a:p>
+        </p:txBody>
+      </p:sp>
+      <p:sp>
+        <p:nvSpPr>
+          <p:cNvPr id="31" name="Rounded Rectangle 6">
+            <a:extLst>
+              <a:ext uri="{FF2B5EF4-FFF2-40B4-BE49-F238E27FC236}">
+                <a16:creationId xmlns:a16="http://schemas.microsoft.com/office/drawing/2014/main" id="{AFF795A6-D376-453A-A277-8A8D3F27E28E}"/>
+              </a:ext>
+            </a:extLst>
+          </p:cNvPr>
+          <p:cNvSpPr/>
+          <p:nvPr/>
+        </p:nvSpPr>
+        <p:spPr>
+          <a:xfrm>
+            <a:off x="7468203" y="2161309"/>
+            <a:ext cx="4182784" cy="771787"/>
+          </a:xfrm>
+          <a:prstGeom prst="roundRect">
+            <a:avLst/>
+          </a:prstGeom>
+          <a:solidFill>
+            <a:srgbClr val="C00000"/>
+          </a:solidFill>
+          <a:ln w="28575">
+            <a:solidFill>
+              <a:schemeClr val="tx1"/>
+            </a:solidFill>
+          </a:ln>
+          <a:effectLst>
+            <a:outerShdw blurRad="50800" dist="38100" dir="2700000" algn="tl" rotWithShape="0">
+              <a:prstClr val="black">
+                <a:alpha val="40000"/>
+              </a:prstClr>
+            </a:outerShdw>
+          </a:effectLst>
+        </p:spPr>
+        <p:style>
+          <a:lnRef idx="1">
+            <a:schemeClr val="accent1"/>
+          </a:lnRef>
+          <a:fillRef idx="3">
+            <a:schemeClr val="accent1"/>
+          </a:fillRef>
+          <a:effectRef idx="2">
+            <a:schemeClr val="accent1"/>
+          </a:effectRef>
+          <a:fontRef idx="minor">
+            <a:schemeClr val="lt1"/>
+          </a:fontRef>
+        </p:style>
+        <p:txBody>
+          <a:bodyPr rtlCol="0" anchor="ctr"/>
+          <a:lstStyle/>
+          <a:p>
+            <a:pPr algn="ctr"/>
+            <a:r>
+              <a:rPr lang="en-US" dirty="0"/>
+              <a:t>Engine</a:t>
+            </a:r>
+          </a:p>
+        </p:txBody>
+      </p:sp>
+      <p:sp>
+        <p:nvSpPr>
+          <p:cNvPr id="32" name="Up Arrow 10">
+            <a:extLst>
+              <a:ext uri="{FF2B5EF4-FFF2-40B4-BE49-F238E27FC236}">
+                <a16:creationId xmlns:a16="http://schemas.microsoft.com/office/drawing/2014/main" id="{E1A389EB-BBC6-4B8E-810F-A0D4A178D4BB}"/>
+              </a:ext>
+            </a:extLst>
+          </p:cNvPr>
+          <p:cNvSpPr/>
+          <p:nvPr/>
+        </p:nvSpPr>
+        <p:spPr>
+          <a:xfrm rot="5400000">
+            <a:off x="9445136" y="3113554"/>
+            <a:ext cx="251671" cy="680885"/>
+          </a:xfrm>
+          <a:prstGeom prst="upArrow">
+            <a:avLst/>
+          </a:prstGeom>
+          <a:solidFill>
+            <a:schemeClr val="accent1"/>
+          </a:solidFill>
+          <a:ln>
+            <a:noFill/>
+          </a:ln>
+          <a:effectLst>
+            <a:outerShdw blurRad="50800" dist="38100" dir="2700000" algn="tl" rotWithShape="0">
+              <a:prstClr val="black">
+                <a:alpha val="40000"/>
+              </a:prstClr>
+            </a:outerShdw>
+          </a:effectLst>
+        </p:spPr>
+        <p:style>
+          <a:lnRef idx="1">
+            <a:schemeClr val="accent1"/>
+          </a:lnRef>
+          <a:fillRef idx="3">
+            <a:schemeClr val="accent1"/>
+          </a:fillRef>
+          <a:effectRef idx="2">
+            <a:schemeClr val="accent1"/>
+          </a:effectRef>
+          <a:fontRef idx="minor">
+            <a:schemeClr val="lt1"/>
+          </a:fontRef>
+        </p:style>
+        <p:txBody>
+          <a:bodyPr rtlCol="0" anchor="ctr"/>
+          <a:lstStyle/>
+          <a:p>
+            <a:pPr algn="ctr"/>
+            <a:endParaRPr lang="en-US"/>
+          </a:p>
+        </p:txBody>
+      </p:sp>
+      <p:sp>
+        <p:nvSpPr>
+          <p:cNvPr id="33" name="Cloud 32">
+            <a:extLst>
+              <a:ext uri="{FF2B5EF4-FFF2-40B4-BE49-F238E27FC236}">
+                <a16:creationId xmlns:a16="http://schemas.microsoft.com/office/drawing/2014/main" id="{C2E753F2-BEB5-4C4A-AEDC-FA5ACD0D966C}"/>
+              </a:ext>
+            </a:extLst>
+          </p:cNvPr>
+          <p:cNvSpPr/>
+          <p:nvPr/>
+        </p:nvSpPr>
+        <p:spPr>
+          <a:xfrm>
+            <a:off x="7695876" y="4361383"/>
+            <a:ext cx="1373453" cy="839972"/>
+          </a:xfrm>
+          <a:prstGeom prst="cloud">
+            <a:avLst/>
+          </a:prstGeom>
+          <a:noFill/>
+          <a:ln w="12700">
+            <a:solidFill>
+              <a:srgbClr val="0A60A3"/>
+            </a:solidFill>
+          </a:ln>
+          <a:effectLst/>
+        </p:spPr>
+        <p:style>
+          <a:lnRef idx="1">
+            <a:schemeClr val="accent1"/>
+          </a:lnRef>
+          <a:fillRef idx="3">
+            <a:schemeClr val="accent1"/>
+          </a:fillRef>
+          <a:effectRef idx="2">
+            <a:schemeClr val="accent1"/>
+          </a:effectRef>
+          <a:fontRef idx="minor">
+            <a:schemeClr val="lt1"/>
+          </a:fontRef>
+        </p:style>
+        <p:txBody>
+          <a:bodyPr lIns="0" rIns="0" rtlCol="0" anchor="ctr"/>
+          <a:lstStyle/>
+          <a:p>
+            <a:pPr algn="ctr"/>
+            <a:r>
+              <a:rPr lang="en-US" dirty="0">
+                <a:solidFill>
+                  <a:schemeClr val="tx1"/>
+                </a:solidFill>
+              </a:rPr>
+              <a:t>Outside</a:t>
+            </a:r>
+          </a:p>
+        </p:txBody>
+      </p:sp>
+      <p:sp>
+        <p:nvSpPr>
+          <p:cNvPr id="34" name="Cloud 33">
+            <a:extLst>
+              <a:ext uri="{FF2B5EF4-FFF2-40B4-BE49-F238E27FC236}">
+                <a16:creationId xmlns:a16="http://schemas.microsoft.com/office/drawing/2014/main" id="{FEC2E4AB-6521-481F-ADFC-4964E1CACE33}"/>
+              </a:ext>
+            </a:extLst>
+          </p:cNvPr>
+          <p:cNvSpPr/>
+          <p:nvPr/>
+        </p:nvSpPr>
+        <p:spPr>
+          <a:xfrm>
+            <a:off x="10049860" y="4344418"/>
+            <a:ext cx="1373453" cy="839972"/>
+          </a:xfrm>
+          <a:prstGeom prst="cloud">
+            <a:avLst/>
+          </a:prstGeom>
+          <a:noFill/>
+          <a:ln w="12700">
+            <a:solidFill>
+              <a:srgbClr val="0A60A3"/>
+            </a:solidFill>
+          </a:ln>
+          <a:effectLst/>
+        </p:spPr>
+        <p:style>
+          <a:lnRef idx="1">
+            <a:schemeClr val="accent1"/>
+          </a:lnRef>
+          <a:fillRef idx="3">
+            <a:schemeClr val="accent1"/>
+          </a:fillRef>
+          <a:effectRef idx="2">
+            <a:schemeClr val="accent1"/>
+          </a:effectRef>
+          <a:fontRef idx="minor">
+            <a:schemeClr val="lt1"/>
+          </a:fontRef>
+        </p:style>
+        <p:txBody>
+          <a:bodyPr lIns="0" rIns="0" rtlCol="0" anchor="ctr"/>
+          <a:lstStyle/>
+          <a:p>
+            <a:pPr algn="ctr"/>
+            <a:r>
+              <a:rPr lang="en-US" dirty="0">
+                <a:solidFill>
+                  <a:schemeClr val="tx1"/>
+                </a:solidFill>
+              </a:rPr>
+              <a:t>Outside</a:t>
+            </a:r>
+          </a:p>
+        </p:txBody>
+      </p:sp>
+      <p:sp>
+        <p:nvSpPr>
+          <p:cNvPr id="35" name="Up Arrow 20">
+            <a:extLst>
+              <a:ext uri="{FF2B5EF4-FFF2-40B4-BE49-F238E27FC236}">
+                <a16:creationId xmlns:a16="http://schemas.microsoft.com/office/drawing/2014/main" id="{2A061AF9-629F-47D4-9B2F-43A12A96C8D4}"/>
+              </a:ext>
+            </a:extLst>
+          </p:cNvPr>
+          <p:cNvSpPr/>
+          <p:nvPr/>
+        </p:nvSpPr>
+        <p:spPr>
+          <a:xfrm>
+            <a:off x="8320674" y="3826648"/>
+            <a:ext cx="251671" cy="680885"/>
+          </a:xfrm>
+          <a:prstGeom prst="upArrow">
+            <a:avLst/>
+          </a:prstGeom>
+          <a:solidFill>
+            <a:schemeClr val="bg2">
+              <a:lumMod val="75000"/>
+            </a:schemeClr>
+          </a:solidFill>
+          <a:ln>
+            <a:noFill/>
+          </a:ln>
+          <a:effectLst>
+            <a:outerShdw blurRad="50800" dist="38100" dir="2700000" algn="tl" rotWithShape="0">
+              <a:prstClr val="black">
+                <a:alpha val="40000"/>
+              </a:prstClr>
+            </a:outerShdw>
+          </a:effectLst>
+        </p:spPr>
+        <p:style>
+          <a:lnRef idx="1">
+            <a:schemeClr val="accent1"/>
+          </a:lnRef>
+          <a:fillRef idx="3">
+            <a:schemeClr val="accent1"/>
+          </a:fillRef>
+          <a:effectRef idx="2">
+            <a:schemeClr val="accent1"/>
+          </a:effectRef>
+          <a:fontRef idx="minor">
+            <a:schemeClr val="lt1"/>
+          </a:fontRef>
+        </p:style>
+        <p:txBody>
+          <a:bodyPr rtlCol="0" anchor="ctr"/>
+          <a:lstStyle/>
+          <a:p>
+            <a:pPr algn="ctr"/>
+            <a:endParaRPr lang="en-US"/>
+          </a:p>
+        </p:txBody>
+      </p:sp>
+      <p:sp>
+        <p:nvSpPr>
+          <p:cNvPr id="36" name="Up Arrow 21">
+            <a:extLst>
+              <a:ext uri="{FF2B5EF4-FFF2-40B4-BE49-F238E27FC236}">
+                <a16:creationId xmlns:a16="http://schemas.microsoft.com/office/drawing/2014/main" id="{B4824F15-F0E0-4962-BA25-1063D7AD58E5}"/>
+              </a:ext>
+            </a:extLst>
+          </p:cNvPr>
+          <p:cNvSpPr/>
+          <p:nvPr/>
+        </p:nvSpPr>
+        <p:spPr>
+          <a:xfrm rot="10800000">
+            <a:off x="10675231" y="3823622"/>
+            <a:ext cx="251671" cy="680885"/>
+          </a:xfrm>
+          <a:prstGeom prst="upArrow">
+            <a:avLst/>
+          </a:prstGeom>
+          <a:solidFill>
+            <a:schemeClr val="bg2">
+              <a:lumMod val="75000"/>
+            </a:schemeClr>
+          </a:solidFill>
+          <a:ln>
+            <a:noFill/>
+          </a:ln>
+          <a:effectLst>
+            <a:outerShdw blurRad="50800" dist="38100" dir="2700000" algn="tl" rotWithShape="0">
+              <a:prstClr val="black">
+                <a:alpha val="40000"/>
+              </a:prstClr>
+            </a:outerShdw>
+          </a:effectLst>
+        </p:spPr>
+        <p:style>
+          <a:lnRef idx="1">
+            <a:schemeClr val="accent1"/>
+          </a:lnRef>
+          <a:fillRef idx="3">
+            <a:schemeClr val="accent1"/>
+          </a:fillRef>
+          <a:effectRef idx="2">
+            <a:schemeClr val="accent1"/>
+          </a:effectRef>
+          <a:fontRef idx="minor">
+            <a:schemeClr val="lt1"/>
+          </a:fontRef>
+        </p:style>
+        <p:txBody>
+          <a:bodyPr rtlCol="0" anchor="ctr"/>
+          <a:lstStyle/>
+          <a:p>
+            <a:pPr algn="ctr"/>
+            <a:endParaRPr lang="en-US"/>
+          </a:p>
+        </p:txBody>
+      </p:sp>
+    </p:spTree>
+    <p:extLst>
+      <p:ext uri="{BB962C8B-B14F-4D97-AF65-F5344CB8AC3E}">
+        <p14:creationId xmlns:p14="http://schemas.microsoft.com/office/powerpoint/2010/main" val="51687287"/>
+      </p:ext>
+    </p:extLst>
+  </p:cSld>
+  <p:clrMapOvr>
+    <a:masterClrMapping/>
+  </p:clrMapOvr>
+</p:sld>
+</file>
+
+<file path=ppt/slides/slide13.xml><?xml version="1.0" encoding="utf-8"?>
+<p:sld xmlns:a="http://schemas.openxmlformats.org/drawingml/2006/main" xmlns:r="http://schemas.openxmlformats.org/officeDocument/2006/relationships" xmlns:p="http://schemas.openxmlformats.org/presentationml/2006/main">
+  <p:cSld>
+    <p:spTree>
+      <p:nvGrpSpPr>
+        <p:cNvPr id="1" name=""/>
+        <p:cNvGrpSpPr/>
+        <p:nvPr/>
+      </p:nvGrpSpPr>
+      <p:grpSpPr>
+        <a:xfrm>
+          <a:off x="0" y="0"/>
+          <a:ext cx="0" cy="0"/>
+          <a:chOff x="0" y="0"/>
+          <a:chExt cx="0" cy="0"/>
+        </a:xfrm>
+      </p:grpSpPr>
+      <p:sp>
+        <p:nvSpPr>
+          <p:cNvPr id="2" name="Title 1">
+            <a:extLst>
+              <a:ext uri="{FF2B5EF4-FFF2-40B4-BE49-F238E27FC236}">
+                <a16:creationId xmlns:a16="http://schemas.microsoft.com/office/drawing/2014/main" id="{E6C2659F-83BC-4FCB-AEBD-13BE1F760F9A}"/>
+              </a:ext>
+            </a:extLst>
+          </p:cNvPr>
+          <p:cNvSpPr>
+            <a:spLocks noGrp="1"/>
+          </p:cNvSpPr>
+          <p:nvPr>
+            <p:ph type="title"/>
+          </p:nvPr>
+        </p:nvSpPr>
+        <p:spPr/>
+        <p:txBody>
+          <a:bodyPr/>
+          <a:lstStyle/>
+          <a:p>
+            <a:r>
+              <a:rPr lang="en-US" dirty="0"/>
+              <a:t>How many modules?</a:t>
+            </a:r>
+          </a:p>
+        </p:txBody>
+      </p:sp>
+      <p:sp>
+        <p:nvSpPr>
+          <p:cNvPr id="3" name="Content Placeholder 2">
+            <a:extLst>
+              <a:ext uri="{FF2B5EF4-FFF2-40B4-BE49-F238E27FC236}">
+                <a16:creationId xmlns:a16="http://schemas.microsoft.com/office/drawing/2014/main" id="{26495F02-3385-4489-B540-E8477CB2E834}"/>
+              </a:ext>
+            </a:extLst>
+          </p:cNvPr>
+          <p:cNvSpPr>
+            <a:spLocks noGrp="1"/>
+          </p:cNvSpPr>
+          <p:nvPr>
+            <p:ph idx="1"/>
+          </p:nvPr>
+        </p:nvSpPr>
+        <p:spPr>
+          <a:xfrm>
+            <a:off x="605367" y="975360"/>
+            <a:ext cx="10972800" cy="971931"/>
+          </a:xfrm>
+        </p:spPr>
+        <p:txBody>
+          <a:bodyPr/>
+          <a:lstStyle/>
+          <a:p>
+            <a:r>
+              <a:rPr lang="en-US" dirty="0"/>
+              <a:t>If multiple combinations are possible, keep them separate</a:t>
+            </a:r>
+          </a:p>
+          <a:p>
+            <a:endParaRPr lang="en-US" dirty="0"/>
+          </a:p>
+          <a:p>
+            <a:endParaRPr lang="en-US" dirty="0"/>
+          </a:p>
+          <a:p>
+            <a:endParaRPr lang="en-US" dirty="0"/>
+          </a:p>
+          <a:p>
+            <a:pPr marL="0" indent="0">
+              <a:buNone/>
+            </a:pPr>
+            <a:endParaRPr lang="en-US" dirty="0"/>
+          </a:p>
+        </p:txBody>
+      </p:sp>
+      <p:sp>
+        <p:nvSpPr>
+          <p:cNvPr id="12" name="Rounded Rectangle 3">
+            <a:extLst>
+              <a:ext uri="{FF2B5EF4-FFF2-40B4-BE49-F238E27FC236}">
+                <a16:creationId xmlns:a16="http://schemas.microsoft.com/office/drawing/2014/main" id="{071EB096-6C5A-4742-AB6E-310B48A5462D}"/>
+              </a:ext>
+            </a:extLst>
+          </p:cNvPr>
+          <p:cNvSpPr/>
+          <p:nvPr/>
+        </p:nvSpPr>
+        <p:spPr>
+          <a:xfrm>
+            <a:off x="2870818" y="2696876"/>
+            <a:ext cx="1828800" cy="771787"/>
+          </a:xfrm>
+          <a:prstGeom prst="roundRect">
+            <a:avLst/>
+          </a:prstGeom>
+          <a:solidFill>
+            <a:schemeClr val="tx2">
+              <a:lumMod val="50000"/>
+            </a:schemeClr>
+          </a:solidFill>
+          <a:ln w="28575">
+            <a:solidFill>
+              <a:schemeClr val="tx1"/>
+            </a:solidFill>
+          </a:ln>
+          <a:effectLst>
+            <a:outerShdw blurRad="50800" dist="38100" dir="2700000" algn="tl" rotWithShape="0">
+              <a:prstClr val="black">
+                <a:alpha val="40000"/>
+              </a:prstClr>
+            </a:outerShdw>
+          </a:effectLst>
+        </p:spPr>
+        <p:style>
+          <a:lnRef idx="1">
+            <a:schemeClr val="accent1"/>
+          </a:lnRef>
+          <a:fillRef idx="3">
+            <a:schemeClr val="accent1"/>
+          </a:fillRef>
+          <a:effectRef idx="2">
+            <a:schemeClr val="accent1"/>
+          </a:effectRef>
+          <a:fontRef idx="minor">
+            <a:schemeClr val="lt1"/>
+          </a:fontRef>
+        </p:style>
+        <p:txBody>
+          <a:bodyPr rtlCol="0" anchor="ctr"/>
+          <a:lstStyle/>
+          <a:p>
+            <a:pPr algn="ctr"/>
+            <a:r>
+              <a:rPr lang="en-US" dirty="0"/>
+              <a:t>Custom Input Module 1</a:t>
+            </a:r>
+          </a:p>
+        </p:txBody>
+      </p:sp>
+      <p:sp>
+        <p:nvSpPr>
+          <p:cNvPr id="13" name="Rounded Rectangle 4">
+            <a:extLst>
+              <a:ext uri="{FF2B5EF4-FFF2-40B4-BE49-F238E27FC236}">
+                <a16:creationId xmlns:a16="http://schemas.microsoft.com/office/drawing/2014/main" id="{DF97D33A-496D-415C-9003-D9090F872DE8}"/>
+              </a:ext>
+            </a:extLst>
+          </p:cNvPr>
+          <p:cNvSpPr/>
+          <p:nvPr/>
+        </p:nvSpPr>
+        <p:spPr>
+          <a:xfrm>
+            <a:off x="5240159" y="2675633"/>
+            <a:ext cx="1828800" cy="771787"/>
+          </a:xfrm>
+          <a:prstGeom prst="roundRect">
+            <a:avLst/>
+          </a:prstGeom>
+          <a:solidFill>
+            <a:schemeClr val="accent6">
+              <a:lumMod val="75000"/>
+            </a:schemeClr>
+          </a:solidFill>
+          <a:ln w="28575">
+            <a:solidFill>
+              <a:schemeClr val="tx1"/>
+            </a:solidFill>
+          </a:ln>
+          <a:effectLst>
+            <a:outerShdw blurRad="50800" dist="38100" dir="2700000" algn="tl" rotWithShape="0">
+              <a:prstClr val="black">
+                <a:alpha val="40000"/>
+              </a:prstClr>
+            </a:outerShdw>
+          </a:effectLst>
+        </p:spPr>
+        <p:style>
+          <a:lnRef idx="1">
+            <a:schemeClr val="accent1"/>
+          </a:lnRef>
+          <a:fillRef idx="3">
+            <a:schemeClr val="accent1"/>
+          </a:fillRef>
+          <a:effectRef idx="2">
+            <a:schemeClr val="accent1"/>
+          </a:effectRef>
+          <a:fontRef idx="minor">
+            <a:schemeClr val="lt1"/>
+          </a:fontRef>
+        </p:style>
+        <p:txBody>
+          <a:bodyPr rtlCol="0" anchor="ctr"/>
+          <a:lstStyle/>
+          <a:p>
+            <a:pPr algn="ctr"/>
+            <a:r>
+              <a:rPr lang="en-US" dirty="0"/>
+              <a:t>Custom Process Module 1</a:t>
+            </a:r>
+          </a:p>
+        </p:txBody>
+      </p:sp>
+      <p:sp>
+        <p:nvSpPr>
+          <p:cNvPr id="14" name="Rounded Rectangle 5">
+            <a:extLst>
+              <a:ext uri="{FF2B5EF4-FFF2-40B4-BE49-F238E27FC236}">
+                <a16:creationId xmlns:a16="http://schemas.microsoft.com/office/drawing/2014/main" id="{AC7AE688-9FA1-4E17-8726-8DE82A9C07BB}"/>
+              </a:ext>
+            </a:extLst>
+          </p:cNvPr>
+          <p:cNvSpPr/>
+          <p:nvPr/>
+        </p:nvSpPr>
+        <p:spPr>
+          <a:xfrm>
+            <a:off x="7492380" y="2675631"/>
+            <a:ext cx="1828800" cy="1695439"/>
+          </a:xfrm>
+          <a:prstGeom prst="roundRect">
+            <a:avLst/>
+          </a:prstGeom>
+          <a:solidFill>
+            <a:schemeClr val="tx2">
+              <a:lumMod val="50000"/>
+            </a:schemeClr>
+          </a:solidFill>
+          <a:ln w="28575">
+            <a:solidFill>
+              <a:schemeClr val="tx1"/>
+            </a:solidFill>
+          </a:ln>
+          <a:effectLst>
+            <a:outerShdw blurRad="50800" dist="38100" dir="2700000" algn="tl" rotWithShape="0">
+              <a:prstClr val="black">
+                <a:alpha val="40000"/>
+              </a:prstClr>
+            </a:outerShdw>
+          </a:effectLst>
+        </p:spPr>
+        <p:style>
+          <a:lnRef idx="1">
+            <a:schemeClr val="accent1"/>
+          </a:lnRef>
+          <a:fillRef idx="3">
+            <a:schemeClr val="accent1"/>
+          </a:fillRef>
+          <a:effectRef idx="2">
+            <a:schemeClr val="accent1"/>
+          </a:effectRef>
+          <a:fontRef idx="minor">
+            <a:schemeClr val="lt1"/>
+          </a:fontRef>
+        </p:style>
+        <p:txBody>
+          <a:bodyPr rtlCol="0" anchor="ctr"/>
+          <a:lstStyle/>
+          <a:p>
+            <a:pPr algn="ctr"/>
+            <a:r>
+              <a:rPr lang="en-US" dirty="0"/>
+              <a:t>Scan Engine Module</a:t>
+            </a:r>
+          </a:p>
+        </p:txBody>
+      </p:sp>
+      <p:sp>
+        <p:nvSpPr>
+          <p:cNvPr id="15" name="Rounded Rectangle 6">
+            <a:extLst>
+              <a:ext uri="{FF2B5EF4-FFF2-40B4-BE49-F238E27FC236}">
+                <a16:creationId xmlns:a16="http://schemas.microsoft.com/office/drawing/2014/main" id="{175EFA03-0F68-4E83-A963-597CBB5A67DF}"/>
+              </a:ext>
+            </a:extLst>
+          </p:cNvPr>
+          <p:cNvSpPr/>
+          <p:nvPr/>
+        </p:nvSpPr>
+        <p:spPr>
+          <a:xfrm>
+            <a:off x="2870819" y="1785104"/>
+            <a:ext cx="6450362" cy="771787"/>
+          </a:xfrm>
+          <a:prstGeom prst="roundRect">
+            <a:avLst/>
+          </a:prstGeom>
+          <a:solidFill>
+            <a:srgbClr val="C00000"/>
+          </a:solidFill>
+          <a:ln w="28575">
+            <a:solidFill>
+              <a:schemeClr val="tx1"/>
+            </a:solidFill>
+          </a:ln>
+          <a:effectLst>
+            <a:outerShdw blurRad="50800" dist="38100" dir="2700000" algn="tl" rotWithShape="0">
+              <a:prstClr val="black">
+                <a:alpha val="40000"/>
+              </a:prstClr>
+            </a:outerShdw>
+          </a:effectLst>
+        </p:spPr>
+        <p:style>
+          <a:lnRef idx="1">
+            <a:schemeClr val="accent1"/>
+          </a:lnRef>
+          <a:fillRef idx="3">
+            <a:schemeClr val="accent1"/>
+          </a:fillRef>
+          <a:effectRef idx="2">
+            <a:schemeClr val="accent1"/>
+          </a:effectRef>
+          <a:fontRef idx="minor">
+            <a:schemeClr val="lt1"/>
+          </a:fontRef>
+        </p:style>
+        <p:txBody>
+          <a:bodyPr rtlCol="0" anchor="ctr"/>
+          <a:lstStyle/>
+          <a:p>
+            <a:pPr algn="ctr"/>
+            <a:r>
+              <a:rPr lang="en-US" dirty="0"/>
+              <a:t>Engine</a:t>
+            </a:r>
+          </a:p>
+        </p:txBody>
+      </p:sp>
+      <p:sp>
+        <p:nvSpPr>
+          <p:cNvPr id="19" name="Up Arrow 10">
+            <a:extLst>
+              <a:ext uri="{FF2B5EF4-FFF2-40B4-BE49-F238E27FC236}">
+                <a16:creationId xmlns:a16="http://schemas.microsoft.com/office/drawing/2014/main" id="{2607A99D-61B4-467E-BBED-0AA7D97CB935}"/>
+              </a:ext>
+            </a:extLst>
+          </p:cNvPr>
+          <p:cNvSpPr/>
+          <p:nvPr/>
+        </p:nvSpPr>
+        <p:spPr>
+          <a:xfrm rot="5400000">
+            <a:off x="4998140" y="2725733"/>
+            <a:ext cx="251671" cy="680885"/>
+          </a:xfrm>
+          <a:prstGeom prst="upArrow">
+            <a:avLst/>
+          </a:prstGeom>
+          <a:solidFill>
+            <a:schemeClr val="accent1"/>
+          </a:solidFill>
+          <a:ln>
+            <a:noFill/>
+          </a:ln>
+          <a:effectLst>
+            <a:outerShdw blurRad="50800" dist="38100" dir="2700000" algn="tl" rotWithShape="0">
+              <a:prstClr val="black">
+                <a:alpha val="40000"/>
+              </a:prstClr>
+            </a:outerShdw>
+          </a:effectLst>
+        </p:spPr>
+        <p:style>
+          <a:lnRef idx="1">
+            <a:schemeClr val="accent1"/>
+          </a:lnRef>
+          <a:fillRef idx="3">
+            <a:schemeClr val="accent1"/>
+          </a:fillRef>
+          <a:effectRef idx="2">
+            <a:schemeClr val="accent1"/>
+          </a:effectRef>
+          <a:fontRef idx="minor">
+            <a:schemeClr val="lt1"/>
+          </a:fontRef>
+        </p:style>
+        <p:txBody>
+          <a:bodyPr rtlCol="0" anchor="ctr"/>
+          <a:lstStyle/>
+          <a:p>
+            <a:pPr algn="ctr"/>
+            <a:endParaRPr lang="en-US"/>
+          </a:p>
+        </p:txBody>
+      </p:sp>
+      <p:sp>
+        <p:nvSpPr>
+          <p:cNvPr id="21" name="Cloud 20">
+            <a:extLst>
+              <a:ext uri="{FF2B5EF4-FFF2-40B4-BE49-F238E27FC236}">
+                <a16:creationId xmlns:a16="http://schemas.microsoft.com/office/drawing/2014/main" id="{90E59BB9-204E-4888-8718-CEF2A224153E}"/>
+              </a:ext>
+            </a:extLst>
+          </p:cNvPr>
+          <p:cNvSpPr/>
+          <p:nvPr/>
+        </p:nvSpPr>
+        <p:spPr>
+          <a:xfrm>
+            <a:off x="3015770" y="4854135"/>
+            <a:ext cx="1373453" cy="839972"/>
+          </a:xfrm>
+          <a:prstGeom prst="cloud">
+            <a:avLst/>
+          </a:prstGeom>
+          <a:noFill/>
+          <a:ln w="12700">
+            <a:solidFill>
+              <a:srgbClr val="0A60A3"/>
+            </a:solidFill>
+          </a:ln>
+          <a:effectLst/>
+        </p:spPr>
+        <p:style>
+          <a:lnRef idx="1">
+            <a:schemeClr val="accent1"/>
+          </a:lnRef>
+          <a:fillRef idx="3">
+            <a:schemeClr val="accent1"/>
+          </a:fillRef>
+          <a:effectRef idx="2">
+            <a:schemeClr val="accent1"/>
+          </a:effectRef>
+          <a:fontRef idx="minor">
+            <a:schemeClr val="lt1"/>
+          </a:fontRef>
+        </p:style>
+        <p:txBody>
+          <a:bodyPr lIns="0" rIns="0" rtlCol="0" anchor="ctr"/>
+          <a:lstStyle/>
+          <a:p>
+            <a:pPr algn="ctr"/>
+            <a:r>
+              <a:rPr lang="en-US" dirty="0">
+                <a:solidFill>
+                  <a:schemeClr val="tx1"/>
+                </a:solidFill>
+              </a:rPr>
+              <a:t>Outside</a:t>
+            </a:r>
+          </a:p>
+        </p:txBody>
+      </p:sp>
+      <p:sp>
+        <p:nvSpPr>
+          <p:cNvPr id="22" name="Cloud 21">
+            <a:extLst>
+              <a:ext uri="{FF2B5EF4-FFF2-40B4-BE49-F238E27FC236}">
+                <a16:creationId xmlns:a16="http://schemas.microsoft.com/office/drawing/2014/main" id="{09B02587-D073-4F9A-BCEA-01621FBAE694}"/>
+              </a:ext>
+            </a:extLst>
+          </p:cNvPr>
+          <p:cNvSpPr/>
+          <p:nvPr/>
+        </p:nvSpPr>
+        <p:spPr>
+          <a:xfrm>
+            <a:off x="7802777" y="4854135"/>
+            <a:ext cx="1373453" cy="839972"/>
+          </a:xfrm>
+          <a:prstGeom prst="cloud">
+            <a:avLst/>
+          </a:prstGeom>
+          <a:noFill/>
+          <a:ln w="12700">
+            <a:solidFill>
+              <a:srgbClr val="0A60A3"/>
+            </a:solidFill>
+          </a:ln>
+          <a:effectLst/>
+        </p:spPr>
+        <p:style>
+          <a:lnRef idx="1">
+            <a:schemeClr val="accent1"/>
+          </a:lnRef>
+          <a:fillRef idx="3">
+            <a:schemeClr val="accent1"/>
+          </a:fillRef>
+          <a:effectRef idx="2">
+            <a:schemeClr val="accent1"/>
+          </a:effectRef>
+          <a:fontRef idx="minor">
+            <a:schemeClr val="lt1"/>
+          </a:fontRef>
+        </p:style>
+        <p:txBody>
+          <a:bodyPr lIns="0" rIns="0" rtlCol="0" anchor="ctr"/>
+          <a:lstStyle/>
+          <a:p>
+            <a:pPr algn="ctr"/>
+            <a:r>
+              <a:rPr lang="en-US" dirty="0">
+                <a:solidFill>
+                  <a:schemeClr val="tx1"/>
+                </a:solidFill>
+              </a:rPr>
+              <a:t>Outside</a:t>
+            </a:r>
+          </a:p>
+        </p:txBody>
+      </p:sp>
+      <p:sp>
+        <p:nvSpPr>
+          <p:cNvPr id="24" name="Up Arrow 21">
+            <a:extLst>
+              <a:ext uri="{FF2B5EF4-FFF2-40B4-BE49-F238E27FC236}">
+                <a16:creationId xmlns:a16="http://schemas.microsoft.com/office/drawing/2014/main" id="{D68BCC7F-FC49-40A6-AF7A-82C4B8783470}"/>
+              </a:ext>
+            </a:extLst>
+          </p:cNvPr>
+          <p:cNvSpPr/>
+          <p:nvPr/>
+        </p:nvSpPr>
+        <p:spPr>
+          <a:xfrm rot="10800000">
+            <a:off x="8328008" y="4371069"/>
+            <a:ext cx="251671" cy="680885"/>
+          </a:xfrm>
+          <a:prstGeom prst="upArrow">
+            <a:avLst/>
+          </a:prstGeom>
+          <a:solidFill>
+            <a:schemeClr val="bg2">
+              <a:lumMod val="75000"/>
+            </a:schemeClr>
+          </a:solidFill>
+          <a:ln>
+            <a:noFill/>
+          </a:ln>
+          <a:effectLst>
+            <a:outerShdw blurRad="50800" dist="38100" dir="2700000" algn="tl" rotWithShape="0">
+              <a:prstClr val="black">
+                <a:alpha val="40000"/>
+              </a:prstClr>
+            </a:outerShdw>
+          </a:effectLst>
+        </p:spPr>
+        <p:style>
+          <a:lnRef idx="1">
+            <a:schemeClr val="accent1"/>
+          </a:lnRef>
+          <a:fillRef idx="3">
+            <a:schemeClr val="accent1"/>
+          </a:fillRef>
+          <a:effectRef idx="2">
+            <a:schemeClr val="accent1"/>
+          </a:effectRef>
+          <a:fontRef idx="minor">
+            <a:schemeClr val="lt1"/>
+          </a:fontRef>
+        </p:style>
+        <p:txBody>
+          <a:bodyPr rtlCol="0" anchor="ctr"/>
+          <a:lstStyle/>
+          <a:p>
+            <a:pPr algn="ctr"/>
+            <a:endParaRPr lang="en-US"/>
+          </a:p>
+        </p:txBody>
+      </p:sp>
+      <p:sp>
+        <p:nvSpPr>
+          <p:cNvPr id="27" name="Up Arrow 10">
+            <a:extLst>
+              <a:ext uri="{FF2B5EF4-FFF2-40B4-BE49-F238E27FC236}">
+                <a16:creationId xmlns:a16="http://schemas.microsoft.com/office/drawing/2014/main" id="{62E99CE7-AF3E-42A9-AE95-2940A292B10F}"/>
+              </a:ext>
+            </a:extLst>
+          </p:cNvPr>
+          <p:cNvSpPr/>
+          <p:nvPr/>
+        </p:nvSpPr>
+        <p:spPr>
+          <a:xfrm rot="5400000">
+            <a:off x="7283566" y="2721083"/>
+            <a:ext cx="251671" cy="680885"/>
+          </a:xfrm>
+          <a:prstGeom prst="upArrow">
+            <a:avLst/>
+          </a:prstGeom>
+          <a:solidFill>
+            <a:schemeClr val="accent1"/>
+          </a:solidFill>
+          <a:ln>
+            <a:noFill/>
+          </a:ln>
+          <a:effectLst>
+            <a:outerShdw blurRad="50800" dist="38100" dir="2700000" algn="tl" rotWithShape="0">
+              <a:prstClr val="black">
+                <a:alpha val="40000"/>
+              </a:prstClr>
+            </a:outerShdw>
+          </a:effectLst>
+        </p:spPr>
+        <p:style>
+          <a:lnRef idx="1">
+            <a:schemeClr val="accent1"/>
+          </a:lnRef>
+          <a:fillRef idx="3">
+            <a:schemeClr val="accent1"/>
+          </a:fillRef>
+          <a:effectRef idx="2">
+            <a:schemeClr val="accent1"/>
+          </a:effectRef>
+          <a:fontRef idx="minor">
+            <a:schemeClr val="lt1"/>
+          </a:fontRef>
+        </p:style>
+        <p:txBody>
+          <a:bodyPr rtlCol="0" anchor="ctr"/>
+          <a:lstStyle/>
+          <a:p>
+            <a:pPr algn="ctr"/>
+            <a:endParaRPr lang="en-US"/>
+          </a:p>
+        </p:txBody>
+      </p:sp>
+      <p:sp>
+        <p:nvSpPr>
+          <p:cNvPr id="29" name="Rounded Rectangle 3">
+            <a:extLst>
+              <a:ext uri="{FF2B5EF4-FFF2-40B4-BE49-F238E27FC236}">
+                <a16:creationId xmlns:a16="http://schemas.microsoft.com/office/drawing/2014/main" id="{5F9D93CA-5471-4B44-8022-3A33A0500774}"/>
+              </a:ext>
+            </a:extLst>
+          </p:cNvPr>
+          <p:cNvSpPr/>
+          <p:nvPr/>
+        </p:nvSpPr>
+        <p:spPr>
+          <a:xfrm>
+            <a:off x="2870818" y="3608648"/>
+            <a:ext cx="1828800" cy="771787"/>
+          </a:xfrm>
+          <a:prstGeom prst="roundRect">
+            <a:avLst/>
+          </a:prstGeom>
+          <a:solidFill>
+            <a:schemeClr val="tx2">
+              <a:lumMod val="50000"/>
+            </a:schemeClr>
+          </a:solidFill>
+          <a:ln w="28575">
+            <a:solidFill>
+              <a:schemeClr val="tx1"/>
+            </a:solidFill>
+          </a:ln>
+          <a:effectLst>
+            <a:outerShdw blurRad="50800" dist="38100" dir="2700000" algn="tl" rotWithShape="0">
+              <a:prstClr val="black">
+                <a:alpha val="40000"/>
+              </a:prstClr>
+            </a:outerShdw>
+          </a:effectLst>
+        </p:spPr>
+        <p:style>
+          <a:lnRef idx="1">
+            <a:schemeClr val="accent1"/>
+          </a:lnRef>
+          <a:fillRef idx="3">
+            <a:schemeClr val="accent1"/>
+          </a:fillRef>
+          <a:effectRef idx="2">
+            <a:schemeClr val="accent1"/>
+          </a:effectRef>
+          <a:fontRef idx="minor">
+            <a:schemeClr val="lt1"/>
+          </a:fontRef>
+        </p:style>
+        <p:txBody>
+          <a:bodyPr rtlCol="0" anchor="ctr"/>
+          <a:lstStyle/>
+          <a:p>
+            <a:pPr algn="ctr"/>
+            <a:r>
+              <a:rPr lang="en-US" dirty="0"/>
+              <a:t>Shared Memory Module</a:t>
+            </a:r>
+          </a:p>
+        </p:txBody>
+      </p:sp>
+      <p:sp>
+        <p:nvSpPr>
+          <p:cNvPr id="37" name="Rounded Rectangle 4">
+            <a:extLst>
+              <a:ext uri="{FF2B5EF4-FFF2-40B4-BE49-F238E27FC236}">
+                <a16:creationId xmlns:a16="http://schemas.microsoft.com/office/drawing/2014/main" id="{D20B955E-401A-41B9-9004-48A1813E3081}"/>
+              </a:ext>
+            </a:extLst>
+          </p:cNvPr>
+          <p:cNvSpPr/>
+          <p:nvPr/>
+        </p:nvSpPr>
+        <p:spPr>
+          <a:xfrm>
+            <a:off x="5239572" y="3599283"/>
+            <a:ext cx="1828800" cy="771787"/>
+          </a:xfrm>
+          <a:prstGeom prst="roundRect">
+            <a:avLst/>
+          </a:prstGeom>
+          <a:solidFill>
+            <a:schemeClr val="accent6">
+              <a:lumMod val="75000"/>
+            </a:schemeClr>
+          </a:solidFill>
+          <a:ln w="28575">
+            <a:solidFill>
+              <a:schemeClr val="tx1"/>
+            </a:solidFill>
+          </a:ln>
+          <a:effectLst>
+            <a:outerShdw blurRad="50800" dist="38100" dir="2700000" algn="tl" rotWithShape="0">
+              <a:prstClr val="black">
+                <a:alpha val="40000"/>
+              </a:prstClr>
+            </a:outerShdw>
+          </a:effectLst>
+        </p:spPr>
+        <p:style>
+          <a:lnRef idx="1">
+            <a:schemeClr val="accent1"/>
+          </a:lnRef>
+          <a:fillRef idx="3">
+            <a:schemeClr val="accent1"/>
+          </a:fillRef>
+          <a:effectRef idx="2">
+            <a:schemeClr val="accent1"/>
+          </a:effectRef>
+          <a:fontRef idx="minor">
+            <a:schemeClr val="lt1"/>
+          </a:fontRef>
+        </p:style>
+        <p:txBody>
+          <a:bodyPr rtlCol="0" anchor="ctr"/>
+          <a:lstStyle/>
+          <a:p>
+            <a:pPr algn="ctr"/>
+            <a:r>
+              <a:rPr lang="en-US" dirty="0"/>
+              <a:t>Custom Process Module 1</a:t>
+            </a:r>
+          </a:p>
+        </p:txBody>
+      </p:sp>
+      <p:sp>
+        <p:nvSpPr>
+          <p:cNvPr id="38" name="Up Arrow 10">
+            <a:extLst>
+              <a:ext uri="{FF2B5EF4-FFF2-40B4-BE49-F238E27FC236}">
+                <a16:creationId xmlns:a16="http://schemas.microsoft.com/office/drawing/2014/main" id="{2B8028AC-31B2-41C6-A80D-4CCB0186F900}"/>
+              </a:ext>
+            </a:extLst>
+          </p:cNvPr>
+          <p:cNvSpPr/>
+          <p:nvPr/>
+        </p:nvSpPr>
+        <p:spPr>
+          <a:xfrm rot="5400000">
+            <a:off x="4957510" y="3662876"/>
+            <a:ext cx="251671" cy="680885"/>
+          </a:xfrm>
+          <a:prstGeom prst="upArrow">
+            <a:avLst/>
+          </a:prstGeom>
+          <a:solidFill>
+            <a:schemeClr val="accent1"/>
+          </a:solidFill>
+          <a:ln>
+            <a:noFill/>
+          </a:ln>
+          <a:effectLst>
+            <a:outerShdw blurRad="50800" dist="38100" dir="2700000" algn="tl" rotWithShape="0">
+              <a:prstClr val="black">
+                <a:alpha val="40000"/>
+              </a:prstClr>
+            </a:outerShdw>
+          </a:effectLst>
+        </p:spPr>
+        <p:style>
+          <a:lnRef idx="1">
+            <a:schemeClr val="accent1"/>
+          </a:lnRef>
+          <a:fillRef idx="3">
+            <a:schemeClr val="accent1"/>
+          </a:fillRef>
+          <a:effectRef idx="2">
+            <a:schemeClr val="accent1"/>
+          </a:effectRef>
+          <a:fontRef idx="minor">
+            <a:schemeClr val="lt1"/>
+          </a:fontRef>
+        </p:style>
+        <p:txBody>
+          <a:bodyPr rtlCol="0" anchor="ctr"/>
+          <a:lstStyle/>
+          <a:p>
+            <a:pPr algn="ctr"/>
+            <a:endParaRPr lang="en-US"/>
+          </a:p>
+        </p:txBody>
+      </p:sp>
+      <p:sp>
+        <p:nvSpPr>
+          <p:cNvPr id="41" name="Up Arrow 10">
+            <a:extLst>
+              <a:ext uri="{FF2B5EF4-FFF2-40B4-BE49-F238E27FC236}">
+                <a16:creationId xmlns:a16="http://schemas.microsoft.com/office/drawing/2014/main" id="{C5974021-8BB8-476F-B8E2-B6D02DC8B34F}"/>
+              </a:ext>
+            </a:extLst>
+          </p:cNvPr>
+          <p:cNvSpPr/>
+          <p:nvPr/>
+        </p:nvSpPr>
+        <p:spPr>
+          <a:xfrm rot="5400000">
+            <a:off x="7283566" y="3672101"/>
+            <a:ext cx="251671" cy="680885"/>
+          </a:xfrm>
+          <a:prstGeom prst="upArrow">
+            <a:avLst/>
+          </a:prstGeom>
+          <a:solidFill>
+            <a:schemeClr val="accent1"/>
+          </a:solidFill>
+          <a:ln>
+            <a:noFill/>
+          </a:ln>
+          <a:effectLst>
+            <a:outerShdw blurRad="50800" dist="38100" dir="2700000" algn="tl" rotWithShape="0">
+              <a:prstClr val="black">
+                <a:alpha val="40000"/>
+              </a:prstClr>
+            </a:outerShdw>
+          </a:effectLst>
+        </p:spPr>
+        <p:style>
+          <a:lnRef idx="1">
+            <a:schemeClr val="accent1"/>
+          </a:lnRef>
+          <a:fillRef idx="3">
+            <a:schemeClr val="accent1"/>
+          </a:fillRef>
+          <a:effectRef idx="2">
+            <a:schemeClr val="accent1"/>
+          </a:effectRef>
+          <a:fontRef idx="minor">
+            <a:schemeClr val="lt1"/>
+          </a:fontRef>
+        </p:style>
+        <p:txBody>
+          <a:bodyPr rtlCol="0" anchor="ctr"/>
+          <a:lstStyle/>
+          <a:p>
+            <a:pPr algn="ctr"/>
+            <a:endParaRPr lang="en-US"/>
+          </a:p>
+        </p:txBody>
+      </p:sp>
+      <p:sp>
+        <p:nvSpPr>
+          <p:cNvPr id="23" name="Up Arrow 20">
+            <a:extLst>
+              <a:ext uri="{FF2B5EF4-FFF2-40B4-BE49-F238E27FC236}">
+                <a16:creationId xmlns:a16="http://schemas.microsoft.com/office/drawing/2014/main" id="{A68F2FA6-0C89-4906-9937-FED90954453C}"/>
+              </a:ext>
+            </a:extLst>
+          </p:cNvPr>
+          <p:cNvSpPr/>
+          <p:nvPr/>
+        </p:nvSpPr>
+        <p:spPr>
+          <a:xfrm>
+            <a:off x="3576662" y="4371070"/>
+            <a:ext cx="251671" cy="680885"/>
+          </a:xfrm>
+          <a:prstGeom prst="upArrow">
+            <a:avLst/>
+          </a:prstGeom>
+          <a:solidFill>
+            <a:schemeClr val="bg2">
+              <a:lumMod val="75000"/>
+            </a:schemeClr>
+          </a:solidFill>
+          <a:ln>
+            <a:noFill/>
+          </a:ln>
+          <a:effectLst>
+            <a:outerShdw blurRad="50800" dist="38100" dir="2700000" algn="tl" rotWithShape="0">
+              <a:prstClr val="black">
+                <a:alpha val="40000"/>
+              </a:prstClr>
+            </a:outerShdw>
+          </a:effectLst>
+        </p:spPr>
+        <p:style>
+          <a:lnRef idx="1">
+            <a:schemeClr val="accent1"/>
+          </a:lnRef>
+          <a:fillRef idx="3">
+            <a:schemeClr val="accent1"/>
+          </a:fillRef>
+          <a:effectRef idx="2">
+            <a:schemeClr val="accent1"/>
+          </a:effectRef>
+          <a:fontRef idx="minor">
+            <a:schemeClr val="lt1"/>
+          </a:fontRef>
+        </p:style>
+        <p:txBody>
+          <a:bodyPr rtlCol="0" anchor="ctr"/>
+          <a:lstStyle/>
+          <a:p>
+            <a:pPr algn="ctr"/>
+            <a:endParaRPr lang="en-US"/>
+          </a:p>
+        </p:txBody>
+      </p:sp>
+    </p:spTree>
+    <p:extLst>
+      <p:ext uri="{BB962C8B-B14F-4D97-AF65-F5344CB8AC3E}">
+        <p14:creationId xmlns:p14="http://schemas.microsoft.com/office/powerpoint/2010/main" val="2720195400"/>
+      </p:ext>
+    </p:extLst>
+  </p:cSld>
+  <p:clrMapOvr>
+    <a:masterClrMapping/>
+  </p:clrMapOvr>
+</p:sld>
+</file>
+
+<file path=ppt/slides/slide14.xml><?xml version="1.0" encoding="utf-8"?>
+<p:sld xmlns:a="http://schemas.openxmlformats.org/drawingml/2006/main" xmlns:r="http://schemas.openxmlformats.org/officeDocument/2006/relationships" xmlns:p="http://schemas.openxmlformats.org/presentationml/2006/main">
+  <p:cSld>
+    <p:spTree>
+      <p:nvGrpSpPr>
+        <p:cNvPr id="1" name=""/>
+        <p:cNvGrpSpPr/>
+        <p:nvPr/>
+      </p:nvGrpSpPr>
+      <p:grpSpPr>
+        <a:xfrm>
+          <a:off x="0" y="0"/>
+          <a:ext cx="0" cy="0"/>
+          <a:chOff x="0" y="0"/>
+          <a:chExt cx="0" cy="0"/>
+        </a:xfrm>
+      </p:grpSpPr>
+      <p:sp>
+        <p:nvSpPr>
+          <p:cNvPr id="3" name="Text Placeholder 2">
+            <a:extLst>
+              <a:ext uri="{FF2B5EF4-FFF2-40B4-BE49-F238E27FC236}">
+                <a16:creationId xmlns:a16="http://schemas.microsoft.com/office/drawing/2014/main" id="{6A3734B9-6B96-42EE-BB2D-F6E92255F65C}"/>
+              </a:ext>
+            </a:extLst>
+          </p:cNvPr>
+          <p:cNvSpPr>
+            <a:spLocks noGrp="1"/>
+          </p:cNvSpPr>
+          <p:nvPr>
+            <p:ph type="body" sz="quarter" idx="10"/>
+          </p:nvPr>
+        </p:nvSpPr>
+        <p:spPr/>
+        <p:txBody>
+          <a:bodyPr/>
+          <a:lstStyle/>
+          <a:p>
+            <a:r>
+              <a:rPr lang="en-US" dirty="0"/>
+              <a:t>Adding Functionality Outside DCAF</a:t>
+            </a:r>
+          </a:p>
+        </p:txBody>
+      </p:sp>
+    </p:spTree>
+    <p:extLst>
+      <p:ext uri="{BB962C8B-B14F-4D97-AF65-F5344CB8AC3E}">
+        <p14:creationId xmlns:p14="http://schemas.microsoft.com/office/powerpoint/2010/main" val="2419809793"/>
+      </p:ext>
+    </p:extLst>
+  </p:cSld>
+  <p:clrMapOvr>
+    <a:masterClrMapping/>
+  </p:clrMapOvr>
+</p:sld>
+</file>
+
+<file path=ppt/slides/slide15.xml><?xml version="1.0" encoding="utf-8"?>
+<p:sld xmlns:a="http://schemas.openxmlformats.org/drawingml/2006/main" xmlns:r="http://schemas.openxmlformats.org/officeDocument/2006/relationships" xmlns:p="http://schemas.openxmlformats.org/presentationml/2006/main">
+  <p:cSld>
+    <p:spTree>
+      <p:nvGrpSpPr>
+        <p:cNvPr id="1" name=""/>
+        <p:cNvGrpSpPr/>
+        <p:nvPr/>
+      </p:nvGrpSpPr>
+      <p:grpSpPr>
+        <a:xfrm>
+          <a:off x="0" y="0"/>
+          <a:ext cx="0" cy="0"/>
+          <a:chOff x="0" y="0"/>
+          <a:chExt cx="0" cy="0"/>
+        </a:xfrm>
+      </p:grpSpPr>
+      <p:sp>
+        <p:nvSpPr>
+          <p:cNvPr id="2" name="Title 1"/>
+          <p:cNvSpPr>
+            <a:spLocks noGrp="1"/>
+          </p:cNvSpPr>
+          <p:nvPr>
+            <p:ph type="title"/>
+          </p:nvPr>
+        </p:nvSpPr>
+        <p:spPr/>
+        <p:txBody>
+          <a:bodyPr/>
+          <a:lstStyle/>
+          <a:p>
+            <a:r>
+              <a:rPr lang="en-US" dirty="0"/>
+              <a:t>Running the Configuration</a:t>
+            </a:r>
+          </a:p>
+        </p:txBody>
+      </p:sp>
+      <p:pic>
+        <p:nvPicPr>
+          <p:cNvPr id="4" name="Picture 3"/>
+          <p:cNvPicPr>
+            <a:picLocks noChangeAspect="1"/>
+          </p:cNvPicPr>
+          <p:nvPr/>
+        </p:nvPicPr>
+        <p:blipFill>
+          <a:blip r:embed="rId3">
+            <a:extLst>
+              <a:ext uri="{28A0092B-C50C-407E-A947-70E740481C1C}">
+                <a14:useLocalDpi xmlns:a14="http://schemas.microsoft.com/office/drawing/2010/main" val="0"/>
+              </a:ext>
+            </a:extLst>
+          </a:blip>
+          <a:stretch>
+            <a:fillRect/>
+          </a:stretch>
+        </p:blipFill>
+        <p:spPr>
+          <a:xfrm>
+            <a:off x="991032" y="1962057"/>
+            <a:ext cx="10201469" cy="2861988"/>
+          </a:xfrm>
+          <a:prstGeom prst="rect">
+            <a:avLst/>
+          </a:prstGeom>
+        </p:spPr>
+      </p:pic>
+    </p:spTree>
+    <p:extLst>
+      <p:ext uri="{BB962C8B-B14F-4D97-AF65-F5344CB8AC3E}">
+        <p14:creationId xmlns:p14="http://schemas.microsoft.com/office/powerpoint/2010/main" val="698999797"/>
+      </p:ext>
+    </p:extLst>
+  </p:cSld>
+  <p:clrMapOvr>
+    <a:masterClrMapping/>
+  </p:clrMapOvr>
+</p:sld>
+</file>
+
+<file path=ppt/slides/slide16.xml><?xml version="1.0" encoding="utf-8"?>
+<p:sld xmlns:a="http://schemas.openxmlformats.org/drawingml/2006/main" xmlns:r="http://schemas.openxmlformats.org/officeDocument/2006/relationships" xmlns:p="http://schemas.openxmlformats.org/presentationml/2006/main">
+  <p:cSld>
+    <p:spTree>
+      <p:nvGrpSpPr>
+        <p:cNvPr id="1" name=""/>
+        <p:cNvGrpSpPr/>
+        <p:nvPr/>
+      </p:nvGrpSpPr>
+      <p:grpSpPr>
+        <a:xfrm>
+          <a:off x="0" y="0"/>
+          <a:ext cx="0" cy="0"/>
+          <a:chOff x="0" y="0"/>
+          <a:chExt cx="0" cy="0"/>
+        </a:xfrm>
+      </p:grpSpPr>
+      <p:sp>
+        <p:nvSpPr>
+          <p:cNvPr id="2" name="Title 1"/>
+          <p:cNvSpPr>
+            <a:spLocks noGrp="1"/>
+          </p:cNvSpPr>
+          <p:nvPr>
+            <p:ph type="title"/>
+          </p:nvPr>
+        </p:nvSpPr>
+        <p:spPr/>
+        <p:txBody>
+          <a:bodyPr/>
+          <a:lstStyle/>
+          <a:p>
+            <a:r>
+              <a:rPr lang="en-US" dirty="0"/>
+              <a:t>Coding outside DCAF</a:t>
+            </a:r>
+          </a:p>
+        </p:txBody>
+      </p:sp>
+      <p:sp>
+        <p:nvSpPr>
+          <p:cNvPr id="5" name="Content Placeholder 4">
+            <a:extLst>
+              <a:ext uri="{FF2B5EF4-FFF2-40B4-BE49-F238E27FC236}">
+                <a16:creationId xmlns:a16="http://schemas.microsoft.com/office/drawing/2014/main" id="{CBA9194C-7536-4344-AB1B-CB60A3B7D5F7}"/>
+              </a:ext>
+            </a:extLst>
+          </p:cNvPr>
+          <p:cNvSpPr>
+            <a:spLocks noGrp="1"/>
+          </p:cNvSpPr>
+          <p:nvPr>
+            <p:ph sz="half" idx="1"/>
+          </p:nvPr>
+        </p:nvSpPr>
+        <p:spPr>
+          <a:xfrm>
+            <a:off x="605367" y="975361"/>
+            <a:ext cx="11272597" cy="2200275"/>
+          </a:xfrm>
+        </p:spPr>
+        <p:txBody>
+          <a:bodyPr/>
+          <a:lstStyle/>
+          <a:p>
+            <a:r>
+              <a:rPr lang="en-US" dirty="0"/>
+              <a:t>Example loop from the project template</a:t>
+            </a:r>
+          </a:p>
+          <a:p>
+            <a:r>
+              <a:rPr lang="en-US" dirty="0"/>
+              <a:t>Only need to call the engine and check, other code can run alongside as needed</a:t>
+            </a:r>
+          </a:p>
+        </p:txBody>
+      </p:sp>
+      <p:pic>
+        <p:nvPicPr>
+          <p:cNvPr id="1026" name="Picture 2" descr="ApplicationLoop.png">
+            <a:extLst>
+              <a:ext uri="{FF2B5EF4-FFF2-40B4-BE49-F238E27FC236}">
+                <a16:creationId xmlns:a16="http://schemas.microsoft.com/office/drawing/2014/main" id="{F1E8CF00-2B9C-49D7-A223-5729B16F4B65}"/>
+              </a:ext>
+            </a:extLst>
+          </p:cNvPr>
+          <p:cNvPicPr>
+            <a:picLocks noChangeAspect="1" noChangeArrowheads="1"/>
+          </p:cNvPicPr>
+          <p:nvPr/>
+        </p:nvPicPr>
+        <p:blipFill>
+          <a:blip r:embed="rId3">
+            <a:extLst>
+              <a:ext uri="{28A0092B-C50C-407E-A947-70E740481C1C}">
+                <a14:useLocalDpi xmlns:a14="http://schemas.microsoft.com/office/drawing/2010/main" val="0"/>
+              </a:ext>
+            </a:extLst>
+          </a:blip>
+          <a:srcRect/>
+          <a:stretch>
+            <a:fillRect/>
+          </a:stretch>
+        </p:blipFill>
+        <p:spPr bwMode="auto">
+          <a:xfrm>
+            <a:off x="2992679" y="3298680"/>
+            <a:ext cx="5953125" cy="2200275"/>
+          </a:xfrm>
+          <a:prstGeom prst="rect">
+            <a:avLst/>
+          </a:prstGeom>
+          <a:noFill/>
+          <a:extLst>
+            <a:ext uri="{909E8E84-426E-40DD-AFC4-6F175D3DCCD1}">
+              <a14:hiddenFill xmlns:a14="http://schemas.microsoft.com/office/drawing/2010/main">
+                <a:solidFill>
+                  <a:srgbClr val="FFFFFF"/>
+                </a:solidFill>
+              </a14:hiddenFill>
+            </a:ext>
+          </a:extLst>
+        </p:spPr>
+      </p:pic>
+    </p:spTree>
+    <p:extLst>
+      <p:ext uri="{BB962C8B-B14F-4D97-AF65-F5344CB8AC3E}">
+        <p14:creationId xmlns:p14="http://schemas.microsoft.com/office/powerpoint/2010/main" val="2850981985"/>
+      </p:ext>
+    </p:extLst>
+  </p:cSld>
+  <p:clrMapOvr>
+    <a:masterClrMapping/>
+  </p:clrMapOvr>
+</p:sld>
+</file>
+
+<file path=ppt/slides/slide17.xml><?xml version="1.0" encoding="utf-8"?>
+<p:sld xmlns:a="http://schemas.openxmlformats.org/drawingml/2006/main" xmlns:r="http://schemas.openxmlformats.org/officeDocument/2006/relationships" xmlns:p="http://schemas.openxmlformats.org/presentationml/2006/main">
+  <p:cSld>
+    <p:spTree>
+      <p:nvGrpSpPr>
+        <p:cNvPr id="1" name=""/>
+        <p:cNvGrpSpPr/>
+        <p:nvPr/>
+      </p:nvGrpSpPr>
+      <p:grpSpPr>
+        <a:xfrm>
+          <a:off x="0" y="0"/>
+          <a:ext cx="0" cy="0"/>
+          <a:chOff x="0" y="0"/>
+          <a:chExt cx="0" cy="0"/>
+        </a:xfrm>
+      </p:grpSpPr>
+      <p:sp>
+        <p:nvSpPr>
+          <p:cNvPr id="4" name="Subtitle 3"/>
+          <p:cNvSpPr>
+            <a:spLocks noGrp="1"/>
+          </p:cNvSpPr>
+          <p:nvPr>
+            <p:ph type="body" sz="quarter" idx="10"/>
+          </p:nvPr>
+        </p:nvSpPr>
+        <p:spPr/>
+        <p:txBody>
+          <a:bodyPr/>
+          <a:lstStyle/>
+          <a:p>
+            <a:r>
+              <a:rPr lang="en-US" dirty="0"/>
+              <a:t>CVT</a:t>
+            </a:r>
+          </a:p>
+        </p:txBody>
+      </p:sp>
+    </p:spTree>
+    <p:extLst>
+      <p:ext uri="{BB962C8B-B14F-4D97-AF65-F5344CB8AC3E}">
+        <p14:creationId xmlns:p14="http://schemas.microsoft.com/office/powerpoint/2010/main" val="3751644468"/>
+      </p:ext>
+    </p:extLst>
+  </p:cSld>
+  <p:clrMapOvr>
+    <a:masterClrMapping/>
+  </p:clrMapOvr>
+</p:sld>
+</file>
+
+<file path=ppt/slides/slide18.xml><?xml version="1.0" encoding="utf-8"?>
+<p:sld xmlns:a="http://schemas.openxmlformats.org/drawingml/2006/main" xmlns:r="http://schemas.openxmlformats.org/officeDocument/2006/relationships" xmlns:p="http://schemas.openxmlformats.org/presentationml/2006/main">
+  <p:cSld>
+    <p:spTree>
+      <p:nvGrpSpPr>
+        <p:cNvPr id="1" name=""/>
+        <p:cNvGrpSpPr/>
+        <p:nvPr/>
+      </p:nvGrpSpPr>
+      <p:grpSpPr>
+        <a:xfrm>
+          <a:off x="0" y="0"/>
+          <a:ext cx="0" cy="0"/>
+          <a:chOff x="0" y="0"/>
+          <a:chExt cx="0" cy="0"/>
+        </a:xfrm>
+      </p:grpSpPr>
+      <p:sp>
+        <p:nvSpPr>
+          <p:cNvPr id="2" name="Title 1">
+            <a:extLst>
+              <a:ext uri="{FF2B5EF4-FFF2-40B4-BE49-F238E27FC236}">
+                <a16:creationId xmlns:a16="http://schemas.microsoft.com/office/drawing/2014/main" id="{E6C2659F-83BC-4FCB-AEBD-13BE1F760F9A}"/>
+              </a:ext>
+            </a:extLst>
+          </p:cNvPr>
+          <p:cNvSpPr>
+            <a:spLocks noGrp="1"/>
+          </p:cNvSpPr>
+          <p:nvPr>
+            <p:ph type="title"/>
+          </p:nvPr>
+        </p:nvSpPr>
+        <p:spPr/>
+        <p:txBody>
+          <a:bodyPr/>
+          <a:lstStyle/>
+          <a:p>
+            <a:r>
+              <a:rPr lang="en-US" dirty="0"/>
+              <a:t>Coding outside DCAF - CVT</a:t>
+            </a:r>
+          </a:p>
+        </p:txBody>
+      </p:sp>
+      <p:sp>
+        <p:nvSpPr>
+          <p:cNvPr id="20" name="Rounded Rectangle 3">
+            <a:extLst>
+              <a:ext uri="{FF2B5EF4-FFF2-40B4-BE49-F238E27FC236}">
+                <a16:creationId xmlns:a16="http://schemas.microsoft.com/office/drawing/2014/main" id="{FA949F27-7D41-463A-B6B6-D81D1AF6DE9F}"/>
+              </a:ext>
+            </a:extLst>
+          </p:cNvPr>
+          <p:cNvSpPr/>
+          <p:nvPr/>
+        </p:nvSpPr>
+        <p:spPr>
+          <a:xfrm>
+            <a:off x="367933" y="3878412"/>
+            <a:ext cx="1828800" cy="771787"/>
+          </a:xfrm>
+          <a:prstGeom prst="roundRect">
+            <a:avLst/>
+          </a:prstGeom>
+          <a:solidFill>
+            <a:schemeClr val="tx2">
+              <a:lumMod val="50000"/>
+            </a:schemeClr>
+          </a:solidFill>
+          <a:ln w="28575">
+            <a:solidFill>
+              <a:schemeClr val="tx1"/>
+            </a:solidFill>
+          </a:ln>
+          <a:effectLst>
+            <a:outerShdw blurRad="50800" dist="38100" dir="2700000" algn="tl" rotWithShape="0">
+              <a:prstClr val="black">
+                <a:alpha val="40000"/>
+              </a:prstClr>
+            </a:outerShdw>
+          </a:effectLst>
+        </p:spPr>
+        <p:style>
+          <a:lnRef idx="1">
+            <a:schemeClr val="accent1"/>
+          </a:lnRef>
+          <a:fillRef idx="3">
+            <a:schemeClr val="accent1"/>
+          </a:fillRef>
+          <a:effectRef idx="2">
+            <a:schemeClr val="accent1"/>
+          </a:effectRef>
+          <a:fontRef idx="minor">
+            <a:schemeClr val="lt1"/>
+          </a:fontRef>
+        </p:style>
+        <p:txBody>
+          <a:bodyPr rtlCol="0" anchor="ctr"/>
+          <a:lstStyle/>
+          <a:p>
+            <a:pPr algn="ctr"/>
+            <a:r>
+              <a:rPr lang="en-US" dirty="0"/>
+              <a:t>Input</a:t>
+            </a:r>
+          </a:p>
+        </p:txBody>
+      </p:sp>
+      <p:sp>
+        <p:nvSpPr>
+          <p:cNvPr id="25" name="Rounded Rectangle 4">
+            <a:extLst>
+              <a:ext uri="{FF2B5EF4-FFF2-40B4-BE49-F238E27FC236}">
+                <a16:creationId xmlns:a16="http://schemas.microsoft.com/office/drawing/2014/main" id="{D5F9C736-E9C8-4F5E-B04D-1C64141E2790}"/>
+              </a:ext>
+            </a:extLst>
+          </p:cNvPr>
+          <p:cNvSpPr/>
+          <p:nvPr/>
+        </p:nvSpPr>
+        <p:spPr>
+          <a:xfrm>
+            <a:off x="2737274" y="3857169"/>
+            <a:ext cx="1828800" cy="771787"/>
+          </a:xfrm>
+          <a:prstGeom prst="roundRect">
+            <a:avLst/>
+          </a:prstGeom>
+          <a:solidFill>
+            <a:schemeClr val="accent6">
+              <a:lumMod val="75000"/>
+            </a:schemeClr>
+          </a:solidFill>
+          <a:ln w="28575">
+            <a:solidFill>
+              <a:schemeClr val="tx1"/>
+            </a:solidFill>
+          </a:ln>
+          <a:effectLst>
+            <a:outerShdw blurRad="50800" dist="38100" dir="2700000" algn="tl" rotWithShape="0">
+              <a:prstClr val="black">
+                <a:alpha val="40000"/>
+              </a:prstClr>
+            </a:outerShdw>
+          </a:effectLst>
+        </p:spPr>
+        <p:style>
+          <a:lnRef idx="1">
+            <a:schemeClr val="accent1"/>
+          </a:lnRef>
+          <a:fillRef idx="3">
+            <a:schemeClr val="accent1"/>
+          </a:fillRef>
+          <a:effectRef idx="2">
+            <a:schemeClr val="accent1"/>
+          </a:effectRef>
+          <a:fontRef idx="minor">
+            <a:schemeClr val="lt1"/>
+          </a:fontRef>
+        </p:style>
+        <p:txBody>
+          <a:bodyPr rtlCol="0" anchor="ctr"/>
+          <a:lstStyle/>
+          <a:p>
+            <a:pPr algn="ctr"/>
+            <a:r>
+              <a:rPr lang="en-US" dirty="0"/>
+              <a:t>CVT</a:t>
+            </a:r>
+          </a:p>
+        </p:txBody>
+      </p:sp>
+      <p:sp>
+        <p:nvSpPr>
+          <p:cNvPr id="26" name="Rounded Rectangle 5">
+            <a:extLst>
+              <a:ext uri="{FF2B5EF4-FFF2-40B4-BE49-F238E27FC236}">
+                <a16:creationId xmlns:a16="http://schemas.microsoft.com/office/drawing/2014/main" id="{C2DA55EE-BE62-49DE-9C21-D43FCB46B57D}"/>
+              </a:ext>
+            </a:extLst>
+          </p:cNvPr>
+          <p:cNvSpPr/>
+          <p:nvPr/>
+        </p:nvSpPr>
+        <p:spPr>
+          <a:xfrm>
+            <a:off x="4989495" y="3857167"/>
+            <a:ext cx="1828800" cy="771787"/>
+          </a:xfrm>
+          <a:prstGeom prst="roundRect">
+            <a:avLst/>
+          </a:prstGeom>
+          <a:solidFill>
+            <a:schemeClr val="tx2">
+              <a:lumMod val="50000"/>
+            </a:schemeClr>
+          </a:solidFill>
+          <a:ln w="28575">
+            <a:solidFill>
+              <a:schemeClr val="tx1"/>
+            </a:solidFill>
+          </a:ln>
+          <a:effectLst>
+            <a:outerShdw blurRad="50800" dist="38100" dir="2700000" algn="tl" rotWithShape="0">
+              <a:prstClr val="black">
+                <a:alpha val="40000"/>
+              </a:prstClr>
+            </a:outerShdw>
+          </a:effectLst>
+        </p:spPr>
+        <p:style>
+          <a:lnRef idx="1">
+            <a:schemeClr val="accent1"/>
+          </a:lnRef>
+          <a:fillRef idx="3">
+            <a:schemeClr val="accent1"/>
+          </a:fillRef>
+          <a:effectRef idx="2">
+            <a:schemeClr val="accent1"/>
+          </a:effectRef>
+          <a:fontRef idx="minor">
+            <a:schemeClr val="lt1"/>
+          </a:fontRef>
+        </p:style>
+        <p:txBody>
+          <a:bodyPr rtlCol="0" anchor="ctr"/>
+          <a:lstStyle/>
+          <a:p>
+            <a:pPr algn="ctr"/>
+            <a:r>
+              <a:rPr lang="en-US" dirty="0"/>
               <a:t>Output</a:t>
             </a:r>
           </a:p>
@@ -9007,7 +12722,7 @@
 </p:sld>
 </file>
 
-<file path=ppt/slides/slide13.xml><?xml version="1.0" encoding="utf-8"?>
+<file path=ppt/slides/slide19.xml><?xml version="1.0" encoding="utf-8"?>
 <p:sld xmlns:a="http://schemas.openxmlformats.org/drawingml/2006/main" xmlns:r="http://schemas.openxmlformats.org/officeDocument/2006/relationships" xmlns:p="http://schemas.openxmlformats.org/presentationml/2006/main">
   <p:cSld>
     <p:spTree>
@@ -9146,7 +12861,144 @@
 </p:sld>
 </file>
 
-<file path=ppt/slides/slide14.xml><?xml version="1.0" encoding="utf-8"?>
+<file path=ppt/slides/slide2.xml><?xml version="1.0" encoding="utf-8"?>
+<p:sld xmlns:a="http://schemas.openxmlformats.org/drawingml/2006/main" xmlns:r="http://schemas.openxmlformats.org/officeDocument/2006/relationships" xmlns:p="http://schemas.openxmlformats.org/presentationml/2006/main">
+  <p:cSld>
+    <p:spTree>
+      <p:nvGrpSpPr>
+        <p:cNvPr id="1" name=""/>
+        <p:cNvGrpSpPr/>
+        <p:nvPr/>
+      </p:nvGrpSpPr>
+      <p:grpSpPr>
+        <a:xfrm>
+          <a:off x="0" y="0"/>
+          <a:ext cx="0" cy="0"/>
+          <a:chOff x="0" y="0"/>
+          <a:chExt cx="0" cy="0"/>
+        </a:xfrm>
+      </p:grpSpPr>
+      <p:sp>
+        <p:nvSpPr>
+          <p:cNvPr id="2" name="Title 1">
+            <a:extLst>
+              <a:ext uri="{FF2B5EF4-FFF2-40B4-BE49-F238E27FC236}">
+                <a16:creationId xmlns:a16="http://schemas.microsoft.com/office/drawing/2014/main" id="{E6C2659F-83BC-4FCB-AEBD-13BE1F760F9A}"/>
+              </a:ext>
+            </a:extLst>
+          </p:cNvPr>
+          <p:cNvSpPr>
+            <a:spLocks noGrp="1"/>
+          </p:cNvSpPr>
+          <p:nvPr>
+            <p:ph type="title"/>
+          </p:nvPr>
+        </p:nvSpPr>
+        <p:spPr/>
+        <p:txBody>
+          <a:bodyPr/>
+          <a:lstStyle/>
+          <a:p>
+            <a:r>
+              <a:rPr lang="en-US" dirty="0"/>
+              <a:t>Agenda</a:t>
+            </a:r>
+          </a:p>
+        </p:txBody>
+      </p:sp>
+      <p:sp>
+        <p:nvSpPr>
+          <p:cNvPr id="3" name="Content Placeholder 2">
+            <a:extLst>
+              <a:ext uri="{FF2B5EF4-FFF2-40B4-BE49-F238E27FC236}">
+                <a16:creationId xmlns:a16="http://schemas.microsoft.com/office/drawing/2014/main" id="{26495F02-3385-4489-B540-E8477CB2E834}"/>
+              </a:ext>
+            </a:extLst>
+          </p:cNvPr>
+          <p:cNvSpPr>
+            <a:spLocks noGrp="1"/>
+          </p:cNvSpPr>
+          <p:nvPr>
+            <p:ph idx="1"/>
+          </p:nvPr>
+        </p:nvSpPr>
+        <p:spPr/>
+        <p:txBody>
+          <a:bodyPr/>
+          <a:lstStyle/>
+          <a:p>
+            <a:r>
+              <a:rPr lang="en-US" dirty="0"/>
+              <a:t>DCAF Application Elements</a:t>
+            </a:r>
+          </a:p>
+          <a:p>
+            <a:r>
+              <a:rPr lang="en-US" dirty="0"/>
+              <a:t>Using Existing DCAF Plugins</a:t>
+            </a:r>
+          </a:p>
+          <a:p>
+            <a:r>
+              <a:rPr lang="en-US" dirty="0"/>
+              <a:t>Deciding When to Build New Plugin Modules</a:t>
+            </a:r>
+          </a:p>
+          <a:p>
+            <a:pPr lvl="1"/>
+            <a:r>
+              <a:rPr lang="en-US" dirty="0"/>
+              <a:t>How many Modules do I need?</a:t>
+            </a:r>
+          </a:p>
+          <a:p>
+            <a:r>
+              <a:rPr lang="en-US" dirty="0"/>
+              <a:t>Adding Functionality Outside DCAF</a:t>
+            </a:r>
+          </a:p>
+          <a:p>
+            <a:pPr lvl="1"/>
+            <a:r>
+              <a:rPr lang="en-US" dirty="0"/>
+              <a:t>CVT</a:t>
+            </a:r>
+          </a:p>
+          <a:p>
+            <a:pPr lvl="1"/>
+            <a:r>
+              <a:rPr lang="en-US" dirty="0"/>
+              <a:t>Shared Memory</a:t>
+            </a:r>
+          </a:p>
+          <a:p>
+            <a:r>
+              <a:rPr lang="en-US" dirty="0"/>
+              <a:t>Practical Exercise</a:t>
+            </a:r>
+          </a:p>
+          <a:p>
+            <a:pPr marL="0" indent="0">
+              <a:buNone/>
+            </a:pPr>
+            <a:endParaRPr lang="en-US" dirty="0"/>
+          </a:p>
+        </p:txBody>
+      </p:sp>
+    </p:spTree>
+    <p:extLst>
+      <p:ext uri="{BB962C8B-B14F-4D97-AF65-F5344CB8AC3E}">
+        <p14:creationId xmlns:p14="http://schemas.microsoft.com/office/powerpoint/2010/main" val="1010696509"/>
+      </p:ext>
+    </p:extLst>
+  </p:cSld>
+  <p:clrMapOvr>
+    <a:masterClrMapping/>
+  </p:clrMapOvr>
+</p:sld>
+</file>
+
+<file path=ppt/slides/slide20.xml><?xml version="1.0" encoding="utf-8"?>
 <p:sld xmlns:a="http://schemas.openxmlformats.org/drawingml/2006/main" xmlns:r="http://schemas.openxmlformats.org/officeDocument/2006/relationships" xmlns:p="http://schemas.openxmlformats.org/presentationml/2006/main">
   <p:cSld>
     <p:spTree>
@@ -9276,7 +13128,7 @@
 </p:sld>
 </file>
 
-<file path=ppt/slides/slide15.xml><?xml version="1.0" encoding="utf-8"?>
+<file path=ppt/slides/slide21.xml><?xml version="1.0" encoding="utf-8"?>
 <p:sld xmlns:a="http://schemas.openxmlformats.org/drawingml/2006/main" xmlns:r="http://schemas.openxmlformats.org/officeDocument/2006/relationships" xmlns:p="http://schemas.openxmlformats.org/presentationml/2006/main">
   <p:cSld>
     <p:spTree>
@@ -9328,7 +13180,7 @@
 </p:sld>
 </file>
 
-<file path=ppt/slides/slide16.xml><?xml version="1.0" encoding="utf-8"?>
+<file path=ppt/slides/slide22.xml><?xml version="1.0" encoding="utf-8"?>
 <p:sld xmlns:a="http://schemas.openxmlformats.org/drawingml/2006/main" xmlns:r="http://schemas.openxmlformats.org/officeDocument/2006/relationships" xmlns:p="http://schemas.openxmlformats.org/presentationml/2006/main">
   <p:cSld>
     <p:spTree>
@@ -10741,7 +14593,7 @@
 </p:sld>
 </file>
 
-<file path=ppt/slides/slide17.xml><?xml version="1.0" encoding="utf-8"?>
+<file path=ppt/slides/slide23.xml><?xml version="1.0" encoding="utf-8"?>
 <p:sld xmlns:a="http://schemas.openxmlformats.org/drawingml/2006/main" xmlns:r="http://schemas.openxmlformats.org/officeDocument/2006/relationships" xmlns:p="http://schemas.openxmlformats.org/presentationml/2006/main">
   <p:cSld>
     <p:spTree>
@@ -10841,7 +14693,7 @@
 </p:sld>
 </file>
 
-<file path=ppt/slides/slide2.xml><?xml version="1.0" encoding="utf-8"?>
+<file path=ppt/slides/slide24.xml><?xml version="1.0" encoding="utf-8"?>
 <p:sld xmlns:a="http://schemas.openxmlformats.org/drawingml/2006/main" xmlns:r="http://schemas.openxmlformats.org/officeDocument/2006/relationships" xmlns:p="http://schemas.openxmlformats.org/presentationml/2006/main">
   <p:cSld>
     <p:spTree>
@@ -10860,10 +14712,68 @@
       </p:grpSpPr>
       <p:sp>
         <p:nvSpPr>
-          <p:cNvPr id="2" name="Title 1">
+          <p:cNvPr id="3" name="Text Placeholder 2">
             <a:extLst>
               <a:ext uri="{FF2B5EF4-FFF2-40B4-BE49-F238E27FC236}">
-                <a16:creationId xmlns:a16="http://schemas.microsoft.com/office/drawing/2014/main" id="{E6C2659F-83BC-4FCB-AEBD-13BE1F760F9A}"/>
+                <a16:creationId xmlns:a16="http://schemas.microsoft.com/office/drawing/2014/main" id="{6A3734B9-6B96-42EE-BB2D-F6E92255F65C}"/>
+              </a:ext>
+            </a:extLst>
+          </p:cNvPr>
+          <p:cNvSpPr>
+            <a:spLocks noGrp="1"/>
+          </p:cNvSpPr>
+          <p:nvPr>
+            <p:ph type="body" sz="quarter" idx="10"/>
+          </p:nvPr>
+        </p:nvSpPr>
+        <p:spPr/>
+        <p:txBody>
+          <a:bodyPr/>
+          <a:lstStyle/>
+          <a:p>
+            <a:r>
+              <a:rPr lang="en-US" dirty="0"/>
+              <a:t>Practical Exercise</a:t>
+            </a:r>
+          </a:p>
+        </p:txBody>
+      </p:sp>
+    </p:spTree>
+    <p:extLst>
+      <p:ext uri="{BB962C8B-B14F-4D97-AF65-F5344CB8AC3E}">
+        <p14:creationId xmlns:p14="http://schemas.microsoft.com/office/powerpoint/2010/main" val="3305590106"/>
+      </p:ext>
+    </p:extLst>
+  </p:cSld>
+  <p:clrMapOvr>
+    <a:masterClrMapping/>
+  </p:clrMapOvr>
+</p:sld>
+</file>
+
+<file path=ppt/slides/slide25.xml><?xml version="1.0" encoding="utf-8"?>
+<p:sld xmlns:a="http://schemas.openxmlformats.org/drawingml/2006/main" xmlns:r="http://schemas.openxmlformats.org/officeDocument/2006/relationships" xmlns:p="http://schemas.openxmlformats.org/presentationml/2006/main">
+  <p:cSld>
+    <p:spTree>
+      <p:nvGrpSpPr>
+        <p:cNvPr id="1" name=""/>
+        <p:cNvGrpSpPr/>
+        <p:nvPr/>
+      </p:nvGrpSpPr>
+      <p:grpSpPr>
+        <a:xfrm>
+          <a:off x="0" y="0"/>
+          <a:ext cx="0" cy="0"/>
+          <a:chOff x="0" y="0"/>
+          <a:chExt cx="0" cy="0"/>
+        </a:xfrm>
+      </p:grpSpPr>
+      <p:sp>
+        <p:nvSpPr>
+          <p:cNvPr id="3" name="Title 2">
+            <a:extLst>
+              <a:ext uri="{FF2B5EF4-FFF2-40B4-BE49-F238E27FC236}">
+                <a16:creationId xmlns:a16="http://schemas.microsoft.com/office/drawing/2014/main" id="{A180AC5B-3960-41B1-A387-740025AF1C34}"/>
               </a:ext>
             </a:extLst>
           </p:cNvPr>
@@ -10881,17 +14791,17 @@
           <a:p>
             <a:r>
               <a:rPr lang="en-US" dirty="0"/>
-              <a:t>Agenda</a:t>
-            </a:r>
-          </a:p>
-        </p:txBody>
-      </p:sp>
-      <p:sp>
-        <p:nvSpPr>
-          <p:cNvPr id="3" name="Content Placeholder 2">
+              <a:t>Practical Exercise</a:t>
+            </a:r>
+          </a:p>
+        </p:txBody>
+      </p:sp>
+      <p:sp>
+        <p:nvSpPr>
+          <p:cNvPr id="4" name="Content Placeholder 3">
             <a:extLst>
               <a:ext uri="{FF2B5EF4-FFF2-40B4-BE49-F238E27FC236}">
-                <a16:creationId xmlns:a16="http://schemas.microsoft.com/office/drawing/2014/main" id="{26495F02-3385-4489-B540-E8477CB2E834}"/>
+                <a16:creationId xmlns:a16="http://schemas.microsoft.com/office/drawing/2014/main" id="{00E1BADE-2342-4FB9-B94A-6DCB1099D117}"/>
               </a:ext>
             </a:extLst>
           </p:cNvPr>
@@ -10909,28 +14819,577 @@
           <a:p>
             <a:r>
               <a:rPr lang="en-US" dirty="0"/>
-              <a:t>What should be a module?</a:t>
+              <a:t>Requirements:</a:t>
             </a:r>
           </a:p>
           <a:p>
             <a:pPr lvl="1"/>
             <a:r>
               <a:rPr lang="en-US" dirty="0"/>
-              <a:t>How many Modules do I need?</a:t>
-            </a:r>
-          </a:p>
-          <a:p>
-            <a:r>
-              <a:rPr lang="en-US" dirty="0"/>
-              <a:t>Interacting with code outside the engine</a:t>
-            </a:r>
+              <a:t>Using NI </a:t>
+            </a:r>
+            <a:r>
+              <a:rPr lang="en-US" dirty="0" err="1"/>
+              <a:t>CompactRIO</a:t>
+            </a:r>
+            <a:r>
+              <a:rPr lang="en-US" dirty="0"/>
+              <a:t> running LV Real-Time.</a:t>
+            </a:r>
+          </a:p>
+          <a:p>
+            <a:pPr lvl="1"/>
+            <a:r>
+              <a:rPr lang="en-US" dirty="0"/>
+              <a:t>Monitoring 16 temperature channels at 10 Hz.</a:t>
+            </a:r>
+          </a:p>
+          <a:p>
+            <a:pPr lvl="1"/>
+            <a:r>
+              <a:rPr lang="en-US" dirty="0"/>
+              <a:t>Bidirectional communication with third party chiller instrument through RS232.</a:t>
+            </a:r>
+          </a:p>
+          <a:p>
+            <a:pPr lvl="1"/>
+            <a:r>
+              <a:rPr lang="en-US" dirty="0"/>
+              <a:t>Controlling 32 valves through 24V Digital Outputs using a PID.</a:t>
+            </a:r>
+          </a:p>
+          <a:p>
+            <a:pPr lvl="1"/>
+            <a:r>
+              <a:rPr lang="en-US" dirty="0"/>
+              <a:t>Reading 4 RS485 Modbus Pressure Sensors at 25 Hz.</a:t>
+            </a:r>
+          </a:p>
+          <a:p>
+            <a:pPr lvl="1"/>
+            <a:r>
+              <a:rPr lang="en-US" dirty="0"/>
+              <a:t>Logging temperature and pressure values continuously. Logged files should be automatically sent to a server once per day using WebDAV. </a:t>
+            </a:r>
+          </a:p>
+          <a:p>
+            <a:pPr lvl="1"/>
+            <a:r>
+              <a:rPr lang="en-US" dirty="0"/>
+              <a:t>Sending tag values of temperature and pressure to HMI connected in the same network. </a:t>
+            </a:r>
+          </a:p>
+          <a:p>
+            <a:pPr lvl="1"/>
+            <a:r>
+              <a:rPr lang="en-US" dirty="0"/>
+              <a:t>For a certain finite test, a waveform is streamed from the HMI at 10000 samples per second. Waveform is sent through an Analog output channel.</a:t>
+            </a:r>
+          </a:p>
+          <a:p>
+            <a:pPr lvl="1"/>
+            <a:endParaRPr lang="en-US" dirty="0"/>
+          </a:p>
+          <a:p>
+            <a:pPr lvl="1"/>
+            <a:endParaRPr lang="en-US" dirty="0"/>
+          </a:p>
+          <a:p>
+            <a:pPr lvl="1"/>
+            <a:endParaRPr lang="en-US" dirty="0"/>
+          </a:p>
+          <a:p>
+            <a:pPr lvl="1"/>
+            <a:endParaRPr lang="en-US" dirty="0"/>
+          </a:p>
+          <a:p>
+            <a:pPr lvl="1"/>
+            <a:endParaRPr lang="en-US" dirty="0"/>
           </a:p>
         </p:txBody>
       </p:sp>
     </p:spTree>
     <p:extLst>
       <p:ext uri="{BB962C8B-B14F-4D97-AF65-F5344CB8AC3E}">
-        <p14:creationId xmlns:p14="http://schemas.microsoft.com/office/powerpoint/2010/main" val="1010696509"/>
+        <p14:creationId xmlns:p14="http://schemas.microsoft.com/office/powerpoint/2010/main" val="3916731433"/>
+      </p:ext>
+    </p:extLst>
+  </p:cSld>
+  <p:clrMapOvr>
+    <a:masterClrMapping/>
+  </p:clrMapOvr>
+</p:sld>
+</file>
+
+<file path=ppt/slides/slide26.xml><?xml version="1.0" encoding="utf-8"?>
+<p:sld xmlns:a="http://schemas.openxmlformats.org/drawingml/2006/main" xmlns:r="http://schemas.openxmlformats.org/officeDocument/2006/relationships" xmlns:p="http://schemas.openxmlformats.org/presentationml/2006/main">
+  <p:cSld>
+    <p:spTree>
+      <p:nvGrpSpPr>
+        <p:cNvPr id="1" name=""/>
+        <p:cNvGrpSpPr/>
+        <p:nvPr/>
+      </p:nvGrpSpPr>
+      <p:grpSpPr>
+        <a:xfrm>
+          <a:off x="0" y="0"/>
+          <a:ext cx="0" cy="0"/>
+          <a:chOff x="0" y="0"/>
+          <a:chExt cx="0" cy="0"/>
+        </a:xfrm>
+      </p:grpSpPr>
+      <p:sp>
+        <p:nvSpPr>
+          <p:cNvPr id="3" name="Title 2">
+            <a:extLst>
+              <a:ext uri="{FF2B5EF4-FFF2-40B4-BE49-F238E27FC236}">
+                <a16:creationId xmlns:a16="http://schemas.microsoft.com/office/drawing/2014/main" id="{A180AC5B-3960-41B1-A387-740025AF1C34}"/>
+              </a:ext>
+            </a:extLst>
+          </p:cNvPr>
+          <p:cNvSpPr>
+            <a:spLocks noGrp="1"/>
+          </p:cNvSpPr>
+          <p:nvPr>
+            <p:ph type="title"/>
+          </p:nvPr>
+        </p:nvSpPr>
+        <p:spPr/>
+        <p:txBody>
+          <a:bodyPr/>
+          <a:lstStyle/>
+          <a:p>
+            <a:r>
+              <a:rPr lang="en-US" dirty="0"/>
+              <a:t>Practical Exercise</a:t>
+            </a:r>
+          </a:p>
+        </p:txBody>
+      </p:sp>
+      <p:sp>
+        <p:nvSpPr>
+          <p:cNvPr id="4" name="Content Placeholder 3">
+            <a:extLst>
+              <a:ext uri="{FF2B5EF4-FFF2-40B4-BE49-F238E27FC236}">
+                <a16:creationId xmlns:a16="http://schemas.microsoft.com/office/drawing/2014/main" id="{00E1BADE-2342-4FB9-B94A-6DCB1099D117}"/>
+              </a:ext>
+            </a:extLst>
+          </p:cNvPr>
+          <p:cNvSpPr>
+            <a:spLocks noGrp="1"/>
+          </p:cNvSpPr>
+          <p:nvPr>
+            <p:ph idx="1"/>
+          </p:nvPr>
+        </p:nvSpPr>
+        <p:spPr>
+          <a:xfrm>
+            <a:off x="605367" y="975362"/>
+            <a:ext cx="10972800" cy="1956682"/>
+          </a:xfrm>
+        </p:spPr>
+        <p:txBody>
+          <a:bodyPr/>
+          <a:lstStyle/>
+          <a:p>
+            <a:r>
+              <a:rPr lang="en-US" dirty="0"/>
+              <a:t>Questions:</a:t>
+            </a:r>
+          </a:p>
+          <a:p>
+            <a:pPr lvl="1"/>
+            <a:r>
+              <a:rPr lang="en-US" dirty="0"/>
+              <a:t>What features can be implemented with existing DCAF modules?</a:t>
+            </a:r>
+          </a:p>
+          <a:p>
+            <a:pPr lvl="1"/>
+            <a:r>
+              <a:rPr lang="en-US" dirty="0"/>
+              <a:t>What features could be implemented as new DCAF modules?</a:t>
+            </a:r>
+          </a:p>
+          <a:p>
+            <a:pPr lvl="1"/>
+            <a:r>
+              <a:rPr lang="en-US" dirty="0"/>
+              <a:t>What features could be implemented as a parallel process to DCAF?</a:t>
+            </a:r>
+          </a:p>
+          <a:p>
+            <a:pPr lvl="1"/>
+            <a:endParaRPr lang="en-US" dirty="0"/>
+          </a:p>
+          <a:p>
+            <a:pPr lvl="1"/>
+            <a:endParaRPr lang="en-US" dirty="0"/>
+          </a:p>
+          <a:p>
+            <a:pPr lvl="1"/>
+            <a:endParaRPr lang="en-US" dirty="0"/>
+          </a:p>
+          <a:p>
+            <a:pPr lvl="1"/>
+            <a:endParaRPr lang="en-US" dirty="0"/>
+          </a:p>
+          <a:p>
+            <a:pPr lvl="1"/>
+            <a:endParaRPr lang="en-US" dirty="0"/>
+          </a:p>
+        </p:txBody>
+      </p:sp>
+    </p:spTree>
+    <p:extLst>
+      <p:ext uri="{BB962C8B-B14F-4D97-AF65-F5344CB8AC3E}">
+        <p14:creationId xmlns:p14="http://schemas.microsoft.com/office/powerpoint/2010/main" val="1819785093"/>
+      </p:ext>
+    </p:extLst>
+  </p:cSld>
+  <p:clrMapOvr>
+    <a:masterClrMapping/>
+  </p:clrMapOvr>
+</p:sld>
+</file>
+
+<file path=ppt/slides/slide27.xml><?xml version="1.0" encoding="utf-8"?>
+<p:sld xmlns:a="http://schemas.openxmlformats.org/drawingml/2006/main" xmlns:r="http://schemas.openxmlformats.org/officeDocument/2006/relationships" xmlns:p="http://schemas.openxmlformats.org/presentationml/2006/main">
+  <p:cSld>
+    <p:spTree>
+      <p:nvGrpSpPr>
+        <p:cNvPr id="1" name=""/>
+        <p:cNvGrpSpPr/>
+        <p:nvPr/>
+      </p:nvGrpSpPr>
+      <p:grpSpPr>
+        <a:xfrm>
+          <a:off x="0" y="0"/>
+          <a:ext cx="0" cy="0"/>
+          <a:chOff x="0" y="0"/>
+          <a:chExt cx="0" cy="0"/>
+        </a:xfrm>
+      </p:grpSpPr>
+      <p:sp>
+        <p:nvSpPr>
+          <p:cNvPr id="3" name="Title 2">
+            <a:extLst>
+              <a:ext uri="{FF2B5EF4-FFF2-40B4-BE49-F238E27FC236}">
+                <a16:creationId xmlns:a16="http://schemas.microsoft.com/office/drawing/2014/main" id="{A180AC5B-3960-41B1-A387-740025AF1C34}"/>
+              </a:ext>
+            </a:extLst>
+          </p:cNvPr>
+          <p:cNvSpPr>
+            <a:spLocks noGrp="1"/>
+          </p:cNvSpPr>
+          <p:nvPr>
+            <p:ph type="title"/>
+          </p:nvPr>
+        </p:nvSpPr>
+        <p:spPr/>
+        <p:txBody>
+          <a:bodyPr/>
+          <a:lstStyle/>
+          <a:p>
+            <a:r>
+              <a:rPr lang="en-US" dirty="0"/>
+              <a:t>Practical Exercise</a:t>
+            </a:r>
+          </a:p>
+        </p:txBody>
+      </p:sp>
+      <p:sp>
+        <p:nvSpPr>
+          <p:cNvPr id="4" name="Content Placeholder 3">
+            <a:extLst>
+              <a:ext uri="{FF2B5EF4-FFF2-40B4-BE49-F238E27FC236}">
+                <a16:creationId xmlns:a16="http://schemas.microsoft.com/office/drawing/2014/main" id="{00E1BADE-2342-4FB9-B94A-6DCB1099D117}"/>
+              </a:ext>
+            </a:extLst>
+          </p:cNvPr>
+          <p:cNvSpPr>
+            <a:spLocks noGrp="1"/>
+          </p:cNvSpPr>
+          <p:nvPr>
+            <p:ph idx="1"/>
+          </p:nvPr>
+        </p:nvSpPr>
+        <p:spPr>
+          <a:xfrm>
+            <a:off x="605367" y="975361"/>
+            <a:ext cx="10972800" cy="5047751"/>
+          </a:xfrm>
+        </p:spPr>
+        <p:txBody>
+          <a:bodyPr/>
+          <a:lstStyle/>
+          <a:p>
+            <a:r>
+              <a:rPr lang="en-US" dirty="0"/>
+              <a:t>Potential Answers:</a:t>
+            </a:r>
+          </a:p>
+          <a:p>
+            <a:pPr lvl="1"/>
+            <a:r>
+              <a:rPr lang="en-US" dirty="0"/>
+              <a:t>What features can be implemented with existing DCAF modules?</a:t>
+            </a:r>
+          </a:p>
+          <a:p>
+            <a:pPr lvl="2"/>
+            <a:r>
+              <a:rPr lang="en-US" dirty="0"/>
+              <a:t>Scan Engine: Monitor temperature and control valves.</a:t>
+            </a:r>
+          </a:p>
+          <a:p>
+            <a:pPr lvl="2"/>
+            <a:r>
+              <a:rPr lang="en-US" dirty="0"/>
+              <a:t>PID Control.</a:t>
+            </a:r>
+          </a:p>
+          <a:p>
+            <a:pPr lvl="2"/>
+            <a:r>
+              <a:rPr lang="en-US" dirty="0"/>
+              <a:t>Modbus: Communicate with pressure sensors.</a:t>
+            </a:r>
+          </a:p>
+          <a:p>
+            <a:pPr lvl="2"/>
+            <a:r>
+              <a:rPr lang="en-US" dirty="0"/>
+              <a:t>TDMS Logging: Log pressure and temperature.</a:t>
+            </a:r>
+          </a:p>
+          <a:p>
+            <a:pPr lvl="2"/>
+            <a:r>
+              <a:rPr lang="en-US" dirty="0"/>
+              <a:t>UDP Module: Send tags to HMI.</a:t>
+            </a:r>
+          </a:p>
+          <a:p>
+            <a:pPr lvl="2"/>
+            <a:endParaRPr lang="en-US" dirty="0"/>
+          </a:p>
+          <a:p>
+            <a:pPr lvl="1"/>
+            <a:r>
+              <a:rPr lang="en-US" dirty="0"/>
+              <a:t>What features could be implemented as new DCAF modules?</a:t>
+            </a:r>
+          </a:p>
+          <a:p>
+            <a:pPr lvl="2"/>
+            <a:r>
+              <a:rPr lang="en-US" dirty="0"/>
+              <a:t>Communication with chiller.</a:t>
+            </a:r>
+          </a:p>
+          <a:p>
+            <a:pPr lvl="2"/>
+            <a:r>
+              <a:rPr lang="en-US" dirty="0"/>
+              <a:t>WebDAV File Server.</a:t>
+            </a:r>
+          </a:p>
+          <a:p>
+            <a:pPr lvl="1"/>
+            <a:r>
+              <a:rPr lang="en-US" dirty="0"/>
+              <a:t>What features could be implemented as a parallel process to DCAF?</a:t>
+            </a:r>
+          </a:p>
+          <a:p>
+            <a:pPr lvl="2"/>
+            <a:r>
+              <a:rPr lang="en-US" dirty="0"/>
+              <a:t>Waveform streaming</a:t>
+            </a:r>
+          </a:p>
+          <a:p>
+            <a:pPr lvl="1"/>
+            <a:endParaRPr lang="en-US" dirty="0"/>
+          </a:p>
+          <a:p>
+            <a:pPr lvl="1"/>
+            <a:endParaRPr lang="en-US" dirty="0"/>
+          </a:p>
+          <a:p>
+            <a:pPr lvl="1"/>
+            <a:endParaRPr lang="en-US" dirty="0"/>
+          </a:p>
+          <a:p>
+            <a:pPr lvl="1"/>
+            <a:endParaRPr lang="en-US" dirty="0"/>
+          </a:p>
+          <a:p>
+            <a:pPr lvl="1"/>
+            <a:endParaRPr lang="en-US" dirty="0"/>
+          </a:p>
+        </p:txBody>
+      </p:sp>
+    </p:spTree>
+    <p:extLst>
+      <p:ext uri="{BB962C8B-B14F-4D97-AF65-F5344CB8AC3E}">
+        <p14:creationId xmlns:p14="http://schemas.microsoft.com/office/powerpoint/2010/main" val="406164453"/>
+      </p:ext>
+    </p:extLst>
+  </p:cSld>
+  <p:clrMapOvr>
+    <a:masterClrMapping/>
+  </p:clrMapOvr>
+</p:sld>
+</file>
+
+<file path=ppt/slides/slide28.xml><?xml version="1.0" encoding="utf-8"?>
+<p:sld xmlns:a="http://schemas.openxmlformats.org/drawingml/2006/main" xmlns:r="http://schemas.openxmlformats.org/officeDocument/2006/relationships" xmlns:p="http://schemas.openxmlformats.org/presentationml/2006/main">
+  <p:cSld>
+    <p:spTree>
+      <p:nvGrpSpPr>
+        <p:cNvPr id="1" name=""/>
+        <p:cNvGrpSpPr/>
+        <p:nvPr/>
+      </p:nvGrpSpPr>
+      <p:grpSpPr>
+        <a:xfrm>
+          <a:off x="0" y="0"/>
+          <a:ext cx="0" cy="0"/>
+          <a:chOff x="0" y="0"/>
+          <a:chExt cx="0" cy="0"/>
+        </a:xfrm>
+      </p:grpSpPr>
+      <p:sp>
+        <p:nvSpPr>
+          <p:cNvPr id="3" name="Text Placeholder 2">
+            <a:extLst>
+              <a:ext uri="{FF2B5EF4-FFF2-40B4-BE49-F238E27FC236}">
+                <a16:creationId xmlns:a16="http://schemas.microsoft.com/office/drawing/2014/main" id="{8215F918-E73B-4AB7-AA1C-B8CBD4CF88C3}"/>
+              </a:ext>
+            </a:extLst>
+          </p:cNvPr>
+          <p:cNvSpPr>
+            <a:spLocks noGrp="1"/>
+          </p:cNvSpPr>
+          <p:nvPr>
+            <p:ph type="body" sz="quarter" idx="10"/>
+          </p:nvPr>
+        </p:nvSpPr>
+        <p:spPr/>
+        <p:txBody>
+          <a:bodyPr/>
+          <a:lstStyle/>
+          <a:p>
+            <a:r>
+              <a:rPr lang="en-US" dirty="0"/>
+              <a:t>Resources</a:t>
+            </a:r>
+          </a:p>
+        </p:txBody>
+      </p:sp>
+    </p:spTree>
+    <p:extLst>
+      <p:ext uri="{BB962C8B-B14F-4D97-AF65-F5344CB8AC3E}">
+        <p14:creationId xmlns:p14="http://schemas.microsoft.com/office/powerpoint/2010/main" val="3536216739"/>
+      </p:ext>
+    </p:extLst>
+  </p:cSld>
+  <p:clrMapOvr>
+    <a:masterClrMapping/>
+  </p:clrMapOvr>
+</p:sld>
+</file>
+
+<file path=ppt/slides/slide29.xml><?xml version="1.0" encoding="utf-8"?>
+<p:sld xmlns:a="http://schemas.openxmlformats.org/drawingml/2006/main" xmlns:r="http://schemas.openxmlformats.org/officeDocument/2006/relationships" xmlns:p="http://schemas.openxmlformats.org/presentationml/2006/main">
+  <p:cSld>
+    <p:spTree>
+      <p:nvGrpSpPr>
+        <p:cNvPr id="1" name=""/>
+        <p:cNvGrpSpPr/>
+        <p:nvPr/>
+      </p:nvGrpSpPr>
+      <p:grpSpPr>
+        <a:xfrm>
+          <a:off x="0" y="0"/>
+          <a:ext cx="0" cy="0"/>
+          <a:chOff x="0" y="0"/>
+          <a:chExt cx="0" cy="0"/>
+        </a:xfrm>
+      </p:grpSpPr>
+      <p:sp>
+        <p:nvSpPr>
+          <p:cNvPr id="3" name="Title 2">
+            <a:extLst>
+              <a:ext uri="{FF2B5EF4-FFF2-40B4-BE49-F238E27FC236}">
+                <a16:creationId xmlns:a16="http://schemas.microsoft.com/office/drawing/2014/main" id="{D67332DF-7665-46B0-B072-7BEACA1DC442}"/>
+              </a:ext>
+            </a:extLst>
+          </p:cNvPr>
+          <p:cNvSpPr>
+            <a:spLocks noGrp="1"/>
+          </p:cNvSpPr>
+          <p:nvPr>
+            <p:ph type="title"/>
+          </p:nvPr>
+        </p:nvSpPr>
+        <p:spPr/>
+        <p:txBody>
+          <a:bodyPr/>
+          <a:lstStyle/>
+          <a:p>
+            <a:r>
+              <a:rPr lang="en-US" dirty="0"/>
+              <a:t>Resources</a:t>
+            </a:r>
+          </a:p>
+        </p:txBody>
+      </p:sp>
+      <p:sp>
+        <p:nvSpPr>
+          <p:cNvPr id="4" name="Content Placeholder 3">
+            <a:extLst>
+              <a:ext uri="{FF2B5EF4-FFF2-40B4-BE49-F238E27FC236}">
+                <a16:creationId xmlns:a16="http://schemas.microsoft.com/office/drawing/2014/main" id="{A861A4D8-BA81-45EA-AFD3-436FE1444E0D}"/>
+              </a:ext>
+            </a:extLst>
+          </p:cNvPr>
+          <p:cNvSpPr>
+            <a:spLocks noGrp="1"/>
+          </p:cNvSpPr>
+          <p:nvPr>
+            <p:ph idx="1"/>
+          </p:nvPr>
+        </p:nvSpPr>
+        <p:spPr/>
+        <p:txBody>
+          <a:bodyPr/>
+          <a:lstStyle/>
+          <a:p>
+            <a:r>
+              <a:rPr lang="en-US" dirty="0"/>
+              <a:t>DCAF Developer Guide: </a:t>
+            </a:r>
+          </a:p>
+          <a:p>
+            <a:pPr lvl="1"/>
+            <a:r>
+              <a:rPr lang="en-US" dirty="0">
+                <a:hlinkClick r:id="rId3"/>
+              </a:rPr>
+              <a:t>Chapter 2: Application Design</a:t>
+            </a:r>
+            <a:endParaRPr lang="en-US" dirty="0"/>
+          </a:p>
+        </p:txBody>
+      </p:sp>
+    </p:spTree>
+    <p:extLst>
+      <p:ext uri="{BB962C8B-B14F-4D97-AF65-F5344CB8AC3E}">
+        <p14:creationId xmlns:p14="http://schemas.microsoft.com/office/powerpoint/2010/main" val="3019542153"/>
       </p:ext>
     </p:extLst>
   </p:cSld>
@@ -10980,7 +15439,7 @@
           <a:p>
             <a:r>
               <a:rPr lang="en-US" dirty="0"/>
-              <a:t>What should be a Module?</a:t>
+              <a:t>DCAF Application Elements</a:t>
             </a:r>
           </a:p>
         </p:txBody>
@@ -10988,7 +15447,7 @@
     </p:spTree>
     <p:extLst>
       <p:ext uri="{BB962C8B-B14F-4D97-AF65-F5344CB8AC3E}">
-        <p14:creationId xmlns:p14="http://schemas.microsoft.com/office/powerpoint/2010/main" val="3734952113"/>
+        <p14:creationId xmlns:p14="http://schemas.microsoft.com/office/powerpoint/2010/main" val="2960674094"/>
       </p:ext>
     </p:extLst>
   </p:cSld>
@@ -11017,10 +15476,261 @@
       </p:grpSpPr>
       <p:sp>
         <p:nvSpPr>
-          <p:cNvPr id="2" name="Title 1">
+          <p:cNvPr id="3" name="Rectangle 2">
             <a:extLst>
               <a:ext uri="{FF2B5EF4-FFF2-40B4-BE49-F238E27FC236}">
-                <a16:creationId xmlns:a16="http://schemas.microsoft.com/office/drawing/2014/main" id="{E6C2659F-83BC-4FCB-AEBD-13BE1F760F9A}"/>
+                <a16:creationId xmlns:a16="http://schemas.microsoft.com/office/drawing/2014/main" id="{403E0C17-3966-499B-A50F-C3AAC180BCBA}"/>
+              </a:ext>
+            </a:extLst>
+          </p:cNvPr>
+          <p:cNvSpPr/>
+          <p:nvPr/>
+        </p:nvSpPr>
+        <p:spPr>
+          <a:xfrm>
+            <a:off x="884582" y="1009980"/>
+            <a:ext cx="10247243" cy="5142341"/>
+          </a:xfrm>
+          <a:prstGeom prst="rect">
+            <a:avLst/>
+          </a:prstGeom>
+          <a:ln w="57150">
+            <a:prstDash val="sysDash"/>
+          </a:ln>
+        </p:spPr>
+        <p:style>
+          <a:lnRef idx="2">
+            <a:schemeClr val="dk1"/>
+          </a:lnRef>
+          <a:fillRef idx="1">
+            <a:schemeClr val="lt1"/>
+          </a:fillRef>
+          <a:effectRef idx="0">
+            <a:schemeClr val="dk1"/>
+          </a:effectRef>
+          <a:fontRef idx="minor">
+            <a:schemeClr val="dk1"/>
+          </a:fontRef>
+        </p:style>
+        <p:txBody>
+          <a:bodyPr rot="0" spcFirstLastPara="0" vertOverflow="overflow" horzOverflow="overflow" vert="horz" wrap="square" lIns="0" tIns="45720" rIns="0" bIns="45720" numCol="1" spcCol="0" rtlCol="0" fromWordArt="0" anchor="ctr" anchorCtr="0" forceAA="0" compatLnSpc="1">
+            <a:prstTxWarp prst="textNoShape">
+              <a:avLst/>
+            </a:prstTxWarp>
+            <a:noAutofit/>
+          </a:bodyPr>
+          <a:lstStyle/>
+          <a:p>
+            <a:pPr algn="ctr"/>
+            <a:r>
+              <a:rPr lang="en-US" sz="3200" dirty="0">
+                <a:solidFill>
+                  <a:schemeClr val="bg2">
+                    <a:lumMod val="25000"/>
+                  </a:schemeClr>
+                </a:solidFill>
+              </a:rPr>
+              <a:t>Target*</a:t>
+            </a:r>
+          </a:p>
+          <a:p>
+            <a:pPr algn="ctr"/>
+            <a:endParaRPr lang="en-US" sz="1600" dirty="0">
+              <a:solidFill>
+                <a:schemeClr val="bg2">
+                  <a:lumMod val="25000"/>
+                </a:schemeClr>
+              </a:solidFill>
+            </a:endParaRPr>
+          </a:p>
+          <a:p>
+            <a:pPr algn="ctr"/>
+            <a:endParaRPr lang="en-US" sz="1600" dirty="0">
+              <a:solidFill>
+                <a:schemeClr val="bg2">
+                  <a:lumMod val="25000"/>
+                </a:schemeClr>
+              </a:solidFill>
+            </a:endParaRPr>
+          </a:p>
+          <a:p>
+            <a:pPr algn="ctr"/>
+            <a:endParaRPr lang="en-US" sz="1600" dirty="0">
+              <a:solidFill>
+                <a:schemeClr val="bg2">
+                  <a:lumMod val="25000"/>
+                </a:schemeClr>
+              </a:solidFill>
+            </a:endParaRPr>
+          </a:p>
+          <a:p>
+            <a:pPr algn="ctr"/>
+            <a:endParaRPr lang="en-US" sz="1600" dirty="0">
+              <a:solidFill>
+                <a:schemeClr val="bg2">
+                  <a:lumMod val="25000"/>
+                </a:schemeClr>
+              </a:solidFill>
+            </a:endParaRPr>
+          </a:p>
+          <a:p>
+            <a:pPr algn="ctr"/>
+            <a:endParaRPr lang="en-US" sz="1600" dirty="0">
+              <a:solidFill>
+                <a:schemeClr val="bg2">
+                  <a:lumMod val="25000"/>
+                </a:schemeClr>
+              </a:solidFill>
+            </a:endParaRPr>
+          </a:p>
+          <a:p>
+            <a:pPr algn="ctr"/>
+            <a:endParaRPr lang="en-US" sz="1600" dirty="0">
+              <a:solidFill>
+                <a:schemeClr val="bg2">
+                  <a:lumMod val="25000"/>
+                </a:schemeClr>
+              </a:solidFill>
+            </a:endParaRPr>
+          </a:p>
+          <a:p>
+            <a:pPr algn="ctr"/>
+            <a:endParaRPr lang="en-US" sz="1600" dirty="0">
+              <a:solidFill>
+                <a:schemeClr val="bg2">
+                  <a:lumMod val="25000"/>
+                </a:schemeClr>
+              </a:solidFill>
+            </a:endParaRPr>
+          </a:p>
+          <a:p>
+            <a:pPr algn="ctr"/>
+            <a:endParaRPr lang="en-US" sz="1600" dirty="0">
+              <a:solidFill>
+                <a:schemeClr val="bg2">
+                  <a:lumMod val="25000"/>
+                </a:schemeClr>
+              </a:solidFill>
+            </a:endParaRPr>
+          </a:p>
+          <a:p>
+            <a:pPr algn="ctr"/>
+            <a:endParaRPr lang="en-US" sz="1600" dirty="0">
+              <a:solidFill>
+                <a:schemeClr val="bg2">
+                  <a:lumMod val="25000"/>
+                </a:schemeClr>
+              </a:solidFill>
+            </a:endParaRPr>
+          </a:p>
+          <a:p>
+            <a:pPr algn="ctr"/>
+            <a:endParaRPr lang="en-US" sz="1600" dirty="0">
+              <a:solidFill>
+                <a:schemeClr val="bg2">
+                  <a:lumMod val="25000"/>
+                </a:schemeClr>
+              </a:solidFill>
+            </a:endParaRPr>
+          </a:p>
+          <a:p>
+            <a:pPr algn="ctr"/>
+            <a:endParaRPr lang="en-US" sz="1600" dirty="0">
+              <a:solidFill>
+                <a:schemeClr val="bg2">
+                  <a:lumMod val="25000"/>
+                </a:schemeClr>
+              </a:solidFill>
+            </a:endParaRPr>
+          </a:p>
+          <a:p>
+            <a:pPr algn="ctr"/>
+            <a:endParaRPr lang="en-US" sz="1600" dirty="0">
+              <a:solidFill>
+                <a:schemeClr val="bg2">
+                  <a:lumMod val="25000"/>
+                </a:schemeClr>
+              </a:solidFill>
+            </a:endParaRPr>
+          </a:p>
+          <a:p>
+            <a:pPr algn="ctr"/>
+            <a:endParaRPr lang="en-US" sz="1600" dirty="0">
+              <a:solidFill>
+                <a:schemeClr val="bg2">
+                  <a:lumMod val="25000"/>
+                </a:schemeClr>
+              </a:solidFill>
+            </a:endParaRPr>
+          </a:p>
+          <a:p>
+            <a:pPr algn="ctr"/>
+            <a:endParaRPr lang="en-US" sz="1600" dirty="0">
+              <a:solidFill>
+                <a:schemeClr val="bg2">
+                  <a:lumMod val="25000"/>
+                </a:schemeClr>
+              </a:solidFill>
+            </a:endParaRPr>
+          </a:p>
+          <a:p>
+            <a:pPr algn="ctr"/>
+            <a:endParaRPr lang="en-US" sz="1600" dirty="0">
+              <a:solidFill>
+                <a:schemeClr val="bg2">
+                  <a:lumMod val="25000"/>
+                </a:schemeClr>
+              </a:solidFill>
+            </a:endParaRPr>
+          </a:p>
+          <a:p>
+            <a:pPr algn="ctr"/>
+            <a:endParaRPr lang="en-US" sz="1600" dirty="0">
+              <a:solidFill>
+                <a:schemeClr val="bg2">
+                  <a:lumMod val="25000"/>
+                </a:schemeClr>
+              </a:solidFill>
+            </a:endParaRPr>
+          </a:p>
+          <a:p>
+            <a:pPr algn="ctr"/>
+            <a:endParaRPr lang="en-US" sz="1600" dirty="0">
+              <a:solidFill>
+                <a:schemeClr val="bg2">
+                  <a:lumMod val="25000"/>
+                </a:schemeClr>
+              </a:solidFill>
+            </a:endParaRPr>
+          </a:p>
+          <a:p>
+            <a:pPr algn="ctr"/>
+            <a:endParaRPr lang="en-US" sz="1600" dirty="0">
+              <a:solidFill>
+                <a:schemeClr val="bg2">
+                  <a:lumMod val="25000"/>
+                </a:schemeClr>
+              </a:solidFill>
+            </a:endParaRPr>
+          </a:p>
+          <a:p>
+            <a:pPr algn="ctr"/>
+            <a:endParaRPr lang="en-US" sz="1600" dirty="0" err="1">
+              <a:solidFill>
+                <a:schemeClr val="bg2">
+                  <a:lumMod val="25000"/>
+                </a:schemeClr>
+              </a:solidFill>
+            </a:endParaRPr>
+          </a:p>
+        </p:txBody>
+      </p:sp>
+      <p:sp>
+        <p:nvSpPr>
+          <p:cNvPr id="6" name="Title 5">
+            <a:extLst>
+              <a:ext uri="{FF2B5EF4-FFF2-40B4-BE49-F238E27FC236}">
+                <a16:creationId xmlns:a16="http://schemas.microsoft.com/office/drawing/2014/main" id="{046A29F1-A15A-418B-AE41-2BDFC4FB34BA}"/>
               </a:ext>
             </a:extLst>
           </p:cNvPr>
@@ -11038,47 +15748,455 @@
           <a:p>
             <a:r>
               <a:rPr lang="en-US" dirty="0"/>
-              <a:t>What Should be a Module</a:t>
-            </a:r>
-          </a:p>
-        </p:txBody>
-      </p:sp>
-      <p:sp>
-        <p:nvSpPr>
-          <p:cNvPr id="3" name="Content Placeholder 2">
+              <a:t>DCAF Application Elements</a:t>
+            </a:r>
+          </a:p>
+        </p:txBody>
+      </p:sp>
+      <p:sp>
+        <p:nvSpPr>
+          <p:cNvPr id="8" name="Rectangle 7">
             <a:extLst>
               <a:ext uri="{FF2B5EF4-FFF2-40B4-BE49-F238E27FC236}">
-                <a16:creationId xmlns:a16="http://schemas.microsoft.com/office/drawing/2014/main" id="{26495F02-3385-4489-B540-E8477CB2E834}"/>
+                <a16:creationId xmlns:a16="http://schemas.microsoft.com/office/drawing/2014/main" id="{0E3158AE-80CD-4A3F-B160-C363FDD16FBF}"/>
               </a:ext>
             </a:extLst>
           </p:cNvPr>
-          <p:cNvSpPr>
-            <a:spLocks noGrp="1"/>
-          </p:cNvSpPr>
-          <p:nvPr>
-            <p:ph idx="1"/>
-          </p:nvPr>
-        </p:nvSpPr>
-        <p:spPr/>
-        <p:txBody>
-          <a:bodyPr/>
-          <a:lstStyle/>
-          <a:p>
-            <a:r>
-              <a:rPr lang="en-US" dirty="0"/>
-              <a:t>Modules should operate on latest value (Tag) data</a:t>
-            </a:r>
-          </a:p>
-          <a:p>
-            <a:r>
-              <a:rPr lang="en-US" dirty="0"/>
-              <a:t>They should generate new values, modify existing values, or route values</a:t>
-            </a:r>
-          </a:p>
-          <a:p>
-            <a:r>
-              <a:rPr lang="en-US" dirty="0"/>
-              <a:t>Communicating stream data between modules may not be a good fit</a:t>
+          <p:cNvSpPr/>
+          <p:nvPr/>
+        </p:nvSpPr>
+        <p:spPr>
+          <a:xfrm>
+            <a:off x="1305339" y="1848678"/>
+            <a:ext cx="4876800" cy="3999341"/>
+          </a:xfrm>
+          <a:prstGeom prst="rect">
+            <a:avLst/>
+          </a:prstGeom>
+          <a:gradFill flip="none" rotWithShape="1">
+            <a:gsLst>
+              <a:gs pos="0">
+                <a:schemeClr val="lt1">
+                  <a:shade val="30000"/>
+                  <a:satMod val="115000"/>
+                </a:schemeClr>
+              </a:gs>
+              <a:gs pos="50000">
+                <a:schemeClr val="lt1">
+                  <a:shade val="67500"/>
+                  <a:satMod val="115000"/>
+                </a:schemeClr>
+              </a:gs>
+              <a:gs pos="100000">
+                <a:schemeClr val="lt1">
+                  <a:shade val="100000"/>
+                  <a:satMod val="115000"/>
+                </a:schemeClr>
+              </a:gs>
+            </a:gsLst>
+            <a:path path="circle">
+              <a:fillToRect t="100000" r="100000"/>
+            </a:path>
+            <a:tileRect l="-100000" b="-100000"/>
+          </a:gradFill>
+          <a:ln w="38100"/>
+        </p:spPr>
+        <p:style>
+          <a:lnRef idx="2">
+            <a:schemeClr val="dk1"/>
+          </a:lnRef>
+          <a:fillRef idx="1">
+            <a:schemeClr val="lt1"/>
+          </a:fillRef>
+          <a:effectRef idx="0">
+            <a:schemeClr val="dk1"/>
+          </a:effectRef>
+          <a:fontRef idx="minor">
+            <a:schemeClr val="dk1"/>
+          </a:fontRef>
+        </p:style>
+        <p:txBody>
+          <a:bodyPr rot="0" spcFirstLastPara="0" vertOverflow="overflow" horzOverflow="overflow" vert="horz" wrap="square" lIns="0" tIns="45720" rIns="0" bIns="45720" numCol="1" spcCol="0" rtlCol="0" fromWordArt="0" anchor="ctr" anchorCtr="0" forceAA="0" compatLnSpc="1">
+            <a:prstTxWarp prst="textNoShape">
+              <a:avLst/>
+            </a:prstTxWarp>
+            <a:noAutofit/>
+          </a:bodyPr>
+          <a:lstStyle/>
+          <a:p>
+            <a:pPr algn="ctr"/>
+            <a:r>
+              <a:rPr lang="en-US" sz="3200" dirty="0">
+                <a:solidFill>
+                  <a:schemeClr val="bg2">
+                    <a:lumMod val="25000"/>
+                  </a:schemeClr>
+                </a:solidFill>
+              </a:rPr>
+              <a:t>DCAF Engine</a:t>
+            </a:r>
+            <a:endParaRPr lang="en-US" sz="1600" dirty="0">
+              <a:solidFill>
+                <a:schemeClr val="bg2">
+                  <a:lumMod val="25000"/>
+                </a:schemeClr>
+              </a:solidFill>
+            </a:endParaRPr>
+          </a:p>
+          <a:p>
+            <a:pPr algn="ctr"/>
+            <a:endParaRPr lang="en-US" sz="1600" dirty="0">
+              <a:solidFill>
+                <a:schemeClr val="bg2">
+                  <a:lumMod val="25000"/>
+                </a:schemeClr>
+              </a:solidFill>
+            </a:endParaRPr>
+          </a:p>
+          <a:p>
+            <a:pPr algn="ctr"/>
+            <a:endParaRPr lang="en-US" sz="1600" dirty="0">
+              <a:solidFill>
+                <a:schemeClr val="bg2">
+                  <a:lumMod val="25000"/>
+                </a:schemeClr>
+              </a:solidFill>
+            </a:endParaRPr>
+          </a:p>
+          <a:p>
+            <a:pPr algn="ctr"/>
+            <a:endParaRPr lang="en-US" sz="1600" dirty="0">
+              <a:solidFill>
+                <a:schemeClr val="bg2">
+                  <a:lumMod val="25000"/>
+                </a:schemeClr>
+              </a:solidFill>
+            </a:endParaRPr>
+          </a:p>
+          <a:p>
+            <a:pPr algn="ctr"/>
+            <a:endParaRPr lang="en-US" sz="1600" dirty="0">
+              <a:solidFill>
+                <a:schemeClr val="bg2">
+                  <a:lumMod val="25000"/>
+                </a:schemeClr>
+              </a:solidFill>
+            </a:endParaRPr>
+          </a:p>
+          <a:p>
+            <a:pPr algn="ctr"/>
+            <a:endParaRPr lang="en-US" sz="1600" dirty="0">
+              <a:solidFill>
+                <a:schemeClr val="bg2">
+                  <a:lumMod val="25000"/>
+                </a:schemeClr>
+              </a:solidFill>
+            </a:endParaRPr>
+          </a:p>
+          <a:p>
+            <a:pPr algn="ctr"/>
+            <a:endParaRPr lang="en-US" sz="1600" dirty="0">
+              <a:solidFill>
+                <a:schemeClr val="bg2">
+                  <a:lumMod val="25000"/>
+                </a:schemeClr>
+              </a:solidFill>
+            </a:endParaRPr>
+          </a:p>
+          <a:p>
+            <a:pPr algn="ctr"/>
+            <a:endParaRPr lang="en-US" sz="1600" dirty="0">
+              <a:solidFill>
+                <a:schemeClr val="bg2">
+                  <a:lumMod val="25000"/>
+                </a:schemeClr>
+              </a:solidFill>
+            </a:endParaRPr>
+          </a:p>
+          <a:p>
+            <a:pPr algn="ctr"/>
+            <a:endParaRPr lang="en-US" sz="1600" dirty="0">
+              <a:solidFill>
+                <a:schemeClr val="bg2">
+                  <a:lumMod val="25000"/>
+                </a:schemeClr>
+              </a:solidFill>
+            </a:endParaRPr>
+          </a:p>
+          <a:p>
+            <a:pPr algn="ctr"/>
+            <a:endParaRPr lang="en-US" sz="1600" dirty="0">
+              <a:solidFill>
+                <a:schemeClr val="bg2">
+                  <a:lumMod val="25000"/>
+                </a:schemeClr>
+              </a:solidFill>
+            </a:endParaRPr>
+          </a:p>
+          <a:p>
+            <a:pPr algn="ctr"/>
+            <a:endParaRPr lang="en-US" sz="1600" dirty="0">
+              <a:solidFill>
+                <a:schemeClr val="bg2">
+                  <a:lumMod val="25000"/>
+                </a:schemeClr>
+              </a:solidFill>
+            </a:endParaRPr>
+          </a:p>
+          <a:p>
+            <a:pPr algn="ctr"/>
+            <a:endParaRPr lang="en-US" sz="1600" dirty="0">
+              <a:solidFill>
+                <a:schemeClr val="bg2">
+                  <a:lumMod val="25000"/>
+                </a:schemeClr>
+              </a:solidFill>
+            </a:endParaRPr>
+          </a:p>
+          <a:p>
+            <a:pPr algn="ctr"/>
+            <a:endParaRPr lang="en-US" sz="1600" dirty="0">
+              <a:solidFill>
+                <a:schemeClr val="bg2">
+                  <a:lumMod val="25000"/>
+                </a:schemeClr>
+              </a:solidFill>
+            </a:endParaRPr>
+          </a:p>
+          <a:p>
+            <a:pPr algn="ctr"/>
+            <a:endParaRPr lang="en-US" sz="1600" dirty="0">
+              <a:solidFill>
+                <a:schemeClr val="bg2">
+                  <a:lumMod val="25000"/>
+                </a:schemeClr>
+              </a:solidFill>
+            </a:endParaRPr>
+          </a:p>
+          <a:p>
+            <a:pPr algn="ctr"/>
+            <a:endParaRPr lang="en-US" sz="1600" dirty="0">
+              <a:solidFill>
+                <a:schemeClr val="bg2">
+                  <a:lumMod val="25000"/>
+                </a:schemeClr>
+              </a:solidFill>
+            </a:endParaRPr>
+          </a:p>
+        </p:txBody>
+      </p:sp>
+      <p:sp>
+        <p:nvSpPr>
+          <p:cNvPr id="2" name="Rectangle: Rounded Corners 1">
+            <a:extLst>
+              <a:ext uri="{FF2B5EF4-FFF2-40B4-BE49-F238E27FC236}">
+                <a16:creationId xmlns:a16="http://schemas.microsoft.com/office/drawing/2014/main" id="{7FBB2DBD-DC31-4C8E-9C39-909ED708D18F}"/>
+              </a:ext>
+            </a:extLst>
+          </p:cNvPr>
+          <p:cNvSpPr/>
+          <p:nvPr/>
+        </p:nvSpPr>
+        <p:spPr>
+          <a:xfrm>
+            <a:off x="2216425" y="2653745"/>
+            <a:ext cx="2941982" cy="1321904"/>
+          </a:xfrm>
+          <a:prstGeom prst="roundRect">
+            <a:avLst/>
+          </a:prstGeom>
+          <a:solidFill>
+            <a:schemeClr val="accent5">
+              <a:lumMod val="40000"/>
+              <a:lumOff val="60000"/>
+            </a:schemeClr>
+          </a:solidFill>
+          <a:ln w="12700">
+            <a:solidFill>
+              <a:schemeClr val="bg2">
+                <a:lumMod val="25000"/>
+              </a:schemeClr>
+            </a:solidFill>
+          </a:ln>
+          <a:effectLst/>
+        </p:spPr>
+        <p:style>
+          <a:lnRef idx="1">
+            <a:schemeClr val="accent1"/>
+          </a:lnRef>
+          <a:fillRef idx="3">
+            <a:schemeClr val="accent1"/>
+          </a:fillRef>
+          <a:effectRef idx="2">
+            <a:schemeClr val="accent1"/>
+          </a:effectRef>
+          <a:fontRef idx="minor">
+            <a:schemeClr val="lt1"/>
+          </a:fontRef>
+        </p:style>
+        <p:txBody>
+          <a:bodyPr rot="0" spcFirstLastPara="0" vertOverflow="overflow" horzOverflow="overflow" vert="horz" wrap="square" lIns="0" tIns="45720" rIns="0" bIns="45720" numCol="1" spcCol="0" rtlCol="0" fromWordArt="0" anchor="ctr" anchorCtr="0" forceAA="0" compatLnSpc="1">
+            <a:prstTxWarp prst="textNoShape">
+              <a:avLst/>
+            </a:prstTxWarp>
+            <a:noAutofit/>
+          </a:bodyPr>
+          <a:lstStyle/>
+          <a:p>
+            <a:pPr algn="ctr"/>
+            <a:r>
+              <a:rPr lang="en-US" sz="1600" dirty="0">
+                <a:solidFill>
+                  <a:schemeClr val="bg2">
+                    <a:lumMod val="25000"/>
+                  </a:schemeClr>
+                </a:solidFill>
+              </a:rPr>
+              <a:t>Existing Modules</a:t>
+            </a:r>
+          </a:p>
+        </p:txBody>
+      </p:sp>
+      <p:sp>
+        <p:nvSpPr>
+          <p:cNvPr id="5" name="Rectangle: Rounded Corners 4">
+            <a:extLst>
+              <a:ext uri="{FF2B5EF4-FFF2-40B4-BE49-F238E27FC236}">
+                <a16:creationId xmlns:a16="http://schemas.microsoft.com/office/drawing/2014/main" id="{787685F0-9DC2-4EA7-BD02-5A0F0A1D6C92}"/>
+              </a:ext>
+            </a:extLst>
+          </p:cNvPr>
+          <p:cNvSpPr/>
+          <p:nvPr/>
+        </p:nvSpPr>
+        <p:spPr>
+          <a:xfrm>
+            <a:off x="2216425" y="4247650"/>
+            <a:ext cx="2941982" cy="1321904"/>
+          </a:xfrm>
+          <a:prstGeom prst="roundRect">
+            <a:avLst/>
+          </a:prstGeom>
+          <a:solidFill>
+            <a:schemeClr val="accent4">
+              <a:lumMod val="40000"/>
+              <a:lumOff val="60000"/>
+            </a:schemeClr>
+          </a:solidFill>
+          <a:ln w="12700">
+            <a:solidFill>
+              <a:schemeClr val="bg2">
+                <a:lumMod val="25000"/>
+              </a:schemeClr>
+            </a:solidFill>
+          </a:ln>
+          <a:effectLst/>
+        </p:spPr>
+        <p:style>
+          <a:lnRef idx="1">
+            <a:schemeClr val="accent1"/>
+          </a:lnRef>
+          <a:fillRef idx="3">
+            <a:schemeClr val="accent1"/>
+          </a:fillRef>
+          <a:effectRef idx="2">
+            <a:schemeClr val="accent1"/>
+          </a:effectRef>
+          <a:fontRef idx="minor">
+            <a:schemeClr val="lt1"/>
+          </a:fontRef>
+        </p:style>
+        <p:txBody>
+          <a:bodyPr rot="0" spcFirstLastPara="0" vertOverflow="overflow" horzOverflow="overflow" vert="horz" wrap="square" lIns="0" tIns="45720" rIns="0" bIns="45720" numCol="1" spcCol="0" rtlCol="0" fromWordArt="0" anchor="ctr" anchorCtr="0" forceAA="0" compatLnSpc="1">
+            <a:prstTxWarp prst="textNoShape">
+              <a:avLst/>
+            </a:prstTxWarp>
+            <a:noAutofit/>
+          </a:bodyPr>
+          <a:lstStyle/>
+          <a:p>
+            <a:pPr algn="ctr"/>
+            <a:r>
+              <a:rPr lang="en-US" sz="1600" dirty="0">
+                <a:solidFill>
+                  <a:schemeClr val="bg2">
+                    <a:lumMod val="25000"/>
+                  </a:schemeClr>
+                </a:solidFill>
+              </a:rPr>
+              <a:t>Custom Modules</a:t>
+            </a:r>
+          </a:p>
+        </p:txBody>
+      </p:sp>
+      <p:sp>
+        <p:nvSpPr>
+          <p:cNvPr id="7" name="Rectangle: Rounded Corners 6">
+            <a:extLst>
+              <a:ext uri="{FF2B5EF4-FFF2-40B4-BE49-F238E27FC236}">
+                <a16:creationId xmlns:a16="http://schemas.microsoft.com/office/drawing/2014/main" id="{86055B09-1816-4A8D-AB38-AFE46C33D922}"/>
+              </a:ext>
+            </a:extLst>
+          </p:cNvPr>
+          <p:cNvSpPr/>
+          <p:nvPr/>
+        </p:nvSpPr>
+        <p:spPr>
+          <a:xfrm>
+            <a:off x="7040218" y="2196550"/>
+            <a:ext cx="3422374" cy="3001948"/>
+          </a:xfrm>
+          <a:prstGeom prst="roundRect">
+            <a:avLst/>
+          </a:prstGeom>
+          <a:solidFill>
+            <a:schemeClr val="accent3">
+              <a:lumMod val="40000"/>
+              <a:lumOff val="60000"/>
+            </a:schemeClr>
+          </a:solidFill>
+          <a:ln w="12700">
+            <a:solidFill>
+              <a:schemeClr val="bg2">
+                <a:lumMod val="25000"/>
+              </a:schemeClr>
+            </a:solidFill>
+          </a:ln>
+          <a:effectLst/>
+        </p:spPr>
+        <p:style>
+          <a:lnRef idx="1">
+            <a:schemeClr val="accent1"/>
+          </a:lnRef>
+          <a:fillRef idx="3">
+            <a:schemeClr val="accent1"/>
+          </a:fillRef>
+          <a:effectRef idx="2">
+            <a:schemeClr val="accent1"/>
+          </a:effectRef>
+          <a:fontRef idx="minor">
+            <a:schemeClr val="lt1"/>
+          </a:fontRef>
+        </p:style>
+        <p:txBody>
+          <a:bodyPr rot="0" spcFirstLastPara="0" vertOverflow="overflow" horzOverflow="overflow" vert="horz" wrap="square" lIns="0" tIns="45720" rIns="0" bIns="45720" numCol="1" spcCol="0" rtlCol="0" fromWordArt="0" anchor="ctr" anchorCtr="0" forceAA="0" compatLnSpc="1">
+            <a:prstTxWarp prst="textNoShape">
+              <a:avLst/>
+            </a:prstTxWarp>
+            <a:noAutofit/>
+          </a:bodyPr>
+          <a:lstStyle/>
+          <a:p>
+            <a:pPr algn="ctr"/>
+            <a:r>
+              <a:rPr lang="en-US" sz="1600" dirty="0">
+                <a:solidFill>
+                  <a:schemeClr val="bg2">
+                    <a:lumMod val="25000"/>
+                  </a:schemeClr>
+                </a:solidFill>
+              </a:rPr>
+              <a:t>Parallel Custom Code</a:t>
             </a:r>
           </a:p>
         </p:txBody>
@@ -11086,7 +16204,7 @@
     </p:spTree>
     <p:extLst>
       <p:ext uri="{BB962C8B-B14F-4D97-AF65-F5344CB8AC3E}">
-        <p14:creationId xmlns:p14="http://schemas.microsoft.com/office/powerpoint/2010/main" val="1736976663"/>
+        <p14:creationId xmlns:p14="http://schemas.microsoft.com/office/powerpoint/2010/main" val="3951690349"/>
       </p:ext>
     </p:extLst>
   </p:cSld>
@@ -11115,10 +16233,10 @@
       </p:grpSpPr>
       <p:sp>
         <p:nvSpPr>
-          <p:cNvPr id="2" name="Title 1">
+          <p:cNvPr id="3" name="Text Placeholder 2">
             <a:extLst>
               <a:ext uri="{FF2B5EF4-FFF2-40B4-BE49-F238E27FC236}">
-                <a16:creationId xmlns:a16="http://schemas.microsoft.com/office/drawing/2014/main" id="{E6C2659F-83BC-4FCB-AEBD-13BE1F760F9A}"/>
+                <a16:creationId xmlns:a16="http://schemas.microsoft.com/office/drawing/2014/main" id="{6A3734B9-6B96-42EE-BB2D-F6E92255F65C}"/>
               </a:ext>
             </a:extLst>
           </p:cNvPr>
@@ -11126,7 +16244,7 @@
             <a:spLocks noGrp="1"/>
           </p:cNvSpPr>
           <p:nvPr>
-            <p:ph type="title"/>
+            <p:ph type="body" sz="quarter" idx="10"/>
           </p:nvPr>
         </p:nvSpPr>
         <p:spPr/>
@@ -11136,122 +16254,15 @@
           <a:p>
             <a:r>
               <a:rPr lang="en-US" dirty="0"/>
-              <a:t>What Should be a Module</a:t>
-            </a:r>
-          </a:p>
-        </p:txBody>
-      </p:sp>
-      <p:sp>
-        <p:nvSpPr>
-          <p:cNvPr id="3" name="Content Placeholder 2">
-            <a:extLst>
-              <a:ext uri="{FF2B5EF4-FFF2-40B4-BE49-F238E27FC236}">
-                <a16:creationId xmlns:a16="http://schemas.microsoft.com/office/drawing/2014/main" id="{26495F02-3385-4489-B540-E8477CB2E834}"/>
-              </a:ext>
-            </a:extLst>
-          </p:cNvPr>
-          <p:cNvSpPr>
-            <a:spLocks noGrp="1"/>
-          </p:cNvSpPr>
-          <p:nvPr>
-            <p:ph idx="1"/>
-          </p:nvPr>
-        </p:nvSpPr>
-        <p:spPr/>
-        <p:txBody>
-          <a:bodyPr/>
-          <a:lstStyle/>
-          <a:p>
-            <a:r>
-              <a:rPr lang="en-US" dirty="0"/>
-              <a:t>Application Specific vs Reusable</a:t>
-            </a:r>
-          </a:p>
-          <a:p>
-            <a:pPr lvl="1"/>
-            <a:r>
-              <a:rPr lang="en-US" dirty="0"/>
-              <a:t>Application Logic could be within a module or outside of DCAF</a:t>
-            </a:r>
-          </a:p>
-          <a:p>
-            <a:pPr lvl="1"/>
-            <a:r>
-              <a:rPr lang="en-US" dirty="0"/>
-              <a:t>Consider making a module into a state machine for control</a:t>
-            </a:r>
-          </a:p>
-          <a:p>
-            <a:pPr lvl="1"/>
-            <a:r>
-              <a:rPr lang="en-US" dirty="0"/>
-              <a:t>Remember the state machine should not block</a:t>
-            </a:r>
-          </a:p>
-          <a:p>
-            <a:pPr lvl="1"/>
-            <a:r>
-              <a:rPr lang="en-US" dirty="0"/>
-              <a:t>Do not hold state data in the module unless there can be only one instance</a:t>
-            </a:r>
-          </a:p>
-        </p:txBody>
-      </p:sp>
-      <mc:AlternateContent xmlns:mc="http://schemas.openxmlformats.org/markup-compatibility/2006">
-        <mc:Choice xmlns:p14="http://schemas.microsoft.com/office/powerpoint/2010/main" Requires="p14">
-          <p:contentPart p14:bwMode="auto" r:id="rId2">
-            <p14:nvContentPartPr>
-              <p14:cNvPr id="4" name="Ink 3">
-                <a:extLst>
-                  <a:ext uri="{FF2B5EF4-FFF2-40B4-BE49-F238E27FC236}">
-                    <a16:creationId xmlns:a16="http://schemas.microsoft.com/office/drawing/2014/main" id="{5EB1F0B3-559A-43D8-8014-26F045DB04F6}"/>
-                  </a:ext>
-                </a:extLst>
-              </p14:cNvPr>
-              <p14:cNvContentPartPr/>
-              <p14:nvPr/>
-            </p14:nvContentPartPr>
-            <p14:xfrm>
-              <a:off x="1080720" y="2474280"/>
-              <a:ext cx="9095040" cy="3015360"/>
-            </p14:xfrm>
-          </p:contentPart>
-        </mc:Choice>
-        <mc:Fallback>
-          <p:pic>
-            <p:nvPicPr>
-              <p:cNvPr id="4" name="Ink 3">
-                <a:extLst>
-                  <a:ext uri="{FF2B5EF4-FFF2-40B4-BE49-F238E27FC236}">
-                    <a16:creationId xmlns:a16="http://schemas.microsoft.com/office/drawing/2014/main" id="{5EB1F0B3-559A-43D8-8014-26F045DB04F6}"/>
-                  </a:ext>
-                </a:extLst>
-              </p:cNvPr>
-              <p:cNvPicPr/>
-              <p:nvPr/>
-            </p:nvPicPr>
-            <p:blipFill>
-              <a:blip r:embed="rId3"/>
-              <a:stretch>
-                <a:fillRect/>
-              </a:stretch>
-            </p:blipFill>
-            <p:spPr>
-              <a:xfrm>
-                <a:off x="1071360" y="2464920"/>
-                <a:ext cx="9113760" cy="3034080"/>
-              </a:xfrm>
-              <a:prstGeom prst="rect">
-                <a:avLst/>
-              </a:prstGeom>
-            </p:spPr>
-          </p:pic>
-        </mc:Fallback>
-      </mc:AlternateContent>
+              <a:t>Using Existing DCAF Plugins</a:t>
+            </a:r>
+          </a:p>
+        </p:txBody>
+      </p:sp>
     </p:spTree>
     <p:extLst>
       <p:ext uri="{BB962C8B-B14F-4D97-AF65-F5344CB8AC3E}">
-        <p14:creationId xmlns:p14="http://schemas.microsoft.com/office/powerpoint/2010/main" val="1702721553"/>
+        <p14:creationId xmlns:p14="http://schemas.microsoft.com/office/powerpoint/2010/main" val="529932726"/>
       </p:ext>
     </p:extLst>
   </p:cSld>
@@ -11280,10 +16291,10 @@
       </p:grpSpPr>
       <p:sp>
         <p:nvSpPr>
-          <p:cNvPr id="2" name="Title 1">
+          <p:cNvPr id="3" name="Title 2">
             <a:extLst>
               <a:ext uri="{FF2B5EF4-FFF2-40B4-BE49-F238E27FC236}">
-                <a16:creationId xmlns:a16="http://schemas.microsoft.com/office/drawing/2014/main" id="{E6C2659F-83BC-4FCB-AEBD-13BE1F760F9A}"/>
+                <a16:creationId xmlns:a16="http://schemas.microsoft.com/office/drawing/2014/main" id="{192302D0-EB06-4EAF-9AA8-168E404E18FF}"/>
               </a:ext>
             </a:extLst>
           </p:cNvPr>
@@ -11301,17 +16312,17 @@
           <a:p>
             <a:r>
               <a:rPr lang="en-US" dirty="0"/>
-              <a:t>How many modules?</a:t>
-            </a:r>
-          </a:p>
-        </p:txBody>
-      </p:sp>
-      <p:sp>
-        <p:nvSpPr>
-          <p:cNvPr id="3" name="Content Placeholder 2">
+              <a:t>Using Existing DCAF Plugins</a:t>
+            </a:r>
+          </a:p>
+        </p:txBody>
+      </p:sp>
+      <p:sp>
+        <p:nvSpPr>
+          <p:cNvPr id="4" name="Content Placeholder 3">
             <a:extLst>
               <a:ext uri="{FF2B5EF4-FFF2-40B4-BE49-F238E27FC236}">
-                <a16:creationId xmlns:a16="http://schemas.microsoft.com/office/drawing/2014/main" id="{26495F02-3385-4489-B540-E8477CB2E834}"/>
+                <a16:creationId xmlns:a16="http://schemas.microsoft.com/office/drawing/2014/main" id="{4A6860E9-7233-4986-B3ED-04CFAEFCF072}"/>
               </a:ext>
             </a:extLst>
           </p:cNvPr>
@@ -11324,8 +16335,8 @@
         </p:nvSpPr>
         <p:spPr>
           <a:xfrm>
-            <a:off x="605367" y="975360"/>
-            <a:ext cx="10972800" cy="1185949"/>
+            <a:off x="605367" y="975361"/>
+            <a:ext cx="5705981" cy="5226655"/>
           </a:xfrm>
         </p:spPr>
         <p:txBody>
@@ -11334,1113 +16345,64 @@
           <a:p>
             <a:r>
               <a:rPr lang="en-US" dirty="0"/>
-              <a:t>If two modules must always be used with each other, consider combining them. </a:t>
-            </a:r>
-          </a:p>
-          <a:p>
+              <a:t>Consult the </a:t>
+            </a:r>
+            <a:r>
+              <a:rPr lang="en-US" dirty="0">
+                <a:hlinkClick r:id="rId2"/>
+              </a:rPr>
+              <a:t>List of Available DCAF Modules Documentation.</a:t>
+            </a:r>
             <a:endParaRPr lang="en-US" dirty="0"/>
           </a:p>
           <a:p>
-            <a:endParaRPr lang="en-US" dirty="0"/>
-          </a:p>
-          <a:p>
-            <a:endParaRPr lang="en-US" dirty="0"/>
-          </a:p>
-          <a:p>
-            <a:pPr marL="0" indent="0">
-              <a:buNone/>
-            </a:pPr>
-            <a:endParaRPr lang="en-US" dirty="0"/>
-          </a:p>
-        </p:txBody>
-      </p:sp>
-      <p:sp>
-        <p:nvSpPr>
-          <p:cNvPr id="12" name="Rounded Rectangle 3">
+            <a:r>
+              <a:rPr lang="en-US" dirty="0"/>
+              <a:t>Most of them are in VIPM.</a:t>
+            </a:r>
+          </a:p>
+          <a:p>
+            <a:r>
+              <a:rPr lang="en-US" dirty="0"/>
+              <a:t>Also check in GitHub.</a:t>
+            </a:r>
+          </a:p>
+        </p:txBody>
+      </p:sp>
+      <p:pic>
+        <p:nvPicPr>
+          <p:cNvPr id="5" name="Picture 4">
             <a:extLst>
               <a:ext uri="{FF2B5EF4-FFF2-40B4-BE49-F238E27FC236}">
-                <a16:creationId xmlns:a16="http://schemas.microsoft.com/office/drawing/2014/main" id="{071EB096-6C5A-4742-AB6E-310B48A5462D}"/>
+                <a16:creationId xmlns:a16="http://schemas.microsoft.com/office/drawing/2014/main" id="{372500CF-47E5-497F-A95C-46AE4C6BEC84}"/>
               </a:ext>
             </a:extLst>
           </p:cNvPr>
-          <p:cNvSpPr/>
+          <p:cNvPicPr>
+            <a:picLocks noChangeAspect="1"/>
+          </p:cNvPicPr>
           <p:nvPr/>
-        </p:nvSpPr>
+        </p:nvPicPr>
+        <p:blipFill>
+          <a:blip r:embed="rId3"/>
+          <a:stretch>
+            <a:fillRect/>
+          </a:stretch>
+        </p:blipFill>
         <p:spPr>
           <a:xfrm>
-            <a:off x="276394" y="3073081"/>
-            <a:ext cx="1828800" cy="771787"/>
-          </a:xfrm>
-          <a:prstGeom prst="roundRect">
+            <a:off x="6311348" y="518277"/>
+            <a:ext cx="5681102" cy="5821446"/>
+          </a:xfrm>
+          <a:prstGeom prst="rect">
             <a:avLst/>
           </a:prstGeom>
-          <a:solidFill>
-            <a:schemeClr val="tx2">
-              <a:lumMod val="50000"/>
-            </a:schemeClr>
-          </a:solidFill>
-          <a:ln w="28575">
-            <a:solidFill>
-              <a:schemeClr val="tx1"/>
-            </a:solidFill>
-          </a:ln>
-          <a:effectLst>
-            <a:outerShdw blurRad="50800" dist="38100" dir="2700000" algn="tl" rotWithShape="0">
-              <a:prstClr val="black">
-                <a:alpha val="40000"/>
-              </a:prstClr>
-            </a:outerShdw>
-          </a:effectLst>
-        </p:spPr>
-        <p:style>
-          <a:lnRef idx="1">
-            <a:schemeClr val="accent1"/>
-          </a:lnRef>
-          <a:fillRef idx="3">
-            <a:schemeClr val="accent1"/>
-          </a:fillRef>
-          <a:effectRef idx="2">
-            <a:schemeClr val="accent1"/>
-          </a:effectRef>
-          <a:fontRef idx="minor">
-            <a:schemeClr val="lt1"/>
-          </a:fontRef>
-        </p:style>
-        <p:txBody>
-          <a:bodyPr rtlCol="0" anchor="ctr"/>
-          <a:lstStyle/>
-          <a:p>
-            <a:pPr algn="ctr"/>
-            <a:r>
-              <a:rPr lang="en-US" dirty="0"/>
-              <a:t>Custom Input Module 1</a:t>
-            </a:r>
-          </a:p>
-        </p:txBody>
-      </p:sp>
-      <p:sp>
-        <p:nvSpPr>
-          <p:cNvPr id="13" name="Rounded Rectangle 4">
-            <a:extLst>
-              <a:ext uri="{FF2B5EF4-FFF2-40B4-BE49-F238E27FC236}">
-                <a16:creationId xmlns:a16="http://schemas.microsoft.com/office/drawing/2014/main" id="{DF97D33A-496D-415C-9003-D9090F872DE8}"/>
-              </a:ext>
-            </a:extLst>
-          </p:cNvPr>
-          <p:cNvSpPr/>
-          <p:nvPr/>
-        </p:nvSpPr>
-        <p:spPr>
-          <a:xfrm>
-            <a:off x="2645735" y="3051838"/>
-            <a:ext cx="1828800" cy="771787"/>
-          </a:xfrm>
-          <a:prstGeom prst="roundRect">
-            <a:avLst/>
-          </a:prstGeom>
-          <a:solidFill>
-            <a:schemeClr val="accent6">
-              <a:lumMod val="75000"/>
-            </a:schemeClr>
-          </a:solidFill>
-          <a:ln w="28575">
-            <a:solidFill>
-              <a:schemeClr val="tx1"/>
-            </a:solidFill>
-          </a:ln>
-          <a:effectLst>
-            <a:outerShdw blurRad="50800" dist="38100" dir="2700000" algn="tl" rotWithShape="0">
-              <a:prstClr val="black">
-                <a:alpha val="40000"/>
-              </a:prstClr>
-            </a:outerShdw>
-          </a:effectLst>
-        </p:spPr>
-        <p:style>
-          <a:lnRef idx="1">
-            <a:schemeClr val="accent1"/>
-          </a:lnRef>
-          <a:fillRef idx="3">
-            <a:schemeClr val="accent1"/>
-          </a:fillRef>
-          <a:effectRef idx="2">
-            <a:schemeClr val="accent1"/>
-          </a:effectRef>
-          <a:fontRef idx="minor">
-            <a:schemeClr val="lt1"/>
-          </a:fontRef>
-        </p:style>
-        <p:txBody>
-          <a:bodyPr rtlCol="0" anchor="ctr"/>
-          <a:lstStyle/>
-          <a:p>
-            <a:pPr algn="ctr"/>
-            <a:r>
-              <a:rPr lang="en-US" dirty="0"/>
-              <a:t>Custom Process Module 1</a:t>
-            </a:r>
-          </a:p>
-        </p:txBody>
-      </p:sp>
-      <p:sp>
-        <p:nvSpPr>
-          <p:cNvPr id="14" name="Rounded Rectangle 5">
-            <a:extLst>
-              <a:ext uri="{FF2B5EF4-FFF2-40B4-BE49-F238E27FC236}">
-                <a16:creationId xmlns:a16="http://schemas.microsoft.com/office/drawing/2014/main" id="{AC7AE688-9FA1-4E17-8726-8DE82A9C07BB}"/>
-              </a:ext>
-            </a:extLst>
-          </p:cNvPr>
-          <p:cNvSpPr/>
-          <p:nvPr/>
-        </p:nvSpPr>
-        <p:spPr>
-          <a:xfrm>
-            <a:off x="4897956" y="3051836"/>
-            <a:ext cx="1828800" cy="771787"/>
-          </a:xfrm>
-          <a:prstGeom prst="roundRect">
-            <a:avLst/>
-          </a:prstGeom>
-          <a:solidFill>
-            <a:schemeClr val="tx2">
-              <a:lumMod val="50000"/>
-            </a:schemeClr>
-          </a:solidFill>
-          <a:ln w="28575">
-            <a:solidFill>
-              <a:schemeClr val="tx1"/>
-            </a:solidFill>
-          </a:ln>
-          <a:effectLst>
-            <a:outerShdw blurRad="50800" dist="38100" dir="2700000" algn="tl" rotWithShape="0">
-              <a:prstClr val="black">
-                <a:alpha val="40000"/>
-              </a:prstClr>
-            </a:outerShdw>
-          </a:effectLst>
-        </p:spPr>
-        <p:style>
-          <a:lnRef idx="1">
-            <a:schemeClr val="accent1"/>
-          </a:lnRef>
-          <a:fillRef idx="3">
-            <a:schemeClr val="accent1"/>
-          </a:fillRef>
-          <a:effectRef idx="2">
-            <a:schemeClr val="accent1"/>
-          </a:effectRef>
-          <a:fontRef idx="minor">
-            <a:schemeClr val="lt1"/>
-          </a:fontRef>
-        </p:style>
-        <p:txBody>
-          <a:bodyPr rtlCol="0" anchor="ctr"/>
-          <a:lstStyle/>
-          <a:p>
-            <a:pPr algn="ctr"/>
-            <a:r>
-              <a:rPr lang="en-US" dirty="0"/>
-              <a:t>Scan Engine Module</a:t>
-            </a:r>
-          </a:p>
-        </p:txBody>
-      </p:sp>
-      <p:sp>
-        <p:nvSpPr>
-          <p:cNvPr id="15" name="Rounded Rectangle 6">
-            <a:extLst>
-              <a:ext uri="{FF2B5EF4-FFF2-40B4-BE49-F238E27FC236}">
-                <a16:creationId xmlns:a16="http://schemas.microsoft.com/office/drawing/2014/main" id="{175EFA03-0F68-4E83-A963-597CBB5A67DF}"/>
-              </a:ext>
-            </a:extLst>
-          </p:cNvPr>
-          <p:cNvSpPr/>
-          <p:nvPr/>
-        </p:nvSpPr>
-        <p:spPr>
-          <a:xfrm>
-            <a:off x="276395" y="2161309"/>
-            <a:ext cx="6450362" cy="771787"/>
-          </a:xfrm>
-          <a:prstGeom prst="roundRect">
-            <a:avLst/>
-          </a:prstGeom>
-          <a:solidFill>
-            <a:srgbClr val="C00000"/>
-          </a:solidFill>
-          <a:ln w="28575">
-            <a:solidFill>
-              <a:schemeClr val="tx1"/>
-            </a:solidFill>
-          </a:ln>
-          <a:effectLst>
-            <a:outerShdw blurRad="50800" dist="38100" dir="2700000" algn="tl" rotWithShape="0">
-              <a:prstClr val="black">
-                <a:alpha val="40000"/>
-              </a:prstClr>
-            </a:outerShdw>
-          </a:effectLst>
-        </p:spPr>
-        <p:style>
-          <a:lnRef idx="1">
-            <a:schemeClr val="accent1"/>
-          </a:lnRef>
-          <a:fillRef idx="3">
-            <a:schemeClr val="accent1"/>
-          </a:fillRef>
-          <a:effectRef idx="2">
-            <a:schemeClr val="accent1"/>
-          </a:effectRef>
-          <a:fontRef idx="minor">
-            <a:schemeClr val="lt1"/>
-          </a:fontRef>
-        </p:style>
-        <p:txBody>
-          <a:bodyPr rtlCol="0" anchor="ctr"/>
-          <a:lstStyle/>
-          <a:p>
-            <a:pPr algn="ctr"/>
-            <a:r>
-              <a:rPr lang="en-US" dirty="0"/>
-              <a:t>Engine</a:t>
-            </a:r>
-          </a:p>
-        </p:txBody>
-      </p:sp>
-      <p:sp>
-        <p:nvSpPr>
-          <p:cNvPr id="19" name="Up Arrow 10">
-            <a:extLst>
-              <a:ext uri="{FF2B5EF4-FFF2-40B4-BE49-F238E27FC236}">
-                <a16:creationId xmlns:a16="http://schemas.microsoft.com/office/drawing/2014/main" id="{2607A99D-61B4-467E-BBED-0AA7D97CB935}"/>
-              </a:ext>
-            </a:extLst>
-          </p:cNvPr>
-          <p:cNvSpPr/>
-          <p:nvPr/>
-        </p:nvSpPr>
-        <p:spPr>
-          <a:xfrm rot="5400000">
-            <a:off x="2308189" y="3097288"/>
-            <a:ext cx="251671" cy="680885"/>
-          </a:xfrm>
-          <a:prstGeom prst="upArrow">
-            <a:avLst/>
-          </a:prstGeom>
-          <a:solidFill>
-            <a:schemeClr val="accent1"/>
-          </a:solidFill>
-          <a:ln>
-            <a:noFill/>
-          </a:ln>
-          <a:effectLst>
-            <a:outerShdw blurRad="50800" dist="38100" dir="2700000" algn="tl" rotWithShape="0">
-              <a:prstClr val="black">
-                <a:alpha val="40000"/>
-              </a:prstClr>
-            </a:outerShdw>
-          </a:effectLst>
-        </p:spPr>
-        <p:style>
-          <a:lnRef idx="1">
-            <a:schemeClr val="accent1"/>
-          </a:lnRef>
-          <a:fillRef idx="3">
-            <a:schemeClr val="accent1"/>
-          </a:fillRef>
-          <a:effectRef idx="2">
-            <a:schemeClr val="accent1"/>
-          </a:effectRef>
-          <a:fontRef idx="minor">
-            <a:schemeClr val="lt1"/>
-          </a:fontRef>
-        </p:style>
-        <p:txBody>
-          <a:bodyPr rtlCol="0" anchor="ctr"/>
-          <a:lstStyle/>
-          <a:p>
-            <a:pPr algn="ctr"/>
-            <a:endParaRPr lang="en-US"/>
-          </a:p>
-        </p:txBody>
-      </p:sp>
-      <p:sp>
-        <p:nvSpPr>
-          <p:cNvPr id="21" name="Cloud 20">
-            <a:extLst>
-              <a:ext uri="{FF2B5EF4-FFF2-40B4-BE49-F238E27FC236}">
-                <a16:creationId xmlns:a16="http://schemas.microsoft.com/office/drawing/2014/main" id="{90E59BB9-204E-4888-8718-CEF2A224153E}"/>
-              </a:ext>
-            </a:extLst>
-          </p:cNvPr>
-          <p:cNvSpPr/>
-          <p:nvPr/>
-        </p:nvSpPr>
-        <p:spPr>
-          <a:xfrm>
-            <a:off x="504067" y="4361383"/>
-            <a:ext cx="1373453" cy="839972"/>
-          </a:xfrm>
-          <a:prstGeom prst="cloud">
-            <a:avLst/>
-          </a:prstGeom>
-          <a:noFill/>
-          <a:ln w="12700">
-            <a:solidFill>
-              <a:srgbClr val="0A60A3"/>
-            </a:solidFill>
-          </a:ln>
-          <a:effectLst/>
-        </p:spPr>
-        <p:style>
-          <a:lnRef idx="1">
-            <a:schemeClr val="accent1"/>
-          </a:lnRef>
-          <a:fillRef idx="3">
-            <a:schemeClr val="accent1"/>
-          </a:fillRef>
-          <a:effectRef idx="2">
-            <a:schemeClr val="accent1"/>
-          </a:effectRef>
-          <a:fontRef idx="minor">
-            <a:schemeClr val="lt1"/>
-          </a:fontRef>
-        </p:style>
-        <p:txBody>
-          <a:bodyPr lIns="0" rIns="0" rtlCol="0" anchor="ctr"/>
-          <a:lstStyle/>
-          <a:p>
-            <a:pPr algn="ctr"/>
-            <a:r>
-              <a:rPr lang="en-US" dirty="0">
-                <a:solidFill>
-                  <a:schemeClr val="tx1"/>
-                </a:solidFill>
-              </a:rPr>
-              <a:t>Outside</a:t>
-            </a:r>
-          </a:p>
-        </p:txBody>
-      </p:sp>
-      <p:sp>
-        <p:nvSpPr>
-          <p:cNvPr id="22" name="Cloud 21">
-            <a:extLst>
-              <a:ext uri="{FF2B5EF4-FFF2-40B4-BE49-F238E27FC236}">
-                <a16:creationId xmlns:a16="http://schemas.microsoft.com/office/drawing/2014/main" id="{09B02587-D073-4F9A-BCEA-01621FBAE694}"/>
-              </a:ext>
-            </a:extLst>
-          </p:cNvPr>
-          <p:cNvSpPr/>
-          <p:nvPr/>
-        </p:nvSpPr>
-        <p:spPr>
-          <a:xfrm>
-            <a:off x="5117922" y="4361383"/>
-            <a:ext cx="1373453" cy="839972"/>
-          </a:xfrm>
-          <a:prstGeom prst="cloud">
-            <a:avLst/>
-          </a:prstGeom>
-          <a:noFill/>
-          <a:ln w="12700">
-            <a:solidFill>
-              <a:srgbClr val="0A60A3"/>
-            </a:solidFill>
-          </a:ln>
-          <a:effectLst/>
-        </p:spPr>
-        <p:style>
-          <a:lnRef idx="1">
-            <a:schemeClr val="accent1"/>
-          </a:lnRef>
-          <a:fillRef idx="3">
-            <a:schemeClr val="accent1"/>
-          </a:fillRef>
-          <a:effectRef idx="2">
-            <a:schemeClr val="accent1"/>
-          </a:effectRef>
-          <a:fontRef idx="minor">
-            <a:schemeClr val="lt1"/>
-          </a:fontRef>
-        </p:style>
-        <p:txBody>
-          <a:bodyPr lIns="0" rIns="0" rtlCol="0" anchor="ctr"/>
-          <a:lstStyle/>
-          <a:p>
-            <a:pPr algn="ctr"/>
-            <a:r>
-              <a:rPr lang="en-US" dirty="0">
-                <a:solidFill>
-                  <a:schemeClr val="tx1"/>
-                </a:solidFill>
-              </a:rPr>
-              <a:t>Outside</a:t>
-            </a:r>
-          </a:p>
-        </p:txBody>
-      </p:sp>
-      <p:sp>
-        <p:nvSpPr>
-          <p:cNvPr id="23" name="Up Arrow 20">
-            <a:extLst>
-              <a:ext uri="{FF2B5EF4-FFF2-40B4-BE49-F238E27FC236}">
-                <a16:creationId xmlns:a16="http://schemas.microsoft.com/office/drawing/2014/main" id="{A68F2FA6-0C89-4906-9937-FED90954453C}"/>
-              </a:ext>
-            </a:extLst>
-          </p:cNvPr>
-          <p:cNvSpPr/>
-          <p:nvPr/>
-        </p:nvSpPr>
-        <p:spPr>
-          <a:xfrm>
-            <a:off x="1128865" y="3826648"/>
-            <a:ext cx="251671" cy="680885"/>
-          </a:xfrm>
-          <a:prstGeom prst="upArrow">
-            <a:avLst/>
-          </a:prstGeom>
-          <a:solidFill>
-            <a:schemeClr val="bg2">
-              <a:lumMod val="75000"/>
-            </a:schemeClr>
-          </a:solidFill>
-          <a:ln>
-            <a:noFill/>
-          </a:ln>
-          <a:effectLst>
-            <a:outerShdw blurRad="50800" dist="38100" dir="2700000" algn="tl" rotWithShape="0">
-              <a:prstClr val="black">
-                <a:alpha val="40000"/>
-              </a:prstClr>
-            </a:outerShdw>
-          </a:effectLst>
-        </p:spPr>
-        <p:style>
-          <a:lnRef idx="1">
-            <a:schemeClr val="accent1"/>
-          </a:lnRef>
-          <a:fillRef idx="3">
-            <a:schemeClr val="accent1"/>
-          </a:fillRef>
-          <a:effectRef idx="2">
-            <a:schemeClr val="accent1"/>
-          </a:effectRef>
-          <a:fontRef idx="minor">
-            <a:schemeClr val="lt1"/>
-          </a:fontRef>
-        </p:style>
-        <p:txBody>
-          <a:bodyPr rtlCol="0" anchor="ctr"/>
-          <a:lstStyle/>
-          <a:p>
-            <a:pPr algn="ctr"/>
-            <a:endParaRPr lang="en-US"/>
-          </a:p>
-        </p:txBody>
-      </p:sp>
-      <p:sp>
-        <p:nvSpPr>
-          <p:cNvPr id="24" name="Up Arrow 21">
-            <a:extLst>
-              <a:ext uri="{FF2B5EF4-FFF2-40B4-BE49-F238E27FC236}">
-                <a16:creationId xmlns:a16="http://schemas.microsoft.com/office/drawing/2014/main" id="{D68BCC7F-FC49-40A6-AF7A-82C4B8783470}"/>
-              </a:ext>
-            </a:extLst>
-          </p:cNvPr>
-          <p:cNvSpPr/>
-          <p:nvPr/>
-        </p:nvSpPr>
-        <p:spPr>
-          <a:xfrm rot="10800000">
-            <a:off x="5762484" y="3823623"/>
-            <a:ext cx="251671" cy="680885"/>
-          </a:xfrm>
-          <a:prstGeom prst="upArrow">
-            <a:avLst/>
-          </a:prstGeom>
-          <a:solidFill>
-            <a:schemeClr val="bg2">
-              <a:lumMod val="75000"/>
-            </a:schemeClr>
-          </a:solidFill>
-          <a:ln>
-            <a:noFill/>
-          </a:ln>
-          <a:effectLst>
-            <a:outerShdw blurRad="50800" dist="38100" dir="2700000" algn="tl" rotWithShape="0">
-              <a:prstClr val="black">
-                <a:alpha val="40000"/>
-              </a:prstClr>
-            </a:outerShdw>
-          </a:effectLst>
-        </p:spPr>
-        <p:style>
-          <a:lnRef idx="1">
-            <a:schemeClr val="accent1"/>
-          </a:lnRef>
-          <a:fillRef idx="3">
-            <a:schemeClr val="accent1"/>
-          </a:fillRef>
-          <a:effectRef idx="2">
-            <a:schemeClr val="accent1"/>
-          </a:effectRef>
-          <a:fontRef idx="minor">
-            <a:schemeClr val="lt1"/>
-          </a:fontRef>
-        </p:style>
-        <p:txBody>
-          <a:bodyPr rtlCol="0" anchor="ctr"/>
-          <a:lstStyle/>
-          <a:p>
-            <a:pPr algn="ctr"/>
-            <a:endParaRPr lang="en-US"/>
-          </a:p>
-        </p:txBody>
-      </p:sp>
-      <p:sp>
-        <p:nvSpPr>
-          <p:cNvPr id="27" name="Up Arrow 10">
-            <a:extLst>
-              <a:ext uri="{FF2B5EF4-FFF2-40B4-BE49-F238E27FC236}">
-                <a16:creationId xmlns:a16="http://schemas.microsoft.com/office/drawing/2014/main" id="{62E99CE7-AF3E-42A9-AE95-2940A292B10F}"/>
-              </a:ext>
-            </a:extLst>
-          </p:cNvPr>
-          <p:cNvSpPr/>
-          <p:nvPr/>
-        </p:nvSpPr>
-        <p:spPr>
-          <a:xfrm rot="5400000">
-            <a:off x="4689142" y="3097288"/>
-            <a:ext cx="251671" cy="680885"/>
-          </a:xfrm>
-          <a:prstGeom prst="upArrow">
-            <a:avLst/>
-          </a:prstGeom>
-          <a:solidFill>
-            <a:schemeClr val="accent1"/>
-          </a:solidFill>
-          <a:ln>
-            <a:noFill/>
-          </a:ln>
-          <a:effectLst>
-            <a:outerShdw blurRad="50800" dist="38100" dir="2700000" algn="tl" rotWithShape="0">
-              <a:prstClr val="black">
-                <a:alpha val="40000"/>
-              </a:prstClr>
-            </a:outerShdw>
-          </a:effectLst>
-        </p:spPr>
-        <p:style>
-          <a:lnRef idx="1">
-            <a:schemeClr val="accent1"/>
-          </a:lnRef>
-          <a:fillRef idx="3">
-            <a:schemeClr val="accent1"/>
-          </a:fillRef>
-          <a:effectRef idx="2">
-            <a:schemeClr val="accent1"/>
-          </a:effectRef>
-          <a:fontRef idx="minor">
-            <a:schemeClr val="lt1"/>
-          </a:fontRef>
-        </p:style>
-        <p:txBody>
-          <a:bodyPr rtlCol="0" anchor="ctr"/>
-          <a:lstStyle/>
-          <a:p>
-            <a:pPr algn="ctr"/>
-            <a:endParaRPr lang="en-US"/>
-          </a:p>
-        </p:txBody>
-      </p:sp>
-      <p:sp>
-        <p:nvSpPr>
-          <p:cNvPr id="28" name="Rounded Rectangle 3">
-            <a:extLst>
-              <a:ext uri="{FF2B5EF4-FFF2-40B4-BE49-F238E27FC236}">
-                <a16:creationId xmlns:a16="http://schemas.microsoft.com/office/drawing/2014/main" id="{7CC7B42D-4BD3-4843-B649-D1D2C51AC315}"/>
-              </a:ext>
-            </a:extLst>
-          </p:cNvPr>
-          <p:cNvSpPr/>
-          <p:nvPr/>
-        </p:nvSpPr>
-        <p:spPr>
-          <a:xfrm>
-            <a:off x="7490956" y="3068104"/>
-            <a:ext cx="1828800" cy="771787"/>
-          </a:xfrm>
-          <a:prstGeom prst="roundRect">
-            <a:avLst/>
-          </a:prstGeom>
-          <a:solidFill>
-            <a:schemeClr val="tx2">
-              <a:lumMod val="50000"/>
-            </a:schemeClr>
-          </a:solidFill>
-          <a:ln w="28575">
-            <a:solidFill>
-              <a:schemeClr val="tx1"/>
-            </a:solidFill>
-          </a:ln>
-          <a:effectLst>
-            <a:outerShdw blurRad="50800" dist="38100" dir="2700000" algn="tl" rotWithShape="0">
-              <a:prstClr val="black">
-                <a:alpha val="40000"/>
-              </a:prstClr>
-            </a:outerShdw>
-          </a:effectLst>
-        </p:spPr>
-        <p:style>
-          <a:lnRef idx="1">
-            <a:schemeClr val="accent1"/>
-          </a:lnRef>
-          <a:fillRef idx="3">
-            <a:schemeClr val="accent1"/>
-          </a:fillRef>
-          <a:effectRef idx="2">
-            <a:schemeClr val="accent1"/>
-          </a:effectRef>
-          <a:fontRef idx="minor">
-            <a:schemeClr val="lt1"/>
-          </a:fontRef>
-        </p:style>
-        <p:txBody>
-          <a:bodyPr rtlCol="0" anchor="ctr"/>
-          <a:lstStyle/>
-          <a:p>
-            <a:pPr algn="ctr"/>
-            <a:r>
-              <a:rPr lang="en-US" dirty="0"/>
-              <a:t>Custom Input And Process</a:t>
-            </a:r>
-          </a:p>
-        </p:txBody>
-      </p:sp>
-      <p:sp>
-        <p:nvSpPr>
-          <p:cNvPr id="30" name="Rounded Rectangle 5">
-            <a:extLst>
-              <a:ext uri="{FF2B5EF4-FFF2-40B4-BE49-F238E27FC236}">
-                <a16:creationId xmlns:a16="http://schemas.microsoft.com/office/drawing/2014/main" id="{0B903C28-4763-4F90-A3ED-ECBCE2F72FF9}"/>
-              </a:ext>
-            </a:extLst>
-          </p:cNvPr>
-          <p:cNvSpPr/>
-          <p:nvPr/>
-        </p:nvSpPr>
-        <p:spPr>
-          <a:xfrm>
-            <a:off x="9822187" y="3051835"/>
-            <a:ext cx="1828800" cy="771787"/>
-          </a:xfrm>
-          <a:prstGeom prst="roundRect">
-            <a:avLst/>
-          </a:prstGeom>
-          <a:solidFill>
-            <a:schemeClr val="tx2">
-              <a:lumMod val="50000"/>
-            </a:schemeClr>
-          </a:solidFill>
-          <a:ln w="28575">
-            <a:solidFill>
-              <a:schemeClr val="tx1"/>
-            </a:solidFill>
-          </a:ln>
-          <a:effectLst>
-            <a:outerShdw blurRad="50800" dist="38100" dir="2700000" algn="tl" rotWithShape="0">
-              <a:prstClr val="black">
-                <a:alpha val="40000"/>
-              </a:prstClr>
-            </a:outerShdw>
-          </a:effectLst>
-        </p:spPr>
-        <p:style>
-          <a:lnRef idx="1">
-            <a:schemeClr val="accent1"/>
-          </a:lnRef>
-          <a:fillRef idx="3">
-            <a:schemeClr val="accent1"/>
-          </a:fillRef>
-          <a:effectRef idx="2">
-            <a:schemeClr val="accent1"/>
-          </a:effectRef>
-          <a:fontRef idx="minor">
-            <a:schemeClr val="lt1"/>
-          </a:fontRef>
-        </p:style>
-        <p:txBody>
-          <a:bodyPr rtlCol="0" anchor="ctr"/>
-          <a:lstStyle/>
-          <a:p>
-            <a:pPr algn="ctr"/>
-            <a:r>
-              <a:rPr lang="en-US" dirty="0"/>
-              <a:t>Scan Engine Module</a:t>
-            </a:r>
-          </a:p>
-        </p:txBody>
-      </p:sp>
-      <p:sp>
-        <p:nvSpPr>
-          <p:cNvPr id="31" name="Rounded Rectangle 6">
-            <a:extLst>
-              <a:ext uri="{FF2B5EF4-FFF2-40B4-BE49-F238E27FC236}">
-                <a16:creationId xmlns:a16="http://schemas.microsoft.com/office/drawing/2014/main" id="{AFF795A6-D376-453A-A277-8A8D3F27E28E}"/>
-              </a:ext>
-            </a:extLst>
-          </p:cNvPr>
-          <p:cNvSpPr/>
-          <p:nvPr/>
-        </p:nvSpPr>
-        <p:spPr>
-          <a:xfrm>
-            <a:off x="7468203" y="2161309"/>
-            <a:ext cx="4182784" cy="771787"/>
-          </a:xfrm>
-          <a:prstGeom prst="roundRect">
-            <a:avLst/>
-          </a:prstGeom>
-          <a:solidFill>
-            <a:srgbClr val="C00000"/>
-          </a:solidFill>
-          <a:ln w="28575">
-            <a:solidFill>
-              <a:schemeClr val="tx1"/>
-            </a:solidFill>
-          </a:ln>
-          <a:effectLst>
-            <a:outerShdw blurRad="50800" dist="38100" dir="2700000" algn="tl" rotWithShape="0">
-              <a:prstClr val="black">
-                <a:alpha val="40000"/>
-              </a:prstClr>
-            </a:outerShdw>
-          </a:effectLst>
-        </p:spPr>
-        <p:style>
-          <a:lnRef idx="1">
-            <a:schemeClr val="accent1"/>
-          </a:lnRef>
-          <a:fillRef idx="3">
-            <a:schemeClr val="accent1"/>
-          </a:fillRef>
-          <a:effectRef idx="2">
-            <a:schemeClr val="accent1"/>
-          </a:effectRef>
-          <a:fontRef idx="minor">
-            <a:schemeClr val="lt1"/>
-          </a:fontRef>
-        </p:style>
-        <p:txBody>
-          <a:bodyPr rtlCol="0" anchor="ctr"/>
-          <a:lstStyle/>
-          <a:p>
-            <a:pPr algn="ctr"/>
-            <a:r>
-              <a:rPr lang="en-US" dirty="0"/>
-              <a:t>Engine</a:t>
-            </a:r>
-          </a:p>
-        </p:txBody>
-      </p:sp>
-      <p:sp>
-        <p:nvSpPr>
-          <p:cNvPr id="32" name="Up Arrow 10">
-            <a:extLst>
-              <a:ext uri="{FF2B5EF4-FFF2-40B4-BE49-F238E27FC236}">
-                <a16:creationId xmlns:a16="http://schemas.microsoft.com/office/drawing/2014/main" id="{E1A389EB-BBC6-4B8E-810F-A0D4A178D4BB}"/>
-              </a:ext>
-            </a:extLst>
-          </p:cNvPr>
-          <p:cNvSpPr/>
-          <p:nvPr/>
-        </p:nvSpPr>
-        <p:spPr>
-          <a:xfrm rot="5400000">
-            <a:off x="9445136" y="3113554"/>
-            <a:ext cx="251671" cy="680885"/>
-          </a:xfrm>
-          <a:prstGeom prst="upArrow">
-            <a:avLst/>
-          </a:prstGeom>
-          <a:solidFill>
-            <a:schemeClr val="accent1"/>
-          </a:solidFill>
-          <a:ln>
-            <a:noFill/>
-          </a:ln>
-          <a:effectLst>
-            <a:outerShdw blurRad="50800" dist="38100" dir="2700000" algn="tl" rotWithShape="0">
-              <a:prstClr val="black">
-                <a:alpha val="40000"/>
-              </a:prstClr>
-            </a:outerShdw>
-          </a:effectLst>
-        </p:spPr>
-        <p:style>
-          <a:lnRef idx="1">
-            <a:schemeClr val="accent1"/>
-          </a:lnRef>
-          <a:fillRef idx="3">
-            <a:schemeClr val="accent1"/>
-          </a:fillRef>
-          <a:effectRef idx="2">
-            <a:schemeClr val="accent1"/>
-          </a:effectRef>
-          <a:fontRef idx="minor">
-            <a:schemeClr val="lt1"/>
-          </a:fontRef>
-        </p:style>
-        <p:txBody>
-          <a:bodyPr rtlCol="0" anchor="ctr"/>
-          <a:lstStyle/>
-          <a:p>
-            <a:pPr algn="ctr"/>
-            <a:endParaRPr lang="en-US"/>
-          </a:p>
-        </p:txBody>
-      </p:sp>
-      <p:sp>
-        <p:nvSpPr>
-          <p:cNvPr id="33" name="Cloud 32">
-            <a:extLst>
-              <a:ext uri="{FF2B5EF4-FFF2-40B4-BE49-F238E27FC236}">
-                <a16:creationId xmlns:a16="http://schemas.microsoft.com/office/drawing/2014/main" id="{C2E753F2-BEB5-4C4A-AEDC-FA5ACD0D966C}"/>
-              </a:ext>
-            </a:extLst>
-          </p:cNvPr>
-          <p:cNvSpPr/>
-          <p:nvPr/>
-        </p:nvSpPr>
-        <p:spPr>
-          <a:xfrm>
-            <a:off x="7695876" y="4361383"/>
-            <a:ext cx="1373453" cy="839972"/>
-          </a:xfrm>
-          <a:prstGeom prst="cloud">
-            <a:avLst/>
-          </a:prstGeom>
-          <a:noFill/>
-          <a:ln w="12700">
-            <a:solidFill>
-              <a:srgbClr val="0A60A3"/>
-            </a:solidFill>
-          </a:ln>
-          <a:effectLst/>
-        </p:spPr>
-        <p:style>
-          <a:lnRef idx="1">
-            <a:schemeClr val="accent1"/>
-          </a:lnRef>
-          <a:fillRef idx="3">
-            <a:schemeClr val="accent1"/>
-          </a:fillRef>
-          <a:effectRef idx="2">
-            <a:schemeClr val="accent1"/>
-          </a:effectRef>
-          <a:fontRef idx="minor">
-            <a:schemeClr val="lt1"/>
-          </a:fontRef>
-        </p:style>
-        <p:txBody>
-          <a:bodyPr lIns="0" rIns="0" rtlCol="0" anchor="ctr"/>
-          <a:lstStyle/>
-          <a:p>
-            <a:pPr algn="ctr"/>
-            <a:r>
-              <a:rPr lang="en-US" dirty="0">
-                <a:solidFill>
-                  <a:schemeClr val="tx1"/>
-                </a:solidFill>
-              </a:rPr>
-              <a:t>Outside</a:t>
-            </a:r>
-          </a:p>
-        </p:txBody>
-      </p:sp>
-      <p:sp>
-        <p:nvSpPr>
-          <p:cNvPr id="34" name="Cloud 33">
-            <a:extLst>
-              <a:ext uri="{FF2B5EF4-FFF2-40B4-BE49-F238E27FC236}">
-                <a16:creationId xmlns:a16="http://schemas.microsoft.com/office/drawing/2014/main" id="{FEC2E4AB-6521-481F-ADFC-4964E1CACE33}"/>
-              </a:ext>
-            </a:extLst>
-          </p:cNvPr>
-          <p:cNvSpPr/>
-          <p:nvPr/>
-        </p:nvSpPr>
-        <p:spPr>
-          <a:xfrm>
-            <a:off x="10049860" y="4344418"/>
-            <a:ext cx="1373453" cy="839972"/>
-          </a:xfrm>
-          <a:prstGeom prst="cloud">
-            <a:avLst/>
-          </a:prstGeom>
-          <a:noFill/>
-          <a:ln w="12700">
-            <a:solidFill>
-              <a:srgbClr val="0A60A3"/>
-            </a:solidFill>
-          </a:ln>
-          <a:effectLst/>
-        </p:spPr>
-        <p:style>
-          <a:lnRef idx="1">
-            <a:schemeClr val="accent1"/>
-          </a:lnRef>
-          <a:fillRef idx="3">
-            <a:schemeClr val="accent1"/>
-          </a:fillRef>
-          <a:effectRef idx="2">
-            <a:schemeClr val="accent1"/>
-          </a:effectRef>
-          <a:fontRef idx="minor">
-            <a:schemeClr val="lt1"/>
-          </a:fontRef>
-        </p:style>
-        <p:txBody>
-          <a:bodyPr lIns="0" rIns="0" rtlCol="0" anchor="ctr"/>
-          <a:lstStyle/>
-          <a:p>
-            <a:pPr algn="ctr"/>
-            <a:r>
-              <a:rPr lang="en-US" dirty="0">
-                <a:solidFill>
-                  <a:schemeClr val="tx1"/>
-                </a:solidFill>
-              </a:rPr>
-              <a:t>Outside</a:t>
-            </a:r>
-          </a:p>
-        </p:txBody>
-      </p:sp>
-      <p:sp>
-        <p:nvSpPr>
-          <p:cNvPr id="35" name="Up Arrow 20">
-            <a:extLst>
-              <a:ext uri="{FF2B5EF4-FFF2-40B4-BE49-F238E27FC236}">
-                <a16:creationId xmlns:a16="http://schemas.microsoft.com/office/drawing/2014/main" id="{2A061AF9-629F-47D4-9B2F-43A12A96C8D4}"/>
-              </a:ext>
-            </a:extLst>
-          </p:cNvPr>
-          <p:cNvSpPr/>
-          <p:nvPr/>
-        </p:nvSpPr>
-        <p:spPr>
-          <a:xfrm>
-            <a:off x="8320674" y="3826648"/>
-            <a:ext cx="251671" cy="680885"/>
-          </a:xfrm>
-          <a:prstGeom prst="upArrow">
-            <a:avLst/>
-          </a:prstGeom>
-          <a:solidFill>
-            <a:schemeClr val="bg2">
-              <a:lumMod val="75000"/>
-            </a:schemeClr>
-          </a:solidFill>
-          <a:ln>
-            <a:noFill/>
-          </a:ln>
-          <a:effectLst>
-            <a:outerShdw blurRad="50800" dist="38100" dir="2700000" algn="tl" rotWithShape="0">
-              <a:prstClr val="black">
-                <a:alpha val="40000"/>
-              </a:prstClr>
-            </a:outerShdw>
-          </a:effectLst>
-        </p:spPr>
-        <p:style>
-          <a:lnRef idx="1">
-            <a:schemeClr val="accent1"/>
-          </a:lnRef>
-          <a:fillRef idx="3">
-            <a:schemeClr val="accent1"/>
-          </a:fillRef>
-          <a:effectRef idx="2">
-            <a:schemeClr val="accent1"/>
-          </a:effectRef>
-          <a:fontRef idx="minor">
-            <a:schemeClr val="lt1"/>
-          </a:fontRef>
-        </p:style>
-        <p:txBody>
-          <a:bodyPr rtlCol="0" anchor="ctr"/>
-          <a:lstStyle/>
-          <a:p>
-            <a:pPr algn="ctr"/>
-            <a:endParaRPr lang="en-US"/>
-          </a:p>
-        </p:txBody>
-      </p:sp>
-      <p:sp>
-        <p:nvSpPr>
-          <p:cNvPr id="36" name="Up Arrow 21">
-            <a:extLst>
-              <a:ext uri="{FF2B5EF4-FFF2-40B4-BE49-F238E27FC236}">
-                <a16:creationId xmlns:a16="http://schemas.microsoft.com/office/drawing/2014/main" id="{B4824F15-F0E0-4962-BA25-1063D7AD58E5}"/>
-              </a:ext>
-            </a:extLst>
-          </p:cNvPr>
-          <p:cNvSpPr/>
-          <p:nvPr/>
-        </p:nvSpPr>
-        <p:spPr>
-          <a:xfrm rot="10800000">
-            <a:off x="10675231" y="3823622"/>
-            <a:ext cx="251671" cy="680885"/>
-          </a:xfrm>
-          <a:prstGeom prst="upArrow">
-            <a:avLst/>
-          </a:prstGeom>
-          <a:solidFill>
-            <a:schemeClr val="bg2">
-              <a:lumMod val="75000"/>
-            </a:schemeClr>
-          </a:solidFill>
-          <a:ln>
-            <a:noFill/>
-          </a:ln>
-          <a:effectLst>
-            <a:outerShdw blurRad="50800" dist="38100" dir="2700000" algn="tl" rotWithShape="0">
-              <a:prstClr val="black">
-                <a:alpha val="40000"/>
-              </a:prstClr>
-            </a:outerShdw>
-          </a:effectLst>
-        </p:spPr>
-        <p:style>
-          <a:lnRef idx="1">
-            <a:schemeClr val="accent1"/>
-          </a:lnRef>
-          <a:fillRef idx="3">
-            <a:schemeClr val="accent1"/>
-          </a:fillRef>
-          <a:effectRef idx="2">
-            <a:schemeClr val="accent1"/>
-          </a:effectRef>
-          <a:fontRef idx="minor">
-            <a:schemeClr val="lt1"/>
-          </a:fontRef>
-        </p:style>
-        <p:txBody>
-          <a:bodyPr rtlCol="0" anchor="ctr"/>
-          <a:lstStyle/>
-          <a:p>
-            <a:pPr algn="ctr"/>
-            <a:endParaRPr lang="en-US"/>
-          </a:p>
-        </p:txBody>
-      </p:sp>
+        </p:spPr>
+      </p:pic>
     </p:spTree>
     <p:extLst>
       <p:ext uri="{BB962C8B-B14F-4D97-AF65-F5344CB8AC3E}">
-        <p14:creationId xmlns:p14="http://schemas.microsoft.com/office/powerpoint/2010/main" val="51687287"/>
+        <p14:creationId xmlns:p14="http://schemas.microsoft.com/office/powerpoint/2010/main" val="898300131"/>
       </p:ext>
     </p:extLst>
   </p:cSld>
@@ -12472,7 +16434,7 @@
           <p:cNvPr id="2" name="Title 1">
             <a:extLst>
               <a:ext uri="{FF2B5EF4-FFF2-40B4-BE49-F238E27FC236}">
-                <a16:creationId xmlns:a16="http://schemas.microsoft.com/office/drawing/2014/main" id="{E6C2659F-83BC-4FCB-AEBD-13BE1F760F9A}"/>
+                <a16:creationId xmlns:a16="http://schemas.microsoft.com/office/drawing/2014/main" id="{B85EB323-3F30-45A2-BAA5-D5373A4BC1FD}"/>
               </a:ext>
             </a:extLst>
           </p:cNvPr>
@@ -12490,907 +16452,47 @@
           <a:p>
             <a:r>
               <a:rPr lang="en-US" dirty="0"/>
-              <a:t>How many modules?</a:t>
-            </a:r>
-          </a:p>
-        </p:txBody>
-      </p:sp>
-      <p:sp>
-        <p:nvSpPr>
-          <p:cNvPr id="3" name="Content Placeholder 2">
+              <a:t>Available DCAF Modules</a:t>
+            </a:r>
+          </a:p>
+        </p:txBody>
+      </p:sp>
+      <p:pic>
+        <p:nvPicPr>
+          <p:cNvPr id="4" name="Content Placeholder 3">
             <a:extLst>
               <a:ext uri="{FF2B5EF4-FFF2-40B4-BE49-F238E27FC236}">
-                <a16:creationId xmlns:a16="http://schemas.microsoft.com/office/drawing/2014/main" id="{26495F02-3385-4489-B540-E8477CB2E834}"/>
+                <a16:creationId xmlns:a16="http://schemas.microsoft.com/office/drawing/2014/main" id="{B4552DF6-6307-4684-998B-97A46FD1F4CB}"/>
               </a:ext>
             </a:extLst>
           </p:cNvPr>
-          <p:cNvSpPr>
-            <a:spLocks noGrp="1"/>
-          </p:cNvSpPr>
+          <p:cNvPicPr>
+            <a:picLocks noGrp="1" noChangeAspect="1"/>
+          </p:cNvPicPr>
           <p:nvPr>
             <p:ph idx="1"/>
           </p:nvPr>
-        </p:nvSpPr>
+        </p:nvPicPr>
+        <p:blipFill>
+          <a:blip r:embed="rId2"/>
+          <a:stretch>
+            <a:fillRect/>
+          </a:stretch>
+        </p:blipFill>
         <p:spPr>
           <a:xfrm>
-            <a:off x="605367" y="975360"/>
-            <a:ext cx="10972800" cy="971931"/>
-          </a:xfrm>
-        </p:spPr>
-        <p:txBody>
-          <a:bodyPr/>
-          <a:lstStyle/>
-          <a:p>
-            <a:r>
-              <a:rPr lang="en-US" dirty="0"/>
-              <a:t>If multiple combinations are possible, keep them separate</a:t>
-            </a:r>
-          </a:p>
-          <a:p>
-            <a:endParaRPr lang="en-US" dirty="0"/>
-          </a:p>
-          <a:p>
-            <a:endParaRPr lang="en-US" dirty="0"/>
-          </a:p>
-          <a:p>
-            <a:endParaRPr lang="en-US" dirty="0"/>
-          </a:p>
-          <a:p>
-            <a:pPr marL="0" indent="0">
-              <a:buNone/>
-            </a:pPr>
-            <a:endParaRPr lang="en-US" dirty="0"/>
-          </a:p>
-        </p:txBody>
-      </p:sp>
-      <p:sp>
-        <p:nvSpPr>
-          <p:cNvPr id="12" name="Rounded Rectangle 3">
-            <a:extLst>
-              <a:ext uri="{FF2B5EF4-FFF2-40B4-BE49-F238E27FC236}">
-                <a16:creationId xmlns:a16="http://schemas.microsoft.com/office/drawing/2014/main" id="{071EB096-6C5A-4742-AB6E-310B48A5462D}"/>
-              </a:ext>
-            </a:extLst>
-          </p:cNvPr>
-          <p:cNvSpPr/>
-          <p:nvPr/>
-        </p:nvSpPr>
-        <p:spPr>
-          <a:xfrm>
-            <a:off x="2870818" y="2696876"/>
-            <a:ext cx="1828800" cy="771787"/>
-          </a:xfrm>
-          <a:prstGeom prst="roundRect">
+            <a:off x="2673415" y="974725"/>
+            <a:ext cx="6835646" cy="4897438"/>
+          </a:xfrm>
+          <a:prstGeom prst="rect">
             <a:avLst/>
           </a:prstGeom>
-          <a:solidFill>
-            <a:schemeClr val="tx2">
-              <a:lumMod val="50000"/>
-            </a:schemeClr>
-          </a:solidFill>
-          <a:ln w="28575">
-            <a:solidFill>
-              <a:schemeClr val="tx1"/>
-            </a:solidFill>
-          </a:ln>
-          <a:effectLst>
-            <a:outerShdw blurRad="50800" dist="38100" dir="2700000" algn="tl" rotWithShape="0">
-              <a:prstClr val="black">
-                <a:alpha val="40000"/>
-              </a:prstClr>
-            </a:outerShdw>
-          </a:effectLst>
-        </p:spPr>
-        <p:style>
-          <a:lnRef idx="1">
-            <a:schemeClr val="accent1"/>
-          </a:lnRef>
-          <a:fillRef idx="3">
-            <a:schemeClr val="accent1"/>
-          </a:fillRef>
-          <a:effectRef idx="2">
-            <a:schemeClr val="accent1"/>
-          </a:effectRef>
-          <a:fontRef idx="minor">
-            <a:schemeClr val="lt1"/>
-          </a:fontRef>
-        </p:style>
-        <p:txBody>
-          <a:bodyPr rtlCol="0" anchor="ctr"/>
-          <a:lstStyle/>
-          <a:p>
-            <a:pPr algn="ctr"/>
-            <a:r>
-              <a:rPr lang="en-US" dirty="0"/>
-              <a:t>Custom Input Module 1</a:t>
-            </a:r>
-          </a:p>
-        </p:txBody>
-      </p:sp>
-      <p:sp>
-        <p:nvSpPr>
-          <p:cNvPr id="13" name="Rounded Rectangle 4">
-            <a:extLst>
-              <a:ext uri="{FF2B5EF4-FFF2-40B4-BE49-F238E27FC236}">
-                <a16:creationId xmlns:a16="http://schemas.microsoft.com/office/drawing/2014/main" id="{DF97D33A-496D-415C-9003-D9090F872DE8}"/>
-              </a:ext>
-            </a:extLst>
-          </p:cNvPr>
-          <p:cNvSpPr/>
-          <p:nvPr/>
-        </p:nvSpPr>
-        <p:spPr>
-          <a:xfrm>
-            <a:off x="5240159" y="2675633"/>
-            <a:ext cx="1828800" cy="771787"/>
-          </a:xfrm>
-          <a:prstGeom prst="roundRect">
-            <a:avLst/>
-          </a:prstGeom>
-          <a:solidFill>
-            <a:schemeClr val="accent6">
-              <a:lumMod val="75000"/>
-            </a:schemeClr>
-          </a:solidFill>
-          <a:ln w="28575">
-            <a:solidFill>
-              <a:schemeClr val="tx1"/>
-            </a:solidFill>
-          </a:ln>
-          <a:effectLst>
-            <a:outerShdw blurRad="50800" dist="38100" dir="2700000" algn="tl" rotWithShape="0">
-              <a:prstClr val="black">
-                <a:alpha val="40000"/>
-              </a:prstClr>
-            </a:outerShdw>
-          </a:effectLst>
-        </p:spPr>
-        <p:style>
-          <a:lnRef idx="1">
-            <a:schemeClr val="accent1"/>
-          </a:lnRef>
-          <a:fillRef idx="3">
-            <a:schemeClr val="accent1"/>
-          </a:fillRef>
-          <a:effectRef idx="2">
-            <a:schemeClr val="accent1"/>
-          </a:effectRef>
-          <a:fontRef idx="minor">
-            <a:schemeClr val="lt1"/>
-          </a:fontRef>
-        </p:style>
-        <p:txBody>
-          <a:bodyPr rtlCol="0" anchor="ctr"/>
-          <a:lstStyle/>
-          <a:p>
-            <a:pPr algn="ctr"/>
-            <a:r>
-              <a:rPr lang="en-US" dirty="0"/>
-              <a:t>Custom Process Module 1</a:t>
-            </a:r>
-          </a:p>
-        </p:txBody>
-      </p:sp>
-      <p:sp>
-        <p:nvSpPr>
-          <p:cNvPr id="14" name="Rounded Rectangle 5">
-            <a:extLst>
-              <a:ext uri="{FF2B5EF4-FFF2-40B4-BE49-F238E27FC236}">
-                <a16:creationId xmlns:a16="http://schemas.microsoft.com/office/drawing/2014/main" id="{AC7AE688-9FA1-4E17-8726-8DE82A9C07BB}"/>
-              </a:ext>
-            </a:extLst>
-          </p:cNvPr>
-          <p:cNvSpPr/>
-          <p:nvPr/>
-        </p:nvSpPr>
-        <p:spPr>
-          <a:xfrm>
-            <a:off x="7492380" y="2675631"/>
-            <a:ext cx="1828800" cy="1695439"/>
-          </a:xfrm>
-          <a:prstGeom prst="roundRect">
-            <a:avLst/>
-          </a:prstGeom>
-          <a:solidFill>
-            <a:schemeClr val="tx2">
-              <a:lumMod val="50000"/>
-            </a:schemeClr>
-          </a:solidFill>
-          <a:ln w="28575">
-            <a:solidFill>
-              <a:schemeClr val="tx1"/>
-            </a:solidFill>
-          </a:ln>
-          <a:effectLst>
-            <a:outerShdw blurRad="50800" dist="38100" dir="2700000" algn="tl" rotWithShape="0">
-              <a:prstClr val="black">
-                <a:alpha val="40000"/>
-              </a:prstClr>
-            </a:outerShdw>
-          </a:effectLst>
-        </p:spPr>
-        <p:style>
-          <a:lnRef idx="1">
-            <a:schemeClr val="accent1"/>
-          </a:lnRef>
-          <a:fillRef idx="3">
-            <a:schemeClr val="accent1"/>
-          </a:fillRef>
-          <a:effectRef idx="2">
-            <a:schemeClr val="accent1"/>
-          </a:effectRef>
-          <a:fontRef idx="minor">
-            <a:schemeClr val="lt1"/>
-          </a:fontRef>
-        </p:style>
-        <p:txBody>
-          <a:bodyPr rtlCol="0" anchor="ctr"/>
-          <a:lstStyle/>
-          <a:p>
-            <a:pPr algn="ctr"/>
-            <a:r>
-              <a:rPr lang="en-US" dirty="0"/>
-              <a:t>Scan Engine Module</a:t>
-            </a:r>
-          </a:p>
-        </p:txBody>
-      </p:sp>
-      <p:sp>
-        <p:nvSpPr>
-          <p:cNvPr id="15" name="Rounded Rectangle 6">
-            <a:extLst>
-              <a:ext uri="{FF2B5EF4-FFF2-40B4-BE49-F238E27FC236}">
-                <a16:creationId xmlns:a16="http://schemas.microsoft.com/office/drawing/2014/main" id="{175EFA03-0F68-4E83-A963-597CBB5A67DF}"/>
-              </a:ext>
-            </a:extLst>
-          </p:cNvPr>
-          <p:cNvSpPr/>
-          <p:nvPr/>
-        </p:nvSpPr>
-        <p:spPr>
-          <a:xfrm>
-            <a:off x="2870819" y="1785104"/>
-            <a:ext cx="6450362" cy="771787"/>
-          </a:xfrm>
-          <a:prstGeom prst="roundRect">
-            <a:avLst/>
-          </a:prstGeom>
-          <a:solidFill>
-            <a:srgbClr val="C00000"/>
-          </a:solidFill>
-          <a:ln w="28575">
-            <a:solidFill>
-              <a:schemeClr val="tx1"/>
-            </a:solidFill>
-          </a:ln>
-          <a:effectLst>
-            <a:outerShdw blurRad="50800" dist="38100" dir="2700000" algn="tl" rotWithShape="0">
-              <a:prstClr val="black">
-                <a:alpha val="40000"/>
-              </a:prstClr>
-            </a:outerShdw>
-          </a:effectLst>
-        </p:spPr>
-        <p:style>
-          <a:lnRef idx="1">
-            <a:schemeClr val="accent1"/>
-          </a:lnRef>
-          <a:fillRef idx="3">
-            <a:schemeClr val="accent1"/>
-          </a:fillRef>
-          <a:effectRef idx="2">
-            <a:schemeClr val="accent1"/>
-          </a:effectRef>
-          <a:fontRef idx="minor">
-            <a:schemeClr val="lt1"/>
-          </a:fontRef>
-        </p:style>
-        <p:txBody>
-          <a:bodyPr rtlCol="0" anchor="ctr"/>
-          <a:lstStyle/>
-          <a:p>
-            <a:pPr algn="ctr"/>
-            <a:r>
-              <a:rPr lang="en-US" dirty="0"/>
-              <a:t>Engine</a:t>
-            </a:r>
-          </a:p>
-        </p:txBody>
-      </p:sp>
-      <p:sp>
-        <p:nvSpPr>
-          <p:cNvPr id="19" name="Up Arrow 10">
-            <a:extLst>
-              <a:ext uri="{FF2B5EF4-FFF2-40B4-BE49-F238E27FC236}">
-                <a16:creationId xmlns:a16="http://schemas.microsoft.com/office/drawing/2014/main" id="{2607A99D-61B4-467E-BBED-0AA7D97CB935}"/>
-              </a:ext>
-            </a:extLst>
-          </p:cNvPr>
-          <p:cNvSpPr/>
-          <p:nvPr/>
-        </p:nvSpPr>
-        <p:spPr>
-          <a:xfrm rot="5400000">
-            <a:off x="4998140" y="2725733"/>
-            <a:ext cx="251671" cy="680885"/>
-          </a:xfrm>
-          <a:prstGeom prst="upArrow">
-            <a:avLst/>
-          </a:prstGeom>
-          <a:solidFill>
-            <a:schemeClr val="accent1"/>
-          </a:solidFill>
-          <a:ln>
-            <a:noFill/>
-          </a:ln>
-          <a:effectLst>
-            <a:outerShdw blurRad="50800" dist="38100" dir="2700000" algn="tl" rotWithShape="0">
-              <a:prstClr val="black">
-                <a:alpha val="40000"/>
-              </a:prstClr>
-            </a:outerShdw>
-          </a:effectLst>
-        </p:spPr>
-        <p:style>
-          <a:lnRef idx="1">
-            <a:schemeClr val="accent1"/>
-          </a:lnRef>
-          <a:fillRef idx="3">
-            <a:schemeClr val="accent1"/>
-          </a:fillRef>
-          <a:effectRef idx="2">
-            <a:schemeClr val="accent1"/>
-          </a:effectRef>
-          <a:fontRef idx="minor">
-            <a:schemeClr val="lt1"/>
-          </a:fontRef>
-        </p:style>
-        <p:txBody>
-          <a:bodyPr rtlCol="0" anchor="ctr"/>
-          <a:lstStyle/>
-          <a:p>
-            <a:pPr algn="ctr"/>
-            <a:endParaRPr lang="en-US"/>
-          </a:p>
-        </p:txBody>
-      </p:sp>
-      <p:sp>
-        <p:nvSpPr>
-          <p:cNvPr id="21" name="Cloud 20">
-            <a:extLst>
-              <a:ext uri="{FF2B5EF4-FFF2-40B4-BE49-F238E27FC236}">
-                <a16:creationId xmlns:a16="http://schemas.microsoft.com/office/drawing/2014/main" id="{90E59BB9-204E-4888-8718-CEF2A224153E}"/>
-              </a:ext>
-            </a:extLst>
-          </p:cNvPr>
-          <p:cNvSpPr/>
-          <p:nvPr/>
-        </p:nvSpPr>
-        <p:spPr>
-          <a:xfrm>
-            <a:off x="3015770" y="4854135"/>
-            <a:ext cx="1373453" cy="839972"/>
-          </a:xfrm>
-          <a:prstGeom prst="cloud">
-            <a:avLst/>
-          </a:prstGeom>
-          <a:noFill/>
-          <a:ln w="12700">
-            <a:solidFill>
-              <a:srgbClr val="0A60A3"/>
-            </a:solidFill>
-          </a:ln>
-          <a:effectLst/>
-        </p:spPr>
-        <p:style>
-          <a:lnRef idx="1">
-            <a:schemeClr val="accent1"/>
-          </a:lnRef>
-          <a:fillRef idx="3">
-            <a:schemeClr val="accent1"/>
-          </a:fillRef>
-          <a:effectRef idx="2">
-            <a:schemeClr val="accent1"/>
-          </a:effectRef>
-          <a:fontRef idx="minor">
-            <a:schemeClr val="lt1"/>
-          </a:fontRef>
-        </p:style>
-        <p:txBody>
-          <a:bodyPr lIns="0" rIns="0" rtlCol="0" anchor="ctr"/>
-          <a:lstStyle/>
-          <a:p>
-            <a:pPr algn="ctr"/>
-            <a:r>
-              <a:rPr lang="en-US" dirty="0">
-                <a:solidFill>
-                  <a:schemeClr val="tx1"/>
-                </a:solidFill>
-              </a:rPr>
-              <a:t>Outside</a:t>
-            </a:r>
-          </a:p>
-        </p:txBody>
-      </p:sp>
-      <p:sp>
-        <p:nvSpPr>
-          <p:cNvPr id="22" name="Cloud 21">
-            <a:extLst>
-              <a:ext uri="{FF2B5EF4-FFF2-40B4-BE49-F238E27FC236}">
-                <a16:creationId xmlns:a16="http://schemas.microsoft.com/office/drawing/2014/main" id="{09B02587-D073-4F9A-BCEA-01621FBAE694}"/>
-              </a:ext>
-            </a:extLst>
-          </p:cNvPr>
-          <p:cNvSpPr/>
-          <p:nvPr/>
-        </p:nvSpPr>
-        <p:spPr>
-          <a:xfrm>
-            <a:off x="7802777" y="4854135"/>
-            <a:ext cx="1373453" cy="839972"/>
-          </a:xfrm>
-          <a:prstGeom prst="cloud">
-            <a:avLst/>
-          </a:prstGeom>
-          <a:noFill/>
-          <a:ln w="12700">
-            <a:solidFill>
-              <a:srgbClr val="0A60A3"/>
-            </a:solidFill>
-          </a:ln>
-          <a:effectLst/>
-        </p:spPr>
-        <p:style>
-          <a:lnRef idx="1">
-            <a:schemeClr val="accent1"/>
-          </a:lnRef>
-          <a:fillRef idx="3">
-            <a:schemeClr val="accent1"/>
-          </a:fillRef>
-          <a:effectRef idx="2">
-            <a:schemeClr val="accent1"/>
-          </a:effectRef>
-          <a:fontRef idx="minor">
-            <a:schemeClr val="lt1"/>
-          </a:fontRef>
-        </p:style>
-        <p:txBody>
-          <a:bodyPr lIns="0" rIns="0" rtlCol="0" anchor="ctr"/>
-          <a:lstStyle/>
-          <a:p>
-            <a:pPr algn="ctr"/>
-            <a:r>
-              <a:rPr lang="en-US" dirty="0">
-                <a:solidFill>
-                  <a:schemeClr val="tx1"/>
-                </a:solidFill>
-              </a:rPr>
-              <a:t>Outside</a:t>
-            </a:r>
-          </a:p>
-        </p:txBody>
-      </p:sp>
-      <p:sp>
-        <p:nvSpPr>
-          <p:cNvPr id="24" name="Up Arrow 21">
-            <a:extLst>
-              <a:ext uri="{FF2B5EF4-FFF2-40B4-BE49-F238E27FC236}">
-                <a16:creationId xmlns:a16="http://schemas.microsoft.com/office/drawing/2014/main" id="{D68BCC7F-FC49-40A6-AF7A-82C4B8783470}"/>
-              </a:ext>
-            </a:extLst>
-          </p:cNvPr>
-          <p:cNvSpPr/>
-          <p:nvPr/>
-        </p:nvSpPr>
-        <p:spPr>
-          <a:xfrm rot="10800000">
-            <a:off x="8328008" y="4371069"/>
-            <a:ext cx="251671" cy="680885"/>
-          </a:xfrm>
-          <a:prstGeom prst="upArrow">
-            <a:avLst/>
-          </a:prstGeom>
-          <a:solidFill>
-            <a:schemeClr val="bg2">
-              <a:lumMod val="75000"/>
-            </a:schemeClr>
-          </a:solidFill>
-          <a:ln>
-            <a:noFill/>
-          </a:ln>
-          <a:effectLst>
-            <a:outerShdw blurRad="50800" dist="38100" dir="2700000" algn="tl" rotWithShape="0">
-              <a:prstClr val="black">
-                <a:alpha val="40000"/>
-              </a:prstClr>
-            </a:outerShdw>
-          </a:effectLst>
-        </p:spPr>
-        <p:style>
-          <a:lnRef idx="1">
-            <a:schemeClr val="accent1"/>
-          </a:lnRef>
-          <a:fillRef idx="3">
-            <a:schemeClr val="accent1"/>
-          </a:fillRef>
-          <a:effectRef idx="2">
-            <a:schemeClr val="accent1"/>
-          </a:effectRef>
-          <a:fontRef idx="minor">
-            <a:schemeClr val="lt1"/>
-          </a:fontRef>
-        </p:style>
-        <p:txBody>
-          <a:bodyPr rtlCol="0" anchor="ctr"/>
-          <a:lstStyle/>
-          <a:p>
-            <a:pPr algn="ctr"/>
-            <a:endParaRPr lang="en-US"/>
-          </a:p>
-        </p:txBody>
-      </p:sp>
-      <p:sp>
-        <p:nvSpPr>
-          <p:cNvPr id="27" name="Up Arrow 10">
-            <a:extLst>
-              <a:ext uri="{FF2B5EF4-FFF2-40B4-BE49-F238E27FC236}">
-                <a16:creationId xmlns:a16="http://schemas.microsoft.com/office/drawing/2014/main" id="{62E99CE7-AF3E-42A9-AE95-2940A292B10F}"/>
-              </a:ext>
-            </a:extLst>
-          </p:cNvPr>
-          <p:cNvSpPr/>
-          <p:nvPr/>
-        </p:nvSpPr>
-        <p:spPr>
-          <a:xfrm rot="5400000">
-            <a:off x="7283566" y="2721083"/>
-            <a:ext cx="251671" cy="680885"/>
-          </a:xfrm>
-          <a:prstGeom prst="upArrow">
-            <a:avLst/>
-          </a:prstGeom>
-          <a:solidFill>
-            <a:schemeClr val="accent1"/>
-          </a:solidFill>
-          <a:ln>
-            <a:noFill/>
-          </a:ln>
-          <a:effectLst>
-            <a:outerShdw blurRad="50800" dist="38100" dir="2700000" algn="tl" rotWithShape="0">
-              <a:prstClr val="black">
-                <a:alpha val="40000"/>
-              </a:prstClr>
-            </a:outerShdw>
-          </a:effectLst>
-        </p:spPr>
-        <p:style>
-          <a:lnRef idx="1">
-            <a:schemeClr val="accent1"/>
-          </a:lnRef>
-          <a:fillRef idx="3">
-            <a:schemeClr val="accent1"/>
-          </a:fillRef>
-          <a:effectRef idx="2">
-            <a:schemeClr val="accent1"/>
-          </a:effectRef>
-          <a:fontRef idx="minor">
-            <a:schemeClr val="lt1"/>
-          </a:fontRef>
-        </p:style>
-        <p:txBody>
-          <a:bodyPr rtlCol="0" anchor="ctr"/>
-          <a:lstStyle/>
-          <a:p>
-            <a:pPr algn="ctr"/>
-            <a:endParaRPr lang="en-US"/>
-          </a:p>
-        </p:txBody>
-      </p:sp>
-      <p:sp>
-        <p:nvSpPr>
-          <p:cNvPr id="29" name="Rounded Rectangle 3">
-            <a:extLst>
-              <a:ext uri="{FF2B5EF4-FFF2-40B4-BE49-F238E27FC236}">
-                <a16:creationId xmlns:a16="http://schemas.microsoft.com/office/drawing/2014/main" id="{5F9D93CA-5471-4B44-8022-3A33A0500774}"/>
-              </a:ext>
-            </a:extLst>
-          </p:cNvPr>
-          <p:cNvSpPr/>
-          <p:nvPr/>
-        </p:nvSpPr>
-        <p:spPr>
-          <a:xfrm>
-            <a:off x="2870818" y="3608648"/>
-            <a:ext cx="1828800" cy="771787"/>
-          </a:xfrm>
-          <a:prstGeom prst="roundRect">
-            <a:avLst/>
-          </a:prstGeom>
-          <a:solidFill>
-            <a:schemeClr val="tx2">
-              <a:lumMod val="50000"/>
-            </a:schemeClr>
-          </a:solidFill>
-          <a:ln w="28575">
-            <a:solidFill>
-              <a:schemeClr val="tx1"/>
-            </a:solidFill>
-          </a:ln>
-          <a:effectLst>
-            <a:outerShdw blurRad="50800" dist="38100" dir="2700000" algn="tl" rotWithShape="0">
-              <a:prstClr val="black">
-                <a:alpha val="40000"/>
-              </a:prstClr>
-            </a:outerShdw>
-          </a:effectLst>
-        </p:spPr>
-        <p:style>
-          <a:lnRef idx="1">
-            <a:schemeClr val="accent1"/>
-          </a:lnRef>
-          <a:fillRef idx="3">
-            <a:schemeClr val="accent1"/>
-          </a:fillRef>
-          <a:effectRef idx="2">
-            <a:schemeClr val="accent1"/>
-          </a:effectRef>
-          <a:fontRef idx="minor">
-            <a:schemeClr val="lt1"/>
-          </a:fontRef>
-        </p:style>
-        <p:txBody>
-          <a:bodyPr rtlCol="0" anchor="ctr"/>
-          <a:lstStyle/>
-          <a:p>
-            <a:pPr algn="ctr"/>
-            <a:r>
-              <a:rPr lang="en-US" dirty="0"/>
-              <a:t>Shared Memory Module</a:t>
-            </a:r>
-          </a:p>
-        </p:txBody>
-      </p:sp>
-      <p:sp>
-        <p:nvSpPr>
-          <p:cNvPr id="37" name="Rounded Rectangle 4">
-            <a:extLst>
-              <a:ext uri="{FF2B5EF4-FFF2-40B4-BE49-F238E27FC236}">
-                <a16:creationId xmlns:a16="http://schemas.microsoft.com/office/drawing/2014/main" id="{D20B955E-401A-41B9-9004-48A1813E3081}"/>
-              </a:ext>
-            </a:extLst>
-          </p:cNvPr>
-          <p:cNvSpPr/>
-          <p:nvPr/>
-        </p:nvSpPr>
-        <p:spPr>
-          <a:xfrm>
-            <a:off x="5239572" y="3599283"/>
-            <a:ext cx="1828800" cy="771787"/>
-          </a:xfrm>
-          <a:prstGeom prst="roundRect">
-            <a:avLst/>
-          </a:prstGeom>
-          <a:solidFill>
-            <a:schemeClr val="accent6">
-              <a:lumMod val="75000"/>
-            </a:schemeClr>
-          </a:solidFill>
-          <a:ln w="28575">
-            <a:solidFill>
-              <a:schemeClr val="tx1"/>
-            </a:solidFill>
-          </a:ln>
-          <a:effectLst>
-            <a:outerShdw blurRad="50800" dist="38100" dir="2700000" algn="tl" rotWithShape="0">
-              <a:prstClr val="black">
-                <a:alpha val="40000"/>
-              </a:prstClr>
-            </a:outerShdw>
-          </a:effectLst>
-        </p:spPr>
-        <p:style>
-          <a:lnRef idx="1">
-            <a:schemeClr val="accent1"/>
-          </a:lnRef>
-          <a:fillRef idx="3">
-            <a:schemeClr val="accent1"/>
-          </a:fillRef>
-          <a:effectRef idx="2">
-            <a:schemeClr val="accent1"/>
-          </a:effectRef>
-          <a:fontRef idx="minor">
-            <a:schemeClr val="lt1"/>
-          </a:fontRef>
-        </p:style>
-        <p:txBody>
-          <a:bodyPr rtlCol="0" anchor="ctr"/>
-          <a:lstStyle/>
-          <a:p>
-            <a:pPr algn="ctr"/>
-            <a:r>
-              <a:rPr lang="en-US" dirty="0"/>
-              <a:t>Custom Process Module 1</a:t>
-            </a:r>
-          </a:p>
-        </p:txBody>
-      </p:sp>
-      <p:sp>
-        <p:nvSpPr>
-          <p:cNvPr id="38" name="Up Arrow 10">
-            <a:extLst>
-              <a:ext uri="{FF2B5EF4-FFF2-40B4-BE49-F238E27FC236}">
-                <a16:creationId xmlns:a16="http://schemas.microsoft.com/office/drawing/2014/main" id="{2B8028AC-31B2-41C6-A80D-4CCB0186F900}"/>
-              </a:ext>
-            </a:extLst>
-          </p:cNvPr>
-          <p:cNvSpPr/>
-          <p:nvPr/>
-        </p:nvSpPr>
-        <p:spPr>
-          <a:xfrm rot="5400000">
-            <a:off x="4957510" y="3662876"/>
-            <a:ext cx="251671" cy="680885"/>
-          </a:xfrm>
-          <a:prstGeom prst="upArrow">
-            <a:avLst/>
-          </a:prstGeom>
-          <a:solidFill>
-            <a:schemeClr val="accent1"/>
-          </a:solidFill>
-          <a:ln>
-            <a:noFill/>
-          </a:ln>
-          <a:effectLst>
-            <a:outerShdw blurRad="50800" dist="38100" dir="2700000" algn="tl" rotWithShape="0">
-              <a:prstClr val="black">
-                <a:alpha val="40000"/>
-              </a:prstClr>
-            </a:outerShdw>
-          </a:effectLst>
-        </p:spPr>
-        <p:style>
-          <a:lnRef idx="1">
-            <a:schemeClr val="accent1"/>
-          </a:lnRef>
-          <a:fillRef idx="3">
-            <a:schemeClr val="accent1"/>
-          </a:fillRef>
-          <a:effectRef idx="2">
-            <a:schemeClr val="accent1"/>
-          </a:effectRef>
-          <a:fontRef idx="minor">
-            <a:schemeClr val="lt1"/>
-          </a:fontRef>
-        </p:style>
-        <p:txBody>
-          <a:bodyPr rtlCol="0" anchor="ctr"/>
-          <a:lstStyle/>
-          <a:p>
-            <a:pPr algn="ctr"/>
-            <a:endParaRPr lang="en-US"/>
-          </a:p>
-        </p:txBody>
-      </p:sp>
-      <p:sp>
-        <p:nvSpPr>
-          <p:cNvPr id="41" name="Up Arrow 10">
-            <a:extLst>
-              <a:ext uri="{FF2B5EF4-FFF2-40B4-BE49-F238E27FC236}">
-                <a16:creationId xmlns:a16="http://schemas.microsoft.com/office/drawing/2014/main" id="{C5974021-8BB8-476F-B8E2-B6D02DC8B34F}"/>
-              </a:ext>
-            </a:extLst>
-          </p:cNvPr>
-          <p:cNvSpPr/>
-          <p:nvPr/>
-        </p:nvSpPr>
-        <p:spPr>
-          <a:xfrm rot="5400000">
-            <a:off x="7283566" y="3672101"/>
-            <a:ext cx="251671" cy="680885"/>
-          </a:xfrm>
-          <a:prstGeom prst="upArrow">
-            <a:avLst/>
-          </a:prstGeom>
-          <a:solidFill>
-            <a:schemeClr val="accent1"/>
-          </a:solidFill>
-          <a:ln>
-            <a:noFill/>
-          </a:ln>
-          <a:effectLst>
-            <a:outerShdw blurRad="50800" dist="38100" dir="2700000" algn="tl" rotWithShape="0">
-              <a:prstClr val="black">
-                <a:alpha val="40000"/>
-              </a:prstClr>
-            </a:outerShdw>
-          </a:effectLst>
-        </p:spPr>
-        <p:style>
-          <a:lnRef idx="1">
-            <a:schemeClr val="accent1"/>
-          </a:lnRef>
-          <a:fillRef idx="3">
-            <a:schemeClr val="accent1"/>
-          </a:fillRef>
-          <a:effectRef idx="2">
-            <a:schemeClr val="accent1"/>
-          </a:effectRef>
-          <a:fontRef idx="minor">
-            <a:schemeClr val="lt1"/>
-          </a:fontRef>
-        </p:style>
-        <p:txBody>
-          <a:bodyPr rtlCol="0" anchor="ctr"/>
-          <a:lstStyle/>
-          <a:p>
-            <a:pPr algn="ctr"/>
-            <a:endParaRPr lang="en-US"/>
-          </a:p>
-        </p:txBody>
-      </p:sp>
-      <p:sp>
-        <p:nvSpPr>
-          <p:cNvPr id="23" name="Up Arrow 20">
-            <a:extLst>
-              <a:ext uri="{FF2B5EF4-FFF2-40B4-BE49-F238E27FC236}">
-                <a16:creationId xmlns:a16="http://schemas.microsoft.com/office/drawing/2014/main" id="{A68F2FA6-0C89-4906-9937-FED90954453C}"/>
-              </a:ext>
-            </a:extLst>
-          </p:cNvPr>
-          <p:cNvSpPr/>
-          <p:nvPr/>
-        </p:nvSpPr>
-        <p:spPr>
-          <a:xfrm>
-            <a:off x="3576662" y="4371070"/>
-            <a:ext cx="251671" cy="680885"/>
-          </a:xfrm>
-          <a:prstGeom prst="upArrow">
-            <a:avLst/>
-          </a:prstGeom>
-          <a:solidFill>
-            <a:schemeClr val="bg2">
-              <a:lumMod val="75000"/>
-            </a:schemeClr>
-          </a:solidFill>
-          <a:ln>
-            <a:noFill/>
-          </a:ln>
-          <a:effectLst>
-            <a:outerShdw blurRad="50800" dist="38100" dir="2700000" algn="tl" rotWithShape="0">
-              <a:prstClr val="black">
-                <a:alpha val="40000"/>
-              </a:prstClr>
-            </a:outerShdw>
-          </a:effectLst>
-        </p:spPr>
-        <p:style>
-          <a:lnRef idx="1">
-            <a:schemeClr val="accent1"/>
-          </a:lnRef>
-          <a:fillRef idx="3">
-            <a:schemeClr val="accent1"/>
-          </a:fillRef>
-          <a:effectRef idx="2">
-            <a:schemeClr val="accent1"/>
-          </a:effectRef>
-          <a:fontRef idx="minor">
-            <a:schemeClr val="lt1"/>
-          </a:fontRef>
-        </p:style>
-        <p:txBody>
-          <a:bodyPr rtlCol="0" anchor="ctr"/>
-          <a:lstStyle/>
-          <a:p>
-            <a:pPr algn="ctr"/>
-            <a:endParaRPr lang="en-US"/>
-          </a:p>
-        </p:txBody>
-      </p:sp>
+        </p:spPr>
+      </p:pic>
     </p:spTree>
     <p:extLst>
       <p:ext uri="{BB962C8B-B14F-4D97-AF65-F5344CB8AC3E}">
-        <p14:creationId xmlns:p14="http://schemas.microsoft.com/office/powerpoint/2010/main" val="2720195400"/>
+        <p14:creationId xmlns:p14="http://schemas.microsoft.com/office/powerpoint/2010/main" val="3539825084"/>
       </p:ext>
     </p:extLst>
   </p:cSld>
@@ -13419,12 +16521,18 @@
       </p:grpSpPr>
       <p:sp>
         <p:nvSpPr>
-          <p:cNvPr id="4" name="Subtitle 3"/>
+          <p:cNvPr id="3" name="Title 2">
+            <a:extLst>
+              <a:ext uri="{FF2B5EF4-FFF2-40B4-BE49-F238E27FC236}">
+                <a16:creationId xmlns:a16="http://schemas.microsoft.com/office/drawing/2014/main" id="{192302D0-EB06-4EAF-9AA8-168E404E18FF}"/>
+              </a:ext>
+            </a:extLst>
+          </p:cNvPr>
           <p:cNvSpPr>
             <a:spLocks noGrp="1"/>
           </p:cNvSpPr>
           <p:nvPr>
-            <p:ph type="body" sz="quarter" idx="10"/>
+            <p:ph type="title"/>
           </p:nvPr>
         </p:nvSpPr>
         <p:spPr/>
@@ -13434,15 +16542,107 @@
           <a:p>
             <a:r>
               <a:rPr lang="en-US" dirty="0"/>
-              <a:t>CVT</a:t>
-            </a:r>
-          </a:p>
-        </p:txBody>
-      </p:sp>
+              <a:t>Using Existing DCAF Plugins</a:t>
+            </a:r>
+          </a:p>
+        </p:txBody>
+      </p:sp>
+      <p:sp>
+        <p:nvSpPr>
+          <p:cNvPr id="4" name="Content Placeholder 3">
+            <a:extLst>
+              <a:ext uri="{FF2B5EF4-FFF2-40B4-BE49-F238E27FC236}">
+                <a16:creationId xmlns:a16="http://schemas.microsoft.com/office/drawing/2014/main" id="{4A6860E9-7233-4986-B3ED-04CFAEFCF072}"/>
+              </a:ext>
+            </a:extLst>
+          </p:cNvPr>
+          <p:cNvSpPr>
+            <a:spLocks noGrp="1"/>
+          </p:cNvSpPr>
+          <p:nvPr>
+            <p:ph idx="1"/>
+          </p:nvPr>
+        </p:nvSpPr>
+        <p:spPr>
+          <a:xfrm>
+            <a:off x="605367" y="975361"/>
+            <a:ext cx="10972800" cy="1628691"/>
+          </a:xfrm>
+        </p:spPr>
+        <p:txBody>
+          <a:bodyPr/>
+          <a:lstStyle/>
+          <a:p>
+            <a:r>
+              <a:rPr lang="en-US" dirty="0"/>
+              <a:t>If you found the module you needed:</a:t>
+            </a:r>
+          </a:p>
+          <a:p>
+            <a:pPr lvl="1"/>
+            <a:r>
+              <a:rPr lang="en-US" dirty="0"/>
+              <a:t>Test it in isolation to understand its features and detect potential gaps. </a:t>
+            </a:r>
+          </a:p>
+          <a:p>
+            <a:pPr lvl="1"/>
+            <a:r>
+              <a:rPr lang="en-US" dirty="0"/>
+              <a:t>Document issues in the corresponding </a:t>
+            </a:r>
+            <a:r>
+              <a:rPr lang="en-US" dirty="0" err="1"/>
+              <a:t>github</a:t>
+            </a:r>
+            <a:r>
+              <a:rPr lang="en-US" dirty="0"/>
+              <a:t> page.</a:t>
+            </a:r>
+          </a:p>
+          <a:p>
+            <a:pPr lvl="1"/>
+            <a:r>
+              <a:rPr lang="en-US" dirty="0"/>
+              <a:t>Collaborate by improving the module if desired!</a:t>
+            </a:r>
+          </a:p>
+        </p:txBody>
+      </p:sp>
+      <p:pic>
+        <p:nvPicPr>
+          <p:cNvPr id="2" name="Picture 1">
+            <a:extLst>
+              <a:ext uri="{FF2B5EF4-FFF2-40B4-BE49-F238E27FC236}">
+                <a16:creationId xmlns:a16="http://schemas.microsoft.com/office/drawing/2014/main" id="{C9C6EFBA-ADD1-43D6-AA1A-C5564831A165}"/>
+              </a:ext>
+            </a:extLst>
+          </p:cNvPr>
+          <p:cNvPicPr>
+            <a:picLocks noChangeAspect="1"/>
+          </p:cNvPicPr>
+          <p:nvPr/>
+        </p:nvPicPr>
+        <p:blipFill>
+          <a:blip r:embed="rId2"/>
+          <a:stretch>
+            <a:fillRect/>
+          </a:stretch>
+        </p:blipFill>
+        <p:spPr>
+          <a:xfrm>
+            <a:off x="4005979" y="2687864"/>
+            <a:ext cx="4412466" cy="3961414"/>
+          </a:xfrm>
+          <a:prstGeom prst="rect">
+            <a:avLst/>
+          </a:prstGeom>
+        </p:spPr>
+      </p:pic>
     </p:spTree>
     <p:extLst>
       <p:ext uri="{BB962C8B-B14F-4D97-AF65-F5344CB8AC3E}">
-        <p14:creationId xmlns:p14="http://schemas.microsoft.com/office/powerpoint/2010/main" val="3751644468"/>
+        <p14:creationId xmlns:p14="http://schemas.microsoft.com/office/powerpoint/2010/main" val="3704159020"/>
       </p:ext>
     </p:extLst>
   </p:cSld>
@@ -13471,32 +16671,10 @@
       </p:grpSpPr>
       <p:sp>
         <p:nvSpPr>
-          <p:cNvPr id="2" name="Title 1"/>
-          <p:cNvSpPr>
-            <a:spLocks noGrp="1"/>
-          </p:cNvSpPr>
-          <p:nvPr>
-            <p:ph type="title"/>
-          </p:nvPr>
-        </p:nvSpPr>
-        <p:spPr/>
-        <p:txBody>
-          <a:bodyPr/>
-          <a:lstStyle/>
-          <a:p>
-            <a:r>
-              <a:rPr lang="en-US" dirty="0"/>
-              <a:t>DCAF Project Templates</a:t>
-            </a:r>
-          </a:p>
-        </p:txBody>
-      </p:sp>
-      <p:sp>
-        <p:nvSpPr>
-          <p:cNvPr id="3" name="Content Placeholder 2">
+          <p:cNvPr id="3" name="Text Placeholder 2">
             <a:extLst>
               <a:ext uri="{FF2B5EF4-FFF2-40B4-BE49-F238E27FC236}">
-                <a16:creationId xmlns:a16="http://schemas.microsoft.com/office/drawing/2014/main" id="{2ECF9B28-DE68-4FA0-9781-EBA7BD4D1FDA}"/>
+                <a16:creationId xmlns:a16="http://schemas.microsoft.com/office/drawing/2014/main" id="{6A3734B9-6B96-42EE-BB2D-F6E92255F65C}"/>
               </a:ext>
             </a:extLst>
           </p:cNvPr>
@@ -13504,7 +16682,7 @@
             <a:spLocks noGrp="1"/>
           </p:cNvSpPr>
           <p:nvPr>
-            <p:ph idx="1"/>
+            <p:ph type="body" sz="quarter" idx="10"/>
           </p:nvPr>
         </p:nvSpPr>
         <p:spPr/>
@@ -13512,153 +16690,23 @@
           <a:bodyPr/>
           <a:lstStyle/>
           <a:p>
-            <a:endParaRPr lang="en-US"/>
-          </a:p>
-        </p:txBody>
-      </p:sp>
-      <p:pic>
-        <p:nvPicPr>
-          <p:cNvPr id="8" name="Picture 7">
-            <a:extLst>
-              <a:ext uri="{FF2B5EF4-FFF2-40B4-BE49-F238E27FC236}">
-                <a16:creationId xmlns:a16="http://schemas.microsoft.com/office/drawing/2014/main" id="{0CAD30DF-6589-45E7-BC2E-5AEB380F89C4}"/>
-              </a:ext>
-            </a:extLst>
-          </p:cNvPr>
-          <p:cNvPicPr>
-            <a:picLocks noChangeAspect="1"/>
-          </p:cNvPicPr>
-          <p:nvPr/>
-        </p:nvPicPr>
-        <p:blipFill>
-          <a:blip r:embed="rId3">
-            <a:extLst>
-              <a:ext uri="{28A0092B-C50C-407E-A947-70E740481C1C}">
-                <a14:useLocalDpi xmlns:a14="http://schemas.microsoft.com/office/drawing/2010/main" val="0"/>
-              </a:ext>
-            </a:extLst>
-          </a:blip>
-          <a:stretch>
-            <a:fillRect/>
-          </a:stretch>
-        </p:blipFill>
-        <p:spPr>
-          <a:xfrm>
-            <a:off x="548639" y="1753786"/>
-            <a:ext cx="6048104" cy="4369176"/>
-          </a:xfrm>
-          <a:prstGeom prst="rect">
-            <a:avLst/>
-          </a:prstGeom>
-        </p:spPr>
-      </p:pic>
-      <p:pic>
-        <p:nvPicPr>
-          <p:cNvPr id="9" name="Picture 8">
-            <a:extLst>
-              <a:ext uri="{FF2B5EF4-FFF2-40B4-BE49-F238E27FC236}">
-                <a16:creationId xmlns:a16="http://schemas.microsoft.com/office/drawing/2014/main" id="{41E65BB4-69E1-4C76-B287-62E80991284D}"/>
-              </a:ext>
-            </a:extLst>
-          </p:cNvPr>
-          <p:cNvPicPr>
-            <a:picLocks noChangeAspect="1"/>
-          </p:cNvPicPr>
-          <p:nvPr/>
-        </p:nvPicPr>
-        <p:blipFill>
-          <a:blip r:embed="rId4">
-            <a:extLst>
-              <a:ext uri="{28A0092B-C50C-407E-A947-70E740481C1C}">
-                <a14:useLocalDpi xmlns:a14="http://schemas.microsoft.com/office/drawing/2010/main" val="0"/>
-              </a:ext>
-            </a:extLst>
-          </a:blip>
-          <a:stretch>
-            <a:fillRect/>
-          </a:stretch>
-        </p:blipFill>
-        <p:spPr>
-          <a:xfrm>
-            <a:off x="7404104" y="2427538"/>
-            <a:ext cx="3133310" cy="3021672"/>
-          </a:xfrm>
-          <a:prstGeom prst="rect">
-            <a:avLst/>
-          </a:prstGeom>
-        </p:spPr>
-      </p:pic>
-      <p:cxnSp>
-        <p:nvCxnSpPr>
-          <p:cNvPr id="10" name="Straight Arrow Connector 9">
-            <a:extLst>
-              <a:ext uri="{FF2B5EF4-FFF2-40B4-BE49-F238E27FC236}">
-                <a16:creationId xmlns:a16="http://schemas.microsoft.com/office/drawing/2014/main" id="{4B66E0AE-DE96-4899-A9FA-CE8D97728836}"/>
-              </a:ext>
-            </a:extLst>
-          </p:cNvPr>
-          <p:cNvCxnSpPr>
-            <a:cxnSpLocks/>
-            <a:stCxn id="8" idx="3"/>
-            <a:endCxn id="9" idx="1"/>
-          </p:cNvCxnSpPr>
-          <p:nvPr/>
-        </p:nvCxnSpPr>
-        <p:spPr>
-          <a:xfrm>
-            <a:off x="6596743" y="3938374"/>
-            <a:ext cx="807361" cy="0"/>
-          </a:xfrm>
-          <a:prstGeom prst="straightConnector1">
-            <a:avLst/>
-          </a:prstGeom>
-          <a:ln w="76200">
-            <a:solidFill>
-              <a:schemeClr val="bg2">
-                <a:lumMod val="25000"/>
-              </a:schemeClr>
-            </a:solidFill>
-            <a:headEnd type="none"/>
-            <a:tailEnd type="triangle"/>
-          </a:ln>
-        </p:spPr>
-        <p:style>
-          <a:lnRef idx="1">
-            <a:schemeClr val="accent1"/>
-          </a:lnRef>
-          <a:fillRef idx="0">
-            <a:schemeClr val="accent1"/>
-          </a:fillRef>
-          <a:effectRef idx="0">
-            <a:schemeClr val="accent1"/>
-          </a:effectRef>
-          <a:fontRef idx="minor">
-            <a:schemeClr val="tx1"/>
-          </a:fontRef>
-        </p:style>
-      </p:cxnSp>
+            <a:r>
+              <a:rPr lang="en-US" dirty="0"/>
+              <a:t>Deciding When to Build New Plugin Modules</a:t>
+            </a:r>
+          </a:p>
+        </p:txBody>
+      </p:sp>
     </p:spTree>
     <p:extLst>
       <p:ext uri="{BB962C8B-B14F-4D97-AF65-F5344CB8AC3E}">
-        <p14:creationId xmlns:p14="http://schemas.microsoft.com/office/powerpoint/2010/main" val="1023362139"/>
+        <p14:creationId xmlns:p14="http://schemas.microsoft.com/office/powerpoint/2010/main" val="1601507416"/>
       </p:ext>
     </p:extLst>
   </p:cSld>
   <p:clrMapOvr>
     <a:masterClrMapping/>
   </p:clrMapOvr>
-  <mc:AlternateContent xmlns:mc="http://schemas.openxmlformats.org/markup-compatibility/2006" xmlns:p14="http://schemas.microsoft.com/office/powerpoint/2010/main">
-    <mc:Choice Requires="p14">
-      <p:transition spd="med" p14:dur="700">
-        <p:fade/>
-      </p:transition>
-    </mc:Choice>
-    <mc:Fallback xmlns="">
-      <p:transition spd="med">
-        <p:fade/>
-      </p:transition>
-    </mc:Fallback>
-  </mc:AlternateContent>
 </p:sld>
 </file>
 
